--- a/OMP_ADKAR_template.pptx
+++ b/OMP_ADKAR_template.pptx
@@ -5,10 +5,19 @@
     <p:sldMasterId id="2147483687" r:id="rId1"/>
   </p:sldMasterIdLst>
   <p:notesMasterIdLst>
-    <p:notesMasterId r:id="rId3"/>
+    <p:notesMasterId r:id="rId12"/>
   </p:notesMasterIdLst>
   <p:sldIdLst>
     <p:sldId id="6151" r:id="rId2"/>
+    <p:sldId id="6152" r:id="rId3"/>
+    <p:sldId id="6153" r:id="rId4"/>
+    <p:sldId id="6154" r:id="rId5"/>
+    <p:sldId id="6155" r:id="rId6"/>
+    <p:sldId id="6156" r:id="rId7"/>
+    <p:sldId id="6157" r:id="rId8"/>
+    <p:sldId id="6158" r:id="rId9"/>
+    <p:sldId id="6159" r:id="rId10"/>
+    <p:sldId id="6160" r:id="rId11"/>
   </p:sldIdLst>
   <p:sldSz cx="12192000" cy="6858000"/>
   <p:notesSz cx="6858000" cy="9144000"/>
@@ -129,6 +138,83 @@
 </p1510:revInfo>
 </file>
 
+<file path=ppt/changesInfos/changesInfo1.xml><?xml version="1.0" encoding="utf-8"?>
+<pc:chgInfo xmlns:a="http://schemas.openxmlformats.org/drawingml/2006/main" xmlns:r="http://schemas.openxmlformats.org/officeDocument/2006/relationships" xmlns:ac="http://schemas.microsoft.com/office/drawing/2013/main/command" xmlns:pc="http://schemas.microsoft.com/office/powerpoint/2013/main/command">
+  <pc:docChgLst>
+    <pc:chgData name="Arbour, Duncan" userId="f8c76c83-f09a-4702-8a60-e00215c8b89f" providerId="ADAL" clId="{D759EEE6-8EBC-3E46-96C0-6C7FE9E92CB1}"/>
+    <pc:docChg chg="addSld">
+      <pc:chgData name="Arbour, Duncan" userId="f8c76c83-f09a-4702-8a60-e00215c8b89f" providerId="ADAL" clId="{D759EEE6-8EBC-3E46-96C0-6C7FE9E92CB1}" dt="2024-11-07T13:57:03.389" v="8" actId="2890"/>
+      <pc:docMkLst>
+        <pc:docMk/>
+      </pc:docMkLst>
+      <pc:sldChg chg="add">
+        <pc:chgData name="Arbour, Duncan" userId="f8c76c83-f09a-4702-8a60-e00215c8b89f" providerId="ADAL" clId="{D759EEE6-8EBC-3E46-96C0-6C7FE9E92CB1}" dt="2024-11-07T13:56:58.038" v="0" actId="2890"/>
+        <pc:sldMkLst>
+          <pc:docMk/>
+          <pc:sldMk cId="3155789517" sldId="6152"/>
+        </pc:sldMkLst>
+      </pc:sldChg>
+      <pc:sldChg chg="add">
+        <pc:chgData name="Arbour, Duncan" userId="f8c76c83-f09a-4702-8a60-e00215c8b89f" providerId="ADAL" clId="{D759EEE6-8EBC-3E46-96C0-6C7FE9E92CB1}" dt="2024-11-07T13:56:59.047" v="1" actId="2890"/>
+        <pc:sldMkLst>
+          <pc:docMk/>
+          <pc:sldMk cId="2195706034" sldId="6153"/>
+        </pc:sldMkLst>
+      </pc:sldChg>
+      <pc:sldChg chg="add">
+        <pc:chgData name="Arbour, Duncan" userId="f8c76c83-f09a-4702-8a60-e00215c8b89f" providerId="ADAL" clId="{D759EEE6-8EBC-3E46-96C0-6C7FE9E92CB1}" dt="2024-11-07T13:56:59.711" v="2" actId="2890"/>
+        <pc:sldMkLst>
+          <pc:docMk/>
+          <pc:sldMk cId="2351766959" sldId="6154"/>
+        </pc:sldMkLst>
+      </pc:sldChg>
+      <pc:sldChg chg="add">
+        <pc:chgData name="Arbour, Duncan" userId="f8c76c83-f09a-4702-8a60-e00215c8b89f" providerId="ADAL" clId="{D759EEE6-8EBC-3E46-96C0-6C7FE9E92CB1}" dt="2024-11-07T13:57:00.345" v="3" actId="2890"/>
+        <pc:sldMkLst>
+          <pc:docMk/>
+          <pc:sldMk cId="1809916692" sldId="6155"/>
+        </pc:sldMkLst>
+      </pc:sldChg>
+      <pc:sldChg chg="add">
+        <pc:chgData name="Arbour, Duncan" userId="f8c76c83-f09a-4702-8a60-e00215c8b89f" providerId="ADAL" clId="{D759EEE6-8EBC-3E46-96C0-6C7FE9E92CB1}" dt="2024-11-07T13:57:00.993" v="4" actId="2890"/>
+        <pc:sldMkLst>
+          <pc:docMk/>
+          <pc:sldMk cId="1131727307" sldId="6156"/>
+        </pc:sldMkLst>
+      </pc:sldChg>
+      <pc:sldChg chg="add">
+        <pc:chgData name="Arbour, Duncan" userId="f8c76c83-f09a-4702-8a60-e00215c8b89f" providerId="ADAL" clId="{D759EEE6-8EBC-3E46-96C0-6C7FE9E92CB1}" dt="2024-11-07T13:57:01.575" v="5" actId="2890"/>
+        <pc:sldMkLst>
+          <pc:docMk/>
+          <pc:sldMk cId="3594415621" sldId="6157"/>
+        </pc:sldMkLst>
+      </pc:sldChg>
+      <pc:sldChg chg="add">
+        <pc:chgData name="Arbour, Duncan" userId="f8c76c83-f09a-4702-8a60-e00215c8b89f" providerId="ADAL" clId="{D759EEE6-8EBC-3E46-96C0-6C7FE9E92CB1}" dt="2024-11-07T13:57:02.209" v="6" actId="2890"/>
+        <pc:sldMkLst>
+          <pc:docMk/>
+          <pc:sldMk cId="3594114673" sldId="6158"/>
+        </pc:sldMkLst>
+      </pc:sldChg>
+      <pc:sldChg chg="add">
+        <pc:chgData name="Arbour, Duncan" userId="f8c76c83-f09a-4702-8a60-e00215c8b89f" providerId="ADAL" clId="{D759EEE6-8EBC-3E46-96C0-6C7FE9E92CB1}" dt="2024-11-07T13:57:02.777" v="7" actId="2890"/>
+        <pc:sldMkLst>
+          <pc:docMk/>
+          <pc:sldMk cId="1144504815" sldId="6159"/>
+        </pc:sldMkLst>
+      </pc:sldChg>
+      <pc:sldChg chg="add">
+        <pc:chgData name="Arbour, Duncan" userId="f8c76c83-f09a-4702-8a60-e00215c8b89f" providerId="ADAL" clId="{D759EEE6-8EBC-3E46-96C0-6C7FE9E92CB1}" dt="2024-11-07T13:57:03.389" v="8" actId="2890"/>
+        <pc:sldMkLst>
+          <pc:docMk/>
+          <pc:sldMk cId="4267336544" sldId="6160"/>
+        </pc:sldMkLst>
+      </pc:sldChg>
+    </pc:docChg>
+  </pc:docChgLst>
+</pc:chgInfo>
+</file>
+
 <file path=ppt/notesMasters/notesMaster1.xml><?xml version="1.0" encoding="utf-8"?>
 <p:notesMaster xmlns:a="http://schemas.openxmlformats.org/drawingml/2006/main" xmlns:r="http://schemas.openxmlformats.org/officeDocument/2006/relationships" xmlns:p="http://schemas.openxmlformats.org/presentationml/2006/main">
   <p:cSld>
@@ -211,7 +297,7 @@
           <a:p>
             <a:fld id="{AD2FC18A-88CE-45A5-A150-0A4B51E22D8C}" type="datetimeFigureOut">
               <a:rPr lang="en-GB" smtClean="0"/>
-              <a:t>06/11/2024</a:t>
+              <a:t>07/11/2024</a:t>
             </a:fld>
             <a:endParaRPr lang="en-GB"/>
           </a:p>
@@ -554,6 +640,978 @@
     <p:extLst>
       <p:ext uri="{BB962C8B-B14F-4D97-AF65-F5344CB8AC3E}">
         <p14:creationId xmlns:p14="http://schemas.microsoft.com/office/powerpoint/2010/main" val="3521539553"/>
+      </p:ext>
+    </p:extLst>
+  </p:cSld>
+  <p:clrMapOvr>
+    <a:masterClrMapping/>
+  </p:clrMapOvr>
+</p:notes>
+</file>
+
+<file path=ppt/notesSlides/notesSlide10.xml><?xml version="1.0" encoding="utf-8"?>
+<p:notes xmlns:a="http://schemas.openxmlformats.org/drawingml/2006/main" xmlns:r="http://schemas.openxmlformats.org/officeDocument/2006/relationships" xmlns:p="http://schemas.openxmlformats.org/presentationml/2006/main">
+  <p:cSld>
+    <p:spTree>
+      <p:nvGrpSpPr>
+        <p:cNvPr id="1" name="">
+          <a:extLst>
+            <a:ext uri="{FF2B5EF4-FFF2-40B4-BE49-F238E27FC236}">
+              <a16:creationId xmlns:a16="http://schemas.microsoft.com/office/drawing/2014/main" id="{CC421F02-A598-6CF0-9D47-71C8C450EBED}"/>
+            </a:ext>
+          </a:extLst>
+        </p:cNvPr>
+        <p:cNvGrpSpPr/>
+        <p:nvPr/>
+      </p:nvGrpSpPr>
+      <p:grpSpPr>
+        <a:xfrm>
+          <a:off x="0" y="0"/>
+          <a:ext cx="0" cy="0"/>
+          <a:chOff x="0" y="0"/>
+          <a:chExt cx="0" cy="0"/>
+        </a:xfrm>
+      </p:grpSpPr>
+      <p:sp>
+        <p:nvSpPr>
+          <p:cNvPr id="2" name="Slide Image Placeholder 1">
+            <a:extLst>
+              <a:ext uri="{FF2B5EF4-FFF2-40B4-BE49-F238E27FC236}">
+                <a16:creationId xmlns:a16="http://schemas.microsoft.com/office/drawing/2014/main" id="{C2A85B7C-A19D-6559-F726-08A908220B8A}"/>
+              </a:ext>
+            </a:extLst>
+          </p:cNvPr>
+          <p:cNvSpPr>
+            <a:spLocks noGrp="1" noRot="1" noChangeAspect="1"/>
+          </p:cNvSpPr>
+          <p:nvPr>
+            <p:ph type="sldImg"/>
+          </p:nvPr>
+        </p:nvSpPr>
+        <p:spPr/>
+      </p:sp>
+      <p:sp>
+        <p:nvSpPr>
+          <p:cNvPr id="3" name="Notes Placeholder 2">
+            <a:extLst>
+              <a:ext uri="{FF2B5EF4-FFF2-40B4-BE49-F238E27FC236}">
+                <a16:creationId xmlns:a16="http://schemas.microsoft.com/office/drawing/2014/main" id="{C762E607-3BBA-4BEA-6B32-87285832FE22}"/>
+              </a:ext>
+            </a:extLst>
+          </p:cNvPr>
+          <p:cNvSpPr>
+            <a:spLocks noGrp="1"/>
+          </p:cNvSpPr>
+          <p:nvPr>
+            <p:ph type="body" idx="1"/>
+          </p:nvPr>
+        </p:nvSpPr>
+        <p:spPr/>
+        <p:txBody>
+          <a:bodyPr/>
+          <a:lstStyle/>
+          <a:p>
+            <a:endParaRPr lang="en-GB" dirty="0"/>
+          </a:p>
+        </p:txBody>
+      </p:sp>
+      <p:sp>
+        <p:nvSpPr>
+          <p:cNvPr id="4" name="Slide Number Placeholder 3">
+            <a:extLst>
+              <a:ext uri="{FF2B5EF4-FFF2-40B4-BE49-F238E27FC236}">
+                <a16:creationId xmlns:a16="http://schemas.microsoft.com/office/drawing/2014/main" id="{EDD6ED40-4578-4C71-9366-C3753F2605ED}"/>
+              </a:ext>
+            </a:extLst>
+          </p:cNvPr>
+          <p:cNvSpPr>
+            <a:spLocks noGrp="1"/>
+          </p:cNvSpPr>
+          <p:nvPr>
+            <p:ph type="sldNum" sz="quarter" idx="5"/>
+          </p:nvPr>
+        </p:nvSpPr>
+        <p:spPr/>
+        <p:txBody>
+          <a:bodyPr/>
+          <a:lstStyle/>
+          <a:p>
+            <a:fld id="{452EDCF6-DFE2-4764-B62F-8F2DC67158AF}" type="slidenum">
+              <a:rPr lang="en-GB" smtClean="0"/>
+              <a:t>10</a:t>
+            </a:fld>
+            <a:endParaRPr lang="en-GB"/>
+          </a:p>
+        </p:txBody>
+      </p:sp>
+    </p:spTree>
+    <p:extLst>
+      <p:ext uri="{BB962C8B-B14F-4D97-AF65-F5344CB8AC3E}">
+        <p14:creationId xmlns:p14="http://schemas.microsoft.com/office/powerpoint/2010/main" val="2178996329"/>
+      </p:ext>
+    </p:extLst>
+  </p:cSld>
+  <p:clrMapOvr>
+    <a:masterClrMapping/>
+  </p:clrMapOvr>
+</p:notes>
+</file>
+
+<file path=ppt/notesSlides/notesSlide2.xml><?xml version="1.0" encoding="utf-8"?>
+<p:notes xmlns:a="http://schemas.openxmlformats.org/drawingml/2006/main" xmlns:r="http://schemas.openxmlformats.org/officeDocument/2006/relationships" xmlns:p="http://schemas.openxmlformats.org/presentationml/2006/main">
+  <p:cSld>
+    <p:spTree>
+      <p:nvGrpSpPr>
+        <p:cNvPr id="1" name="">
+          <a:extLst>
+            <a:ext uri="{FF2B5EF4-FFF2-40B4-BE49-F238E27FC236}">
+              <a16:creationId xmlns:a16="http://schemas.microsoft.com/office/drawing/2014/main" id="{5CF08C63-C47F-E6E6-2983-30573EB4AAF3}"/>
+            </a:ext>
+          </a:extLst>
+        </p:cNvPr>
+        <p:cNvGrpSpPr/>
+        <p:nvPr/>
+      </p:nvGrpSpPr>
+      <p:grpSpPr>
+        <a:xfrm>
+          <a:off x="0" y="0"/>
+          <a:ext cx="0" cy="0"/>
+          <a:chOff x="0" y="0"/>
+          <a:chExt cx="0" cy="0"/>
+        </a:xfrm>
+      </p:grpSpPr>
+      <p:sp>
+        <p:nvSpPr>
+          <p:cNvPr id="2" name="Slide Image Placeholder 1">
+            <a:extLst>
+              <a:ext uri="{FF2B5EF4-FFF2-40B4-BE49-F238E27FC236}">
+                <a16:creationId xmlns:a16="http://schemas.microsoft.com/office/drawing/2014/main" id="{DA77C101-8092-B506-F7D0-C166DF39CF0B}"/>
+              </a:ext>
+            </a:extLst>
+          </p:cNvPr>
+          <p:cNvSpPr>
+            <a:spLocks noGrp="1" noRot="1" noChangeAspect="1"/>
+          </p:cNvSpPr>
+          <p:nvPr>
+            <p:ph type="sldImg"/>
+          </p:nvPr>
+        </p:nvSpPr>
+        <p:spPr/>
+      </p:sp>
+      <p:sp>
+        <p:nvSpPr>
+          <p:cNvPr id="3" name="Notes Placeholder 2">
+            <a:extLst>
+              <a:ext uri="{FF2B5EF4-FFF2-40B4-BE49-F238E27FC236}">
+                <a16:creationId xmlns:a16="http://schemas.microsoft.com/office/drawing/2014/main" id="{79D5D414-450C-93BC-FBF7-B1B625945513}"/>
+              </a:ext>
+            </a:extLst>
+          </p:cNvPr>
+          <p:cNvSpPr>
+            <a:spLocks noGrp="1"/>
+          </p:cNvSpPr>
+          <p:nvPr>
+            <p:ph type="body" idx="1"/>
+          </p:nvPr>
+        </p:nvSpPr>
+        <p:spPr/>
+        <p:txBody>
+          <a:bodyPr/>
+          <a:lstStyle/>
+          <a:p>
+            <a:endParaRPr lang="en-GB" dirty="0"/>
+          </a:p>
+        </p:txBody>
+      </p:sp>
+      <p:sp>
+        <p:nvSpPr>
+          <p:cNvPr id="4" name="Slide Number Placeholder 3">
+            <a:extLst>
+              <a:ext uri="{FF2B5EF4-FFF2-40B4-BE49-F238E27FC236}">
+                <a16:creationId xmlns:a16="http://schemas.microsoft.com/office/drawing/2014/main" id="{8EB2DCCB-A208-C907-B8C6-C5E95D2E6BF0}"/>
+              </a:ext>
+            </a:extLst>
+          </p:cNvPr>
+          <p:cNvSpPr>
+            <a:spLocks noGrp="1"/>
+          </p:cNvSpPr>
+          <p:nvPr>
+            <p:ph type="sldNum" sz="quarter" idx="5"/>
+          </p:nvPr>
+        </p:nvSpPr>
+        <p:spPr/>
+        <p:txBody>
+          <a:bodyPr/>
+          <a:lstStyle/>
+          <a:p>
+            <a:fld id="{452EDCF6-DFE2-4764-B62F-8F2DC67158AF}" type="slidenum">
+              <a:rPr lang="en-GB" smtClean="0"/>
+              <a:t>2</a:t>
+            </a:fld>
+            <a:endParaRPr lang="en-GB"/>
+          </a:p>
+        </p:txBody>
+      </p:sp>
+    </p:spTree>
+    <p:extLst>
+      <p:ext uri="{BB962C8B-B14F-4D97-AF65-F5344CB8AC3E}">
+        <p14:creationId xmlns:p14="http://schemas.microsoft.com/office/powerpoint/2010/main" val="1054141768"/>
+      </p:ext>
+    </p:extLst>
+  </p:cSld>
+  <p:clrMapOvr>
+    <a:masterClrMapping/>
+  </p:clrMapOvr>
+</p:notes>
+</file>
+
+<file path=ppt/notesSlides/notesSlide3.xml><?xml version="1.0" encoding="utf-8"?>
+<p:notes xmlns:a="http://schemas.openxmlformats.org/drawingml/2006/main" xmlns:r="http://schemas.openxmlformats.org/officeDocument/2006/relationships" xmlns:p="http://schemas.openxmlformats.org/presentationml/2006/main">
+  <p:cSld>
+    <p:spTree>
+      <p:nvGrpSpPr>
+        <p:cNvPr id="1" name="">
+          <a:extLst>
+            <a:ext uri="{FF2B5EF4-FFF2-40B4-BE49-F238E27FC236}">
+              <a16:creationId xmlns:a16="http://schemas.microsoft.com/office/drawing/2014/main" id="{728C6CAF-A8FE-5008-B2D3-53FBCE68063A}"/>
+            </a:ext>
+          </a:extLst>
+        </p:cNvPr>
+        <p:cNvGrpSpPr/>
+        <p:nvPr/>
+      </p:nvGrpSpPr>
+      <p:grpSpPr>
+        <a:xfrm>
+          <a:off x="0" y="0"/>
+          <a:ext cx="0" cy="0"/>
+          <a:chOff x="0" y="0"/>
+          <a:chExt cx="0" cy="0"/>
+        </a:xfrm>
+      </p:grpSpPr>
+      <p:sp>
+        <p:nvSpPr>
+          <p:cNvPr id="2" name="Slide Image Placeholder 1">
+            <a:extLst>
+              <a:ext uri="{FF2B5EF4-FFF2-40B4-BE49-F238E27FC236}">
+                <a16:creationId xmlns:a16="http://schemas.microsoft.com/office/drawing/2014/main" id="{A5E3156D-76EB-10D3-4000-322C580A0996}"/>
+              </a:ext>
+            </a:extLst>
+          </p:cNvPr>
+          <p:cNvSpPr>
+            <a:spLocks noGrp="1" noRot="1" noChangeAspect="1"/>
+          </p:cNvSpPr>
+          <p:nvPr>
+            <p:ph type="sldImg"/>
+          </p:nvPr>
+        </p:nvSpPr>
+        <p:spPr/>
+      </p:sp>
+      <p:sp>
+        <p:nvSpPr>
+          <p:cNvPr id="3" name="Notes Placeholder 2">
+            <a:extLst>
+              <a:ext uri="{FF2B5EF4-FFF2-40B4-BE49-F238E27FC236}">
+                <a16:creationId xmlns:a16="http://schemas.microsoft.com/office/drawing/2014/main" id="{30D2EEE6-5A6E-6F04-47C4-6175A272B09D}"/>
+              </a:ext>
+            </a:extLst>
+          </p:cNvPr>
+          <p:cNvSpPr>
+            <a:spLocks noGrp="1"/>
+          </p:cNvSpPr>
+          <p:nvPr>
+            <p:ph type="body" idx="1"/>
+          </p:nvPr>
+        </p:nvSpPr>
+        <p:spPr/>
+        <p:txBody>
+          <a:bodyPr/>
+          <a:lstStyle/>
+          <a:p>
+            <a:endParaRPr lang="en-GB" dirty="0"/>
+          </a:p>
+        </p:txBody>
+      </p:sp>
+      <p:sp>
+        <p:nvSpPr>
+          <p:cNvPr id="4" name="Slide Number Placeholder 3">
+            <a:extLst>
+              <a:ext uri="{FF2B5EF4-FFF2-40B4-BE49-F238E27FC236}">
+                <a16:creationId xmlns:a16="http://schemas.microsoft.com/office/drawing/2014/main" id="{3A145B60-B379-DC1E-1260-F86E1A0A25C9}"/>
+              </a:ext>
+            </a:extLst>
+          </p:cNvPr>
+          <p:cNvSpPr>
+            <a:spLocks noGrp="1"/>
+          </p:cNvSpPr>
+          <p:nvPr>
+            <p:ph type="sldNum" sz="quarter" idx="5"/>
+          </p:nvPr>
+        </p:nvSpPr>
+        <p:spPr/>
+        <p:txBody>
+          <a:bodyPr/>
+          <a:lstStyle/>
+          <a:p>
+            <a:fld id="{452EDCF6-DFE2-4764-B62F-8F2DC67158AF}" type="slidenum">
+              <a:rPr lang="en-GB" smtClean="0"/>
+              <a:t>3</a:t>
+            </a:fld>
+            <a:endParaRPr lang="en-GB"/>
+          </a:p>
+        </p:txBody>
+      </p:sp>
+    </p:spTree>
+    <p:extLst>
+      <p:ext uri="{BB962C8B-B14F-4D97-AF65-F5344CB8AC3E}">
+        <p14:creationId xmlns:p14="http://schemas.microsoft.com/office/powerpoint/2010/main" val="1447449667"/>
+      </p:ext>
+    </p:extLst>
+  </p:cSld>
+  <p:clrMapOvr>
+    <a:masterClrMapping/>
+  </p:clrMapOvr>
+</p:notes>
+</file>
+
+<file path=ppt/notesSlides/notesSlide4.xml><?xml version="1.0" encoding="utf-8"?>
+<p:notes xmlns:a="http://schemas.openxmlformats.org/drawingml/2006/main" xmlns:r="http://schemas.openxmlformats.org/officeDocument/2006/relationships" xmlns:p="http://schemas.openxmlformats.org/presentationml/2006/main">
+  <p:cSld>
+    <p:spTree>
+      <p:nvGrpSpPr>
+        <p:cNvPr id="1" name="">
+          <a:extLst>
+            <a:ext uri="{FF2B5EF4-FFF2-40B4-BE49-F238E27FC236}">
+              <a16:creationId xmlns:a16="http://schemas.microsoft.com/office/drawing/2014/main" id="{5D5A0DDF-DBEA-782A-D4F1-F8AAD58991DA}"/>
+            </a:ext>
+          </a:extLst>
+        </p:cNvPr>
+        <p:cNvGrpSpPr/>
+        <p:nvPr/>
+      </p:nvGrpSpPr>
+      <p:grpSpPr>
+        <a:xfrm>
+          <a:off x="0" y="0"/>
+          <a:ext cx="0" cy="0"/>
+          <a:chOff x="0" y="0"/>
+          <a:chExt cx="0" cy="0"/>
+        </a:xfrm>
+      </p:grpSpPr>
+      <p:sp>
+        <p:nvSpPr>
+          <p:cNvPr id="2" name="Slide Image Placeholder 1">
+            <a:extLst>
+              <a:ext uri="{FF2B5EF4-FFF2-40B4-BE49-F238E27FC236}">
+                <a16:creationId xmlns:a16="http://schemas.microsoft.com/office/drawing/2014/main" id="{0C0BE3D4-CDE8-A91D-D35C-63EB3012B34E}"/>
+              </a:ext>
+            </a:extLst>
+          </p:cNvPr>
+          <p:cNvSpPr>
+            <a:spLocks noGrp="1" noRot="1" noChangeAspect="1"/>
+          </p:cNvSpPr>
+          <p:nvPr>
+            <p:ph type="sldImg"/>
+          </p:nvPr>
+        </p:nvSpPr>
+        <p:spPr/>
+      </p:sp>
+      <p:sp>
+        <p:nvSpPr>
+          <p:cNvPr id="3" name="Notes Placeholder 2">
+            <a:extLst>
+              <a:ext uri="{FF2B5EF4-FFF2-40B4-BE49-F238E27FC236}">
+                <a16:creationId xmlns:a16="http://schemas.microsoft.com/office/drawing/2014/main" id="{AA46A277-3A5D-8810-4514-6F01F22B3282}"/>
+              </a:ext>
+            </a:extLst>
+          </p:cNvPr>
+          <p:cNvSpPr>
+            <a:spLocks noGrp="1"/>
+          </p:cNvSpPr>
+          <p:nvPr>
+            <p:ph type="body" idx="1"/>
+          </p:nvPr>
+        </p:nvSpPr>
+        <p:spPr/>
+        <p:txBody>
+          <a:bodyPr/>
+          <a:lstStyle/>
+          <a:p>
+            <a:endParaRPr lang="en-GB" dirty="0"/>
+          </a:p>
+        </p:txBody>
+      </p:sp>
+      <p:sp>
+        <p:nvSpPr>
+          <p:cNvPr id="4" name="Slide Number Placeholder 3">
+            <a:extLst>
+              <a:ext uri="{FF2B5EF4-FFF2-40B4-BE49-F238E27FC236}">
+                <a16:creationId xmlns:a16="http://schemas.microsoft.com/office/drawing/2014/main" id="{9FECB320-F88B-A4DF-62CF-255A0F567E90}"/>
+              </a:ext>
+            </a:extLst>
+          </p:cNvPr>
+          <p:cNvSpPr>
+            <a:spLocks noGrp="1"/>
+          </p:cNvSpPr>
+          <p:nvPr>
+            <p:ph type="sldNum" sz="quarter" idx="5"/>
+          </p:nvPr>
+        </p:nvSpPr>
+        <p:spPr/>
+        <p:txBody>
+          <a:bodyPr/>
+          <a:lstStyle/>
+          <a:p>
+            <a:fld id="{452EDCF6-DFE2-4764-B62F-8F2DC67158AF}" type="slidenum">
+              <a:rPr lang="en-GB" smtClean="0"/>
+              <a:t>4</a:t>
+            </a:fld>
+            <a:endParaRPr lang="en-GB"/>
+          </a:p>
+        </p:txBody>
+      </p:sp>
+    </p:spTree>
+    <p:extLst>
+      <p:ext uri="{BB962C8B-B14F-4D97-AF65-F5344CB8AC3E}">
+        <p14:creationId xmlns:p14="http://schemas.microsoft.com/office/powerpoint/2010/main" val="977002394"/>
+      </p:ext>
+    </p:extLst>
+  </p:cSld>
+  <p:clrMapOvr>
+    <a:masterClrMapping/>
+  </p:clrMapOvr>
+</p:notes>
+</file>
+
+<file path=ppt/notesSlides/notesSlide5.xml><?xml version="1.0" encoding="utf-8"?>
+<p:notes xmlns:a="http://schemas.openxmlformats.org/drawingml/2006/main" xmlns:r="http://schemas.openxmlformats.org/officeDocument/2006/relationships" xmlns:p="http://schemas.openxmlformats.org/presentationml/2006/main">
+  <p:cSld>
+    <p:spTree>
+      <p:nvGrpSpPr>
+        <p:cNvPr id="1" name="">
+          <a:extLst>
+            <a:ext uri="{FF2B5EF4-FFF2-40B4-BE49-F238E27FC236}">
+              <a16:creationId xmlns:a16="http://schemas.microsoft.com/office/drawing/2014/main" id="{FA520E22-1A2B-A3F7-3F1F-CF9367FCA589}"/>
+            </a:ext>
+          </a:extLst>
+        </p:cNvPr>
+        <p:cNvGrpSpPr/>
+        <p:nvPr/>
+      </p:nvGrpSpPr>
+      <p:grpSpPr>
+        <a:xfrm>
+          <a:off x="0" y="0"/>
+          <a:ext cx="0" cy="0"/>
+          <a:chOff x="0" y="0"/>
+          <a:chExt cx="0" cy="0"/>
+        </a:xfrm>
+      </p:grpSpPr>
+      <p:sp>
+        <p:nvSpPr>
+          <p:cNvPr id="2" name="Slide Image Placeholder 1">
+            <a:extLst>
+              <a:ext uri="{FF2B5EF4-FFF2-40B4-BE49-F238E27FC236}">
+                <a16:creationId xmlns:a16="http://schemas.microsoft.com/office/drawing/2014/main" id="{B08AC90D-D9B6-C4D9-E132-CF1EA9933AD9}"/>
+              </a:ext>
+            </a:extLst>
+          </p:cNvPr>
+          <p:cNvSpPr>
+            <a:spLocks noGrp="1" noRot="1" noChangeAspect="1"/>
+          </p:cNvSpPr>
+          <p:nvPr>
+            <p:ph type="sldImg"/>
+          </p:nvPr>
+        </p:nvSpPr>
+        <p:spPr/>
+      </p:sp>
+      <p:sp>
+        <p:nvSpPr>
+          <p:cNvPr id="3" name="Notes Placeholder 2">
+            <a:extLst>
+              <a:ext uri="{FF2B5EF4-FFF2-40B4-BE49-F238E27FC236}">
+                <a16:creationId xmlns:a16="http://schemas.microsoft.com/office/drawing/2014/main" id="{679A86D4-AA58-D590-D0C6-D7A9A6636204}"/>
+              </a:ext>
+            </a:extLst>
+          </p:cNvPr>
+          <p:cNvSpPr>
+            <a:spLocks noGrp="1"/>
+          </p:cNvSpPr>
+          <p:nvPr>
+            <p:ph type="body" idx="1"/>
+          </p:nvPr>
+        </p:nvSpPr>
+        <p:spPr/>
+        <p:txBody>
+          <a:bodyPr/>
+          <a:lstStyle/>
+          <a:p>
+            <a:endParaRPr lang="en-GB" dirty="0"/>
+          </a:p>
+        </p:txBody>
+      </p:sp>
+      <p:sp>
+        <p:nvSpPr>
+          <p:cNvPr id="4" name="Slide Number Placeholder 3">
+            <a:extLst>
+              <a:ext uri="{FF2B5EF4-FFF2-40B4-BE49-F238E27FC236}">
+                <a16:creationId xmlns:a16="http://schemas.microsoft.com/office/drawing/2014/main" id="{B82A4658-BA77-2169-7A45-E0D810449F8C}"/>
+              </a:ext>
+            </a:extLst>
+          </p:cNvPr>
+          <p:cNvSpPr>
+            <a:spLocks noGrp="1"/>
+          </p:cNvSpPr>
+          <p:nvPr>
+            <p:ph type="sldNum" sz="quarter" idx="5"/>
+          </p:nvPr>
+        </p:nvSpPr>
+        <p:spPr/>
+        <p:txBody>
+          <a:bodyPr/>
+          <a:lstStyle/>
+          <a:p>
+            <a:fld id="{452EDCF6-DFE2-4764-B62F-8F2DC67158AF}" type="slidenum">
+              <a:rPr lang="en-GB" smtClean="0"/>
+              <a:t>5</a:t>
+            </a:fld>
+            <a:endParaRPr lang="en-GB"/>
+          </a:p>
+        </p:txBody>
+      </p:sp>
+    </p:spTree>
+    <p:extLst>
+      <p:ext uri="{BB962C8B-B14F-4D97-AF65-F5344CB8AC3E}">
+        <p14:creationId xmlns:p14="http://schemas.microsoft.com/office/powerpoint/2010/main" val="2206767987"/>
+      </p:ext>
+    </p:extLst>
+  </p:cSld>
+  <p:clrMapOvr>
+    <a:masterClrMapping/>
+  </p:clrMapOvr>
+</p:notes>
+</file>
+
+<file path=ppt/notesSlides/notesSlide6.xml><?xml version="1.0" encoding="utf-8"?>
+<p:notes xmlns:a="http://schemas.openxmlformats.org/drawingml/2006/main" xmlns:r="http://schemas.openxmlformats.org/officeDocument/2006/relationships" xmlns:p="http://schemas.openxmlformats.org/presentationml/2006/main">
+  <p:cSld>
+    <p:spTree>
+      <p:nvGrpSpPr>
+        <p:cNvPr id="1" name="">
+          <a:extLst>
+            <a:ext uri="{FF2B5EF4-FFF2-40B4-BE49-F238E27FC236}">
+              <a16:creationId xmlns:a16="http://schemas.microsoft.com/office/drawing/2014/main" id="{1159DE28-DAE5-3B2D-AEF3-B808AF4CFCDC}"/>
+            </a:ext>
+          </a:extLst>
+        </p:cNvPr>
+        <p:cNvGrpSpPr/>
+        <p:nvPr/>
+      </p:nvGrpSpPr>
+      <p:grpSpPr>
+        <a:xfrm>
+          <a:off x="0" y="0"/>
+          <a:ext cx="0" cy="0"/>
+          <a:chOff x="0" y="0"/>
+          <a:chExt cx="0" cy="0"/>
+        </a:xfrm>
+      </p:grpSpPr>
+      <p:sp>
+        <p:nvSpPr>
+          <p:cNvPr id="2" name="Slide Image Placeholder 1">
+            <a:extLst>
+              <a:ext uri="{FF2B5EF4-FFF2-40B4-BE49-F238E27FC236}">
+                <a16:creationId xmlns:a16="http://schemas.microsoft.com/office/drawing/2014/main" id="{670E1A27-E84A-BE70-E913-486F30429F60}"/>
+              </a:ext>
+            </a:extLst>
+          </p:cNvPr>
+          <p:cNvSpPr>
+            <a:spLocks noGrp="1" noRot="1" noChangeAspect="1"/>
+          </p:cNvSpPr>
+          <p:nvPr>
+            <p:ph type="sldImg"/>
+          </p:nvPr>
+        </p:nvSpPr>
+        <p:spPr/>
+      </p:sp>
+      <p:sp>
+        <p:nvSpPr>
+          <p:cNvPr id="3" name="Notes Placeholder 2">
+            <a:extLst>
+              <a:ext uri="{FF2B5EF4-FFF2-40B4-BE49-F238E27FC236}">
+                <a16:creationId xmlns:a16="http://schemas.microsoft.com/office/drawing/2014/main" id="{4B50DC25-6469-6B7F-3274-B8950ABEDFFD}"/>
+              </a:ext>
+            </a:extLst>
+          </p:cNvPr>
+          <p:cNvSpPr>
+            <a:spLocks noGrp="1"/>
+          </p:cNvSpPr>
+          <p:nvPr>
+            <p:ph type="body" idx="1"/>
+          </p:nvPr>
+        </p:nvSpPr>
+        <p:spPr/>
+        <p:txBody>
+          <a:bodyPr/>
+          <a:lstStyle/>
+          <a:p>
+            <a:endParaRPr lang="en-GB" dirty="0"/>
+          </a:p>
+        </p:txBody>
+      </p:sp>
+      <p:sp>
+        <p:nvSpPr>
+          <p:cNvPr id="4" name="Slide Number Placeholder 3">
+            <a:extLst>
+              <a:ext uri="{FF2B5EF4-FFF2-40B4-BE49-F238E27FC236}">
+                <a16:creationId xmlns:a16="http://schemas.microsoft.com/office/drawing/2014/main" id="{B19238F5-2181-1D78-B595-8D2CE6D7CCD6}"/>
+              </a:ext>
+            </a:extLst>
+          </p:cNvPr>
+          <p:cNvSpPr>
+            <a:spLocks noGrp="1"/>
+          </p:cNvSpPr>
+          <p:nvPr>
+            <p:ph type="sldNum" sz="quarter" idx="5"/>
+          </p:nvPr>
+        </p:nvSpPr>
+        <p:spPr/>
+        <p:txBody>
+          <a:bodyPr/>
+          <a:lstStyle/>
+          <a:p>
+            <a:fld id="{452EDCF6-DFE2-4764-B62F-8F2DC67158AF}" type="slidenum">
+              <a:rPr lang="en-GB" smtClean="0"/>
+              <a:t>6</a:t>
+            </a:fld>
+            <a:endParaRPr lang="en-GB"/>
+          </a:p>
+        </p:txBody>
+      </p:sp>
+    </p:spTree>
+    <p:extLst>
+      <p:ext uri="{BB962C8B-B14F-4D97-AF65-F5344CB8AC3E}">
+        <p14:creationId xmlns:p14="http://schemas.microsoft.com/office/powerpoint/2010/main" val="1829491715"/>
+      </p:ext>
+    </p:extLst>
+  </p:cSld>
+  <p:clrMapOvr>
+    <a:masterClrMapping/>
+  </p:clrMapOvr>
+</p:notes>
+</file>
+
+<file path=ppt/notesSlides/notesSlide7.xml><?xml version="1.0" encoding="utf-8"?>
+<p:notes xmlns:a="http://schemas.openxmlformats.org/drawingml/2006/main" xmlns:r="http://schemas.openxmlformats.org/officeDocument/2006/relationships" xmlns:p="http://schemas.openxmlformats.org/presentationml/2006/main">
+  <p:cSld>
+    <p:spTree>
+      <p:nvGrpSpPr>
+        <p:cNvPr id="1" name="">
+          <a:extLst>
+            <a:ext uri="{FF2B5EF4-FFF2-40B4-BE49-F238E27FC236}">
+              <a16:creationId xmlns:a16="http://schemas.microsoft.com/office/drawing/2014/main" id="{6E7C38F3-920C-A6B7-F470-B71257EF2FC6}"/>
+            </a:ext>
+          </a:extLst>
+        </p:cNvPr>
+        <p:cNvGrpSpPr/>
+        <p:nvPr/>
+      </p:nvGrpSpPr>
+      <p:grpSpPr>
+        <a:xfrm>
+          <a:off x="0" y="0"/>
+          <a:ext cx="0" cy="0"/>
+          <a:chOff x="0" y="0"/>
+          <a:chExt cx="0" cy="0"/>
+        </a:xfrm>
+      </p:grpSpPr>
+      <p:sp>
+        <p:nvSpPr>
+          <p:cNvPr id="2" name="Slide Image Placeholder 1">
+            <a:extLst>
+              <a:ext uri="{FF2B5EF4-FFF2-40B4-BE49-F238E27FC236}">
+                <a16:creationId xmlns:a16="http://schemas.microsoft.com/office/drawing/2014/main" id="{4C70A24C-30E6-E2A4-F64F-A5A465BE3094}"/>
+              </a:ext>
+            </a:extLst>
+          </p:cNvPr>
+          <p:cNvSpPr>
+            <a:spLocks noGrp="1" noRot="1" noChangeAspect="1"/>
+          </p:cNvSpPr>
+          <p:nvPr>
+            <p:ph type="sldImg"/>
+          </p:nvPr>
+        </p:nvSpPr>
+        <p:spPr/>
+      </p:sp>
+      <p:sp>
+        <p:nvSpPr>
+          <p:cNvPr id="3" name="Notes Placeholder 2">
+            <a:extLst>
+              <a:ext uri="{FF2B5EF4-FFF2-40B4-BE49-F238E27FC236}">
+                <a16:creationId xmlns:a16="http://schemas.microsoft.com/office/drawing/2014/main" id="{4A982F66-383B-6BEE-9515-DC7373D85E00}"/>
+              </a:ext>
+            </a:extLst>
+          </p:cNvPr>
+          <p:cNvSpPr>
+            <a:spLocks noGrp="1"/>
+          </p:cNvSpPr>
+          <p:nvPr>
+            <p:ph type="body" idx="1"/>
+          </p:nvPr>
+        </p:nvSpPr>
+        <p:spPr/>
+        <p:txBody>
+          <a:bodyPr/>
+          <a:lstStyle/>
+          <a:p>
+            <a:endParaRPr lang="en-GB" dirty="0"/>
+          </a:p>
+        </p:txBody>
+      </p:sp>
+      <p:sp>
+        <p:nvSpPr>
+          <p:cNvPr id="4" name="Slide Number Placeholder 3">
+            <a:extLst>
+              <a:ext uri="{FF2B5EF4-FFF2-40B4-BE49-F238E27FC236}">
+                <a16:creationId xmlns:a16="http://schemas.microsoft.com/office/drawing/2014/main" id="{04595475-5751-FF8B-6BF7-79A9CD1B5284}"/>
+              </a:ext>
+            </a:extLst>
+          </p:cNvPr>
+          <p:cNvSpPr>
+            <a:spLocks noGrp="1"/>
+          </p:cNvSpPr>
+          <p:nvPr>
+            <p:ph type="sldNum" sz="quarter" idx="5"/>
+          </p:nvPr>
+        </p:nvSpPr>
+        <p:spPr/>
+        <p:txBody>
+          <a:bodyPr/>
+          <a:lstStyle/>
+          <a:p>
+            <a:fld id="{452EDCF6-DFE2-4764-B62F-8F2DC67158AF}" type="slidenum">
+              <a:rPr lang="en-GB" smtClean="0"/>
+              <a:t>7</a:t>
+            </a:fld>
+            <a:endParaRPr lang="en-GB"/>
+          </a:p>
+        </p:txBody>
+      </p:sp>
+    </p:spTree>
+    <p:extLst>
+      <p:ext uri="{BB962C8B-B14F-4D97-AF65-F5344CB8AC3E}">
+        <p14:creationId xmlns:p14="http://schemas.microsoft.com/office/powerpoint/2010/main" val="2939108178"/>
+      </p:ext>
+    </p:extLst>
+  </p:cSld>
+  <p:clrMapOvr>
+    <a:masterClrMapping/>
+  </p:clrMapOvr>
+</p:notes>
+</file>
+
+<file path=ppt/notesSlides/notesSlide8.xml><?xml version="1.0" encoding="utf-8"?>
+<p:notes xmlns:a="http://schemas.openxmlformats.org/drawingml/2006/main" xmlns:r="http://schemas.openxmlformats.org/officeDocument/2006/relationships" xmlns:p="http://schemas.openxmlformats.org/presentationml/2006/main">
+  <p:cSld>
+    <p:spTree>
+      <p:nvGrpSpPr>
+        <p:cNvPr id="1" name="">
+          <a:extLst>
+            <a:ext uri="{FF2B5EF4-FFF2-40B4-BE49-F238E27FC236}">
+              <a16:creationId xmlns:a16="http://schemas.microsoft.com/office/drawing/2014/main" id="{5AC638C1-EA89-E0CA-F3E3-9B84250E73DD}"/>
+            </a:ext>
+          </a:extLst>
+        </p:cNvPr>
+        <p:cNvGrpSpPr/>
+        <p:nvPr/>
+      </p:nvGrpSpPr>
+      <p:grpSpPr>
+        <a:xfrm>
+          <a:off x="0" y="0"/>
+          <a:ext cx="0" cy="0"/>
+          <a:chOff x="0" y="0"/>
+          <a:chExt cx="0" cy="0"/>
+        </a:xfrm>
+      </p:grpSpPr>
+      <p:sp>
+        <p:nvSpPr>
+          <p:cNvPr id="2" name="Slide Image Placeholder 1">
+            <a:extLst>
+              <a:ext uri="{FF2B5EF4-FFF2-40B4-BE49-F238E27FC236}">
+                <a16:creationId xmlns:a16="http://schemas.microsoft.com/office/drawing/2014/main" id="{D81E2F04-48A8-B531-8DB3-B6E2429B3ED7}"/>
+              </a:ext>
+            </a:extLst>
+          </p:cNvPr>
+          <p:cNvSpPr>
+            <a:spLocks noGrp="1" noRot="1" noChangeAspect="1"/>
+          </p:cNvSpPr>
+          <p:nvPr>
+            <p:ph type="sldImg"/>
+          </p:nvPr>
+        </p:nvSpPr>
+        <p:spPr/>
+      </p:sp>
+      <p:sp>
+        <p:nvSpPr>
+          <p:cNvPr id="3" name="Notes Placeholder 2">
+            <a:extLst>
+              <a:ext uri="{FF2B5EF4-FFF2-40B4-BE49-F238E27FC236}">
+                <a16:creationId xmlns:a16="http://schemas.microsoft.com/office/drawing/2014/main" id="{20CFF541-ADDF-F93F-BB7B-C25B60D5C8F4}"/>
+              </a:ext>
+            </a:extLst>
+          </p:cNvPr>
+          <p:cNvSpPr>
+            <a:spLocks noGrp="1"/>
+          </p:cNvSpPr>
+          <p:nvPr>
+            <p:ph type="body" idx="1"/>
+          </p:nvPr>
+        </p:nvSpPr>
+        <p:spPr/>
+        <p:txBody>
+          <a:bodyPr/>
+          <a:lstStyle/>
+          <a:p>
+            <a:endParaRPr lang="en-GB" dirty="0"/>
+          </a:p>
+        </p:txBody>
+      </p:sp>
+      <p:sp>
+        <p:nvSpPr>
+          <p:cNvPr id="4" name="Slide Number Placeholder 3">
+            <a:extLst>
+              <a:ext uri="{FF2B5EF4-FFF2-40B4-BE49-F238E27FC236}">
+                <a16:creationId xmlns:a16="http://schemas.microsoft.com/office/drawing/2014/main" id="{F20ECEE6-6DEA-CAE7-D302-6A51561A814A}"/>
+              </a:ext>
+            </a:extLst>
+          </p:cNvPr>
+          <p:cNvSpPr>
+            <a:spLocks noGrp="1"/>
+          </p:cNvSpPr>
+          <p:nvPr>
+            <p:ph type="sldNum" sz="quarter" idx="5"/>
+          </p:nvPr>
+        </p:nvSpPr>
+        <p:spPr/>
+        <p:txBody>
+          <a:bodyPr/>
+          <a:lstStyle/>
+          <a:p>
+            <a:fld id="{452EDCF6-DFE2-4764-B62F-8F2DC67158AF}" type="slidenum">
+              <a:rPr lang="en-GB" smtClean="0"/>
+              <a:t>8</a:t>
+            </a:fld>
+            <a:endParaRPr lang="en-GB"/>
+          </a:p>
+        </p:txBody>
+      </p:sp>
+    </p:spTree>
+    <p:extLst>
+      <p:ext uri="{BB962C8B-B14F-4D97-AF65-F5344CB8AC3E}">
+        <p14:creationId xmlns:p14="http://schemas.microsoft.com/office/powerpoint/2010/main" val="2438528633"/>
+      </p:ext>
+    </p:extLst>
+  </p:cSld>
+  <p:clrMapOvr>
+    <a:masterClrMapping/>
+  </p:clrMapOvr>
+</p:notes>
+</file>
+
+<file path=ppt/notesSlides/notesSlide9.xml><?xml version="1.0" encoding="utf-8"?>
+<p:notes xmlns:a="http://schemas.openxmlformats.org/drawingml/2006/main" xmlns:r="http://schemas.openxmlformats.org/officeDocument/2006/relationships" xmlns:p="http://schemas.openxmlformats.org/presentationml/2006/main">
+  <p:cSld>
+    <p:spTree>
+      <p:nvGrpSpPr>
+        <p:cNvPr id="1" name="">
+          <a:extLst>
+            <a:ext uri="{FF2B5EF4-FFF2-40B4-BE49-F238E27FC236}">
+              <a16:creationId xmlns:a16="http://schemas.microsoft.com/office/drawing/2014/main" id="{FE86DC48-A569-23A2-421B-C370DEBB3D1D}"/>
+            </a:ext>
+          </a:extLst>
+        </p:cNvPr>
+        <p:cNvGrpSpPr/>
+        <p:nvPr/>
+      </p:nvGrpSpPr>
+      <p:grpSpPr>
+        <a:xfrm>
+          <a:off x="0" y="0"/>
+          <a:ext cx="0" cy="0"/>
+          <a:chOff x="0" y="0"/>
+          <a:chExt cx="0" cy="0"/>
+        </a:xfrm>
+      </p:grpSpPr>
+      <p:sp>
+        <p:nvSpPr>
+          <p:cNvPr id="2" name="Slide Image Placeholder 1">
+            <a:extLst>
+              <a:ext uri="{FF2B5EF4-FFF2-40B4-BE49-F238E27FC236}">
+                <a16:creationId xmlns:a16="http://schemas.microsoft.com/office/drawing/2014/main" id="{ECE25416-7C02-7FED-ACDB-380D356EEB2A}"/>
+              </a:ext>
+            </a:extLst>
+          </p:cNvPr>
+          <p:cNvSpPr>
+            <a:spLocks noGrp="1" noRot="1" noChangeAspect="1"/>
+          </p:cNvSpPr>
+          <p:nvPr>
+            <p:ph type="sldImg"/>
+          </p:nvPr>
+        </p:nvSpPr>
+        <p:spPr/>
+      </p:sp>
+      <p:sp>
+        <p:nvSpPr>
+          <p:cNvPr id="3" name="Notes Placeholder 2">
+            <a:extLst>
+              <a:ext uri="{FF2B5EF4-FFF2-40B4-BE49-F238E27FC236}">
+                <a16:creationId xmlns:a16="http://schemas.microsoft.com/office/drawing/2014/main" id="{B650724D-8324-115F-F0A2-578E344610D4}"/>
+              </a:ext>
+            </a:extLst>
+          </p:cNvPr>
+          <p:cNvSpPr>
+            <a:spLocks noGrp="1"/>
+          </p:cNvSpPr>
+          <p:nvPr>
+            <p:ph type="body" idx="1"/>
+          </p:nvPr>
+        </p:nvSpPr>
+        <p:spPr/>
+        <p:txBody>
+          <a:bodyPr/>
+          <a:lstStyle/>
+          <a:p>
+            <a:endParaRPr lang="en-GB" dirty="0"/>
+          </a:p>
+        </p:txBody>
+      </p:sp>
+      <p:sp>
+        <p:nvSpPr>
+          <p:cNvPr id="4" name="Slide Number Placeholder 3">
+            <a:extLst>
+              <a:ext uri="{FF2B5EF4-FFF2-40B4-BE49-F238E27FC236}">
+                <a16:creationId xmlns:a16="http://schemas.microsoft.com/office/drawing/2014/main" id="{FA709F70-4C5D-C7F3-5012-90854D1A7408}"/>
+              </a:ext>
+            </a:extLst>
+          </p:cNvPr>
+          <p:cNvSpPr>
+            <a:spLocks noGrp="1"/>
+          </p:cNvSpPr>
+          <p:nvPr>
+            <p:ph type="sldNum" sz="quarter" idx="5"/>
+          </p:nvPr>
+        </p:nvSpPr>
+        <p:spPr/>
+        <p:txBody>
+          <a:bodyPr/>
+          <a:lstStyle/>
+          <a:p>
+            <a:fld id="{452EDCF6-DFE2-4764-B62F-8F2DC67158AF}" type="slidenum">
+              <a:rPr lang="en-GB" smtClean="0"/>
+              <a:t>9</a:t>
+            </a:fld>
+            <a:endParaRPr lang="en-GB"/>
+          </a:p>
+        </p:txBody>
+      </p:sp>
+    </p:spTree>
+    <p:extLst>
+      <p:ext uri="{BB962C8B-B14F-4D97-AF65-F5344CB8AC3E}">
+        <p14:creationId xmlns:p14="http://schemas.microsoft.com/office/powerpoint/2010/main" val="3316828424"/>
       </p:ext>
     </p:extLst>
   </p:cSld>
@@ -3806,6 +4864,5550 @@
     <p:extLst>
       <p:ext uri="{BB962C8B-B14F-4D97-AF65-F5344CB8AC3E}">
         <p14:creationId xmlns:p14="http://schemas.microsoft.com/office/powerpoint/2010/main" val="1466786859"/>
+      </p:ext>
+    </p:extLst>
+  </p:cSld>
+  <p:clrMapOvr>
+    <a:masterClrMapping/>
+  </p:clrMapOvr>
+  <p:transition spd="med"/>
+</p:sld>
+</file>
+
+<file path=ppt/slides/slide10.xml><?xml version="1.0" encoding="utf-8"?>
+<p:sld xmlns:a="http://schemas.openxmlformats.org/drawingml/2006/main" xmlns:r="http://schemas.openxmlformats.org/officeDocument/2006/relationships" xmlns:p="http://schemas.openxmlformats.org/presentationml/2006/main">
+  <p:cSld>
+    <p:spTree>
+      <p:nvGrpSpPr>
+        <p:cNvPr id="1" name="">
+          <a:extLst>
+            <a:ext uri="{FF2B5EF4-FFF2-40B4-BE49-F238E27FC236}">
+              <a16:creationId xmlns:a16="http://schemas.microsoft.com/office/drawing/2014/main" id="{C6457626-EF87-12B7-9E67-9615DA47978B}"/>
+            </a:ext>
+          </a:extLst>
+        </p:cNvPr>
+        <p:cNvGrpSpPr/>
+        <p:nvPr/>
+      </p:nvGrpSpPr>
+      <p:grpSpPr>
+        <a:xfrm>
+          <a:off x="0" y="0"/>
+          <a:ext cx="0" cy="0"/>
+          <a:chOff x="0" y="0"/>
+          <a:chExt cx="0" cy="0"/>
+        </a:xfrm>
+      </p:grpSpPr>
+      <p:sp>
+        <p:nvSpPr>
+          <p:cNvPr id="3" name="Title 1">
+            <a:extLst>
+              <a:ext uri="{FF2B5EF4-FFF2-40B4-BE49-F238E27FC236}">
+                <a16:creationId xmlns:a16="http://schemas.microsoft.com/office/drawing/2014/main" id="{17FA4CED-5B60-19C1-E4BF-E9604A6843BA}"/>
+              </a:ext>
+            </a:extLst>
+          </p:cNvPr>
+          <p:cNvSpPr txBox="1">
+            <a:spLocks/>
+          </p:cNvSpPr>
+          <p:nvPr/>
+        </p:nvSpPr>
+        <p:spPr>
+          <a:xfrm>
+            <a:off x="243797" y="264580"/>
+            <a:ext cx="10515600" cy="500400"/>
+          </a:xfrm>
+          <a:prstGeom prst="rect">
+            <a:avLst/>
+          </a:prstGeom>
+        </p:spPr>
+        <p:txBody>
+          <a:bodyPr vert="horz"/>
+          <a:lstStyle>
+            <a:lvl1pPr algn="l" defTabSz="914400" rtl="0" eaLnBrk="1" latinLnBrk="0" hangingPunct="1">
+              <a:lnSpc>
+                <a:spcPct val="90000"/>
+              </a:lnSpc>
+              <a:spcBef>
+                <a:spcPct val="0"/>
+              </a:spcBef>
+              <a:buNone/>
+              <a:defRPr sz="3600" b="1" kern="1200">
+                <a:solidFill>
+                  <a:srgbClr val="004181"/>
+                </a:solidFill>
+                <a:latin typeface="Microsoft YaHei" panose="020B0503020204020204" pitchFamily="34" charset="-122"/>
+                <a:ea typeface="Microsoft YaHei" panose="020B0503020204020204" pitchFamily="34" charset="-122"/>
+                <a:cs typeface="+mj-cs"/>
+              </a:defRPr>
+            </a:lvl1pPr>
+          </a:lstStyle>
+          <a:p>
+            <a:pPr marL="0" marR="0" lvl="0" indent="0" algn="l" defTabSz="914400" rtl="0" eaLnBrk="1" fontAlgn="auto" latinLnBrk="0" hangingPunct="1">
+              <a:lnSpc>
+                <a:spcPct val="90000"/>
+              </a:lnSpc>
+              <a:spcBef>
+                <a:spcPct val="0"/>
+              </a:spcBef>
+              <a:spcAft>
+                <a:spcPts val="0"/>
+              </a:spcAft>
+              <a:buClrTx/>
+              <a:buSzTx/>
+              <a:buFontTx/>
+              <a:buNone/>
+              <a:tabLst/>
+              <a:defRPr/>
+            </a:pPr>
+            <a:r>
+              <a:rPr kumimoji="0" lang="en-US" sz="2400" b="1" i="0" u="none" strike="noStrike" kern="1200" cap="none" spc="0" normalizeH="0" baseline="0" noProof="0" dirty="0" err="1">
+                <a:ln>
+                  <a:noFill/>
+                </a:ln>
+                <a:solidFill>
+                  <a:srgbClr val="004181"/>
+                </a:solidFill>
+                <a:effectLst/>
+                <a:uLnTx/>
+                <a:uFillTx/>
+                <a:latin typeface="Microsoft YaHei" panose="020B0503020204020204" pitchFamily="34" charset="-122"/>
+                <a:ea typeface="Microsoft YaHei" panose="020B0503020204020204" pitchFamily="34" charset="-122"/>
+                <a:cs typeface="+mj-cs"/>
+              </a:rPr>
+              <a:t>Interviewee_Name</a:t>
+            </a:r>
+            <a:r>
+              <a:rPr kumimoji="0" lang="en-US" sz="2400" b="1" i="0" u="none" strike="noStrike" kern="1200" cap="none" spc="0" normalizeH="0" baseline="0" noProof="0" dirty="0">
+                <a:ln>
+                  <a:noFill/>
+                </a:ln>
+                <a:solidFill>
+                  <a:srgbClr val="004181"/>
+                </a:solidFill>
+                <a:effectLst/>
+                <a:uLnTx/>
+                <a:uFillTx/>
+                <a:latin typeface="Microsoft YaHei" panose="020B0503020204020204" pitchFamily="34" charset="-122"/>
+                <a:ea typeface="Microsoft YaHei" panose="020B0503020204020204" pitchFamily="34" charset="-122"/>
+                <a:cs typeface="+mj-cs"/>
+              </a:rPr>
+              <a:t>: ADKAR Change journey</a:t>
+            </a:r>
+          </a:p>
+        </p:txBody>
+      </p:sp>
+      <p:sp>
+        <p:nvSpPr>
+          <p:cNvPr id="33" name="TextBox 32">
+            <a:extLst>
+              <a:ext uri="{FF2B5EF4-FFF2-40B4-BE49-F238E27FC236}">
+                <a16:creationId xmlns:a16="http://schemas.microsoft.com/office/drawing/2014/main" id="{7FB20CDF-2803-94BB-AD10-8206D34D291F}"/>
+              </a:ext>
+            </a:extLst>
+          </p:cNvPr>
+          <p:cNvSpPr txBox="1"/>
+          <p:nvPr/>
+        </p:nvSpPr>
+        <p:spPr>
+          <a:xfrm>
+            <a:off x="426722" y="1417318"/>
+            <a:ext cx="2017216" cy="271869"/>
+          </a:xfrm>
+          <a:prstGeom prst="rect">
+            <a:avLst/>
+          </a:prstGeom>
+          <a:noFill/>
+          <a:ln w="12700" cap="flat">
+            <a:noFill/>
+            <a:miter lim="400000"/>
+          </a:ln>
+          <a:effectLst/>
+          <a:sp3d/>
+        </p:spPr>
+        <p:style>
+          <a:lnRef idx="0">
+            <a:scrgbClr r="0" g="0" b="0"/>
+          </a:lnRef>
+          <a:fillRef idx="0">
+            <a:scrgbClr r="0" g="0" b="0"/>
+          </a:fillRef>
+          <a:effectRef idx="0">
+            <a:scrgbClr r="0" g="0" b="0"/>
+          </a:effectRef>
+          <a:fontRef idx="none"/>
+        </p:style>
+        <p:txBody>
+          <a:bodyPr rot="0" spcFirstLastPara="1" vertOverflow="overflow" horzOverflow="overflow" vert="horz" wrap="square" lIns="50800" tIns="50800" rIns="50800" bIns="50800" numCol="1" spcCol="38100" rtlCol="0" anchor="t" anchorCtr="0">
+            <a:spAutoFit/>
+          </a:bodyPr>
+          <a:lstStyle/>
+          <a:p>
+            <a:pPr marL="0" marR="0" indent="0" algn="l" defTabSz="825500" rtl="0" fontAlgn="auto" latinLnBrk="0" hangingPunct="0">
+              <a:lnSpc>
+                <a:spcPct val="100000"/>
+              </a:lnSpc>
+              <a:spcBef>
+                <a:spcPts val="0"/>
+              </a:spcBef>
+              <a:spcAft>
+                <a:spcPts val="0"/>
+              </a:spcAft>
+              <a:buClrTx/>
+              <a:buSzTx/>
+              <a:buFontTx/>
+              <a:buNone/>
+              <a:tabLst/>
+            </a:pPr>
+            <a:r>
+              <a:rPr kumimoji="0" lang="en-GB" sz="1100" b="0" i="0" u="none" strike="noStrike" cap="none" spc="0" normalizeH="0" baseline="0" dirty="0" err="1">
+                <a:ln>
+                  <a:noFill/>
+                </a:ln>
+                <a:solidFill>
+                  <a:srgbClr val="000000"/>
+                </a:solidFill>
+                <a:effectLst/>
+                <a:uFillTx/>
+                <a:latin typeface="Calibri" panose="020F0502020204030204" pitchFamily="34" charset="0"/>
+                <a:ea typeface="Helvetica Neue"/>
+                <a:cs typeface="Calibri" panose="020F0502020204030204" pitchFamily="34" charset="0"/>
+                <a:sym typeface="Helvetica Neue"/>
+              </a:rPr>
+              <a:t>Awareness_text</a:t>
+            </a:r>
+            <a:endParaRPr kumimoji="0" lang="en-GB" sz="1100" b="0" i="0" u="none" strike="noStrike" cap="none" spc="0" normalizeH="0" baseline="0" dirty="0">
+              <a:ln>
+                <a:noFill/>
+              </a:ln>
+              <a:solidFill>
+                <a:srgbClr val="000000"/>
+              </a:solidFill>
+              <a:effectLst/>
+              <a:uFillTx/>
+              <a:latin typeface="Calibri" panose="020F0502020204030204" pitchFamily="34" charset="0"/>
+              <a:ea typeface="Helvetica Neue"/>
+              <a:cs typeface="Calibri" panose="020F0502020204030204" pitchFamily="34" charset="0"/>
+              <a:sym typeface="Helvetica Neue"/>
+            </a:endParaRPr>
+          </a:p>
+        </p:txBody>
+      </p:sp>
+      <p:sp>
+        <p:nvSpPr>
+          <p:cNvPr id="34" name="TextBox 33">
+            <a:extLst>
+              <a:ext uri="{FF2B5EF4-FFF2-40B4-BE49-F238E27FC236}">
+                <a16:creationId xmlns:a16="http://schemas.microsoft.com/office/drawing/2014/main" id="{F0901B30-AF0C-52F4-45A6-F5AE2BD8611F}"/>
+              </a:ext>
+            </a:extLst>
+          </p:cNvPr>
+          <p:cNvSpPr txBox="1"/>
+          <p:nvPr/>
+        </p:nvSpPr>
+        <p:spPr>
+          <a:xfrm>
+            <a:off x="2757057" y="1417318"/>
+            <a:ext cx="2017216" cy="271869"/>
+          </a:xfrm>
+          <a:prstGeom prst="rect">
+            <a:avLst/>
+          </a:prstGeom>
+          <a:noFill/>
+          <a:ln w="12700" cap="flat">
+            <a:noFill/>
+            <a:miter lim="400000"/>
+          </a:ln>
+          <a:effectLst/>
+          <a:sp3d/>
+        </p:spPr>
+        <p:style>
+          <a:lnRef idx="0">
+            <a:scrgbClr r="0" g="0" b="0"/>
+          </a:lnRef>
+          <a:fillRef idx="0">
+            <a:scrgbClr r="0" g="0" b="0"/>
+          </a:fillRef>
+          <a:effectRef idx="0">
+            <a:scrgbClr r="0" g="0" b="0"/>
+          </a:effectRef>
+          <a:fontRef idx="none"/>
+        </p:style>
+        <p:txBody>
+          <a:bodyPr rot="0" spcFirstLastPara="1" vertOverflow="overflow" horzOverflow="overflow" vert="horz" wrap="square" lIns="50800" tIns="50800" rIns="50800" bIns="50800" numCol="1" spcCol="38100" rtlCol="0" anchor="t" anchorCtr="0">
+            <a:spAutoFit/>
+          </a:bodyPr>
+          <a:lstStyle/>
+          <a:p>
+            <a:pPr marL="0" marR="0" indent="0" algn="l" defTabSz="825500" rtl="0" fontAlgn="auto" latinLnBrk="0" hangingPunct="0">
+              <a:lnSpc>
+                <a:spcPct val="100000"/>
+              </a:lnSpc>
+              <a:spcBef>
+                <a:spcPts val="0"/>
+              </a:spcBef>
+              <a:spcAft>
+                <a:spcPts val="0"/>
+              </a:spcAft>
+              <a:buClrTx/>
+              <a:buSzTx/>
+              <a:buFontTx/>
+              <a:buNone/>
+              <a:tabLst/>
+            </a:pPr>
+            <a:r>
+              <a:rPr kumimoji="0" lang="en-GB" sz="1100" b="0" i="0" u="none" strike="noStrike" cap="none" spc="0" normalizeH="0" baseline="0" dirty="0" err="1">
+                <a:ln>
+                  <a:noFill/>
+                </a:ln>
+                <a:solidFill>
+                  <a:srgbClr val="000000"/>
+                </a:solidFill>
+                <a:effectLst/>
+                <a:uFillTx/>
+                <a:latin typeface="Calibri" panose="020F0502020204030204" pitchFamily="34" charset="0"/>
+                <a:ea typeface="Helvetica Neue"/>
+                <a:cs typeface="Calibri" panose="020F0502020204030204" pitchFamily="34" charset="0"/>
+                <a:sym typeface="Helvetica Neue"/>
+              </a:rPr>
+              <a:t>Desire_text</a:t>
+            </a:r>
+            <a:endParaRPr kumimoji="0" lang="en-GB" sz="1100" b="0" i="0" u="none" strike="noStrike" cap="none" spc="0" normalizeH="0" baseline="0" dirty="0">
+              <a:ln>
+                <a:noFill/>
+              </a:ln>
+              <a:solidFill>
+                <a:srgbClr val="000000"/>
+              </a:solidFill>
+              <a:effectLst/>
+              <a:uFillTx/>
+              <a:latin typeface="Calibri" panose="020F0502020204030204" pitchFamily="34" charset="0"/>
+              <a:ea typeface="Helvetica Neue"/>
+              <a:cs typeface="Calibri" panose="020F0502020204030204" pitchFamily="34" charset="0"/>
+              <a:sym typeface="Helvetica Neue"/>
+            </a:endParaRPr>
+          </a:p>
+        </p:txBody>
+      </p:sp>
+      <p:sp>
+        <p:nvSpPr>
+          <p:cNvPr id="35" name="TextBox 34">
+            <a:extLst>
+              <a:ext uri="{FF2B5EF4-FFF2-40B4-BE49-F238E27FC236}">
+                <a16:creationId xmlns:a16="http://schemas.microsoft.com/office/drawing/2014/main" id="{A467EFFC-D623-A14F-CF5B-CD93A5E36C9E}"/>
+              </a:ext>
+            </a:extLst>
+          </p:cNvPr>
+          <p:cNvSpPr txBox="1"/>
+          <p:nvPr/>
+        </p:nvSpPr>
+        <p:spPr>
+          <a:xfrm>
+            <a:off x="5087392" y="1417318"/>
+            <a:ext cx="2017216" cy="271869"/>
+          </a:xfrm>
+          <a:prstGeom prst="rect">
+            <a:avLst/>
+          </a:prstGeom>
+          <a:noFill/>
+          <a:ln w="12700" cap="flat">
+            <a:noFill/>
+            <a:miter lim="400000"/>
+          </a:ln>
+          <a:effectLst/>
+          <a:sp3d/>
+        </p:spPr>
+        <p:style>
+          <a:lnRef idx="0">
+            <a:scrgbClr r="0" g="0" b="0"/>
+          </a:lnRef>
+          <a:fillRef idx="0">
+            <a:scrgbClr r="0" g="0" b="0"/>
+          </a:fillRef>
+          <a:effectRef idx="0">
+            <a:scrgbClr r="0" g="0" b="0"/>
+          </a:effectRef>
+          <a:fontRef idx="none"/>
+        </p:style>
+        <p:txBody>
+          <a:bodyPr rot="0" spcFirstLastPara="1" vertOverflow="overflow" horzOverflow="overflow" vert="horz" wrap="square" lIns="50800" tIns="50800" rIns="50800" bIns="50800" numCol="1" spcCol="38100" rtlCol="0" anchor="t" anchorCtr="0">
+            <a:spAutoFit/>
+          </a:bodyPr>
+          <a:lstStyle/>
+          <a:p>
+            <a:pPr marL="0" marR="0" indent="0" algn="l" defTabSz="825500" rtl="0" fontAlgn="auto" latinLnBrk="0" hangingPunct="0">
+              <a:lnSpc>
+                <a:spcPct val="100000"/>
+              </a:lnSpc>
+              <a:spcBef>
+                <a:spcPts val="0"/>
+              </a:spcBef>
+              <a:spcAft>
+                <a:spcPts val="0"/>
+              </a:spcAft>
+              <a:buClrTx/>
+              <a:buSzTx/>
+              <a:buFontTx/>
+              <a:buNone/>
+              <a:tabLst/>
+            </a:pPr>
+            <a:r>
+              <a:rPr kumimoji="0" lang="en-GB" sz="1100" b="0" i="0" u="none" strike="noStrike" cap="none" spc="0" normalizeH="0" baseline="0" dirty="0" err="1">
+                <a:ln>
+                  <a:noFill/>
+                </a:ln>
+                <a:solidFill>
+                  <a:srgbClr val="000000"/>
+                </a:solidFill>
+                <a:effectLst/>
+                <a:uFillTx/>
+                <a:latin typeface="Calibri" panose="020F0502020204030204" pitchFamily="34" charset="0"/>
+                <a:ea typeface="Helvetica Neue"/>
+                <a:cs typeface="Calibri" panose="020F0502020204030204" pitchFamily="34" charset="0"/>
+                <a:sym typeface="Helvetica Neue"/>
+              </a:rPr>
+              <a:t>Knowledge_text</a:t>
+            </a:r>
+            <a:endParaRPr kumimoji="0" lang="en-GB" sz="1100" b="0" i="0" u="none" strike="noStrike" cap="none" spc="0" normalizeH="0" baseline="0" dirty="0">
+              <a:ln>
+                <a:noFill/>
+              </a:ln>
+              <a:solidFill>
+                <a:srgbClr val="000000"/>
+              </a:solidFill>
+              <a:effectLst/>
+              <a:uFillTx/>
+              <a:latin typeface="Calibri" panose="020F0502020204030204" pitchFamily="34" charset="0"/>
+              <a:ea typeface="Helvetica Neue"/>
+              <a:cs typeface="Calibri" panose="020F0502020204030204" pitchFamily="34" charset="0"/>
+              <a:sym typeface="Helvetica Neue"/>
+            </a:endParaRPr>
+          </a:p>
+        </p:txBody>
+      </p:sp>
+      <p:sp>
+        <p:nvSpPr>
+          <p:cNvPr id="36" name="TextBox 35">
+            <a:extLst>
+              <a:ext uri="{FF2B5EF4-FFF2-40B4-BE49-F238E27FC236}">
+                <a16:creationId xmlns:a16="http://schemas.microsoft.com/office/drawing/2014/main" id="{36538942-97B5-44CD-6F11-2017BA30014B}"/>
+              </a:ext>
+            </a:extLst>
+          </p:cNvPr>
+          <p:cNvSpPr txBox="1"/>
+          <p:nvPr/>
+        </p:nvSpPr>
+        <p:spPr>
+          <a:xfrm>
+            <a:off x="7417727" y="1417318"/>
+            <a:ext cx="2017216" cy="271869"/>
+          </a:xfrm>
+          <a:prstGeom prst="rect">
+            <a:avLst/>
+          </a:prstGeom>
+          <a:noFill/>
+          <a:ln w="12700" cap="flat">
+            <a:noFill/>
+            <a:miter lim="400000"/>
+          </a:ln>
+          <a:effectLst/>
+          <a:sp3d/>
+        </p:spPr>
+        <p:style>
+          <a:lnRef idx="0">
+            <a:scrgbClr r="0" g="0" b="0"/>
+          </a:lnRef>
+          <a:fillRef idx="0">
+            <a:scrgbClr r="0" g="0" b="0"/>
+          </a:fillRef>
+          <a:effectRef idx="0">
+            <a:scrgbClr r="0" g="0" b="0"/>
+          </a:effectRef>
+          <a:fontRef idx="none"/>
+        </p:style>
+        <p:txBody>
+          <a:bodyPr rot="0" spcFirstLastPara="1" vertOverflow="overflow" horzOverflow="overflow" vert="horz" wrap="square" lIns="50800" tIns="50800" rIns="50800" bIns="50800" numCol="1" spcCol="38100" rtlCol="0" anchor="t" anchorCtr="0">
+            <a:spAutoFit/>
+          </a:bodyPr>
+          <a:lstStyle/>
+          <a:p>
+            <a:pPr marL="0" marR="0" indent="0" algn="l" defTabSz="825500" rtl="0" fontAlgn="auto" latinLnBrk="0" hangingPunct="0">
+              <a:lnSpc>
+                <a:spcPct val="100000"/>
+              </a:lnSpc>
+              <a:spcBef>
+                <a:spcPts val="0"/>
+              </a:spcBef>
+              <a:spcAft>
+                <a:spcPts val="0"/>
+              </a:spcAft>
+              <a:buClrTx/>
+              <a:buSzTx/>
+              <a:buFontTx/>
+              <a:buNone/>
+              <a:tabLst/>
+            </a:pPr>
+            <a:r>
+              <a:rPr kumimoji="0" lang="en-GB" sz="1100" b="0" i="0" u="none" strike="noStrike" cap="none" spc="0" normalizeH="0" baseline="0" dirty="0" err="1">
+                <a:ln>
+                  <a:noFill/>
+                </a:ln>
+                <a:solidFill>
+                  <a:srgbClr val="000000"/>
+                </a:solidFill>
+                <a:effectLst/>
+                <a:uFillTx/>
+                <a:latin typeface="Calibri" panose="020F0502020204030204" pitchFamily="34" charset="0"/>
+                <a:ea typeface="Helvetica Neue"/>
+                <a:cs typeface="Calibri" panose="020F0502020204030204" pitchFamily="34" charset="0"/>
+                <a:sym typeface="Helvetica Neue"/>
+              </a:rPr>
+              <a:t>Ability_text</a:t>
+            </a:r>
+            <a:endParaRPr kumimoji="0" lang="en-GB" sz="1100" b="0" i="0" u="none" strike="noStrike" cap="none" spc="0" normalizeH="0" baseline="0" dirty="0">
+              <a:ln>
+                <a:noFill/>
+              </a:ln>
+              <a:solidFill>
+                <a:srgbClr val="000000"/>
+              </a:solidFill>
+              <a:effectLst/>
+              <a:uFillTx/>
+              <a:latin typeface="Calibri" panose="020F0502020204030204" pitchFamily="34" charset="0"/>
+              <a:ea typeface="Helvetica Neue"/>
+              <a:cs typeface="Calibri" panose="020F0502020204030204" pitchFamily="34" charset="0"/>
+              <a:sym typeface="Helvetica Neue"/>
+            </a:endParaRPr>
+          </a:p>
+        </p:txBody>
+      </p:sp>
+      <p:sp>
+        <p:nvSpPr>
+          <p:cNvPr id="37" name="TextBox 36">
+            <a:extLst>
+              <a:ext uri="{FF2B5EF4-FFF2-40B4-BE49-F238E27FC236}">
+                <a16:creationId xmlns:a16="http://schemas.microsoft.com/office/drawing/2014/main" id="{0F3CBEC3-BD3C-03EF-3EE6-FAC6BD99B244}"/>
+              </a:ext>
+            </a:extLst>
+          </p:cNvPr>
+          <p:cNvSpPr txBox="1"/>
+          <p:nvPr/>
+        </p:nvSpPr>
+        <p:spPr>
+          <a:xfrm>
+            <a:off x="9748062" y="1417318"/>
+            <a:ext cx="2017216" cy="271869"/>
+          </a:xfrm>
+          <a:prstGeom prst="rect">
+            <a:avLst/>
+          </a:prstGeom>
+          <a:noFill/>
+          <a:ln w="12700" cap="flat">
+            <a:noFill/>
+            <a:miter lim="400000"/>
+          </a:ln>
+          <a:effectLst/>
+          <a:sp3d/>
+        </p:spPr>
+        <p:style>
+          <a:lnRef idx="0">
+            <a:scrgbClr r="0" g="0" b="0"/>
+          </a:lnRef>
+          <a:fillRef idx="0">
+            <a:scrgbClr r="0" g="0" b="0"/>
+          </a:fillRef>
+          <a:effectRef idx="0">
+            <a:scrgbClr r="0" g="0" b="0"/>
+          </a:effectRef>
+          <a:fontRef idx="none"/>
+        </p:style>
+        <p:txBody>
+          <a:bodyPr rot="0" spcFirstLastPara="1" vertOverflow="overflow" horzOverflow="overflow" vert="horz" wrap="square" lIns="50800" tIns="50800" rIns="50800" bIns="50800" numCol="1" spcCol="38100" rtlCol="0" anchor="t" anchorCtr="0">
+            <a:spAutoFit/>
+          </a:bodyPr>
+          <a:lstStyle/>
+          <a:p>
+            <a:pPr marL="0" marR="0" indent="0" algn="l" defTabSz="825500" rtl="0" fontAlgn="auto" latinLnBrk="0" hangingPunct="0">
+              <a:lnSpc>
+                <a:spcPct val="100000"/>
+              </a:lnSpc>
+              <a:spcBef>
+                <a:spcPts val="0"/>
+              </a:spcBef>
+              <a:spcAft>
+                <a:spcPts val="0"/>
+              </a:spcAft>
+              <a:buClrTx/>
+              <a:buSzTx/>
+              <a:buFontTx/>
+              <a:buNone/>
+              <a:tabLst/>
+            </a:pPr>
+            <a:r>
+              <a:rPr kumimoji="0" lang="en-GB" sz="1100" b="0" i="0" u="none" strike="noStrike" cap="none" spc="0" normalizeH="0" baseline="0" dirty="0" err="1">
+                <a:ln>
+                  <a:noFill/>
+                </a:ln>
+                <a:solidFill>
+                  <a:srgbClr val="000000"/>
+                </a:solidFill>
+                <a:effectLst/>
+                <a:uFillTx/>
+                <a:latin typeface="Calibri" panose="020F0502020204030204" pitchFamily="34" charset="0"/>
+                <a:ea typeface="Helvetica Neue"/>
+                <a:cs typeface="Calibri" panose="020F0502020204030204" pitchFamily="34" charset="0"/>
+                <a:sym typeface="Helvetica Neue"/>
+              </a:rPr>
+              <a:t>Reinforcement_text</a:t>
+            </a:r>
+            <a:endParaRPr kumimoji="0" lang="en-GB" sz="1100" b="0" i="0" u="none" strike="noStrike" cap="none" spc="0" normalizeH="0" baseline="0" dirty="0">
+              <a:ln>
+                <a:noFill/>
+              </a:ln>
+              <a:solidFill>
+                <a:srgbClr val="000000"/>
+              </a:solidFill>
+              <a:effectLst/>
+              <a:uFillTx/>
+              <a:latin typeface="Calibri" panose="020F0502020204030204" pitchFamily="34" charset="0"/>
+              <a:ea typeface="Helvetica Neue"/>
+              <a:cs typeface="Calibri" panose="020F0502020204030204" pitchFamily="34" charset="0"/>
+              <a:sym typeface="Helvetica Neue"/>
+            </a:endParaRPr>
+          </a:p>
+        </p:txBody>
+      </p:sp>
+    </p:spTree>
+    <p:extLst>
+      <p:ext uri="{BB962C8B-B14F-4D97-AF65-F5344CB8AC3E}">
+        <p14:creationId xmlns:p14="http://schemas.microsoft.com/office/powerpoint/2010/main" val="4267336544"/>
+      </p:ext>
+    </p:extLst>
+  </p:cSld>
+  <p:clrMapOvr>
+    <a:masterClrMapping/>
+  </p:clrMapOvr>
+  <p:transition spd="med"/>
+</p:sld>
+</file>
+
+<file path=ppt/slides/slide2.xml><?xml version="1.0" encoding="utf-8"?>
+<p:sld xmlns:a="http://schemas.openxmlformats.org/drawingml/2006/main" xmlns:r="http://schemas.openxmlformats.org/officeDocument/2006/relationships" xmlns:p="http://schemas.openxmlformats.org/presentationml/2006/main">
+  <p:cSld>
+    <p:spTree>
+      <p:nvGrpSpPr>
+        <p:cNvPr id="1" name="">
+          <a:extLst>
+            <a:ext uri="{FF2B5EF4-FFF2-40B4-BE49-F238E27FC236}">
+              <a16:creationId xmlns:a16="http://schemas.microsoft.com/office/drawing/2014/main" id="{3D0408C8-1E0F-BA2F-275E-4BD6E848D02E}"/>
+            </a:ext>
+          </a:extLst>
+        </p:cNvPr>
+        <p:cNvGrpSpPr/>
+        <p:nvPr/>
+      </p:nvGrpSpPr>
+      <p:grpSpPr>
+        <a:xfrm>
+          <a:off x="0" y="0"/>
+          <a:ext cx="0" cy="0"/>
+          <a:chOff x="0" y="0"/>
+          <a:chExt cx="0" cy="0"/>
+        </a:xfrm>
+      </p:grpSpPr>
+      <p:sp>
+        <p:nvSpPr>
+          <p:cNvPr id="3" name="Title 1">
+            <a:extLst>
+              <a:ext uri="{FF2B5EF4-FFF2-40B4-BE49-F238E27FC236}">
+                <a16:creationId xmlns:a16="http://schemas.microsoft.com/office/drawing/2014/main" id="{1AE09A8D-FA82-D3C6-C6A9-FC0B115BC3F4}"/>
+              </a:ext>
+            </a:extLst>
+          </p:cNvPr>
+          <p:cNvSpPr txBox="1">
+            <a:spLocks/>
+          </p:cNvSpPr>
+          <p:nvPr/>
+        </p:nvSpPr>
+        <p:spPr>
+          <a:xfrm>
+            <a:off x="243797" y="264580"/>
+            <a:ext cx="10515600" cy="500400"/>
+          </a:xfrm>
+          <a:prstGeom prst="rect">
+            <a:avLst/>
+          </a:prstGeom>
+        </p:spPr>
+        <p:txBody>
+          <a:bodyPr vert="horz"/>
+          <a:lstStyle>
+            <a:lvl1pPr algn="l" defTabSz="914400" rtl="0" eaLnBrk="1" latinLnBrk="0" hangingPunct="1">
+              <a:lnSpc>
+                <a:spcPct val="90000"/>
+              </a:lnSpc>
+              <a:spcBef>
+                <a:spcPct val="0"/>
+              </a:spcBef>
+              <a:buNone/>
+              <a:defRPr sz="3600" b="1" kern="1200">
+                <a:solidFill>
+                  <a:srgbClr val="004181"/>
+                </a:solidFill>
+                <a:latin typeface="Microsoft YaHei" panose="020B0503020204020204" pitchFamily="34" charset="-122"/>
+                <a:ea typeface="Microsoft YaHei" panose="020B0503020204020204" pitchFamily="34" charset="-122"/>
+                <a:cs typeface="+mj-cs"/>
+              </a:defRPr>
+            </a:lvl1pPr>
+          </a:lstStyle>
+          <a:p>
+            <a:pPr marL="0" marR="0" lvl="0" indent="0" algn="l" defTabSz="914400" rtl="0" eaLnBrk="1" fontAlgn="auto" latinLnBrk="0" hangingPunct="1">
+              <a:lnSpc>
+                <a:spcPct val="90000"/>
+              </a:lnSpc>
+              <a:spcBef>
+                <a:spcPct val="0"/>
+              </a:spcBef>
+              <a:spcAft>
+                <a:spcPts val="0"/>
+              </a:spcAft>
+              <a:buClrTx/>
+              <a:buSzTx/>
+              <a:buFontTx/>
+              <a:buNone/>
+              <a:tabLst/>
+              <a:defRPr/>
+            </a:pPr>
+            <a:r>
+              <a:rPr kumimoji="0" lang="en-US" sz="2400" b="1" i="0" u="none" strike="noStrike" kern="1200" cap="none" spc="0" normalizeH="0" baseline="0" noProof="0" dirty="0" err="1">
+                <a:ln>
+                  <a:noFill/>
+                </a:ln>
+                <a:solidFill>
+                  <a:srgbClr val="004181"/>
+                </a:solidFill>
+                <a:effectLst/>
+                <a:uLnTx/>
+                <a:uFillTx/>
+                <a:latin typeface="Microsoft YaHei" panose="020B0503020204020204" pitchFamily="34" charset="-122"/>
+                <a:ea typeface="Microsoft YaHei" panose="020B0503020204020204" pitchFamily="34" charset="-122"/>
+                <a:cs typeface="+mj-cs"/>
+              </a:rPr>
+              <a:t>Interviewee_Name</a:t>
+            </a:r>
+            <a:r>
+              <a:rPr kumimoji="0" lang="en-US" sz="2400" b="1" i="0" u="none" strike="noStrike" kern="1200" cap="none" spc="0" normalizeH="0" baseline="0" noProof="0" dirty="0">
+                <a:ln>
+                  <a:noFill/>
+                </a:ln>
+                <a:solidFill>
+                  <a:srgbClr val="004181"/>
+                </a:solidFill>
+                <a:effectLst/>
+                <a:uLnTx/>
+                <a:uFillTx/>
+                <a:latin typeface="Microsoft YaHei" panose="020B0503020204020204" pitchFamily="34" charset="-122"/>
+                <a:ea typeface="Microsoft YaHei" panose="020B0503020204020204" pitchFamily="34" charset="-122"/>
+                <a:cs typeface="+mj-cs"/>
+              </a:rPr>
+              <a:t>: ADKAR Change journey</a:t>
+            </a:r>
+          </a:p>
+        </p:txBody>
+      </p:sp>
+      <p:sp>
+        <p:nvSpPr>
+          <p:cNvPr id="33" name="TextBox 32">
+            <a:extLst>
+              <a:ext uri="{FF2B5EF4-FFF2-40B4-BE49-F238E27FC236}">
+                <a16:creationId xmlns:a16="http://schemas.microsoft.com/office/drawing/2014/main" id="{04DA8B87-4485-0860-89E2-F34D89F63552}"/>
+              </a:ext>
+            </a:extLst>
+          </p:cNvPr>
+          <p:cNvSpPr txBox="1"/>
+          <p:nvPr/>
+        </p:nvSpPr>
+        <p:spPr>
+          <a:xfrm>
+            <a:off x="426722" y="1417318"/>
+            <a:ext cx="2017216" cy="271869"/>
+          </a:xfrm>
+          <a:prstGeom prst="rect">
+            <a:avLst/>
+          </a:prstGeom>
+          <a:noFill/>
+          <a:ln w="12700" cap="flat">
+            <a:noFill/>
+            <a:miter lim="400000"/>
+          </a:ln>
+          <a:effectLst/>
+          <a:sp3d/>
+        </p:spPr>
+        <p:style>
+          <a:lnRef idx="0">
+            <a:scrgbClr r="0" g="0" b="0"/>
+          </a:lnRef>
+          <a:fillRef idx="0">
+            <a:scrgbClr r="0" g="0" b="0"/>
+          </a:fillRef>
+          <a:effectRef idx="0">
+            <a:scrgbClr r="0" g="0" b="0"/>
+          </a:effectRef>
+          <a:fontRef idx="none"/>
+        </p:style>
+        <p:txBody>
+          <a:bodyPr rot="0" spcFirstLastPara="1" vertOverflow="overflow" horzOverflow="overflow" vert="horz" wrap="square" lIns="50800" tIns="50800" rIns="50800" bIns="50800" numCol="1" spcCol="38100" rtlCol="0" anchor="t" anchorCtr="0">
+            <a:spAutoFit/>
+          </a:bodyPr>
+          <a:lstStyle/>
+          <a:p>
+            <a:pPr marL="0" marR="0" indent="0" algn="l" defTabSz="825500" rtl="0" fontAlgn="auto" latinLnBrk="0" hangingPunct="0">
+              <a:lnSpc>
+                <a:spcPct val="100000"/>
+              </a:lnSpc>
+              <a:spcBef>
+                <a:spcPts val="0"/>
+              </a:spcBef>
+              <a:spcAft>
+                <a:spcPts val="0"/>
+              </a:spcAft>
+              <a:buClrTx/>
+              <a:buSzTx/>
+              <a:buFontTx/>
+              <a:buNone/>
+              <a:tabLst/>
+            </a:pPr>
+            <a:r>
+              <a:rPr kumimoji="0" lang="en-GB" sz="1100" b="0" i="0" u="none" strike="noStrike" cap="none" spc="0" normalizeH="0" baseline="0" dirty="0" err="1">
+                <a:ln>
+                  <a:noFill/>
+                </a:ln>
+                <a:solidFill>
+                  <a:srgbClr val="000000"/>
+                </a:solidFill>
+                <a:effectLst/>
+                <a:uFillTx/>
+                <a:latin typeface="Calibri" panose="020F0502020204030204" pitchFamily="34" charset="0"/>
+                <a:ea typeface="Helvetica Neue"/>
+                <a:cs typeface="Calibri" panose="020F0502020204030204" pitchFamily="34" charset="0"/>
+                <a:sym typeface="Helvetica Neue"/>
+              </a:rPr>
+              <a:t>Awareness_text</a:t>
+            </a:r>
+            <a:endParaRPr kumimoji="0" lang="en-GB" sz="1100" b="0" i="0" u="none" strike="noStrike" cap="none" spc="0" normalizeH="0" baseline="0" dirty="0">
+              <a:ln>
+                <a:noFill/>
+              </a:ln>
+              <a:solidFill>
+                <a:srgbClr val="000000"/>
+              </a:solidFill>
+              <a:effectLst/>
+              <a:uFillTx/>
+              <a:latin typeface="Calibri" panose="020F0502020204030204" pitchFamily="34" charset="0"/>
+              <a:ea typeface="Helvetica Neue"/>
+              <a:cs typeface="Calibri" panose="020F0502020204030204" pitchFamily="34" charset="0"/>
+              <a:sym typeface="Helvetica Neue"/>
+            </a:endParaRPr>
+          </a:p>
+        </p:txBody>
+      </p:sp>
+      <p:sp>
+        <p:nvSpPr>
+          <p:cNvPr id="34" name="TextBox 33">
+            <a:extLst>
+              <a:ext uri="{FF2B5EF4-FFF2-40B4-BE49-F238E27FC236}">
+                <a16:creationId xmlns:a16="http://schemas.microsoft.com/office/drawing/2014/main" id="{C49EF16C-C908-3EE6-8FD8-595DEB9F686C}"/>
+              </a:ext>
+            </a:extLst>
+          </p:cNvPr>
+          <p:cNvSpPr txBox="1"/>
+          <p:nvPr/>
+        </p:nvSpPr>
+        <p:spPr>
+          <a:xfrm>
+            <a:off x="2757057" y="1417318"/>
+            <a:ext cx="2017216" cy="271869"/>
+          </a:xfrm>
+          <a:prstGeom prst="rect">
+            <a:avLst/>
+          </a:prstGeom>
+          <a:noFill/>
+          <a:ln w="12700" cap="flat">
+            <a:noFill/>
+            <a:miter lim="400000"/>
+          </a:ln>
+          <a:effectLst/>
+          <a:sp3d/>
+        </p:spPr>
+        <p:style>
+          <a:lnRef idx="0">
+            <a:scrgbClr r="0" g="0" b="0"/>
+          </a:lnRef>
+          <a:fillRef idx="0">
+            <a:scrgbClr r="0" g="0" b="0"/>
+          </a:fillRef>
+          <a:effectRef idx="0">
+            <a:scrgbClr r="0" g="0" b="0"/>
+          </a:effectRef>
+          <a:fontRef idx="none"/>
+        </p:style>
+        <p:txBody>
+          <a:bodyPr rot="0" spcFirstLastPara="1" vertOverflow="overflow" horzOverflow="overflow" vert="horz" wrap="square" lIns="50800" tIns="50800" rIns="50800" bIns="50800" numCol="1" spcCol="38100" rtlCol="0" anchor="t" anchorCtr="0">
+            <a:spAutoFit/>
+          </a:bodyPr>
+          <a:lstStyle/>
+          <a:p>
+            <a:pPr marL="0" marR="0" indent="0" algn="l" defTabSz="825500" rtl="0" fontAlgn="auto" latinLnBrk="0" hangingPunct="0">
+              <a:lnSpc>
+                <a:spcPct val="100000"/>
+              </a:lnSpc>
+              <a:spcBef>
+                <a:spcPts val="0"/>
+              </a:spcBef>
+              <a:spcAft>
+                <a:spcPts val="0"/>
+              </a:spcAft>
+              <a:buClrTx/>
+              <a:buSzTx/>
+              <a:buFontTx/>
+              <a:buNone/>
+              <a:tabLst/>
+            </a:pPr>
+            <a:r>
+              <a:rPr kumimoji="0" lang="en-GB" sz="1100" b="0" i="0" u="none" strike="noStrike" cap="none" spc="0" normalizeH="0" baseline="0" dirty="0" err="1">
+                <a:ln>
+                  <a:noFill/>
+                </a:ln>
+                <a:solidFill>
+                  <a:srgbClr val="000000"/>
+                </a:solidFill>
+                <a:effectLst/>
+                <a:uFillTx/>
+                <a:latin typeface="Calibri" panose="020F0502020204030204" pitchFamily="34" charset="0"/>
+                <a:ea typeface="Helvetica Neue"/>
+                <a:cs typeface="Calibri" panose="020F0502020204030204" pitchFamily="34" charset="0"/>
+                <a:sym typeface="Helvetica Neue"/>
+              </a:rPr>
+              <a:t>Desire_text</a:t>
+            </a:r>
+            <a:endParaRPr kumimoji="0" lang="en-GB" sz="1100" b="0" i="0" u="none" strike="noStrike" cap="none" spc="0" normalizeH="0" baseline="0" dirty="0">
+              <a:ln>
+                <a:noFill/>
+              </a:ln>
+              <a:solidFill>
+                <a:srgbClr val="000000"/>
+              </a:solidFill>
+              <a:effectLst/>
+              <a:uFillTx/>
+              <a:latin typeface="Calibri" panose="020F0502020204030204" pitchFamily="34" charset="0"/>
+              <a:ea typeface="Helvetica Neue"/>
+              <a:cs typeface="Calibri" panose="020F0502020204030204" pitchFamily="34" charset="0"/>
+              <a:sym typeface="Helvetica Neue"/>
+            </a:endParaRPr>
+          </a:p>
+        </p:txBody>
+      </p:sp>
+      <p:sp>
+        <p:nvSpPr>
+          <p:cNvPr id="35" name="TextBox 34">
+            <a:extLst>
+              <a:ext uri="{FF2B5EF4-FFF2-40B4-BE49-F238E27FC236}">
+                <a16:creationId xmlns:a16="http://schemas.microsoft.com/office/drawing/2014/main" id="{3EC88C77-FC0F-3560-ECB2-E42C56CEC506}"/>
+              </a:ext>
+            </a:extLst>
+          </p:cNvPr>
+          <p:cNvSpPr txBox="1"/>
+          <p:nvPr/>
+        </p:nvSpPr>
+        <p:spPr>
+          <a:xfrm>
+            <a:off x="5087392" y="1417318"/>
+            <a:ext cx="2017216" cy="271869"/>
+          </a:xfrm>
+          <a:prstGeom prst="rect">
+            <a:avLst/>
+          </a:prstGeom>
+          <a:noFill/>
+          <a:ln w="12700" cap="flat">
+            <a:noFill/>
+            <a:miter lim="400000"/>
+          </a:ln>
+          <a:effectLst/>
+          <a:sp3d/>
+        </p:spPr>
+        <p:style>
+          <a:lnRef idx="0">
+            <a:scrgbClr r="0" g="0" b="0"/>
+          </a:lnRef>
+          <a:fillRef idx="0">
+            <a:scrgbClr r="0" g="0" b="0"/>
+          </a:fillRef>
+          <a:effectRef idx="0">
+            <a:scrgbClr r="0" g="0" b="0"/>
+          </a:effectRef>
+          <a:fontRef idx="none"/>
+        </p:style>
+        <p:txBody>
+          <a:bodyPr rot="0" spcFirstLastPara="1" vertOverflow="overflow" horzOverflow="overflow" vert="horz" wrap="square" lIns="50800" tIns="50800" rIns="50800" bIns="50800" numCol="1" spcCol="38100" rtlCol="0" anchor="t" anchorCtr="0">
+            <a:spAutoFit/>
+          </a:bodyPr>
+          <a:lstStyle/>
+          <a:p>
+            <a:pPr marL="0" marR="0" indent="0" algn="l" defTabSz="825500" rtl="0" fontAlgn="auto" latinLnBrk="0" hangingPunct="0">
+              <a:lnSpc>
+                <a:spcPct val="100000"/>
+              </a:lnSpc>
+              <a:spcBef>
+                <a:spcPts val="0"/>
+              </a:spcBef>
+              <a:spcAft>
+                <a:spcPts val="0"/>
+              </a:spcAft>
+              <a:buClrTx/>
+              <a:buSzTx/>
+              <a:buFontTx/>
+              <a:buNone/>
+              <a:tabLst/>
+            </a:pPr>
+            <a:r>
+              <a:rPr kumimoji="0" lang="en-GB" sz="1100" b="0" i="0" u="none" strike="noStrike" cap="none" spc="0" normalizeH="0" baseline="0" dirty="0" err="1">
+                <a:ln>
+                  <a:noFill/>
+                </a:ln>
+                <a:solidFill>
+                  <a:srgbClr val="000000"/>
+                </a:solidFill>
+                <a:effectLst/>
+                <a:uFillTx/>
+                <a:latin typeface="Calibri" panose="020F0502020204030204" pitchFamily="34" charset="0"/>
+                <a:ea typeface="Helvetica Neue"/>
+                <a:cs typeface="Calibri" panose="020F0502020204030204" pitchFamily="34" charset="0"/>
+                <a:sym typeface="Helvetica Neue"/>
+              </a:rPr>
+              <a:t>Knowledge_text</a:t>
+            </a:r>
+            <a:endParaRPr kumimoji="0" lang="en-GB" sz="1100" b="0" i="0" u="none" strike="noStrike" cap="none" spc="0" normalizeH="0" baseline="0" dirty="0">
+              <a:ln>
+                <a:noFill/>
+              </a:ln>
+              <a:solidFill>
+                <a:srgbClr val="000000"/>
+              </a:solidFill>
+              <a:effectLst/>
+              <a:uFillTx/>
+              <a:latin typeface="Calibri" panose="020F0502020204030204" pitchFamily="34" charset="0"/>
+              <a:ea typeface="Helvetica Neue"/>
+              <a:cs typeface="Calibri" panose="020F0502020204030204" pitchFamily="34" charset="0"/>
+              <a:sym typeface="Helvetica Neue"/>
+            </a:endParaRPr>
+          </a:p>
+        </p:txBody>
+      </p:sp>
+      <p:sp>
+        <p:nvSpPr>
+          <p:cNvPr id="36" name="TextBox 35">
+            <a:extLst>
+              <a:ext uri="{FF2B5EF4-FFF2-40B4-BE49-F238E27FC236}">
+                <a16:creationId xmlns:a16="http://schemas.microsoft.com/office/drawing/2014/main" id="{66E7A27A-26A8-8D70-DD0C-EA8EE1A44741}"/>
+              </a:ext>
+            </a:extLst>
+          </p:cNvPr>
+          <p:cNvSpPr txBox="1"/>
+          <p:nvPr/>
+        </p:nvSpPr>
+        <p:spPr>
+          <a:xfrm>
+            <a:off x="7417727" y="1417318"/>
+            <a:ext cx="2017216" cy="271869"/>
+          </a:xfrm>
+          <a:prstGeom prst="rect">
+            <a:avLst/>
+          </a:prstGeom>
+          <a:noFill/>
+          <a:ln w="12700" cap="flat">
+            <a:noFill/>
+            <a:miter lim="400000"/>
+          </a:ln>
+          <a:effectLst/>
+          <a:sp3d/>
+        </p:spPr>
+        <p:style>
+          <a:lnRef idx="0">
+            <a:scrgbClr r="0" g="0" b="0"/>
+          </a:lnRef>
+          <a:fillRef idx="0">
+            <a:scrgbClr r="0" g="0" b="0"/>
+          </a:fillRef>
+          <a:effectRef idx="0">
+            <a:scrgbClr r="0" g="0" b="0"/>
+          </a:effectRef>
+          <a:fontRef idx="none"/>
+        </p:style>
+        <p:txBody>
+          <a:bodyPr rot="0" spcFirstLastPara="1" vertOverflow="overflow" horzOverflow="overflow" vert="horz" wrap="square" lIns="50800" tIns="50800" rIns="50800" bIns="50800" numCol="1" spcCol="38100" rtlCol="0" anchor="t" anchorCtr="0">
+            <a:spAutoFit/>
+          </a:bodyPr>
+          <a:lstStyle/>
+          <a:p>
+            <a:pPr marL="0" marR="0" indent="0" algn="l" defTabSz="825500" rtl="0" fontAlgn="auto" latinLnBrk="0" hangingPunct="0">
+              <a:lnSpc>
+                <a:spcPct val="100000"/>
+              </a:lnSpc>
+              <a:spcBef>
+                <a:spcPts val="0"/>
+              </a:spcBef>
+              <a:spcAft>
+                <a:spcPts val="0"/>
+              </a:spcAft>
+              <a:buClrTx/>
+              <a:buSzTx/>
+              <a:buFontTx/>
+              <a:buNone/>
+              <a:tabLst/>
+            </a:pPr>
+            <a:r>
+              <a:rPr kumimoji="0" lang="en-GB" sz="1100" b="0" i="0" u="none" strike="noStrike" cap="none" spc="0" normalizeH="0" baseline="0" dirty="0" err="1">
+                <a:ln>
+                  <a:noFill/>
+                </a:ln>
+                <a:solidFill>
+                  <a:srgbClr val="000000"/>
+                </a:solidFill>
+                <a:effectLst/>
+                <a:uFillTx/>
+                <a:latin typeface="Calibri" panose="020F0502020204030204" pitchFamily="34" charset="0"/>
+                <a:ea typeface="Helvetica Neue"/>
+                <a:cs typeface="Calibri" panose="020F0502020204030204" pitchFamily="34" charset="0"/>
+                <a:sym typeface="Helvetica Neue"/>
+              </a:rPr>
+              <a:t>Ability_text</a:t>
+            </a:r>
+            <a:endParaRPr kumimoji="0" lang="en-GB" sz="1100" b="0" i="0" u="none" strike="noStrike" cap="none" spc="0" normalizeH="0" baseline="0" dirty="0">
+              <a:ln>
+                <a:noFill/>
+              </a:ln>
+              <a:solidFill>
+                <a:srgbClr val="000000"/>
+              </a:solidFill>
+              <a:effectLst/>
+              <a:uFillTx/>
+              <a:latin typeface="Calibri" panose="020F0502020204030204" pitchFamily="34" charset="0"/>
+              <a:ea typeface="Helvetica Neue"/>
+              <a:cs typeface="Calibri" panose="020F0502020204030204" pitchFamily="34" charset="0"/>
+              <a:sym typeface="Helvetica Neue"/>
+            </a:endParaRPr>
+          </a:p>
+        </p:txBody>
+      </p:sp>
+      <p:sp>
+        <p:nvSpPr>
+          <p:cNvPr id="37" name="TextBox 36">
+            <a:extLst>
+              <a:ext uri="{FF2B5EF4-FFF2-40B4-BE49-F238E27FC236}">
+                <a16:creationId xmlns:a16="http://schemas.microsoft.com/office/drawing/2014/main" id="{51141BDC-4AEA-E85A-4AA8-03A425D18BC2}"/>
+              </a:ext>
+            </a:extLst>
+          </p:cNvPr>
+          <p:cNvSpPr txBox="1"/>
+          <p:nvPr/>
+        </p:nvSpPr>
+        <p:spPr>
+          <a:xfrm>
+            <a:off x="9748062" y="1417318"/>
+            <a:ext cx="2017216" cy="271869"/>
+          </a:xfrm>
+          <a:prstGeom prst="rect">
+            <a:avLst/>
+          </a:prstGeom>
+          <a:noFill/>
+          <a:ln w="12700" cap="flat">
+            <a:noFill/>
+            <a:miter lim="400000"/>
+          </a:ln>
+          <a:effectLst/>
+          <a:sp3d/>
+        </p:spPr>
+        <p:style>
+          <a:lnRef idx="0">
+            <a:scrgbClr r="0" g="0" b="0"/>
+          </a:lnRef>
+          <a:fillRef idx="0">
+            <a:scrgbClr r="0" g="0" b="0"/>
+          </a:fillRef>
+          <a:effectRef idx="0">
+            <a:scrgbClr r="0" g="0" b="0"/>
+          </a:effectRef>
+          <a:fontRef idx="none"/>
+        </p:style>
+        <p:txBody>
+          <a:bodyPr rot="0" spcFirstLastPara="1" vertOverflow="overflow" horzOverflow="overflow" vert="horz" wrap="square" lIns="50800" tIns="50800" rIns="50800" bIns="50800" numCol="1" spcCol="38100" rtlCol="0" anchor="t" anchorCtr="0">
+            <a:spAutoFit/>
+          </a:bodyPr>
+          <a:lstStyle/>
+          <a:p>
+            <a:pPr marL="0" marR="0" indent="0" algn="l" defTabSz="825500" rtl="0" fontAlgn="auto" latinLnBrk="0" hangingPunct="0">
+              <a:lnSpc>
+                <a:spcPct val="100000"/>
+              </a:lnSpc>
+              <a:spcBef>
+                <a:spcPts val="0"/>
+              </a:spcBef>
+              <a:spcAft>
+                <a:spcPts val="0"/>
+              </a:spcAft>
+              <a:buClrTx/>
+              <a:buSzTx/>
+              <a:buFontTx/>
+              <a:buNone/>
+              <a:tabLst/>
+            </a:pPr>
+            <a:r>
+              <a:rPr kumimoji="0" lang="en-GB" sz="1100" b="0" i="0" u="none" strike="noStrike" cap="none" spc="0" normalizeH="0" baseline="0" dirty="0" err="1">
+                <a:ln>
+                  <a:noFill/>
+                </a:ln>
+                <a:solidFill>
+                  <a:srgbClr val="000000"/>
+                </a:solidFill>
+                <a:effectLst/>
+                <a:uFillTx/>
+                <a:latin typeface="Calibri" panose="020F0502020204030204" pitchFamily="34" charset="0"/>
+                <a:ea typeface="Helvetica Neue"/>
+                <a:cs typeface="Calibri" panose="020F0502020204030204" pitchFamily="34" charset="0"/>
+                <a:sym typeface="Helvetica Neue"/>
+              </a:rPr>
+              <a:t>Reinforcement_text</a:t>
+            </a:r>
+            <a:endParaRPr kumimoji="0" lang="en-GB" sz="1100" b="0" i="0" u="none" strike="noStrike" cap="none" spc="0" normalizeH="0" baseline="0" dirty="0">
+              <a:ln>
+                <a:noFill/>
+              </a:ln>
+              <a:solidFill>
+                <a:srgbClr val="000000"/>
+              </a:solidFill>
+              <a:effectLst/>
+              <a:uFillTx/>
+              <a:latin typeface="Calibri" panose="020F0502020204030204" pitchFamily="34" charset="0"/>
+              <a:ea typeface="Helvetica Neue"/>
+              <a:cs typeface="Calibri" panose="020F0502020204030204" pitchFamily="34" charset="0"/>
+              <a:sym typeface="Helvetica Neue"/>
+            </a:endParaRPr>
+          </a:p>
+        </p:txBody>
+      </p:sp>
+    </p:spTree>
+    <p:extLst>
+      <p:ext uri="{BB962C8B-B14F-4D97-AF65-F5344CB8AC3E}">
+        <p14:creationId xmlns:p14="http://schemas.microsoft.com/office/powerpoint/2010/main" val="3155789517"/>
+      </p:ext>
+    </p:extLst>
+  </p:cSld>
+  <p:clrMapOvr>
+    <a:masterClrMapping/>
+  </p:clrMapOvr>
+  <p:transition spd="med"/>
+</p:sld>
+</file>
+
+<file path=ppt/slides/slide3.xml><?xml version="1.0" encoding="utf-8"?>
+<p:sld xmlns:a="http://schemas.openxmlformats.org/drawingml/2006/main" xmlns:r="http://schemas.openxmlformats.org/officeDocument/2006/relationships" xmlns:p="http://schemas.openxmlformats.org/presentationml/2006/main">
+  <p:cSld>
+    <p:spTree>
+      <p:nvGrpSpPr>
+        <p:cNvPr id="1" name="">
+          <a:extLst>
+            <a:ext uri="{FF2B5EF4-FFF2-40B4-BE49-F238E27FC236}">
+              <a16:creationId xmlns:a16="http://schemas.microsoft.com/office/drawing/2014/main" id="{44D57A5F-75FF-79A6-514C-F0069488A8CC}"/>
+            </a:ext>
+          </a:extLst>
+        </p:cNvPr>
+        <p:cNvGrpSpPr/>
+        <p:nvPr/>
+      </p:nvGrpSpPr>
+      <p:grpSpPr>
+        <a:xfrm>
+          <a:off x="0" y="0"/>
+          <a:ext cx="0" cy="0"/>
+          <a:chOff x="0" y="0"/>
+          <a:chExt cx="0" cy="0"/>
+        </a:xfrm>
+      </p:grpSpPr>
+      <p:sp>
+        <p:nvSpPr>
+          <p:cNvPr id="3" name="Title 1">
+            <a:extLst>
+              <a:ext uri="{FF2B5EF4-FFF2-40B4-BE49-F238E27FC236}">
+                <a16:creationId xmlns:a16="http://schemas.microsoft.com/office/drawing/2014/main" id="{D66C11CD-9D53-BA13-16AE-D1C160AD1B80}"/>
+              </a:ext>
+            </a:extLst>
+          </p:cNvPr>
+          <p:cNvSpPr txBox="1">
+            <a:spLocks/>
+          </p:cNvSpPr>
+          <p:nvPr/>
+        </p:nvSpPr>
+        <p:spPr>
+          <a:xfrm>
+            <a:off x="243797" y="264580"/>
+            <a:ext cx="10515600" cy="500400"/>
+          </a:xfrm>
+          <a:prstGeom prst="rect">
+            <a:avLst/>
+          </a:prstGeom>
+        </p:spPr>
+        <p:txBody>
+          <a:bodyPr vert="horz"/>
+          <a:lstStyle>
+            <a:lvl1pPr algn="l" defTabSz="914400" rtl="0" eaLnBrk="1" latinLnBrk="0" hangingPunct="1">
+              <a:lnSpc>
+                <a:spcPct val="90000"/>
+              </a:lnSpc>
+              <a:spcBef>
+                <a:spcPct val="0"/>
+              </a:spcBef>
+              <a:buNone/>
+              <a:defRPr sz="3600" b="1" kern="1200">
+                <a:solidFill>
+                  <a:srgbClr val="004181"/>
+                </a:solidFill>
+                <a:latin typeface="Microsoft YaHei" panose="020B0503020204020204" pitchFamily="34" charset="-122"/>
+                <a:ea typeface="Microsoft YaHei" panose="020B0503020204020204" pitchFamily="34" charset="-122"/>
+                <a:cs typeface="+mj-cs"/>
+              </a:defRPr>
+            </a:lvl1pPr>
+          </a:lstStyle>
+          <a:p>
+            <a:pPr marL="0" marR="0" lvl="0" indent="0" algn="l" defTabSz="914400" rtl="0" eaLnBrk="1" fontAlgn="auto" latinLnBrk="0" hangingPunct="1">
+              <a:lnSpc>
+                <a:spcPct val="90000"/>
+              </a:lnSpc>
+              <a:spcBef>
+                <a:spcPct val="0"/>
+              </a:spcBef>
+              <a:spcAft>
+                <a:spcPts val="0"/>
+              </a:spcAft>
+              <a:buClrTx/>
+              <a:buSzTx/>
+              <a:buFontTx/>
+              <a:buNone/>
+              <a:tabLst/>
+              <a:defRPr/>
+            </a:pPr>
+            <a:r>
+              <a:rPr kumimoji="0" lang="en-US" sz="2400" b="1" i="0" u="none" strike="noStrike" kern="1200" cap="none" spc="0" normalizeH="0" baseline="0" noProof="0" dirty="0" err="1">
+                <a:ln>
+                  <a:noFill/>
+                </a:ln>
+                <a:solidFill>
+                  <a:srgbClr val="004181"/>
+                </a:solidFill>
+                <a:effectLst/>
+                <a:uLnTx/>
+                <a:uFillTx/>
+                <a:latin typeface="Microsoft YaHei" panose="020B0503020204020204" pitchFamily="34" charset="-122"/>
+                <a:ea typeface="Microsoft YaHei" panose="020B0503020204020204" pitchFamily="34" charset="-122"/>
+                <a:cs typeface="+mj-cs"/>
+              </a:rPr>
+              <a:t>Interviewee_Name</a:t>
+            </a:r>
+            <a:r>
+              <a:rPr kumimoji="0" lang="en-US" sz="2400" b="1" i="0" u="none" strike="noStrike" kern="1200" cap="none" spc="0" normalizeH="0" baseline="0" noProof="0" dirty="0">
+                <a:ln>
+                  <a:noFill/>
+                </a:ln>
+                <a:solidFill>
+                  <a:srgbClr val="004181"/>
+                </a:solidFill>
+                <a:effectLst/>
+                <a:uLnTx/>
+                <a:uFillTx/>
+                <a:latin typeface="Microsoft YaHei" panose="020B0503020204020204" pitchFamily="34" charset="-122"/>
+                <a:ea typeface="Microsoft YaHei" panose="020B0503020204020204" pitchFamily="34" charset="-122"/>
+                <a:cs typeface="+mj-cs"/>
+              </a:rPr>
+              <a:t>: ADKAR Change journey</a:t>
+            </a:r>
+          </a:p>
+        </p:txBody>
+      </p:sp>
+      <p:sp>
+        <p:nvSpPr>
+          <p:cNvPr id="33" name="TextBox 32">
+            <a:extLst>
+              <a:ext uri="{FF2B5EF4-FFF2-40B4-BE49-F238E27FC236}">
+                <a16:creationId xmlns:a16="http://schemas.microsoft.com/office/drawing/2014/main" id="{F59BB705-93CB-373B-F50D-BF1A5DE0671D}"/>
+              </a:ext>
+            </a:extLst>
+          </p:cNvPr>
+          <p:cNvSpPr txBox="1"/>
+          <p:nvPr/>
+        </p:nvSpPr>
+        <p:spPr>
+          <a:xfrm>
+            <a:off x="426722" y="1417318"/>
+            <a:ext cx="2017216" cy="271869"/>
+          </a:xfrm>
+          <a:prstGeom prst="rect">
+            <a:avLst/>
+          </a:prstGeom>
+          <a:noFill/>
+          <a:ln w="12700" cap="flat">
+            <a:noFill/>
+            <a:miter lim="400000"/>
+          </a:ln>
+          <a:effectLst/>
+          <a:sp3d/>
+        </p:spPr>
+        <p:style>
+          <a:lnRef idx="0">
+            <a:scrgbClr r="0" g="0" b="0"/>
+          </a:lnRef>
+          <a:fillRef idx="0">
+            <a:scrgbClr r="0" g="0" b="0"/>
+          </a:fillRef>
+          <a:effectRef idx="0">
+            <a:scrgbClr r="0" g="0" b="0"/>
+          </a:effectRef>
+          <a:fontRef idx="none"/>
+        </p:style>
+        <p:txBody>
+          <a:bodyPr rot="0" spcFirstLastPara="1" vertOverflow="overflow" horzOverflow="overflow" vert="horz" wrap="square" lIns="50800" tIns="50800" rIns="50800" bIns="50800" numCol="1" spcCol="38100" rtlCol="0" anchor="t" anchorCtr="0">
+            <a:spAutoFit/>
+          </a:bodyPr>
+          <a:lstStyle/>
+          <a:p>
+            <a:pPr marL="0" marR="0" indent="0" algn="l" defTabSz="825500" rtl="0" fontAlgn="auto" latinLnBrk="0" hangingPunct="0">
+              <a:lnSpc>
+                <a:spcPct val="100000"/>
+              </a:lnSpc>
+              <a:spcBef>
+                <a:spcPts val="0"/>
+              </a:spcBef>
+              <a:spcAft>
+                <a:spcPts val="0"/>
+              </a:spcAft>
+              <a:buClrTx/>
+              <a:buSzTx/>
+              <a:buFontTx/>
+              <a:buNone/>
+              <a:tabLst/>
+            </a:pPr>
+            <a:r>
+              <a:rPr kumimoji="0" lang="en-GB" sz="1100" b="0" i="0" u="none" strike="noStrike" cap="none" spc="0" normalizeH="0" baseline="0" dirty="0" err="1">
+                <a:ln>
+                  <a:noFill/>
+                </a:ln>
+                <a:solidFill>
+                  <a:srgbClr val="000000"/>
+                </a:solidFill>
+                <a:effectLst/>
+                <a:uFillTx/>
+                <a:latin typeface="Calibri" panose="020F0502020204030204" pitchFamily="34" charset="0"/>
+                <a:ea typeface="Helvetica Neue"/>
+                <a:cs typeface="Calibri" panose="020F0502020204030204" pitchFamily="34" charset="0"/>
+                <a:sym typeface="Helvetica Neue"/>
+              </a:rPr>
+              <a:t>Awareness_text</a:t>
+            </a:r>
+            <a:endParaRPr kumimoji="0" lang="en-GB" sz="1100" b="0" i="0" u="none" strike="noStrike" cap="none" spc="0" normalizeH="0" baseline="0" dirty="0">
+              <a:ln>
+                <a:noFill/>
+              </a:ln>
+              <a:solidFill>
+                <a:srgbClr val="000000"/>
+              </a:solidFill>
+              <a:effectLst/>
+              <a:uFillTx/>
+              <a:latin typeface="Calibri" panose="020F0502020204030204" pitchFamily="34" charset="0"/>
+              <a:ea typeface="Helvetica Neue"/>
+              <a:cs typeface="Calibri" panose="020F0502020204030204" pitchFamily="34" charset="0"/>
+              <a:sym typeface="Helvetica Neue"/>
+            </a:endParaRPr>
+          </a:p>
+        </p:txBody>
+      </p:sp>
+      <p:sp>
+        <p:nvSpPr>
+          <p:cNvPr id="34" name="TextBox 33">
+            <a:extLst>
+              <a:ext uri="{FF2B5EF4-FFF2-40B4-BE49-F238E27FC236}">
+                <a16:creationId xmlns:a16="http://schemas.microsoft.com/office/drawing/2014/main" id="{98A2CEA9-0712-33E0-A9E5-08D6AB6D513D}"/>
+              </a:ext>
+            </a:extLst>
+          </p:cNvPr>
+          <p:cNvSpPr txBox="1"/>
+          <p:nvPr/>
+        </p:nvSpPr>
+        <p:spPr>
+          <a:xfrm>
+            <a:off x="2757057" y="1417318"/>
+            <a:ext cx="2017216" cy="271869"/>
+          </a:xfrm>
+          <a:prstGeom prst="rect">
+            <a:avLst/>
+          </a:prstGeom>
+          <a:noFill/>
+          <a:ln w="12700" cap="flat">
+            <a:noFill/>
+            <a:miter lim="400000"/>
+          </a:ln>
+          <a:effectLst/>
+          <a:sp3d/>
+        </p:spPr>
+        <p:style>
+          <a:lnRef idx="0">
+            <a:scrgbClr r="0" g="0" b="0"/>
+          </a:lnRef>
+          <a:fillRef idx="0">
+            <a:scrgbClr r="0" g="0" b="0"/>
+          </a:fillRef>
+          <a:effectRef idx="0">
+            <a:scrgbClr r="0" g="0" b="0"/>
+          </a:effectRef>
+          <a:fontRef idx="none"/>
+        </p:style>
+        <p:txBody>
+          <a:bodyPr rot="0" spcFirstLastPara="1" vertOverflow="overflow" horzOverflow="overflow" vert="horz" wrap="square" lIns="50800" tIns="50800" rIns="50800" bIns="50800" numCol="1" spcCol="38100" rtlCol="0" anchor="t" anchorCtr="0">
+            <a:spAutoFit/>
+          </a:bodyPr>
+          <a:lstStyle/>
+          <a:p>
+            <a:pPr marL="0" marR="0" indent="0" algn="l" defTabSz="825500" rtl="0" fontAlgn="auto" latinLnBrk="0" hangingPunct="0">
+              <a:lnSpc>
+                <a:spcPct val="100000"/>
+              </a:lnSpc>
+              <a:spcBef>
+                <a:spcPts val="0"/>
+              </a:spcBef>
+              <a:spcAft>
+                <a:spcPts val="0"/>
+              </a:spcAft>
+              <a:buClrTx/>
+              <a:buSzTx/>
+              <a:buFontTx/>
+              <a:buNone/>
+              <a:tabLst/>
+            </a:pPr>
+            <a:r>
+              <a:rPr kumimoji="0" lang="en-GB" sz="1100" b="0" i="0" u="none" strike="noStrike" cap="none" spc="0" normalizeH="0" baseline="0" dirty="0" err="1">
+                <a:ln>
+                  <a:noFill/>
+                </a:ln>
+                <a:solidFill>
+                  <a:srgbClr val="000000"/>
+                </a:solidFill>
+                <a:effectLst/>
+                <a:uFillTx/>
+                <a:latin typeface="Calibri" panose="020F0502020204030204" pitchFamily="34" charset="0"/>
+                <a:ea typeface="Helvetica Neue"/>
+                <a:cs typeface="Calibri" panose="020F0502020204030204" pitchFamily="34" charset="0"/>
+                <a:sym typeface="Helvetica Neue"/>
+              </a:rPr>
+              <a:t>Desire_text</a:t>
+            </a:r>
+            <a:endParaRPr kumimoji="0" lang="en-GB" sz="1100" b="0" i="0" u="none" strike="noStrike" cap="none" spc="0" normalizeH="0" baseline="0" dirty="0">
+              <a:ln>
+                <a:noFill/>
+              </a:ln>
+              <a:solidFill>
+                <a:srgbClr val="000000"/>
+              </a:solidFill>
+              <a:effectLst/>
+              <a:uFillTx/>
+              <a:latin typeface="Calibri" panose="020F0502020204030204" pitchFamily="34" charset="0"/>
+              <a:ea typeface="Helvetica Neue"/>
+              <a:cs typeface="Calibri" panose="020F0502020204030204" pitchFamily="34" charset="0"/>
+              <a:sym typeface="Helvetica Neue"/>
+            </a:endParaRPr>
+          </a:p>
+        </p:txBody>
+      </p:sp>
+      <p:sp>
+        <p:nvSpPr>
+          <p:cNvPr id="35" name="TextBox 34">
+            <a:extLst>
+              <a:ext uri="{FF2B5EF4-FFF2-40B4-BE49-F238E27FC236}">
+                <a16:creationId xmlns:a16="http://schemas.microsoft.com/office/drawing/2014/main" id="{5A8DDDBD-E139-C23B-CE66-687F9E10C90C}"/>
+              </a:ext>
+            </a:extLst>
+          </p:cNvPr>
+          <p:cNvSpPr txBox="1"/>
+          <p:nvPr/>
+        </p:nvSpPr>
+        <p:spPr>
+          <a:xfrm>
+            <a:off x="5087392" y="1417318"/>
+            <a:ext cx="2017216" cy="271869"/>
+          </a:xfrm>
+          <a:prstGeom prst="rect">
+            <a:avLst/>
+          </a:prstGeom>
+          <a:noFill/>
+          <a:ln w="12700" cap="flat">
+            <a:noFill/>
+            <a:miter lim="400000"/>
+          </a:ln>
+          <a:effectLst/>
+          <a:sp3d/>
+        </p:spPr>
+        <p:style>
+          <a:lnRef idx="0">
+            <a:scrgbClr r="0" g="0" b="0"/>
+          </a:lnRef>
+          <a:fillRef idx="0">
+            <a:scrgbClr r="0" g="0" b="0"/>
+          </a:fillRef>
+          <a:effectRef idx="0">
+            <a:scrgbClr r="0" g="0" b="0"/>
+          </a:effectRef>
+          <a:fontRef idx="none"/>
+        </p:style>
+        <p:txBody>
+          <a:bodyPr rot="0" spcFirstLastPara="1" vertOverflow="overflow" horzOverflow="overflow" vert="horz" wrap="square" lIns="50800" tIns="50800" rIns="50800" bIns="50800" numCol="1" spcCol="38100" rtlCol="0" anchor="t" anchorCtr="0">
+            <a:spAutoFit/>
+          </a:bodyPr>
+          <a:lstStyle/>
+          <a:p>
+            <a:pPr marL="0" marR="0" indent="0" algn="l" defTabSz="825500" rtl="0" fontAlgn="auto" latinLnBrk="0" hangingPunct="0">
+              <a:lnSpc>
+                <a:spcPct val="100000"/>
+              </a:lnSpc>
+              <a:spcBef>
+                <a:spcPts val="0"/>
+              </a:spcBef>
+              <a:spcAft>
+                <a:spcPts val="0"/>
+              </a:spcAft>
+              <a:buClrTx/>
+              <a:buSzTx/>
+              <a:buFontTx/>
+              <a:buNone/>
+              <a:tabLst/>
+            </a:pPr>
+            <a:r>
+              <a:rPr kumimoji="0" lang="en-GB" sz="1100" b="0" i="0" u="none" strike="noStrike" cap="none" spc="0" normalizeH="0" baseline="0" dirty="0" err="1">
+                <a:ln>
+                  <a:noFill/>
+                </a:ln>
+                <a:solidFill>
+                  <a:srgbClr val="000000"/>
+                </a:solidFill>
+                <a:effectLst/>
+                <a:uFillTx/>
+                <a:latin typeface="Calibri" panose="020F0502020204030204" pitchFamily="34" charset="0"/>
+                <a:ea typeface="Helvetica Neue"/>
+                <a:cs typeface="Calibri" panose="020F0502020204030204" pitchFamily="34" charset="0"/>
+                <a:sym typeface="Helvetica Neue"/>
+              </a:rPr>
+              <a:t>Knowledge_text</a:t>
+            </a:r>
+            <a:endParaRPr kumimoji="0" lang="en-GB" sz="1100" b="0" i="0" u="none" strike="noStrike" cap="none" spc="0" normalizeH="0" baseline="0" dirty="0">
+              <a:ln>
+                <a:noFill/>
+              </a:ln>
+              <a:solidFill>
+                <a:srgbClr val="000000"/>
+              </a:solidFill>
+              <a:effectLst/>
+              <a:uFillTx/>
+              <a:latin typeface="Calibri" panose="020F0502020204030204" pitchFamily="34" charset="0"/>
+              <a:ea typeface="Helvetica Neue"/>
+              <a:cs typeface="Calibri" panose="020F0502020204030204" pitchFamily="34" charset="0"/>
+              <a:sym typeface="Helvetica Neue"/>
+            </a:endParaRPr>
+          </a:p>
+        </p:txBody>
+      </p:sp>
+      <p:sp>
+        <p:nvSpPr>
+          <p:cNvPr id="36" name="TextBox 35">
+            <a:extLst>
+              <a:ext uri="{FF2B5EF4-FFF2-40B4-BE49-F238E27FC236}">
+                <a16:creationId xmlns:a16="http://schemas.microsoft.com/office/drawing/2014/main" id="{35A1297F-1D0B-51FD-F9EA-7E0F64C1CC53}"/>
+              </a:ext>
+            </a:extLst>
+          </p:cNvPr>
+          <p:cNvSpPr txBox="1"/>
+          <p:nvPr/>
+        </p:nvSpPr>
+        <p:spPr>
+          <a:xfrm>
+            <a:off x="7417727" y="1417318"/>
+            <a:ext cx="2017216" cy="271869"/>
+          </a:xfrm>
+          <a:prstGeom prst="rect">
+            <a:avLst/>
+          </a:prstGeom>
+          <a:noFill/>
+          <a:ln w="12700" cap="flat">
+            <a:noFill/>
+            <a:miter lim="400000"/>
+          </a:ln>
+          <a:effectLst/>
+          <a:sp3d/>
+        </p:spPr>
+        <p:style>
+          <a:lnRef idx="0">
+            <a:scrgbClr r="0" g="0" b="0"/>
+          </a:lnRef>
+          <a:fillRef idx="0">
+            <a:scrgbClr r="0" g="0" b="0"/>
+          </a:fillRef>
+          <a:effectRef idx="0">
+            <a:scrgbClr r="0" g="0" b="0"/>
+          </a:effectRef>
+          <a:fontRef idx="none"/>
+        </p:style>
+        <p:txBody>
+          <a:bodyPr rot="0" spcFirstLastPara="1" vertOverflow="overflow" horzOverflow="overflow" vert="horz" wrap="square" lIns="50800" tIns="50800" rIns="50800" bIns="50800" numCol="1" spcCol="38100" rtlCol="0" anchor="t" anchorCtr="0">
+            <a:spAutoFit/>
+          </a:bodyPr>
+          <a:lstStyle/>
+          <a:p>
+            <a:pPr marL="0" marR="0" indent="0" algn="l" defTabSz="825500" rtl="0" fontAlgn="auto" latinLnBrk="0" hangingPunct="0">
+              <a:lnSpc>
+                <a:spcPct val="100000"/>
+              </a:lnSpc>
+              <a:spcBef>
+                <a:spcPts val="0"/>
+              </a:spcBef>
+              <a:spcAft>
+                <a:spcPts val="0"/>
+              </a:spcAft>
+              <a:buClrTx/>
+              <a:buSzTx/>
+              <a:buFontTx/>
+              <a:buNone/>
+              <a:tabLst/>
+            </a:pPr>
+            <a:r>
+              <a:rPr kumimoji="0" lang="en-GB" sz="1100" b="0" i="0" u="none" strike="noStrike" cap="none" spc="0" normalizeH="0" baseline="0" dirty="0" err="1">
+                <a:ln>
+                  <a:noFill/>
+                </a:ln>
+                <a:solidFill>
+                  <a:srgbClr val="000000"/>
+                </a:solidFill>
+                <a:effectLst/>
+                <a:uFillTx/>
+                <a:latin typeface="Calibri" panose="020F0502020204030204" pitchFamily="34" charset="0"/>
+                <a:ea typeface="Helvetica Neue"/>
+                <a:cs typeface="Calibri" panose="020F0502020204030204" pitchFamily="34" charset="0"/>
+                <a:sym typeface="Helvetica Neue"/>
+              </a:rPr>
+              <a:t>Ability_text</a:t>
+            </a:r>
+            <a:endParaRPr kumimoji="0" lang="en-GB" sz="1100" b="0" i="0" u="none" strike="noStrike" cap="none" spc="0" normalizeH="0" baseline="0" dirty="0">
+              <a:ln>
+                <a:noFill/>
+              </a:ln>
+              <a:solidFill>
+                <a:srgbClr val="000000"/>
+              </a:solidFill>
+              <a:effectLst/>
+              <a:uFillTx/>
+              <a:latin typeface="Calibri" panose="020F0502020204030204" pitchFamily="34" charset="0"/>
+              <a:ea typeface="Helvetica Neue"/>
+              <a:cs typeface="Calibri" panose="020F0502020204030204" pitchFamily="34" charset="0"/>
+              <a:sym typeface="Helvetica Neue"/>
+            </a:endParaRPr>
+          </a:p>
+        </p:txBody>
+      </p:sp>
+      <p:sp>
+        <p:nvSpPr>
+          <p:cNvPr id="37" name="TextBox 36">
+            <a:extLst>
+              <a:ext uri="{FF2B5EF4-FFF2-40B4-BE49-F238E27FC236}">
+                <a16:creationId xmlns:a16="http://schemas.microsoft.com/office/drawing/2014/main" id="{3BCDAB8F-F07D-0246-D968-D862968A0553}"/>
+              </a:ext>
+            </a:extLst>
+          </p:cNvPr>
+          <p:cNvSpPr txBox="1"/>
+          <p:nvPr/>
+        </p:nvSpPr>
+        <p:spPr>
+          <a:xfrm>
+            <a:off x="9748062" y="1417318"/>
+            <a:ext cx="2017216" cy="271869"/>
+          </a:xfrm>
+          <a:prstGeom prst="rect">
+            <a:avLst/>
+          </a:prstGeom>
+          <a:noFill/>
+          <a:ln w="12700" cap="flat">
+            <a:noFill/>
+            <a:miter lim="400000"/>
+          </a:ln>
+          <a:effectLst/>
+          <a:sp3d/>
+        </p:spPr>
+        <p:style>
+          <a:lnRef idx="0">
+            <a:scrgbClr r="0" g="0" b="0"/>
+          </a:lnRef>
+          <a:fillRef idx="0">
+            <a:scrgbClr r="0" g="0" b="0"/>
+          </a:fillRef>
+          <a:effectRef idx="0">
+            <a:scrgbClr r="0" g="0" b="0"/>
+          </a:effectRef>
+          <a:fontRef idx="none"/>
+        </p:style>
+        <p:txBody>
+          <a:bodyPr rot="0" spcFirstLastPara="1" vertOverflow="overflow" horzOverflow="overflow" vert="horz" wrap="square" lIns="50800" tIns="50800" rIns="50800" bIns="50800" numCol="1" spcCol="38100" rtlCol="0" anchor="t" anchorCtr="0">
+            <a:spAutoFit/>
+          </a:bodyPr>
+          <a:lstStyle/>
+          <a:p>
+            <a:pPr marL="0" marR="0" indent="0" algn="l" defTabSz="825500" rtl="0" fontAlgn="auto" latinLnBrk="0" hangingPunct="0">
+              <a:lnSpc>
+                <a:spcPct val="100000"/>
+              </a:lnSpc>
+              <a:spcBef>
+                <a:spcPts val="0"/>
+              </a:spcBef>
+              <a:spcAft>
+                <a:spcPts val="0"/>
+              </a:spcAft>
+              <a:buClrTx/>
+              <a:buSzTx/>
+              <a:buFontTx/>
+              <a:buNone/>
+              <a:tabLst/>
+            </a:pPr>
+            <a:r>
+              <a:rPr kumimoji="0" lang="en-GB" sz="1100" b="0" i="0" u="none" strike="noStrike" cap="none" spc="0" normalizeH="0" baseline="0" dirty="0" err="1">
+                <a:ln>
+                  <a:noFill/>
+                </a:ln>
+                <a:solidFill>
+                  <a:srgbClr val="000000"/>
+                </a:solidFill>
+                <a:effectLst/>
+                <a:uFillTx/>
+                <a:latin typeface="Calibri" panose="020F0502020204030204" pitchFamily="34" charset="0"/>
+                <a:ea typeface="Helvetica Neue"/>
+                <a:cs typeface="Calibri" panose="020F0502020204030204" pitchFamily="34" charset="0"/>
+                <a:sym typeface="Helvetica Neue"/>
+              </a:rPr>
+              <a:t>Reinforcement_text</a:t>
+            </a:r>
+            <a:endParaRPr kumimoji="0" lang="en-GB" sz="1100" b="0" i="0" u="none" strike="noStrike" cap="none" spc="0" normalizeH="0" baseline="0" dirty="0">
+              <a:ln>
+                <a:noFill/>
+              </a:ln>
+              <a:solidFill>
+                <a:srgbClr val="000000"/>
+              </a:solidFill>
+              <a:effectLst/>
+              <a:uFillTx/>
+              <a:latin typeface="Calibri" panose="020F0502020204030204" pitchFamily="34" charset="0"/>
+              <a:ea typeface="Helvetica Neue"/>
+              <a:cs typeface="Calibri" panose="020F0502020204030204" pitchFamily="34" charset="0"/>
+              <a:sym typeface="Helvetica Neue"/>
+            </a:endParaRPr>
+          </a:p>
+        </p:txBody>
+      </p:sp>
+    </p:spTree>
+    <p:extLst>
+      <p:ext uri="{BB962C8B-B14F-4D97-AF65-F5344CB8AC3E}">
+        <p14:creationId xmlns:p14="http://schemas.microsoft.com/office/powerpoint/2010/main" val="2195706034"/>
+      </p:ext>
+    </p:extLst>
+  </p:cSld>
+  <p:clrMapOvr>
+    <a:masterClrMapping/>
+  </p:clrMapOvr>
+  <p:transition spd="med"/>
+</p:sld>
+</file>
+
+<file path=ppt/slides/slide4.xml><?xml version="1.0" encoding="utf-8"?>
+<p:sld xmlns:a="http://schemas.openxmlformats.org/drawingml/2006/main" xmlns:r="http://schemas.openxmlformats.org/officeDocument/2006/relationships" xmlns:p="http://schemas.openxmlformats.org/presentationml/2006/main">
+  <p:cSld>
+    <p:spTree>
+      <p:nvGrpSpPr>
+        <p:cNvPr id="1" name="">
+          <a:extLst>
+            <a:ext uri="{FF2B5EF4-FFF2-40B4-BE49-F238E27FC236}">
+              <a16:creationId xmlns:a16="http://schemas.microsoft.com/office/drawing/2014/main" id="{6DCD75E9-3B99-5E1A-98FD-00470538DB23}"/>
+            </a:ext>
+          </a:extLst>
+        </p:cNvPr>
+        <p:cNvGrpSpPr/>
+        <p:nvPr/>
+      </p:nvGrpSpPr>
+      <p:grpSpPr>
+        <a:xfrm>
+          <a:off x="0" y="0"/>
+          <a:ext cx="0" cy="0"/>
+          <a:chOff x="0" y="0"/>
+          <a:chExt cx="0" cy="0"/>
+        </a:xfrm>
+      </p:grpSpPr>
+      <p:sp>
+        <p:nvSpPr>
+          <p:cNvPr id="3" name="Title 1">
+            <a:extLst>
+              <a:ext uri="{FF2B5EF4-FFF2-40B4-BE49-F238E27FC236}">
+                <a16:creationId xmlns:a16="http://schemas.microsoft.com/office/drawing/2014/main" id="{ABA2D8F4-8054-AD75-F9AC-31A781432FEE}"/>
+              </a:ext>
+            </a:extLst>
+          </p:cNvPr>
+          <p:cNvSpPr txBox="1">
+            <a:spLocks/>
+          </p:cNvSpPr>
+          <p:nvPr/>
+        </p:nvSpPr>
+        <p:spPr>
+          <a:xfrm>
+            <a:off x="243797" y="264580"/>
+            <a:ext cx="10515600" cy="500400"/>
+          </a:xfrm>
+          <a:prstGeom prst="rect">
+            <a:avLst/>
+          </a:prstGeom>
+        </p:spPr>
+        <p:txBody>
+          <a:bodyPr vert="horz"/>
+          <a:lstStyle>
+            <a:lvl1pPr algn="l" defTabSz="914400" rtl="0" eaLnBrk="1" latinLnBrk="0" hangingPunct="1">
+              <a:lnSpc>
+                <a:spcPct val="90000"/>
+              </a:lnSpc>
+              <a:spcBef>
+                <a:spcPct val="0"/>
+              </a:spcBef>
+              <a:buNone/>
+              <a:defRPr sz="3600" b="1" kern="1200">
+                <a:solidFill>
+                  <a:srgbClr val="004181"/>
+                </a:solidFill>
+                <a:latin typeface="Microsoft YaHei" panose="020B0503020204020204" pitchFamily="34" charset="-122"/>
+                <a:ea typeface="Microsoft YaHei" panose="020B0503020204020204" pitchFamily="34" charset="-122"/>
+                <a:cs typeface="+mj-cs"/>
+              </a:defRPr>
+            </a:lvl1pPr>
+          </a:lstStyle>
+          <a:p>
+            <a:pPr marL="0" marR="0" lvl="0" indent="0" algn="l" defTabSz="914400" rtl="0" eaLnBrk="1" fontAlgn="auto" latinLnBrk="0" hangingPunct="1">
+              <a:lnSpc>
+                <a:spcPct val="90000"/>
+              </a:lnSpc>
+              <a:spcBef>
+                <a:spcPct val="0"/>
+              </a:spcBef>
+              <a:spcAft>
+                <a:spcPts val="0"/>
+              </a:spcAft>
+              <a:buClrTx/>
+              <a:buSzTx/>
+              <a:buFontTx/>
+              <a:buNone/>
+              <a:tabLst/>
+              <a:defRPr/>
+            </a:pPr>
+            <a:r>
+              <a:rPr kumimoji="0" lang="en-US" sz="2400" b="1" i="0" u="none" strike="noStrike" kern="1200" cap="none" spc="0" normalizeH="0" baseline="0" noProof="0" dirty="0" err="1">
+                <a:ln>
+                  <a:noFill/>
+                </a:ln>
+                <a:solidFill>
+                  <a:srgbClr val="004181"/>
+                </a:solidFill>
+                <a:effectLst/>
+                <a:uLnTx/>
+                <a:uFillTx/>
+                <a:latin typeface="Microsoft YaHei" panose="020B0503020204020204" pitchFamily="34" charset="-122"/>
+                <a:ea typeface="Microsoft YaHei" panose="020B0503020204020204" pitchFamily="34" charset="-122"/>
+                <a:cs typeface="+mj-cs"/>
+              </a:rPr>
+              <a:t>Interviewee_Name</a:t>
+            </a:r>
+            <a:r>
+              <a:rPr kumimoji="0" lang="en-US" sz="2400" b="1" i="0" u="none" strike="noStrike" kern="1200" cap="none" spc="0" normalizeH="0" baseline="0" noProof="0" dirty="0">
+                <a:ln>
+                  <a:noFill/>
+                </a:ln>
+                <a:solidFill>
+                  <a:srgbClr val="004181"/>
+                </a:solidFill>
+                <a:effectLst/>
+                <a:uLnTx/>
+                <a:uFillTx/>
+                <a:latin typeface="Microsoft YaHei" panose="020B0503020204020204" pitchFamily="34" charset="-122"/>
+                <a:ea typeface="Microsoft YaHei" panose="020B0503020204020204" pitchFamily="34" charset="-122"/>
+                <a:cs typeface="+mj-cs"/>
+              </a:rPr>
+              <a:t>: ADKAR Change journey</a:t>
+            </a:r>
+          </a:p>
+        </p:txBody>
+      </p:sp>
+      <p:sp>
+        <p:nvSpPr>
+          <p:cNvPr id="33" name="TextBox 32">
+            <a:extLst>
+              <a:ext uri="{FF2B5EF4-FFF2-40B4-BE49-F238E27FC236}">
+                <a16:creationId xmlns:a16="http://schemas.microsoft.com/office/drawing/2014/main" id="{51058640-9465-98CD-74B7-ACA0EEE8BFBB}"/>
+              </a:ext>
+            </a:extLst>
+          </p:cNvPr>
+          <p:cNvSpPr txBox="1"/>
+          <p:nvPr/>
+        </p:nvSpPr>
+        <p:spPr>
+          <a:xfrm>
+            <a:off x="426722" y="1417318"/>
+            <a:ext cx="2017216" cy="271869"/>
+          </a:xfrm>
+          <a:prstGeom prst="rect">
+            <a:avLst/>
+          </a:prstGeom>
+          <a:noFill/>
+          <a:ln w="12700" cap="flat">
+            <a:noFill/>
+            <a:miter lim="400000"/>
+          </a:ln>
+          <a:effectLst/>
+          <a:sp3d/>
+        </p:spPr>
+        <p:style>
+          <a:lnRef idx="0">
+            <a:scrgbClr r="0" g="0" b="0"/>
+          </a:lnRef>
+          <a:fillRef idx="0">
+            <a:scrgbClr r="0" g="0" b="0"/>
+          </a:fillRef>
+          <a:effectRef idx="0">
+            <a:scrgbClr r="0" g="0" b="0"/>
+          </a:effectRef>
+          <a:fontRef idx="none"/>
+        </p:style>
+        <p:txBody>
+          <a:bodyPr rot="0" spcFirstLastPara="1" vertOverflow="overflow" horzOverflow="overflow" vert="horz" wrap="square" lIns="50800" tIns="50800" rIns="50800" bIns="50800" numCol="1" spcCol="38100" rtlCol="0" anchor="t" anchorCtr="0">
+            <a:spAutoFit/>
+          </a:bodyPr>
+          <a:lstStyle/>
+          <a:p>
+            <a:pPr marL="0" marR="0" indent="0" algn="l" defTabSz="825500" rtl="0" fontAlgn="auto" latinLnBrk="0" hangingPunct="0">
+              <a:lnSpc>
+                <a:spcPct val="100000"/>
+              </a:lnSpc>
+              <a:spcBef>
+                <a:spcPts val="0"/>
+              </a:spcBef>
+              <a:spcAft>
+                <a:spcPts val="0"/>
+              </a:spcAft>
+              <a:buClrTx/>
+              <a:buSzTx/>
+              <a:buFontTx/>
+              <a:buNone/>
+              <a:tabLst/>
+            </a:pPr>
+            <a:r>
+              <a:rPr kumimoji="0" lang="en-GB" sz="1100" b="0" i="0" u="none" strike="noStrike" cap="none" spc="0" normalizeH="0" baseline="0" dirty="0" err="1">
+                <a:ln>
+                  <a:noFill/>
+                </a:ln>
+                <a:solidFill>
+                  <a:srgbClr val="000000"/>
+                </a:solidFill>
+                <a:effectLst/>
+                <a:uFillTx/>
+                <a:latin typeface="Calibri" panose="020F0502020204030204" pitchFamily="34" charset="0"/>
+                <a:ea typeface="Helvetica Neue"/>
+                <a:cs typeface="Calibri" panose="020F0502020204030204" pitchFamily="34" charset="0"/>
+                <a:sym typeface="Helvetica Neue"/>
+              </a:rPr>
+              <a:t>Awareness_text</a:t>
+            </a:r>
+            <a:endParaRPr kumimoji="0" lang="en-GB" sz="1100" b="0" i="0" u="none" strike="noStrike" cap="none" spc="0" normalizeH="0" baseline="0" dirty="0">
+              <a:ln>
+                <a:noFill/>
+              </a:ln>
+              <a:solidFill>
+                <a:srgbClr val="000000"/>
+              </a:solidFill>
+              <a:effectLst/>
+              <a:uFillTx/>
+              <a:latin typeface="Calibri" panose="020F0502020204030204" pitchFamily="34" charset="0"/>
+              <a:ea typeface="Helvetica Neue"/>
+              <a:cs typeface="Calibri" panose="020F0502020204030204" pitchFamily="34" charset="0"/>
+              <a:sym typeface="Helvetica Neue"/>
+            </a:endParaRPr>
+          </a:p>
+        </p:txBody>
+      </p:sp>
+      <p:sp>
+        <p:nvSpPr>
+          <p:cNvPr id="34" name="TextBox 33">
+            <a:extLst>
+              <a:ext uri="{FF2B5EF4-FFF2-40B4-BE49-F238E27FC236}">
+                <a16:creationId xmlns:a16="http://schemas.microsoft.com/office/drawing/2014/main" id="{8E92333E-6952-40B2-6C2F-B48ADDE7B5D4}"/>
+              </a:ext>
+            </a:extLst>
+          </p:cNvPr>
+          <p:cNvSpPr txBox="1"/>
+          <p:nvPr/>
+        </p:nvSpPr>
+        <p:spPr>
+          <a:xfrm>
+            <a:off x="2757057" y="1417318"/>
+            <a:ext cx="2017216" cy="271869"/>
+          </a:xfrm>
+          <a:prstGeom prst="rect">
+            <a:avLst/>
+          </a:prstGeom>
+          <a:noFill/>
+          <a:ln w="12700" cap="flat">
+            <a:noFill/>
+            <a:miter lim="400000"/>
+          </a:ln>
+          <a:effectLst/>
+          <a:sp3d/>
+        </p:spPr>
+        <p:style>
+          <a:lnRef idx="0">
+            <a:scrgbClr r="0" g="0" b="0"/>
+          </a:lnRef>
+          <a:fillRef idx="0">
+            <a:scrgbClr r="0" g="0" b="0"/>
+          </a:fillRef>
+          <a:effectRef idx="0">
+            <a:scrgbClr r="0" g="0" b="0"/>
+          </a:effectRef>
+          <a:fontRef idx="none"/>
+        </p:style>
+        <p:txBody>
+          <a:bodyPr rot="0" spcFirstLastPara="1" vertOverflow="overflow" horzOverflow="overflow" vert="horz" wrap="square" lIns="50800" tIns="50800" rIns="50800" bIns="50800" numCol="1" spcCol="38100" rtlCol="0" anchor="t" anchorCtr="0">
+            <a:spAutoFit/>
+          </a:bodyPr>
+          <a:lstStyle/>
+          <a:p>
+            <a:pPr marL="0" marR="0" indent="0" algn="l" defTabSz="825500" rtl="0" fontAlgn="auto" latinLnBrk="0" hangingPunct="0">
+              <a:lnSpc>
+                <a:spcPct val="100000"/>
+              </a:lnSpc>
+              <a:spcBef>
+                <a:spcPts val="0"/>
+              </a:spcBef>
+              <a:spcAft>
+                <a:spcPts val="0"/>
+              </a:spcAft>
+              <a:buClrTx/>
+              <a:buSzTx/>
+              <a:buFontTx/>
+              <a:buNone/>
+              <a:tabLst/>
+            </a:pPr>
+            <a:r>
+              <a:rPr kumimoji="0" lang="en-GB" sz="1100" b="0" i="0" u="none" strike="noStrike" cap="none" spc="0" normalizeH="0" baseline="0" dirty="0" err="1">
+                <a:ln>
+                  <a:noFill/>
+                </a:ln>
+                <a:solidFill>
+                  <a:srgbClr val="000000"/>
+                </a:solidFill>
+                <a:effectLst/>
+                <a:uFillTx/>
+                <a:latin typeface="Calibri" panose="020F0502020204030204" pitchFamily="34" charset="0"/>
+                <a:ea typeface="Helvetica Neue"/>
+                <a:cs typeface="Calibri" panose="020F0502020204030204" pitchFamily="34" charset="0"/>
+                <a:sym typeface="Helvetica Neue"/>
+              </a:rPr>
+              <a:t>Desire_text</a:t>
+            </a:r>
+            <a:endParaRPr kumimoji="0" lang="en-GB" sz="1100" b="0" i="0" u="none" strike="noStrike" cap="none" spc="0" normalizeH="0" baseline="0" dirty="0">
+              <a:ln>
+                <a:noFill/>
+              </a:ln>
+              <a:solidFill>
+                <a:srgbClr val="000000"/>
+              </a:solidFill>
+              <a:effectLst/>
+              <a:uFillTx/>
+              <a:latin typeface="Calibri" panose="020F0502020204030204" pitchFamily="34" charset="0"/>
+              <a:ea typeface="Helvetica Neue"/>
+              <a:cs typeface="Calibri" panose="020F0502020204030204" pitchFamily="34" charset="0"/>
+              <a:sym typeface="Helvetica Neue"/>
+            </a:endParaRPr>
+          </a:p>
+        </p:txBody>
+      </p:sp>
+      <p:sp>
+        <p:nvSpPr>
+          <p:cNvPr id="35" name="TextBox 34">
+            <a:extLst>
+              <a:ext uri="{FF2B5EF4-FFF2-40B4-BE49-F238E27FC236}">
+                <a16:creationId xmlns:a16="http://schemas.microsoft.com/office/drawing/2014/main" id="{A69FF061-C08B-34B6-E0D4-F1B8CBF86EF7}"/>
+              </a:ext>
+            </a:extLst>
+          </p:cNvPr>
+          <p:cNvSpPr txBox="1"/>
+          <p:nvPr/>
+        </p:nvSpPr>
+        <p:spPr>
+          <a:xfrm>
+            <a:off x="5087392" y="1417318"/>
+            <a:ext cx="2017216" cy="271869"/>
+          </a:xfrm>
+          <a:prstGeom prst="rect">
+            <a:avLst/>
+          </a:prstGeom>
+          <a:noFill/>
+          <a:ln w="12700" cap="flat">
+            <a:noFill/>
+            <a:miter lim="400000"/>
+          </a:ln>
+          <a:effectLst/>
+          <a:sp3d/>
+        </p:spPr>
+        <p:style>
+          <a:lnRef idx="0">
+            <a:scrgbClr r="0" g="0" b="0"/>
+          </a:lnRef>
+          <a:fillRef idx="0">
+            <a:scrgbClr r="0" g="0" b="0"/>
+          </a:fillRef>
+          <a:effectRef idx="0">
+            <a:scrgbClr r="0" g="0" b="0"/>
+          </a:effectRef>
+          <a:fontRef idx="none"/>
+        </p:style>
+        <p:txBody>
+          <a:bodyPr rot="0" spcFirstLastPara="1" vertOverflow="overflow" horzOverflow="overflow" vert="horz" wrap="square" lIns="50800" tIns="50800" rIns="50800" bIns="50800" numCol="1" spcCol="38100" rtlCol="0" anchor="t" anchorCtr="0">
+            <a:spAutoFit/>
+          </a:bodyPr>
+          <a:lstStyle/>
+          <a:p>
+            <a:pPr marL="0" marR="0" indent="0" algn="l" defTabSz="825500" rtl="0" fontAlgn="auto" latinLnBrk="0" hangingPunct="0">
+              <a:lnSpc>
+                <a:spcPct val="100000"/>
+              </a:lnSpc>
+              <a:spcBef>
+                <a:spcPts val="0"/>
+              </a:spcBef>
+              <a:spcAft>
+                <a:spcPts val="0"/>
+              </a:spcAft>
+              <a:buClrTx/>
+              <a:buSzTx/>
+              <a:buFontTx/>
+              <a:buNone/>
+              <a:tabLst/>
+            </a:pPr>
+            <a:r>
+              <a:rPr kumimoji="0" lang="en-GB" sz="1100" b="0" i="0" u="none" strike="noStrike" cap="none" spc="0" normalizeH="0" baseline="0" dirty="0" err="1">
+                <a:ln>
+                  <a:noFill/>
+                </a:ln>
+                <a:solidFill>
+                  <a:srgbClr val="000000"/>
+                </a:solidFill>
+                <a:effectLst/>
+                <a:uFillTx/>
+                <a:latin typeface="Calibri" panose="020F0502020204030204" pitchFamily="34" charset="0"/>
+                <a:ea typeface="Helvetica Neue"/>
+                <a:cs typeface="Calibri" panose="020F0502020204030204" pitchFamily="34" charset="0"/>
+                <a:sym typeface="Helvetica Neue"/>
+              </a:rPr>
+              <a:t>Knowledge_text</a:t>
+            </a:r>
+            <a:endParaRPr kumimoji="0" lang="en-GB" sz="1100" b="0" i="0" u="none" strike="noStrike" cap="none" spc="0" normalizeH="0" baseline="0" dirty="0">
+              <a:ln>
+                <a:noFill/>
+              </a:ln>
+              <a:solidFill>
+                <a:srgbClr val="000000"/>
+              </a:solidFill>
+              <a:effectLst/>
+              <a:uFillTx/>
+              <a:latin typeface="Calibri" panose="020F0502020204030204" pitchFamily="34" charset="0"/>
+              <a:ea typeface="Helvetica Neue"/>
+              <a:cs typeface="Calibri" panose="020F0502020204030204" pitchFamily="34" charset="0"/>
+              <a:sym typeface="Helvetica Neue"/>
+            </a:endParaRPr>
+          </a:p>
+        </p:txBody>
+      </p:sp>
+      <p:sp>
+        <p:nvSpPr>
+          <p:cNvPr id="36" name="TextBox 35">
+            <a:extLst>
+              <a:ext uri="{FF2B5EF4-FFF2-40B4-BE49-F238E27FC236}">
+                <a16:creationId xmlns:a16="http://schemas.microsoft.com/office/drawing/2014/main" id="{53A8C496-2CF4-BE2D-CBDF-270D459D3946}"/>
+              </a:ext>
+            </a:extLst>
+          </p:cNvPr>
+          <p:cNvSpPr txBox="1"/>
+          <p:nvPr/>
+        </p:nvSpPr>
+        <p:spPr>
+          <a:xfrm>
+            <a:off x="7417727" y="1417318"/>
+            <a:ext cx="2017216" cy="271869"/>
+          </a:xfrm>
+          <a:prstGeom prst="rect">
+            <a:avLst/>
+          </a:prstGeom>
+          <a:noFill/>
+          <a:ln w="12700" cap="flat">
+            <a:noFill/>
+            <a:miter lim="400000"/>
+          </a:ln>
+          <a:effectLst/>
+          <a:sp3d/>
+        </p:spPr>
+        <p:style>
+          <a:lnRef idx="0">
+            <a:scrgbClr r="0" g="0" b="0"/>
+          </a:lnRef>
+          <a:fillRef idx="0">
+            <a:scrgbClr r="0" g="0" b="0"/>
+          </a:fillRef>
+          <a:effectRef idx="0">
+            <a:scrgbClr r="0" g="0" b="0"/>
+          </a:effectRef>
+          <a:fontRef idx="none"/>
+        </p:style>
+        <p:txBody>
+          <a:bodyPr rot="0" spcFirstLastPara="1" vertOverflow="overflow" horzOverflow="overflow" vert="horz" wrap="square" lIns="50800" tIns="50800" rIns="50800" bIns="50800" numCol="1" spcCol="38100" rtlCol="0" anchor="t" anchorCtr="0">
+            <a:spAutoFit/>
+          </a:bodyPr>
+          <a:lstStyle/>
+          <a:p>
+            <a:pPr marL="0" marR="0" indent="0" algn="l" defTabSz="825500" rtl="0" fontAlgn="auto" latinLnBrk="0" hangingPunct="0">
+              <a:lnSpc>
+                <a:spcPct val="100000"/>
+              </a:lnSpc>
+              <a:spcBef>
+                <a:spcPts val="0"/>
+              </a:spcBef>
+              <a:spcAft>
+                <a:spcPts val="0"/>
+              </a:spcAft>
+              <a:buClrTx/>
+              <a:buSzTx/>
+              <a:buFontTx/>
+              <a:buNone/>
+              <a:tabLst/>
+            </a:pPr>
+            <a:r>
+              <a:rPr kumimoji="0" lang="en-GB" sz="1100" b="0" i="0" u="none" strike="noStrike" cap="none" spc="0" normalizeH="0" baseline="0" dirty="0" err="1">
+                <a:ln>
+                  <a:noFill/>
+                </a:ln>
+                <a:solidFill>
+                  <a:srgbClr val="000000"/>
+                </a:solidFill>
+                <a:effectLst/>
+                <a:uFillTx/>
+                <a:latin typeface="Calibri" panose="020F0502020204030204" pitchFamily="34" charset="0"/>
+                <a:ea typeface="Helvetica Neue"/>
+                <a:cs typeface="Calibri" panose="020F0502020204030204" pitchFamily="34" charset="0"/>
+                <a:sym typeface="Helvetica Neue"/>
+              </a:rPr>
+              <a:t>Ability_text</a:t>
+            </a:r>
+            <a:endParaRPr kumimoji="0" lang="en-GB" sz="1100" b="0" i="0" u="none" strike="noStrike" cap="none" spc="0" normalizeH="0" baseline="0" dirty="0">
+              <a:ln>
+                <a:noFill/>
+              </a:ln>
+              <a:solidFill>
+                <a:srgbClr val="000000"/>
+              </a:solidFill>
+              <a:effectLst/>
+              <a:uFillTx/>
+              <a:latin typeface="Calibri" panose="020F0502020204030204" pitchFamily="34" charset="0"/>
+              <a:ea typeface="Helvetica Neue"/>
+              <a:cs typeface="Calibri" panose="020F0502020204030204" pitchFamily="34" charset="0"/>
+              <a:sym typeface="Helvetica Neue"/>
+            </a:endParaRPr>
+          </a:p>
+        </p:txBody>
+      </p:sp>
+      <p:sp>
+        <p:nvSpPr>
+          <p:cNvPr id="37" name="TextBox 36">
+            <a:extLst>
+              <a:ext uri="{FF2B5EF4-FFF2-40B4-BE49-F238E27FC236}">
+                <a16:creationId xmlns:a16="http://schemas.microsoft.com/office/drawing/2014/main" id="{BBDF4704-84CE-49A9-5895-E30A836B7AAD}"/>
+              </a:ext>
+            </a:extLst>
+          </p:cNvPr>
+          <p:cNvSpPr txBox="1"/>
+          <p:nvPr/>
+        </p:nvSpPr>
+        <p:spPr>
+          <a:xfrm>
+            <a:off x="9748062" y="1417318"/>
+            <a:ext cx="2017216" cy="271869"/>
+          </a:xfrm>
+          <a:prstGeom prst="rect">
+            <a:avLst/>
+          </a:prstGeom>
+          <a:noFill/>
+          <a:ln w="12700" cap="flat">
+            <a:noFill/>
+            <a:miter lim="400000"/>
+          </a:ln>
+          <a:effectLst/>
+          <a:sp3d/>
+        </p:spPr>
+        <p:style>
+          <a:lnRef idx="0">
+            <a:scrgbClr r="0" g="0" b="0"/>
+          </a:lnRef>
+          <a:fillRef idx="0">
+            <a:scrgbClr r="0" g="0" b="0"/>
+          </a:fillRef>
+          <a:effectRef idx="0">
+            <a:scrgbClr r="0" g="0" b="0"/>
+          </a:effectRef>
+          <a:fontRef idx="none"/>
+        </p:style>
+        <p:txBody>
+          <a:bodyPr rot="0" spcFirstLastPara="1" vertOverflow="overflow" horzOverflow="overflow" vert="horz" wrap="square" lIns="50800" tIns="50800" rIns="50800" bIns="50800" numCol="1" spcCol="38100" rtlCol="0" anchor="t" anchorCtr="0">
+            <a:spAutoFit/>
+          </a:bodyPr>
+          <a:lstStyle/>
+          <a:p>
+            <a:pPr marL="0" marR="0" indent="0" algn="l" defTabSz="825500" rtl="0" fontAlgn="auto" latinLnBrk="0" hangingPunct="0">
+              <a:lnSpc>
+                <a:spcPct val="100000"/>
+              </a:lnSpc>
+              <a:spcBef>
+                <a:spcPts val="0"/>
+              </a:spcBef>
+              <a:spcAft>
+                <a:spcPts val="0"/>
+              </a:spcAft>
+              <a:buClrTx/>
+              <a:buSzTx/>
+              <a:buFontTx/>
+              <a:buNone/>
+              <a:tabLst/>
+            </a:pPr>
+            <a:r>
+              <a:rPr kumimoji="0" lang="en-GB" sz="1100" b="0" i="0" u="none" strike="noStrike" cap="none" spc="0" normalizeH="0" baseline="0" dirty="0" err="1">
+                <a:ln>
+                  <a:noFill/>
+                </a:ln>
+                <a:solidFill>
+                  <a:srgbClr val="000000"/>
+                </a:solidFill>
+                <a:effectLst/>
+                <a:uFillTx/>
+                <a:latin typeface="Calibri" panose="020F0502020204030204" pitchFamily="34" charset="0"/>
+                <a:ea typeface="Helvetica Neue"/>
+                <a:cs typeface="Calibri" panose="020F0502020204030204" pitchFamily="34" charset="0"/>
+                <a:sym typeface="Helvetica Neue"/>
+              </a:rPr>
+              <a:t>Reinforcement_text</a:t>
+            </a:r>
+            <a:endParaRPr kumimoji="0" lang="en-GB" sz="1100" b="0" i="0" u="none" strike="noStrike" cap="none" spc="0" normalizeH="0" baseline="0" dirty="0">
+              <a:ln>
+                <a:noFill/>
+              </a:ln>
+              <a:solidFill>
+                <a:srgbClr val="000000"/>
+              </a:solidFill>
+              <a:effectLst/>
+              <a:uFillTx/>
+              <a:latin typeface="Calibri" panose="020F0502020204030204" pitchFamily="34" charset="0"/>
+              <a:ea typeface="Helvetica Neue"/>
+              <a:cs typeface="Calibri" panose="020F0502020204030204" pitchFamily="34" charset="0"/>
+              <a:sym typeface="Helvetica Neue"/>
+            </a:endParaRPr>
+          </a:p>
+        </p:txBody>
+      </p:sp>
+    </p:spTree>
+    <p:extLst>
+      <p:ext uri="{BB962C8B-B14F-4D97-AF65-F5344CB8AC3E}">
+        <p14:creationId xmlns:p14="http://schemas.microsoft.com/office/powerpoint/2010/main" val="2351766959"/>
+      </p:ext>
+    </p:extLst>
+  </p:cSld>
+  <p:clrMapOvr>
+    <a:masterClrMapping/>
+  </p:clrMapOvr>
+  <p:transition spd="med"/>
+</p:sld>
+</file>
+
+<file path=ppt/slides/slide5.xml><?xml version="1.0" encoding="utf-8"?>
+<p:sld xmlns:a="http://schemas.openxmlformats.org/drawingml/2006/main" xmlns:r="http://schemas.openxmlformats.org/officeDocument/2006/relationships" xmlns:p="http://schemas.openxmlformats.org/presentationml/2006/main">
+  <p:cSld>
+    <p:spTree>
+      <p:nvGrpSpPr>
+        <p:cNvPr id="1" name="">
+          <a:extLst>
+            <a:ext uri="{FF2B5EF4-FFF2-40B4-BE49-F238E27FC236}">
+              <a16:creationId xmlns:a16="http://schemas.microsoft.com/office/drawing/2014/main" id="{41591641-1120-01C5-432D-CAD857BBC5D0}"/>
+            </a:ext>
+          </a:extLst>
+        </p:cNvPr>
+        <p:cNvGrpSpPr/>
+        <p:nvPr/>
+      </p:nvGrpSpPr>
+      <p:grpSpPr>
+        <a:xfrm>
+          <a:off x="0" y="0"/>
+          <a:ext cx="0" cy="0"/>
+          <a:chOff x="0" y="0"/>
+          <a:chExt cx="0" cy="0"/>
+        </a:xfrm>
+      </p:grpSpPr>
+      <p:sp>
+        <p:nvSpPr>
+          <p:cNvPr id="3" name="Title 1">
+            <a:extLst>
+              <a:ext uri="{FF2B5EF4-FFF2-40B4-BE49-F238E27FC236}">
+                <a16:creationId xmlns:a16="http://schemas.microsoft.com/office/drawing/2014/main" id="{A4BB2088-8632-51EB-586E-BC2E28F9000D}"/>
+              </a:ext>
+            </a:extLst>
+          </p:cNvPr>
+          <p:cNvSpPr txBox="1">
+            <a:spLocks/>
+          </p:cNvSpPr>
+          <p:nvPr/>
+        </p:nvSpPr>
+        <p:spPr>
+          <a:xfrm>
+            <a:off x="243797" y="264580"/>
+            <a:ext cx="10515600" cy="500400"/>
+          </a:xfrm>
+          <a:prstGeom prst="rect">
+            <a:avLst/>
+          </a:prstGeom>
+        </p:spPr>
+        <p:txBody>
+          <a:bodyPr vert="horz"/>
+          <a:lstStyle>
+            <a:lvl1pPr algn="l" defTabSz="914400" rtl="0" eaLnBrk="1" latinLnBrk="0" hangingPunct="1">
+              <a:lnSpc>
+                <a:spcPct val="90000"/>
+              </a:lnSpc>
+              <a:spcBef>
+                <a:spcPct val="0"/>
+              </a:spcBef>
+              <a:buNone/>
+              <a:defRPr sz="3600" b="1" kern="1200">
+                <a:solidFill>
+                  <a:srgbClr val="004181"/>
+                </a:solidFill>
+                <a:latin typeface="Microsoft YaHei" panose="020B0503020204020204" pitchFamily="34" charset="-122"/>
+                <a:ea typeface="Microsoft YaHei" panose="020B0503020204020204" pitchFamily="34" charset="-122"/>
+                <a:cs typeface="+mj-cs"/>
+              </a:defRPr>
+            </a:lvl1pPr>
+          </a:lstStyle>
+          <a:p>
+            <a:pPr marL="0" marR="0" lvl="0" indent="0" algn="l" defTabSz="914400" rtl="0" eaLnBrk="1" fontAlgn="auto" latinLnBrk="0" hangingPunct="1">
+              <a:lnSpc>
+                <a:spcPct val="90000"/>
+              </a:lnSpc>
+              <a:spcBef>
+                <a:spcPct val="0"/>
+              </a:spcBef>
+              <a:spcAft>
+                <a:spcPts val="0"/>
+              </a:spcAft>
+              <a:buClrTx/>
+              <a:buSzTx/>
+              <a:buFontTx/>
+              <a:buNone/>
+              <a:tabLst/>
+              <a:defRPr/>
+            </a:pPr>
+            <a:r>
+              <a:rPr kumimoji="0" lang="en-US" sz="2400" b="1" i="0" u="none" strike="noStrike" kern="1200" cap="none" spc="0" normalizeH="0" baseline="0" noProof="0" dirty="0" err="1">
+                <a:ln>
+                  <a:noFill/>
+                </a:ln>
+                <a:solidFill>
+                  <a:srgbClr val="004181"/>
+                </a:solidFill>
+                <a:effectLst/>
+                <a:uLnTx/>
+                <a:uFillTx/>
+                <a:latin typeface="Microsoft YaHei" panose="020B0503020204020204" pitchFamily="34" charset="-122"/>
+                <a:ea typeface="Microsoft YaHei" panose="020B0503020204020204" pitchFamily="34" charset="-122"/>
+                <a:cs typeface="+mj-cs"/>
+              </a:rPr>
+              <a:t>Interviewee_Name</a:t>
+            </a:r>
+            <a:r>
+              <a:rPr kumimoji="0" lang="en-US" sz="2400" b="1" i="0" u="none" strike="noStrike" kern="1200" cap="none" spc="0" normalizeH="0" baseline="0" noProof="0" dirty="0">
+                <a:ln>
+                  <a:noFill/>
+                </a:ln>
+                <a:solidFill>
+                  <a:srgbClr val="004181"/>
+                </a:solidFill>
+                <a:effectLst/>
+                <a:uLnTx/>
+                <a:uFillTx/>
+                <a:latin typeface="Microsoft YaHei" panose="020B0503020204020204" pitchFamily="34" charset="-122"/>
+                <a:ea typeface="Microsoft YaHei" panose="020B0503020204020204" pitchFamily="34" charset="-122"/>
+                <a:cs typeface="+mj-cs"/>
+              </a:rPr>
+              <a:t>: ADKAR Change journey</a:t>
+            </a:r>
+          </a:p>
+        </p:txBody>
+      </p:sp>
+      <p:sp>
+        <p:nvSpPr>
+          <p:cNvPr id="33" name="TextBox 32">
+            <a:extLst>
+              <a:ext uri="{FF2B5EF4-FFF2-40B4-BE49-F238E27FC236}">
+                <a16:creationId xmlns:a16="http://schemas.microsoft.com/office/drawing/2014/main" id="{80F2304C-DC7D-688D-7C70-8F074A95C424}"/>
+              </a:ext>
+            </a:extLst>
+          </p:cNvPr>
+          <p:cNvSpPr txBox="1"/>
+          <p:nvPr/>
+        </p:nvSpPr>
+        <p:spPr>
+          <a:xfrm>
+            <a:off x="426722" y="1417318"/>
+            <a:ext cx="2017216" cy="271869"/>
+          </a:xfrm>
+          <a:prstGeom prst="rect">
+            <a:avLst/>
+          </a:prstGeom>
+          <a:noFill/>
+          <a:ln w="12700" cap="flat">
+            <a:noFill/>
+            <a:miter lim="400000"/>
+          </a:ln>
+          <a:effectLst/>
+          <a:sp3d/>
+        </p:spPr>
+        <p:style>
+          <a:lnRef idx="0">
+            <a:scrgbClr r="0" g="0" b="0"/>
+          </a:lnRef>
+          <a:fillRef idx="0">
+            <a:scrgbClr r="0" g="0" b="0"/>
+          </a:fillRef>
+          <a:effectRef idx="0">
+            <a:scrgbClr r="0" g="0" b="0"/>
+          </a:effectRef>
+          <a:fontRef idx="none"/>
+        </p:style>
+        <p:txBody>
+          <a:bodyPr rot="0" spcFirstLastPara="1" vertOverflow="overflow" horzOverflow="overflow" vert="horz" wrap="square" lIns="50800" tIns="50800" rIns="50800" bIns="50800" numCol="1" spcCol="38100" rtlCol="0" anchor="t" anchorCtr="0">
+            <a:spAutoFit/>
+          </a:bodyPr>
+          <a:lstStyle/>
+          <a:p>
+            <a:pPr marL="0" marR="0" indent="0" algn="l" defTabSz="825500" rtl="0" fontAlgn="auto" latinLnBrk="0" hangingPunct="0">
+              <a:lnSpc>
+                <a:spcPct val="100000"/>
+              </a:lnSpc>
+              <a:spcBef>
+                <a:spcPts val="0"/>
+              </a:spcBef>
+              <a:spcAft>
+                <a:spcPts val="0"/>
+              </a:spcAft>
+              <a:buClrTx/>
+              <a:buSzTx/>
+              <a:buFontTx/>
+              <a:buNone/>
+              <a:tabLst/>
+            </a:pPr>
+            <a:r>
+              <a:rPr kumimoji="0" lang="en-GB" sz="1100" b="0" i="0" u="none" strike="noStrike" cap="none" spc="0" normalizeH="0" baseline="0" dirty="0" err="1">
+                <a:ln>
+                  <a:noFill/>
+                </a:ln>
+                <a:solidFill>
+                  <a:srgbClr val="000000"/>
+                </a:solidFill>
+                <a:effectLst/>
+                <a:uFillTx/>
+                <a:latin typeface="Calibri" panose="020F0502020204030204" pitchFamily="34" charset="0"/>
+                <a:ea typeface="Helvetica Neue"/>
+                <a:cs typeface="Calibri" panose="020F0502020204030204" pitchFamily="34" charset="0"/>
+                <a:sym typeface="Helvetica Neue"/>
+              </a:rPr>
+              <a:t>Awareness_text</a:t>
+            </a:r>
+            <a:endParaRPr kumimoji="0" lang="en-GB" sz="1100" b="0" i="0" u="none" strike="noStrike" cap="none" spc="0" normalizeH="0" baseline="0" dirty="0">
+              <a:ln>
+                <a:noFill/>
+              </a:ln>
+              <a:solidFill>
+                <a:srgbClr val="000000"/>
+              </a:solidFill>
+              <a:effectLst/>
+              <a:uFillTx/>
+              <a:latin typeface="Calibri" panose="020F0502020204030204" pitchFamily="34" charset="0"/>
+              <a:ea typeface="Helvetica Neue"/>
+              <a:cs typeface="Calibri" panose="020F0502020204030204" pitchFamily="34" charset="0"/>
+              <a:sym typeface="Helvetica Neue"/>
+            </a:endParaRPr>
+          </a:p>
+        </p:txBody>
+      </p:sp>
+      <p:sp>
+        <p:nvSpPr>
+          <p:cNvPr id="34" name="TextBox 33">
+            <a:extLst>
+              <a:ext uri="{FF2B5EF4-FFF2-40B4-BE49-F238E27FC236}">
+                <a16:creationId xmlns:a16="http://schemas.microsoft.com/office/drawing/2014/main" id="{0290D829-5911-A13A-1451-02F202EBDAF8}"/>
+              </a:ext>
+            </a:extLst>
+          </p:cNvPr>
+          <p:cNvSpPr txBox="1"/>
+          <p:nvPr/>
+        </p:nvSpPr>
+        <p:spPr>
+          <a:xfrm>
+            <a:off x="2757057" y="1417318"/>
+            <a:ext cx="2017216" cy="271869"/>
+          </a:xfrm>
+          <a:prstGeom prst="rect">
+            <a:avLst/>
+          </a:prstGeom>
+          <a:noFill/>
+          <a:ln w="12700" cap="flat">
+            <a:noFill/>
+            <a:miter lim="400000"/>
+          </a:ln>
+          <a:effectLst/>
+          <a:sp3d/>
+        </p:spPr>
+        <p:style>
+          <a:lnRef idx="0">
+            <a:scrgbClr r="0" g="0" b="0"/>
+          </a:lnRef>
+          <a:fillRef idx="0">
+            <a:scrgbClr r="0" g="0" b="0"/>
+          </a:fillRef>
+          <a:effectRef idx="0">
+            <a:scrgbClr r="0" g="0" b="0"/>
+          </a:effectRef>
+          <a:fontRef idx="none"/>
+        </p:style>
+        <p:txBody>
+          <a:bodyPr rot="0" spcFirstLastPara="1" vertOverflow="overflow" horzOverflow="overflow" vert="horz" wrap="square" lIns="50800" tIns="50800" rIns="50800" bIns="50800" numCol="1" spcCol="38100" rtlCol="0" anchor="t" anchorCtr="0">
+            <a:spAutoFit/>
+          </a:bodyPr>
+          <a:lstStyle/>
+          <a:p>
+            <a:pPr marL="0" marR="0" indent="0" algn="l" defTabSz="825500" rtl="0" fontAlgn="auto" latinLnBrk="0" hangingPunct="0">
+              <a:lnSpc>
+                <a:spcPct val="100000"/>
+              </a:lnSpc>
+              <a:spcBef>
+                <a:spcPts val="0"/>
+              </a:spcBef>
+              <a:spcAft>
+                <a:spcPts val="0"/>
+              </a:spcAft>
+              <a:buClrTx/>
+              <a:buSzTx/>
+              <a:buFontTx/>
+              <a:buNone/>
+              <a:tabLst/>
+            </a:pPr>
+            <a:r>
+              <a:rPr kumimoji="0" lang="en-GB" sz="1100" b="0" i="0" u="none" strike="noStrike" cap="none" spc="0" normalizeH="0" baseline="0" dirty="0" err="1">
+                <a:ln>
+                  <a:noFill/>
+                </a:ln>
+                <a:solidFill>
+                  <a:srgbClr val="000000"/>
+                </a:solidFill>
+                <a:effectLst/>
+                <a:uFillTx/>
+                <a:latin typeface="Calibri" panose="020F0502020204030204" pitchFamily="34" charset="0"/>
+                <a:ea typeface="Helvetica Neue"/>
+                <a:cs typeface="Calibri" panose="020F0502020204030204" pitchFamily="34" charset="0"/>
+                <a:sym typeface="Helvetica Neue"/>
+              </a:rPr>
+              <a:t>Desire_text</a:t>
+            </a:r>
+            <a:endParaRPr kumimoji="0" lang="en-GB" sz="1100" b="0" i="0" u="none" strike="noStrike" cap="none" spc="0" normalizeH="0" baseline="0" dirty="0">
+              <a:ln>
+                <a:noFill/>
+              </a:ln>
+              <a:solidFill>
+                <a:srgbClr val="000000"/>
+              </a:solidFill>
+              <a:effectLst/>
+              <a:uFillTx/>
+              <a:latin typeface="Calibri" panose="020F0502020204030204" pitchFamily="34" charset="0"/>
+              <a:ea typeface="Helvetica Neue"/>
+              <a:cs typeface="Calibri" panose="020F0502020204030204" pitchFamily="34" charset="0"/>
+              <a:sym typeface="Helvetica Neue"/>
+            </a:endParaRPr>
+          </a:p>
+        </p:txBody>
+      </p:sp>
+      <p:sp>
+        <p:nvSpPr>
+          <p:cNvPr id="35" name="TextBox 34">
+            <a:extLst>
+              <a:ext uri="{FF2B5EF4-FFF2-40B4-BE49-F238E27FC236}">
+                <a16:creationId xmlns:a16="http://schemas.microsoft.com/office/drawing/2014/main" id="{487F4E31-AAD8-F2A6-92F3-173C24A99B0E}"/>
+              </a:ext>
+            </a:extLst>
+          </p:cNvPr>
+          <p:cNvSpPr txBox="1"/>
+          <p:nvPr/>
+        </p:nvSpPr>
+        <p:spPr>
+          <a:xfrm>
+            <a:off x="5087392" y="1417318"/>
+            <a:ext cx="2017216" cy="271869"/>
+          </a:xfrm>
+          <a:prstGeom prst="rect">
+            <a:avLst/>
+          </a:prstGeom>
+          <a:noFill/>
+          <a:ln w="12700" cap="flat">
+            <a:noFill/>
+            <a:miter lim="400000"/>
+          </a:ln>
+          <a:effectLst/>
+          <a:sp3d/>
+        </p:spPr>
+        <p:style>
+          <a:lnRef idx="0">
+            <a:scrgbClr r="0" g="0" b="0"/>
+          </a:lnRef>
+          <a:fillRef idx="0">
+            <a:scrgbClr r="0" g="0" b="0"/>
+          </a:fillRef>
+          <a:effectRef idx="0">
+            <a:scrgbClr r="0" g="0" b="0"/>
+          </a:effectRef>
+          <a:fontRef idx="none"/>
+        </p:style>
+        <p:txBody>
+          <a:bodyPr rot="0" spcFirstLastPara="1" vertOverflow="overflow" horzOverflow="overflow" vert="horz" wrap="square" lIns="50800" tIns="50800" rIns="50800" bIns="50800" numCol="1" spcCol="38100" rtlCol="0" anchor="t" anchorCtr="0">
+            <a:spAutoFit/>
+          </a:bodyPr>
+          <a:lstStyle/>
+          <a:p>
+            <a:pPr marL="0" marR="0" indent="0" algn="l" defTabSz="825500" rtl="0" fontAlgn="auto" latinLnBrk="0" hangingPunct="0">
+              <a:lnSpc>
+                <a:spcPct val="100000"/>
+              </a:lnSpc>
+              <a:spcBef>
+                <a:spcPts val="0"/>
+              </a:spcBef>
+              <a:spcAft>
+                <a:spcPts val="0"/>
+              </a:spcAft>
+              <a:buClrTx/>
+              <a:buSzTx/>
+              <a:buFontTx/>
+              <a:buNone/>
+              <a:tabLst/>
+            </a:pPr>
+            <a:r>
+              <a:rPr kumimoji="0" lang="en-GB" sz="1100" b="0" i="0" u="none" strike="noStrike" cap="none" spc="0" normalizeH="0" baseline="0" dirty="0" err="1">
+                <a:ln>
+                  <a:noFill/>
+                </a:ln>
+                <a:solidFill>
+                  <a:srgbClr val="000000"/>
+                </a:solidFill>
+                <a:effectLst/>
+                <a:uFillTx/>
+                <a:latin typeface="Calibri" panose="020F0502020204030204" pitchFamily="34" charset="0"/>
+                <a:ea typeface="Helvetica Neue"/>
+                <a:cs typeface="Calibri" panose="020F0502020204030204" pitchFamily="34" charset="0"/>
+                <a:sym typeface="Helvetica Neue"/>
+              </a:rPr>
+              <a:t>Knowledge_text</a:t>
+            </a:r>
+            <a:endParaRPr kumimoji="0" lang="en-GB" sz="1100" b="0" i="0" u="none" strike="noStrike" cap="none" spc="0" normalizeH="0" baseline="0" dirty="0">
+              <a:ln>
+                <a:noFill/>
+              </a:ln>
+              <a:solidFill>
+                <a:srgbClr val="000000"/>
+              </a:solidFill>
+              <a:effectLst/>
+              <a:uFillTx/>
+              <a:latin typeface="Calibri" panose="020F0502020204030204" pitchFamily="34" charset="0"/>
+              <a:ea typeface="Helvetica Neue"/>
+              <a:cs typeface="Calibri" panose="020F0502020204030204" pitchFamily="34" charset="0"/>
+              <a:sym typeface="Helvetica Neue"/>
+            </a:endParaRPr>
+          </a:p>
+        </p:txBody>
+      </p:sp>
+      <p:sp>
+        <p:nvSpPr>
+          <p:cNvPr id="36" name="TextBox 35">
+            <a:extLst>
+              <a:ext uri="{FF2B5EF4-FFF2-40B4-BE49-F238E27FC236}">
+                <a16:creationId xmlns:a16="http://schemas.microsoft.com/office/drawing/2014/main" id="{2264CB7E-CD27-FC3B-DAAE-93101FEAEFF5}"/>
+              </a:ext>
+            </a:extLst>
+          </p:cNvPr>
+          <p:cNvSpPr txBox="1"/>
+          <p:nvPr/>
+        </p:nvSpPr>
+        <p:spPr>
+          <a:xfrm>
+            <a:off x="7417727" y="1417318"/>
+            <a:ext cx="2017216" cy="271869"/>
+          </a:xfrm>
+          <a:prstGeom prst="rect">
+            <a:avLst/>
+          </a:prstGeom>
+          <a:noFill/>
+          <a:ln w="12700" cap="flat">
+            <a:noFill/>
+            <a:miter lim="400000"/>
+          </a:ln>
+          <a:effectLst/>
+          <a:sp3d/>
+        </p:spPr>
+        <p:style>
+          <a:lnRef idx="0">
+            <a:scrgbClr r="0" g="0" b="0"/>
+          </a:lnRef>
+          <a:fillRef idx="0">
+            <a:scrgbClr r="0" g="0" b="0"/>
+          </a:fillRef>
+          <a:effectRef idx="0">
+            <a:scrgbClr r="0" g="0" b="0"/>
+          </a:effectRef>
+          <a:fontRef idx="none"/>
+        </p:style>
+        <p:txBody>
+          <a:bodyPr rot="0" spcFirstLastPara="1" vertOverflow="overflow" horzOverflow="overflow" vert="horz" wrap="square" lIns="50800" tIns="50800" rIns="50800" bIns="50800" numCol="1" spcCol="38100" rtlCol="0" anchor="t" anchorCtr="0">
+            <a:spAutoFit/>
+          </a:bodyPr>
+          <a:lstStyle/>
+          <a:p>
+            <a:pPr marL="0" marR="0" indent="0" algn="l" defTabSz="825500" rtl="0" fontAlgn="auto" latinLnBrk="0" hangingPunct="0">
+              <a:lnSpc>
+                <a:spcPct val="100000"/>
+              </a:lnSpc>
+              <a:spcBef>
+                <a:spcPts val="0"/>
+              </a:spcBef>
+              <a:spcAft>
+                <a:spcPts val="0"/>
+              </a:spcAft>
+              <a:buClrTx/>
+              <a:buSzTx/>
+              <a:buFontTx/>
+              <a:buNone/>
+              <a:tabLst/>
+            </a:pPr>
+            <a:r>
+              <a:rPr kumimoji="0" lang="en-GB" sz="1100" b="0" i="0" u="none" strike="noStrike" cap="none" spc="0" normalizeH="0" baseline="0" dirty="0" err="1">
+                <a:ln>
+                  <a:noFill/>
+                </a:ln>
+                <a:solidFill>
+                  <a:srgbClr val="000000"/>
+                </a:solidFill>
+                <a:effectLst/>
+                <a:uFillTx/>
+                <a:latin typeface="Calibri" panose="020F0502020204030204" pitchFamily="34" charset="0"/>
+                <a:ea typeface="Helvetica Neue"/>
+                <a:cs typeface="Calibri" panose="020F0502020204030204" pitchFamily="34" charset="0"/>
+                <a:sym typeface="Helvetica Neue"/>
+              </a:rPr>
+              <a:t>Ability_text</a:t>
+            </a:r>
+            <a:endParaRPr kumimoji="0" lang="en-GB" sz="1100" b="0" i="0" u="none" strike="noStrike" cap="none" spc="0" normalizeH="0" baseline="0" dirty="0">
+              <a:ln>
+                <a:noFill/>
+              </a:ln>
+              <a:solidFill>
+                <a:srgbClr val="000000"/>
+              </a:solidFill>
+              <a:effectLst/>
+              <a:uFillTx/>
+              <a:latin typeface="Calibri" panose="020F0502020204030204" pitchFamily="34" charset="0"/>
+              <a:ea typeface="Helvetica Neue"/>
+              <a:cs typeface="Calibri" panose="020F0502020204030204" pitchFamily="34" charset="0"/>
+              <a:sym typeface="Helvetica Neue"/>
+            </a:endParaRPr>
+          </a:p>
+        </p:txBody>
+      </p:sp>
+      <p:sp>
+        <p:nvSpPr>
+          <p:cNvPr id="37" name="TextBox 36">
+            <a:extLst>
+              <a:ext uri="{FF2B5EF4-FFF2-40B4-BE49-F238E27FC236}">
+                <a16:creationId xmlns:a16="http://schemas.microsoft.com/office/drawing/2014/main" id="{3DE77E71-CABD-902B-27B2-94D13233D937}"/>
+              </a:ext>
+            </a:extLst>
+          </p:cNvPr>
+          <p:cNvSpPr txBox="1"/>
+          <p:nvPr/>
+        </p:nvSpPr>
+        <p:spPr>
+          <a:xfrm>
+            <a:off x="9748062" y="1417318"/>
+            <a:ext cx="2017216" cy="271869"/>
+          </a:xfrm>
+          <a:prstGeom prst="rect">
+            <a:avLst/>
+          </a:prstGeom>
+          <a:noFill/>
+          <a:ln w="12700" cap="flat">
+            <a:noFill/>
+            <a:miter lim="400000"/>
+          </a:ln>
+          <a:effectLst/>
+          <a:sp3d/>
+        </p:spPr>
+        <p:style>
+          <a:lnRef idx="0">
+            <a:scrgbClr r="0" g="0" b="0"/>
+          </a:lnRef>
+          <a:fillRef idx="0">
+            <a:scrgbClr r="0" g="0" b="0"/>
+          </a:fillRef>
+          <a:effectRef idx="0">
+            <a:scrgbClr r="0" g="0" b="0"/>
+          </a:effectRef>
+          <a:fontRef idx="none"/>
+        </p:style>
+        <p:txBody>
+          <a:bodyPr rot="0" spcFirstLastPara="1" vertOverflow="overflow" horzOverflow="overflow" vert="horz" wrap="square" lIns="50800" tIns="50800" rIns="50800" bIns="50800" numCol="1" spcCol="38100" rtlCol="0" anchor="t" anchorCtr="0">
+            <a:spAutoFit/>
+          </a:bodyPr>
+          <a:lstStyle/>
+          <a:p>
+            <a:pPr marL="0" marR="0" indent="0" algn="l" defTabSz="825500" rtl="0" fontAlgn="auto" latinLnBrk="0" hangingPunct="0">
+              <a:lnSpc>
+                <a:spcPct val="100000"/>
+              </a:lnSpc>
+              <a:spcBef>
+                <a:spcPts val="0"/>
+              </a:spcBef>
+              <a:spcAft>
+                <a:spcPts val="0"/>
+              </a:spcAft>
+              <a:buClrTx/>
+              <a:buSzTx/>
+              <a:buFontTx/>
+              <a:buNone/>
+              <a:tabLst/>
+            </a:pPr>
+            <a:r>
+              <a:rPr kumimoji="0" lang="en-GB" sz="1100" b="0" i="0" u="none" strike="noStrike" cap="none" spc="0" normalizeH="0" baseline="0" dirty="0" err="1">
+                <a:ln>
+                  <a:noFill/>
+                </a:ln>
+                <a:solidFill>
+                  <a:srgbClr val="000000"/>
+                </a:solidFill>
+                <a:effectLst/>
+                <a:uFillTx/>
+                <a:latin typeface="Calibri" panose="020F0502020204030204" pitchFamily="34" charset="0"/>
+                <a:ea typeface="Helvetica Neue"/>
+                <a:cs typeface="Calibri" panose="020F0502020204030204" pitchFamily="34" charset="0"/>
+                <a:sym typeface="Helvetica Neue"/>
+              </a:rPr>
+              <a:t>Reinforcement_text</a:t>
+            </a:r>
+            <a:endParaRPr kumimoji="0" lang="en-GB" sz="1100" b="0" i="0" u="none" strike="noStrike" cap="none" spc="0" normalizeH="0" baseline="0" dirty="0">
+              <a:ln>
+                <a:noFill/>
+              </a:ln>
+              <a:solidFill>
+                <a:srgbClr val="000000"/>
+              </a:solidFill>
+              <a:effectLst/>
+              <a:uFillTx/>
+              <a:latin typeface="Calibri" panose="020F0502020204030204" pitchFamily="34" charset="0"/>
+              <a:ea typeface="Helvetica Neue"/>
+              <a:cs typeface="Calibri" panose="020F0502020204030204" pitchFamily="34" charset="0"/>
+              <a:sym typeface="Helvetica Neue"/>
+            </a:endParaRPr>
+          </a:p>
+        </p:txBody>
+      </p:sp>
+    </p:spTree>
+    <p:extLst>
+      <p:ext uri="{BB962C8B-B14F-4D97-AF65-F5344CB8AC3E}">
+        <p14:creationId xmlns:p14="http://schemas.microsoft.com/office/powerpoint/2010/main" val="1809916692"/>
+      </p:ext>
+    </p:extLst>
+  </p:cSld>
+  <p:clrMapOvr>
+    <a:masterClrMapping/>
+  </p:clrMapOvr>
+  <p:transition spd="med"/>
+</p:sld>
+</file>
+
+<file path=ppt/slides/slide6.xml><?xml version="1.0" encoding="utf-8"?>
+<p:sld xmlns:a="http://schemas.openxmlformats.org/drawingml/2006/main" xmlns:r="http://schemas.openxmlformats.org/officeDocument/2006/relationships" xmlns:p="http://schemas.openxmlformats.org/presentationml/2006/main">
+  <p:cSld>
+    <p:spTree>
+      <p:nvGrpSpPr>
+        <p:cNvPr id="1" name="">
+          <a:extLst>
+            <a:ext uri="{FF2B5EF4-FFF2-40B4-BE49-F238E27FC236}">
+              <a16:creationId xmlns:a16="http://schemas.microsoft.com/office/drawing/2014/main" id="{9D0B51E7-CBA6-A261-1666-75E4616E2039}"/>
+            </a:ext>
+          </a:extLst>
+        </p:cNvPr>
+        <p:cNvGrpSpPr/>
+        <p:nvPr/>
+      </p:nvGrpSpPr>
+      <p:grpSpPr>
+        <a:xfrm>
+          <a:off x="0" y="0"/>
+          <a:ext cx="0" cy="0"/>
+          <a:chOff x="0" y="0"/>
+          <a:chExt cx="0" cy="0"/>
+        </a:xfrm>
+      </p:grpSpPr>
+      <p:sp>
+        <p:nvSpPr>
+          <p:cNvPr id="3" name="Title 1">
+            <a:extLst>
+              <a:ext uri="{FF2B5EF4-FFF2-40B4-BE49-F238E27FC236}">
+                <a16:creationId xmlns:a16="http://schemas.microsoft.com/office/drawing/2014/main" id="{4E2FC917-3056-F778-7180-18952646F9C0}"/>
+              </a:ext>
+            </a:extLst>
+          </p:cNvPr>
+          <p:cNvSpPr txBox="1">
+            <a:spLocks/>
+          </p:cNvSpPr>
+          <p:nvPr/>
+        </p:nvSpPr>
+        <p:spPr>
+          <a:xfrm>
+            <a:off x="243797" y="264580"/>
+            <a:ext cx="10515600" cy="500400"/>
+          </a:xfrm>
+          <a:prstGeom prst="rect">
+            <a:avLst/>
+          </a:prstGeom>
+        </p:spPr>
+        <p:txBody>
+          <a:bodyPr vert="horz"/>
+          <a:lstStyle>
+            <a:lvl1pPr algn="l" defTabSz="914400" rtl="0" eaLnBrk="1" latinLnBrk="0" hangingPunct="1">
+              <a:lnSpc>
+                <a:spcPct val="90000"/>
+              </a:lnSpc>
+              <a:spcBef>
+                <a:spcPct val="0"/>
+              </a:spcBef>
+              <a:buNone/>
+              <a:defRPr sz="3600" b="1" kern="1200">
+                <a:solidFill>
+                  <a:srgbClr val="004181"/>
+                </a:solidFill>
+                <a:latin typeface="Microsoft YaHei" panose="020B0503020204020204" pitchFamily="34" charset="-122"/>
+                <a:ea typeface="Microsoft YaHei" panose="020B0503020204020204" pitchFamily="34" charset="-122"/>
+                <a:cs typeface="+mj-cs"/>
+              </a:defRPr>
+            </a:lvl1pPr>
+          </a:lstStyle>
+          <a:p>
+            <a:pPr marL="0" marR="0" lvl="0" indent="0" algn="l" defTabSz="914400" rtl="0" eaLnBrk="1" fontAlgn="auto" latinLnBrk="0" hangingPunct="1">
+              <a:lnSpc>
+                <a:spcPct val="90000"/>
+              </a:lnSpc>
+              <a:spcBef>
+                <a:spcPct val="0"/>
+              </a:spcBef>
+              <a:spcAft>
+                <a:spcPts val="0"/>
+              </a:spcAft>
+              <a:buClrTx/>
+              <a:buSzTx/>
+              <a:buFontTx/>
+              <a:buNone/>
+              <a:tabLst/>
+              <a:defRPr/>
+            </a:pPr>
+            <a:r>
+              <a:rPr kumimoji="0" lang="en-US" sz="2400" b="1" i="0" u="none" strike="noStrike" kern="1200" cap="none" spc="0" normalizeH="0" baseline="0" noProof="0" dirty="0" err="1">
+                <a:ln>
+                  <a:noFill/>
+                </a:ln>
+                <a:solidFill>
+                  <a:srgbClr val="004181"/>
+                </a:solidFill>
+                <a:effectLst/>
+                <a:uLnTx/>
+                <a:uFillTx/>
+                <a:latin typeface="Microsoft YaHei" panose="020B0503020204020204" pitchFamily="34" charset="-122"/>
+                <a:ea typeface="Microsoft YaHei" panose="020B0503020204020204" pitchFamily="34" charset="-122"/>
+                <a:cs typeface="+mj-cs"/>
+              </a:rPr>
+              <a:t>Interviewee_Name</a:t>
+            </a:r>
+            <a:r>
+              <a:rPr kumimoji="0" lang="en-US" sz="2400" b="1" i="0" u="none" strike="noStrike" kern="1200" cap="none" spc="0" normalizeH="0" baseline="0" noProof="0" dirty="0">
+                <a:ln>
+                  <a:noFill/>
+                </a:ln>
+                <a:solidFill>
+                  <a:srgbClr val="004181"/>
+                </a:solidFill>
+                <a:effectLst/>
+                <a:uLnTx/>
+                <a:uFillTx/>
+                <a:latin typeface="Microsoft YaHei" panose="020B0503020204020204" pitchFamily="34" charset="-122"/>
+                <a:ea typeface="Microsoft YaHei" panose="020B0503020204020204" pitchFamily="34" charset="-122"/>
+                <a:cs typeface="+mj-cs"/>
+              </a:rPr>
+              <a:t>: ADKAR Change journey</a:t>
+            </a:r>
+          </a:p>
+        </p:txBody>
+      </p:sp>
+      <p:sp>
+        <p:nvSpPr>
+          <p:cNvPr id="33" name="TextBox 32">
+            <a:extLst>
+              <a:ext uri="{FF2B5EF4-FFF2-40B4-BE49-F238E27FC236}">
+                <a16:creationId xmlns:a16="http://schemas.microsoft.com/office/drawing/2014/main" id="{29176374-483A-0B59-3901-51EC2AD71141}"/>
+              </a:ext>
+            </a:extLst>
+          </p:cNvPr>
+          <p:cNvSpPr txBox="1"/>
+          <p:nvPr/>
+        </p:nvSpPr>
+        <p:spPr>
+          <a:xfrm>
+            <a:off x="426722" y="1417318"/>
+            <a:ext cx="2017216" cy="271869"/>
+          </a:xfrm>
+          <a:prstGeom prst="rect">
+            <a:avLst/>
+          </a:prstGeom>
+          <a:noFill/>
+          <a:ln w="12700" cap="flat">
+            <a:noFill/>
+            <a:miter lim="400000"/>
+          </a:ln>
+          <a:effectLst/>
+          <a:sp3d/>
+        </p:spPr>
+        <p:style>
+          <a:lnRef idx="0">
+            <a:scrgbClr r="0" g="0" b="0"/>
+          </a:lnRef>
+          <a:fillRef idx="0">
+            <a:scrgbClr r="0" g="0" b="0"/>
+          </a:fillRef>
+          <a:effectRef idx="0">
+            <a:scrgbClr r="0" g="0" b="0"/>
+          </a:effectRef>
+          <a:fontRef idx="none"/>
+        </p:style>
+        <p:txBody>
+          <a:bodyPr rot="0" spcFirstLastPara="1" vertOverflow="overflow" horzOverflow="overflow" vert="horz" wrap="square" lIns="50800" tIns="50800" rIns="50800" bIns="50800" numCol="1" spcCol="38100" rtlCol="0" anchor="t" anchorCtr="0">
+            <a:spAutoFit/>
+          </a:bodyPr>
+          <a:lstStyle/>
+          <a:p>
+            <a:pPr marL="0" marR="0" indent="0" algn="l" defTabSz="825500" rtl="0" fontAlgn="auto" latinLnBrk="0" hangingPunct="0">
+              <a:lnSpc>
+                <a:spcPct val="100000"/>
+              </a:lnSpc>
+              <a:spcBef>
+                <a:spcPts val="0"/>
+              </a:spcBef>
+              <a:spcAft>
+                <a:spcPts val="0"/>
+              </a:spcAft>
+              <a:buClrTx/>
+              <a:buSzTx/>
+              <a:buFontTx/>
+              <a:buNone/>
+              <a:tabLst/>
+            </a:pPr>
+            <a:r>
+              <a:rPr kumimoji="0" lang="en-GB" sz="1100" b="0" i="0" u="none" strike="noStrike" cap="none" spc="0" normalizeH="0" baseline="0" dirty="0" err="1">
+                <a:ln>
+                  <a:noFill/>
+                </a:ln>
+                <a:solidFill>
+                  <a:srgbClr val="000000"/>
+                </a:solidFill>
+                <a:effectLst/>
+                <a:uFillTx/>
+                <a:latin typeface="Calibri" panose="020F0502020204030204" pitchFamily="34" charset="0"/>
+                <a:ea typeface="Helvetica Neue"/>
+                <a:cs typeface="Calibri" panose="020F0502020204030204" pitchFamily="34" charset="0"/>
+                <a:sym typeface="Helvetica Neue"/>
+              </a:rPr>
+              <a:t>Awareness_text</a:t>
+            </a:r>
+            <a:endParaRPr kumimoji="0" lang="en-GB" sz="1100" b="0" i="0" u="none" strike="noStrike" cap="none" spc="0" normalizeH="0" baseline="0" dirty="0">
+              <a:ln>
+                <a:noFill/>
+              </a:ln>
+              <a:solidFill>
+                <a:srgbClr val="000000"/>
+              </a:solidFill>
+              <a:effectLst/>
+              <a:uFillTx/>
+              <a:latin typeface="Calibri" panose="020F0502020204030204" pitchFamily="34" charset="0"/>
+              <a:ea typeface="Helvetica Neue"/>
+              <a:cs typeface="Calibri" panose="020F0502020204030204" pitchFamily="34" charset="0"/>
+              <a:sym typeface="Helvetica Neue"/>
+            </a:endParaRPr>
+          </a:p>
+        </p:txBody>
+      </p:sp>
+      <p:sp>
+        <p:nvSpPr>
+          <p:cNvPr id="34" name="TextBox 33">
+            <a:extLst>
+              <a:ext uri="{FF2B5EF4-FFF2-40B4-BE49-F238E27FC236}">
+                <a16:creationId xmlns:a16="http://schemas.microsoft.com/office/drawing/2014/main" id="{00E8CFD1-489D-F7B5-6699-6094FDAFD8C6}"/>
+              </a:ext>
+            </a:extLst>
+          </p:cNvPr>
+          <p:cNvSpPr txBox="1"/>
+          <p:nvPr/>
+        </p:nvSpPr>
+        <p:spPr>
+          <a:xfrm>
+            <a:off x="2757057" y="1417318"/>
+            <a:ext cx="2017216" cy="271869"/>
+          </a:xfrm>
+          <a:prstGeom prst="rect">
+            <a:avLst/>
+          </a:prstGeom>
+          <a:noFill/>
+          <a:ln w="12700" cap="flat">
+            <a:noFill/>
+            <a:miter lim="400000"/>
+          </a:ln>
+          <a:effectLst/>
+          <a:sp3d/>
+        </p:spPr>
+        <p:style>
+          <a:lnRef idx="0">
+            <a:scrgbClr r="0" g="0" b="0"/>
+          </a:lnRef>
+          <a:fillRef idx="0">
+            <a:scrgbClr r="0" g="0" b="0"/>
+          </a:fillRef>
+          <a:effectRef idx="0">
+            <a:scrgbClr r="0" g="0" b="0"/>
+          </a:effectRef>
+          <a:fontRef idx="none"/>
+        </p:style>
+        <p:txBody>
+          <a:bodyPr rot="0" spcFirstLastPara="1" vertOverflow="overflow" horzOverflow="overflow" vert="horz" wrap="square" lIns="50800" tIns="50800" rIns="50800" bIns="50800" numCol="1" spcCol="38100" rtlCol="0" anchor="t" anchorCtr="0">
+            <a:spAutoFit/>
+          </a:bodyPr>
+          <a:lstStyle/>
+          <a:p>
+            <a:pPr marL="0" marR="0" indent="0" algn="l" defTabSz="825500" rtl="0" fontAlgn="auto" latinLnBrk="0" hangingPunct="0">
+              <a:lnSpc>
+                <a:spcPct val="100000"/>
+              </a:lnSpc>
+              <a:spcBef>
+                <a:spcPts val="0"/>
+              </a:spcBef>
+              <a:spcAft>
+                <a:spcPts val="0"/>
+              </a:spcAft>
+              <a:buClrTx/>
+              <a:buSzTx/>
+              <a:buFontTx/>
+              <a:buNone/>
+              <a:tabLst/>
+            </a:pPr>
+            <a:r>
+              <a:rPr kumimoji="0" lang="en-GB" sz="1100" b="0" i="0" u="none" strike="noStrike" cap="none" spc="0" normalizeH="0" baseline="0" dirty="0" err="1">
+                <a:ln>
+                  <a:noFill/>
+                </a:ln>
+                <a:solidFill>
+                  <a:srgbClr val="000000"/>
+                </a:solidFill>
+                <a:effectLst/>
+                <a:uFillTx/>
+                <a:latin typeface="Calibri" panose="020F0502020204030204" pitchFamily="34" charset="0"/>
+                <a:ea typeface="Helvetica Neue"/>
+                <a:cs typeface="Calibri" panose="020F0502020204030204" pitchFamily="34" charset="0"/>
+                <a:sym typeface="Helvetica Neue"/>
+              </a:rPr>
+              <a:t>Desire_text</a:t>
+            </a:r>
+            <a:endParaRPr kumimoji="0" lang="en-GB" sz="1100" b="0" i="0" u="none" strike="noStrike" cap="none" spc="0" normalizeH="0" baseline="0" dirty="0">
+              <a:ln>
+                <a:noFill/>
+              </a:ln>
+              <a:solidFill>
+                <a:srgbClr val="000000"/>
+              </a:solidFill>
+              <a:effectLst/>
+              <a:uFillTx/>
+              <a:latin typeface="Calibri" panose="020F0502020204030204" pitchFamily="34" charset="0"/>
+              <a:ea typeface="Helvetica Neue"/>
+              <a:cs typeface="Calibri" panose="020F0502020204030204" pitchFamily="34" charset="0"/>
+              <a:sym typeface="Helvetica Neue"/>
+            </a:endParaRPr>
+          </a:p>
+        </p:txBody>
+      </p:sp>
+      <p:sp>
+        <p:nvSpPr>
+          <p:cNvPr id="35" name="TextBox 34">
+            <a:extLst>
+              <a:ext uri="{FF2B5EF4-FFF2-40B4-BE49-F238E27FC236}">
+                <a16:creationId xmlns:a16="http://schemas.microsoft.com/office/drawing/2014/main" id="{06287C63-7DC1-38C3-B51F-EB69D2B3F66B}"/>
+              </a:ext>
+            </a:extLst>
+          </p:cNvPr>
+          <p:cNvSpPr txBox="1"/>
+          <p:nvPr/>
+        </p:nvSpPr>
+        <p:spPr>
+          <a:xfrm>
+            <a:off x="5087392" y="1417318"/>
+            <a:ext cx="2017216" cy="271869"/>
+          </a:xfrm>
+          <a:prstGeom prst="rect">
+            <a:avLst/>
+          </a:prstGeom>
+          <a:noFill/>
+          <a:ln w="12700" cap="flat">
+            <a:noFill/>
+            <a:miter lim="400000"/>
+          </a:ln>
+          <a:effectLst/>
+          <a:sp3d/>
+        </p:spPr>
+        <p:style>
+          <a:lnRef idx="0">
+            <a:scrgbClr r="0" g="0" b="0"/>
+          </a:lnRef>
+          <a:fillRef idx="0">
+            <a:scrgbClr r="0" g="0" b="0"/>
+          </a:fillRef>
+          <a:effectRef idx="0">
+            <a:scrgbClr r="0" g="0" b="0"/>
+          </a:effectRef>
+          <a:fontRef idx="none"/>
+        </p:style>
+        <p:txBody>
+          <a:bodyPr rot="0" spcFirstLastPara="1" vertOverflow="overflow" horzOverflow="overflow" vert="horz" wrap="square" lIns="50800" tIns="50800" rIns="50800" bIns="50800" numCol="1" spcCol="38100" rtlCol="0" anchor="t" anchorCtr="0">
+            <a:spAutoFit/>
+          </a:bodyPr>
+          <a:lstStyle/>
+          <a:p>
+            <a:pPr marL="0" marR="0" indent="0" algn="l" defTabSz="825500" rtl="0" fontAlgn="auto" latinLnBrk="0" hangingPunct="0">
+              <a:lnSpc>
+                <a:spcPct val="100000"/>
+              </a:lnSpc>
+              <a:spcBef>
+                <a:spcPts val="0"/>
+              </a:spcBef>
+              <a:spcAft>
+                <a:spcPts val="0"/>
+              </a:spcAft>
+              <a:buClrTx/>
+              <a:buSzTx/>
+              <a:buFontTx/>
+              <a:buNone/>
+              <a:tabLst/>
+            </a:pPr>
+            <a:r>
+              <a:rPr kumimoji="0" lang="en-GB" sz="1100" b="0" i="0" u="none" strike="noStrike" cap="none" spc="0" normalizeH="0" baseline="0" dirty="0" err="1">
+                <a:ln>
+                  <a:noFill/>
+                </a:ln>
+                <a:solidFill>
+                  <a:srgbClr val="000000"/>
+                </a:solidFill>
+                <a:effectLst/>
+                <a:uFillTx/>
+                <a:latin typeface="Calibri" panose="020F0502020204030204" pitchFamily="34" charset="0"/>
+                <a:ea typeface="Helvetica Neue"/>
+                <a:cs typeface="Calibri" panose="020F0502020204030204" pitchFamily="34" charset="0"/>
+                <a:sym typeface="Helvetica Neue"/>
+              </a:rPr>
+              <a:t>Knowledge_text</a:t>
+            </a:r>
+            <a:endParaRPr kumimoji="0" lang="en-GB" sz="1100" b="0" i="0" u="none" strike="noStrike" cap="none" spc="0" normalizeH="0" baseline="0" dirty="0">
+              <a:ln>
+                <a:noFill/>
+              </a:ln>
+              <a:solidFill>
+                <a:srgbClr val="000000"/>
+              </a:solidFill>
+              <a:effectLst/>
+              <a:uFillTx/>
+              <a:latin typeface="Calibri" panose="020F0502020204030204" pitchFamily="34" charset="0"/>
+              <a:ea typeface="Helvetica Neue"/>
+              <a:cs typeface="Calibri" panose="020F0502020204030204" pitchFamily="34" charset="0"/>
+              <a:sym typeface="Helvetica Neue"/>
+            </a:endParaRPr>
+          </a:p>
+        </p:txBody>
+      </p:sp>
+      <p:sp>
+        <p:nvSpPr>
+          <p:cNvPr id="36" name="TextBox 35">
+            <a:extLst>
+              <a:ext uri="{FF2B5EF4-FFF2-40B4-BE49-F238E27FC236}">
+                <a16:creationId xmlns:a16="http://schemas.microsoft.com/office/drawing/2014/main" id="{CC6B74A0-0476-AFA0-9E7D-E409155E9157}"/>
+              </a:ext>
+            </a:extLst>
+          </p:cNvPr>
+          <p:cNvSpPr txBox="1"/>
+          <p:nvPr/>
+        </p:nvSpPr>
+        <p:spPr>
+          <a:xfrm>
+            <a:off x="7417727" y="1417318"/>
+            <a:ext cx="2017216" cy="271869"/>
+          </a:xfrm>
+          <a:prstGeom prst="rect">
+            <a:avLst/>
+          </a:prstGeom>
+          <a:noFill/>
+          <a:ln w="12700" cap="flat">
+            <a:noFill/>
+            <a:miter lim="400000"/>
+          </a:ln>
+          <a:effectLst/>
+          <a:sp3d/>
+        </p:spPr>
+        <p:style>
+          <a:lnRef idx="0">
+            <a:scrgbClr r="0" g="0" b="0"/>
+          </a:lnRef>
+          <a:fillRef idx="0">
+            <a:scrgbClr r="0" g="0" b="0"/>
+          </a:fillRef>
+          <a:effectRef idx="0">
+            <a:scrgbClr r="0" g="0" b="0"/>
+          </a:effectRef>
+          <a:fontRef idx="none"/>
+        </p:style>
+        <p:txBody>
+          <a:bodyPr rot="0" spcFirstLastPara="1" vertOverflow="overflow" horzOverflow="overflow" vert="horz" wrap="square" lIns="50800" tIns="50800" rIns="50800" bIns="50800" numCol="1" spcCol="38100" rtlCol="0" anchor="t" anchorCtr="0">
+            <a:spAutoFit/>
+          </a:bodyPr>
+          <a:lstStyle/>
+          <a:p>
+            <a:pPr marL="0" marR="0" indent="0" algn="l" defTabSz="825500" rtl="0" fontAlgn="auto" latinLnBrk="0" hangingPunct="0">
+              <a:lnSpc>
+                <a:spcPct val="100000"/>
+              </a:lnSpc>
+              <a:spcBef>
+                <a:spcPts val="0"/>
+              </a:spcBef>
+              <a:spcAft>
+                <a:spcPts val="0"/>
+              </a:spcAft>
+              <a:buClrTx/>
+              <a:buSzTx/>
+              <a:buFontTx/>
+              <a:buNone/>
+              <a:tabLst/>
+            </a:pPr>
+            <a:r>
+              <a:rPr kumimoji="0" lang="en-GB" sz="1100" b="0" i="0" u="none" strike="noStrike" cap="none" spc="0" normalizeH="0" baseline="0" dirty="0" err="1">
+                <a:ln>
+                  <a:noFill/>
+                </a:ln>
+                <a:solidFill>
+                  <a:srgbClr val="000000"/>
+                </a:solidFill>
+                <a:effectLst/>
+                <a:uFillTx/>
+                <a:latin typeface="Calibri" panose="020F0502020204030204" pitchFamily="34" charset="0"/>
+                <a:ea typeface="Helvetica Neue"/>
+                <a:cs typeface="Calibri" panose="020F0502020204030204" pitchFamily="34" charset="0"/>
+                <a:sym typeface="Helvetica Neue"/>
+              </a:rPr>
+              <a:t>Ability_text</a:t>
+            </a:r>
+            <a:endParaRPr kumimoji="0" lang="en-GB" sz="1100" b="0" i="0" u="none" strike="noStrike" cap="none" spc="0" normalizeH="0" baseline="0" dirty="0">
+              <a:ln>
+                <a:noFill/>
+              </a:ln>
+              <a:solidFill>
+                <a:srgbClr val="000000"/>
+              </a:solidFill>
+              <a:effectLst/>
+              <a:uFillTx/>
+              <a:latin typeface="Calibri" panose="020F0502020204030204" pitchFamily="34" charset="0"/>
+              <a:ea typeface="Helvetica Neue"/>
+              <a:cs typeface="Calibri" panose="020F0502020204030204" pitchFamily="34" charset="0"/>
+              <a:sym typeface="Helvetica Neue"/>
+            </a:endParaRPr>
+          </a:p>
+        </p:txBody>
+      </p:sp>
+      <p:sp>
+        <p:nvSpPr>
+          <p:cNvPr id="37" name="TextBox 36">
+            <a:extLst>
+              <a:ext uri="{FF2B5EF4-FFF2-40B4-BE49-F238E27FC236}">
+                <a16:creationId xmlns:a16="http://schemas.microsoft.com/office/drawing/2014/main" id="{69AD16CC-A7F1-6BD8-32DB-3028E27547AB}"/>
+              </a:ext>
+            </a:extLst>
+          </p:cNvPr>
+          <p:cNvSpPr txBox="1"/>
+          <p:nvPr/>
+        </p:nvSpPr>
+        <p:spPr>
+          <a:xfrm>
+            <a:off x="9748062" y="1417318"/>
+            <a:ext cx="2017216" cy="271869"/>
+          </a:xfrm>
+          <a:prstGeom prst="rect">
+            <a:avLst/>
+          </a:prstGeom>
+          <a:noFill/>
+          <a:ln w="12700" cap="flat">
+            <a:noFill/>
+            <a:miter lim="400000"/>
+          </a:ln>
+          <a:effectLst/>
+          <a:sp3d/>
+        </p:spPr>
+        <p:style>
+          <a:lnRef idx="0">
+            <a:scrgbClr r="0" g="0" b="0"/>
+          </a:lnRef>
+          <a:fillRef idx="0">
+            <a:scrgbClr r="0" g="0" b="0"/>
+          </a:fillRef>
+          <a:effectRef idx="0">
+            <a:scrgbClr r="0" g="0" b="0"/>
+          </a:effectRef>
+          <a:fontRef idx="none"/>
+        </p:style>
+        <p:txBody>
+          <a:bodyPr rot="0" spcFirstLastPara="1" vertOverflow="overflow" horzOverflow="overflow" vert="horz" wrap="square" lIns="50800" tIns="50800" rIns="50800" bIns="50800" numCol="1" spcCol="38100" rtlCol="0" anchor="t" anchorCtr="0">
+            <a:spAutoFit/>
+          </a:bodyPr>
+          <a:lstStyle/>
+          <a:p>
+            <a:pPr marL="0" marR="0" indent="0" algn="l" defTabSz="825500" rtl="0" fontAlgn="auto" latinLnBrk="0" hangingPunct="0">
+              <a:lnSpc>
+                <a:spcPct val="100000"/>
+              </a:lnSpc>
+              <a:spcBef>
+                <a:spcPts val="0"/>
+              </a:spcBef>
+              <a:spcAft>
+                <a:spcPts val="0"/>
+              </a:spcAft>
+              <a:buClrTx/>
+              <a:buSzTx/>
+              <a:buFontTx/>
+              <a:buNone/>
+              <a:tabLst/>
+            </a:pPr>
+            <a:r>
+              <a:rPr kumimoji="0" lang="en-GB" sz="1100" b="0" i="0" u="none" strike="noStrike" cap="none" spc="0" normalizeH="0" baseline="0" dirty="0" err="1">
+                <a:ln>
+                  <a:noFill/>
+                </a:ln>
+                <a:solidFill>
+                  <a:srgbClr val="000000"/>
+                </a:solidFill>
+                <a:effectLst/>
+                <a:uFillTx/>
+                <a:latin typeface="Calibri" panose="020F0502020204030204" pitchFamily="34" charset="0"/>
+                <a:ea typeface="Helvetica Neue"/>
+                <a:cs typeface="Calibri" panose="020F0502020204030204" pitchFamily="34" charset="0"/>
+                <a:sym typeface="Helvetica Neue"/>
+              </a:rPr>
+              <a:t>Reinforcement_text</a:t>
+            </a:r>
+            <a:endParaRPr kumimoji="0" lang="en-GB" sz="1100" b="0" i="0" u="none" strike="noStrike" cap="none" spc="0" normalizeH="0" baseline="0" dirty="0">
+              <a:ln>
+                <a:noFill/>
+              </a:ln>
+              <a:solidFill>
+                <a:srgbClr val="000000"/>
+              </a:solidFill>
+              <a:effectLst/>
+              <a:uFillTx/>
+              <a:latin typeface="Calibri" panose="020F0502020204030204" pitchFamily="34" charset="0"/>
+              <a:ea typeface="Helvetica Neue"/>
+              <a:cs typeface="Calibri" panose="020F0502020204030204" pitchFamily="34" charset="0"/>
+              <a:sym typeface="Helvetica Neue"/>
+            </a:endParaRPr>
+          </a:p>
+        </p:txBody>
+      </p:sp>
+    </p:spTree>
+    <p:extLst>
+      <p:ext uri="{BB962C8B-B14F-4D97-AF65-F5344CB8AC3E}">
+        <p14:creationId xmlns:p14="http://schemas.microsoft.com/office/powerpoint/2010/main" val="1131727307"/>
+      </p:ext>
+    </p:extLst>
+  </p:cSld>
+  <p:clrMapOvr>
+    <a:masterClrMapping/>
+  </p:clrMapOvr>
+  <p:transition spd="med"/>
+</p:sld>
+</file>
+
+<file path=ppt/slides/slide7.xml><?xml version="1.0" encoding="utf-8"?>
+<p:sld xmlns:a="http://schemas.openxmlformats.org/drawingml/2006/main" xmlns:r="http://schemas.openxmlformats.org/officeDocument/2006/relationships" xmlns:p="http://schemas.openxmlformats.org/presentationml/2006/main">
+  <p:cSld>
+    <p:spTree>
+      <p:nvGrpSpPr>
+        <p:cNvPr id="1" name="">
+          <a:extLst>
+            <a:ext uri="{FF2B5EF4-FFF2-40B4-BE49-F238E27FC236}">
+              <a16:creationId xmlns:a16="http://schemas.microsoft.com/office/drawing/2014/main" id="{31DBFCFE-C8D0-9E35-DB7D-7E5CB86E36C1}"/>
+            </a:ext>
+          </a:extLst>
+        </p:cNvPr>
+        <p:cNvGrpSpPr/>
+        <p:nvPr/>
+      </p:nvGrpSpPr>
+      <p:grpSpPr>
+        <a:xfrm>
+          <a:off x="0" y="0"/>
+          <a:ext cx="0" cy="0"/>
+          <a:chOff x="0" y="0"/>
+          <a:chExt cx="0" cy="0"/>
+        </a:xfrm>
+      </p:grpSpPr>
+      <p:sp>
+        <p:nvSpPr>
+          <p:cNvPr id="3" name="Title 1">
+            <a:extLst>
+              <a:ext uri="{FF2B5EF4-FFF2-40B4-BE49-F238E27FC236}">
+                <a16:creationId xmlns:a16="http://schemas.microsoft.com/office/drawing/2014/main" id="{FF4A00D8-BDF7-6EEE-DA99-32CCF2B4393B}"/>
+              </a:ext>
+            </a:extLst>
+          </p:cNvPr>
+          <p:cNvSpPr txBox="1">
+            <a:spLocks/>
+          </p:cNvSpPr>
+          <p:nvPr/>
+        </p:nvSpPr>
+        <p:spPr>
+          <a:xfrm>
+            <a:off x="243797" y="264580"/>
+            <a:ext cx="10515600" cy="500400"/>
+          </a:xfrm>
+          <a:prstGeom prst="rect">
+            <a:avLst/>
+          </a:prstGeom>
+        </p:spPr>
+        <p:txBody>
+          <a:bodyPr vert="horz"/>
+          <a:lstStyle>
+            <a:lvl1pPr algn="l" defTabSz="914400" rtl="0" eaLnBrk="1" latinLnBrk="0" hangingPunct="1">
+              <a:lnSpc>
+                <a:spcPct val="90000"/>
+              </a:lnSpc>
+              <a:spcBef>
+                <a:spcPct val="0"/>
+              </a:spcBef>
+              <a:buNone/>
+              <a:defRPr sz="3600" b="1" kern="1200">
+                <a:solidFill>
+                  <a:srgbClr val="004181"/>
+                </a:solidFill>
+                <a:latin typeface="Microsoft YaHei" panose="020B0503020204020204" pitchFamily="34" charset="-122"/>
+                <a:ea typeface="Microsoft YaHei" panose="020B0503020204020204" pitchFamily="34" charset="-122"/>
+                <a:cs typeface="+mj-cs"/>
+              </a:defRPr>
+            </a:lvl1pPr>
+          </a:lstStyle>
+          <a:p>
+            <a:pPr marL="0" marR="0" lvl="0" indent="0" algn="l" defTabSz="914400" rtl="0" eaLnBrk="1" fontAlgn="auto" latinLnBrk="0" hangingPunct="1">
+              <a:lnSpc>
+                <a:spcPct val="90000"/>
+              </a:lnSpc>
+              <a:spcBef>
+                <a:spcPct val="0"/>
+              </a:spcBef>
+              <a:spcAft>
+                <a:spcPts val="0"/>
+              </a:spcAft>
+              <a:buClrTx/>
+              <a:buSzTx/>
+              <a:buFontTx/>
+              <a:buNone/>
+              <a:tabLst/>
+              <a:defRPr/>
+            </a:pPr>
+            <a:r>
+              <a:rPr kumimoji="0" lang="en-US" sz="2400" b="1" i="0" u="none" strike="noStrike" kern="1200" cap="none" spc="0" normalizeH="0" baseline="0" noProof="0" dirty="0" err="1">
+                <a:ln>
+                  <a:noFill/>
+                </a:ln>
+                <a:solidFill>
+                  <a:srgbClr val="004181"/>
+                </a:solidFill>
+                <a:effectLst/>
+                <a:uLnTx/>
+                <a:uFillTx/>
+                <a:latin typeface="Microsoft YaHei" panose="020B0503020204020204" pitchFamily="34" charset="-122"/>
+                <a:ea typeface="Microsoft YaHei" panose="020B0503020204020204" pitchFamily="34" charset="-122"/>
+                <a:cs typeface="+mj-cs"/>
+              </a:rPr>
+              <a:t>Interviewee_Name</a:t>
+            </a:r>
+            <a:r>
+              <a:rPr kumimoji="0" lang="en-US" sz="2400" b="1" i="0" u="none" strike="noStrike" kern="1200" cap="none" spc="0" normalizeH="0" baseline="0" noProof="0" dirty="0">
+                <a:ln>
+                  <a:noFill/>
+                </a:ln>
+                <a:solidFill>
+                  <a:srgbClr val="004181"/>
+                </a:solidFill>
+                <a:effectLst/>
+                <a:uLnTx/>
+                <a:uFillTx/>
+                <a:latin typeface="Microsoft YaHei" panose="020B0503020204020204" pitchFamily="34" charset="-122"/>
+                <a:ea typeface="Microsoft YaHei" panose="020B0503020204020204" pitchFamily="34" charset="-122"/>
+                <a:cs typeface="+mj-cs"/>
+              </a:rPr>
+              <a:t>: ADKAR Change journey</a:t>
+            </a:r>
+          </a:p>
+        </p:txBody>
+      </p:sp>
+      <p:sp>
+        <p:nvSpPr>
+          <p:cNvPr id="33" name="TextBox 32">
+            <a:extLst>
+              <a:ext uri="{FF2B5EF4-FFF2-40B4-BE49-F238E27FC236}">
+                <a16:creationId xmlns:a16="http://schemas.microsoft.com/office/drawing/2014/main" id="{AD2DE10C-14F3-33E2-0740-9E215A872174}"/>
+              </a:ext>
+            </a:extLst>
+          </p:cNvPr>
+          <p:cNvSpPr txBox="1"/>
+          <p:nvPr/>
+        </p:nvSpPr>
+        <p:spPr>
+          <a:xfrm>
+            <a:off x="426722" y="1417318"/>
+            <a:ext cx="2017216" cy="271869"/>
+          </a:xfrm>
+          <a:prstGeom prst="rect">
+            <a:avLst/>
+          </a:prstGeom>
+          <a:noFill/>
+          <a:ln w="12700" cap="flat">
+            <a:noFill/>
+            <a:miter lim="400000"/>
+          </a:ln>
+          <a:effectLst/>
+          <a:sp3d/>
+        </p:spPr>
+        <p:style>
+          <a:lnRef idx="0">
+            <a:scrgbClr r="0" g="0" b="0"/>
+          </a:lnRef>
+          <a:fillRef idx="0">
+            <a:scrgbClr r="0" g="0" b="0"/>
+          </a:fillRef>
+          <a:effectRef idx="0">
+            <a:scrgbClr r="0" g="0" b="0"/>
+          </a:effectRef>
+          <a:fontRef idx="none"/>
+        </p:style>
+        <p:txBody>
+          <a:bodyPr rot="0" spcFirstLastPara="1" vertOverflow="overflow" horzOverflow="overflow" vert="horz" wrap="square" lIns="50800" tIns="50800" rIns="50800" bIns="50800" numCol="1" spcCol="38100" rtlCol="0" anchor="t" anchorCtr="0">
+            <a:spAutoFit/>
+          </a:bodyPr>
+          <a:lstStyle/>
+          <a:p>
+            <a:pPr marL="0" marR="0" indent="0" algn="l" defTabSz="825500" rtl="0" fontAlgn="auto" latinLnBrk="0" hangingPunct="0">
+              <a:lnSpc>
+                <a:spcPct val="100000"/>
+              </a:lnSpc>
+              <a:spcBef>
+                <a:spcPts val="0"/>
+              </a:spcBef>
+              <a:spcAft>
+                <a:spcPts val="0"/>
+              </a:spcAft>
+              <a:buClrTx/>
+              <a:buSzTx/>
+              <a:buFontTx/>
+              <a:buNone/>
+              <a:tabLst/>
+            </a:pPr>
+            <a:r>
+              <a:rPr kumimoji="0" lang="en-GB" sz="1100" b="0" i="0" u="none" strike="noStrike" cap="none" spc="0" normalizeH="0" baseline="0" dirty="0" err="1">
+                <a:ln>
+                  <a:noFill/>
+                </a:ln>
+                <a:solidFill>
+                  <a:srgbClr val="000000"/>
+                </a:solidFill>
+                <a:effectLst/>
+                <a:uFillTx/>
+                <a:latin typeface="Calibri" panose="020F0502020204030204" pitchFamily="34" charset="0"/>
+                <a:ea typeface="Helvetica Neue"/>
+                <a:cs typeface="Calibri" panose="020F0502020204030204" pitchFamily="34" charset="0"/>
+                <a:sym typeface="Helvetica Neue"/>
+              </a:rPr>
+              <a:t>Awareness_text</a:t>
+            </a:r>
+            <a:endParaRPr kumimoji="0" lang="en-GB" sz="1100" b="0" i="0" u="none" strike="noStrike" cap="none" spc="0" normalizeH="0" baseline="0" dirty="0">
+              <a:ln>
+                <a:noFill/>
+              </a:ln>
+              <a:solidFill>
+                <a:srgbClr val="000000"/>
+              </a:solidFill>
+              <a:effectLst/>
+              <a:uFillTx/>
+              <a:latin typeface="Calibri" panose="020F0502020204030204" pitchFamily="34" charset="0"/>
+              <a:ea typeface="Helvetica Neue"/>
+              <a:cs typeface="Calibri" panose="020F0502020204030204" pitchFamily="34" charset="0"/>
+              <a:sym typeface="Helvetica Neue"/>
+            </a:endParaRPr>
+          </a:p>
+        </p:txBody>
+      </p:sp>
+      <p:sp>
+        <p:nvSpPr>
+          <p:cNvPr id="34" name="TextBox 33">
+            <a:extLst>
+              <a:ext uri="{FF2B5EF4-FFF2-40B4-BE49-F238E27FC236}">
+                <a16:creationId xmlns:a16="http://schemas.microsoft.com/office/drawing/2014/main" id="{76F24EEA-4BF0-44E1-0202-0B245F6AEE18}"/>
+              </a:ext>
+            </a:extLst>
+          </p:cNvPr>
+          <p:cNvSpPr txBox="1"/>
+          <p:nvPr/>
+        </p:nvSpPr>
+        <p:spPr>
+          <a:xfrm>
+            <a:off x="2757057" y="1417318"/>
+            <a:ext cx="2017216" cy="271869"/>
+          </a:xfrm>
+          <a:prstGeom prst="rect">
+            <a:avLst/>
+          </a:prstGeom>
+          <a:noFill/>
+          <a:ln w="12700" cap="flat">
+            <a:noFill/>
+            <a:miter lim="400000"/>
+          </a:ln>
+          <a:effectLst/>
+          <a:sp3d/>
+        </p:spPr>
+        <p:style>
+          <a:lnRef idx="0">
+            <a:scrgbClr r="0" g="0" b="0"/>
+          </a:lnRef>
+          <a:fillRef idx="0">
+            <a:scrgbClr r="0" g="0" b="0"/>
+          </a:fillRef>
+          <a:effectRef idx="0">
+            <a:scrgbClr r="0" g="0" b="0"/>
+          </a:effectRef>
+          <a:fontRef idx="none"/>
+        </p:style>
+        <p:txBody>
+          <a:bodyPr rot="0" spcFirstLastPara="1" vertOverflow="overflow" horzOverflow="overflow" vert="horz" wrap="square" lIns="50800" tIns="50800" rIns="50800" bIns="50800" numCol="1" spcCol="38100" rtlCol="0" anchor="t" anchorCtr="0">
+            <a:spAutoFit/>
+          </a:bodyPr>
+          <a:lstStyle/>
+          <a:p>
+            <a:pPr marL="0" marR="0" indent="0" algn="l" defTabSz="825500" rtl="0" fontAlgn="auto" latinLnBrk="0" hangingPunct="0">
+              <a:lnSpc>
+                <a:spcPct val="100000"/>
+              </a:lnSpc>
+              <a:spcBef>
+                <a:spcPts val="0"/>
+              </a:spcBef>
+              <a:spcAft>
+                <a:spcPts val="0"/>
+              </a:spcAft>
+              <a:buClrTx/>
+              <a:buSzTx/>
+              <a:buFontTx/>
+              <a:buNone/>
+              <a:tabLst/>
+            </a:pPr>
+            <a:r>
+              <a:rPr kumimoji="0" lang="en-GB" sz="1100" b="0" i="0" u="none" strike="noStrike" cap="none" spc="0" normalizeH="0" baseline="0" dirty="0" err="1">
+                <a:ln>
+                  <a:noFill/>
+                </a:ln>
+                <a:solidFill>
+                  <a:srgbClr val="000000"/>
+                </a:solidFill>
+                <a:effectLst/>
+                <a:uFillTx/>
+                <a:latin typeface="Calibri" panose="020F0502020204030204" pitchFamily="34" charset="0"/>
+                <a:ea typeface="Helvetica Neue"/>
+                <a:cs typeface="Calibri" panose="020F0502020204030204" pitchFamily="34" charset="0"/>
+                <a:sym typeface="Helvetica Neue"/>
+              </a:rPr>
+              <a:t>Desire_text</a:t>
+            </a:r>
+            <a:endParaRPr kumimoji="0" lang="en-GB" sz="1100" b="0" i="0" u="none" strike="noStrike" cap="none" spc="0" normalizeH="0" baseline="0" dirty="0">
+              <a:ln>
+                <a:noFill/>
+              </a:ln>
+              <a:solidFill>
+                <a:srgbClr val="000000"/>
+              </a:solidFill>
+              <a:effectLst/>
+              <a:uFillTx/>
+              <a:latin typeface="Calibri" panose="020F0502020204030204" pitchFamily="34" charset="0"/>
+              <a:ea typeface="Helvetica Neue"/>
+              <a:cs typeface="Calibri" panose="020F0502020204030204" pitchFamily="34" charset="0"/>
+              <a:sym typeface="Helvetica Neue"/>
+            </a:endParaRPr>
+          </a:p>
+        </p:txBody>
+      </p:sp>
+      <p:sp>
+        <p:nvSpPr>
+          <p:cNvPr id="35" name="TextBox 34">
+            <a:extLst>
+              <a:ext uri="{FF2B5EF4-FFF2-40B4-BE49-F238E27FC236}">
+                <a16:creationId xmlns:a16="http://schemas.microsoft.com/office/drawing/2014/main" id="{7831256B-EE60-19BC-B0A4-722F12186828}"/>
+              </a:ext>
+            </a:extLst>
+          </p:cNvPr>
+          <p:cNvSpPr txBox="1"/>
+          <p:nvPr/>
+        </p:nvSpPr>
+        <p:spPr>
+          <a:xfrm>
+            <a:off x="5087392" y="1417318"/>
+            <a:ext cx="2017216" cy="271869"/>
+          </a:xfrm>
+          <a:prstGeom prst="rect">
+            <a:avLst/>
+          </a:prstGeom>
+          <a:noFill/>
+          <a:ln w="12700" cap="flat">
+            <a:noFill/>
+            <a:miter lim="400000"/>
+          </a:ln>
+          <a:effectLst/>
+          <a:sp3d/>
+        </p:spPr>
+        <p:style>
+          <a:lnRef idx="0">
+            <a:scrgbClr r="0" g="0" b="0"/>
+          </a:lnRef>
+          <a:fillRef idx="0">
+            <a:scrgbClr r="0" g="0" b="0"/>
+          </a:fillRef>
+          <a:effectRef idx="0">
+            <a:scrgbClr r="0" g="0" b="0"/>
+          </a:effectRef>
+          <a:fontRef idx="none"/>
+        </p:style>
+        <p:txBody>
+          <a:bodyPr rot="0" spcFirstLastPara="1" vertOverflow="overflow" horzOverflow="overflow" vert="horz" wrap="square" lIns="50800" tIns="50800" rIns="50800" bIns="50800" numCol="1" spcCol="38100" rtlCol="0" anchor="t" anchorCtr="0">
+            <a:spAutoFit/>
+          </a:bodyPr>
+          <a:lstStyle/>
+          <a:p>
+            <a:pPr marL="0" marR="0" indent="0" algn="l" defTabSz="825500" rtl="0" fontAlgn="auto" latinLnBrk="0" hangingPunct="0">
+              <a:lnSpc>
+                <a:spcPct val="100000"/>
+              </a:lnSpc>
+              <a:spcBef>
+                <a:spcPts val="0"/>
+              </a:spcBef>
+              <a:spcAft>
+                <a:spcPts val="0"/>
+              </a:spcAft>
+              <a:buClrTx/>
+              <a:buSzTx/>
+              <a:buFontTx/>
+              <a:buNone/>
+              <a:tabLst/>
+            </a:pPr>
+            <a:r>
+              <a:rPr kumimoji="0" lang="en-GB" sz="1100" b="0" i="0" u="none" strike="noStrike" cap="none" spc="0" normalizeH="0" baseline="0" dirty="0" err="1">
+                <a:ln>
+                  <a:noFill/>
+                </a:ln>
+                <a:solidFill>
+                  <a:srgbClr val="000000"/>
+                </a:solidFill>
+                <a:effectLst/>
+                <a:uFillTx/>
+                <a:latin typeface="Calibri" panose="020F0502020204030204" pitchFamily="34" charset="0"/>
+                <a:ea typeface="Helvetica Neue"/>
+                <a:cs typeface="Calibri" panose="020F0502020204030204" pitchFamily="34" charset="0"/>
+                <a:sym typeface="Helvetica Neue"/>
+              </a:rPr>
+              <a:t>Knowledge_text</a:t>
+            </a:r>
+            <a:endParaRPr kumimoji="0" lang="en-GB" sz="1100" b="0" i="0" u="none" strike="noStrike" cap="none" spc="0" normalizeH="0" baseline="0" dirty="0">
+              <a:ln>
+                <a:noFill/>
+              </a:ln>
+              <a:solidFill>
+                <a:srgbClr val="000000"/>
+              </a:solidFill>
+              <a:effectLst/>
+              <a:uFillTx/>
+              <a:latin typeface="Calibri" panose="020F0502020204030204" pitchFamily="34" charset="0"/>
+              <a:ea typeface="Helvetica Neue"/>
+              <a:cs typeface="Calibri" panose="020F0502020204030204" pitchFamily="34" charset="0"/>
+              <a:sym typeface="Helvetica Neue"/>
+            </a:endParaRPr>
+          </a:p>
+        </p:txBody>
+      </p:sp>
+      <p:sp>
+        <p:nvSpPr>
+          <p:cNvPr id="36" name="TextBox 35">
+            <a:extLst>
+              <a:ext uri="{FF2B5EF4-FFF2-40B4-BE49-F238E27FC236}">
+                <a16:creationId xmlns:a16="http://schemas.microsoft.com/office/drawing/2014/main" id="{5AA19CCC-3525-C61C-C481-DB071BF950A3}"/>
+              </a:ext>
+            </a:extLst>
+          </p:cNvPr>
+          <p:cNvSpPr txBox="1"/>
+          <p:nvPr/>
+        </p:nvSpPr>
+        <p:spPr>
+          <a:xfrm>
+            <a:off x="7417727" y="1417318"/>
+            <a:ext cx="2017216" cy="271869"/>
+          </a:xfrm>
+          <a:prstGeom prst="rect">
+            <a:avLst/>
+          </a:prstGeom>
+          <a:noFill/>
+          <a:ln w="12700" cap="flat">
+            <a:noFill/>
+            <a:miter lim="400000"/>
+          </a:ln>
+          <a:effectLst/>
+          <a:sp3d/>
+        </p:spPr>
+        <p:style>
+          <a:lnRef idx="0">
+            <a:scrgbClr r="0" g="0" b="0"/>
+          </a:lnRef>
+          <a:fillRef idx="0">
+            <a:scrgbClr r="0" g="0" b="0"/>
+          </a:fillRef>
+          <a:effectRef idx="0">
+            <a:scrgbClr r="0" g="0" b="0"/>
+          </a:effectRef>
+          <a:fontRef idx="none"/>
+        </p:style>
+        <p:txBody>
+          <a:bodyPr rot="0" spcFirstLastPara="1" vertOverflow="overflow" horzOverflow="overflow" vert="horz" wrap="square" lIns="50800" tIns="50800" rIns="50800" bIns="50800" numCol="1" spcCol="38100" rtlCol="0" anchor="t" anchorCtr="0">
+            <a:spAutoFit/>
+          </a:bodyPr>
+          <a:lstStyle/>
+          <a:p>
+            <a:pPr marL="0" marR="0" indent="0" algn="l" defTabSz="825500" rtl="0" fontAlgn="auto" latinLnBrk="0" hangingPunct="0">
+              <a:lnSpc>
+                <a:spcPct val="100000"/>
+              </a:lnSpc>
+              <a:spcBef>
+                <a:spcPts val="0"/>
+              </a:spcBef>
+              <a:spcAft>
+                <a:spcPts val="0"/>
+              </a:spcAft>
+              <a:buClrTx/>
+              <a:buSzTx/>
+              <a:buFontTx/>
+              <a:buNone/>
+              <a:tabLst/>
+            </a:pPr>
+            <a:r>
+              <a:rPr kumimoji="0" lang="en-GB" sz="1100" b="0" i="0" u="none" strike="noStrike" cap="none" spc="0" normalizeH="0" baseline="0" dirty="0" err="1">
+                <a:ln>
+                  <a:noFill/>
+                </a:ln>
+                <a:solidFill>
+                  <a:srgbClr val="000000"/>
+                </a:solidFill>
+                <a:effectLst/>
+                <a:uFillTx/>
+                <a:latin typeface="Calibri" panose="020F0502020204030204" pitchFamily="34" charset="0"/>
+                <a:ea typeface="Helvetica Neue"/>
+                <a:cs typeface="Calibri" panose="020F0502020204030204" pitchFamily="34" charset="0"/>
+                <a:sym typeface="Helvetica Neue"/>
+              </a:rPr>
+              <a:t>Ability_text</a:t>
+            </a:r>
+            <a:endParaRPr kumimoji="0" lang="en-GB" sz="1100" b="0" i="0" u="none" strike="noStrike" cap="none" spc="0" normalizeH="0" baseline="0" dirty="0">
+              <a:ln>
+                <a:noFill/>
+              </a:ln>
+              <a:solidFill>
+                <a:srgbClr val="000000"/>
+              </a:solidFill>
+              <a:effectLst/>
+              <a:uFillTx/>
+              <a:latin typeface="Calibri" panose="020F0502020204030204" pitchFamily="34" charset="0"/>
+              <a:ea typeface="Helvetica Neue"/>
+              <a:cs typeface="Calibri" panose="020F0502020204030204" pitchFamily="34" charset="0"/>
+              <a:sym typeface="Helvetica Neue"/>
+            </a:endParaRPr>
+          </a:p>
+        </p:txBody>
+      </p:sp>
+      <p:sp>
+        <p:nvSpPr>
+          <p:cNvPr id="37" name="TextBox 36">
+            <a:extLst>
+              <a:ext uri="{FF2B5EF4-FFF2-40B4-BE49-F238E27FC236}">
+                <a16:creationId xmlns:a16="http://schemas.microsoft.com/office/drawing/2014/main" id="{8CF3F4C4-5516-3E92-BD21-9FCDA773CFF8}"/>
+              </a:ext>
+            </a:extLst>
+          </p:cNvPr>
+          <p:cNvSpPr txBox="1"/>
+          <p:nvPr/>
+        </p:nvSpPr>
+        <p:spPr>
+          <a:xfrm>
+            <a:off x="9748062" y="1417318"/>
+            <a:ext cx="2017216" cy="271869"/>
+          </a:xfrm>
+          <a:prstGeom prst="rect">
+            <a:avLst/>
+          </a:prstGeom>
+          <a:noFill/>
+          <a:ln w="12700" cap="flat">
+            <a:noFill/>
+            <a:miter lim="400000"/>
+          </a:ln>
+          <a:effectLst/>
+          <a:sp3d/>
+        </p:spPr>
+        <p:style>
+          <a:lnRef idx="0">
+            <a:scrgbClr r="0" g="0" b="0"/>
+          </a:lnRef>
+          <a:fillRef idx="0">
+            <a:scrgbClr r="0" g="0" b="0"/>
+          </a:fillRef>
+          <a:effectRef idx="0">
+            <a:scrgbClr r="0" g="0" b="0"/>
+          </a:effectRef>
+          <a:fontRef idx="none"/>
+        </p:style>
+        <p:txBody>
+          <a:bodyPr rot="0" spcFirstLastPara="1" vertOverflow="overflow" horzOverflow="overflow" vert="horz" wrap="square" lIns="50800" tIns="50800" rIns="50800" bIns="50800" numCol="1" spcCol="38100" rtlCol="0" anchor="t" anchorCtr="0">
+            <a:spAutoFit/>
+          </a:bodyPr>
+          <a:lstStyle/>
+          <a:p>
+            <a:pPr marL="0" marR="0" indent="0" algn="l" defTabSz="825500" rtl="0" fontAlgn="auto" latinLnBrk="0" hangingPunct="0">
+              <a:lnSpc>
+                <a:spcPct val="100000"/>
+              </a:lnSpc>
+              <a:spcBef>
+                <a:spcPts val="0"/>
+              </a:spcBef>
+              <a:spcAft>
+                <a:spcPts val="0"/>
+              </a:spcAft>
+              <a:buClrTx/>
+              <a:buSzTx/>
+              <a:buFontTx/>
+              <a:buNone/>
+              <a:tabLst/>
+            </a:pPr>
+            <a:r>
+              <a:rPr kumimoji="0" lang="en-GB" sz="1100" b="0" i="0" u="none" strike="noStrike" cap="none" spc="0" normalizeH="0" baseline="0" dirty="0" err="1">
+                <a:ln>
+                  <a:noFill/>
+                </a:ln>
+                <a:solidFill>
+                  <a:srgbClr val="000000"/>
+                </a:solidFill>
+                <a:effectLst/>
+                <a:uFillTx/>
+                <a:latin typeface="Calibri" panose="020F0502020204030204" pitchFamily="34" charset="0"/>
+                <a:ea typeface="Helvetica Neue"/>
+                <a:cs typeface="Calibri" panose="020F0502020204030204" pitchFamily="34" charset="0"/>
+                <a:sym typeface="Helvetica Neue"/>
+              </a:rPr>
+              <a:t>Reinforcement_text</a:t>
+            </a:r>
+            <a:endParaRPr kumimoji="0" lang="en-GB" sz="1100" b="0" i="0" u="none" strike="noStrike" cap="none" spc="0" normalizeH="0" baseline="0" dirty="0">
+              <a:ln>
+                <a:noFill/>
+              </a:ln>
+              <a:solidFill>
+                <a:srgbClr val="000000"/>
+              </a:solidFill>
+              <a:effectLst/>
+              <a:uFillTx/>
+              <a:latin typeface="Calibri" panose="020F0502020204030204" pitchFamily="34" charset="0"/>
+              <a:ea typeface="Helvetica Neue"/>
+              <a:cs typeface="Calibri" panose="020F0502020204030204" pitchFamily="34" charset="0"/>
+              <a:sym typeface="Helvetica Neue"/>
+            </a:endParaRPr>
+          </a:p>
+        </p:txBody>
+      </p:sp>
+    </p:spTree>
+    <p:extLst>
+      <p:ext uri="{BB962C8B-B14F-4D97-AF65-F5344CB8AC3E}">
+        <p14:creationId xmlns:p14="http://schemas.microsoft.com/office/powerpoint/2010/main" val="3594415621"/>
+      </p:ext>
+    </p:extLst>
+  </p:cSld>
+  <p:clrMapOvr>
+    <a:masterClrMapping/>
+  </p:clrMapOvr>
+  <p:transition spd="med"/>
+</p:sld>
+</file>
+
+<file path=ppt/slides/slide8.xml><?xml version="1.0" encoding="utf-8"?>
+<p:sld xmlns:a="http://schemas.openxmlformats.org/drawingml/2006/main" xmlns:r="http://schemas.openxmlformats.org/officeDocument/2006/relationships" xmlns:p="http://schemas.openxmlformats.org/presentationml/2006/main">
+  <p:cSld>
+    <p:spTree>
+      <p:nvGrpSpPr>
+        <p:cNvPr id="1" name="">
+          <a:extLst>
+            <a:ext uri="{FF2B5EF4-FFF2-40B4-BE49-F238E27FC236}">
+              <a16:creationId xmlns:a16="http://schemas.microsoft.com/office/drawing/2014/main" id="{729092C6-1EB8-5AFE-17C3-C36A083F15BF}"/>
+            </a:ext>
+          </a:extLst>
+        </p:cNvPr>
+        <p:cNvGrpSpPr/>
+        <p:nvPr/>
+      </p:nvGrpSpPr>
+      <p:grpSpPr>
+        <a:xfrm>
+          <a:off x="0" y="0"/>
+          <a:ext cx="0" cy="0"/>
+          <a:chOff x="0" y="0"/>
+          <a:chExt cx="0" cy="0"/>
+        </a:xfrm>
+      </p:grpSpPr>
+      <p:sp>
+        <p:nvSpPr>
+          <p:cNvPr id="3" name="Title 1">
+            <a:extLst>
+              <a:ext uri="{FF2B5EF4-FFF2-40B4-BE49-F238E27FC236}">
+                <a16:creationId xmlns:a16="http://schemas.microsoft.com/office/drawing/2014/main" id="{4195AB65-4066-9A23-548F-E910E8070172}"/>
+              </a:ext>
+            </a:extLst>
+          </p:cNvPr>
+          <p:cNvSpPr txBox="1">
+            <a:spLocks/>
+          </p:cNvSpPr>
+          <p:nvPr/>
+        </p:nvSpPr>
+        <p:spPr>
+          <a:xfrm>
+            <a:off x="243797" y="264580"/>
+            <a:ext cx="10515600" cy="500400"/>
+          </a:xfrm>
+          <a:prstGeom prst="rect">
+            <a:avLst/>
+          </a:prstGeom>
+        </p:spPr>
+        <p:txBody>
+          <a:bodyPr vert="horz"/>
+          <a:lstStyle>
+            <a:lvl1pPr algn="l" defTabSz="914400" rtl="0" eaLnBrk="1" latinLnBrk="0" hangingPunct="1">
+              <a:lnSpc>
+                <a:spcPct val="90000"/>
+              </a:lnSpc>
+              <a:spcBef>
+                <a:spcPct val="0"/>
+              </a:spcBef>
+              <a:buNone/>
+              <a:defRPr sz="3600" b="1" kern="1200">
+                <a:solidFill>
+                  <a:srgbClr val="004181"/>
+                </a:solidFill>
+                <a:latin typeface="Microsoft YaHei" panose="020B0503020204020204" pitchFamily="34" charset="-122"/>
+                <a:ea typeface="Microsoft YaHei" panose="020B0503020204020204" pitchFamily="34" charset="-122"/>
+                <a:cs typeface="+mj-cs"/>
+              </a:defRPr>
+            </a:lvl1pPr>
+          </a:lstStyle>
+          <a:p>
+            <a:pPr marL="0" marR="0" lvl="0" indent="0" algn="l" defTabSz="914400" rtl="0" eaLnBrk="1" fontAlgn="auto" latinLnBrk="0" hangingPunct="1">
+              <a:lnSpc>
+                <a:spcPct val="90000"/>
+              </a:lnSpc>
+              <a:spcBef>
+                <a:spcPct val="0"/>
+              </a:spcBef>
+              <a:spcAft>
+                <a:spcPts val="0"/>
+              </a:spcAft>
+              <a:buClrTx/>
+              <a:buSzTx/>
+              <a:buFontTx/>
+              <a:buNone/>
+              <a:tabLst/>
+              <a:defRPr/>
+            </a:pPr>
+            <a:r>
+              <a:rPr kumimoji="0" lang="en-US" sz="2400" b="1" i="0" u="none" strike="noStrike" kern="1200" cap="none" spc="0" normalizeH="0" baseline="0" noProof="0" dirty="0" err="1">
+                <a:ln>
+                  <a:noFill/>
+                </a:ln>
+                <a:solidFill>
+                  <a:srgbClr val="004181"/>
+                </a:solidFill>
+                <a:effectLst/>
+                <a:uLnTx/>
+                <a:uFillTx/>
+                <a:latin typeface="Microsoft YaHei" panose="020B0503020204020204" pitchFamily="34" charset="-122"/>
+                <a:ea typeface="Microsoft YaHei" panose="020B0503020204020204" pitchFamily="34" charset="-122"/>
+                <a:cs typeface="+mj-cs"/>
+              </a:rPr>
+              <a:t>Interviewee_Name</a:t>
+            </a:r>
+            <a:r>
+              <a:rPr kumimoji="0" lang="en-US" sz="2400" b="1" i="0" u="none" strike="noStrike" kern="1200" cap="none" spc="0" normalizeH="0" baseline="0" noProof="0" dirty="0">
+                <a:ln>
+                  <a:noFill/>
+                </a:ln>
+                <a:solidFill>
+                  <a:srgbClr val="004181"/>
+                </a:solidFill>
+                <a:effectLst/>
+                <a:uLnTx/>
+                <a:uFillTx/>
+                <a:latin typeface="Microsoft YaHei" panose="020B0503020204020204" pitchFamily="34" charset="-122"/>
+                <a:ea typeface="Microsoft YaHei" panose="020B0503020204020204" pitchFamily="34" charset="-122"/>
+                <a:cs typeface="+mj-cs"/>
+              </a:rPr>
+              <a:t>: ADKAR Change journey</a:t>
+            </a:r>
+          </a:p>
+        </p:txBody>
+      </p:sp>
+      <p:sp>
+        <p:nvSpPr>
+          <p:cNvPr id="33" name="TextBox 32">
+            <a:extLst>
+              <a:ext uri="{FF2B5EF4-FFF2-40B4-BE49-F238E27FC236}">
+                <a16:creationId xmlns:a16="http://schemas.microsoft.com/office/drawing/2014/main" id="{1F99BA73-9C86-6AE4-98DA-F7DFDFC6D684}"/>
+              </a:ext>
+            </a:extLst>
+          </p:cNvPr>
+          <p:cNvSpPr txBox="1"/>
+          <p:nvPr/>
+        </p:nvSpPr>
+        <p:spPr>
+          <a:xfrm>
+            <a:off x="426722" y="1417318"/>
+            <a:ext cx="2017216" cy="271869"/>
+          </a:xfrm>
+          <a:prstGeom prst="rect">
+            <a:avLst/>
+          </a:prstGeom>
+          <a:noFill/>
+          <a:ln w="12700" cap="flat">
+            <a:noFill/>
+            <a:miter lim="400000"/>
+          </a:ln>
+          <a:effectLst/>
+          <a:sp3d/>
+        </p:spPr>
+        <p:style>
+          <a:lnRef idx="0">
+            <a:scrgbClr r="0" g="0" b="0"/>
+          </a:lnRef>
+          <a:fillRef idx="0">
+            <a:scrgbClr r="0" g="0" b="0"/>
+          </a:fillRef>
+          <a:effectRef idx="0">
+            <a:scrgbClr r="0" g="0" b="0"/>
+          </a:effectRef>
+          <a:fontRef idx="none"/>
+        </p:style>
+        <p:txBody>
+          <a:bodyPr rot="0" spcFirstLastPara="1" vertOverflow="overflow" horzOverflow="overflow" vert="horz" wrap="square" lIns="50800" tIns="50800" rIns="50800" bIns="50800" numCol="1" spcCol="38100" rtlCol="0" anchor="t" anchorCtr="0">
+            <a:spAutoFit/>
+          </a:bodyPr>
+          <a:lstStyle/>
+          <a:p>
+            <a:pPr marL="0" marR="0" indent="0" algn="l" defTabSz="825500" rtl="0" fontAlgn="auto" latinLnBrk="0" hangingPunct="0">
+              <a:lnSpc>
+                <a:spcPct val="100000"/>
+              </a:lnSpc>
+              <a:spcBef>
+                <a:spcPts val="0"/>
+              </a:spcBef>
+              <a:spcAft>
+                <a:spcPts val="0"/>
+              </a:spcAft>
+              <a:buClrTx/>
+              <a:buSzTx/>
+              <a:buFontTx/>
+              <a:buNone/>
+              <a:tabLst/>
+            </a:pPr>
+            <a:r>
+              <a:rPr kumimoji="0" lang="en-GB" sz="1100" b="0" i="0" u="none" strike="noStrike" cap="none" spc="0" normalizeH="0" baseline="0" dirty="0" err="1">
+                <a:ln>
+                  <a:noFill/>
+                </a:ln>
+                <a:solidFill>
+                  <a:srgbClr val="000000"/>
+                </a:solidFill>
+                <a:effectLst/>
+                <a:uFillTx/>
+                <a:latin typeface="Calibri" panose="020F0502020204030204" pitchFamily="34" charset="0"/>
+                <a:ea typeface="Helvetica Neue"/>
+                <a:cs typeface="Calibri" panose="020F0502020204030204" pitchFamily="34" charset="0"/>
+                <a:sym typeface="Helvetica Neue"/>
+              </a:rPr>
+              <a:t>Awareness_text</a:t>
+            </a:r>
+            <a:endParaRPr kumimoji="0" lang="en-GB" sz="1100" b="0" i="0" u="none" strike="noStrike" cap="none" spc="0" normalizeH="0" baseline="0" dirty="0">
+              <a:ln>
+                <a:noFill/>
+              </a:ln>
+              <a:solidFill>
+                <a:srgbClr val="000000"/>
+              </a:solidFill>
+              <a:effectLst/>
+              <a:uFillTx/>
+              <a:latin typeface="Calibri" panose="020F0502020204030204" pitchFamily="34" charset="0"/>
+              <a:ea typeface="Helvetica Neue"/>
+              <a:cs typeface="Calibri" panose="020F0502020204030204" pitchFamily="34" charset="0"/>
+              <a:sym typeface="Helvetica Neue"/>
+            </a:endParaRPr>
+          </a:p>
+        </p:txBody>
+      </p:sp>
+      <p:sp>
+        <p:nvSpPr>
+          <p:cNvPr id="34" name="TextBox 33">
+            <a:extLst>
+              <a:ext uri="{FF2B5EF4-FFF2-40B4-BE49-F238E27FC236}">
+                <a16:creationId xmlns:a16="http://schemas.microsoft.com/office/drawing/2014/main" id="{4711A68C-2B51-8D6A-898C-E08F7ABC05C7}"/>
+              </a:ext>
+            </a:extLst>
+          </p:cNvPr>
+          <p:cNvSpPr txBox="1"/>
+          <p:nvPr/>
+        </p:nvSpPr>
+        <p:spPr>
+          <a:xfrm>
+            <a:off x="2757057" y="1417318"/>
+            <a:ext cx="2017216" cy="271869"/>
+          </a:xfrm>
+          <a:prstGeom prst="rect">
+            <a:avLst/>
+          </a:prstGeom>
+          <a:noFill/>
+          <a:ln w="12700" cap="flat">
+            <a:noFill/>
+            <a:miter lim="400000"/>
+          </a:ln>
+          <a:effectLst/>
+          <a:sp3d/>
+        </p:spPr>
+        <p:style>
+          <a:lnRef idx="0">
+            <a:scrgbClr r="0" g="0" b="0"/>
+          </a:lnRef>
+          <a:fillRef idx="0">
+            <a:scrgbClr r="0" g="0" b="0"/>
+          </a:fillRef>
+          <a:effectRef idx="0">
+            <a:scrgbClr r="0" g="0" b="0"/>
+          </a:effectRef>
+          <a:fontRef idx="none"/>
+        </p:style>
+        <p:txBody>
+          <a:bodyPr rot="0" spcFirstLastPara="1" vertOverflow="overflow" horzOverflow="overflow" vert="horz" wrap="square" lIns="50800" tIns="50800" rIns="50800" bIns="50800" numCol="1" spcCol="38100" rtlCol="0" anchor="t" anchorCtr="0">
+            <a:spAutoFit/>
+          </a:bodyPr>
+          <a:lstStyle/>
+          <a:p>
+            <a:pPr marL="0" marR="0" indent="0" algn="l" defTabSz="825500" rtl="0" fontAlgn="auto" latinLnBrk="0" hangingPunct="0">
+              <a:lnSpc>
+                <a:spcPct val="100000"/>
+              </a:lnSpc>
+              <a:spcBef>
+                <a:spcPts val="0"/>
+              </a:spcBef>
+              <a:spcAft>
+                <a:spcPts val="0"/>
+              </a:spcAft>
+              <a:buClrTx/>
+              <a:buSzTx/>
+              <a:buFontTx/>
+              <a:buNone/>
+              <a:tabLst/>
+            </a:pPr>
+            <a:r>
+              <a:rPr kumimoji="0" lang="en-GB" sz="1100" b="0" i="0" u="none" strike="noStrike" cap="none" spc="0" normalizeH="0" baseline="0" dirty="0" err="1">
+                <a:ln>
+                  <a:noFill/>
+                </a:ln>
+                <a:solidFill>
+                  <a:srgbClr val="000000"/>
+                </a:solidFill>
+                <a:effectLst/>
+                <a:uFillTx/>
+                <a:latin typeface="Calibri" panose="020F0502020204030204" pitchFamily="34" charset="0"/>
+                <a:ea typeface="Helvetica Neue"/>
+                <a:cs typeface="Calibri" panose="020F0502020204030204" pitchFamily="34" charset="0"/>
+                <a:sym typeface="Helvetica Neue"/>
+              </a:rPr>
+              <a:t>Desire_text</a:t>
+            </a:r>
+            <a:endParaRPr kumimoji="0" lang="en-GB" sz="1100" b="0" i="0" u="none" strike="noStrike" cap="none" spc="0" normalizeH="0" baseline="0" dirty="0">
+              <a:ln>
+                <a:noFill/>
+              </a:ln>
+              <a:solidFill>
+                <a:srgbClr val="000000"/>
+              </a:solidFill>
+              <a:effectLst/>
+              <a:uFillTx/>
+              <a:latin typeface="Calibri" panose="020F0502020204030204" pitchFamily="34" charset="0"/>
+              <a:ea typeface="Helvetica Neue"/>
+              <a:cs typeface="Calibri" panose="020F0502020204030204" pitchFamily="34" charset="0"/>
+              <a:sym typeface="Helvetica Neue"/>
+            </a:endParaRPr>
+          </a:p>
+        </p:txBody>
+      </p:sp>
+      <p:sp>
+        <p:nvSpPr>
+          <p:cNvPr id="35" name="TextBox 34">
+            <a:extLst>
+              <a:ext uri="{FF2B5EF4-FFF2-40B4-BE49-F238E27FC236}">
+                <a16:creationId xmlns:a16="http://schemas.microsoft.com/office/drawing/2014/main" id="{69BC562B-1360-C0D6-409D-8E1971A35900}"/>
+              </a:ext>
+            </a:extLst>
+          </p:cNvPr>
+          <p:cNvSpPr txBox="1"/>
+          <p:nvPr/>
+        </p:nvSpPr>
+        <p:spPr>
+          <a:xfrm>
+            <a:off x="5087392" y="1417318"/>
+            <a:ext cx="2017216" cy="271869"/>
+          </a:xfrm>
+          <a:prstGeom prst="rect">
+            <a:avLst/>
+          </a:prstGeom>
+          <a:noFill/>
+          <a:ln w="12700" cap="flat">
+            <a:noFill/>
+            <a:miter lim="400000"/>
+          </a:ln>
+          <a:effectLst/>
+          <a:sp3d/>
+        </p:spPr>
+        <p:style>
+          <a:lnRef idx="0">
+            <a:scrgbClr r="0" g="0" b="0"/>
+          </a:lnRef>
+          <a:fillRef idx="0">
+            <a:scrgbClr r="0" g="0" b="0"/>
+          </a:fillRef>
+          <a:effectRef idx="0">
+            <a:scrgbClr r="0" g="0" b="0"/>
+          </a:effectRef>
+          <a:fontRef idx="none"/>
+        </p:style>
+        <p:txBody>
+          <a:bodyPr rot="0" spcFirstLastPara="1" vertOverflow="overflow" horzOverflow="overflow" vert="horz" wrap="square" lIns="50800" tIns="50800" rIns="50800" bIns="50800" numCol="1" spcCol="38100" rtlCol="0" anchor="t" anchorCtr="0">
+            <a:spAutoFit/>
+          </a:bodyPr>
+          <a:lstStyle/>
+          <a:p>
+            <a:pPr marL="0" marR="0" indent="0" algn="l" defTabSz="825500" rtl="0" fontAlgn="auto" latinLnBrk="0" hangingPunct="0">
+              <a:lnSpc>
+                <a:spcPct val="100000"/>
+              </a:lnSpc>
+              <a:spcBef>
+                <a:spcPts val="0"/>
+              </a:spcBef>
+              <a:spcAft>
+                <a:spcPts val="0"/>
+              </a:spcAft>
+              <a:buClrTx/>
+              <a:buSzTx/>
+              <a:buFontTx/>
+              <a:buNone/>
+              <a:tabLst/>
+            </a:pPr>
+            <a:r>
+              <a:rPr kumimoji="0" lang="en-GB" sz="1100" b="0" i="0" u="none" strike="noStrike" cap="none" spc="0" normalizeH="0" baseline="0" dirty="0" err="1">
+                <a:ln>
+                  <a:noFill/>
+                </a:ln>
+                <a:solidFill>
+                  <a:srgbClr val="000000"/>
+                </a:solidFill>
+                <a:effectLst/>
+                <a:uFillTx/>
+                <a:latin typeface="Calibri" panose="020F0502020204030204" pitchFamily="34" charset="0"/>
+                <a:ea typeface="Helvetica Neue"/>
+                <a:cs typeface="Calibri" panose="020F0502020204030204" pitchFamily="34" charset="0"/>
+                <a:sym typeface="Helvetica Neue"/>
+              </a:rPr>
+              <a:t>Knowledge_text</a:t>
+            </a:r>
+            <a:endParaRPr kumimoji="0" lang="en-GB" sz="1100" b="0" i="0" u="none" strike="noStrike" cap="none" spc="0" normalizeH="0" baseline="0" dirty="0">
+              <a:ln>
+                <a:noFill/>
+              </a:ln>
+              <a:solidFill>
+                <a:srgbClr val="000000"/>
+              </a:solidFill>
+              <a:effectLst/>
+              <a:uFillTx/>
+              <a:latin typeface="Calibri" panose="020F0502020204030204" pitchFamily="34" charset="0"/>
+              <a:ea typeface="Helvetica Neue"/>
+              <a:cs typeface="Calibri" panose="020F0502020204030204" pitchFamily="34" charset="0"/>
+              <a:sym typeface="Helvetica Neue"/>
+            </a:endParaRPr>
+          </a:p>
+        </p:txBody>
+      </p:sp>
+      <p:sp>
+        <p:nvSpPr>
+          <p:cNvPr id="36" name="TextBox 35">
+            <a:extLst>
+              <a:ext uri="{FF2B5EF4-FFF2-40B4-BE49-F238E27FC236}">
+                <a16:creationId xmlns:a16="http://schemas.microsoft.com/office/drawing/2014/main" id="{820F48C9-6F11-E3F5-FA2B-1D35563AF93B}"/>
+              </a:ext>
+            </a:extLst>
+          </p:cNvPr>
+          <p:cNvSpPr txBox="1"/>
+          <p:nvPr/>
+        </p:nvSpPr>
+        <p:spPr>
+          <a:xfrm>
+            <a:off x="7417727" y="1417318"/>
+            <a:ext cx="2017216" cy="271869"/>
+          </a:xfrm>
+          <a:prstGeom prst="rect">
+            <a:avLst/>
+          </a:prstGeom>
+          <a:noFill/>
+          <a:ln w="12700" cap="flat">
+            <a:noFill/>
+            <a:miter lim="400000"/>
+          </a:ln>
+          <a:effectLst/>
+          <a:sp3d/>
+        </p:spPr>
+        <p:style>
+          <a:lnRef idx="0">
+            <a:scrgbClr r="0" g="0" b="0"/>
+          </a:lnRef>
+          <a:fillRef idx="0">
+            <a:scrgbClr r="0" g="0" b="0"/>
+          </a:fillRef>
+          <a:effectRef idx="0">
+            <a:scrgbClr r="0" g="0" b="0"/>
+          </a:effectRef>
+          <a:fontRef idx="none"/>
+        </p:style>
+        <p:txBody>
+          <a:bodyPr rot="0" spcFirstLastPara="1" vertOverflow="overflow" horzOverflow="overflow" vert="horz" wrap="square" lIns="50800" tIns="50800" rIns="50800" bIns="50800" numCol="1" spcCol="38100" rtlCol="0" anchor="t" anchorCtr="0">
+            <a:spAutoFit/>
+          </a:bodyPr>
+          <a:lstStyle/>
+          <a:p>
+            <a:pPr marL="0" marR="0" indent="0" algn="l" defTabSz="825500" rtl="0" fontAlgn="auto" latinLnBrk="0" hangingPunct="0">
+              <a:lnSpc>
+                <a:spcPct val="100000"/>
+              </a:lnSpc>
+              <a:spcBef>
+                <a:spcPts val="0"/>
+              </a:spcBef>
+              <a:spcAft>
+                <a:spcPts val="0"/>
+              </a:spcAft>
+              <a:buClrTx/>
+              <a:buSzTx/>
+              <a:buFontTx/>
+              <a:buNone/>
+              <a:tabLst/>
+            </a:pPr>
+            <a:r>
+              <a:rPr kumimoji="0" lang="en-GB" sz="1100" b="0" i="0" u="none" strike="noStrike" cap="none" spc="0" normalizeH="0" baseline="0" dirty="0" err="1">
+                <a:ln>
+                  <a:noFill/>
+                </a:ln>
+                <a:solidFill>
+                  <a:srgbClr val="000000"/>
+                </a:solidFill>
+                <a:effectLst/>
+                <a:uFillTx/>
+                <a:latin typeface="Calibri" panose="020F0502020204030204" pitchFamily="34" charset="0"/>
+                <a:ea typeface="Helvetica Neue"/>
+                <a:cs typeface="Calibri" panose="020F0502020204030204" pitchFamily="34" charset="0"/>
+                <a:sym typeface="Helvetica Neue"/>
+              </a:rPr>
+              <a:t>Ability_text</a:t>
+            </a:r>
+            <a:endParaRPr kumimoji="0" lang="en-GB" sz="1100" b="0" i="0" u="none" strike="noStrike" cap="none" spc="0" normalizeH="0" baseline="0" dirty="0">
+              <a:ln>
+                <a:noFill/>
+              </a:ln>
+              <a:solidFill>
+                <a:srgbClr val="000000"/>
+              </a:solidFill>
+              <a:effectLst/>
+              <a:uFillTx/>
+              <a:latin typeface="Calibri" panose="020F0502020204030204" pitchFamily="34" charset="0"/>
+              <a:ea typeface="Helvetica Neue"/>
+              <a:cs typeface="Calibri" panose="020F0502020204030204" pitchFamily="34" charset="0"/>
+              <a:sym typeface="Helvetica Neue"/>
+            </a:endParaRPr>
+          </a:p>
+        </p:txBody>
+      </p:sp>
+      <p:sp>
+        <p:nvSpPr>
+          <p:cNvPr id="37" name="TextBox 36">
+            <a:extLst>
+              <a:ext uri="{FF2B5EF4-FFF2-40B4-BE49-F238E27FC236}">
+                <a16:creationId xmlns:a16="http://schemas.microsoft.com/office/drawing/2014/main" id="{B437BC01-FA16-5F59-BEB0-2781CCB9097D}"/>
+              </a:ext>
+            </a:extLst>
+          </p:cNvPr>
+          <p:cNvSpPr txBox="1"/>
+          <p:nvPr/>
+        </p:nvSpPr>
+        <p:spPr>
+          <a:xfrm>
+            <a:off x="9748062" y="1417318"/>
+            <a:ext cx="2017216" cy="271869"/>
+          </a:xfrm>
+          <a:prstGeom prst="rect">
+            <a:avLst/>
+          </a:prstGeom>
+          <a:noFill/>
+          <a:ln w="12700" cap="flat">
+            <a:noFill/>
+            <a:miter lim="400000"/>
+          </a:ln>
+          <a:effectLst/>
+          <a:sp3d/>
+        </p:spPr>
+        <p:style>
+          <a:lnRef idx="0">
+            <a:scrgbClr r="0" g="0" b="0"/>
+          </a:lnRef>
+          <a:fillRef idx="0">
+            <a:scrgbClr r="0" g="0" b="0"/>
+          </a:fillRef>
+          <a:effectRef idx="0">
+            <a:scrgbClr r="0" g="0" b="0"/>
+          </a:effectRef>
+          <a:fontRef idx="none"/>
+        </p:style>
+        <p:txBody>
+          <a:bodyPr rot="0" spcFirstLastPara="1" vertOverflow="overflow" horzOverflow="overflow" vert="horz" wrap="square" lIns="50800" tIns="50800" rIns="50800" bIns="50800" numCol="1" spcCol="38100" rtlCol="0" anchor="t" anchorCtr="0">
+            <a:spAutoFit/>
+          </a:bodyPr>
+          <a:lstStyle/>
+          <a:p>
+            <a:pPr marL="0" marR="0" indent="0" algn="l" defTabSz="825500" rtl="0" fontAlgn="auto" latinLnBrk="0" hangingPunct="0">
+              <a:lnSpc>
+                <a:spcPct val="100000"/>
+              </a:lnSpc>
+              <a:spcBef>
+                <a:spcPts val="0"/>
+              </a:spcBef>
+              <a:spcAft>
+                <a:spcPts val="0"/>
+              </a:spcAft>
+              <a:buClrTx/>
+              <a:buSzTx/>
+              <a:buFontTx/>
+              <a:buNone/>
+              <a:tabLst/>
+            </a:pPr>
+            <a:r>
+              <a:rPr kumimoji="0" lang="en-GB" sz="1100" b="0" i="0" u="none" strike="noStrike" cap="none" spc="0" normalizeH="0" baseline="0" dirty="0" err="1">
+                <a:ln>
+                  <a:noFill/>
+                </a:ln>
+                <a:solidFill>
+                  <a:srgbClr val="000000"/>
+                </a:solidFill>
+                <a:effectLst/>
+                <a:uFillTx/>
+                <a:latin typeface="Calibri" panose="020F0502020204030204" pitchFamily="34" charset="0"/>
+                <a:ea typeface="Helvetica Neue"/>
+                <a:cs typeface="Calibri" panose="020F0502020204030204" pitchFamily="34" charset="0"/>
+                <a:sym typeface="Helvetica Neue"/>
+              </a:rPr>
+              <a:t>Reinforcement_text</a:t>
+            </a:r>
+            <a:endParaRPr kumimoji="0" lang="en-GB" sz="1100" b="0" i="0" u="none" strike="noStrike" cap="none" spc="0" normalizeH="0" baseline="0" dirty="0">
+              <a:ln>
+                <a:noFill/>
+              </a:ln>
+              <a:solidFill>
+                <a:srgbClr val="000000"/>
+              </a:solidFill>
+              <a:effectLst/>
+              <a:uFillTx/>
+              <a:latin typeface="Calibri" panose="020F0502020204030204" pitchFamily="34" charset="0"/>
+              <a:ea typeface="Helvetica Neue"/>
+              <a:cs typeface="Calibri" panose="020F0502020204030204" pitchFamily="34" charset="0"/>
+              <a:sym typeface="Helvetica Neue"/>
+            </a:endParaRPr>
+          </a:p>
+        </p:txBody>
+      </p:sp>
+    </p:spTree>
+    <p:extLst>
+      <p:ext uri="{BB962C8B-B14F-4D97-AF65-F5344CB8AC3E}">
+        <p14:creationId xmlns:p14="http://schemas.microsoft.com/office/powerpoint/2010/main" val="3594114673"/>
+      </p:ext>
+    </p:extLst>
+  </p:cSld>
+  <p:clrMapOvr>
+    <a:masterClrMapping/>
+  </p:clrMapOvr>
+  <p:transition spd="med"/>
+</p:sld>
+</file>
+
+<file path=ppt/slides/slide9.xml><?xml version="1.0" encoding="utf-8"?>
+<p:sld xmlns:a="http://schemas.openxmlformats.org/drawingml/2006/main" xmlns:r="http://schemas.openxmlformats.org/officeDocument/2006/relationships" xmlns:p="http://schemas.openxmlformats.org/presentationml/2006/main">
+  <p:cSld>
+    <p:spTree>
+      <p:nvGrpSpPr>
+        <p:cNvPr id="1" name="">
+          <a:extLst>
+            <a:ext uri="{FF2B5EF4-FFF2-40B4-BE49-F238E27FC236}">
+              <a16:creationId xmlns:a16="http://schemas.microsoft.com/office/drawing/2014/main" id="{4DF2DD3F-1486-60C6-6397-EC9076618297}"/>
+            </a:ext>
+          </a:extLst>
+        </p:cNvPr>
+        <p:cNvGrpSpPr/>
+        <p:nvPr/>
+      </p:nvGrpSpPr>
+      <p:grpSpPr>
+        <a:xfrm>
+          <a:off x="0" y="0"/>
+          <a:ext cx="0" cy="0"/>
+          <a:chOff x="0" y="0"/>
+          <a:chExt cx="0" cy="0"/>
+        </a:xfrm>
+      </p:grpSpPr>
+      <p:sp>
+        <p:nvSpPr>
+          <p:cNvPr id="3" name="Title 1">
+            <a:extLst>
+              <a:ext uri="{FF2B5EF4-FFF2-40B4-BE49-F238E27FC236}">
+                <a16:creationId xmlns:a16="http://schemas.microsoft.com/office/drawing/2014/main" id="{2A11F3AB-618A-B136-425A-79F0266544DA}"/>
+              </a:ext>
+            </a:extLst>
+          </p:cNvPr>
+          <p:cNvSpPr txBox="1">
+            <a:spLocks/>
+          </p:cNvSpPr>
+          <p:nvPr/>
+        </p:nvSpPr>
+        <p:spPr>
+          <a:xfrm>
+            <a:off x="243797" y="264580"/>
+            <a:ext cx="10515600" cy="500400"/>
+          </a:xfrm>
+          <a:prstGeom prst="rect">
+            <a:avLst/>
+          </a:prstGeom>
+        </p:spPr>
+        <p:txBody>
+          <a:bodyPr vert="horz"/>
+          <a:lstStyle>
+            <a:lvl1pPr algn="l" defTabSz="914400" rtl="0" eaLnBrk="1" latinLnBrk="0" hangingPunct="1">
+              <a:lnSpc>
+                <a:spcPct val="90000"/>
+              </a:lnSpc>
+              <a:spcBef>
+                <a:spcPct val="0"/>
+              </a:spcBef>
+              <a:buNone/>
+              <a:defRPr sz="3600" b="1" kern="1200">
+                <a:solidFill>
+                  <a:srgbClr val="004181"/>
+                </a:solidFill>
+                <a:latin typeface="Microsoft YaHei" panose="020B0503020204020204" pitchFamily="34" charset="-122"/>
+                <a:ea typeface="Microsoft YaHei" panose="020B0503020204020204" pitchFamily="34" charset="-122"/>
+                <a:cs typeface="+mj-cs"/>
+              </a:defRPr>
+            </a:lvl1pPr>
+          </a:lstStyle>
+          <a:p>
+            <a:pPr marL="0" marR="0" lvl="0" indent="0" algn="l" defTabSz="914400" rtl="0" eaLnBrk="1" fontAlgn="auto" latinLnBrk="0" hangingPunct="1">
+              <a:lnSpc>
+                <a:spcPct val="90000"/>
+              </a:lnSpc>
+              <a:spcBef>
+                <a:spcPct val="0"/>
+              </a:spcBef>
+              <a:spcAft>
+                <a:spcPts val="0"/>
+              </a:spcAft>
+              <a:buClrTx/>
+              <a:buSzTx/>
+              <a:buFontTx/>
+              <a:buNone/>
+              <a:tabLst/>
+              <a:defRPr/>
+            </a:pPr>
+            <a:r>
+              <a:rPr kumimoji="0" lang="en-US" sz="2400" b="1" i="0" u="none" strike="noStrike" kern="1200" cap="none" spc="0" normalizeH="0" baseline="0" noProof="0" dirty="0" err="1">
+                <a:ln>
+                  <a:noFill/>
+                </a:ln>
+                <a:solidFill>
+                  <a:srgbClr val="004181"/>
+                </a:solidFill>
+                <a:effectLst/>
+                <a:uLnTx/>
+                <a:uFillTx/>
+                <a:latin typeface="Microsoft YaHei" panose="020B0503020204020204" pitchFamily="34" charset="-122"/>
+                <a:ea typeface="Microsoft YaHei" panose="020B0503020204020204" pitchFamily="34" charset="-122"/>
+                <a:cs typeface="+mj-cs"/>
+              </a:rPr>
+              <a:t>Interviewee_Name</a:t>
+            </a:r>
+            <a:r>
+              <a:rPr kumimoji="0" lang="en-US" sz="2400" b="1" i="0" u="none" strike="noStrike" kern="1200" cap="none" spc="0" normalizeH="0" baseline="0" noProof="0" dirty="0">
+                <a:ln>
+                  <a:noFill/>
+                </a:ln>
+                <a:solidFill>
+                  <a:srgbClr val="004181"/>
+                </a:solidFill>
+                <a:effectLst/>
+                <a:uLnTx/>
+                <a:uFillTx/>
+                <a:latin typeface="Microsoft YaHei" panose="020B0503020204020204" pitchFamily="34" charset="-122"/>
+                <a:ea typeface="Microsoft YaHei" panose="020B0503020204020204" pitchFamily="34" charset="-122"/>
+                <a:cs typeface="+mj-cs"/>
+              </a:rPr>
+              <a:t>: ADKAR Change journey</a:t>
+            </a:r>
+          </a:p>
+        </p:txBody>
+      </p:sp>
+      <p:sp>
+        <p:nvSpPr>
+          <p:cNvPr id="33" name="TextBox 32">
+            <a:extLst>
+              <a:ext uri="{FF2B5EF4-FFF2-40B4-BE49-F238E27FC236}">
+                <a16:creationId xmlns:a16="http://schemas.microsoft.com/office/drawing/2014/main" id="{B91387E2-EE3A-A9E8-F779-F2657757510C}"/>
+              </a:ext>
+            </a:extLst>
+          </p:cNvPr>
+          <p:cNvSpPr txBox="1"/>
+          <p:nvPr/>
+        </p:nvSpPr>
+        <p:spPr>
+          <a:xfrm>
+            <a:off x="426722" y="1417318"/>
+            <a:ext cx="2017216" cy="271869"/>
+          </a:xfrm>
+          <a:prstGeom prst="rect">
+            <a:avLst/>
+          </a:prstGeom>
+          <a:noFill/>
+          <a:ln w="12700" cap="flat">
+            <a:noFill/>
+            <a:miter lim="400000"/>
+          </a:ln>
+          <a:effectLst/>
+          <a:sp3d/>
+        </p:spPr>
+        <p:style>
+          <a:lnRef idx="0">
+            <a:scrgbClr r="0" g="0" b="0"/>
+          </a:lnRef>
+          <a:fillRef idx="0">
+            <a:scrgbClr r="0" g="0" b="0"/>
+          </a:fillRef>
+          <a:effectRef idx="0">
+            <a:scrgbClr r="0" g="0" b="0"/>
+          </a:effectRef>
+          <a:fontRef idx="none"/>
+        </p:style>
+        <p:txBody>
+          <a:bodyPr rot="0" spcFirstLastPara="1" vertOverflow="overflow" horzOverflow="overflow" vert="horz" wrap="square" lIns="50800" tIns="50800" rIns="50800" bIns="50800" numCol="1" spcCol="38100" rtlCol="0" anchor="t" anchorCtr="0">
+            <a:spAutoFit/>
+          </a:bodyPr>
+          <a:lstStyle/>
+          <a:p>
+            <a:pPr marL="0" marR="0" indent="0" algn="l" defTabSz="825500" rtl="0" fontAlgn="auto" latinLnBrk="0" hangingPunct="0">
+              <a:lnSpc>
+                <a:spcPct val="100000"/>
+              </a:lnSpc>
+              <a:spcBef>
+                <a:spcPts val="0"/>
+              </a:spcBef>
+              <a:spcAft>
+                <a:spcPts val="0"/>
+              </a:spcAft>
+              <a:buClrTx/>
+              <a:buSzTx/>
+              <a:buFontTx/>
+              <a:buNone/>
+              <a:tabLst/>
+            </a:pPr>
+            <a:r>
+              <a:rPr kumimoji="0" lang="en-GB" sz="1100" b="0" i="0" u="none" strike="noStrike" cap="none" spc="0" normalizeH="0" baseline="0" dirty="0" err="1">
+                <a:ln>
+                  <a:noFill/>
+                </a:ln>
+                <a:solidFill>
+                  <a:srgbClr val="000000"/>
+                </a:solidFill>
+                <a:effectLst/>
+                <a:uFillTx/>
+                <a:latin typeface="Calibri" panose="020F0502020204030204" pitchFamily="34" charset="0"/>
+                <a:ea typeface="Helvetica Neue"/>
+                <a:cs typeface="Calibri" panose="020F0502020204030204" pitchFamily="34" charset="0"/>
+                <a:sym typeface="Helvetica Neue"/>
+              </a:rPr>
+              <a:t>Awareness_text</a:t>
+            </a:r>
+            <a:endParaRPr kumimoji="0" lang="en-GB" sz="1100" b="0" i="0" u="none" strike="noStrike" cap="none" spc="0" normalizeH="0" baseline="0" dirty="0">
+              <a:ln>
+                <a:noFill/>
+              </a:ln>
+              <a:solidFill>
+                <a:srgbClr val="000000"/>
+              </a:solidFill>
+              <a:effectLst/>
+              <a:uFillTx/>
+              <a:latin typeface="Calibri" panose="020F0502020204030204" pitchFamily="34" charset="0"/>
+              <a:ea typeface="Helvetica Neue"/>
+              <a:cs typeface="Calibri" panose="020F0502020204030204" pitchFamily="34" charset="0"/>
+              <a:sym typeface="Helvetica Neue"/>
+            </a:endParaRPr>
+          </a:p>
+        </p:txBody>
+      </p:sp>
+      <p:sp>
+        <p:nvSpPr>
+          <p:cNvPr id="34" name="TextBox 33">
+            <a:extLst>
+              <a:ext uri="{FF2B5EF4-FFF2-40B4-BE49-F238E27FC236}">
+                <a16:creationId xmlns:a16="http://schemas.microsoft.com/office/drawing/2014/main" id="{EC6033AF-649C-7B4A-B729-9FA931B1AD32}"/>
+              </a:ext>
+            </a:extLst>
+          </p:cNvPr>
+          <p:cNvSpPr txBox="1"/>
+          <p:nvPr/>
+        </p:nvSpPr>
+        <p:spPr>
+          <a:xfrm>
+            <a:off x="2757057" y="1417318"/>
+            <a:ext cx="2017216" cy="271869"/>
+          </a:xfrm>
+          <a:prstGeom prst="rect">
+            <a:avLst/>
+          </a:prstGeom>
+          <a:noFill/>
+          <a:ln w="12700" cap="flat">
+            <a:noFill/>
+            <a:miter lim="400000"/>
+          </a:ln>
+          <a:effectLst/>
+          <a:sp3d/>
+        </p:spPr>
+        <p:style>
+          <a:lnRef idx="0">
+            <a:scrgbClr r="0" g="0" b="0"/>
+          </a:lnRef>
+          <a:fillRef idx="0">
+            <a:scrgbClr r="0" g="0" b="0"/>
+          </a:fillRef>
+          <a:effectRef idx="0">
+            <a:scrgbClr r="0" g="0" b="0"/>
+          </a:effectRef>
+          <a:fontRef idx="none"/>
+        </p:style>
+        <p:txBody>
+          <a:bodyPr rot="0" spcFirstLastPara="1" vertOverflow="overflow" horzOverflow="overflow" vert="horz" wrap="square" lIns="50800" tIns="50800" rIns="50800" bIns="50800" numCol="1" spcCol="38100" rtlCol="0" anchor="t" anchorCtr="0">
+            <a:spAutoFit/>
+          </a:bodyPr>
+          <a:lstStyle/>
+          <a:p>
+            <a:pPr marL="0" marR="0" indent="0" algn="l" defTabSz="825500" rtl="0" fontAlgn="auto" latinLnBrk="0" hangingPunct="0">
+              <a:lnSpc>
+                <a:spcPct val="100000"/>
+              </a:lnSpc>
+              <a:spcBef>
+                <a:spcPts val="0"/>
+              </a:spcBef>
+              <a:spcAft>
+                <a:spcPts val="0"/>
+              </a:spcAft>
+              <a:buClrTx/>
+              <a:buSzTx/>
+              <a:buFontTx/>
+              <a:buNone/>
+              <a:tabLst/>
+            </a:pPr>
+            <a:r>
+              <a:rPr kumimoji="0" lang="en-GB" sz="1100" b="0" i="0" u="none" strike="noStrike" cap="none" spc="0" normalizeH="0" baseline="0" dirty="0" err="1">
+                <a:ln>
+                  <a:noFill/>
+                </a:ln>
+                <a:solidFill>
+                  <a:srgbClr val="000000"/>
+                </a:solidFill>
+                <a:effectLst/>
+                <a:uFillTx/>
+                <a:latin typeface="Calibri" panose="020F0502020204030204" pitchFamily="34" charset="0"/>
+                <a:ea typeface="Helvetica Neue"/>
+                <a:cs typeface="Calibri" panose="020F0502020204030204" pitchFamily="34" charset="0"/>
+                <a:sym typeface="Helvetica Neue"/>
+              </a:rPr>
+              <a:t>Desire_text</a:t>
+            </a:r>
+            <a:endParaRPr kumimoji="0" lang="en-GB" sz="1100" b="0" i="0" u="none" strike="noStrike" cap="none" spc="0" normalizeH="0" baseline="0" dirty="0">
+              <a:ln>
+                <a:noFill/>
+              </a:ln>
+              <a:solidFill>
+                <a:srgbClr val="000000"/>
+              </a:solidFill>
+              <a:effectLst/>
+              <a:uFillTx/>
+              <a:latin typeface="Calibri" panose="020F0502020204030204" pitchFamily="34" charset="0"/>
+              <a:ea typeface="Helvetica Neue"/>
+              <a:cs typeface="Calibri" panose="020F0502020204030204" pitchFamily="34" charset="0"/>
+              <a:sym typeface="Helvetica Neue"/>
+            </a:endParaRPr>
+          </a:p>
+        </p:txBody>
+      </p:sp>
+      <p:sp>
+        <p:nvSpPr>
+          <p:cNvPr id="35" name="TextBox 34">
+            <a:extLst>
+              <a:ext uri="{FF2B5EF4-FFF2-40B4-BE49-F238E27FC236}">
+                <a16:creationId xmlns:a16="http://schemas.microsoft.com/office/drawing/2014/main" id="{8BB167EC-210D-8A15-6052-151C6621E74A}"/>
+              </a:ext>
+            </a:extLst>
+          </p:cNvPr>
+          <p:cNvSpPr txBox="1"/>
+          <p:nvPr/>
+        </p:nvSpPr>
+        <p:spPr>
+          <a:xfrm>
+            <a:off x="5087392" y="1417318"/>
+            <a:ext cx="2017216" cy="271869"/>
+          </a:xfrm>
+          <a:prstGeom prst="rect">
+            <a:avLst/>
+          </a:prstGeom>
+          <a:noFill/>
+          <a:ln w="12700" cap="flat">
+            <a:noFill/>
+            <a:miter lim="400000"/>
+          </a:ln>
+          <a:effectLst/>
+          <a:sp3d/>
+        </p:spPr>
+        <p:style>
+          <a:lnRef idx="0">
+            <a:scrgbClr r="0" g="0" b="0"/>
+          </a:lnRef>
+          <a:fillRef idx="0">
+            <a:scrgbClr r="0" g="0" b="0"/>
+          </a:fillRef>
+          <a:effectRef idx="0">
+            <a:scrgbClr r="0" g="0" b="0"/>
+          </a:effectRef>
+          <a:fontRef idx="none"/>
+        </p:style>
+        <p:txBody>
+          <a:bodyPr rot="0" spcFirstLastPara="1" vertOverflow="overflow" horzOverflow="overflow" vert="horz" wrap="square" lIns="50800" tIns="50800" rIns="50800" bIns="50800" numCol="1" spcCol="38100" rtlCol="0" anchor="t" anchorCtr="0">
+            <a:spAutoFit/>
+          </a:bodyPr>
+          <a:lstStyle/>
+          <a:p>
+            <a:pPr marL="0" marR="0" indent="0" algn="l" defTabSz="825500" rtl="0" fontAlgn="auto" latinLnBrk="0" hangingPunct="0">
+              <a:lnSpc>
+                <a:spcPct val="100000"/>
+              </a:lnSpc>
+              <a:spcBef>
+                <a:spcPts val="0"/>
+              </a:spcBef>
+              <a:spcAft>
+                <a:spcPts val="0"/>
+              </a:spcAft>
+              <a:buClrTx/>
+              <a:buSzTx/>
+              <a:buFontTx/>
+              <a:buNone/>
+              <a:tabLst/>
+            </a:pPr>
+            <a:r>
+              <a:rPr kumimoji="0" lang="en-GB" sz="1100" b="0" i="0" u="none" strike="noStrike" cap="none" spc="0" normalizeH="0" baseline="0" dirty="0" err="1">
+                <a:ln>
+                  <a:noFill/>
+                </a:ln>
+                <a:solidFill>
+                  <a:srgbClr val="000000"/>
+                </a:solidFill>
+                <a:effectLst/>
+                <a:uFillTx/>
+                <a:latin typeface="Calibri" panose="020F0502020204030204" pitchFamily="34" charset="0"/>
+                <a:ea typeface="Helvetica Neue"/>
+                <a:cs typeface="Calibri" panose="020F0502020204030204" pitchFamily="34" charset="0"/>
+                <a:sym typeface="Helvetica Neue"/>
+              </a:rPr>
+              <a:t>Knowledge_text</a:t>
+            </a:r>
+            <a:endParaRPr kumimoji="0" lang="en-GB" sz="1100" b="0" i="0" u="none" strike="noStrike" cap="none" spc="0" normalizeH="0" baseline="0" dirty="0">
+              <a:ln>
+                <a:noFill/>
+              </a:ln>
+              <a:solidFill>
+                <a:srgbClr val="000000"/>
+              </a:solidFill>
+              <a:effectLst/>
+              <a:uFillTx/>
+              <a:latin typeface="Calibri" panose="020F0502020204030204" pitchFamily="34" charset="0"/>
+              <a:ea typeface="Helvetica Neue"/>
+              <a:cs typeface="Calibri" panose="020F0502020204030204" pitchFamily="34" charset="0"/>
+              <a:sym typeface="Helvetica Neue"/>
+            </a:endParaRPr>
+          </a:p>
+        </p:txBody>
+      </p:sp>
+      <p:sp>
+        <p:nvSpPr>
+          <p:cNvPr id="36" name="TextBox 35">
+            <a:extLst>
+              <a:ext uri="{FF2B5EF4-FFF2-40B4-BE49-F238E27FC236}">
+                <a16:creationId xmlns:a16="http://schemas.microsoft.com/office/drawing/2014/main" id="{A66849B8-ADE9-D392-A6F2-B3FBF9FC3D3D}"/>
+              </a:ext>
+            </a:extLst>
+          </p:cNvPr>
+          <p:cNvSpPr txBox="1"/>
+          <p:nvPr/>
+        </p:nvSpPr>
+        <p:spPr>
+          <a:xfrm>
+            <a:off x="7417727" y="1417318"/>
+            <a:ext cx="2017216" cy="271869"/>
+          </a:xfrm>
+          <a:prstGeom prst="rect">
+            <a:avLst/>
+          </a:prstGeom>
+          <a:noFill/>
+          <a:ln w="12700" cap="flat">
+            <a:noFill/>
+            <a:miter lim="400000"/>
+          </a:ln>
+          <a:effectLst/>
+          <a:sp3d/>
+        </p:spPr>
+        <p:style>
+          <a:lnRef idx="0">
+            <a:scrgbClr r="0" g="0" b="0"/>
+          </a:lnRef>
+          <a:fillRef idx="0">
+            <a:scrgbClr r="0" g="0" b="0"/>
+          </a:fillRef>
+          <a:effectRef idx="0">
+            <a:scrgbClr r="0" g="0" b="0"/>
+          </a:effectRef>
+          <a:fontRef idx="none"/>
+        </p:style>
+        <p:txBody>
+          <a:bodyPr rot="0" spcFirstLastPara="1" vertOverflow="overflow" horzOverflow="overflow" vert="horz" wrap="square" lIns="50800" tIns="50800" rIns="50800" bIns="50800" numCol="1" spcCol="38100" rtlCol="0" anchor="t" anchorCtr="0">
+            <a:spAutoFit/>
+          </a:bodyPr>
+          <a:lstStyle/>
+          <a:p>
+            <a:pPr marL="0" marR="0" indent="0" algn="l" defTabSz="825500" rtl="0" fontAlgn="auto" latinLnBrk="0" hangingPunct="0">
+              <a:lnSpc>
+                <a:spcPct val="100000"/>
+              </a:lnSpc>
+              <a:spcBef>
+                <a:spcPts val="0"/>
+              </a:spcBef>
+              <a:spcAft>
+                <a:spcPts val="0"/>
+              </a:spcAft>
+              <a:buClrTx/>
+              <a:buSzTx/>
+              <a:buFontTx/>
+              <a:buNone/>
+              <a:tabLst/>
+            </a:pPr>
+            <a:r>
+              <a:rPr kumimoji="0" lang="en-GB" sz="1100" b="0" i="0" u="none" strike="noStrike" cap="none" spc="0" normalizeH="0" baseline="0" dirty="0" err="1">
+                <a:ln>
+                  <a:noFill/>
+                </a:ln>
+                <a:solidFill>
+                  <a:srgbClr val="000000"/>
+                </a:solidFill>
+                <a:effectLst/>
+                <a:uFillTx/>
+                <a:latin typeface="Calibri" panose="020F0502020204030204" pitchFamily="34" charset="0"/>
+                <a:ea typeface="Helvetica Neue"/>
+                <a:cs typeface="Calibri" panose="020F0502020204030204" pitchFamily="34" charset="0"/>
+                <a:sym typeface="Helvetica Neue"/>
+              </a:rPr>
+              <a:t>Ability_text</a:t>
+            </a:r>
+            <a:endParaRPr kumimoji="0" lang="en-GB" sz="1100" b="0" i="0" u="none" strike="noStrike" cap="none" spc="0" normalizeH="0" baseline="0" dirty="0">
+              <a:ln>
+                <a:noFill/>
+              </a:ln>
+              <a:solidFill>
+                <a:srgbClr val="000000"/>
+              </a:solidFill>
+              <a:effectLst/>
+              <a:uFillTx/>
+              <a:latin typeface="Calibri" panose="020F0502020204030204" pitchFamily="34" charset="0"/>
+              <a:ea typeface="Helvetica Neue"/>
+              <a:cs typeface="Calibri" panose="020F0502020204030204" pitchFamily="34" charset="0"/>
+              <a:sym typeface="Helvetica Neue"/>
+            </a:endParaRPr>
+          </a:p>
+        </p:txBody>
+      </p:sp>
+      <p:sp>
+        <p:nvSpPr>
+          <p:cNvPr id="37" name="TextBox 36">
+            <a:extLst>
+              <a:ext uri="{FF2B5EF4-FFF2-40B4-BE49-F238E27FC236}">
+                <a16:creationId xmlns:a16="http://schemas.microsoft.com/office/drawing/2014/main" id="{4DDA676B-3C9D-B1DC-E689-26A0AFC2A5A8}"/>
+              </a:ext>
+            </a:extLst>
+          </p:cNvPr>
+          <p:cNvSpPr txBox="1"/>
+          <p:nvPr/>
+        </p:nvSpPr>
+        <p:spPr>
+          <a:xfrm>
+            <a:off x="9748062" y="1417318"/>
+            <a:ext cx="2017216" cy="271869"/>
+          </a:xfrm>
+          <a:prstGeom prst="rect">
+            <a:avLst/>
+          </a:prstGeom>
+          <a:noFill/>
+          <a:ln w="12700" cap="flat">
+            <a:noFill/>
+            <a:miter lim="400000"/>
+          </a:ln>
+          <a:effectLst/>
+          <a:sp3d/>
+        </p:spPr>
+        <p:style>
+          <a:lnRef idx="0">
+            <a:scrgbClr r="0" g="0" b="0"/>
+          </a:lnRef>
+          <a:fillRef idx="0">
+            <a:scrgbClr r="0" g="0" b="0"/>
+          </a:fillRef>
+          <a:effectRef idx="0">
+            <a:scrgbClr r="0" g="0" b="0"/>
+          </a:effectRef>
+          <a:fontRef idx="none"/>
+        </p:style>
+        <p:txBody>
+          <a:bodyPr rot="0" spcFirstLastPara="1" vertOverflow="overflow" horzOverflow="overflow" vert="horz" wrap="square" lIns="50800" tIns="50800" rIns="50800" bIns="50800" numCol="1" spcCol="38100" rtlCol="0" anchor="t" anchorCtr="0">
+            <a:spAutoFit/>
+          </a:bodyPr>
+          <a:lstStyle/>
+          <a:p>
+            <a:pPr marL="0" marR="0" indent="0" algn="l" defTabSz="825500" rtl="0" fontAlgn="auto" latinLnBrk="0" hangingPunct="0">
+              <a:lnSpc>
+                <a:spcPct val="100000"/>
+              </a:lnSpc>
+              <a:spcBef>
+                <a:spcPts val="0"/>
+              </a:spcBef>
+              <a:spcAft>
+                <a:spcPts val="0"/>
+              </a:spcAft>
+              <a:buClrTx/>
+              <a:buSzTx/>
+              <a:buFontTx/>
+              <a:buNone/>
+              <a:tabLst/>
+            </a:pPr>
+            <a:r>
+              <a:rPr kumimoji="0" lang="en-GB" sz="1100" b="0" i="0" u="none" strike="noStrike" cap="none" spc="0" normalizeH="0" baseline="0" dirty="0" err="1">
+                <a:ln>
+                  <a:noFill/>
+                </a:ln>
+                <a:solidFill>
+                  <a:srgbClr val="000000"/>
+                </a:solidFill>
+                <a:effectLst/>
+                <a:uFillTx/>
+                <a:latin typeface="Calibri" panose="020F0502020204030204" pitchFamily="34" charset="0"/>
+                <a:ea typeface="Helvetica Neue"/>
+                <a:cs typeface="Calibri" panose="020F0502020204030204" pitchFamily="34" charset="0"/>
+                <a:sym typeface="Helvetica Neue"/>
+              </a:rPr>
+              <a:t>Reinforcement_text</a:t>
+            </a:r>
+            <a:endParaRPr kumimoji="0" lang="en-GB" sz="1100" b="0" i="0" u="none" strike="noStrike" cap="none" spc="0" normalizeH="0" baseline="0" dirty="0">
+              <a:ln>
+                <a:noFill/>
+              </a:ln>
+              <a:solidFill>
+                <a:srgbClr val="000000"/>
+              </a:solidFill>
+              <a:effectLst/>
+              <a:uFillTx/>
+              <a:latin typeface="Calibri" panose="020F0502020204030204" pitchFamily="34" charset="0"/>
+              <a:ea typeface="Helvetica Neue"/>
+              <a:cs typeface="Calibri" panose="020F0502020204030204" pitchFamily="34" charset="0"/>
+              <a:sym typeface="Helvetica Neue"/>
+            </a:endParaRPr>
+          </a:p>
+        </p:txBody>
+      </p:sp>
+    </p:spTree>
+    <p:extLst>
+      <p:ext uri="{BB962C8B-B14F-4D97-AF65-F5344CB8AC3E}">
+        <p14:creationId xmlns:p14="http://schemas.microsoft.com/office/powerpoint/2010/main" val="1144504815"/>
       </p:ext>
     </p:extLst>
   </p:cSld>

--- a/OMP_ADKAR_template.pptx
+++ b/OMP_ADKAR_template.pptx
@@ -133,7 +133,7 @@
 <file path=ppt/revisionInfo.xml><?xml version="1.0" encoding="utf-8"?>
 <p1510:revInfo xmlns:a="http://schemas.openxmlformats.org/drawingml/2006/main" xmlns:r="http://schemas.openxmlformats.org/officeDocument/2006/relationships" xmlns:p1510="http://schemas.microsoft.com/office/powerpoint/2015/10/main">
   <p1510:revLst>
-    <p1510:client id="{D759EEE6-8EBC-3E46-96C0-6C7FE9E92CB1}" v="32" dt="2024-11-07T09:15:13.572"/>
+    <p1510:client id="{9C4D2E42-79E8-FF42-958F-0CDA464F138F}" v="10" dt="2024-11-08T06:49:39.835"/>
   </p1510:revLst>
 </p1510:revInfo>
 </file>
@@ -141,73 +141,73 @@
 <file path=ppt/changesInfos/changesInfo1.xml><?xml version="1.0" encoding="utf-8"?>
 <pc:chgInfo xmlns:a="http://schemas.openxmlformats.org/drawingml/2006/main" xmlns:r="http://schemas.openxmlformats.org/officeDocument/2006/relationships" xmlns:ac="http://schemas.microsoft.com/office/drawing/2013/main/command" xmlns:pc="http://schemas.microsoft.com/office/powerpoint/2013/main/command">
   <pc:docChgLst>
-    <pc:chgData name="Arbour, Duncan" userId="f8c76c83-f09a-4702-8a60-e00215c8b89f" providerId="ADAL" clId="{D759EEE6-8EBC-3E46-96C0-6C7FE9E92CB1}"/>
+    <pc:chgData name="Arbour, Duncan" userId="f8c76c83-f09a-4702-8a60-e00215c8b89f" providerId="ADAL" clId="{9C4D2E42-79E8-FF42-958F-0CDA464F138F}"/>
     <pc:docChg chg="addSld">
-      <pc:chgData name="Arbour, Duncan" userId="f8c76c83-f09a-4702-8a60-e00215c8b89f" providerId="ADAL" clId="{D759EEE6-8EBC-3E46-96C0-6C7FE9E92CB1}" dt="2024-11-07T13:57:03.389" v="8" actId="2890"/>
+      <pc:chgData name="Arbour, Duncan" userId="f8c76c83-f09a-4702-8a60-e00215c8b89f" providerId="ADAL" clId="{9C4D2E42-79E8-FF42-958F-0CDA464F138F}" dt="2024-11-08T07:26:58.870" v="8" actId="2890"/>
       <pc:docMkLst>
         <pc:docMk/>
       </pc:docMkLst>
       <pc:sldChg chg="add">
-        <pc:chgData name="Arbour, Duncan" userId="f8c76c83-f09a-4702-8a60-e00215c8b89f" providerId="ADAL" clId="{D759EEE6-8EBC-3E46-96C0-6C7FE9E92CB1}" dt="2024-11-07T13:56:58.038" v="0" actId="2890"/>
+        <pc:chgData name="Arbour, Duncan" userId="f8c76c83-f09a-4702-8a60-e00215c8b89f" providerId="ADAL" clId="{9C4D2E42-79E8-FF42-958F-0CDA464F138F}" dt="2024-11-08T07:26:53.692" v="0" actId="2890"/>
         <pc:sldMkLst>
           <pc:docMk/>
-          <pc:sldMk cId="3155789517" sldId="6152"/>
+          <pc:sldMk cId="3939918943" sldId="6152"/>
         </pc:sldMkLst>
       </pc:sldChg>
       <pc:sldChg chg="add">
-        <pc:chgData name="Arbour, Duncan" userId="f8c76c83-f09a-4702-8a60-e00215c8b89f" providerId="ADAL" clId="{D759EEE6-8EBC-3E46-96C0-6C7FE9E92CB1}" dt="2024-11-07T13:56:59.047" v="1" actId="2890"/>
+        <pc:chgData name="Arbour, Duncan" userId="f8c76c83-f09a-4702-8a60-e00215c8b89f" providerId="ADAL" clId="{9C4D2E42-79E8-FF42-958F-0CDA464F138F}" dt="2024-11-08T07:26:54.931" v="1" actId="2890"/>
         <pc:sldMkLst>
           <pc:docMk/>
-          <pc:sldMk cId="2195706034" sldId="6153"/>
+          <pc:sldMk cId="2526023155" sldId="6153"/>
         </pc:sldMkLst>
       </pc:sldChg>
       <pc:sldChg chg="add">
-        <pc:chgData name="Arbour, Duncan" userId="f8c76c83-f09a-4702-8a60-e00215c8b89f" providerId="ADAL" clId="{D759EEE6-8EBC-3E46-96C0-6C7FE9E92CB1}" dt="2024-11-07T13:56:59.711" v="2" actId="2890"/>
+        <pc:chgData name="Arbour, Duncan" userId="f8c76c83-f09a-4702-8a60-e00215c8b89f" providerId="ADAL" clId="{9C4D2E42-79E8-FF42-958F-0CDA464F138F}" dt="2024-11-08T07:26:55.511" v="2" actId="2890"/>
         <pc:sldMkLst>
           <pc:docMk/>
-          <pc:sldMk cId="2351766959" sldId="6154"/>
+          <pc:sldMk cId="1874132371" sldId="6154"/>
         </pc:sldMkLst>
       </pc:sldChg>
       <pc:sldChg chg="add">
-        <pc:chgData name="Arbour, Duncan" userId="f8c76c83-f09a-4702-8a60-e00215c8b89f" providerId="ADAL" clId="{D759EEE6-8EBC-3E46-96C0-6C7FE9E92CB1}" dt="2024-11-07T13:57:00.345" v="3" actId="2890"/>
+        <pc:chgData name="Arbour, Duncan" userId="f8c76c83-f09a-4702-8a60-e00215c8b89f" providerId="ADAL" clId="{9C4D2E42-79E8-FF42-958F-0CDA464F138F}" dt="2024-11-08T07:26:56.054" v="3" actId="2890"/>
         <pc:sldMkLst>
           <pc:docMk/>
-          <pc:sldMk cId="1809916692" sldId="6155"/>
+          <pc:sldMk cId="3342975694" sldId="6155"/>
         </pc:sldMkLst>
       </pc:sldChg>
       <pc:sldChg chg="add">
-        <pc:chgData name="Arbour, Duncan" userId="f8c76c83-f09a-4702-8a60-e00215c8b89f" providerId="ADAL" clId="{D759EEE6-8EBC-3E46-96C0-6C7FE9E92CB1}" dt="2024-11-07T13:57:00.993" v="4" actId="2890"/>
+        <pc:chgData name="Arbour, Duncan" userId="f8c76c83-f09a-4702-8a60-e00215c8b89f" providerId="ADAL" clId="{9C4D2E42-79E8-FF42-958F-0CDA464F138F}" dt="2024-11-08T07:26:56.636" v="4" actId="2890"/>
         <pc:sldMkLst>
           <pc:docMk/>
-          <pc:sldMk cId="1131727307" sldId="6156"/>
+          <pc:sldMk cId="814112304" sldId="6156"/>
         </pc:sldMkLst>
       </pc:sldChg>
       <pc:sldChg chg="add">
-        <pc:chgData name="Arbour, Duncan" userId="f8c76c83-f09a-4702-8a60-e00215c8b89f" providerId="ADAL" clId="{D759EEE6-8EBC-3E46-96C0-6C7FE9E92CB1}" dt="2024-11-07T13:57:01.575" v="5" actId="2890"/>
+        <pc:chgData name="Arbour, Duncan" userId="f8c76c83-f09a-4702-8a60-e00215c8b89f" providerId="ADAL" clId="{9C4D2E42-79E8-FF42-958F-0CDA464F138F}" dt="2024-11-08T07:26:57.185" v="5" actId="2890"/>
         <pc:sldMkLst>
           <pc:docMk/>
-          <pc:sldMk cId="3594415621" sldId="6157"/>
+          <pc:sldMk cId="778674166" sldId="6157"/>
         </pc:sldMkLst>
       </pc:sldChg>
       <pc:sldChg chg="add">
-        <pc:chgData name="Arbour, Duncan" userId="f8c76c83-f09a-4702-8a60-e00215c8b89f" providerId="ADAL" clId="{D759EEE6-8EBC-3E46-96C0-6C7FE9E92CB1}" dt="2024-11-07T13:57:02.209" v="6" actId="2890"/>
+        <pc:chgData name="Arbour, Duncan" userId="f8c76c83-f09a-4702-8a60-e00215c8b89f" providerId="ADAL" clId="{9C4D2E42-79E8-FF42-958F-0CDA464F138F}" dt="2024-11-08T07:26:57.784" v="6" actId="2890"/>
         <pc:sldMkLst>
           <pc:docMk/>
-          <pc:sldMk cId="3594114673" sldId="6158"/>
+          <pc:sldMk cId="2735340174" sldId="6158"/>
         </pc:sldMkLst>
       </pc:sldChg>
       <pc:sldChg chg="add">
-        <pc:chgData name="Arbour, Duncan" userId="f8c76c83-f09a-4702-8a60-e00215c8b89f" providerId="ADAL" clId="{D759EEE6-8EBC-3E46-96C0-6C7FE9E92CB1}" dt="2024-11-07T13:57:02.777" v="7" actId="2890"/>
+        <pc:chgData name="Arbour, Duncan" userId="f8c76c83-f09a-4702-8a60-e00215c8b89f" providerId="ADAL" clId="{9C4D2E42-79E8-FF42-958F-0CDA464F138F}" dt="2024-11-08T07:26:58.333" v="7" actId="2890"/>
         <pc:sldMkLst>
           <pc:docMk/>
-          <pc:sldMk cId="1144504815" sldId="6159"/>
+          <pc:sldMk cId="4196554281" sldId="6159"/>
         </pc:sldMkLst>
       </pc:sldChg>
       <pc:sldChg chg="add">
-        <pc:chgData name="Arbour, Duncan" userId="f8c76c83-f09a-4702-8a60-e00215c8b89f" providerId="ADAL" clId="{D759EEE6-8EBC-3E46-96C0-6C7FE9E92CB1}" dt="2024-11-07T13:57:03.389" v="8" actId="2890"/>
+        <pc:chgData name="Arbour, Duncan" userId="f8c76c83-f09a-4702-8a60-e00215c8b89f" providerId="ADAL" clId="{9C4D2E42-79E8-FF42-958F-0CDA464F138F}" dt="2024-11-08T07:26:58.870" v="8" actId="2890"/>
         <pc:sldMkLst>
           <pc:docMk/>
-          <pc:sldMk cId="4267336544" sldId="6160"/>
+          <pc:sldMk cId="1324317197" sldId="6160"/>
         </pc:sldMkLst>
       </pc:sldChg>
     </pc:docChg>
@@ -297,7 +297,7 @@
           <a:p>
             <a:fld id="{AD2FC18A-88CE-45A5-A150-0A4B51E22D8C}" type="datetimeFigureOut">
               <a:rPr lang="en-GB" smtClean="0"/>
-              <a:t>07/11/2024</a:t>
+              <a:t>08/11/2024</a:t>
             </a:fld>
             <a:endParaRPr lang="en-GB"/>
           </a:p>
@@ -657,7 +657,7 @@
         <p:cNvPr id="1" name="">
           <a:extLst>
             <a:ext uri="{FF2B5EF4-FFF2-40B4-BE49-F238E27FC236}">
-              <a16:creationId xmlns:a16="http://schemas.microsoft.com/office/drawing/2014/main" id="{CC421F02-A598-6CF0-9D47-71C8C450EBED}"/>
+              <a16:creationId xmlns:a16="http://schemas.microsoft.com/office/drawing/2014/main" id="{A147FB0D-8577-D6E4-AA17-A17D6564C880}"/>
             </a:ext>
           </a:extLst>
         </p:cNvPr>
@@ -677,7 +677,7 @@
           <p:cNvPr id="2" name="Slide Image Placeholder 1">
             <a:extLst>
               <a:ext uri="{FF2B5EF4-FFF2-40B4-BE49-F238E27FC236}">
-                <a16:creationId xmlns:a16="http://schemas.microsoft.com/office/drawing/2014/main" id="{C2A85B7C-A19D-6559-F726-08A908220B8A}"/>
+                <a16:creationId xmlns:a16="http://schemas.microsoft.com/office/drawing/2014/main" id="{B353B38C-6922-7D34-AD21-C57B6620DC02}"/>
               </a:ext>
             </a:extLst>
           </p:cNvPr>
@@ -695,7 +695,7 @@
           <p:cNvPr id="3" name="Notes Placeholder 2">
             <a:extLst>
               <a:ext uri="{FF2B5EF4-FFF2-40B4-BE49-F238E27FC236}">
-                <a16:creationId xmlns:a16="http://schemas.microsoft.com/office/drawing/2014/main" id="{C762E607-3BBA-4BEA-6B32-87285832FE22}"/>
+                <a16:creationId xmlns:a16="http://schemas.microsoft.com/office/drawing/2014/main" id="{1E0196A0-2553-10F4-83F6-674FB9EE6852}"/>
               </a:ext>
             </a:extLst>
           </p:cNvPr>
@@ -720,7 +720,7 @@
           <p:cNvPr id="4" name="Slide Number Placeholder 3">
             <a:extLst>
               <a:ext uri="{FF2B5EF4-FFF2-40B4-BE49-F238E27FC236}">
-                <a16:creationId xmlns:a16="http://schemas.microsoft.com/office/drawing/2014/main" id="{EDD6ED40-4578-4C71-9366-C3753F2605ED}"/>
+                <a16:creationId xmlns:a16="http://schemas.microsoft.com/office/drawing/2014/main" id="{B190C5D3-54A7-877F-0418-A6A9CFF0A2A8}"/>
               </a:ext>
             </a:extLst>
           </p:cNvPr>
@@ -747,7 +747,7 @@
     </p:spTree>
     <p:extLst>
       <p:ext uri="{BB962C8B-B14F-4D97-AF65-F5344CB8AC3E}">
-        <p14:creationId xmlns:p14="http://schemas.microsoft.com/office/powerpoint/2010/main" val="2178996329"/>
+        <p14:creationId xmlns:p14="http://schemas.microsoft.com/office/powerpoint/2010/main" val="3548114755"/>
       </p:ext>
     </p:extLst>
   </p:cSld>
@@ -765,7 +765,7 @@
         <p:cNvPr id="1" name="">
           <a:extLst>
             <a:ext uri="{FF2B5EF4-FFF2-40B4-BE49-F238E27FC236}">
-              <a16:creationId xmlns:a16="http://schemas.microsoft.com/office/drawing/2014/main" id="{5CF08C63-C47F-E6E6-2983-30573EB4AAF3}"/>
+              <a16:creationId xmlns:a16="http://schemas.microsoft.com/office/drawing/2014/main" id="{7BA399FA-B976-FE73-9CB1-55C36C6A8FDC}"/>
             </a:ext>
           </a:extLst>
         </p:cNvPr>
@@ -785,7 +785,7 @@
           <p:cNvPr id="2" name="Slide Image Placeholder 1">
             <a:extLst>
               <a:ext uri="{FF2B5EF4-FFF2-40B4-BE49-F238E27FC236}">
-                <a16:creationId xmlns:a16="http://schemas.microsoft.com/office/drawing/2014/main" id="{DA77C101-8092-B506-F7D0-C166DF39CF0B}"/>
+                <a16:creationId xmlns:a16="http://schemas.microsoft.com/office/drawing/2014/main" id="{B6FADA1C-F0D7-E5D7-8A3C-7D44492C6C1E}"/>
               </a:ext>
             </a:extLst>
           </p:cNvPr>
@@ -803,7 +803,7 @@
           <p:cNvPr id="3" name="Notes Placeholder 2">
             <a:extLst>
               <a:ext uri="{FF2B5EF4-FFF2-40B4-BE49-F238E27FC236}">
-                <a16:creationId xmlns:a16="http://schemas.microsoft.com/office/drawing/2014/main" id="{79D5D414-450C-93BC-FBF7-B1B625945513}"/>
+                <a16:creationId xmlns:a16="http://schemas.microsoft.com/office/drawing/2014/main" id="{D8FDF6D7-DA3F-7E1F-DB35-140E8901F734}"/>
               </a:ext>
             </a:extLst>
           </p:cNvPr>
@@ -828,7 +828,7 @@
           <p:cNvPr id="4" name="Slide Number Placeholder 3">
             <a:extLst>
               <a:ext uri="{FF2B5EF4-FFF2-40B4-BE49-F238E27FC236}">
-                <a16:creationId xmlns:a16="http://schemas.microsoft.com/office/drawing/2014/main" id="{8EB2DCCB-A208-C907-B8C6-C5E95D2E6BF0}"/>
+                <a16:creationId xmlns:a16="http://schemas.microsoft.com/office/drawing/2014/main" id="{BCCD1310-6745-B933-4036-768BD6E7173A}"/>
               </a:ext>
             </a:extLst>
           </p:cNvPr>
@@ -855,7 +855,7 @@
     </p:spTree>
     <p:extLst>
       <p:ext uri="{BB962C8B-B14F-4D97-AF65-F5344CB8AC3E}">
-        <p14:creationId xmlns:p14="http://schemas.microsoft.com/office/powerpoint/2010/main" val="1054141768"/>
+        <p14:creationId xmlns:p14="http://schemas.microsoft.com/office/powerpoint/2010/main" val="3743610969"/>
       </p:ext>
     </p:extLst>
   </p:cSld>
@@ -873,7 +873,7 @@
         <p:cNvPr id="1" name="">
           <a:extLst>
             <a:ext uri="{FF2B5EF4-FFF2-40B4-BE49-F238E27FC236}">
-              <a16:creationId xmlns:a16="http://schemas.microsoft.com/office/drawing/2014/main" id="{728C6CAF-A8FE-5008-B2D3-53FBCE68063A}"/>
+              <a16:creationId xmlns:a16="http://schemas.microsoft.com/office/drawing/2014/main" id="{416AE433-6E1E-2041-E7EE-D2AA30B1C9BC}"/>
             </a:ext>
           </a:extLst>
         </p:cNvPr>
@@ -893,7 +893,7 @@
           <p:cNvPr id="2" name="Slide Image Placeholder 1">
             <a:extLst>
               <a:ext uri="{FF2B5EF4-FFF2-40B4-BE49-F238E27FC236}">
-                <a16:creationId xmlns:a16="http://schemas.microsoft.com/office/drawing/2014/main" id="{A5E3156D-76EB-10D3-4000-322C580A0996}"/>
+                <a16:creationId xmlns:a16="http://schemas.microsoft.com/office/drawing/2014/main" id="{D37E66D8-4D6E-946C-4543-C2D4711FFACD}"/>
               </a:ext>
             </a:extLst>
           </p:cNvPr>
@@ -911,7 +911,7 @@
           <p:cNvPr id="3" name="Notes Placeholder 2">
             <a:extLst>
               <a:ext uri="{FF2B5EF4-FFF2-40B4-BE49-F238E27FC236}">
-                <a16:creationId xmlns:a16="http://schemas.microsoft.com/office/drawing/2014/main" id="{30D2EEE6-5A6E-6F04-47C4-6175A272B09D}"/>
+                <a16:creationId xmlns:a16="http://schemas.microsoft.com/office/drawing/2014/main" id="{7153B639-32F4-4BCB-9658-C36EB7A1AA7E}"/>
               </a:ext>
             </a:extLst>
           </p:cNvPr>
@@ -936,7 +936,7 @@
           <p:cNvPr id="4" name="Slide Number Placeholder 3">
             <a:extLst>
               <a:ext uri="{FF2B5EF4-FFF2-40B4-BE49-F238E27FC236}">
-                <a16:creationId xmlns:a16="http://schemas.microsoft.com/office/drawing/2014/main" id="{3A145B60-B379-DC1E-1260-F86E1A0A25C9}"/>
+                <a16:creationId xmlns:a16="http://schemas.microsoft.com/office/drawing/2014/main" id="{6F260F79-46AA-F7D8-2D5F-08ACB1D6AE4B}"/>
               </a:ext>
             </a:extLst>
           </p:cNvPr>
@@ -963,7 +963,7 @@
     </p:spTree>
     <p:extLst>
       <p:ext uri="{BB962C8B-B14F-4D97-AF65-F5344CB8AC3E}">
-        <p14:creationId xmlns:p14="http://schemas.microsoft.com/office/powerpoint/2010/main" val="1447449667"/>
+        <p14:creationId xmlns:p14="http://schemas.microsoft.com/office/powerpoint/2010/main" val="2111489959"/>
       </p:ext>
     </p:extLst>
   </p:cSld>
@@ -981,7 +981,7 @@
         <p:cNvPr id="1" name="">
           <a:extLst>
             <a:ext uri="{FF2B5EF4-FFF2-40B4-BE49-F238E27FC236}">
-              <a16:creationId xmlns:a16="http://schemas.microsoft.com/office/drawing/2014/main" id="{5D5A0DDF-DBEA-782A-D4F1-F8AAD58991DA}"/>
+              <a16:creationId xmlns:a16="http://schemas.microsoft.com/office/drawing/2014/main" id="{A7403584-0019-62C7-8381-D656C5969166}"/>
             </a:ext>
           </a:extLst>
         </p:cNvPr>
@@ -1001,7 +1001,7 @@
           <p:cNvPr id="2" name="Slide Image Placeholder 1">
             <a:extLst>
               <a:ext uri="{FF2B5EF4-FFF2-40B4-BE49-F238E27FC236}">
-                <a16:creationId xmlns:a16="http://schemas.microsoft.com/office/drawing/2014/main" id="{0C0BE3D4-CDE8-A91D-D35C-63EB3012B34E}"/>
+                <a16:creationId xmlns:a16="http://schemas.microsoft.com/office/drawing/2014/main" id="{F159561B-5A2F-5A5B-0D9E-9BA9F2A246BF}"/>
               </a:ext>
             </a:extLst>
           </p:cNvPr>
@@ -1019,7 +1019,7 @@
           <p:cNvPr id="3" name="Notes Placeholder 2">
             <a:extLst>
               <a:ext uri="{FF2B5EF4-FFF2-40B4-BE49-F238E27FC236}">
-                <a16:creationId xmlns:a16="http://schemas.microsoft.com/office/drawing/2014/main" id="{AA46A277-3A5D-8810-4514-6F01F22B3282}"/>
+                <a16:creationId xmlns:a16="http://schemas.microsoft.com/office/drawing/2014/main" id="{DED91AAB-8B10-7B62-FD89-09FEA03AF7B6}"/>
               </a:ext>
             </a:extLst>
           </p:cNvPr>
@@ -1044,7 +1044,7 @@
           <p:cNvPr id="4" name="Slide Number Placeholder 3">
             <a:extLst>
               <a:ext uri="{FF2B5EF4-FFF2-40B4-BE49-F238E27FC236}">
-                <a16:creationId xmlns:a16="http://schemas.microsoft.com/office/drawing/2014/main" id="{9FECB320-F88B-A4DF-62CF-255A0F567E90}"/>
+                <a16:creationId xmlns:a16="http://schemas.microsoft.com/office/drawing/2014/main" id="{0D439ED0-59C7-5897-8603-7F1D3EBC465F}"/>
               </a:ext>
             </a:extLst>
           </p:cNvPr>
@@ -1071,7 +1071,7 @@
     </p:spTree>
     <p:extLst>
       <p:ext uri="{BB962C8B-B14F-4D97-AF65-F5344CB8AC3E}">
-        <p14:creationId xmlns:p14="http://schemas.microsoft.com/office/powerpoint/2010/main" val="977002394"/>
+        <p14:creationId xmlns:p14="http://schemas.microsoft.com/office/powerpoint/2010/main" val="1807224250"/>
       </p:ext>
     </p:extLst>
   </p:cSld>
@@ -1089,7 +1089,7 @@
         <p:cNvPr id="1" name="">
           <a:extLst>
             <a:ext uri="{FF2B5EF4-FFF2-40B4-BE49-F238E27FC236}">
-              <a16:creationId xmlns:a16="http://schemas.microsoft.com/office/drawing/2014/main" id="{FA520E22-1A2B-A3F7-3F1F-CF9367FCA589}"/>
+              <a16:creationId xmlns:a16="http://schemas.microsoft.com/office/drawing/2014/main" id="{A29866DC-C6E9-AE3C-C8D3-9017B96B6F2B}"/>
             </a:ext>
           </a:extLst>
         </p:cNvPr>
@@ -1109,7 +1109,7 @@
           <p:cNvPr id="2" name="Slide Image Placeholder 1">
             <a:extLst>
               <a:ext uri="{FF2B5EF4-FFF2-40B4-BE49-F238E27FC236}">
-                <a16:creationId xmlns:a16="http://schemas.microsoft.com/office/drawing/2014/main" id="{B08AC90D-D9B6-C4D9-E132-CF1EA9933AD9}"/>
+                <a16:creationId xmlns:a16="http://schemas.microsoft.com/office/drawing/2014/main" id="{2A9E0FCA-EFD7-C6C5-808C-F7E1606B2756}"/>
               </a:ext>
             </a:extLst>
           </p:cNvPr>
@@ -1127,7 +1127,7 @@
           <p:cNvPr id="3" name="Notes Placeholder 2">
             <a:extLst>
               <a:ext uri="{FF2B5EF4-FFF2-40B4-BE49-F238E27FC236}">
-                <a16:creationId xmlns:a16="http://schemas.microsoft.com/office/drawing/2014/main" id="{679A86D4-AA58-D590-D0C6-D7A9A6636204}"/>
+                <a16:creationId xmlns:a16="http://schemas.microsoft.com/office/drawing/2014/main" id="{7A63DBCB-37A0-7E21-80B6-6A4117A6F34E}"/>
               </a:ext>
             </a:extLst>
           </p:cNvPr>
@@ -1152,7 +1152,7 @@
           <p:cNvPr id="4" name="Slide Number Placeholder 3">
             <a:extLst>
               <a:ext uri="{FF2B5EF4-FFF2-40B4-BE49-F238E27FC236}">
-                <a16:creationId xmlns:a16="http://schemas.microsoft.com/office/drawing/2014/main" id="{B82A4658-BA77-2169-7A45-E0D810449F8C}"/>
+                <a16:creationId xmlns:a16="http://schemas.microsoft.com/office/drawing/2014/main" id="{93D29F4A-D422-E34A-681D-C9DE4F581FD3}"/>
               </a:ext>
             </a:extLst>
           </p:cNvPr>
@@ -1179,7 +1179,7 @@
     </p:spTree>
     <p:extLst>
       <p:ext uri="{BB962C8B-B14F-4D97-AF65-F5344CB8AC3E}">
-        <p14:creationId xmlns:p14="http://schemas.microsoft.com/office/powerpoint/2010/main" val="2206767987"/>
+        <p14:creationId xmlns:p14="http://schemas.microsoft.com/office/powerpoint/2010/main" val="1963604108"/>
       </p:ext>
     </p:extLst>
   </p:cSld>
@@ -1197,7 +1197,7 @@
         <p:cNvPr id="1" name="">
           <a:extLst>
             <a:ext uri="{FF2B5EF4-FFF2-40B4-BE49-F238E27FC236}">
-              <a16:creationId xmlns:a16="http://schemas.microsoft.com/office/drawing/2014/main" id="{1159DE28-DAE5-3B2D-AEF3-B808AF4CFCDC}"/>
+              <a16:creationId xmlns:a16="http://schemas.microsoft.com/office/drawing/2014/main" id="{9E9BC572-6AEF-50D3-B553-5CA668C0793F}"/>
             </a:ext>
           </a:extLst>
         </p:cNvPr>
@@ -1217,7 +1217,7 @@
           <p:cNvPr id="2" name="Slide Image Placeholder 1">
             <a:extLst>
               <a:ext uri="{FF2B5EF4-FFF2-40B4-BE49-F238E27FC236}">
-                <a16:creationId xmlns:a16="http://schemas.microsoft.com/office/drawing/2014/main" id="{670E1A27-E84A-BE70-E913-486F30429F60}"/>
+                <a16:creationId xmlns:a16="http://schemas.microsoft.com/office/drawing/2014/main" id="{9DBFCBBE-B0AE-DF83-8412-2769C7A603B0}"/>
               </a:ext>
             </a:extLst>
           </p:cNvPr>
@@ -1235,7 +1235,7 @@
           <p:cNvPr id="3" name="Notes Placeholder 2">
             <a:extLst>
               <a:ext uri="{FF2B5EF4-FFF2-40B4-BE49-F238E27FC236}">
-                <a16:creationId xmlns:a16="http://schemas.microsoft.com/office/drawing/2014/main" id="{4B50DC25-6469-6B7F-3274-B8950ABEDFFD}"/>
+                <a16:creationId xmlns:a16="http://schemas.microsoft.com/office/drawing/2014/main" id="{0771C3AF-8B3F-D47C-A260-2141EB164F1E}"/>
               </a:ext>
             </a:extLst>
           </p:cNvPr>
@@ -1260,7 +1260,7 @@
           <p:cNvPr id="4" name="Slide Number Placeholder 3">
             <a:extLst>
               <a:ext uri="{FF2B5EF4-FFF2-40B4-BE49-F238E27FC236}">
-                <a16:creationId xmlns:a16="http://schemas.microsoft.com/office/drawing/2014/main" id="{B19238F5-2181-1D78-B595-8D2CE6D7CCD6}"/>
+                <a16:creationId xmlns:a16="http://schemas.microsoft.com/office/drawing/2014/main" id="{28BB1BD6-AD03-455F-EDE2-F800A65DA991}"/>
               </a:ext>
             </a:extLst>
           </p:cNvPr>
@@ -1287,7 +1287,7 @@
     </p:spTree>
     <p:extLst>
       <p:ext uri="{BB962C8B-B14F-4D97-AF65-F5344CB8AC3E}">
-        <p14:creationId xmlns:p14="http://schemas.microsoft.com/office/powerpoint/2010/main" val="1829491715"/>
+        <p14:creationId xmlns:p14="http://schemas.microsoft.com/office/powerpoint/2010/main" val="3511771757"/>
       </p:ext>
     </p:extLst>
   </p:cSld>
@@ -1305,7 +1305,7 @@
         <p:cNvPr id="1" name="">
           <a:extLst>
             <a:ext uri="{FF2B5EF4-FFF2-40B4-BE49-F238E27FC236}">
-              <a16:creationId xmlns:a16="http://schemas.microsoft.com/office/drawing/2014/main" id="{6E7C38F3-920C-A6B7-F470-B71257EF2FC6}"/>
+              <a16:creationId xmlns:a16="http://schemas.microsoft.com/office/drawing/2014/main" id="{7FF887A7-93A4-7433-76EE-5F83FF747031}"/>
             </a:ext>
           </a:extLst>
         </p:cNvPr>
@@ -1325,7 +1325,7 @@
           <p:cNvPr id="2" name="Slide Image Placeholder 1">
             <a:extLst>
               <a:ext uri="{FF2B5EF4-FFF2-40B4-BE49-F238E27FC236}">
-                <a16:creationId xmlns:a16="http://schemas.microsoft.com/office/drawing/2014/main" id="{4C70A24C-30E6-E2A4-F64F-A5A465BE3094}"/>
+                <a16:creationId xmlns:a16="http://schemas.microsoft.com/office/drawing/2014/main" id="{42D1A8AD-7B52-E745-CBB4-7B8511249FE6}"/>
               </a:ext>
             </a:extLst>
           </p:cNvPr>
@@ -1343,7 +1343,7 @@
           <p:cNvPr id="3" name="Notes Placeholder 2">
             <a:extLst>
               <a:ext uri="{FF2B5EF4-FFF2-40B4-BE49-F238E27FC236}">
-                <a16:creationId xmlns:a16="http://schemas.microsoft.com/office/drawing/2014/main" id="{4A982F66-383B-6BEE-9515-DC7373D85E00}"/>
+                <a16:creationId xmlns:a16="http://schemas.microsoft.com/office/drawing/2014/main" id="{FF15DC8B-00FB-1CB0-F453-0447C33DD529}"/>
               </a:ext>
             </a:extLst>
           </p:cNvPr>
@@ -1368,7 +1368,7 @@
           <p:cNvPr id="4" name="Slide Number Placeholder 3">
             <a:extLst>
               <a:ext uri="{FF2B5EF4-FFF2-40B4-BE49-F238E27FC236}">
-                <a16:creationId xmlns:a16="http://schemas.microsoft.com/office/drawing/2014/main" id="{04595475-5751-FF8B-6BF7-79A9CD1B5284}"/>
+                <a16:creationId xmlns:a16="http://schemas.microsoft.com/office/drawing/2014/main" id="{97D349E8-E59F-B752-74DA-779305A7BF6E}"/>
               </a:ext>
             </a:extLst>
           </p:cNvPr>
@@ -1395,7 +1395,7 @@
     </p:spTree>
     <p:extLst>
       <p:ext uri="{BB962C8B-B14F-4D97-AF65-F5344CB8AC3E}">
-        <p14:creationId xmlns:p14="http://schemas.microsoft.com/office/powerpoint/2010/main" val="2939108178"/>
+        <p14:creationId xmlns:p14="http://schemas.microsoft.com/office/powerpoint/2010/main" val="3709588751"/>
       </p:ext>
     </p:extLst>
   </p:cSld>
@@ -1413,7 +1413,7 @@
         <p:cNvPr id="1" name="">
           <a:extLst>
             <a:ext uri="{FF2B5EF4-FFF2-40B4-BE49-F238E27FC236}">
-              <a16:creationId xmlns:a16="http://schemas.microsoft.com/office/drawing/2014/main" id="{5AC638C1-EA89-E0CA-F3E3-9B84250E73DD}"/>
+              <a16:creationId xmlns:a16="http://schemas.microsoft.com/office/drawing/2014/main" id="{978B29E5-E606-B415-05C1-10728C9F19BA}"/>
             </a:ext>
           </a:extLst>
         </p:cNvPr>
@@ -1433,7 +1433,7 @@
           <p:cNvPr id="2" name="Slide Image Placeholder 1">
             <a:extLst>
               <a:ext uri="{FF2B5EF4-FFF2-40B4-BE49-F238E27FC236}">
-                <a16:creationId xmlns:a16="http://schemas.microsoft.com/office/drawing/2014/main" id="{D81E2F04-48A8-B531-8DB3-B6E2429B3ED7}"/>
+                <a16:creationId xmlns:a16="http://schemas.microsoft.com/office/drawing/2014/main" id="{92E33050-CDEC-F5D2-045B-A649F2D53A64}"/>
               </a:ext>
             </a:extLst>
           </p:cNvPr>
@@ -1451,7 +1451,7 @@
           <p:cNvPr id="3" name="Notes Placeholder 2">
             <a:extLst>
               <a:ext uri="{FF2B5EF4-FFF2-40B4-BE49-F238E27FC236}">
-                <a16:creationId xmlns:a16="http://schemas.microsoft.com/office/drawing/2014/main" id="{20CFF541-ADDF-F93F-BB7B-C25B60D5C8F4}"/>
+                <a16:creationId xmlns:a16="http://schemas.microsoft.com/office/drawing/2014/main" id="{C826008E-0BF7-714F-F904-A8367F9A1385}"/>
               </a:ext>
             </a:extLst>
           </p:cNvPr>
@@ -1476,7 +1476,7 @@
           <p:cNvPr id="4" name="Slide Number Placeholder 3">
             <a:extLst>
               <a:ext uri="{FF2B5EF4-FFF2-40B4-BE49-F238E27FC236}">
-                <a16:creationId xmlns:a16="http://schemas.microsoft.com/office/drawing/2014/main" id="{F20ECEE6-6DEA-CAE7-D302-6A51561A814A}"/>
+                <a16:creationId xmlns:a16="http://schemas.microsoft.com/office/drawing/2014/main" id="{63FFE707-E354-39C7-8548-189C67863E01}"/>
               </a:ext>
             </a:extLst>
           </p:cNvPr>
@@ -1503,7 +1503,7 @@
     </p:spTree>
     <p:extLst>
       <p:ext uri="{BB962C8B-B14F-4D97-AF65-F5344CB8AC3E}">
-        <p14:creationId xmlns:p14="http://schemas.microsoft.com/office/powerpoint/2010/main" val="2438528633"/>
+        <p14:creationId xmlns:p14="http://schemas.microsoft.com/office/powerpoint/2010/main" val="1370082964"/>
       </p:ext>
     </p:extLst>
   </p:cSld>
@@ -1521,7 +1521,7 @@
         <p:cNvPr id="1" name="">
           <a:extLst>
             <a:ext uri="{FF2B5EF4-FFF2-40B4-BE49-F238E27FC236}">
-              <a16:creationId xmlns:a16="http://schemas.microsoft.com/office/drawing/2014/main" id="{FE86DC48-A569-23A2-421B-C370DEBB3D1D}"/>
+              <a16:creationId xmlns:a16="http://schemas.microsoft.com/office/drawing/2014/main" id="{1D800A28-65AB-A366-39A5-F01683839B4A}"/>
             </a:ext>
           </a:extLst>
         </p:cNvPr>
@@ -1541,7 +1541,7 @@
           <p:cNvPr id="2" name="Slide Image Placeholder 1">
             <a:extLst>
               <a:ext uri="{FF2B5EF4-FFF2-40B4-BE49-F238E27FC236}">
-                <a16:creationId xmlns:a16="http://schemas.microsoft.com/office/drawing/2014/main" id="{ECE25416-7C02-7FED-ACDB-380D356EEB2A}"/>
+                <a16:creationId xmlns:a16="http://schemas.microsoft.com/office/drawing/2014/main" id="{7C5FDACA-3BF2-E66F-3997-637DC8966697}"/>
               </a:ext>
             </a:extLst>
           </p:cNvPr>
@@ -1559,7 +1559,7 @@
           <p:cNvPr id="3" name="Notes Placeholder 2">
             <a:extLst>
               <a:ext uri="{FF2B5EF4-FFF2-40B4-BE49-F238E27FC236}">
-                <a16:creationId xmlns:a16="http://schemas.microsoft.com/office/drawing/2014/main" id="{B650724D-8324-115F-F0A2-578E344610D4}"/>
+                <a16:creationId xmlns:a16="http://schemas.microsoft.com/office/drawing/2014/main" id="{9616D2D3-0FB0-4BE1-7FD9-42D20E3018BD}"/>
               </a:ext>
             </a:extLst>
           </p:cNvPr>
@@ -1584,7 +1584,7 @@
           <p:cNvPr id="4" name="Slide Number Placeholder 3">
             <a:extLst>
               <a:ext uri="{FF2B5EF4-FFF2-40B4-BE49-F238E27FC236}">
-                <a16:creationId xmlns:a16="http://schemas.microsoft.com/office/drawing/2014/main" id="{FA709F70-4C5D-C7F3-5012-90854D1A7408}"/>
+                <a16:creationId xmlns:a16="http://schemas.microsoft.com/office/drawing/2014/main" id="{D273925E-9212-9C6C-7110-415E7344478D}"/>
               </a:ext>
             </a:extLst>
           </p:cNvPr>
@@ -1611,7 +1611,7 @@
     </p:spTree>
     <p:extLst>
       <p:ext uri="{BB962C8B-B14F-4D97-AF65-F5344CB8AC3E}">
-        <p14:creationId xmlns:p14="http://schemas.microsoft.com/office/powerpoint/2010/main" val="3316828424"/>
+        <p14:creationId xmlns:p14="http://schemas.microsoft.com/office/powerpoint/2010/main" val="742776225"/>
       </p:ext>
     </p:extLst>
   </p:cSld>
@@ -2536,6 +2536,421 @@
               <a:cs typeface="+mn-cs"/>
               <a:sym typeface="Helvetica Neue Medium"/>
             </a:endParaRPr>
+          </a:p>
+        </p:txBody>
+      </p:sp>
+      <p:sp>
+        <p:nvSpPr>
+          <p:cNvPr id="5" name="Text Placeholder 4">
+            <a:extLst>
+              <a:ext uri="{FF2B5EF4-FFF2-40B4-BE49-F238E27FC236}">
+                <a16:creationId xmlns:a16="http://schemas.microsoft.com/office/drawing/2014/main" id="{C3D9719B-EEBE-62D2-3D6A-7FC46176F416}"/>
+              </a:ext>
+            </a:extLst>
+          </p:cNvPr>
+          <p:cNvSpPr>
+            <a:spLocks noGrp="1"/>
+          </p:cNvSpPr>
+          <p:nvPr>
+            <p:ph type="body" sz="quarter" idx="10"/>
+          </p:nvPr>
+        </p:nvSpPr>
+        <p:spPr>
+          <a:xfrm>
+            <a:off x="365125" y="1414463"/>
+            <a:ext cx="2078038" cy="5165725"/>
+          </a:xfrm>
+          <a:prstGeom prst="rect">
+            <a:avLst/>
+          </a:prstGeom>
+        </p:spPr>
+        <p:txBody>
+          <a:bodyPr>
+            <a:normAutofit/>
+          </a:bodyPr>
+          <a:lstStyle>
+            <a:lvl1pPr algn="l">
+              <a:defRPr sz="1100"/>
+            </a:lvl1pPr>
+            <a:lvl2pPr algn="l">
+              <a:defRPr sz="1100"/>
+            </a:lvl2pPr>
+            <a:lvl3pPr algn="l">
+              <a:defRPr sz="1100"/>
+            </a:lvl3pPr>
+            <a:lvl4pPr algn="l">
+              <a:defRPr sz="1100"/>
+            </a:lvl4pPr>
+            <a:lvl5pPr algn="l">
+              <a:defRPr sz="1100"/>
+            </a:lvl5pPr>
+          </a:lstStyle>
+          <a:p>
+            <a:pPr lvl="0"/>
+            <a:r>
+              <a:rPr lang="en-GB" dirty="0"/>
+              <a:t>Click to edit Master text styles</a:t>
+            </a:r>
+          </a:p>
+          <a:p>
+            <a:pPr lvl="1"/>
+            <a:r>
+              <a:rPr lang="en-GB" dirty="0"/>
+              <a:t>Second level</a:t>
+            </a:r>
+          </a:p>
+          <a:p>
+            <a:pPr lvl="2"/>
+            <a:r>
+              <a:rPr lang="en-GB" dirty="0"/>
+              <a:t>Third level</a:t>
+            </a:r>
+          </a:p>
+          <a:p>
+            <a:pPr lvl="3"/>
+            <a:r>
+              <a:rPr lang="en-GB" dirty="0"/>
+              <a:t>Fourth level</a:t>
+            </a:r>
+          </a:p>
+          <a:p>
+            <a:pPr lvl="4"/>
+            <a:r>
+              <a:rPr lang="en-GB" dirty="0"/>
+              <a:t>Fifth level</a:t>
+            </a:r>
+          </a:p>
+        </p:txBody>
+      </p:sp>
+      <p:sp>
+        <p:nvSpPr>
+          <p:cNvPr id="6" name="Text Placeholder 4">
+            <a:extLst>
+              <a:ext uri="{FF2B5EF4-FFF2-40B4-BE49-F238E27FC236}">
+                <a16:creationId xmlns:a16="http://schemas.microsoft.com/office/drawing/2014/main" id="{33799824-4A15-4BA9-5DCF-689241AF3C15}"/>
+              </a:ext>
+            </a:extLst>
+          </p:cNvPr>
+          <p:cNvSpPr>
+            <a:spLocks noGrp="1"/>
+          </p:cNvSpPr>
+          <p:nvPr>
+            <p:ph type="body" sz="quarter" idx="11"/>
+          </p:nvPr>
+        </p:nvSpPr>
+        <p:spPr>
+          <a:xfrm>
+            <a:off x="2696166" y="1414463"/>
+            <a:ext cx="2078038" cy="5165725"/>
+          </a:xfrm>
+          <a:prstGeom prst="rect">
+            <a:avLst/>
+          </a:prstGeom>
+        </p:spPr>
+        <p:txBody>
+          <a:bodyPr>
+            <a:normAutofit/>
+          </a:bodyPr>
+          <a:lstStyle>
+            <a:lvl1pPr algn="l">
+              <a:defRPr sz="1100"/>
+            </a:lvl1pPr>
+            <a:lvl2pPr algn="l">
+              <a:defRPr sz="1100"/>
+            </a:lvl2pPr>
+            <a:lvl3pPr algn="l">
+              <a:defRPr sz="1100"/>
+            </a:lvl3pPr>
+            <a:lvl4pPr algn="l">
+              <a:defRPr sz="1100"/>
+            </a:lvl4pPr>
+            <a:lvl5pPr algn="l">
+              <a:defRPr sz="1100"/>
+            </a:lvl5pPr>
+          </a:lstStyle>
+          <a:p>
+            <a:pPr lvl="0"/>
+            <a:r>
+              <a:rPr lang="en-GB" dirty="0"/>
+              <a:t>Click to edit Master text styles</a:t>
+            </a:r>
+          </a:p>
+          <a:p>
+            <a:pPr lvl="1"/>
+            <a:r>
+              <a:rPr lang="en-GB" dirty="0"/>
+              <a:t>Second level</a:t>
+            </a:r>
+          </a:p>
+          <a:p>
+            <a:pPr lvl="2"/>
+            <a:r>
+              <a:rPr lang="en-GB" dirty="0"/>
+              <a:t>Third level</a:t>
+            </a:r>
+          </a:p>
+          <a:p>
+            <a:pPr lvl="3"/>
+            <a:r>
+              <a:rPr lang="en-GB" dirty="0"/>
+              <a:t>Fourth level</a:t>
+            </a:r>
+          </a:p>
+          <a:p>
+            <a:pPr lvl="4"/>
+            <a:r>
+              <a:rPr lang="en-GB" dirty="0"/>
+              <a:t>Fifth level</a:t>
+            </a:r>
+          </a:p>
+        </p:txBody>
+      </p:sp>
+      <p:sp>
+        <p:nvSpPr>
+          <p:cNvPr id="7" name="Text Placeholder 4">
+            <a:extLst>
+              <a:ext uri="{FF2B5EF4-FFF2-40B4-BE49-F238E27FC236}">
+                <a16:creationId xmlns:a16="http://schemas.microsoft.com/office/drawing/2014/main" id="{AC612AA5-2706-BE8D-BF9A-2FEBFCA2BF85}"/>
+              </a:ext>
+            </a:extLst>
+          </p:cNvPr>
+          <p:cNvSpPr>
+            <a:spLocks noGrp="1"/>
+          </p:cNvSpPr>
+          <p:nvPr>
+            <p:ph type="body" sz="quarter" idx="12"/>
+          </p:nvPr>
+        </p:nvSpPr>
+        <p:spPr>
+          <a:xfrm>
+            <a:off x="5056981" y="1396535"/>
+            <a:ext cx="2078038" cy="5165725"/>
+          </a:xfrm>
+          <a:prstGeom prst="rect">
+            <a:avLst/>
+          </a:prstGeom>
+        </p:spPr>
+        <p:txBody>
+          <a:bodyPr>
+            <a:normAutofit/>
+          </a:bodyPr>
+          <a:lstStyle>
+            <a:lvl1pPr algn="l">
+              <a:defRPr sz="1100"/>
+            </a:lvl1pPr>
+            <a:lvl2pPr algn="l">
+              <a:defRPr sz="1100"/>
+            </a:lvl2pPr>
+            <a:lvl3pPr algn="l">
+              <a:defRPr sz="1100"/>
+            </a:lvl3pPr>
+            <a:lvl4pPr algn="l">
+              <a:defRPr sz="1100"/>
+            </a:lvl4pPr>
+            <a:lvl5pPr algn="l">
+              <a:defRPr sz="1100"/>
+            </a:lvl5pPr>
+          </a:lstStyle>
+          <a:p>
+            <a:pPr lvl="0"/>
+            <a:r>
+              <a:rPr lang="en-GB" dirty="0"/>
+              <a:t>Click to edit Master text styles</a:t>
+            </a:r>
+          </a:p>
+          <a:p>
+            <a:pPr lvl="1"/>
+            <a:r>
+              <a:rPr lang="en-GB" dirty="0"/>
+              <a:t>Second level</a:t>
+            </a:r>
+          </a:p>
+          <a:p>
+            <a:pPr lvl="2"/>
+            <a:r>
+              <a:rPr lang="en-GB" dirty="0"/>
+              <a:t>Third level</a:t>
+            </a:r>
+          </a:p>
+          <a:p>
+            <a:pPr lvl="3"/>
+            <a:r>
+              <a:rPr lang="en-GB" dirty="0"/>
+              <a:t>Fourth level</a:t>
+            </a:r>
+          </a:p>
+          <a:p>
+            <a:pPr lvl="4"/>
+            <a:r>
+              <a:rPr lang="en-GB" dirty="0"/>
+              <a:t>Fifth level</a:t>
+            </a:r>
+          </a:p>
+        </p:txBody>
+      </p:sp>
+      <p:sp>
+        <p:nvSpPr>
+          <p:cNvPr id="8" name="Text Placeholder 4">
+            <a:extLst>
+              <a:ext uri="{FF2B5EF4-FFF2-40B4-BE49-F238E27FC236}">
+                <a16:creationId xmlns:a16="http://schemas.microsoft.com/office/drawing/2014/main" id="{7C2E8D3B-48F0-D1DA-5EC1-3BA31CB46B6A}"/>
+              </a:ext>
+            </a:extLst>
+          </p:cNvPr>
+          <p:cNvSpPr>
+            <a:spLocks noGrp="1"/>
+          </p:cNvSpPr>
+          <p:nvPr>
+            <p:ph type="body" sz="quarter" idx="13"/>
+          </p:nvPr>
+        </p:nvSpPr>
+        <p:spPr>
+          <a:xfrm>
+            <a:off x="7356905" y="1414236"/>
+            <a:ext cx="2078038" cy="5165725"/>
+          </a:xfrm>
+          <a:prstGeom prst="rect">
+            <a:avLst/>
+          </a:prstGeom>
+        </p:spPr>
+        <p:txBody>
+          <a:bodyPr>
+            <a:normAutofit/>
+          </a:bodyPr>
+          <a:lstStyle>
+            <a:lvl1pPr algn="l">
+              <a:defRPr sz="1100"/>
+            </a:lvl1pPr>
+            <a:lvl2pPr algn="l">
+              <a:defRPr sz="1100"/>
+            </a:lvl2pPr>
+            <a:lvl3pPr algn="l">
+              <a:defRPr sz="1100"/>
+            </a:lvl3pPr>
+            <a:lvl4pPr algn="l">
+              <a:defRPr sz="1100"/>
+            </a:lvl4pPr>
+            <a:lvl5pPr algn="l">
+              <a:defRPr sz="1100"/>
+            </a:lvl5pPr>
+          </a:lstStyle>
+          <a:p>
+            <a:pPr lvl="0"/>
+            <a:r>
+              <a:rPr lang="en-GB" dirty="0"/>
+              <a:t>Click to edit Master text styles</a:t>
+            </a:r>
+          </a:p>
+          <a:p>
+            <a:pPr lvl="1"/>
+            <a:r>
+              <a:rPr lang="en-GB" dirty="0"/>
+              <a:t>Second level</a:t>
+            </a:r>
+          </a:p>
+          <a:p>
+            <a:pPr lvl="2"/>
+            <a:r>
+              <a:rPr lang="en-GB" dirty="0"/>
+              <a:t>Third level</a:t>
+            </a:r>
+          </a:p>
+          <a:p>
+            <a:pPr lvl="3"/>
+            <a:r>
+              <a:rPr lang="en-GB" dirty="0"/>
+              <a:t>Fourth level</a:t>
+            </a:r>
+          </a:p>
+          <a:p>
+            <a:pPr lvl="4"/>
+            <a:r>
+              <a:rPr lang="en-GB" dirty="0"/>
+              <a:t>Fifth level</a:t>
+            </a:r>
+          </a:p>
+        </p:txBody>
+      </p:sp>
+      <p:sp>
+        <p:nvSpPr>
+          <p:cNvPr id="9" name="Text Placeholder 4">
+            <a:extLst>
+              <a:ext uri="{FF2B5EF4-FFF2-40B4-BE49-F238E27FC236}">
+                <a16:creationId xmlns:a16="http://schemas.microsoft.com/office/drawing/2014/main" id="{F09697CE-6E92-FF48-68C3-415AE5A23D71}"/>
+              </a:ext>
+            </a:extLst>
+          </p:cNvPr>
+          <p:cNvSpPr>
+            <a:spLocks noGrp="1"/>
+          </p:cNvSpPr>
+          <p:nvPr>
+            <p:ph type="body" sz="quarter" idx="14"/>
+          </p:nvPr>
+        </p:nvSpPr>
+        <p:spPr>
+          <a:xfrm>
+            <a:off x="9693367" y="1414235"/>
+            <a:ext cx="2078038" cy="5165725"/>
+          </a:xfrm>
+          <a:prstGeom prst="rect">
+            <a:avLst/>
+          </a:prstGeom>
+        </p:spPr>
+        <p:txBody>
+          <a:bodyPr>
+            <a:normAutofit/>
+          </a:bodyPr>
+          <a:lstStyle>
+            <a:lvl1pPr algn="l">
+              <a:defRPr sz="1100"/>
+            </a:lvl1pPr>
+            <a:lvl2pPr algn="l">
+              <a:defRPr sz="1100"/>
+            </a:lvl2pPr>
+            <a:lvl3pPr algn="l">
+              <a:defRPr sz="1100"/>
+            </a:lvl3pPr>
+            <a:lvl4pPr algn="l">
+              <a:defRPr sz="1100"/>
+            </a:lvl4pPr>
+            <a:lvl5pPr algn="l">
+              <a:defRPr sz="1100"/>
+            </a:lvl5pPr>
+          </a:lstStyle>
+          <a:p>
+            <a:pPr lvl="0"/>
+            <a:r>
+              <a:rPr lang="en-GB" dirty="0"/>
+              <a:t>Click to edit Master text styles</a:t>
+            </a:r>
+          </a:p>
+          <a:p>
+            <a:pPr lvl="1"/>
+            <a:r>
+              <a:rPr lang="en-GB" dirty="0"/>
+              <a:t>Second level</a:t>
+            </a:r>
+          </a:p>
+          <a:p>
+            <a:pPr lvl="2"/>
+            <a:r>
+              <a:rPr lang="en-GB" dirty="0"/>
+              <a:t>Third level</a:t>
+            </a:r>
+          </a:p>
+          <a:p>
+            <a:pPr lvl="3"/>
+            <a:r>
+              <a:rPr lang="en-GB" dirty="0"/>
+              <a:t>Fourth level</a:t>
+            </a:r>
+          </a:p>
+          <a:p>
+            <a:pPr lvl="4"/>
+            <a:r>
+              <a:rPr lang="en-GB" dirty="0"/>
+              <a:t>Fifth level</a:t>
+            </a:r>
           </a:p>
         </p:txBody>
       </p:sp>
@@ -4382,481 +4797,146 @@
       </p:sp>
       <p:sp>
         <p:nvSpPr>
-          <p:cNvPr id="33" name="TextBox 32">
-            <a:extLst>
-              <a:ext uri="{FF2B5EF4-FFF2-40B4-BE49-F238E27FC236}">
-                <a16:creationId xmlns:a16="http://schemas.microsoft.com/office/drawing/2014/main" id="{F65664E3-C099-58F0-7382-0BF441CCF595}"/>
-              </a:ext>
-            </a:extLst>
-          </p:cNvPr>
-          <p:cNvSpPr txBox="1"/>
-          <p:nvPr/>
-        </p:nvSpPr>
-        <p:spPr>
-          <a:xfrm>
-            <a:off x="426722" y="1417318"/>
-            <a:ext cx="2017216" cy="271869"/>
-          </a:xfrm>
-          <a:prstGeom prst="rect">
-            <a:avLst/>
-          </a:prstGeom>
-          <a:noFill/>
-          <a:ln w="12700" cap="flat">
-            <a:noFill/>
-            <a:miter lim="400000"/>
-          </a:ln>
-          <a:effectLst/>
-          <a:sp3d/>
-        </p:spPr>
-        <p:style>
-          <a:lnRef idx="0">
-            <a:scrgbClr r="0" g="0" b="0"/>
-          </a:lnRef>
-          <a:fillRef idx="0">
-            <a:scrgbClr r="0" g="0" b="0"/>
-          </a:fillRef>
-          <a:effectRef idx="0">
-            <a:scrgbClr r="0" g="0" b="0"/>
-          </a:effectRef>
-          <a:fontRef idx="none"/>
-        </p:style>
-        <p:txBody>
-          <a:bodyPr rot="0" spcFirstLastPara="1" vertOverflow="overflow" horzOverflow="overflow" vert="horz" wrap="square" lIns="50800" tIns="50800" rIns="50800" bIns="50800" numCol="1" spcCol="38100" rtlCol="0" anchor="t" anchorCtr="0">
-            <a:spAutoFit/>
-          </a:bodyPr>
-          <a:lstStyle/>
-          <a:p>
-            <a:pPr marL="0" marR="0" indent="0" algn="l" defTabSz="825500" rtl="0" fontAlgn="auto" latinLnBrk="0" hangingPunct="0">
-              <a:lnSpc>
-                <a:spcPct val="100000"/>
-              </a:lnSpc>
-              <a:spcBef>
-                <a:spcPts val="0"/>
-              </a:spcBef>
-              <a:spcAft>
-                <a:spcPts val="0"/>
-              </a:spcAft>
-              <a:buClrTx/>
-              <a:buSzTx/>
-              <a:buFontTx/>
-              <a:buNone/>
-              <a:tabLst/>
-            </a:pPr>
-            <a:r>
-              <a:rPr kumimoji="0" lang="en-GB" sz="1100" b="0" i="0" u="none" strike="noStrike" cap="none" spc="0" normalizeH="0" baseline="0" dirty="0" err="1">
-                <a:ln>
-                  <a:noFill/>
-                </a:ln>
-                <a:solidFill>
-                  <a:srgbClr val="000000"/>
-                </a:solidFill>
-                <a:effectLst/>
-                <a:uFillTx/>
-                <a:latin typeface="Calibri" panose="020F0502020204030204" pitchFamily="34" charset="0"/>
-                <a:ea typeface="Helvetica Neue"/>
-                <a:cs typeface="Calibri" panose="020F0502020204030204" pitchFamily="34" charset="0"/>
-                <a:sym typeface="Helvetica Neue"/>
-              </a:rPr>
+          <p:cNvPr id="2" name="Text Placeholder 1">
+            <a:extLst>
+              <a:ext uri="{FF2B5EF4-FFF2-40B4-BE49-F238E27FC236}">
+                <a16:creationId xmlns:a16="http://schemas.microsoft.com/office/drawing/2014/main" id="{0888FB3D-A308-3A89-5AF5-0C7B1FF6607B}"/>
+              </a:ext>
+            </a:extLst>
+          </p:cNvPr>
+          <p:cNvSpPr>
+            <a:spLocks noGrp="1"/>
+          </p:cNvSpPr>
+          <p:nvPr>
+            <p:ph type="body" sz="quarter" idx="10"/>
+          </p:nvPr>
+        </p:nvSpPr>
+        <p:spPr/>
+        <p:txBody>
+          <a:bodyPr/>
+          <a:lstStyle/>
+          <a:p>
+            <a:r>
+              <a:rPr lang="en-GB" dirty="0" err="1"/>
               <a:t>Awareness_text</a:t>
             </a:r>
-            <a:endParaRPr kumimoji="0" lang="en-GB" sz="1100" b="0" i="0" u="none" strike="noStrike" cap="none" spc="0" normalizeH="0" baseline="0" dirty="0">
-              <a:ln>
-                <a:noFill/>
-              </a:ln>
-              <a:solidFill>
-                <a:srgbClr val="000000"/>
-              </a:solidFill>
-              <a:effectLst/>
-              <a:uFillTx/>
-              <a:latin typeface="Calibri" panose="020F0502020204030204" pitchFamily="34" charset="0"/>
-              <a:ea typeface="Helvetica Neue"/>
-              <a:cs typeface="Calibri" panose="020F0502020204030204" pitchFamily="34" charset="0"/>
-              <a:sym typeface="Helvetica Neue"/>
-            </a:endParaRPr>
-          </a:p>
-        </p:txBody>
-      </p:sp>
-      <p:sp>
-        <p:nvSpPr>
-          <p:cNvPr id="34" name="TextBox 33">
-            <a:extLst>
-              <a:ext uri="{FF2B5EF4-FFF2-40B4-BE49-F238E27FC236}">
-                <a16:creationId xmlns:a16="http://schemas.microsoft.com/office/drawing/2014/main" id="{13C31CE9-491E-0A27-7580-80D2BB612AF1}"/>
-              </a:ext>
-            </a:extLst>
-          </p:cNvPr>
-          <p:cNvSpPr txBox="1"/>
-          <p:nvPr/>
-        </p:nvSpPr>
-        <p:spPr>
-          <a:xfrm>
-            <a:off x="2757057" y="1417318"/>
-            <a:ext cx="2017216" cy="271869"/>
-          </a:xfrm>
-          <a:prstGeom prst="rect">
-            <a:avLst/>
-          </a:prstGeom>
-          <a:noFill/>
-          <a:ln w="12700" cap="flat">
-            <a:noFill/>
-            <a:miter lim="400000"/>
-          </a:ln>
-          <a:effectLst/>
-          <a:sp3d/>
-        </p:spPr>
-        <p:style>
-          <a:lnRef idx="0">
-            <a:scrgbClr r="0" g="0" b="0"/>
-          </a:lnRef>
-          <a:fillRef idx="0">
-            <a:scrgbClr r="0" g="0" b="0"/>
-          </a:fillRef>
-          <a:effectRef idx="0">
-            <a:scrgbClr r="0" g="0" b="0"/>
-          </a:effectRef>
-          <a:fontRef idx="none"/>
-        </p:style>
-        <p:txBody>
-          <a:bodyPr rot="0" spcFirstLastPara="1" vertOverflow="overflow" horzOverflow="overflow" vert="horz" wrap="square" lIns="50800" tIns="50800" rIns="50800" bIns="50800" numCol="1" spcCol="38100" rtlCol="0" anchor="t" anchorCtr="0">
-            <a:spAutoFit/>
-          </a:bodyPr>
-          <a:lstStyle/>
-          <a:p>
-            <a:pPr marL="0" marR="0" indent="0" algn="l" defTabSz="825500" rtl="0" fontAlgn="auto" latinLnBrk="0" hangingPunct="0">
-              <a:lnSpc>
-                <a:spcPct val="100000"/>
-              </a:lnSpc>
-              <a:spcBef>
-                <a:spcPts val="0"/>
-              </a:spcBef>
-              <a:spcAft>
-                <a:spcPts val="0"/>
-              </a:spcAft>
-              <a:buClrTx/>
-              <a:buSzTx/>
-              <a:buFontTx/>
-              <a:buNone/>
-              <a:tabLst/>
-            </a:pPr>
-            <a:r>
-              <a:rPr kumimoji="0" lang="en-GB" sz="1100" b="0" i="0" u="none" strike="noStrike" cap="none" spc="0" normalizeH="0" baseline="0" dirty="0" err="1">
-                <a:ln>
-                  <a:noFill/>
-                </a:ln>
-                <a:solidFill>
-                  <a:srgbClr val="000000"/>
-                </a:solidFill>
-                <a:effectLst/>
-                <a:uFillTx/>
-                <a:latin typeface="Calibri" panose="020F0502020204030204" pitchFamily="34" charset="0"/>
-                <a:ea typeface="Helvetica Neue"/>
-                <a:cs typeface="Calibri" panose="020F0502020204030204" pitchFamily="34" charset="0"/>
-                <a:sym typeface="Helvetica Neue"/>
-              </a:rPr>
+            <a:endParaRPr lang="en-GB" dirty="0"/>
+          </a:p>
+        </p:txBody>
+      </p:sp>
+      <p:sp>
+        <p:nvSpPr>
+          <p:cNvPr id="4" name="Text Placeholder 3">
+            <a:extLst>
+              <a:ext uri="{FF2B5EF4-FFF2-40B4-BE49-F238E27FC236}">
+                <a16:creationId xmlns:a16="http://schemas.microsoft.com/office/drawing/2014/main" id="{69E17B68-0CAB-98A3-129C-F633CDB01D23}"/>
+              </a:ext>
+            </a:extLst>
+          </p:cNvPr>
+          <p:cNvSpPr>
+            <a:spLocks noGrp="1"/>
+          </p:cNvSpPr>
+          <p:nvPr>
+            <p:ph type="body" sz="quarter" idx="11"/>
+          </p:nvPr>
+        </p:nvSpPr>
+        <p:spPr/>
+        <p:txBody>
+          <a:bodyPr/>
+          <a:lstStyle/>
+          <a:p>
+            <a:r>
+              <a:rPr lang="en-GB" dirty="0" err="1"/>
               <a:t>Desire_text</a:t>
             </a:r>
-            <a:endParaRPr kumimoji="0" lang="en-GB" sz="1100" b="0" i="0" u="none" strike="noStrike" cap="none" spc="0" normalizeH="0" baseline="0" dirty="0">
-              <a:ln>
-                <a:noFill/>
-              </a:ln>
-              <a:solidFill>
-                <a:srgbClr val="000000"/>
-              </a:solidFill>
-              <a:effectLst/>
-              <a:uFillTx/>
-              <a:latin typeface="Calibri" panose="020F0502020204030204" pitchFamily="34" charset="0"/>
-              <a:ea typeface="Helvetica Neue"/>
-              <a:cs typeface="Calibri" panose="020F0502020204030204" pitchFamily="34" charset="0"/>
-              <a:sym typeface="Helvetica Neue"/>
-            </a:endParaRPr>
-          </a:p>
-        </p:txBody>
-      </p:sp>
-      <p:sp>
-        <p:nvSpPr>
-          <p:cNvPr id="35" name="TextBox 34">
-            <a:extLst>
-              <a:ext uri="{FF2B5EF4-FFF2-40B4-BE49-F238E27FC236}">
-                <a16:creationId xmlns:a16="http://schemas.microsoft.com/office/drawing/2014/main" id="{3441BE93-88E3-EDD7-ADFC-7F6E0EDBE140}"/>
-              </a:ext>
-            </a:extLst>
-          </p:cNvPr>
-          <p:cNvSpPr txBox="1"/>
-          <p:nvPr/>
-        </p:nvSpPr>
-        <p:spPr>
-          <a:xfrm>
-            <a:off x="5087392" y="1417318"/>
-            <a:ext cx="2017216" cy="271869"/>
-          </a:xfrm>
-          <a:prstGeom prst="rect">
-            <a:avLst/>
-          </a:prstGeom>
-          <a:noFill/>
-          <a:ln w="12700" cap="flat">
-            <a:noFill/>
-            <a:miter lim="400000"/>
-          </a:ln>
-          <a:effectLst/>
-          <a:sp3d/>
-        </p:spPr>
-        <p:style>
-          <a:lnRef idx="0">
-            <a:scrgbClr r="0" g="0" b="0"/>
-          </a:lnRef>
-          <a:fillRef idx="0">
-            <a:scrgbClr r="0" g="0" b="0"/>
-          </a:fillRef>
-          <a:effectRef idx="0">
-            <a:scrgbClr r="0" g="0" b="0"/>
-          </a:effectRef>
-          <a:fontRef idx="none"/>
-        </p:style>
-        <p:txBody>
-          <a:bodyPr rot="0" spcFirstLastPara="1" vertOverflow="overflow" horzOverflow="overflow" vert="horz" wrap="square" lIns="50800" tIns="50800" rIns="50800" bIns="50800" numCol="1" spcCol="38100" rtlCol="0" anchor="t" anchorCtr="0">
-            <a:spAutoFit/>
-          </a:bodyPr>
-          <a:lstStyle/>
-          <a:p>
-            <a:pPr marL="0" marR="0" indent="0" algn="l" defTabSz="825500" rtl="0" fontAlgn="auto" latinLnBrk="0" hangingPunct="0">
-              <a:lnSpc>
-                <a:spcPct val="100000"/>
-              </a:lnSpc>
-              <a:spcBef>
-                <a:spcPts val="0"/>
-              </a:spcBef>
-              <a:spcAft>
-                <a:spcPts val="0"/>
-              </a:spcAft>
-              <a:buClrTx/>
-              <a:buSzTx/>
-              <a:buFontTx/>
-              <a:buNone/>
-              <a:tabLst/>
-            </a:pPr>
-            <a:r>
-              <a:rPr kumimoji="0" lang="en-GB" sz="1100" b="0" i="0" u="none" strike="noStrike" cap="none" spc="0" normalizeH="0" baseline="0" dirty="0" err="1">
-                <a:ln>
-                  <a:noFill/>
-                </a:ln>
-                <a:solidFill>
-                  <a:srgbClr val="000000"/>
-                </a:solidFill>
-                <a:effectLst/>
-                <a:uFillTx/>
-                <a:latin typeface="Calibri" panose="020F0502020204030204" pitchFamily="34" charset="0"/>
-                <a:ea typeface="Helvetica Neue"/>
-                <a:cs typeface="Calibri" panose="020F0502020204030204" pitchFamily="34" charset="0"/>
-                <a:sym typeface="Helvetica Neue"/>
-              </a:rPr>
+            <a:endParaRPr lang="en-GB" dirty="0"/>
+          </a:p>
+        </p:txBody>
+      </p:sp>
+      <p:sp>
+        <p:nvSpPr>
+          <p:cNvPr id="5" name="Text Placeholder 4">
+            <a:extLst>
+              <a:ext uri="{FF2B5EF4-FFF2-40B4-BE49-F238E27FC236}">
+                <a16:creationId xmlns:a16="http://schemas.microsoft.com/office/drawing/2014/main" id="{88F922FC-14D6-933A-A017-492E4F5E3152}"/>
+              </a:ext>
+            </a:extLst>
+          </p:cNvPr>
+          <p:cNvSpPr>
+            <a:spLocks noGrp="1"/>
+          </p:cNvSpPr>
+          <p:nvPr>
+            <p:ph type="body" sz="quarter" idx="12"/>
+          </p:nvPr>
+        </p:nvSpPr>
+        <p:spPr/>
+        <p:txBody>
+          <a:bodyPr/>
+          <a:lstStyle/>
+          <a:p>
+            <a:r>
+              <a:rPr lang="en-GB" dirty="0" err="1"/>
               <a:t>Knowledge_text</a:t>
             </a:r>
-            <a:endParaRPr kumimoji="0" lang="en-GB" sz="1100" b="0" i="0" u="none" strike="noStrike" cap="none" spc="0" normalizeH="0" baseline="0" dirty="0">
-              <a:ln>
-                <a:noFill/>
-              </a:ln>
-              <a:solidFill>
-                <a:srgbClr val="000000"/>
-              </a:solidFill>
-              <a:effectLst/>
-              <a:uFillTx/>
-              <a:latin typeface="Calibri" panose="020F0502020204030204" pitchFamily="34" charset="0"/>
-              <a:ea typeface="Helvetica Neue"/>
-              <a:cs typeface="Calibri" panose="020F0502020204030204" pitchFamily="34" charset="0"/>
-              <a:sym typeface="Helvetica Neue"/>
-            </a:endParaRPr>
-          </a:p>
-        </p:txBody>
-      </p:sp>
-      <p:sp>
-        <p:nvSpPr>
-          <p:cNvPr id="36" name="TextBox 35">
-            <a:extLst>
-              <a:ext uri="{FF2B5EF4-FFF2-40B4-BE49-F238E27FC236}">
-                <a16:creationId xmlns:a16="http://schemas.microsoft.com/office/drawing/2014/main" id="{52C4EE09-68B0-7887-D423-88450F9FC3BA}"/>
-              </a:ext>
-            </a:extLst>
-          </p:cNvPr>
-          <p:cNvSpPr txBox="1"/>
-          <p:nvPr/>
-        </p:nvSpPr>
-        <p:spPr>
-          <a:xfrm>
-            <a:off x="7417727" y="1417318"/>
-            <a:ext cx="2017216" cy="271869"/>
-          </a:xfrm>
-          <a:prstGeom prst="rect">
-            <a:avLst/>
-          </a:prstGeom>
-          <a:noFill/>
-          <a:ln w="12700" cap="flat">
-            <a:noFill/>
-            <a:miter lim="400000"/>
-          </a:ln>
-          <a:effectLst/>
-          <a:sp3d/>
-        </p:spPr>
-        <p:style>
-          <a:lnRef idx="0">
-            <a:scrgbClr r="0" g="0" b="0"/>
-          </a:lnRef>
-          <a:fillRef idx="0">
-            <a:scrgbClr r="0" g="0" b="0"/>
-          </a:fillRef>
-          <a:effectRef idx="0">
-            <a:scrgbClr r="0" g="0" b="0"/>
-          </a:effectRef>
-          <a:fontRef idx="none"/>
-        </p:style>
-        <p:txBody>
-          <a:bodyPr rot="0" spcFirstLastPara="1" vertOverflow="overflow" horzOverflow="overflow" vert="horz" wrap="square" lIns="50800" tIns="50800" rIns="50800" bIns="50800" numCol="1" spcCol="38100" rtlCol="0" anchor="t" anchorCtr="0">
-            <a:spAutoFit/>
-          </a:bodyPr>
-          <a:lstStyle/>
-          <a:p>
-            <a:pPr marL="0" marR="0" indent="0" algn="l" defTabSz="825500" rtl="0" fontAlgn="auto" latinLnBrk="0" hangingPunct="0">
-              <a:lnSpc>
-                <a:spcPct val="100000"/>
-              </a:lnSpc>
-              <a:spcBef>
-                <a:spcPts val="0"/>
-              </a:spcBef>
-              <a:spcAft>
-                <a:spcPts val="0"/>
-              </a:spcAft>
-              <a:buClrTx/>
-              <a:buSzTx/>
-              <a:buFontTx/>
-              <a:buNone/>
-              <a:tabLst/>
-            </a:pPr>
-            <a:r>
-              <a:rPr kumimoji="0" lang="en-GB" sz="1100" b="0" i="0" u="none" strike="noStrike" cap="none" spc="0" normalizeH="0" baseline="0" dirty="0" err="1">
-                <a:ln>
-                  <a:noFill/>
-                </a:ln>
-                <a:solidFill>
-                  <a:srgbClr val="000000"/>
-                </a:solidFill>
-                <a:effectLst/>
-                <a:uFillTx/>
-                <a:latin typeface="Calibri" panose="020F0502020204030204" pitchFamily="34" charset="0"/>
-                <a:ea typeface="Helvetica Neue"/>
-                <a:cs typeface="Calibri" panose="020F0502020204030204" pitchFamily="34" charset="0"/>
-                <a:sym typeface="Helvetica Neue"/>
-              </a:rPr>
+            <a:endParaRPr lang="en-GB" dirty="0"/>
+          </a:p>
+        </p:txBody>
+      </p:sp>
+      <p:sp>
+        <p:nvSpPr>
+          <p:cNvPr id="6" name="Text Placeholder 5">
+            <a:extLst>
+              <a:ext uri="{FF2B5EF4-FFF2-40B4-BE49-F238E27FC236}">
+                <a16:creationId xmlns:a16="http://schemas.microsoft.com/office/drawing/2014/main" id="{28739BBE-A35A-FCDD-C742-FB80D553EE4B}"/>
+              </a:ext>
+            </a:extLst>
+          </p:cNvPr>
+          <p:cNvSpPr>
+            <a:spLocks noGrp="1"/>
+          </p:cNvSpPr>
+          <p:nvPr>
+            <p:ph type="body" sz="quarter" idx="13"/>
+          </p:nvPr>
+        </p:nvSpPr>
+        <p:spPr/>
+        <p:txBody>
+          <a:bodyPr/>
+          <a:lstStyle/>
+          <a:p>
+            <a:r>
+              <a:rPr lang="en-GB" dirty="0" err="1"/>
               <a:t>Ability_text</a:t>
             </a:r>
-            <a:endParaRPr kumimoji="0" lang="en-GB" sz="1100" b="0" i="0" u="none" strike="noStrike" cap="none" spc="0" normalizeH="0" baseline="0" dirty="0">
-              <a:ln>
-                <a:noFill/>
-              </a:ln>
-              <a:solidFill>
-                <a:srgbClr val="000000"/>
-              </a:solidFill>
-              <a:effectLst/>
-              <a:uFillTx/>
-              <a:latin typeface="Calibri" panose="020F0502020204030204" pitchFamily="34" charset="0"/>
-              <a:ea typeface="Helvetica Neue"/>
-              <a:cs typeface="Calibri" panose="020F0502020204030204" pitchFamily="34" charset="0"/>
-              <a:sym typeface="Helvetica Neue"/>
-            </a:endParaRPr>
-          </a:p>
-        </p:txBody>
-      </p:sp>
-      <p:sp>
-        <p:nvSpPr>
-          <p:cNvPr id="37" name="TextBox 36">
-            <a:extLst>
-              <a:ext uri="{FF2B5EF4-FFF2-40B4-BE49-F238E27FC236}">
-                <a16:creationId xmlns:a16="http://schemas.microsoft.com/office/drawing/2014/main" id="{7A38F3DD-EF1A-CB70-D42B-BCECBB14E868}"/>
-              </a:ext>
-            </a:extLst>
-          </p:cNvPr>
-          <p:cNvSpPr txBox="1"/>
-          <p:nvPr/>
-        </p:nvSpPr>
-        <p:spPr>
-          <a:xfrm>
-            <a:off x="9748062" y="1417318"/>
-            <a:ext cx="2017216" cy="271869"/>
-          </a:xfrm>
-          <a:prstGeom prst="rect">
-            <a:avLst/>
-          </a:prstGeom>
-          <a:noFill/>
-          <a:ln w="12700" cap="flat">
-            <a:noFill/>
-            <a:miter lim="400000"/>
-          </a:ln>
-          <a:effectLst/>
-          <a:sp3d/>
-        </p:spPr>
-        <p:style>
-          <a:lnRef idx="0">
-            <a:scrgbClr r="0" g="0" b="0"/>
-          </a:lnRef>
-          <a:fillRef idx="0">
-            <a:scrgbClr r="0" g="0" b="0"/>
-          </a:fillRef>
-          <a:effectRef idx="0">
-            <a:scrgbClr r="0" g="0" b="0"/>
-          </a:effectRef>
-          <a:fontRef idx="none"/>
-        </p:style>
-        <p:txBody>
-          <a:bodyPr rot="0" spcFirstLastPara="1" vertOverflow="overflow" horzOverflow="overflow" vert="horz" wrap="square" lIns="50800" tIns="50800" rIns="50800" bIns="50800" numCol="1" spcCol="38100" rtlCol="0" anchor="t" anchorCtr="0">
-            <a:spAutoFit/>
-          </a:bodyPr>
-          <a:lstStyle/>
-          <a:p>
-            <a:pPr marL="0" marR="0" indent="0" algn="l" defTabSz="825500" rtl="0" fontAlgn="auto" latinLnBrk="0" hangingPunct="0">
-              <a:lnSpc>
-                <a:spcPct val="100000"/>
-              </a:lnSpc>
-              <a:spcBef>
-                <a:spcPts val="0"/>
-              </a:spcBef>
-              <a:spcAft>
-                <a:spcPts val="0"/>
-              </a:spcAft>
-              <a:buClrTx/>
-              <a:buSzTx/>
-              <a:buFontTx/>
-              <a:buNone/>
-              <a:tabLst/>
-            </a:pPr>
-            <a:r>
-              <a:rPr kumimoji="0" lang="en-GB" sz="1100" b="0" i="0" u="none" strike="noStrike" cap="none" spc="0" normalizeH="0" baseline="0" dirty="0" err="1">
-                <a:ln>
-                  <a:noFill/>
-                </a:ln>
-                <a:solidFill>
-                  <a:srgbClr val="000000"/>
-                </a:solidFill>
-                <a:effectLst/>
-                <a:uFillTx/>
-                <a:latin typeface="Calibri" panose="020F0502020204030204" pitchFamily="34" charset="0"/>
-                <a:ea typeface="Helvetica Neue"/>
-                <a:cs typeface="Calibri" panose="020F0502020204030204" pitchFamily="34" charset="0"/>
-                <a:sym typeface="Helvetica Neue"/>
-              </a:rPr>
+            <a:endParaRPr lang="en-GB" dirty="0"/>
+          </a:p>
+        </p:txBody>
+      </p:sp>
+      <p:sp>
+        <p:nvSpPr>
+          <p:cNvPr id="7" name="Text Placeholder 6">
+            <a:extLst>
+              <a:ext uri="{FF2B5EF4-FFF2-40B4-BE49-F238E27FC236}">
+                <a16:creationId xmlns:a16="http://schemas.microsoft.com/office/drawing/2014/main" id="{5F6289C8-17E4-9841-7D69-EC3DDC1B66F6}"/>
+              </a:ext>
+            </a:extLst>
+          </p:cNvPr>
+          <p:cNvSpPr>
+            <a:spLocks noGrp="1"/>
+          </p:cNvSpPr>
+          <p:nvPr>
+            <p:ph type="body" sz="quarter" idx="14"/>
+          </p:nvPr>
+        </p:nvSpPr>
+        <p:spPr/>
+        <p:txBody>
+          <a:bodyPr/>
+          <a:lstStyle/>
+          <a:p>
+            <a:r>
+              <a:rPr lang="en-GB" dirty="0" err="1"/>
               <a:t>Reinforcement_text</a:t>
             </a:r>
-            <a:endParaRPr kumimoji="0" lang="en-GB" sz="1100" b="0" i="0" u="none" strike="noStrike" cap="none" spc="0" normalizeH="0" baseline="0" dirty="0">
-              <a:ln>
-                <a:noFill/>
-              </a:ln>
-              <a:solidFill>
-                <a:srgbClr val="000000"/>
-              </a:solidFill>
-              <a:effectLst/>
-              <a:uFillTx/>
-              <a:latin typeface="Calibri" panose="020F0502020204030204" pitchFamily="34" charset="0"/>
-              <a:ea typeface="Helvetica Neue"/>
-              <a:cs typeface="Calibri" panose="020F0502020204030204" pitchFamily="34" charset="0"/>
-              <a:sym typeface="Helvetica Neue"/>
-            </a:endParaRPr>
+            <a:endParaRPr lang="en-GB" dirty="0"/>
           </a:p>
         </p:txBody>
       </p:sp>
@@ -4882,7 +4962,7 @@
         <p:cNvPr id="1" name="">
           <a:extLst>
             <a:ext uri="{FF2B5EF4-FFF2-40B4-BE49-F238E27FC236}">
-              <a16:creationId xmlns:a16="http://schemas.microsoft.com/office/drawing/2014/main" id="{C6457626-EF87-12B7-9E67-9615DA47978B}"/>
+              <a16:creationId xmlns:a16="http://schemas.microsoft.com/office/drawing/2014/main" id="{D0F3C25B-990C-0298-070A-C0846E737C0F}"/>
             </a:ext>
           </a:extLst>
         </p:cNvPr>
@@ -4902,7 +4982,7 @@
           <p:cNvPr id="3" name="Title 1">
             <a:extLst>
               <a:ext uri="{FF2B5EF4-FFF2-40B4-BE49-F238E27FC236}">
-                <a16:creationId xmlns:a16="http://schemas.microsoft.com/office/drawing/2014/main" id="{17FA4CED-5B60-19C1-E4BF-E9604A6843BA}"/>
+                <a16:creationId xmlns:a16="http://schemas.microsoft.com/office/drawing/2014/main" id="{075A35C1-6AE5-B17A-5F73-B6341A189C98}"/>
               </a:ext>
             </a:extLst>
           </p:cNvPr>
@@ -4998,488 +5078,153 @@
       </p:sp>
       <p:sp>
         <p:nvSpPr>
-          <p:cNvPr id="33" name="TextBox 32">
-            <a:extLst>
-              <a:ext uri="{FF2B5EF4-FFF2-40B4-BE49-F238E27FC236}">
-                <a16:creationId xmlns:a16="http://schemas.microsoft.com/office/drawing/2014/main" id="{7FB20CDF-2803-94BB-AD10-8206D34D291F}"/>
-              </a:ext>
-            </a:extLst>
-          </p:cNvPr>
-          <p:cNvSpPr txBox="1"/>
-          <p:nvPr/>
-        </p:nvSpPr>
-        <p:spPr>
-          <a:xfrm>
-            <a:off x="426722" y="1417318"/>
-            <a:ext cx="2017216" cy="271869"/>
-          </a:xfrm>
-          <a:prstGeom prst="rect">
-            <a:avLst/>
-          </a:prstGeom>
-          <a:noFill/>
-          <a:ln w="12700" cap="flat">
-            <a:noFill/>
-            <a:miter lim="400000"/>
-          </a:ln>
-          <a:effectLst/>
-          <a:sp3d/>
-        </p:spPr>
-        <p:style>
-          <a:lnRef idx="0">
-            <a:scrgbClr r="0" g="0" b="0"/>
-          </a:lnRef>
-          <a:fillRef idx="0">
-            <a:scrgbClr r="0" g="0" b="0"/>
-          </a:fillRef>
-          <a:effectRef idx="0">
-            <a:scrgbClr r="0" g="0" b="0"/>
-          </a:effectRef>
-          <a:fontRef idx="none"/>
-        </p:style>
-        <p:txBody>
-          <a:bodyPr rot="0" spcFirstLastPara="1" vertOverflow="overflow" horzOverflow="overflow" vert="horz" wrap="square" lIns="50800" tIns="50800" rIns="50800" bIns="50800" numCol="1" spcCol="38100" rtlCol="0" anchor="t" anchorCtr="0">
-            <a:spAutoFit/>
-          </a:bodyPr>
-          <a:lstStyle/>
-          <a:p>
-            <a:pPr marL="0" marR="0" indent="0" algn="l" defTabSz="825500" rtl="0" fontAlgn="auto" latinLnBrk="0" hangingPunct="0">
-              <a:lnSpc>
-                <a:spcPct val="100000"/>
-              </a:lnSpc>
-              <a:spcBef>
-                <a:spcPts val="0"/>
-              </a:spcBef>
-              <a:spcAft>
-                <a:spcPts val="0"/>
-              </a:spcAft>
-              <a:buClrTx/>
-              <a:buSzTx/>
-              <a:buFontTx/>
-              <a:buNone/>
-              <a:tabLst/>
-            </a:pPr>
-            <a:r>
-              <a:rPr kumimoji="0" lang="en-GB" sz="1100" b="0" i="0" u="none" strike="noStrike" cap="none" spc="0" normalizeH="0" baseline="0" dirty="0" err="1">
-                <a:ln>
-                  <a:noFill/>
-                </a:ln>
-                <a:solidFill>
-                  <a:srgbClr val="000000"/>
-                </a:solidFill>
-                <a:effectLst/>
-                <a:uFillTx/>
-                <a:latin typeface="Calibri" panose="020F0502020204030204" pitchFamily="34" charset="0"/>
-                <a:ea typeface="Helvetica Neue"/>
-                <a:cs typeface="Calibri" panose="020F0502020204030204" pitchFamily="34" charset="0"/>
-                <a:sym typeface="Helvetica Neue"/>
-              </a:rPr>
+          <p:cNvPr id="2" name="Text Placeholder 1">
+            <a:extLst>
+              <a:ext uri="{FF2B5EF4-FFF2-40B4-BE49-F238E27FC236}">
+                <a16:creationId xmlns:a16="http://schemas.microsoft.com/office/drawing/2014/main" id="{ADB6096C-7846-A293-CD01-1F719562A02E}"/>
+              </a:ext>
+            </a:extLst>
+          </p:cNvPr>
+          <p:cNvSpPr>
+            <a:spLocks noGrp="1"/>
+          </p:cNvSpPr>
+          <p:nvPr>
+            <p:ph type="body" sz="quarter" idx="10"/>
+          </p:nvPr>
+        </p:nvSpPr>
+        <p:spPr/>
+        <p:txBody>
+          <a:bodyPr/>
+          <a:lstStyle/>
+          <a:p>
+            <a:r>
+              <a:rPr lang="en-GB" dirty="0" err="1"/>
               <a:t>Awareness_text</a:t>
             </a:r>
-            <a:endParaRPr kumimoji="0" lang="en-GB" sz="1100" b="0" i="0" u="none" strike="noStrike" cap="none" spc="0" normalizeH="0" baseline="0" dirty="0">
-              <a:ln>
-                <a:noFill/>
-              </a:ln>
-              <a:solidFill>
-                <a:srgbClr val="000000"/>
-              </a:solidFill>
-              <a:effectLst/>
-              <a:uFillTx/>
-              <a:latin typeface="Calibri" panose="020F0502020204030204" pitchFamily="34" charset="0"/>
-              <a:ea typeface="Helvetica Neue"/>
-              <a:cs typeface="Calibri" panose="020F0502020204030204" pitchFamily="34" charset="0"/>
-              <a:sym typeface="Helvetica Neue"/>
-            </a:endParaRPr>
-          </a:p>
-        </p:txBody>
-      </p:sp>
-      <p:sp>
-        <p:nvSpPr>
-          <p:cNvPr id="34" name="TextBox 33">
-            <a:extLst>
-              <a:ext uri="{FF2B5EF4-FFF2-40B4-BE49-F238E27FC236}">
-                <a16:creationId xmlns:a16="http://schemas.microsoft.com/office/drawing/2014/main" id="{F0901B30-AF0C-52F4-45A6-F5AE2BD8611F}"/>
-              </a:ext>
-            </a:extLst>
-          </p:cNvPr>
-          <p:cNvSpPr txBox="1"/>
-          <p:nvPr/>
-        </p:nvSpPr>
-        <p:spPr>
-          <a:xfrm>
-            <a:off x="2757057" y="1417318"/>
-            <a:ext cx="2017216" cy="271869"/>
-          </a:xfrm>
-          <a:prstGeom prst="rect">
-            <a:avLst/>
-          </a:prstGeom>
-          <a:noFill/>
-          <a:ln w="12700" cap="flat">
-            <a:noFill/>
-            <a:miter lim="400000"/>
-          </a:ln>
-          <a:effectLst/>
-          <a:sp3d/>
-        </p:spPr>
-        <p:style>
-          <a:lnRef idx="0">
-            <a:scrgbClr r="0" g="0" b="0"/>
-          </a:lnRef>
-          <a:fillRef idx="0">
-            <a:scrgbClr r="0" g="0" b="0"/>
-          </a:fillRef>
-          <a:effectRef idx="0">
-            <a:scrgbClr r="0" g="0" b="0"/>
-          </a:effectRef>
-          <a:fontRef idx="none"/>
-        </p:style>
-        <p:txBody>
-          <a:bodyPr rot="0" spcFirstLastPara="1" vertOverflow="overflow" horzOverflow="overflow" vert="horz" wrap="square" lIns="50800" tIns="50800" rIns="50800" bIns="50800" numCol="1" spcCol="38100" rtlCol="0" anchor="t" anchorCtr="0">
-            <a:spAutoFit/>
-          </a:bodyPr>
-          <a:lstStyle/>
-          <a:p>
-            <a:pPr marL="0" marR="0" indent="0" algn="l" defTabSz="825500" rtl="0" fontAlgn="auto" latinLnBrk="0" hangingPunct="0">
-              <a:lnSpc>
-                <a:spcPct val="100000"/>
-              </a:lnSpc>
-              <a:spcBef>
-                <a:spcPts val="0"/>
-              </a:spcBef>
-              <a:spcAft>
-                <a:spcPts val="0"/>
-              </a:spcAft>
-              <a:buClrTx/>
-              <a:buSzTx/>
-              <a:buFontTx/>
-              <a:buNone/>
-              <a:tabLst/>
-            </a:pPr>
-            <a:r>
-              <a:rPr kumimoji="0" lang="en-GB" sz="1100" b="0" i="0" u="none" strike="noStrike" cap="none" spc="0" normalizeH="0" baseline="0" dirty="0" err="1">
-                <a:ln>
-                  <a:noFill/>
-                </a:ln>
-                <a:solidFill>
-                  <a:srgbClr val="000000"/>
-                </a:solidFill>
-                <a:effectLst/>
-                <a:uFillTx/>
-                <a:latin typeface="Calibri" panose="020F0502020204030204" pitchFamily="34" charset="0"/>
-                <a:ea typeface="Helvetica Neue"/>
-                <a:cs typeface="Calibri" panose="020F0502020204030204" pitchFamily="34" charset="0"/>
-                <a:sym typeface="Helvetica Neue"/>
-              </a:rPr>
+            <a:endParaRPr lang="en-GB" dirty="0"/>
+          </a:p>
+        </p:txBody>
+      </p:sp>
+      <p:sp>
+        <p:nvSpPr>
+          <p:cNvPr id="4" name="Text Placeholder 3">
+            <a:extLst>
+              <a:ext uri="{FF2B5EF4-FFF2-40B4-BE49-F238E27FC236}">
+                <a16:creationId xmlns:a16="http://schemas.microsoft.com/office/drawing/2014/main" id="{8D2971E5-B12D-C338-8348-E1CE24618167}"/>
+              </a:ext>
+            </a:extLst>
+          </p:cNvPr>
+          <p:cNvSpPr>
+            <a:spLocks noGrp="1"/>
+          </p:cNvSpPr>
+          <p:nvPr>
+            <p:ph type="body" sz="quarter" idx="11"/>
+          </p:nvPr>
+        </p:nvSpPr>
+        <p:spPr/>
+        <p:txBody>
+          <a:bodyPr/>
+          <a:lstStyle/>
+          <a:p>
+            <a:r>
+              <a:rPr lang="en-GB" dirty="0" err="1"/>
               <a:t>Desire_text</a:t>
             </a:r>
-            <a:endParaRPr kumimoji="0" lang="en-GB" sz="1100" b="0" i="0" u="none" strike="noStrike" cap="none" spc="0" normalizeH="0" baseline="0" dirty="0">
-              <a:ln>
-                <a:noFill/>
-              </a:ln>
-              <a:solidFill>
-                <a:srgbClr val="000000"/>
-              </a:solidFill>
-              <a:effectLst/>
-              <a:uFillTx/>
-              <a:latin typeface="Calibri" panose="020F0502020204030204" pitchFamily="34" charset="0"/>
-              <a:ea typeface="Helvetica Neue"/>
-              <a:cs typeface="Calibri" panose="020F0502020204030204" pitchFamily="34" charset="0"/>
-              <a:sym typeface="Helvetica Neue"/>
-            </a:endParaRPr>
-          </a:p>
-        </p:txBody>
-      </p:sp>
-      <p:sp>
-        <p:nvSpPr>
-          <p:cNvPr id="35" name="TextBox 34">
-            <a:extLst>
-              <a:ext uri="{FF2B5EF4-FFF2-40B4-BE49-F238E27FC236}">
-                <a16:creationId xmlns:a16="http://schemas.microsoft.com/office/drawing/2014/main" id="{A467EFFC-D623-A14F-CF5B-CD93A5E36C9E}"/>
-              </a:ext>
-            </a:extLst>
-          </p:cNvPr>
-          <p:cNvSpPr txBox="1"/>
-          <p:nvPr/>
-        </p:nvSpPr>
-        <p:spPr>
-          <a:xfrm>
-            <a:off x="5087392" y="1417318"/>
-            <a:ext cx="2017216" cy="271869"/>
-          </a:xfrm>
-          <a:prstGeom prst="rect">
-            <a:avLst/>
-          </a:prstGeom>
-          <a:noFill/>
-          <a:ln w="12700" cap="flat">
-            <a:noFill/>
-            <a:miter lim="400000"/>
-          </a:ln>
-          <a:effectLst/>
-          <a:sp3d/>
-        </p:spPr>
-        <p:style>
-          <a:lnRef idx="0">
-            <a:scrgbClr r="0" g="0" b="0"/>
-          </a:lnRef>
-          <a:fillRef idx="0">
-            <a:scrgbClr r="0" g="0" b="0"/>
-          </a:fillRef>
-          <a:effectRef idx="0">
-            <a:scrgbClr r="0" g="0" b="0"/>
-          </a:effectRef>
-          <a:fontRef idx="none"/>
-        </p:style>
-        <p:txBody>
-          <a:bodyPr rot="0" spcFirstLastPara="1" vertOverflow="overflow" horzOverflow="overflow" vert="horz" wrap="square" lIns="50800" tIns="50800" rIns="50800" bIns="50800" numCol="1" spcCol="38100" rtlCol="0" anchor="t" anchorCtr="0">
-            <a:spAutoFit/>
-          </a:bodyPr>
-          <a:lstStyle/>
-          <a:p>
-            <a:pPr marL="0" marR="0" indent="0" algn="l" defTabSz="825500" rtl="0" fontAlgn="auto" latinLnBrk="0" hangingPunct="0">
-              <a:lnSpc>
-                <a:spcPct val="100000"/>
-              </a:lnSpc>
-              <a:spcBef>
-                <a:spcPts val="0"/>
-              </a:spcBef>
-              <a:spcAft>
-                <a:spcPts val="0"/>
-              </a:spcAft>
-              <a:buClrTx/>
-              <a:buSzTx/>
-              <a:buFontTx/>
-              <a:buNone/>
-              <a:tabLst/>
-            </a:pPr>
-            <a:r>
-              <a:rPr kumimoji="0" lang="en-GB" sz="1100" b="0" i="0" u="none" strike="noStrike" cap="none" spc="0" normalizeH="0" baseline="0" dirty="0" err="1">
-                <a:ln>
-                  <a:noFill/>
-                </a:ln>
-                <a:solidFill>
-                  <a:srgbClr val="000000"/>
-                </a:solidFill>
-                <a:effectLst/>
-                <a:uFillTx/>
-                <a:latin typeface="Calibri" panose="020F0502020204030204" pitchFamily="34" charset="0"/>
-                <a:ea typeface="Helvetica Neue"/>
-                <a:cs typeface="Calibri" panose="020F0502020204030204" pitchFamily="34" charset="0"/>
-                <a:sym typeface="Helvetica Neue"/>
-              </a:rPr>
+            <a:endParaRPr lang="en-GB" dirty="0"/>
+          </a:p>
+        </p:txBody>
+      </p:sp>
+      <p:sp>
+        <p:nvSpPr>
+          <p:cNvPr id="5" name="Text Placeholder 4">
+            <a:extLst>
+              <a:ext uri="{FF2B5EF4-FFF2-40B4-BE49-F238E27FC236}">
+                <a16:creationId xmlns:a16="http://schemas.microsoft.com/office/drawing/2014/main" id="{ECFCDD7C-9330-D6B0-B5E7-13BF0020B2B4}"/>
+              </a:ext>
+            </a:extLst>
+          </p:cNvPr>
+          <p:cNvSpPr>
+            <a:spLocks noGrp="1"/>
+          </p:cNvSpPr>
+          <p:nvPr>
+            <p:ph type="body" sz="quarter" idx="12"/>
+          </p:nvPr>
+        </p:nvSpPr>
+        <p:spPr/>
+        <p:txBody>
+          <a:bodyPr/>
+          <a:lstStyle/>
+          <a:p>
+            <a:r>
+              <a:rPr lang="en-GB" dirty="0" err="1"/>
               <a:t>Knowledge_text</a:t>
             </a:r>
-            <a:endParaRPr kumimoji="0" lang="en-GB" sz="1100" b="0" i="0" u="none" strike="noStrike" cap="none" spc="0" normalizeH="0" baseline="0" dirty="0">
-              <a:ln>
-                <a:noFill/>
-              </a:ln>
-              <a:solidFill>
-                <a:srgbClr val="000000"/>
-              </a:solidFill>
-              <a:effectLst/>
-              <a:uFillTx/>
-              <a:latin typeface="Calibri" panose="020F0502020204030204" pitchFamily="34" charset="0"/>
-              <a:ea typeface="Helvetica Neue"/>
-              <a:cs typeface="Calibri" panose="020F0502020204030204" pitchFamily="34" charset="0"/>
-              <a:sym typeface="Helvetica Neue"/>
-            </a:endParaRPr>
-          </a:p>
-        </p:txBody>
-      </p:sp>
-      <p:sp>
-        <p:nvSpPr>
-          <p:cNvPr id="36" name="TextBox 35">
-            <a:extLst>
-              <a:ext uri="{FF2B5EF4-FFF2-40B4-BE49-F238E27FC236}">
-                <a16:creationId xmlns:a16="http://schemas.microsoft.com/office/drawing/2014/main" id="{36538942-97B5-44CD-6F11-2017BA30014B}"/>
-              </a:ext>
-            </a:extLst>
-          </p:cNvPr>
-          <p:cNvSpPr txBox="1"/>
-          <p:nvPr/>
-        </p:nvSpPr>
-        <p:spPr>
-          <a:xfrm>
-            <a:off x="7417727" y="1417318"/>
-            <a:ext cx="2017216" cy="271869"/>
-          </a:xfrm>
-          <a:prstGeom prst="rect">
-            <a:avLst/>
-          </a:prstGeom>
-          <a:noFill/>
-          <a:ln w="12700" cap="flat">
-            <a:noFill/>
-            <a:miter lim="400000"/>
-          </a:ln>
-          <a:effectLst/>
-          <a:sp3d/>
-        </p:spPr>
-        <p:style>
-          <a:lnRef idx="0">
-            <a:scrgbClr r="0" g="0" b="0"/>
-          </a:lnRef>
-          <a:fillRef idx="0">
-            <a:scrgbClr r="0" g="0" b="0"/>
-          </a:fillRef>
-          <a:effectRef idx="0">
-            <a:scrgbClr r="0" g="0" b="0"/>
-          </a:effectRef>
-          <a:fontRef idx="none"/>
-        </p:style>
-        <p:txBody>
-          <a:bodyPr rot="0" spcFirstLastPara="1" vertOverflow="overflow" horzOverflow="overflow" vert="horz" wrap="square" lIns="50800" tIns="50800" rIns="50800" bIns="50800" numCol="1" spcCol="38100" rtlCol="0" anchor="t" anchorCtr="0">
-            <a:spAutoFit/>
-          </a:bodyPr>
-          <a:lstStyle/>
-          <a:p>
-            <a:pPr marL="0" marR="0" indent="0" algn="l" defTabSz="825500" rtl="0" fontAlgn="auto" latinLnBrk="0" hangingPunct="0">
-              <a:lnSpc>
-                <a:spcPct val="100000"/>
-              </a:lnSpc>
-              <a:spcBef>
-                <a:spcPts val="0"/>
-              </a:spcBef>
-              <a:spcAft>
-                <a:spcPts val="0"/>
-              </a:spcAft>
-              <a:buClrTx/>
-              <a:buSzTx/>
-              <a:buFontTx/>
-              <a:buNone/>
-              <a:tabLst/>
-            </a:pPr>
-            <a:r>
-              <a:rPr kumimoji="0" lang="en-GB" sz="1100" b="0" i="0" u="none" strike="noStrike" cap="none" spc="0" normalizeH="0" baseline="0" dirty="0" err="1">
-                <a:ln>
-                  <a:noFill/>
-                </a:ln>
-                <a:solidFill>
-                  <a:srgbClr val="000000"/>
-                </a:solidFill>
-                <a:effectLst/>
-                <a:uFillTx/>
-                <a:latin typeface="Calibri" panose="020F0502020204030204" pitchFamily="34" charset="0"/>
-                <a:ea typeface="Helvetica Neue"/>
-                <a:cs typeface="Calibri" panose="020F0502020204030204" pitchFamily="34" charset="0"/>
-                <a:sym typeface="Helvetica Neue"/>
-              </a:rPr>
+            <a:endParaRPr lang="en-GB" dirty="0"/>
+          </a:p>
+        </p:txBody>
+      </p:sp>
+      <p:sp>
+        <p:nvSpPr>
+          <p:cNvPr id="6" name="Text Placeholder 5">
+            <a:extLst>
+              <a:ext uri="{FF2B5EF4-FFF2-40B4-BE49-F238E27FC236}">
+                <a16:creationId xmlns:a16="http://schemas.microsoft.com/office/drawing/2014/main" id="{AF079BDE-A6EA-2C36-8AFD-AC43FBDCBB72}"/>
+              </a:ext>
+            </a:extLst>
+          </p:cNvPr>
+          <p:cNvSpPr>
+            <a:spLocks noGrp="1"/>
+          </p:cNvSpPr>
+          <p:nvPr>
+            <p:ph type="body" sz="quarter" idx="13"/>
+          </p:nvPr>
+        </p:nvSpPr>
+        <p:spPr/>
+        <p:txBody>
+          <a:bodyPr/>
+          <a:lstStyle/>
+          <a:p>
+            <a:r>
+              <a:rPr lang="en-GB" dirty="0" err="1"/>
               <a:t>Ability_text</a:t>
             </a:r>
-            <a:endParaRPr kumimoji="0" lang="en-GB" sz="1100" b="0" i="0" u="none" strike="noStrike" cap="none" spc="0" normalizeH="0" baseline="0" dirty="0">
-              <a:ln>
-                <a:noFill/>
-              </a:ln>
-              <a:solidFill>
-                <a:srgbClr val="000000"/>
-              </a:solidFill>
-              <a:effectLst/>
-              <a:uFillTx/>
-              <a:latin typeface="Calibri" panose="020F0502020204030204" pitchFamily="34" charset="0"/>
-              <a:ea typeface="Helvetica Neue"/>
-              <a:cs typeface="Calibri" panose="020F0502020204030204" pitchFamily="34" charset="0"/>
-              <a:sym typeface="Helvetica Neue"/>
-            </a:endParaRPr>
-          </a:p>
-        </p:txBody>
-      </p:sp>
-      <p:sp>
-        <p:nvSpPr>
-          <p:cNvPr id="37" name="TextBox 36">
-            <a:extLst>
-              <a:ext uri="{FF2B5EF4-FFF2-40B4-BE49-F238E27FC236}">
-                <a16:creationId xmlns:a16="http://schemas.microsoft.com/office/drawing/2014/main" id="{0F3CBEC3-BD3C-03EF-3EE6-FAC6BD99B244}"/>
-              </a:ext>
-            </a:extLst>
-          </p:cNvPr>
-          <p:cNvSpPr txBox="1"/>
-          <p:nvPr/>
-        </p:nvSpPr>
-        <p:spPr>
-          <a:xfrm>
-            <a:off x="9748062" y="1417318"/>
-            <a:ext cx="2017216" cy="271869"/>
-          </a:xfrm>
-          <a:prstGeom prst="rect">
-            <a:avLst/>
-          </a:prstGeom>
-          <a:noFill/>
-          <a:ln w="12700" cap="flat">
-            <a:noFill/>
-            <a:miter lim="400000"/>
-          </a:ln>
-          <a:effectLst/>
-          <a:sp3d/>
-        </p:spPr>
-        <p:style>
-          <a:lnRef idx="0">
-            <a:scrgbClr r="0" g="0" b="0"/>
-          </a:lnRef>
-          <a:fillRef idx="0">
-            <a:scrgbClr r="0" g="0" b="0"/>
-          </a:fillRef>
-          <a:effectRef idx="0">
-            <a:scrgbClr r="0" g="0" b="0"/>
-          </a:effectRef>
-          <a:fontRef idx="none"/>
-        </p:style>
-        <p:txBody>
-          <a:bodyPr rot="0" spcFirstLastPara="1" vertOverflow="overflow" horzOverflow="overflow" vert="horz" wrap="square" lIns="50800" tIns="50800" rIns="50800" bIns="50800" numCol="1" spcCol="38100" rtlCol="0" anchor="t" anchorCtr="0">
-            <a:spAutoFit/>
-          </a:bodyPr>
-          <a:lstStyle/>
-          <a:p>
-            <a:pPr marL="0" marR="0" indent="0" algn="l" defTabSz="825500" rtl="0" fontAlgn="auto" latinLnBrk="0" hangingPunct="0">
-              <a:lnSpc>
-                <a:spcPct val="100000"/>
-              </a:lnSpc>
-              <a:spcBef>
-                <a:spcPts val="0"/>
-              </a:spcBef>
-              <a:spcAft>
-                <a:spcPts val="0"/>
-              </a:spcAft>
-              <a:buClrTx/>
-              <a:buSzTx/>
-              <a:buFontTx/>
-              <a:buNone/>
-              <a:tabLst/>
-            </a:pPr>
-            <a:r>
-              <a:rPr kumimoji="0" lang="en-GB" sz="1100" b="0" i="0" u="none" strike="noStrike" cap="none" spc="0" normalizeH="0" baseline="0" dirty="0" err="1">
-                <a:ln>
-                  <a:noFill/>
-                </a:ln>
-                <a:solidFill>
-                  <a:srgbClr val="000000"/>
-                </a:solidFill>
-                <a:effectLst/>
-                <a:uFillTx/>
-                <a:latin typeface="Calibri" panose="020F0502020204030204" pitchFamily="34" charset="0"/>
-                <a:ea typeface="Helvetica Neue"/>
-                <a:cs typeface="Calibri" panose="020F0502020204030204" pitchFamily="34" charset="0"/>
-                <a:sym typeface="Helvetica Neue"/>
-              </a:rPr>
+            <a:endParaRPr lang="en-GB" dirty="0"/>
+          </a:p>
+        </p:txBody>
+      </p:sp>
+      <p:sp>
+        <p:nvSpPr>
+          <p:cNvPr id="7" name="Text Placeholder 6">
+            <a:extLst>
+              <a:ext uri="{FF2B5EF4-FFF2-40B4-BE49-F238E27FC236}">
+                <a16:creationId xmlns:a16="http://schemas.microsoft.com/office/drawing/2014/main" id="{87C2ABE1-EA42-58E0-2767-E2A9327DE701}"/>
+              </a:ext>
+            </a:extLst>
+          </p:cNvPr>
+          <p:cNvSpPr>
+            <a:spLocks noGrp="1"/>
+          </p:cNvSpPr>
+          <p:nvPr>
+            <p:ph type="body" sz="quarter" idx="14"/>
+          </p:nvPr>
+        </p:nvSpPr>
+        <p:spPr/>
+        <p:txBody>
+          <a:bodyPr/>
+          <a:lstStyle/>
+          <a:p>
+            <a:r>
+              <a:rPr lang="en-GB" dirty="0" err="1"/>
               <a:t>Reinforcement_text</a:t>
             </a:r>
-            <a:endParaRPr kumimoji="0" lang="en-GB" sz="1100" b="0" i="0" u="none" strike="noStrike" cap="none" spc="0" normalizeH="0" baseline="0" dirty="0">
-              <a:ln>
-                <a:noFill/>
-              </a:ln>
-              <a:solidFill>
-                <a:srgbClr val="000000"/>
-              </a:solidFill>
-              <a:effectLst/>
-              <a:uFillTx/>
-              <a:latin typeface="Calibri" panose="020F0502020204030204" pitchFamily="34" charset="0"/>
-              <a:ea typeface="Helvetica Neue"/>
-              <a:cs typeface="Calibri" panose="020F0502020204030204" pitchFamily="34" charset="0"/>
-              <a:sym typeface="Helvetica Neue"/>
-            </a:endParaRPr>
+            <a:endParaRPr lang="en-GB" dirty="0"/>
           </a:p>
         </p:txBody>
       </p:sp>
     </p:spTree>
     <p:extLst>
       <p:ext uri="{BB962C8B-B14F-4D97-AF65-F5344CB8AC3E}">
-        <p14:creationId xmlns:p14="http://schemas.microsoft.com/office/powerpoint/2010/main" val="4267336544"/>
+        <p14:creationId xmlns:p14="http://schemas.microsoft.com/office/powerpoint/2010/main" val="1324317197"/>
       </p:ext>
     </p:extLst>
   </p:cSld>
@@ -5498,7 +5243,7 @@
         <p:cNvPr id="1" name="">
           <a:extLst>
             <a:ext uri="{FF2B5EF4-FFF2-40B4-BE49-F238E27FC236}">
-              <a16:creationId xmlns:a16="http://schemas.microsoft.com/office/drawing/2014/main" id="{3D0408C8-1E0F-BA2F-275E-4BD6E848D02E}"/>
+              <a16:creationId xmlns:a16="http://schemas.microsoft.com/office/drawing/2014/main" id="{432FC10B-9D11-21AC-99AC-23D123373430}"/>
             </a:ext>
           </a:extLst>
         </p:cNvPr>
@@ -5518,7 +5263,7 @@
           <p:cNvPr id="3" name="Title 1">
             <a:extLst>
               <a:ext uri="{FF2B5EF4-FFF2-40B4-BE49-F238E27FC236}">
-                <a16:creationId xmlns:a16="http://schemas.microsoft.com/office/drawing/2014/main" id="{1AE09A8D-FA82-D3C6-C6A9-FC0B115BC3F4}"/>
+                <a16:creationId xmlns:a16="http://schemas.microsoft.com/office/drawing/2014/main" id="{A4EE779F-0277-8C97-4C74-98A6D4275A3C}"/>
               </a:ext>
             </a:extLst>
           </p:cNvPr>
@@ -5614,488 +5359,153 @@
       </p:sp>
       <p:sp>
         <p:nvSpPr>
-          <p:cNvPr id="33" name="TextBox 32">
-            <a:extLst>
-              <a:ext uri="{FF2B5EF4-FFF2-40B4-BE49-F238E27FC236}">
-                <a16:creationId xmlns:a16="http://schemas.microsoft.com/office/drawing/2014/main" id="{04DA8B87-4485-0860-89E2-F34D89F63552}"/>
-              </a:ext>
-            </a:extLst>
-          </p:cNvPr>
-          <p:cNvSpPr txBox="1"/>
-          <p:nvPr/>
-        </p:nvSpPr>
-        <p:spPr>
-          <a:xfrm>
-            <a:off x="426722" y="1417318"/>
-            <a:ext cx="2017216" cy="271869"/>
-          </a:xfrm>
-          <a:prstGeom prst="rect">
-            <a:avLst/>
-          </a:prstGeom>
-          <a:noFill/>
-          <a:ln w="12700" cap="flat">
-            <a:noFill/>
-            <a:miter lim="400000"/>
-          </a:ln>
-          <a:effectLst/>
-          <a:sp3d/>
-        </p:spPr>
-        <p:style>
-          <a:lnRef idx="0">
-            <a:scrgbClr r="0" g="0" b="0"/>
-          </a:lnRef>
-          <a:fillRef idx="0">
-            <a:scrgbClr r="0" g="0" b="0"/>
-          </a:fillRef>
-          <a:effectRef idx="0">
-            <a:scrgbClr r="0" g="0" b="0"/>
-          </a:effectRef>
-          <a:fontRef idx="none"/>
-        </p:style>
-        <p:txBody>
-          <a:bodyPr rot="0" spcFirstLastPara="1" vertOverflow="overflow" horzOverflow="overflow" vert="horz" wrap="square" lIns="50800" tIns="50800" rIns="50800" bIns="50800" numCol="1" spcCol="38100" rtlCol="0" anchor="t" anchorCtr="0">
-            <a:spAutoFit/>
-          </a:bodyPr>
-          <a:lstStyle/>
-          <a:p>
-            <a:pPr marL="0" marR="0" indent="0" algn="l" defTabSz="825500" rtl="0" fontAlgn="auto" latinLnBrk="0" hangingPunct="0">
-              <a:lnSpc>
-                <a:spcPct val="100000"/>
-              </a:lnSpc>
-              <a:spcBef>
-                <a:spcPts val="0"/>
-              </a:spcBef>
-              <a:spcAft>
-                <a:spcPts val="0"/>
-              </a:spcAft>
-              <a:buClrTx/>
-              <a:buSzTx/>
-              <a:buFontTx/>
-              <a:buNone/>
-              <a:tabLst/>
-            </a:pPr>
-            <a:r>
-              <a:rPr kumimoji="0" lang="en-GB" sz="1100" b="0" i="0" u="none" strike="noStrike" cap="none" spc="0" normalizeH="0" baseline="0" dirty="0" err="1">
-                <a:ln>
-                  <a:noFill/>
-                </a:ln>
-                <a:solidFill>
-                  <a:srgbClr val="000000"/>
-                </a:solidFill>
-                <a:effectLst/>
-                <a:uFillTx/>
-                <a:latin typeface="Calibri" panose="020F0502020204030204" pitchFamily="34" charset="0"/>
-                <a:ea typeface="Helvetica Neue"/>
-                <a:cs typeface="Calibri" panose="020F0502020204030204" pitchFamily="34" charset="0"/>
-                <a:sym typeface="Helvetica Neue"/>
-              </a:rPr>
+          <p:cNvPr id="2" name="Text Placeholder 1">
+            <a:extLst>
+              <a:ext uri="{FF2B5EF4-FFF2-40B4-BE49-F238E27FC236}">
+                <a16:creationId xmlns:a16="http://schemas.microsoft.com/office/drawing/2014/main" id="{37275500-7464-7778-2195-9D926DC6A922}"/>
+              </a:ext>
+            </a:extLst>
+          </p:cNvPr>
+          <p:cNvSpPr>
+            <a:spLocks noGrp="1"/>
+          </p:cNvSpPr>
+          <p:nvPr>
+            <p:ph type="body" sz="quarter" idx="10"/>
+          </p:nvPr>
+        </p:nvSpPr>
+        <p:spPr/>
+        <p:txBody>
+          <a:bodyPr/>
+          <a:lstStyle/>
+          <a:p>
+            <a:r>
+              <a:rPr lang="en-GB" dirty="0" err="1"/>
               <a:t>Awareness_text</a:t>
             </a:r>
-            <a:endParaRPr kumimoji="0" lang="en-GB" sz="1100" b="0" i="0" u="none" strike="noStrike" cap="none" spc="0" normalizeH="0" baseline="0" dirty="0">
-              <a:ln>
-                <a:noFill/>
-              </a:ln>
-              <a:solidFill>
-                <a:srgbClr val="000000"/>
-              </a:solidFill>
-              <a:effectLst/>
-              <a:uFillTx/>
-              <a:latin typeface="Calibri" panose="020F0502020204030204" pitchFamily="34" charset="0"/>
-              <a:ea typeface="Helvetica Neue"/>
-              <a:cs typeface="Calibri" panose="020F0502020204030204" pitchFamily="34" charset="0"/>
-              <a:sym typeface="Helvetica Neue"/>
-            </a:endParaRPr>
-          </a:p>
-        </p:txBody>
-      </p:sp>
-      <p:sp>
-        <p:nvSpPr>
-          <p:cNvPr id="34" name="TextBox 33">
-            <a:extLst>
-              <a:ext uri="{FF2B5EF4-FFF2-40B4-BE49-F238E27FC236}">
-                <a16:creationId xmlns:a16="http://schemas.microsoft.com/office/drawing/2014/main" id="{C49EF16C-C908-3EE6-8FD8-595DEB9F686C}"/>
-              </a:ext>
-            </a:extLst>
-          </p:cNvPr>
-          <p:cNvSpPr txBox="1"/>
-          <p:nvPr/>
-        </p:nvSpPr>
-        <p:spPr>
-          <a:xfrm>
-            <a:off x="2757057" y="1417318"/>
-            <a:ext cx="2017216" cy="271869"/>
-          </a:xfrm>
-          <a:prstGeom prst="rect">
-            <a:avLst/>
-          </a:prstGeom>
-          <a:noFill/>
-          <a:ln w="12700" cap="flat">
-            <a:noFill/>
-            <a:miter lim="400000"/>
-          </a:ln>
-          <a:effectLst/>
-          <a:sp3d/>
-        </p:spPr>
-        <p:style>
-          <a:lnRef idx="0">
-            <a:scrgbClr r="0" g="0" b="0"/>
-          </a:lnRef>
-          <a:fillRef idx="0">
-            <a:scrgbClr r="0" g="0" b="0"/>
-          </a:fillRef>
-          <a:effectRef idx="0">
-            <a:scrgbClr r="0" g="0" b="0"/>
-          </a:effectRef>
-          <a:fontRef idx="none"/>
-        </p:style>
-        <p:txBody>
-          <a:bodyPr rot="0" spcFirstLastPara="1" vertOverflow="overflow" horzOverflow="overflow" vert="horz" wrap="square" lIns="50800" tIns="50800" rIns="50800" bIns="50800" numCol="1" spcCol="38100" rtlCol="0" anchor="t" anchorCtr="0">
-            <a:spAutoFit/>
-          </a:bodyPr>
-          <a:lstStyle/>
-          <a:p>
-            <a:pPr marL="0" marR="0" indent="0" algn="l" defTabSz="825500" rtl="0" fontAlgn="auto" latinLnBrk="0" hangingPunct="0">
-              <a:lnSpc>
-                <a:spcPct val="100000"/>
-              </a:lnSpc>
-              <a:spcBef>
-                <a:spcPts val="0"/>
-              </a:spcBef>
-              <a:spcAft>
-                <a:spcPts val="0"/>
-              </a:spcAft>
-              <a:buClrTx/>
-              <a:buSzTx/>
-              <a:buFontTx/>
-              <a:buNone/>
-              <a:tabLst/>
-            </a:pPr>
-            <a:r>
-              <a:rPr kumimoji="0" lang="en-GB" sz="1100" b="0" i="0" u="none" strike="noStrike" cap="none" spc="0" normalizeH="0" baseline="0" dirty="0" err="1">
-                <a:ln>
-                  <a:noFill/>
-                </a:ln>
-                <a:solidFill>
-                  <a:srgbClr val="000000"/>
-                </a:solidFill>
-                <a:effectLst/>
-                <a:uFillTx/>
-                <a:latin typeface="Calibri" panose="020F0502020204030204" pitchFamily="34" charset="0"/>
-                <a:ea typeface="Helvetica Neue"/>
-                <a:cs typeface="Calibri" panose="020F0502020204030204" pitchFamily="34" charset="0"/>
-                <a:sym typeface="Helvetica Neue"/>
-              </a:rPr>
+            <a:endParaRPr lang="en-GB" dirty="0"/>
+          </a:p>
+        </p:txBody>
+      </p:sp>
+      <p:sp>
+        <p:nvSpPr>
+          <p:cNvPr id="4" name="Text Placeholder 3">
+            <a:extLst>
+              <a:ext uri="{FF2B5EF4-FFF2-40B4-BE49-F238E27FC236}">
+                <a16:creationId xmlns:a16="http://schemas.microsoft.com/office/drawing/2014/main" id="{61FD785D-C145-93DB-8131-AE3EA4F1EF67}"/>
+              </a:ext>
+            </a:extLst>
+          </p:cNvPr>
+          <p:cNvSpPr>
+            <a:spLocks noGrp="1"/>
+          </p:cNvSpPr>
+          <p:nvPr>
+            <p:ph type="body" sz="quarter" idx="11"/>
+          </p:nvPr>
+        </p:nvSpPr>
+        <p:spPr/>
+        <p:txBody>
+          <a:bodyPr/>
+          <a:lstStyle/>
+          <a:p>
+            <a:r>
+              <a:rPr lang="en-GB" dirty="0" err="1"/>
               <a:t>Desire_text</a:t>
             </a:r>
-            <a:endParaRPr kumimoji="0" lang="en-GB" sz="1100" b="0" i="0" u="none" strike="noStrike" cap="none" spc="0" normalizeH="0" baseline="0" dirty="0">
-              <a:ln>
-                <a:noFill/>
-              </a:ln>
-              <a:solidFill>
-                <a:srgbClr val="000000"/>
-              </a:solidFill>
-              <a:effectLst/>
-              <a:uFillTx/>
-              <a:latin typeface="Calibri" panose="020F0502020204030204" pitchFamily="34" charset="0"/>
-              <a:ea typeface="Helvetica Neue"/>
-              <a:cs typeface="Calibri" panose="020F0502020204030204" pitchFamily="34" charset="0"/>
-              <a:sym typeface="Helvetica Neue"/>
-            </a:endParaRPr>
-          </a:p>
-        </p:txBody>
-      </p:sp>
-      <p:sp>
-        <p:nvSpPr>
-          <p:cNvPr id="35" name="TextBox 34">
-            <a:extLst>
-              <a:ext uri="{FF2B5EF4-FFF2-40B4-BE49-F238E27FC236}">
-                <a16:creationId xmlns:a16="http://schemas.microsoft.com/office/drawing/2014/main" id="{3EC88C77-FC0F-3560-ECB2-E42C56CEC506}"/>
-              </a:ext>
-            </a:extLst>
-          </p:cNvPr>
-          <p:cNvSpPr txBox="1"/>
-          <p:nvPr/>
-        </p:nvSpPr>
-        <p:spPr>
-          <a:xfrm>
-            <a:off x="5087392" y="1417318"/>
-            <a:ext cx="2017216" cy="271869"/>
-          </a:xfrm>
-          <a:prstGeom prst="rect">
-            <a:avLst/>
-          </a:prstGeom>
-          <a:noFill/>
-          <a:ln w="12700" cap="flat">
-            <a:noFill/>
-            <a:miter lim="400000"/>
-          </a:ln>
-          <a:effectLst/>
-          <a:sp3d/>
-        </p:spPr>
-        <p:style>
-          <a:lnRef idx="0">
-            <a:scrgbClr r="0" g="0" b="0"/>
-          </a:lnRef>
-          <a:fillRef idx="0">
-            <a:scrgbClr r="0" g="0" b="0"/>
-          </a:fillRef>
-          <a:effectRef idx="0">
-            <a:scrgbClr r="0" g="0" b="0"/>
-          </a:effectRef>
-          <a:fontRef idx="none"/>
-        </p:style>
-        <p:txBody>
-          <a:bodyPr rot="0" spcFirstLastPara="1" vertOverflow="overflow" horzOverflow="overflow" vert="horz" wrap="square" lIns="50800" tIns="50800" rIns="50800" bIns="50800" numCol="1" spcCol="38100" rtlCol="0" anchor="t" anchorCtr="0">
-            <a:spAutoFit/>
-          </a:bodyPr>
-          <a:lstStyle/>
-          <a:p>
-            <a:pPr marL="0" marR="0" indent="0" algn="l" defTabSz="825500" rtl="0" fontAlgn="auto" latinLnBrk="0" hangingPunct="0">
-              <a:lnSpc>
-                <a:spcPct val="100000"/>
-              </a:lnSpc>
-              <a:spcBef>
-                <a:spcPts val="0"/>
-              </a:spcBef>
-              <a:spcAft>
-                <a:spcPts val="0"/>
-              </a:spcAft>
-              <a:buClrTx/>
-              <a:buSzTx/>
-              <a:buFontTx/>
-              <a:buNone/>
-              <a:tabLst/>
-            </a:pPr>
-            <a:r>
-              <a:rPr kumimoji="0" lang="en-GB" sz="1100" b="0" i="0" u="none" strike="noStrike" cap="none" spc="0" normalizeH="0" baseline="0" dirty="0" err="1">
-                <a:ln>
-                  <a:noFill/>
-                </a:ln>
-                <a:solidFill>
-                  <a:srgbClr val="000000"/>
-                </a:solidFill>
-                <a:effectLst/>
-                <a:uFillTx/>
-                <a:latin typeface="Calibri" panose="020F0502020204030204" pitchFamily="34" charset="0"/>
-                <a:ea typeface="Helvetica Neue"/>
-                <a:cs typeface="Calibri" panose="020F0502020204030204" pitchFamily="34" charset="0"/>
-                <a:sym typeface="Helvetica Neue"/>
-              </a:rPr>
+            <a:endParaRPr lang="en-GB" dirty="0"/>
+          </a:p>
+        </p:txBody>
+      </p:sp>
+      <p:sp>
+        <p:nvSpPr>
+          <p:cNvPr id="5" name="Text Placeholder 4">
+            <a:extLst>
+              <a:ext uri="{FF2B5EF4-FFF2-40B4-BE49-F238E27FC236}">
+                <a16:creationId xmlns:a16="http://schemas.microsoft.com/office/drawing/2014/main" id="{81A7EE8E-4271-6C52-82F7-378406932C07}"/>
+              </a:ext>
+            </a:extLst>
+          </p:cNvPr>
+          <p:cNvSpPr>
+            <a:spLocks noGrp="1"/>
+          </p:cNvSpPr>
+          <p:nvPr>
+            <p:ph type="body" sz="quarter" idx="12"/>
+          </p:nvPr>
+        </p:nvSpPr>
+        <p:spPr/>
+        <p:txBody>
+          <a:bodyPr/>
+          <a:lstStyle/>
+          <a:p>
+            <a:r>
+              <a:rPr lang="en-GB" dirty="0" err="1"/>
               <a:t>Knowledge_text</a:t>
             </a:r>
-            <a:endParaRPr kumimoji="0" lang="en-GB" sz="1100" b="0" i="0" u="none" strike="noStrike" cap="none" spc="0" normalizeH="0" baseline="0" dirty="0">
-              <a:ln>
-                <a:noFill/>
-              </a:ln>
-              <a:solidFill>
-                <a:srgbClr val="000000"/>
-              </a:solidFill>
-              <a:effectLst/>
-              <a:uFillTx/>
-              <a:latin typeface="Calibri" panose="020F0502020204030204" pitchFamily="34" charset="0"/>
-              <a:ea typeface="Helvetica Neue"/>
-              <a:cs typeface="Calibri" panose="020F0502020204030204" pitchFamily="34" charset="0"/>
-              <a:sym typeface="Helvetica Neue"/>
-            </a:endParaRPr>
-          </a:p>
-        </p:txBody>
-      </p:sp>
-      <p:sp>
-        <p:nvSpPr>
-          <p:cNvPr id="36" name="TextBox 35">
-            <a:extLst>
-              <a:ext uri="{FF2B5EF4-FFF2-40B4-BE49-F238E27FC236}">
-                <a16:creationId xmlns:a16="http://schemas.microsoft.com/office/drawing/2014/main" id="{66E7A27A-26A8-8D70-DD0C-EA8EE1A44741}"/>
-              </a:ext>
-            </a:extLst>
-          </p:cNvPr>
-          <p:cNvSpPr txBox="1"/>
-          <p:nvPr/>
-        </p:nvSpPr>
-        <p:spPr>
-          <a:xfrm>
-            <a:off x="7417727" y="1417318"/>
-            <a:ext cx="2017216" cy="271869"/>
-          </a:xfrm>
-          <a:prstGeom prst="rect">
-            <a:avLst/>
-          </a:prstGeom>
-          <a:noFill/>
-          <a:ln w="12700" cap="flat">
-            <a:noFill/>
-            <a:miter lim="400000"/>
-          </a:ln>
-          <a:effectLst/>
-          <a:sp3d/>
-        </p:spPr>
-        <p:style>
-          <a:lnRef idx="0">
-            <a:scrgbClr r="0" g="0" b="0"/>
-          </a:lnRef>
-          <a:fillRef idx="0">
-            <a:scrgbClr r="0" g="0" b="0"/>
-          </a:fillRef>
-          <a:effectRef idx="0">
-            <a:scrgbClr r="0" g="0" b="0"/>
-          </a:effectRef>
-          <a:fontRef idx="none"/>
-        </p:style>
-        <p:txBody>
-          <a:bodyPr rot="0" spcFirstLastPara="1" vertOverflow="overflow" horzOverflow="overflow" vert="horz" wrap="square" lIns="50800" tIns="50800" rIns="50800" bIns="50800" numCol="1" spcCol="38100" rtlCol="0" anchor="t" anchorCtr="0">
-            <a:spAutoFit/>
-          </a:bodyPr>
-          <a:lstStyle/>
-          <a:p>
-            <a:pPr marL="0" marR="0" indent="0" algn="l" defTabSz="825500" rtl="0" fontAlgn="auto" latinLnBrk="0" hangingPunct="0">
-              <a:lnSpc>
-                <a:spcPct val="100000"/>
-              </a:lnSpc>
-              <a:spcBef>
-                <a:spcPts val="0"/>
-              </a:spcBef>
-              <a:spcAft>
-                <a:spcPts val="0"/>
-              </a:spcAft>
-              <a:buClrTx/>
-              <a:buSzTx/>
-              <a:buFontTx/>
-              <a:buNone/>
-              <a:tabLst/>
-            </a:pPr>
-            <a:r>
-              <a:rPr kumimoji="0" lang="en-GB" sz="1100" b="0" i="0" u="none" strike="noStrike" cap="none" spc="0" normalizeH="0" baseline="0" dirty="0" err="1">
-                <a:ln>
-                  <a:noFill/>
-                </a:ln>
-                <a:solidFill>
-                  <a:srgbClr val="000000"/>
-                </a:solidFill>
-                <a:effectLst/>
-                <a:uFillTx/>
-                <a:latin typeface="Calibri" panose="020F0502020204030204" pitchFamily="34" charset="0"/>
-                <a:ea typeface="Helvetica Neue"/>
-                <a:cs typeface="Calibri" panose="020F0502020204030204" pitchFamily="34" charset="0"/>
-                <a:sym typeface="Helvetica Neue"/>
-              </a:rPr>
+            <a:endParaRPr lang="en-GB" dirty="0"/>
+          </a:p>
+        </p:txBody>
+      </p:sp>
+      <p:sp>
+        <p:nvSpPr>
+          <p:cNvPr id="6" name="Text Placeholder 5">
+            <a:extLst>
+              <a:ext uri="{FF2B5EF4-FFF2-40B4-BE49-F238E27FC236}">
+                <a16:creationId xmlns:a16="http://schemas.microsoft.com/office/drawing/2014/main" id="{60F05E4F-E291-013C-83C9-9C467E848E38}"/>
+              </a:ext>
+            </a:extLst>
+          </p:cNvPr>
+          <p:cNvSpPr>
+            <a:spLocks noGrp="1"/>
+          </p:cNvSpPr>
+          <p:nvPr>
+            <p:ph type="body" sz="quarter" idx="13"/>
+          </p:nvPr>
+        </p:nvSpPr>
+        <p:spPr/>
+        <p:txBody>
+          <a:bodyPr/>
+          <a:lstStyle/>
+          <a:p>
+            <a:r>
+              <a:rPr lang="en-GB" dirty="0" err="1"/>
               <a:t>Ability_text</a:t>
             </a:r>
-            <a:endParaRPr kumimoji="0" lang="en-GB" sz="1100" b="0" i="0" u="none" strike="noStrike" cap="none" spc="0" normalizeH="0" baseline="0" dirty="0">
-              <a:ln>
-                <a:noFill/>
-              </a:ln>
-              <a:solidFill>
-                <a:srgbClr val="000000"/>
-              </a:solidFill>
-              <a:effectLst/>
-              <a:uFillTx/>
-              <a:latin typeface="Calibri" panose="020F0502020204030204" pitchFamily="34" charset="0"/>
-              <a:ea typeface="Helvetica Neue"/>
-              <a:cs typeface="Calibri" panose="020F0502020204030204" pitchFamily="34" charset="0"/>
-              <a:sym typeface="Helvetica Neue"/>
-            </a:endParaRPr>
-          </a:p>
-        </p:txBody>
-      </p:sp>
-      <p:sp>
-        <p:nvSpPr>
-          <p:cNvPr id="37" name="TextBox 36">
-            <a:extLst>
-              <a:ext uri="{FF2B5EF4-FFF2-40B4-BE49-F238E27FC236}">
-                <a16:creationId xmlns:a16="http://schemas.microsoft.com/office/drawing/2014/main" id="{51141BDC-4AEA-E85A-4AA8-03A425D18BC2}"/>
-              </a:ext>
-            </a:extLst>
-          </p:cNvPr>
-          <p:cNvSpPr txBox="1"/>
-          <p:nvPr/>
-        </p:nvSpPr>
-        <p:spPr>
-          <a:xfrm>
-            <a:off x="9748062" y="1417318"/>
-            <a:ext cx="2017216" cy="271869"/>
-          </a:xfrm>
-          <a:prstGeom prst="rect">
-            <a:avLst/>
-          </a:prstGeom>
-          <a:noFill/>
-          <a:ln w="12700" cap="flat">
-            <a:noFill/>
-            <a:miter lim="400000"/>
-          </a:ln>
-          <a:effectLst/>
-          <a:sp3d/>
-        </p:spPr>
-        <p:style>
-          <a:lnRef idx="0">
-            <a:scrgbClr r="0" g="0" b="0"/>
-          </a:lnRef>
-          <a:fillRef idx="0">
-            <a:scrgbClr r="0" g="0" b="0"/>
-          </a:fillRef>
-          <a:effectRef idx="0">
-            <a:scrgbClr r="0" g="0" b="0"/>
-          </a:effectRef>
-          <a:fontRef idx="none"/>
-        </p:style>
-        <p:txBody>
-          <a:bodyPr rot="0" spcFirstLastPara="1" vertOverflow="overflow" horzOverflow="overflow" vert="horz" wrap="square" lIns="50800" tIns="50800" rIns="50800" bIns="50800" numCol="1" spcCol="38100" rtlCol="0" anchor="t" anchorCtr="0">
-            <a:spAutoFit/>
-          </a:bodyPr>
-          <a:lstStyle/>
-          <a:p>
-            <a:pPr marL="0" marR="0" indent="0" algn="l" defTabSz="825500" rtl="0" fontAlgn="auto" latinLnBrk="0" hangingPunct="0">
-              <a:lnSpc>
-                <a:spcPct val="100000"/>
-              </a:lnSpc>
-              <a:spcBef>
-                <a:spcPts val="0"/>
-              </a:spcBef>
-              <a:spcAft>
-                <a:spcPts val="0"/>
-              </a:spcAft>
-              <a:buClrTx/>
-              <a:buSzTx/>
-              <a:buFontTx/>
-              <a:buNone/>
-              <a:tabLst/>
-            </a:pPr>
-            <a:r>
-              <a:rPr kumimoji="0" lang="en-GB" sz="1100" b="0" i="0" u="none" strike="noStrike" cap="none" spc="0" normalizeH="0" baseline="0" dirty="0" err="1">
-                <a:ln>
-                  <a:noFill/>
-                </a:ln>
-                <a:solidFill>
-                  <a:srgbClr val="000000"/>
-                </a:solidFill>
-                <a:effectLst/>
-                <a:uFillTx/>
-                <a:latin typeface="Calibri" panose="020F0502020204030204" pitchFamily="34" charset="0"/>
-                <a:ea typeface="Helvetica Neue"/>
-                <a:cs typeface="Calibri" panose="020F0502020204030204" pitchFamily="34" charset="0"/>
-                <a:sym typeface="Helvetica Neue"/>
-              </a:rPr>
+            <a:endParaRPr lang="en-GB" dirty="0"/>
+          </a:p>
+        </p:txBody>
+      </p:sp>
+      <p:sp>
+        <p:nvSpPr>
+          <p:cNvPr id="7" name="Text Placeholder 6">
+            <a:extLst>
+              <a:ext uri="{FF2B5EF4-FFF2-40B4-BE49-F238E27FC236}">
+                <a16:creationId xmlns:a16="http://schemas.microsoft.com/office/drawing/2014/main" id="{CB73E7F5-EC5C-51A5-C62C-FE6177F40497}"/>
+              </a:ext>
+            </a:extLst>
+          </p:cNvPr>
+          <p:cNvSpPr>
+            <a:spLocks noGrp="1"/>
+          </p:cNvSpPr>
+          <p:nvPr>
+            <p:ph type="body" sz="quarter" idx="14"/>
+          </p:nvPr>
+        </p:nvSpPr>
+        <p:spPr/>
+        <p:txBody>
+          <a:bodyPr/>
+          <a:lstStyle/>
+          <a:p>
+            <a:r>
+              <a:rPr lang="en-GB" dirty="0" err="1"/>
               <a:t>Reinforcement_text</a:t>
             </a:r>
-            <a:endParaRPr kumimoji="0" lang="en-GB" sz="1100" b="0" i="0" u="none" strike="noStrike" cap="none" spc="0" normalizeH="0" baseline="0" dirty="0">
-              <a:ln>
-                <a:noFill/>
-              </a:ln>
-              <a:solidFill>
-                <a:srgbClr val="000000"/>
-              </a:solidFill>
-              <a:effectLst/>
-              <a:uFillTx/>
-              <a:latin typeface="Calibri" panose="020F0502020204030204" pitchFamily="34" charset="0"/>
-              <a:ea typeface="Helvetica Neue"/>
-              <a:cs typeface="Calibri" panose="020F0502020204030204" pitchFamily="34" charset="0"/>
-              <a:sym typeface="Helvetica Neue"/>
-            </a:endParaRPr>
+            <a:endParaRPr lang="en-GB" dirty="0"/>
           </a:p>
         </p:txBody>
       </p:sp>
     </p:spTree>
     <p:extLst>
       <p:ext uri="{BB962C8B-B14F-4D97-AF65-F5344CB8AC3E}">
-        <p14:creationId xmlns:p14="http://schemas.microsoft.com/office/powerpoint/2010/main" val="3155789517"/>
+        <p14:creationId xmlns:p14="http://schemas.microsoft.com/office/powerpoint/2010/main" val="3939918943"/>
       </p:ext>
     </p:extLst>
   </p:cSld>
@@ -6114,7 +5524,7 @@
         <p:cNvPr id="1" name="">
           <a:extLst>
             <a:ext uri="{FF2B5EF4-FFF2-40B4-BE49-F238E27FC236}">
-              <a16:creationId xmlns:a16="http://schemas.microsoft.com/office/drawing/2014/main" id="{44D57A5F-75FF-79A6-514C-F0069488A8CC}"/>
+              <a16:creationId xmlns:a16="http://schemas.microsoft.com/office/drawing/2014/main" id="{81F3F699-3048-B88A-6B11-9EB85CF4FD6D}"/>
             </a:ext>
           </a:extLst>
         </p:cNvPr>
@@ -6134,7 +5544,7 @@
           <p:cNvPr id="3" name="Title 1">
             <a:extLst>
               <a:ext uri="{FF2B5EF4-FFF2-40B4-BE49-F238E27FC236}">
-                <a16:creationId xmlns:a16="http://schemas.microsoft.com/office/drawing/2014/main" id="{D66C11CD-9D53-BA13-16AE-D1C160AD1B80}"/>
+                <a16:creationId xmlns:a16="http://schemas.microsoft.com/office/drawing/2014/main" id="{87900771-7360-31D1-4604-495D1DEEFAF5}"/>
               </a:ext>
             </a:extLst>
           </p:cNvPr>
@@ -6230,488 +5640,153 @@
       </p:sp>
       <p:sp>
         <p:nvSpPr>
-          <p:cNvPr id="33" name="TextBox 32">
-            <a:extLst>
-              <a:ext uri="{FF2B5EF4-FFF2-40B4-BE49-F238E27FC236}">
-                <a16:creationId xmlns:a16="http://schemas.microsoft.com/office/drawing/2014/main" id="{F59BB705-93CB-373B-F50D-BF1A5DE0671D}"/>
-              </a:ext>
-            </a:extLst>
-          </p:cNvPr>
-          <p:cNvSpPr txBox="1"/>
-          <p:nvPr/>
-        </p:nvSpPr>
-        <p:spPr>
-          <a:xfrm>
-            <a:off x="426722" y="1417318"/>
-            <a:ext cx="2017216" cy="271869"/>
-          </a:xfrm>
-          <a:prstGeom prst="rect">
-            <a:avLst/>
-          </a:prstGeom>
-          <a:noFill/>
-          <a:ln w="12700" cap="flat">
-            <a:noFill/>
-            <a:miter lim="400000"/>
-          </a:ln>
-          <a:effectLst/>
-          <a:sp3d/>
-        </p:spPr>
-        <p:style>
-          <a:lnRef idx="0">
-            <a:scrgbClr r="0" g="0" b="0"/>
-          </a:lnRef>
-          <a:fillRef idx="0">
-            <a:scrgbClr r="0" g="0" b="0"/>
-          </a:fillRef>
-          <a:effectRef idx="0">
-            <a:scrgbClr r="0" g="0" b="0"/>
-          </a:effectRef>
-          <a:fontRef idx="none"/>
-        </p:style>
-        <p:txBody>
-          <a:bodyPr rot="0" spcFirstLastPara="1" vertOverflow="overflow" horzOverflow="overflow" vert="horz" wrap="square" lIns="50800" tIns="50800" rIns="50800" bIns="50800" numCol="1" spcCol="38100" rtlCol="0" anchor="t" anchorCtr="0">
-            <a:spAutoFit/>
-          </a:bodyPr>
-          <a:lstStyle/>
-          <a:p>
-            <a:pPr marL="0" marR="0" indent="0" algn="l" defTabSz="825500" rtl="0" fontAlgn="auto" latinLnBrk="0" hangingPunct="0">
-              <a:lnSpc>
-                <a:spcPct val="100000"/>
-              </a:lnSpc>
-              <a:spcBef>
-                <a:spcPts val="0"/>
-              </a:spcBef>
-              <a:spcAft>
-                <a:spcPts val="0"/>
-              </a:spcAft>
-              <a:buClrTx/>
-              <a:buSzTx/>
-              <a:buFontTx/>
-              <a:buNone/>
-              <a:tabLst/>
-            </a:pPr>
-            <a:r>
-              <a:rPr kumimoji="0" lang="en-GB" sz="1100" b="0" i="0" u="none" strike="noStrike" cap="none" spc="0" normalizeH="0" baseline="0" dirty="0" err="1">
-                <a:ln>
-                  <a:noFill/>
-                </a:ln>
-                <a:solidFill>
-                  <a:srgbClr val="000000"/>
-                </a:solidFill>
-                <a:effectLst/>
-                <a:uFillTx/>
-                <a:latin typeface="Calibri" panose="020F0502020204030204" pitchFamily="34" charset="0"/>
-                <a:ea typeface="Helvetica Neue"/>
-                <a:cs typeface="Calibri" panose="020F0502020204030204" pitchFamily="34" charset="0"/>
-                <a:sym typeface="Helvetica Neue"/>
-              </a:rPr>
+          <p:cNvPr id="2" name="Text Placeholder 1">
+            <a:extLst>
+              <a:ext uri="{FF2B5EF4-FFF2-40B4-BE49-F238E27FC236}">
+                <a16:creationId xmlns:a16="http://schemas.microsoft.com/office/drawing/2014/main" id="{C6EB5B79-D502-E955-E22C-38CC494AB610}"/>
+              </a:ext>
+            </a:extLst>
+          </p:cNvPr>
+          <p:cNvSpPr>
+            <a:spLocks noGrp="1"/>
+          </p:cNvSpPr>
+          <p:nvPr>
+            <p:ph type="body" sz="quarter" idx="10"/>
+          </p:nvPr>
+        </p:nvSpPr>
+        <p:spPr/>
+        <p:txBody>
+          <a:bodyPr/>
+          <a:lstStyle/>
+          <a:p>
+            <a:r>
+              <a:rPr lang="en-GB" dirty="0" err="1"/>
               <a:t>Awareness_text</a:t>
             </a:r>
-            <a:endParaRPr kumimoji="0" lang="en-GB" sz="1100" b="0" i="0" u="none" strike="noStrike" cap="none" spc="0" normalizeH="0" baseline="0" dirty="0">
-              <a:ln>
-                <a:noFill/>
-              </a:ln>
-              <a:solidFill>
-                <a:srgbClr val="000000"/>
-              </a:solidFill>
-              <a:effectLst/>
-              <a:uFillTx/>
-              <a:latin typeface="Calibri" panose="020F0502020204030204" pitchFamily="34" charset="0"/>
-              <a:ea typeface="Helvetica Neue"/>
-              <a:cs typeface="Calibri" panose="020F0502020204030204" pitchFamily="34" charset="0"/>
-              <a:sym typeface="Helvetica Neue"/>
-            </a:endParaRPr>
-          </a:p>
-        </p:txBody>
-      </p:sp>
-      <p:sp>
-        <p:nvSpPr>
-          <p:cNvPr id="34" name="TextBox 33">
-            <a:extLst>
-              <a:ext uri="{FF2B5EF4-FFF2-40B4-BE49-F238E27FC236}">
-                <a16:creationId xmlns:a16="http://schemas.microsoft.com/office/drawing/2014/main" id="{98A2CEA9-0712-33E0-A9E5-08D6AB6D513D}"/>
-              </a:ext>
-            </a:extLst>
-          </p:cNvPr>
-          <p:cNvSpPr txBox="1"/>
-          <p:nvPr/>
-        </p:nvSpPr>
-        <p:spPr>
-          <a:xfrm>
-            <a:off x="2757057" y="1417318"/>
-            <a:ext cx="2017216" cy="271869"/>
-          </a:xfrm>
-          <a:prstGeom prst="rect">
-            <a:avLst/>
-          </a:prstGeom>
-          <a:noFill/>
-          <a:ln w="12700" cap="flat">
-            <a:noFill/>
-            <a:miter lim="400000"/>
-          </a:ln>
-          <a:effectLst/>
-          <a:sp3d/>
-        </p:spPr>
-        <p:style>
-          <a:lnRef idx="0">
-            <a:scrgbClr r="0" g="0" b="0"/>
-          </a:lnRef>
-          <a:fillRef idx="0">
-            <a:scrgbClr r="0" g="0" b="0"/>
-          </a:fillRef>
-          <a:effectRef idx="0">
-            <a:scrgbClr r="0" g="0" b="0"/>
-          </a:effectRef>
-          <a:fontRef idx="none"/>
-        </p:style>
-        <p:txBody>
-          <a:bodyPr rot="0" spcFirstLastPara="1" vertOverflow="overflow" horzOverflow="overflow" vert="horz" wrap="square" lIns="50800" tIns="50800" rIns="50800" bIns="50800" numCol="1" spcCol="38100" rtlCol="0" anchor="t" anchorCtr="0">
-            <a:spAutoFit/>
-          </a:bodyPr>
-          <a:lstStyle/>
-          <a:p>
-            <a:pPr marL="0" marR="0" indent="0" algn="l" defTabSz="825500" rtl="0" fontAlgn="auto" latinLnBrk="0" hangingPunct="0">
-              <a:lnSpc>
-                <a:spcPct val="100000"/>
-              </a:lnSpc>
-              <a:spcBef>
-                <a:spcPts val="0"/>
-              </a:spcBef>
-              <a:spcAft>
-                <a:spcPts val="0"/>
-              </a:spcAft>
-              <a:buClrTx/>
-              <a:buSzTx/>
-              <a:buFontTx/>
-              <a:buNone/>
-              <a:tabLst/>
-            </a:pPr>
-            <a:r>
-              <a:rPr kumimoji="0" lang="en-GB" sz="1100" b="0" i="0" u="none" strike="noStrike" cap="none" spc="0" normalizeH="0" baseline="0" dirty="0" err="1">
-                <a:ln>
-                  <a:noFill/>
-                </a:ln>
-                <a:solidFill>
-                  <a:srgbClr val="000000"/>
-                </a:solidFill>
-                <a:effectLst/>
-                <a:uFillTx/>
-                <a:latin typeface="Calibri" panose="020F0502020204030204" pitchFamily="34" charset="0"/>
-                <a:ea typeface="Helvetica Neue"/>
-                <a:cs typeface="Calibri" panose="020F0502020204030204" pitchFamily="34" charset="0"/>
-                <a:sym typeface="Helvetica Neue"/>
-              </a:rPr>
+            <a:endParaRPr lang="en-GB" dirty="0"/>
+          </a:p>
+        </p:txBody>
+      </p:sp>
+      <p:sp>
+        <p:nvSpPr>
+          <p:cNvPr id="4" name="Text Placeholder 3">
+            <a:extLst>
+              <a:ext uri="{FF2B5EF4-FFF2-40B4-BE49-F238E27FC236}">
+                <a16:creationId xmlns:a16="http://schemas.microsoft.com/office/drawing/2014/main" id="{69CE2438-AF8C-006A-B724-160FE9C2FD11}"/>
+              </a:ext>
+            </a:extLst>
+          </p:cNvPr>
+          <p:cNvSpPr>
+            <a:spLocks noGrp="1"/>
+          </p:cNvSpPr>
+          <p:nvPr>
+            <p:ph type="body" sz="quarter" idx="11"/>
+          </p:nvPr>
+        </p:nvSpPr>
+        <p:spPr/>
+        <p:txBody>
+          <a:bodyPr/>
+          <a:lstStyle/>
+          <a:p>
+            <a:r>
+              <a:rPr lang="en-GB" dirty="0" err="1"/>
               <a:t>Desire_text</a:t>
             </a:r>
-            <a:endParaRPr kumimoji="0" lang="en-GB" sz="1100" b="0" i="0" u="none" strike="noStrike" cap="none" spc="0" normalizeH="0" baseline="0" dirty="0">
-              <a:ln>
-                <a:noFill/>
-              </a:ln>
-              <a:solidFill>
-                <a:srgbClr val="000000"/>
-              </a:solidFill>
-              <a:effectLst/>
-              <a:uFillTx/>
-              <a:latin typeface="Calibri" panose="020F0502020204030204" pitchFamily="34" charset="0"/>
-              <a:ea typeface="Helvetica Neue"/>
-              <a:cs typeface="Calibri" panose="020F0502020204030204" pitchFamily="34" charset="0"/>
-              <a:sym typeface="Helvetica Neue"/>
-            </a:endParaRPr>
-          </a:p>
-        </p:txBody>
-      </p:sp>
-      <p:sp>
-        <p:nvSpPr>
-          <p:cNvPr id="35" name="TextBox 34">
-            <a:extLst>
-              <a:ext uri="{FF2B5EF4-FFF2-40B4-BE49-F238E27FC236}">
-                <a16:creationId xmlns:a16="http://schemas.microsoft.com/office/drawing/2014/main" id="{5A8DDDBD-E139-C23B-CE66-687F9E10C90C}"/>
-              </a:ext>
-            </a:extLst>
-          </p:cNvPr>
-          <p:cNvSpPr txBox="1"/>
-          <p:nvPr/>
-        </p:nvSpPr>
-        <p:spPr>
-          <a:xfrm>
-            <a:off x="5087392" y="1417318"/>
-            <a:ext cx="2017216" cy="271869"/>
-          </a:xfrm>
-          <a:prstGeom prst="rect">
-            <a:avLst/>
-          </a:prstGeom>
-          <a:noFill/>
-          <a:ln w="12700" cap="flat">
-            <a:noFill/>
-            <a:miter lim="400000"/>
-          </a:ln>
-          <a:effectLst/>
-          <a:sp3d/>
-        </p:spPr>
-        <p:style>
-          <a:lnRef idx="0">
-            <a:scrgbClr r="0" g="0" b="0"/>
-          </a:lnRef>
-          <a:fillRef idx="0">
-            <a:scrgbClr r="0" g="0" b="0"/>
-          </a:fillRef>
-          <a:effectRef idx="0">
-            <a:scrgbClr r="0" g="0" b="0"/>
-          </a:effectRef>
-          <a:fontRef idx="none"/>
-        </p:style>
-        <p:txBody>
-          <a:bodyPr rot="0" spcFirstLastPara="1" vertOverflow="overflow" horzOverflow="overflow" vert="horz" wrap="square" lIns="50800" tIns="50800" rIns="50800" bIns="50800" numCol="1" spcCol="38100" rtlCol="0" anchor="t" anchorCtr="0">
-            <a:spAutoFit/>
-          </a:bodyPr>
-          <a:lstStyle/>
-          <a:p>
-            <a:pPr marL="0" marR="0" indent="0" algn="l" defTabSz="825500" rtl="0" fontAlgn="auto" latinLnBrk="0" hangingPunct="0">
-              <a:lnSpc>
-                <a:spcPct val="100000"/>
-              </a:lnSpc>
-              <a:spcBef>
-                <a:spcPts val="0"/>
-              </a:spcBef>
-              <a:spcAft>
-                <a:spcPts val="0"/>
-              </a:spcAft>
-              <a:buClrTx/>
-              <a:buSzTx/>
-              <a:buFontTx/>
-              <a:buNone/>
-              <a:tabLst/>
-            </a:pPr>
-            <a:r>
-              <a:rPr kumimoji="0" lang="en-GB" sz="1100" b="0" i="0" u="none" strike="noStrike" cap="none" spc="0" normalizeH="0" baseline="0" dirty="0" err="1">
-                <a:ln>
-                  <a:noFill/>
-                </a:ln>
-                <a:solidFill>
-                  <a:srgbClr val="000000"/>
-                </a:solidFill>
-                <a:effectLst/>
-                <a:uFillTx/>
-                <a:latin typeface="Calibri" panose="020F0502020204030204" pitchFamily="34" charset="0"/>
-                <a:ea typeface="Helvetica Neue"/>
-                <a:cs typeface="Calibri" panose="020F0502020204030204" pitchFamily="34" charset="0"/>
-                <a:sym typeface="Helvetica Neue"/>
-              </a:rPr>
+            <a:endParaRPr lang="en-GB" dirty="0"/>
+          </a:p>
+        </p:txBody>
+      </p:sp>
+      <p:sp>
+        <p:nvSpPr>
+          <p:cNvPr id="5" name="Text Placeholder 4">
+            <a:extLst>
+              <a:ext uri="{FF2B5EF4-FFF2-40B4-BE49-F238E27FC236}">
+                <a16:creationId xmlns:a16="http://schemas.microsoft.com/office/drawing/2014/main" id="{0B333F6E-5FA2-C93A-CBB4-EF1A4727CC88}"/>
+              </a:ext>
+            </a:extLst>
+          </p:cNvPr>
+          <p:cNvSpPr>
+            <a:spLocks noGrp="1"/>
+          </p:cNvSpPr>
+          <p:nvPr>
+            <p:ph type="body" sz="quarter" idx="12"/>
+          </p:nvPr>
+        </p:nvSpPr>
+        <p:spPr/>
+        <p:txBody>
+          <a:bodyPr/>
+          <a:lstStyle/>
+          <a:p>
+            <a:r>
+              <a:rPr lang="en-GB" dirty="0" err="1"/>
               <a:t>Knowledge_text</a:t>
             </a:r>
-            <a:endParaRPr kumimoji="0" lang="en-GB" sz="1100" b="0" i="0" u="none" strike="noStrike" cap="none" spc="0" normalizeH="0" baseline="0" dirty="0">
-              <a:ln>
-                <a:noFill/>
-              </a:ln>
-              <a:solidFill>
-                <a:srgbClr val="000000"/>
-              </a:solidFill>
-              <a:effectLst/>
-              <a:uFillTx/>
-              <a:latin typeface="Calibri" panose="020F0502020204030204" pitchFamily="34" charset="0"/>
-              <a:ea typeface="Helvetica Neue"/>
-              <a:cs typeface="Calibri" panose="020F0502020204030204" pitchFamily="34" charset="0"/>
-              <a:sym typeface="Helvetica Neue"/>
-            </a:endParaRPr>
-          </a:p>
-        </p:txBody>
-      </p:sp>
-      <p:sp>
-        <p:nvSpPr>
-          <p:cNvPr id="36" name="TextBox 35">
-            <a:extLst>
-              <a:ext uri="{FF2B5EF4-FFF2-40B4-BE49-F238E27FC236}">
-                <a16:creationId xmlns:a16="http://schemas.microsoft.com/office/drawing/2014/main" id="{35A1297F-1D0B-51FD-F9EA-7E0F64C1CC53}"/>
-              </a:ext>
-            </a:extLst>
-          </p:cNvPr>
-          <p:cNvSpPr txBox="1"/>
-          <p:nvPr/>
-        </p:nvSpPr>
-        <p:spPr>
-          <a:xfrm>
-            <a:off x="7417727" y="1417318"/>
-            <a:ext cx="2017216" cy="271869"/>
-          </a:xfrm>
-          <a:prstGeom prst="rect">
-            <a:avLst/>
-          </a:prstGeom>
-          <a:noFill/>
-          <a:ln w="12700" cap="flat">
-            <a:noFill/>
-            <a:miter lim="400000"/>
-          </a:ln>
-          <a:effectLst/>
-          <a:sp3d/>
-        </p:spPr>
-        <p:style>
-          <a:lnRef idx="0">
-            <a:scrgbClr r="0" g="0" b="0"/>
-          </a:lnRef>
-          <a:fillRef idx="0">
-            <a:scrgbClr r="0" g="0" b="0"/>
-          </a:fillRef>
-          <a:effectRef idx="0">
-            <a:scrgbClr r="0" g="0" b="0"/>
-          </a:effectRef>
-          <a:fontRef idx="none"/>
-        </p:style>
-        <p:txBody>
-          <a:bodyPr rot="0" spcFirstLastPara="1" vertOverflow="overflow" horzOverflow="overflow" vert="horz" wrap="square" lIns="50800" tIns="50800" rIns="50800" bIns="50800" numCol="1" spcCol="38100" rtlCol="0" anchor="t" anchorCtr="0">
-            <a:spAutoFit/>
-          </a:bodyPr>
-          <a:lstStyle/>
-          <a:p>
-            <a:pPr marL="0" marR="0" indent="0" algn="l" defTabSz="825500" rtl="0" fontAlgn="auto" latinLnBrk="0" hangingPunct="0">
-              <a:lnSpc>
-                <a:spcPct val="100000"/>
-              </a:lnSpc>
-              <a:spcBef>
-                <a:spcPts val="0"/>
-              </a:spcBef>
-              <a:spcAft>
-                <a:spcPts val="0"/>
-              </a:spcAft>
-              <a:buClrTx/>
-              <a:buSzTx/>
-              <a:buFontTx/>
-              <a:buNone/>
-              <a:tabLst/>
-            </a:pPr>
-            <a:r>
-              <a:rPr kumimoji="0" lang="en-GB" sz="1100" b="0" i="0" u="none" strike="noStrike" cap="none" spc="0" normalizeH="0" baseline="0" dirty="0" err="1">
-                <a:ln>
-                  <a:noFill/>
-                </a:ln>
-                <a:solidFill>
-                  <a:srgbClr val="000000"/>
-                </a:solidFill>
-                <a:effectLst/>
-                <a:uFillTx/>
-                <a:latin typeface="Calibri" panose="020F0502020204030204" pitchFamily="34" charset="0"/>
-                <a:ea typeface="Helvetica Neue"/>
-                <a:cs typeface="Calibri" panose="020F0502020204030204" pitchFamily="34" charset="0"/>
-                <a:sym typeface="Helvetica Neue"/>
-              </a:rPr>
+            <a:endParaRPr lang="en-GB" dirty="0"/>
+          </a:p>
+        </p:txBody>
+      </p:sp>
+      <p:sp>
+        <p:nvSpPr>
+          <p:cNvPr id="6" name="Text Placeholder 5">
+            <a:extLst>
+              <a:ext uri="{FF2B5EF4-FFF2-40B4-BE49-F238E27FC236}">
+                <a16:creationId xmlns:a16="http://schemas.microsoft.com/office/drawing/2014/main" id="{76A4FE1D-A4C9-6A15-A31C-77ED6830E949}"/>
+              </a:ext>
+            </a:extLst>
+          </p:cNvPr>
+          <p:cNvSpPr>
+            <a:spLocks noGrp="1"/>
+          </p:cNvSpPr>
+          <p:nvPr>
+            <p:ph type="body" sz="quarter" idx="13"/>
+          </p:nvPr>
+        </p:nvSpPr>
+        <p:spPr/>
+        <p:txBody>
+          <a:bodyPr/>
+          <a:lstStyle/>
+          <a:p>
+            <a:r>
+              <a:rPr lang="en-GB" dirty="0" err="1"/>
               <a:t>Ability_text</a:t>
             </a:r>
-            <a:endParaRPr kumimoji="0" lang="en-GB" sz="1100" b="0" i="0" u="none" strike="noStrike" cap="none" spc="0" normalizeH="0" baseline="0" dirty="0">
-              <a:ln>
-                <a:noFill/>
-              </a:ln>
-              <a:solidFill>
-                <a:srgbClr val="000000"/>
-              </a:solidFill>
-              <a:effectLst/>
-              <a:uFillTx/>
-              <a:latin typeface="Calibri" panose="020F0502020204030204" pitchFamily="34" charset="0"/>
-              <a:ea typeface="Helvetica Neue"/>
-              <a:cs typeface="Calibri" panose="020F0502020204030204" pitchFamily="34" charset="0"/>
-              <a:sym typeface="Helvetica Neue"/>
-            </a:endParaRPr>
-          </a:p>
-        </p:txBody>
-      </p:sp>
-      <p:sp>
-        <p:nvSpPr>
-          <p:cNvPr id="37" name="TextBox 36">
-            <a:extLst>
-              <a:ext uri="{FF2B5EF4-FFF2-40B4-BE49-F238E27FC236}">
-                <a16:creationId xmlns:a16="http://schemas.microsoft.com/office/drawing/2014/main" id="{3BCDAB8F-F07D-0246-D968-D862968A0553}"/>
-              </a:ext>
-            </a:extLst>
-          </p:cNvPr>
-          <p:cNvSpPr txBox="1"/>
-          <p:nvPr/>
-        </p:nvSpPr>
-        <p:spPr>
-          <a:xfrm>
-            <a:off x="9748062" y="1417318"/>
-            <a:ext cx="2017216" cy="271869"/>
-          </a:xfrm>
-          <a:prstGeom prst="rect">
-            <a:avLst/>
-          </a:prstGeom>
-          <a:noFill/>
-          <a:ln w="12700" cap="flat">
-            <a:noFill/>
-            <a:miter lim="400000"/>
-          </a:ln>
-          <a:effectLst/>
-          <a:sp3d/>
-        </p:spPr>
-        <p:style>
-          <a:lnRef idx="0">
-            <a:scrgbClr r="0" g="0" b="0"/>
-          </a:lnRef>
-          <a:fillRef idx="0">
-            <a:scrgbClr r="0" g="0" b="0"/>
-          </a:fillRef>
-          <a:effectRef idx="0">
-            <a:scrgbClr r="0" g="0" b="0"/>
-          </a:effectRef>
-          <a:fontRef idx="none"/>
-        </p:style>
-        <p:txBody>
-          <a:bodyPr rot="0" spcFirstLastPara="1" vertOverflow="overflow" horzOverflow="overflow" vert="horz" wrap="square" lIns="50800" tIns="50800" rIns="50800" bIns="50800" numCol="1" spcCol="38100" rtlCol="0" anchor="t" anchorCtr="0">
-            <a:spAutoFit/>
-          </a:bodyPr>
-          <a:lstStyle/>
-          <a:p>
-            <a:pPr marL="0" marR="0" indent="0" algn="l" defTabSz="825500" rtl="0" fontAlgn="auto" latinLnBrk="0" hangingPunct="0">
-              <a:lnSpc>
-                <a:spcPct val="100000"/>
-              </a:lnSpc>
-              <a:spcBef>
-                <a:spcPts val="0"/>
-              </a:spcBef>
-              <a:spcAft>
-                <a:spcPts val="0"/>
-              </a:spcAft>
-              <a:buClrTx/>
-              <a:buSzTx/>
-              <a:buFontTx/>
-              <a:buNone/>
-              <a:tabLst/>
-            </a:pPr>
-            <a:r>
-              <a:rPr kumimoji="0" lang="en-GB" sz="1100" b="0" i="0" u="none" strike="noStrike" cap="none" spc="0" normalizeH="0" baseline="0" dirty="0" err="1">
-                <a:ln>
-                  <a:noFill/>
-                </a:ln>
-                <a:solidFill>
-                  <a:srgbClr val="000000"/>
-                </a:solidFill>
-                <a:effectLst/>
-                <a:uFillTx/>
-                <a:latin typeface="Calibri" panose="020F0502020204030204" pitchFamily="34" charset="0"/>
-                <a:ea typeface="Helvetica Neue"/>
-                <a:cs typeface="Calibri" panose="020F0502020204030204" pitchFamily="34" charset="0"/>
-                <a:sym typeface="Helvetica Neue"/>
-              </a:rPr>
+            <a:endParaRPr lang="en-GB" dirty="0"/>
+          </a:p>
+        </p:txBody>
+      </p:sp>
+      <p:sp>
+        <p:nvSpPr>
+          <p:cNvPr id="7" name="Text Placeholder 6">
+            <a:extLst>
+              <a:ext uri="{FF2B5EF4-FFF2-40B4-BE49-F238E27FC236}">
+                <a16:creationId xmlns:a16="http://schemas.microsoft.com/office/drawing/2014/main" id="{3C477096-16E2-FF9F-B616-8164BA5035D4}"/>
+              </a:ext>
+            </a:extLst>
+          </p:cNvPr>
+          <p:cNvSpPr>
+            <a:spLocks noGrp="1"/>
+          </p:cNvSpPr>
+          <p:nvPr>
+            <p:ph type="body" sz="quarter" idx="14"/>
+          </p:nvPr>
+        </p:nvSpPr>
+        <p:spPr/>
+        <p:txBody>
+          <a:bodyPr/>
+          <a:lstStyle/>
+          <a:p>
+            <a:r>
+              <a:rPr lang="en-GB" dirty="0" err="1"/>
               <a:t>Reinforcement_text</a:t>
             </a:r>
-            <a:endParaRPr kumimoji="0" lang="en-GB" sz="1100" b="0" i="0" u="none" strike="noStrike" cap="none" spc="0" normalizeH="0" baseline="0" dirty="0">
-              <a:ln>
-                <a:noFill/>
-              </a:ln>
-              <a:solidFill>
-                <a:srgbClr val="000000"/>
-              </a:solidFill>
-              <a:effectLst/>
-              <a:uFillTx/>
-              <a:latin typeface="Calibri" panose="020F0502020204030204" pitchFamily="34" charset="0"/>
-              <a:ea typeface="Helvetica Neue"/>
-              <a:cs typeface="Calibri" panose="020F0502020204030204" pitchFamily="34" charset="0"/>
-              <a:sym typeface="Helvetica Neue"/>
-            </a:endParaRPr>
+            <a:endParaRPr lang="en-GB" dirty="0"/>
           </a:p>
         </p:txBody>
       </p:sp>
     </p:spTree>
     <p:extLst>
       <p:ext uri="{BB962C8B-B14F-4D97-AF65-F5344CB8AC3E}">
-        <p14:creationId xmlns:p14="http://schemas.microsoft.com/office/powerpoint/2010/main" val="2195706034"/>
+        <p14:creationId xmlns:p14="http://schemas.microsoft.com/office/powerpoint/2010/main" val="2526023155"/>
       </p:ext>
     </p:extLst>
   </p:cSld>
@@ -6730,7 +5805,7 @@
         <p:cNvPr id="1" name="">
           <a:extLst>
             <a:ext uri="{FF2B5EF4-FFF2-40B4-BE49-F238E27FC236}">
-              <a16:creationId xmlns:a16="http://schemas.microsoft.com/office/drawing/2014/main" id="{6DCD75E9-3B99-5E1A-98FD-00470538DB23}"/>
+              <a16:creationId xmlns:a16="http://schemas.microsoft.com/office/drawing/2014/main" id="{07F1CB0A-1E0E-A2C8-CA11-9FB052A6D086}"/>
             </a:ext>
           </a:extLst>
         </p:cNvPr>
@@ -6750,7 +5825,7 @@
           <p:cNvPr id="3" name="Title 1">
             <a:extLst>
               <a:ext uri="{FF2B5EF4-FFF2-40B4-BE49-F238E27FC236}">
-                <a16:creationId xmlns:a16="http://schemas.microsoft.com/office/drawing/2014/main" id="{ABA2D8F4-8054-AD75-F9AC-31A781432FEE}"/>
+                <a16:creationId xmlns:a16="http://schemas.microsoft.com/office/drawing/2014/main" id="{0FEF0F59-4B76-3298-1E36-4123E78F7A6B}"/>
               </a:ext>
             </a:extLst>
           </p:cNvPr>
@@ -6846,488 +5921,153 @@
       </p:sp>
       <p:sp>
         <p:nvSpPr>
-          <p:cNvPr id="33" name="TextBox 32">
-            <a:extLst>
-              <a:ext uri="{FF2B5EF4-FFF2-40B4-BE49-F238E27FC236}">
-                <a16:creationId xmlns:a16="http://schemas.microsoft.com/office/drawing/2014/main" id="{51058640-9465-98CD-74B7-ACA0EEE8BFBB}"/>
-              </a:ext>
-            </a:extLst>
-          </p:cNvPr>
-          <p:cNvSpPr txBox="1"/>
-          <p:nvPr/>
-        </p:nvSpPr>
-        <p:spPr>
-          <a:xfrm>
-            <a:off x="426722" y="1417318"/>
-            <a:ext cx="2017216" cy="271869"/>
-          </a:xfrm>
-          <a:prstGeom prst="rect">
-            <a:avLst/>
-          </a:prstGeom>
-          <a:noFill/>
-          <a:ln w="12700" cap="flat">
-            <a:noFill/>
-            <a:miter lim="400000"/>
-          </a:ln>
-          <a:effectLst/>
-          <a:sp3d/>
-        </p:spPr>
-        <p:style>
-          <a:lnRef idx="0">
-            <a:scrgbClr r="0" g="0" b="0"/>
-          </a:lnRef>
-          <a:fillRef idx="0">
-            <a:scrgbClr r="0" g="0" b="0"/>
-          </a:fillRef>
-          <a:effectRef idx="0">
-            <a:scrgbClr r="0" g="0" b="0"/>
-          </a:effectRef>
-          <a:fontRef idx="none"/>
-        </p:style>
-        <p:txBody>
-          <a:bodyPr rot="0" spcFirstLastPara="1" vertOverflow="overflow" horzOverflow="overflow" vert="horz" wrap="square" lIns="50800" tIns="50800" rIns="50800" bIns="50800" numCol="1" spcCol="38100" rtlCol="0" anchor="t" anchorCtr="0">
-            <a:spAutoFit/>
-          </a:bodyPr>
-          <a:lstStyle/>
-          <a:p>
-            <a:pPr marL="0" marR="0" indent="0" algn="l" defTabSz="825500" rtl="0" fontAlgn="auto" latinLnBrk="0" hangingPunct="0">
-              <a:lnSpc>
-                <a:spcPct val="100000"/>
-              </a:lnSpc>
-              <a:spcBef>
-                <a:spcPts val="0"/>
-              </a:spcBef>
-              <a:spcAft>
-                <a:spcPts val="0"/>
-              </a:spcAft>
-              <a:buClrTx/>
-              <a:buSzTx/>
-              <a:buFontTx/>
-              <a:buNone/>
-              <a:tabLst/>
-            </a:pPr>
-            <a:r>
-              <a:rPr kumimoji="0" lang="en-GB" sz="1100" b="0" i="0" u="none" strike="noStrike" cap="none" spc="0" normalizeH="0" baseline="0" dirty="0" err="1">
-                <a:ln>
-                  <a:noFill/>
-                </a:ln>
-                <a:solidFill>
-                  <a:srgbClr val="000000"/>
-                </a:solidFill>
-                <a:effectLst/>
-                <a:uFillTx/>
-                <a:latin typeface="Calibri" panose="020F0502020204030204" pitchFamily="34" charset="0"/>
-                <a:ea typeface="Helvetica Neue"/>
-                <a:cs typeface="Calibri" panose="020F0502020204030204" pitchFamily="34" charset="0"/>
-                <a:sym typeface="Helvetica Neue"/>
-              </a:rPr>
+          <p:cNvPr id="2" name="Text Placeholder 1">
+            <a:extLst>
+              <a:ext uri="{FF2B5EF4-FFF2-40B4-BE49-F238E27FC236}">
+                <a16:creationId xmlns:a16="http://schemas.microsoft.com/office/drawing/2014/main" id="{E828877C-ECC6-5A01-D39B-B2F297DE8A49}"/>
+              </a:ext>
+            </a:extLst>
+          </p:cNvPr>
+          <p:cNvSpPr>
+            <a:spLocks noGrp="1"/>
+          </p:cNvSpPr>
+          <p:nvPr>
+            <p:ph type="body" sz="quarter" idx="10"/>
+          </p:nvPr>
+        </p:nvSpPr>
+        <p:spPr/>
+        <p:txBody>
+          <a:bodyPr/>
+          <a:lstStyle/>
+          <a:p>
+            <a:r>
+              <a:rPr lang="en-GB" dirty="0" err="1"/>
               <a:t>Awareness_text</a:t>
             </a:r>
-            <a:endParaRPr kumimoji="0" lang="en-GB" sz="1100" b="0" i="0" u="none" strike="noStrike" cap="none" spc="0" normalizeH="0" baseline="0" dirty="0">
-              <a:ln>
-                <a:noFill/>
-              </a:ln>
-              <a:solidFill>
-                <a:srgbClr val="000000"/>
-              </a:solidFill>
-              <a:effectLst/>
-              <a:uFillTx/>
-              <a:latin typeface="Calibri" panose="020F0502020204030204" pitchFamily="34" charset="0"/>
-              <a:ea typeface="Helvetica Neue"/>
-              <a:cs typeface="Calibri" panose="020F0502020204030204" pitchFamily="34" charset="0"/>
-              <a:sym typeface="Helvetica Neue"/>
-            </a:endParaRPr>
-          </a:p>
-        </p:txBody>
-      </p:sp>
-      <p:sp>
-        <p:nvSpPr>
-          <p:cNvPr id="34" name="TextBox 33">
-            <a:extLst>
-              <a:ext uri="{FF2B5EF4-FFF2-40B4-BE49-F238E27FC236}">
-                <a16:creationId xmlns:a16="http://schemas.microsoft.com/office/drawing/2014/main" id="{8E92333E-6952-40B2-6C2F-B48ADDE7B5D4}"/>
-              </a:ext>
-            </a:extLst>
-          </p:cNvPr>
-          <p:cNvSpPr txBox="1"/>
-          <p:nvPr/>
-        </p:nvSpPr>
-        <p:spPr>
-          <a:xfrm>
-            <a:off x="2757057" y="1417318"/>
-            <a:ext cx="2017216" cy="271869"/>
-          </a:xfrm>
-          <a:prstGeom prst="rect">
-            <a:avLst/>
-          </a:prstGeom>
-          <a:noFill/>
-          <a:ln w="12700" cap="flat">
-            <a:noFill/>
-            <a:miter lim="400000"/>
-          </a:ln>
-          <a:effectLst/>
-          <a:sp3d/>
-        </p:spPr>
-        <p:style>
-          <a:lnRef idx="0">
-            <a:scrgbClr r="0" g="0" b="0"/>
-          </a:lnRef>
-          <a:fillRef idx="0">
-            <a:scrgbClr r="0" g="0" b="0"/>
-          </a:fillRef>
-          <a:effectRef idx="0">
-            <a:scrgbClr r="0" g="0" b="0"/>
-          </a:effectRef>
-          <a:fontRef idx="none"/>
-        </p:style>
-        <p:txBody>
-          <a:bodyPr rot="0" spcFirstLastPara="1" vertOverflow="overflow" horzOverflow="overflow" vert="horz" wrap="square" lIns="50800" tIns="50800" rIns="50800" bIns="50800" numCol="1" spcCol="38100" rtlCol="0" anchor="t" anchorCtr="0">
-            <a:spAutoFit/>
-          </a:bodyPr>
-          <a:lstStyle/>
-          <a:p>
-            <a:pPr marL="0" marR="0" indent="0" algn="l" defTabSz="825500" rtl="0" fontAlgn="auto" latinLnBrk="0" hangingPunct="0">
-              <a:lnSpc>
-                <a:spcPct val="100000"/>
-              </a:lnSpc>
-              <a:spcBef>
-                <a:spcPts val="0"/>
-              </a:spcBef>
-              <a:spcAft>
-                <a:spcPts val="0"/>
-              </a:spcAft>
-              <a:buClrTx/>
-              <a:buSzTx/>
-              <a:buFontTx/>
-              <a:buNone/>
-              <a:tabLst/>
-            </a:pPr>
-            <a:r>
-              <a:rPr kumimoji="0" lang="en-GB" sz="1100" b="0" i="0" u="none" strike="noStrike" cap="none" spc="0" normalizeH="0" baseline="0" dirty="0" err="1">
-                <a:ln>
-                  <a:noFill/>
-                </a:ln>
-                <a:solidFill>
-                  <a:srgbClr val="000000"/>
-                </a:solidFill>
-                <a:effectLst/>
-                <a:uFillTx/>
-                <a:latin typeface="Calibri" panose="020F0502020204030204" pitchFamily="34" charset="0"/>
-                <a:ea typeface="Helvetica Neue"/>
-                <a:cs typeface="Calibri" panose="020F0502020204030204" pitchFamily="34" charset="0"/>
-                <a:sym typeface="Helvetica Neue"/>
-              </a:rPr>
+            <a:endParaRPr lang="en-GB" dirty="0"/>
+          </a:p>
+        </p:txBody>
+      </p:sp>
+      <p:sp>
+        <p:nvSpPr>
+          <p:cNvPr id="4" name="Text Placeholder 3">
+            <a:extLst>
+              <a:ext uri="{FF2B5EF4-FFF2-40B4-BE49-F238E27FC236}">
+                <a16:creationId xmlns:a16="http://schemas.microsoft.com/office/drawing/2014/main" id="{24118224-ABB7-8C76-104C-10AEE767C458}"/>
+              </a:ext>
+            </a:extLst>
+          </p:cNvPr>
+          <p:cNvSpPr>
+            <a:spLocks noGrp="1"/>
+          </p:cNvSpPr>
+          <p:nvPr>
+            <p:ph type="body" sz="quarter" idx="11"/>
+          </p:nvPr>
+        </p:nvSpPr>
+        <p:spPr/>
+        <p:txBody>
+          <a:bodyPr/>
+          <a:lstStyle/>
+          <a:p>
+            <a:r>
+              <a:rPr lang="en-GB" dirty="0" err="1"/>
               <a:t>Desire_text</a:t>
             </a:r>
-            <a:endParaRPr kumimoji="0" lang="en-GB" sz="1100" b="0" i="0" u="none" strike="noStrike" cap="none" spc="0" normalizeH="0" baseline="0" dirty="0">
-              <a:ln>
-                <a:noFill/>
-              </a:ln>
-              <a:solidFill>
-                <a:srgbClr val="000000"/>
-              </a:solidFill>
-              <a:effectLst/>
-              <a:uFillTx/>
-              <a:latin typeface="Calibri" panose="020F0502020204030204" pitchFamily="34" charset="0"/>
-              <a:ea typeface="Helvetica Neue"/>
-              <a:cs typeface="Calibri" panose="020F0502020204030204" pitchFamily="34" charset="0"/>
-              <a:sym typeface="Helvetica Neue"/>
-            </a:endParaRPr>
-          </a:p>
-        </p:txBody>
-      </p:sp>
-      <p:sp>
-        <p:nvSpPr>
-          <p:cNvPr id="35" name="TextBox 34">
-            <a:extLst>
-              <a:ext uri="{FF2B5EF4-FFF2-40B4-BE49-F238E27FC236}">
-                <a16:creationId xmlns:a16="http://schemas.microsoft.com/office/drawing/2014/main" id="{A69FF061-C08B-34B6-E0D4-F1B8CBF86EF7}"/>
-              </a:ext>
-            </a:extLst>
-          </p:cNvPr>
-          <p:cNvSpPr txBox="1"/>
-          <p:nvPr/>
-        </p:nvSpPr>
-        <p:spPr>
-          <a:xfrm>
-            <a:off x="5087392" y="1417318"/>
-            <a:ext cx="2017216" cy="271869"/>
-          </a:xfrm>
-          <a:prstGeom prst="rect">
-            <a:avLst/>
-          </a:prstGeom>
-          <a:noFill/>
-          <a:ln w="12700" cap="flat">
-            <a:noFill/>
-            <a:miter lim="400000"/>
-          </a:ln>
-          <a:effectLst/>
-          <a:sp3d/>
-        </p:spPr>
-        <p:style>
-          <a:lnRef idx="0">
-            <a:scrgbClr r="0" g="0" b="0"/>
-          </a:lnRef>
-          <a:fillRef idx="0">
-            <a:scrgbClr r="0" g="0" b="0"/>
-          </a:fillRef>
-          <a:effectRef idx="0">
-            <a:scrgbClr r="0" g="0" b="0"/>
-          </a:effectRef>
-          <a:fontRef idx="none"/>
-        </p:style>
-        <p:txBody>
-          <a:bodyPr rot="0" spcFirstLastPara="1" vertOverflow="overflow" horzOverflow="overflow" vert="horz" wrap="square" lIns="50800" tIns="50800" rIns="50800" bIns="50800" numCol="1" spcCol="38100" rtlCol="0" anchor="t" anchorCtr="0">
-            <a:spAutoFit/>
-          </a:bodyPr>
-          <a:lstStyle/>
-          <a:p>
-            <a:pPr marL="0" marR="0" indent="0" algn="l" defTabSz="825500" rtl="0" fontAlgn="auto" latinLnBrk="0" hangingPunct="0">
-              <a:lnSpc>
-                <a:spcPct val="100000"/>
-              </a:lnSpc>
-              <a:spcBef>
-                <a:spcPts val="0"/>
-              </a:spcBef>
-              <a:spcAft>
-                <a:spcPts val="0"/>
-              </a:spcAft>
-              <a:buClrTx/>
-              <a:buSzTx/>
-              <a:buFontTx/>
-              <a:buNone/>
-              <a:tabLst/>
-            </a:pPr>
-            <a:r>
-              <a:rPr kumimoji="0" lang="en-GB" sz="1100" b="0" i="0" u="none" strike="noStrike" cap="none" spc="0" normalizeH="0" baseline="0" dirty="0" err="1">
-                <a:ln>
-                  <a:noFill/>
-                </a:ln>
-                <a:solidFill>
-                  <a:srgbClr val="000000"/>
-                </a:solidFill>
-                <a:effectLst/>
-                <a:uFillTx/>
-                <a:latin typeface="Calibri" panose="020F0502020204030204" pitchFamily="34" charset="0"/>
-                <a:ea typeface="Helvetica Neue"/>
-                <a:cs typeface="Calibri" panose="020F0502020204030204" pitchFamily="34" charset="0"/>
-                <a:sym typeface="Helvetica Neue"/>
-              </a:rPr>
+            <a:endParaRPr lang="en-GB" dirty="0"/>
+          </a:p>
+        </p:txBody>
+      </p:sp>
+      <p:sp>
+        <p:nvSpPr>
+          <p:cNvPr id="5" name="Text Placeholder 4">
+            <a:extLst>
+              <a:ext uri="{FF2B5EF4-FFF2-40B4-BE49-F238E27FC236}">
+                <a16:creationId xmlns:a16="http://schemas.microsoft.com/office/drawing/2014/main" id="{982582E9-CCF0-CD98-8014-A3B1FEF74436}"/>
+              </a:ext>
+            </a:extLst>
+          </p:cNvPr>
+          <p:cNvSpPr>
+            <a:spLocks noGrp="1"/>
+          </p:cNvSpPr>
+          <p:nvPr>
+            <p:ph type="body" sz="quarter" idx="12"/>
+          </p:nvPr>
+        </p:nvSpPr>
+        <p:spPr/>
+        <p:txBody>
+          <a:bodyPr/>
+          <a:lstStyle/>
+          <a:p>
+            <a:r>
+              <a:rPr lang="en-GB" dirty="0" err="1"/>
               <a:t>Knowledge_text</a:t>
             </a:r>
-            <a:endParaRPr kumimoji="0" lang="en-GB" sz="1100" b="0" i="0" u="none" strike="noStrike" cap="none" spc="0" normalizeH="0" baseline="0" dirty="0">
-              <a:ln>
-                <a:noFill/>
-              </a:ln>
-              <a:solidFill>
-                <a:srgbClr val="000000"/>
-              </a:solidFill>
-              <a:effectLst/>
-              <a:uFillTx/>
-              <a:latin typeface="Calibri" panose="020F0502020204030204" pitchFamily="34" charset="0"/>
-              <a:ea typeface="Helvetica Neue"/>
-              <a:cs typeface="Calibri" panose="020F0502020204030204" pitchFamily="34" charset="0"/>
-              <a:sym typeface="Helvetica Neue"/>
-            </a:endParaRPr>
-          </a:p>
-        </p:txBody>
-      </p:sp>
-      <p:sp>
-        <p:nvSpPr>
-          <p:cNvPr id="36" name="TextBox 35">
-            <a:extLst>
-              <a:ext uri="{FF2B5EF4-FFF2-40B4-BE49-F238E27FC236}">
-                <a16:creationId xmlns:a16="http://schemas.microsoft.com/office/drawing/2014/main" id="{53A8C496-2CF4-BE2D-CBDF-270D459D3946}"/>
-              </a:ext>
-            </a:extLst>
-          </p:cNvPr>
-          <p:cNvSpPr txBox="1"/>
-          <p:nvPr/>
-        </p:nvSpPr>
-        <p:spPr>
-          <a:xfrm>
-            <a:off x="7417727" y="1417318"/>
-            <a:ext cx="2017216" cy="271869"/>
-          </a:xfrm>
-          <a:prstGeom prst="rect">
-            <a:avLst/>
-          </a:prstGeom>
-          <a:noFill/>
-          <a:ln w="12700" cap="flat">
-            <a:noFill/>
-            <a:miter lim="400000"/>
-          </a:ln>
-          <a:effectLst/>
-          <a:sp3d/>
-        </p:spPr>
-        <p:style>
-          <a:lnRef idx="0">
-            <a:scrgbClr r="0" g="0" b="0"/>
-          </a:lnRef>
-          <a:fillRef idx="0">
-            <a:scrgbClr r="0" g="0" b="0"/>
-          </a:fillRef>
-          <a:effectRef idx="0">
-            <a:scrgbClr r="0" g="0" b="0"/>
-          </a:effectRef>
-          <a:fontRef idx="none"/>
-        </p:style>
-        <p:txBody>
-          <a:bodyPr rot="0" spcFirstLastPara="1" vertOverflow="overflow" horzOverflow="overflow" vert="horz" wrap="square" lIns="50800" tIns="50800" rIns="50800" bIns="50800" numCol="1" spcCol="38100" rtlCol="0" anchor="t" anchorCtr="0">
-            <a:spAutoFit/>
-          </a:bodyPr>
-          <a:lstStyle/>
-          <a:p>
-            <a:pPr marL="0" marR="0" indent="0" algn="l" defTabSz="825500" rtl="0" fontAlgn="auto" latinLnBrk="0" hangingPunct="0">
-              <a:lnSpc>
-                <a:spcPct val="100000"/>
-              </a:lnSpc>
-              <a:spcBef>
-                <a:spcPts val="0"/>
-              </a:spcBef>
-              <a:spcAft>
-                <a:spcPts val="0"/>
-              </a:spcAft>
-              <a:buClrTx/>
-              <a:buSzTx/>
-              <a:buFontTx/>
-              <a:buNone/>
-              <a:tabLst/>
-            </a:pPr>
-            <a:r>
-              <a:rPr kumimoji="0" lang="en-GB" sz="1100" b="0" i="0" u="none" strike="noStrike" cap="none" spc="0" normalizeH="0" baseline="0" dirty="0" err="1">
-                <a:ln>
-                  <a:noFill/>
-                </a:ln>
-                <a:solidFill>
-                  <a:srgbClr val="000000"/>
-                </a:solidFill>
-                <a:effectLst/>
-                <a:uFillTx/>
-                <a:latin typeface="Calibri" panose="020F0502020204030204" pitchFamily="34" charset="0"/>
-                <a:ea typeface="Helvetica Neue"/>
-                <a:cs typeface="Calibri" panose="020F0502020204030204" pitchFamily="34" charset="0"/>
-                <a:sym typeface="Helvetica Neue"/>
-              </a:rPr>
+            <a:endParaRPr lang="en-GB" dirty="0"/>
+          </a:p>
+        </p:txBody>
+      </p:sp>
+      <p:sp>
+        <p:nvSpPr>
+          <p:cNvPr id="6" name="Text Placeholder 5">
+            <a:extLst>
+              <a:ext uri="{FF2B5EF4-FFF2-40B4-BE49-F238E27FC236}">
+                <a16:creationId xmlns:a16="http://schemas.microsoft.com/office/drawing/2014/main" id="{B72DE870-45EE-74A6-7D03-7DC6A7D261F6}"/>
+              </a:ext>
+            </a:extLst>
+          </p:cNvPr>
+          <p:cNvSpPr>
+            <a:spLocks noGrp="1"/>
+          </p:cNvSpPr>
+          <p:nvPr>
+            <p:ph type="body" sz="quarter" idx="13"/>
+          </p:nvPr>
+        </p:nvSpPr>
+        <p:spPr/>
+        <p:txBody>
+          <a:bodyPr/>
+          <a:lstStyle/>
+          <a:p>
+            <a:r>
+              <a:rPr lang="en-GB" dirty="0" err="1"/>
               <a:t>Ability_text</a:t>
             </a:r>
-            <a:endParaRPr kumimoji="0" lang="en-GB" sz="1100" b="0" i="0" u="none" strike="noStrike" cap="none" spc="0" normalizeH="0" baseline="0" dirty="0">
-              <a:ln>
-                <a:noFill/>
-              </a:ln>
-              <a:solidFill>
-                <a:srgbClr val="000000"/>
-              </a:solidFill>
-              <a:effectLst/>
-              <a:uFillTx/>
-              <a:latin typeface="Calibri" panose="020F0502020204030204" pitchFamily="34" charset="0"/>
-              <a:ea typeface="Helvetica Neue"/>
-              <a:cs typeface="Calibri" panose="020F0502020204030204" pitchFamily="34" charset="0"/>
-              <a:sym typeface="Helvetica Neue"/>
-            </a:endParaRPr>
-          </a:p>
-        </p:txBody>
-      </p:sp>
-      <p:sp>
-        <p:nvSpPr>
-          <p:cNvPr id="37" name="TextBox 36">
-            <a:extLst>
-              <a:ext uri="{FF2B5EF4-FFF2-40B4-BE49-F238E27FC236}">
-                <a16:creationId xmlns:a16="http://schemas.microsoft.com/office/drawing/2014/main" id="{BBDF4704-84CE-49A9-5895-E30A836B7AAD}"/>
-              </a:ext>
-            </a:extLst>
-          </p:cNvPr>
-          <p:cNvSpPr txBox="1"/>
-          <p:nvPr/>
-        </p:nvSpPr>
-        <p:spPr>
-          <a:xfrm>
-            <a:off x="9748062" y="1417318"/>
-            <a:ext cx="2017216" cy="271869"/>
-          </a:xfrm>
-          <a:prstGeom prst="rect">
-            <a:avLst/>
-          </a:prstGeom>
-          <a:noFill/>
-          <a:ln w="12700" cap="flat">
-            <a:noFill/>
-            <a:miter lim="400000"/>
-          </a:ln>
-          <a:effectLst/>
-          <a:sp3d/>
-        </p:spPr>
-        <p:style>
-          <a:lnRef idx="0">
-            <a:scrgbClr r="0" g="0" b="0"/>
-          </a:lnRef>
-          <a:fillRef idx="0">
-            <a:scrgbClr r="0" g="0" b="0"/>
-          </a:fillRef>
-          <a:effectRef idx="0">
-            <a:scrgbClr r="0" g="0" b="0"/>
-          </a:effectRef>
-          <a:fontRef idx="none"/>
-        </p:style>
-        <p:txBody>
-          <a:bodyPr rot="0" spcFirstLastPara="1" vertOverflow="overflow" horzOverflow="overflow" vert="horz" wrap="square" lIns="50800" tIns="50800" rIns="50800" bIns="50800" numCol="1" spcCol="38100" rtlCol="0" anchor="t" anchorCtr="0">
-            <a:spAutoFit/>
-          </a:bodyPr>
-          <a:lstStyle/>
-          <a:p>
-            <a:pPr marL="0" marR="0" indent="0" algn="l" defTabSz="825500" rtl="0" fontAlgn="auto" latinLnBrk="0" hangingPunct="0">
-              <a:lnSpc>
-                <a:spcPct val="100000"/>
-              </a:lnSpc>
-              <a:spcBef>
-                <a:spcPts val="0"/>
-              </a:spcBef>
-              <a:spcAft>
-                <a:spcPts val="0"/>
-              </a:spcAft>
-              <a:buClrTx/>
-              <a:buSzTx/>
-              <a:buFontTx/>
-              <a:buNone/>
-              <a:tabLst/>
-            </a:pPr>
-            <a:r>
-              <a:rPr kumimoji="0" lang="en-GB" sz="1100" b="0" i="0" u="none" strike="noStrike" cap="none" spc="0" normalizeH="0" baseline="0" dirty="0" err="1">
-                <a:ln>
-                  <a:noFill/>
-                </a:ln>
-                <a:solidFill>
-                  <a:srgbClr val="000000"/>
-                </a:solidFill>
-                <a:effectLst/>
-                <a:uFillTx/>
-                <a:latin typeface="Calibri" panose="020F0502020204030204" pitchFamily="34" charset="0"/>
-                <a:ea typeface="Helvetica Neue"/>
-                <a:cs typeface="Calibri" panose="020F0502020204030204" pitchFamily="34" charset="0"/>
-                <a:sym typeface="Helvetica Neue"/>
-              </a:rPr>
+            <a:endParaRPr lang="en-GB" dirty="0"/>
+          </a:p>
+        </p:txBody>
+      </p:sp>
+      <p:sp>
+        <p:nvSpPr>
+          <p:cNvPr id="7" name="Text Placeholder 6">
+            <a:extLst>
+              <a:ext uri="{FF2B5EF4-FFF2-40B4-BE49-F238E27FC236}">
+                <a16:creationId xmlns:a16="http://schemas.microsoft.com/office/drawing/2014/main" id="{220CF113-8077-9294-45BD-6FCB169B562B}"/>
+              </a:ext>
+            </a:extLst>
+          </p:cNvPr>
+          <p:cNvSpPr>
+            <a:spLocks noGrp="1"/>
+          </p:cNvSpPr>
+          <p:nvPr>
+            <p:ph type="body" sz="quarter" idx="14"/>
+          </p:nvPr>
+        </p:nvSpPr>
+        <p:spPr/>
+        <p:txBody>
+          <a:bodyPr/>
+          <a:lstStyle/>
+          <a:p>
+            <a:r>
+              <a:rPr lang="en-GB" dirty="0" err="1"/>
               <a:t>Reinforcement_text</a:t>
             </a:r>
-            <a:endParaRPr kumimoji="0" lang="en-GB" sz="1100" b="0" i="0" u="none" strike="noStrike" cap="none" spc="0" normalizeH="0" baseline="0" dirty="0">
-              <a:ln>
-                <a:noFill/>
-              </a:ln>
-              <a:solidFill>
-                <a:srgbClr val="000000"/>
-              </a:solidFill>
-              <a:effectLst/>
-              <a:uFillTx/>
-              <a:latin typeface="Calibri" panose="020F0502020204030204" pitchFamily="34" charset="0"/>
-              <a:ea typeface="Helvetica Neue"/>
-              <a:cs typeface="Calibri" panose="020F0502020204030204" pitchFamily="34" charset="0"/>
-              <a:sym typeface="Helvetica Neue"/>
-            </a:endParaRPr>
+            <a:endParaRPr lang="en-GB" dirty="0"/>
           </a:p>
         </p:txBody>
       </p:sp>
     </p:spTree>
     <p:extLst>
       <p:ext uri="{BB962C8B-B14F-4D97-AF65-F5344CB8AC3E}">
-        <p14:creationId xmlns:p14="http://schemas.microsoft.com/office/powerpoint/2010/main" val="2351766959"/>
+        <p14:creationId xmlns:p14="http://schemas.microsoft.com/office/powerpoint/2010/main" val="1874132371"/>
       </p:ext>
     </p:extLst>
   </p:cSld>
@@ -7346,7 +6086,7 @@
         <p:cNvPr id="1" name="">
           <a:extLst>
             <a:ext uri="{FF2B5EF4-FFF2-40B4-BE49-F238E27FC236}">
-              <a16:creationId xmlns:a16="http://schemas.microsoft.com/office/drawing/2014/main" id="{41591641-1120-01C5-432D-CAD857BBC5D0}"/>
+              <a16:creationId xmlns:a16="http://schemas.microsoft.com/office/drawing/2014/main" id="{47846CE3-71CB-7D54-136F-107CE2109CE9}"/>
             </a:ext>
           </a:extLst>
         </p:cNvPr>
@@ -7366,7 +6106,7 @@
           <p:cNvPr id="3" name="Title 1">
             <a:extLst>
               <a:ext uri="{FF2B5EF4-FFF2-40B4-BE49-F238E27FC236}">
-                <a16:creationId xmlns:a16="http://schemas.microsoft.com/office/drawing/2014/main" id="{A4BB2088-8632-51EB-586E-BC2E28F9000D}"/>
+                <a16:creationId xmlns:a16="http://schemas.microsoft.com/office/drawing/2014/main" id="{DBF41F96-6C01-CF5A-B76E-21C554F93911}"/>
               </a:ext>
             </a:extLst>
           </p:cNvPr>
@@ -7462,488 +6202,153 @@
       </p:sp>
       <p:sp>
         <p:nvSpPr>
-          <p:cNvPr id="33" name="TextBox 32">
-            <a:extLst>
-              <a:ext uri="{FF2B5EF4-FFF2-40B4-BE49-F238E27FC236}">
-                <a16:creationId xmlns:a16="http://schemas.microsoft.com/office/drawing/2014/main" id="{80F2304C-DC7D-688D-7C70-8F074A95C424}"/>
-              </a:ext>
-            </a:extLst>
-          </p:cNvPr>
-          <p:cNvSpPr txBox="1"/>
-          <p:nvPr/>
-        </p:nvSpPr>
-        <p:spPr>
-          <a:xfrm>
-            <a:off x="426722" y="1417318"/>
-            <a:ext cx="2017216" cy="271869"/>
-          </a:xfrm>
-          <a:prstGeom prst="rect">
-            <a:avLst/>
-          </a:prstGeom>
-          <a:noFill/>
-          <a:ln w="12700" cap="flat">
-            <a:noFill/>
-            <a:miter lim="400000"/>
-          </a:ln>
-          <a:effectLst/>
-          <a:sp3d/>
-        </p:spPr>
-        <p:style>
-          <a:lnRef idx="0">
-            <a:scrgbClr r="0" g="0" b="0"/>
-          </a:lnRef>
-          <a:fillRef idx="0">
-            <a:scrgbClr r="0" g="0" b="0"/>
-          </a:fillRef>
-          <a:effectRef idx="0">
-            <a:scrgbClr r="0" g="0" b="0"/>
-          </a:effectRef>
-          <a:fontRef idx="none"/>
-        </p:style>
-        <p:txBody>
-          <a:bodyPr rot="0" spcFirstLastPara="1" vertOverflow="overflow" horzOverflow="overflow" vert="horz" wrap="square" lIns="50800" tIns="50800" rIns="50800" bIns="50800" numCol="1" spcCol="38100" rtlCol="0" anchor="t" anchorCtr="0">
-            <a:spAutoFit/>
-          </a:bodyPr>
-          <a:lstStyle/>
-          <a:p>
-            <a:pPr marL="0" marR="0" indent="0" algn="l" defTabSz="825500" rtl="0" fontAlgn="auto" latinLnBrk="0" hangingPunct="0">
-              <a:lnSpc>
-                <a:spcPct val="100000"/>
-              </a:lnSpc>
-              <a:spcBef>
-                <a:spcPts val="0"/>
-              </a:spcBef>
-              <a:spcAft>
-                <a:spcPts val="0"/>
-              </a:spcAft>
-              <a:buClrTx/>
-              <a:buSzTx/>
-              <a:buFontTx/>
-              <a:buNone/>
-              <a:tabLst/>
-            </a:pPr>
-            <a:r>
-              <a:rPr kumimoji="0" lang="en-GB" sz="1100" b="0" i="0" u="none" strike="noStrike" cap="none" spc="0" normalizeH="0" baseline="0" dirty="0" err="1">
-                <a:ln>
-                  <a:noFill/>
-                </a:ln>
-                <a:solidFill>
-                  <a:srgbClr val="000000"/>
-                </a:solidFill>
-                <a:effectLst/>
-                <a:uFillTx/>
-                <a:latin typeface="Calibri" panose="020F0502020204030204" pitchFamily="34" charset="0"/>
-                <a:ea typeface="Helvetica Neue"/>
-                <a:cs typeface="Calibri" panose="020F0502020204030204" pitchFamily="34" charset="0"/>
-                <a:sym typeface="Helvetica Neue"/>
-              </a:rPr>
+          <p:cNvPr id="2" name="Text Placeholder 1">
+            <a:extLst>
+              <a:ext uri="{FF2B5EF4-FFF2-40B4-BE49-F238E27FC236}">
+                <a16:creationId xmlns:a16="http://schemas.microsoft.com/office/drawing/2014/main" id="{3AD7BF63-F633-2705-AE65-EA90B7427D11}"/>
+              </a:ext>
+            </a:extLst>
+          </p:cNvPr>
+          <p:cNvSpPr>
+            <a:spLocks noGrp="1"/>
+          </p:cNvSpPr>
+          <p:nvPr>
+            <p:ph type="body" sz="quarter" idx="10"/>
+          </p:nvPr>
+        </p:nvSpPr>
+        <p:spPr/>
+        <p:txBody>
+          <a:bodyPr/>
+          <a:lstStyle/>
+          <a:p>
+            <a:r>
+              <a:rPr lang="en-GB" dirty="0" err="1"/>
               <a:t>Awareness_text</a:t>
             </a:r>
-            <a:endParaRPr kumimoji="0" lang="en-GB" sz="1100" b="0" i="0" u="none" strike="noStrike" cap="none" spc="0" normalizeH="0" baseline="0" dirty="0">
-              <a:ln>
-                <a:noFill/>
-              </a:ln>
-              <a:solidFill>
-                <a:srgbClr val="000000"/>
-              </a:solidFill>
-              <a:effectLst/>
-              <a:uFillTx/>
-              <a:latin typeface="Calibri" panose="020F0502020204030204" pitchFamily="34" charset="0"/>
-              <a:ea typeface="Helvetica Neue"/>
-              <a:cs typeface="Calibri" panose="020F0502020204030204" pitchFamily="34" charset="0"/>
-              <a:sym typeface="Helvetica Neue"/>
-            </a:endParaRPr>
-          </a:p>
-        </p:txBody>
-      </p:sp>
-      <p:sp>
-        <p:nvSpPr>
-          <p:cNvPr id="34" name="TextBox 33">
-            <a:extLst>
-              <a:ext uri="{FF2B5EF4-FFF2-40B4-BE49-F238E27FC236}">
-                <a16:creationId xmlns:a16="http://schemas.microsoft.com/office/drawing/2014/main" id="{0290D829-5911-A13A-1451-02F202EBDAF8}"/>
-              </a:ext>
-            </a:extLst>
-          </p:cNvPr>
-          <p:cNvSpPr txBox="1"/>
-          <p:nvPr/>
-        </p:nvSpPr>
-        <p:spPr>
-          <a:xfrm>
-            <a:off x="2757057" y="1417318"/>
-            <a:ext cx="2017216" cy="271869"/>
-          </a:xfrm>
-          <a:prstGeom prst="rect">
-            <a:avLst/>
-          </a:prstGeom>
-          <a:noFill/>
-          <a:ln w="12700" cap="flat">
-            <a:noFill/>
-            <a:miter lim="400000"/>
-          </a:ln>
-          <a:effectLst/>
-          <a:sp3d/>
-        </p:spPr>
-        <p:style>
-          <a:lnRef idx="0">
-            <a:scrgbClr r="0" g="0" b="0"/>
-          </a:lnRef>
-          <a:fillRef idx="0">
-            <a:scrgbClr r="0" g="0" b="0"/>
-          </a:fillRef>
-          <a:effectRef idx="0">
-            <a:scrgbClr r="0" g="0" b="0"/>
-          </a:effectRef>
-          <a:fontRef idx="none"/>
-        </p:style>
-        <p:txBody>
-          <a:bodyPr rot="0" spcFirstLastPara="1" vertOverflow="overflow" horzOverflow="overflow" vert="horz" wrap="square" lIns="50800" tIns="50800" rIns="50800" bIns="50800" numCol="1" spcCol="38100" rtlCol="0" anchor="t" anchorCtr="0">
-            <a:spAutoFit/>
-          </a:bodyPr>
-          <a:lstStyle/>
-          <a:p>
-            <a:pPr marL="0" marR="0" indent="0" algn="l" defTabSz="825500" rtl="0" fontAlgn="auto" latinLnBrk="0" hangingPunct="0">
-              <a:lnSpc>
-                <a:spcPct val="100000"/>
-              </a:lnSpc>
-              <a:spcBef>
-                <a:spcPts val="0"/>
-              </a:spcBef>
-              <a:spcAft>
-                <a:spcPts val="0"/>
-              </a:spcAft>
-              <a:buClrTx/>
-              <a:buSzTx/>
-              <a:buFontTx/>
-              <a:buNone/>
-              <a:tabLst/>
-            </a:pPr>
-            <a:r>
-              <a:rPr kumimoji="0" lang="en-GB" sz="1100" b="0" i="0" u="none" strike="noStrike" cap="none" spc="0" normalizeH="0" baseline="0" dirty="0" err="1">
-                <a:ln>
-                  <a:noFill/>
-                </a:ln>
-                <a:solidFill>
-                  <a:srgbClr val="000000"/>
-                </a:solidFill>
-                <a:effectLst/>
-                <a:uFillTx/>
-                <a:latin typeface="Calibri" panose="020F0502020204030204" pitchFamily="34" charset="0"/>
-                <a:ea typeface="Helvetica Neue"/>
-                <a:cs typeface="Calibri" panose="020F0502020204030204" pitchFamily="34" charset="0"/>
-                <a:sym typeface="Helvetica Neue"/>
-              </a:rPr>
+            <a:endParaRPr lang="en-GB" dirty="0"/>
+          </a:p>
+        </p:txBody>
+      </p:sp>
+      <p:sp>
+        <p:nvSpPr>
+          <p:cNvPr id="4" name="Text Placeholder 3">
+            <a:extLst>
+              <a:ext uri="{FF2B5EF4-FFF2-40B4-BE49-F238E27FC236}">
+                <a16:creationId xmlns:a16="http://schemas.microsoft.com/office/drawing/2014/main" id="{1AEFE16B-4968-8EAD-8F94-D59A8F634587}"/>
+              </a:ext>
+            </a:extLst>
+          </p:cNvPr>
+          <p:cNvSpPr>
+            <a:spLocks noGrp="1"/>
+          </p:cNvSpPr>
+          <p:nvPr>
+            <p:ph type="body" sz="quarter" idx="11"/>
+          </p:nvPr>
+        </p:nvSpPr>
+        <p:spPr/>
+        <p:txBody>
+          <a:bodyPr/>
+          <a:lstStyle/>
+          <a:p>
+            <a:r>
+              <a:rPr lang="en-GB" dirty="0" err="1"/>
               <a:t>Desire_text</a:t>
             </a:r>
-            <a:endParaRPr kumimoji="0" lang="en-GB" sz="1100" b="0" i="0" u="none" strike="noStrike" cap="none" spc="0" normalizeH="0" baseline="0" dirty="0">
-              <a:ln>
-                <a:noFill/>
-              </a:ln>
-              <a:solidFill>
-                <a:srgbClr val="000000"/>
-              </a:solidFill>
-              <a:effectLst/>
-              <a:uFillTx/>
-              <a:latin typeface="Calibri" panose="020F0502020204030204" pitchFamily="34" charset="0"/>
-              <a:ea typeface="Helvetica Neue"/>
-              <a:cs typeface="Calibri" panose="020F0502020204030204" pitchFamily="34" charset="0"/>
-              <a:sym typeface="Helvetica Neue"/>
-            </a:endParaRPr>
-          </a:p>
-        </p:txBody>
-      </p:sp>
-      <p:sp>
-        <p:nvSpPr>
-          <p:cNvPr id="35" name="TextBox 34">
-            <a:extLst>
-              <a:ext uri="{FF2B5EF4-FFF2-40B4-BE49-F238E27FC236}">
-                <a16:creationId xmlns:a16="http://schemas.microsoft.com/office/drawing/2014/main" id="{487F4E31-AAD8-F2A6-92F3-173C24A99B0E}"/>
-              </a:ext>
-            </a:extLst>
-          </p:cNvPr>
-          <p:cNvSpPr txBox="1"/>
-          <p:nvPr/>
-        </p:nvSpPr>
-        <p:spPr>
-          <a:xfrm>
-            <a:off x="5087392" y="1417318"/>
-            <a:ext cx="2017216" cy="271869"/>
-          </a:xfrm>
-          <a:prstGeom prst="rect">
-            <a:avLst/>
-          </a:prstGeom>
-          <a:noFill/>
-          <a:ln w="12700" cap="flat">
-            <a:noFill/>
-            <a:miter lim="400000"/>
-          </a:ln>
-          <a:effectLst/>
-          <a:sp3d/>
-        </p:spPr>
-        <p:style>
-          <a:lnRef idx="0">
-            <a:scrgbClr r="0" g="0" b="0"/>
-          </a:lnRef>
-          <a:fillRef idx="0">
-            <a:scrgbClr r="0" g="0" b="0"/>
-          </a:fillRef>
-          <a:effectRef idx="0">
-            <a:scrgbClr r="0" g="0" b="0"/>
-          </a:effectRef>
-          <a:fontRef idx="none"/>
-        </p:style>
-        <p:txBody>
-          <a:bodyPr rot="0" spcFirstLastPara="1" vertOverflow="overflow" horzOverflow="overflow" vert="horz" wrap="square" lIns="50800" tIns="50800" rIns="50800" bIns="50800" numCol="1" spcCol="38100" rtlCol="0" anchor="t" anchorCtr="0">
-            <a:spAutoFit/>
-          </a:bodyPr>
-          <a:lstStyle/>
-          <a:p>
-            <a:pPr marL="0" marR="0" indent="0" algn="l" defTabSz="825500" rtl="0" fontAlgn="auto" latinLnBrk="0" hangingPunct="0">
-              <a:lnSpc>
-                <a:spcPct val="100000"/>
-              </a:lnSpc>
-              <a:spcBef>
-                <a:spcPts val="0"/>
-              </a:spcBef>
-              <a:spcAft>
-                <a:spcPts val="0"/>
-              </a:spcAft>
-              <a:buClrTx/>
-              <a:buSzTx/>
-              <a:buFontTx/>
-              <a:buNone/>
-              <a:tabLst/>
-            </a:pPr>
-            <a:r>
-              <a:rPr kumimoji="0" lang="en-GB" sz="1100" b="0" i="0" u="none" strike="noStrike" cap="none" spc="0" normalizeH="0" baseline="0" dirty="0" err="1">
-                <a:ln>
-                  <a:noFill/>
-                </a:ln>
-                <a:solidFill>
-                  <a:srgbClr val="000000"/>
-                </a:solidFill>
-                <a:effectLst/>
-                <a:uFillTx/>
-                <a:latin typeface="Calibri" panose="020F0502020204030204" pitchFamily="34" charset="0"/>
-                <a:ea typeface="Helvetica Neue"/>
-                <a:cs typeface="Calibri" panose="020F0502020204030204" pitchFamily="34" charset="0"/>
-                <a:sym typeface="Helvetica Neue"/>
-              </a:rPr>
+            <a:endParaRPr lang="en-GB" dirty="0"/>
+          </a:p>
+        </p:txBody>
+      </p:sp>
+      <p:sp>
+        <p:nvSpPr>
+          <p:cNvPr id="5" name="Text Placeholder 4">
+            <a:extLst>
+              <a:ext uri="{FF2B5EF4-FFF2-40B4-BE49-F238E27FC236}">
+                <a16:creationId xmlns:a16="http://schemas.microsoft.com/office/drawing/2014/main" id="{8A8B3D96-A952-029D-E8DB-143A0BD629D3}"/>
+              </a:ext>
+            </a:extLst>
+          </p:cNvPr>
+          <p:cNvSpPr>
+            <a:spLocks noGrp="1"/>
+          </p:cNvSpPr>
+          <p:nvPr>
+            <p:ph type="body" sz="quarter" idx="12"/>
+          </p:nvPr>
+        </p:nvSpPr>
+        <p:spPr/>
+        <p:txBody>
+          <a:bodyPr/>
+          <a:lstStyle/>
+          <a:p>
+            <a:r>
+              <a:rPr lang="en-GB" dirty="0" err="1"/>
               <a:t>Knowledge_text</a:t>
             </a:r>
-            <a:endParaRPr kumimoji="0" lang="en-GB" sz="1100" b="0" i="0" u="none" strike="noStrike" cap="none" spc="0" normalizeH="0" baseline="0" dirty="0">
-              <a:ln>
-                <a:noFill/>
-              </a:ln>
-              <a:solidFill>
-                <a:srgbClr val="000000"/>
-              </a:solidFill>
-              <a:effectLst/>
-              <a:uFillTx/>
-              <a:latin typeface="Calibri" panose="020F0502020204030204" pitchFamily="34" charset="0"/>
-              <a:ea typeface="Helvetica Neue"/>
-              <a:cs typeface="Calibri" panose="020F0502020204030204" pitchFamily="34" charset="0"/>
-              <a:sym typeface="Helvetica Neue"/>
-            </a:endParaRPr>
-          </a:p>
-        </p:txBody>
-      </p:sp>
-      <p:sp>
-        <p:nvSpPr>
-          <p:cNvPr id="36" name="TextBox 35">
-            <a:extLst>
-              <a:ext uri="{FF2B5EF4-FFF2-40B4-BE49-F238E27FC236}">
-                <a16:creationId xmlns:a16="http://schemas.microsoft.com/office/drawing/2014/main" id="{2264CB7E-CD27-FC3B-DAAE-93101FEAEFF5}"/>
-              </a:ext>
-            </a:extLst>
-          </p:cNvPr>
-          <p:cNvSpPr txBox="1"/>
-          <p:nvPr/>
-        </p:nvSpPr>
-        <p:spPr>
-          <a:xfrm>
-            <a:off x="7417727" y="1417318"/>
-            <a:ext cx="2017216" cy="271869"/>
-          </a:xfrm>
-          <a:prstGeom prst="rect">
-            <a:avLst/>
-          </a:prstGeom>
-          <a:noFill/>
-          <a:ln w="12700" cap="flat">
-            <a:noFill/>
-            <a:miter lim="400000"/>
-          </a:ln>
-          <a:effectLst/>
-          <a:sp3d/>
-        </p:spPr>
-        <p:style>
-          <a:lnRef idx="0">
-            <a:scrgbClr r="0" g="0" b="0"/>
-          </a:lnRef>
-          <a:fillRef idx="0">
-            <a:scrgbClr r="0" g="0" b="0"/>
-          </a:fillRef>
-          <a:effectRef idx="0">
-            <a:scrgbClr r="0" g="0" b="0"/>
-          </a:effectRef>
-          <a:fontRef idx="none"/>
-        </p:style>
-        <p:txBody>
-          <a:bodyPr rot="0" spcFirstLastPara="1" vertOverflow="overflow" horzOverflow="overflow" vert="horz" wrap="square" lIns="50800" tIns="50800" rIns="50800" bIns="50800" numCol="1" spcCol="38100" rtlCol="0" anchor="t" anchorCtr="0">
-            <a:spAutoFit/>
-          </a:bodyPr>
-          <a:lstStyle/>
-          <a:p>
-            <a:pPr marL="0" marR="0" indent="0" algn="l" defTabSz="825500" rtl="0" fontAlgn="auto" latinLnBrk="0" hangingPunct="0">
-              <a:lnSpc>
-                <a:spcPct val="100000"/>
-              </a:lnSpc>
-              <a:spcBef>
-                <a:spcPts val="0"/>
-              </a:spcBef>
-              <a:spcAft>
-                <a:spcPts val="0"/>
-              </a:spcAft>
-              <a:buClrTx/>
-              <a:buSzTx/>
-              <a:buFontTx/>
-              <a:buNone/>
-              <a:tabLst/>
-            </a:pPr>
-            <a:r>
-              <a:rPr kumimoji="0" lang="en-GB" sz="1100" b="0" i="0" u="none" strike="noStrike" cap="none" spc="0" normalizeH="0" baseline="0" dirty="0" err="1">
-                <a:ln>
-                  <a:noFill/>
-                </a:ln>
-                <a:solidFill>
-                  <a:srgbClr val="000000"/>
-                </a:solidFill>
-                <a:effectLst/>
-                <a:uFillTx/>
-                <a:latin typeface="Calibri" panose="020F0502020204030204" pitchFamily="34" charset="0"/>
-                <a:ea typeface="Helvetica Neue"/>
-                <a:cs typeface="Calibri" panose="020F0502020204030204" pitchFamily="34" charset="0"/>
-                <a:sym typeface="Helvetica Neue"/>
-              </a:rPr>
+            <a:endParaRPr lang="en-GB" dirty="0"/>
+          </a:p>
+        </p:txBody>
+      </p:sp>
+      <p:sp>
+        <p:nvSpPr>
+          <p:cNvPr id="6" name="Text Placeholder 5">
+            <a:extLst>
+              <a:ext uri="{FF2B5EF4-FFF2-40B4-BE49-F238E27FC236}">
+                <a16:creationId xmlns:a16="http://schemas.microsoft.com/office/drawing/2014/main" id="{E48AFE3D-D1BC-E527-168D-DD1A2BD55245}"/>
+              </a:ext>
+            </a:extLst>
+          </p:cNvPr>
+          <p:cNvSpPr>
+            <a:spLocks noGrp="1"/>
+          </p:cNvSpPr>
+          <p:nvPr>
+            <p:ph type="body" sz="quarter" idx="13"/>
+          </p:nvPr>
+        </p:nvSpPr>
+        <p:spPr/>
+        <p:txBody>
+          <a:bodyPr/>
+          <a:lstStyle/>
+          <a:p>
+            <a:r>
+              <a:rPr lang="en-GB" dirty="0" err="1"/>
               <a:t>Ability_text</a:t>
             </a:r>
-            <a:endParaRPr kumimoji="0" lang="en-GB" sz="1100" b="0" i="0" u="none" strike="noStrike" cap="none" spc="0" normalizeH="0" baseline="0" dirty="0">
-              <a:ln>
-                <a:noFill/>
-              </a:ln>
-              <a:solidFill>
-                <a:srgbClr val="000000"/>
-              </a:solidFill>
-              <a:effectLst/>
-              <a:uFillTx/>
-              <a:latin typeface="Calibri" panose="020F0502020204030204" pitchFamily="34" charset="0"/>
-              <a:ea typeface="Helvetica Neue"/>
-              <a:cs typeface="Calibri" panose="020F0502020204030204" pitchFamily="34" charset="0"/>
-              <a:sym typeface="Helvetica Neue"/>
-            </a:endParaRPr>
-          </a:p>
-        </p:txBody>
-      </p:sp>
-      <p:sp>
-        <p:nvSpPr>
-          <p:cNvPr id="37" name="TextBox 36">
-            <a:extLst>
-              <a:ext uri="{FF2B5EF4-FFF2-40B4-BE49-F238E27FC236}">
-                <a16:creationId xmlns:a16="http://schemas.microsoft.com/office/drawing/2014/main" id="{3DE77E71-CABD-902B-27B2-94D13233D937}"/>
-              </a:ext>
-            </a:extLst>
-          </p:cNvPr>
-          <p:cNvSpPr txBox="1"/>
-          <p:nvPr/>
-        </p:nvSpPr>
-        <p:spPr>
-          <a:xfrm>
-            <a:off x="9748062" y="1417318"/>
-            <a:ext cx="2017216" cy="271869"/>
-          </a:xfrm>
-          <a:prstGeom prst="rect">
-            <a:avLst/>
-          </a:prstGeom>
-          <a:noFill/>
-          <a:ln w="12700" cap="flat">
-            <a:noFill/>
-            <a:miter lim="400000"/>
-          </a:ln>
-          <a:effectLst/>
-          <a:sp3d/>
-        </p:spPr>
-        <p:style>
-          <a:lnRef idx="0">
-            <a:scrgbClr r="0" g="0" b="0"/>
-          </a:lnRef>
-          <a:fillRef idx="0">
-            <a:scrgbClr r="0" g="0" b="0"/>
-          </a:fillRef>
-          <a:effectRef idx="0">
-            <a:scrgbClr r="0" g="0" b="0"/>
-          </a:effectRef>
-          <a:fontRef idx="none"/>
-        </p:style>
-        <p:txBody>
-          <a:bodyPr rot="0" spcFirstLastPara="1" vertOverflow="overflow" horzOverflow="overflow" vert="horz" wrap="square" lIns="50800" tIns="50800" rIns="50800" bIns="50800" numCol="1" spcCol="38100" rtlCol="0" anchor="t" anchorCtr="0">
-            <a:spAutoFit/>
-          </a:bodyPr>
-          <a:lstStyle/>
-          <a:p>
-            <a:pPr marL="0" marR="0" indent="0" algn="l" defTabSz="825500" rtl="0" fontAlgn="auto" latinLnBrk="0" hangingPunct="0">
-              <a:lnSpc>
-                <a:spcPct val="100000"/>
-              </a:lnSpc>
-              <a:spcBef>
-                <a:spcPts val="0"/>
-              </a:spcBef>
-              <a:spcAft>
-                <a:spcPts val="0"/>
-              </a:spcAft>
-              <a:buClrTx/>
-              <a:buSzTx/>
-              <a:buFontTx/>
-              <a:buNone/>
-              <a:tabLst/>
-            </a:pPr>
-            <a:r>
-              <a:rPr kumimoji="0" lang="en-GB" sz="1100" b="0" i="0" u="none" strike="noStrike" cap="none" spc="0" normalizeH="0" baseline="0" dirty="0" err="1">
-                <a:ln>
-                  <a:noFill/>
-                </a:ln>
-                <a:solidFill>
-                  <a:srgbClr val="000000"/>
-                </a:solidFill>
-                <a:effectLst/>
-                <a:uFillTx/>
-                <a:latin typeface="Calibri" panose="020F0502020204030204" pitchFamily="34" charset="0"/>
-                <a:ea typeface="Helvetica Neue"/>
-                <a:cs typeface="Calibri" panose="020F0502020204030204" pitchFamily="34" charset="0"/>
-                <a:sym typeface="Helvetica Neue"/>
-              </a:rPr>
+            <a:endParaRPr lang="en-GB" dirty="0"/>
+          </a:p>
+        </p:txBody>
+      </p:sp>
+      <p:sp>
+        <p:nvSpPr>
+          <p:cNvPr id="7" name="Text Placeholder 6">
+            <a:extLst>
+              <a:ext uri="{FF2B5EF4-FFF2-40B4-BE49-F238E27FC236}">
+                <a16:creationId xmlns:a16="http://schemas.microsoft.com/office/drawing/2014/main" id="{54708DBB-D81B-2BFD-3E15-F4A11C8485E3}"/>
+              </a:ext>
+            </a:extLst>
+          </p:cNvPr>
+          <p:cNvSpPr>
+            <a:spLocks noGrp="1"/>
+          </p:cNvSpPr>
+          <p:nvPr>
+            <p:ph type="body" sz="quarter" idx="14"/>
+          </p:nvPr>
+        </p:nvSpPr>
+        <p:spPr/>
+        <p:txBody>
+          <a:bodyPr/>
+          <a:lstStyle/>
+          <a:p>
+            <a:r>
+              <a:rPr lang="en-GB" dirty="0" err="1"/>
               <a:t>Reinforcement_text</a:t>
             </a:r>
-            <a:endParaRPr kumimoji="0" lang="en-GB" sz="1100" b="0" i="0" u="none" strike="noStrike" cap="none" spc="0" normalizeH="0" baseline="0" dirty="0">
-              <a:ln>
-                <a:noFill/>
-              </a:ln>
-              <a:solidFill>
-                <a:srgbClr val="000000"/>
-              </a:solidFill>
-              <a:effectLst/>
-              <a:uFillTx/>
-              <a:latin typeface="Calibri" panose="020F0502020204030204" pitchFamily="34" charset="0"/>
-              <a:ea typeface="Helvetica Neue"/>
-              <a:cs typeface="Calibri" panose="020F0502020204030204" pitchFamily="34" charset="0"/>
-              <a:sym typeface="Helvetica Neue"/>
-            </a:endParaRPr>
+            <a:endParaRPr lang="en-GB" dirty="0"/>
           </a:p>
         </p:txBody>
       </p:sp>
     </p:spTree>
     <p:extLst>
       <p:ext uri="{BB962C8B-B14F-4D97-AF65-F5344CB8AC3E}">
-        <p14:creationId xmlns:p14="http://schemas.microsoft.com/office/powerpoint/2010/main" val="1809916692"/>
+        <p14:creationId xmlns:p14="http://schemas.microsoft.com/office/powerpoint/2010/main" val="3342975694"/>
       </p:ext>
     </p:extLst>
   </p:cSld>
@@ -7962,7 +6367,7 @@
         <p:cNvPr id="1" name="">
           <a:extLst>
             <a:ext uri="{FF2B5EF4-FFF2-40B4-BE49-F238E27FC236}">
-              <a16:creationId xmlns:a16="http://schemas.microsoft.com/office/drawing/2014/main" id="{9D0B51E7-CBA6-A261-1666-75E4616E2039}"/>
+              <a16:creationId xmlns:a16="http://schemas.microsoft.com/office/drawing/2014/main" id="{0EEFBCA3-8337-5812-3106-D00283FA3246}"/>
             </a:ext>
           </a:extLst>
         </p:cNvPr>
@@ -7982,7 +6387,7 @@
           <p:cNvPr id="3" name="Title 1">
             <a:extLst>
               <a:ext uri="{FF2B5EF4-FFF2-40B4-BE49-F238E27FC236}">
-                <a16:creationId xmlns:a16="http://schemas.microsoft.com/office/drawing/2014/main" id="{4E2FC917-3056-F778-7180-18952646F9C0}"/>
+                <a16:creationId xmlns:a16="http://schemas.microsoft.com/office/drawing/2014/main" id="{83E824D9-1324-2183-9D41-D60406A4FD0A}"/>
               </a:ext>
             </a:extLst>
           </p:cNvPr>
@@ -8078,488 +6483,153 @@
       </p:sp>
       <p:sp>
         <p:nvSpPr>
-          <p:cNvPr id="33" name="TextBox 32">
-            <a:extLst>
-              <a:ext uri="{FF2B5EF4-FFF2-40B4-BE49-F238E27FC236}">
-                <a16:creationId xmlns:a16="http://schemas.microsoft.com/office/drawing/2014/main" id="{29176374-483A-0B59-3901-51EC2AD71141}"/>
-              </a:ext>
-            </a:extLst>
-          </p:cNvPr>
-          <p:cNvSpPr txBox="1"/>
-          <p:nvPr/>
-        </p:nvSpPr>
-        <p:spPr>
-          <a:xfrm>
-            <a:off x="426722" y="1417318"/>
-            <a:ext cx="2017216" cy="271869"/>
-          </a:xfrm>
-          <a:prstGeom prst="rect">
-            <a:avLst/>
-          </a:prstGeom>
-          <a:noFill/>
-          <a:ln w="12700" cap="flat">
-            <a:noFill/>
-            <a:miter lim="400000"/>
-          </a:ln>
-          <a:effectLst/>
-          <a:sp3d/>
-        </p:spPr>
-        <p:style>
-          <a:lnRef idx="0">
-            <a:scrgbClr r="0" g="0" b="0"/>
-          </a:lnRef>
-          <a:fillRef idx="0">
-            <a:scrgbClr r="0" g="0" b="0"/>
-          </a:fillRef>
-          <a:effectRef idx="0">
-            <a:scrgbClr r="0" g="0" b="0"/>
-          </a:effectRef>
-          <a:fontRef idx="none"/>
-        </p:style>
-        <p:txBody>
-          <a:bodyPr rot="0" spcFirstLastPara="1" vertOverflow="overflow" horzOverflow="overflow" vert="horz" wrap="square" lIns="50800" tIns="50800" rIns="50800" bIns="50800" numCol="1" spcCol="38100" rtlCol="0" anchor="t" anchorCtr="0">
-            <a:spAutoFit/>
-          </a:bodyPr>
-          <a:lstStyle/>
-          <a:p>
-            <a:pPr marL="0" marR="0" indent="0" algn="l" defTabSz="825500" rtl="0" fontAlgn="auto" latinLnBrk="0" hangingPunct="0">
-              <a:lnSpc>
-                <a:spcPct val="100000"/>
-              </a:lnSpc>
-              <a:spcBef>
-                <a:spcPts val="0"/>
-              </a:spcBef>
-              <a:spcAft>
-                <a:spcPts val="0"/>
-              </a:spcAft>
-              <a:buClrTx/>
-              <a:buSzTx/>
-              <a:buFontTx/>
-              <a:buNone/>
-              <a:tabLst/>
-            </a:pPr>
-            <a:r>
-              <a:rPr kumimoji="0" lang="en-GB" sz="1100" b="0" i="0" u="none" strike="noStrike" cap="none" spc="0" normalizeH="0" baseline="0" dirty="0" err="1">
-                <a:ln>
-                  <a:noFill/>
-                </a:ln>
-                <a:solidFill>
-                  <a:srgbClr val="000000"/>
-                </a:solidFill>
-                <a:effectLst/>
-                <a:uFillTx/>
-                <a:latin typeface="Calibri" panose="020F0502020204030204" pitchFamily="34" charset="0"/>
-                <a:ea typeface="Helvetica Neue"/>
-                <a:cs typeface="Calibri" panose="020F0502020204030204" pitchFamily="34" charset="0"/>
-                <a:sym typeface="Helvetica Neue"/>
-              </a:rPr>
+          <p:cNvPr id="2" name="Text Placeholder 1">
+            <a:extLst>
+              <a:ext uri="{FF2B5EF4-FFF2-40B4-BE49-F238E27FC236}">
+                <a16:creationId xmlns:a16="http://schemas.microsoft.com/office/drawing/2014/main" id="{2E941D4C-4CC0-ED8E-C29B-4F1FC588C234}"/>
+              </a:ext>
+            </a:extLst>
+          </p:cNvPr>
+          <p:cNvSpPr>
+            <a:spLocks noGrp="1"/>
+          </p:cNvSpPr>
+          <p:nvPr>
+            <p:ph type="body" sz="quarter" idx="10"/>
+          </p:nvPr>
+        </p:nvSpPr>
+        <p:spPr/>
+        <p:txBody>
+          <a:bodyPr/>
+          <a:lstStyle/>
+          <a:p>
+            <a:r>
+              <a:rPr lang="en-GB" dirty="0" err="1"/>
               <a:t>Awareness_text</a:t>
             </a:r>
-            <a:endParaRPr kumimoji="0" lang="en-GB" sz="1100" b="0" i="0" u="none" strike="noStrike" cap="none" spc="0" normalizeH="0" baseline="0" dirty="0">
-              <a:ln>
-                <a:noFill/>
-              </a:ln>
-              <a:solidFill>
-                <a:srgbClr val="000000"/>
-              </a:solidFill>
-              <a:effectLst/>
-              <a:uFillTx/>
-              <a:latin typeface="Calibri" panose="020F0502020204030204" pitchFamily="34" charset="0"/>
-              <a:ea typeface="Helvetica Neue"/>
-              <a:cs typeface="Calibri" panose="020F0502020204030204" pitchFamily="34" charset="0"/>
-              <a:sym typeface="Helvetica Neue"/>
-            </a:endParaRPr>
-          </a:p>
-        </p:txBody>
-      </p:sp>
-      <p:sp>
-        <p:nvSpPr>
-          <p:cNvPr id="34" name="TextBox 33">
-            <a:extLst>
-              <a:ext uri="{FF2B5EF4-FFF2-40B4-BE49-F238E27FC236}">
-                <a16:creationId xmlns:a16="http://schemas.microsoft.com/office/drawing/2014/main" id="{00E8CFD1-489D-F7B5-6699-6094FDAFD8C6}"/>
-              </a:ext>
-            </a:extLst>
-          </p:cNvPr>
-          <p:cNvSpPr txBox="1"/>
-          <p:nvPr/>
-        </p:nvSpPr>
-        <p:spPr>
-          <a:xfrm>
-            <a:off x="2757057" y="1417318"/>
-            <a:ext cx="2017216" cy="271869"/>
-          </a:xfrm>
-          <a:prstGeom prst="rect">
-            <a:avLst/>
-          </a:prstGeom>
-          <a:noFill/>
-          <a:ln w="12700" cap="flat">
-            <a:noFill/>
-            <a:miter lim="400000"/>
-          </a:ln>
-          <a:effectLst/>
-          <a:sp3d/>
-        </p:spPr>
-        <p:style>
-          <a:lnRef idx="0">
-            <a:scrgbClr r="0" g="0" b="0"/>
-          </a:lnRef>
-          <a:fillRef idx="0">
-            <a:scrgbClr r="0" g="0" b="0"/>
-          </a:fillRef>
-          <a:effectRef idx="0">
-            <a:scrgbClr r="0" g="0" b="0"/>
-          </a:effectRef>
-          <a:fontRef idx="none"/>
-        </p:style>
-        <p:txBody>
-          <a:bodyPr rot="0" spcFirstLastPara="1" vertOverflow="overflow" horzOverflow="overflow" vert="horz" wrap="square" lIns="50800" tIns="50800" rIns="50800" bIns="50800" numCol="1" spcCol="38100" rtlCol="0" anchor="t" anchorCtr="0">
-            <a:spAutoFit/>
-          </a:bodyPr>
-          <a:lstStyle/>
-          <a:p>
-            <a:pPr marL="0" marR="0" indent="0" algn="l" defTabSz="825500" rtl="0" fontAlgn="auto" latinLnBrk="0" hangingPunct="0">
-              <a:lnSpc>
-                <a:spcPct val="100000"/>
-              </a:lnSpc>
-              <a:spcBef>
-                <a:spcPts val="0"/>
-              </a:spcBef>
-              <a:spcAft>
-                <a:spcPts val="0"/>
-              </a:spcAft>
-              <a:buClrTx/>
-              <a:buSzTx/>
-              <a:buFontTx/>
-              <a:buNone/>
-              <a:tabLst/>
-            </a:pPr>
-            <a:r>
-              <a:rPr kumimoji="0" lang="en-GB" sz="1100" b="0" i="0" u="none" strike="noStrike" cap="none" spc="0" normalizeH="0" baseline="0" dirty="0" err="1">
-                <a:ln>
-                  <a:noFill/>
-                </a:ln>
-                <a:solidFill>
-                  <a:srgbClr val="000000"/>
-                </a:solidFill>
-                <a:effectLst/>
-                <a:uFillTx/>
-                <a:latin typeface="Calibri" panose="020F0502020204030204" pitchFamily="34" charset="0"/>
-                <a:ea typeface="Helvetica Neue"/>
-                <a:cs typeface="Calibri" panose="020F0502020204030204" pitchFamily="34" charset="0"/>
-                <a:sym typeface="Helvetica Neue"/>
-              </a:rPr>
+            <a:endParaRPr lang="en-GB" dirty="0"/>
+          </a:p>
+        </p:txBody>
+      </p:sp>
+      <p:sp>
+        <p:nvSpPr>
+          <p:cNvPr id="4" name="Text Placeholder 3">
+            <a:extLst>
+              <a:ext uri="{FF2B5EF4-FFF2-40B4-BE49-F238E27FC236}">
+                <a16:creationId xmlns:a16="http://schemas.microsoft.com/office/drawing/2014/main" id="{22B197FD-6947-FF26-2DC0-B10C9EDA5146}"/>
+              </a:ext>
+            </a:extLst>
+          </p:cNvPr>
+          <p:cNvSpPr>
+            <a:spLocks noGrp="1"/>
+          </p:cNvSpPr>
+          <p:nvPr>
+            <p:ph type="body" sz="quarter" idx="11"/>
+          </p:nvPr>
+        </p:nvSpPr>
+        <p:spPr/>
+        <p:txBody>
+          <a:bodyPr/>
+          <a:lstStyle/>
+          <a:p>
+            <a:r>
+              <a:rPr lang="en-GB" dirty="0" err="1"/>
               <a:t>Desire_text</a:t>
             </a:r>
-            <a:endParaRPr kumimoji="0" lang="en-GB" sz="1100" b="0" i="0" u="none" strike="noStrike" cap="none" spc="0" normalizeH="0" baseline="0" dirty="0">
-              <a:ln>
-                <a:noFill/>
-              </a:ln>
-              <a:solidFill>
-                <a:srgbClr val="000000"/>
-              </a:solidFill>
-              <a:effectLst/>
-              <a:uFillTx/>
-              <a:latin typeface="Calibri" panose="020F0502020204030204" pitchFamily="34" charset="0"/>
-              <a:ea typeface="Helvetica Neue"/>
-              <a:cs typeface="Calibri" panose="020F0502020204030204" pitchFamily="34" charset="0"/>
-              <a:sym typeface="Helvetica Neue"/>
-            </a:endParaRPr>
-          </a:p>
-        </p:txBody>
-      </p:sp>
-      <p:sp>
-        <p:nvSpPr>
-          <p:cNvPr id="35" name="TextBox 34">
-            <a:extLst>
-              <a:ext uri="{FF2B5EF4-FFF2-40B4-BE49-F238E27FC236}">
-                <a16:creationId xmlns:a16="http://schemas.microsoft.com/office/drawing/2014/main" id="{06287C63-7DC1-38C3-B51F-EB69D2B3F66B}"/>
-              </a:ext>
-            </a:extLst>
-          </p:cNvPr>
-          <p:cNvSpPr txBox="1"/>
-          <p:nvPr/>
-        </p:nvSpPr>
-        <p:spPr>
-          <a:xfrm>
-            <a:off x="5087392" y="1417318"/>
-            <a:ext cx="2017216" cy="271869"/>
-          </a:xfrm>
-          <a:prstGeom prst="rect">
-            <a:avLst/>
-          </a:prstGeom>
-          <a:noFill/>
-          <a:ln w="12700" cap="flat">
-            <a:noFill/>
-            <a:miter lim="400000"/>
-          </a:ln>
-          <a:effectLst/>
-          <a:sp3d/>
-        </p:spPr>
-        <p:style>
-          <a:lnRef idx="0">
-            <a:scrgbClr r="0" g="0" b="0"/>
-          </a:lnRef>
-          <a:fillRef idx="0">
-            <a:scrgbClr r="0" g="0" b="0"/>
-          </a:fillRef>
-          <a:effectRef idx="0">
-            <a:scrgbClr r="0" g="0" b="0"/>
-          </a:effectRef>
-          <a:fontRef idx="none"/>
-        </p:style>
-        <p:txBody>
-          <a:bodyPr rot="0" spcFirstLastPara="1" vertOverflow="overflow" horzOverflow="overflow" vert="horz" wrap="square" lIns="50800" tIns="50800" rIns="50800" bIns="50800" numCol="1" spcCol="38100" rtlCol="0" anchor="t" anchorCtr="0">
-            <a:spAutoFit/>
-          </a:bodyPr>
-          <a:lstStyle/>
-          <a:p>
-            <a:pPr marL="0" marR="0" indent="0" algn="l" defTabSz="825500" rtl="0" fontAlgn="auto" latinLnBrk="0" hangingPunct="0">
-              <a:lnSpc>
-                <a:spcPct val="100000"/>
-              </a:lnSpc>
-              <a:spcBef>
-                <a:spcPts val="0"/>
-              </a:spcBef>
-              <a:spcAft>
-                <a:spcPts val="0"/>
-              </a:spcAft>
-              <a:buClrTx/>
-              <a:buSzTx/>
-              <a:buFontTx/>
-              <a:buNone/>
-              <a:tabLst/>
-            </a:pPr>
-            <a:r>
-              <a:rPr kumimoji="0" lang="en-GB" sz="1100" b="0" i="0" u="none" strike="noStrike" cap="none" spc="0" normalizeH="0" baseline="0" dirty="0" err="1">
-                <a:ln>
-                  <a:noFill/>
-                </a:ln>
-                <a:solidFill>
-                  <a:srgbClr val="000000"/>
-                </a:solidFill>
-                <a:effectLst/>
-                <a:uFillTx/>
-                <a:latin typeface="Calibri" panose="020F0502020204030204" pitchFamily="34" charset="0"/>
-                <a:ea typeface="Helvetica Neue"/>
-                <a:cs typeface="Calibri" panose="020F0502020204030204" pitchFamily="34" charset="0"/>
-                <a:sym typeface="Helvetica Neue"/>
-              </a:rPr>
+            <a:endParaRPr lang="en-GB" dirty="0"/>
+          </a:p>
+        </p:txBody>
+      </p:sp>
+      <p:sp>
+        <p:nvSpPr>
+          <p:cNvPr id="5" name="Text Placeholder 4">
+            <a:extLst>
+              <a:ext uri="{FF2B5EF4-FFF2-40B4-BE49-F238E27FC236}">
+                <a16:creationId xmlns:a16="http://schemas.microsoft.com/office/drawing/2014/main" id="{F80CA3BE-F253-C88D-AC3D-D289C296ECE4}"/>
+              </a:ext>
+            </a:extLst>
+          </p:cNvPr>
+          <p:cNvSpPr>
+            <a:spLocks noGrp="1"/>
+          </p:cNvSpPr>
+          <p:nvPr>
+            <p:ph type="body" sz="quarter" idx="12"/>
+          </p:nvPr>
+        </p:nvSpPr>
+        <p:spPr/>
+        <p:txBody>
+          <a:bodyPr/>
+          <a:lstStyle/>
+          <a:p>
+            <a:r>
+              <a:rPr lang="en-GB" dirty="0" err="1"/>
               <a:t>Knowledge_text</a:t>
             </a:r>
-            <a:endParaRPr kumimoji="0" lang="en-GB" sz="1100" b="0" i="0" u="none" strike="noStrike" cap="none" spc="0" normalizeH="0" baseline="0" dirty="0">
-              <a:ln>
-                <a:noFill/>
-              </a:ln>
-              <a:solidFill>
-                <a:srgbClr val="000000"/>
-              </a:solidFill>
-              <a:effectLst/>
-              <a:uFillTx/>
-              <a:latin typeface="Calibri" panose="020F0502020204030204" pitchFamily="34" charset="0"/>
-              <a:ea typeface="Helvetica Neue"/>
-              <a:cs typeface="Calibri" panose="020F0502020204030204" pitchFamily="34" charset="0"/>
-              <a:sym typeface="Helvetica Neue"/>
-            </a:endParaRPr>
-          </a:p>
-        </p:txBody>
-      </p:sp>
-      <p:sp>
-        <p:nvSpPr>
-          <p:cNvPr id="36" name="TextBox 35">
-            <a:extLst>
-              <a:ext uri="{FF2B5EF4-FFF2-40B4-BE49-F238E27FC236}">
-                <a16:creationId xmlns:a16="http://schemas.microsoft.com/office/drawing/2014/main" id="{CC6B74A0-0476-AFA0-9E7D-E409155E9157}"/>
-              </a:ext>
-            </a:extLst>
-          </p:cNvPr>
-          <p:cNvSpPr txBox="1"/>
-          <p:nvPr/>
-        </p:nvSpPr>
-        <p:spPr>
-          <a:xfrm>
-            <a:off x="7417727" y="1417318"/>
-            <a:ext cx="2017216" cy="271869"/>
-          </a:xfrm>
-          <a:prstGeom prst="rect">
-            <a:avLst/>
-          </a:prstGeom>
-          <a:noFill/>
-          <a:ln w="12700" cap="flat">
-            <a:noFill/>
-            <a:miter lim="400000"/>
-          </a:ln>
-          <a:effectLst/>
-          <a:sp3d/>
-        </p:spPr>
-        <p:style>
-          <a:lnRef idx="0">
-            <a:scrgbClr r="0" g="0" b="0"/>
-          </a:lnRef>
-          <a:fillRef idx="0">
-            <a:scrgbClr r="0" g="0" b="0"/>
-          </a:fillRef>
-          <a:effectRef idx="0">
-            <a:scrgbClr r="0" g="0" b="0"/>
-          </a:effectRef>
-          <a:fontRef idx="none"/>
-        </p:style>
-        <p:txBody>
-          <a:bodyPr rot="0" spcFirstLastPara="1" vertOverflow="overflow" horzOverflow="overflow" vert="horz" wrap="square" lIns="50800" tIns="50800" rIns="50800" bIns="50800" numCol="1" spcCol="38100" rtlCol="0" anchor="t" anchorCtr="0">
-            <a:spAutoFit/>
-          </a:bodyPr>
-          <a:lstStyle/>
-          <a:p>
-            <a:pPr marL="0" marR="0" indent="0" algn="l" defTabSz="825500" rtl="0" fontAlgn="auto" latinLnBrk="0" hangingPunct="0">
-              <a:lnSpc>
-                <a:spcPct val="100000"/>
-              </a:lnSpc>
-              <a:spcBef>
-                <a:spcPts val="0"/>
-              </a:spcBef>
-              <a:spcAft>
-                <a:spcPts val="0"/>
-              </a:spcAft>
-              <a:buClrTx/>
-              <a:buSzTx/>
-              <a:buFontTx/>
-              <a:buNone/>
-              <a:tabLst/>
-            </a:pPr>
-            <a:r>
-              <a:rPr kumimoji="0" lang="en-GB" sz="1100" b="0" i="0" u="none" strike="noStrike" cap="none" spc="0" normalizeH="0" baseline="0" dirty="0" err="1">
-                <a:ln>
-                  <a:noFill/>
-                </a:ln>
-                <a:solidFill>
-                  <a:srgbClr val="000000"/>
-                </a:solidFill>
-                <a:effectLst/>
-                <a:uFillTx/>
-                <a:latin typeface="Calibri" panose="020F0502020204030204" pitchFamily="34" charset="0"/>
-                <a:ea typeface="Helvetica Neue"/>
-                <a:cs typeface="Calibri" panose="020F0502020204030204" pitchFamily="34" charset="0"/>
-                <a:sym typeface="Helvetica Neue"/>
-              </a:rPr>
+            <a:endParaRPr lang="en-GB" dirty="0"/>
+          </a:p>
+        </p:txBody>
+      </p:sp>
+      <p:sp>
+        <p:nvSpPr>
+          <p:cNvPr id="6" name="Text Placeholder 5">
+            <a:extLst>
+              <a:ext uri="{FF2B5EF4-FFF2-40B4-BE49-F238E27FC236}">
+                <a16:creationId xmlns:a16="http://schemas.microsoft.com/office/drawing/2014/main" id="{E58F2D72-75E7-54F0-8D72-6177325AFE96}"/>
+              </a:ext>
+            </a:extLst>
+          </p:cNvPr>
+          <p:cNvSpPr>
+            <a:spLocks noGrp="1"/>
+          </p:cNvSpPr>
+          <p:nvPr>
+            <p:ph type="body" sz="quarter" idx="13"/>
+          </p:nvPr>
+        </p:nvSpPr>
+        <p:spPr/>
+        <p:txBody>
+          <a:bodyPr/>
+          <a:lstStyle/>
+          <a:p>
+            <a:r>
+              <a:rPr lang="en-GB" dirty="0" err="1"/>
               <a:t>Ability_text</a:t>
             </a:r>
-            <a:endParaRPr kumimoji="0" lang="en-GB" sz="1100" b="0" i="0" u="none" strike="noStrike" cap="none" spc="0" normalizeH="0" baseline="0" dirty="0">
-              <a:ln>
-                <a:noFill/>
-              </a:ln>
-              <a:solidFill>
-                <a:srgbClr val="000000"/>
-              </a:solidFill>
-              <a:effectLst/>
-              <a:uFillTx/>
-              <a:latin typeface="Calibri" panose="020F0502020204030204" pitchFamily="34" charset="0"/>
-              <a:ea typeface="Helvetica Neue"/>
-              <a:cs typeface="Calibri" panose="020F0502020204030204" pitchFamily="34" charset="0"/>
-              <a:sym typeface="Helvetica Neue"/>
-            </a:endParaRPr>
-          </a:p>
-        </p:txBody>
-      </p:sp>
-      <p:sp>
-        <p:nvSpPr>
-          <p:cNvPr id="37" name="TextBox 36">
-            <a:extLst>
-              <a:ext uri="{FF2B5EF4-FFF2-40B4-BE49-F238E27FC236}">
-                <a16:creationId xmlns:a16="http://schemas.microsoft.com/office/drawing/2014/main" id="{69AD16CC-A7F1-6BD8-32DB-3028E27547AB}"/>
-              </a:ext>
-            </a:extLst>
-          </p:cNvPr>
-          <p:cNvSpPr txBox="1"/>
-          <p:nvPr/>
-        </p:nvSpPr>
-        <p:spPr>
-          <a:xfrm>
-            <a:off x="9748062" y="1417318"/>
-            <a:ext cx="2017216" cy="271869"/>
-          </a:xfrm>
-          <a:prstGeom prst="rect">
-            <a:avLst/>
-          </a:prstGeom>
-          <a:noFill/>
-          <a:ln w="12700" cap="flat">
-            <a:noFill/>
-            <a:miter lim="400000"/>
-          </a:ln>
-          <a:effectLst/>
-          <a:sp3d/>
-        </p:spPr>
-        <p:style>
-          <a:lnRef idx="0">
-            <a:scrgbClr r="0" g="0" b="0"/>
-          </a:lnRef>
-          <a:fillRef idx="0">
-            <a:scrgbClr r="0" g="0" b="0"/>
-          </a:fillRef>
-          <a:effectRef idx="0">
-            <a:scrgbClr r="0" g="0" b="0"/>
-          </a:effectRef>
-          <a:fontRef idx="none"/>
-        </p:style>
-        <p:txBody>
-          <a:bodyPr rot="0" spcFirstLastPara="1" vertOverflow="overflow" horzOverflow="overflow" vert="horz" wrap="square" lIns="50800" tIns="50800" rIns="50800" bIns="50800" numCol="1" spcCol="38100" rtlCol="0" anchor="t" anchorCtr="0">
-            <a:spAutoFit/>
-          </a:bodyPr>
-          <a:lstStyle/>
-          <a:p>
-            <a:pPr marL="0" marR="0" indent="0" algn="l" defTabSz="825500" rtl="0" fontAlgn="auto" latinLnBrk="0" hangingPunct="0">
-              <a:lnSpc>
-                <a:spcPct val="100000"/>
-              </a:lnSpc>
-              <a:spcBef>
-                <a:spcPts val="0"/>
-              </a:spcBef>
-              <a:spcAft>
-                <a:spcPts val="0"/>
-              </a:spcAft>
-              <a:buClrTx/>
-              <a:buSzTx/>
-              <a:buFontTx/>
-              <a:buNone/>
-              <a:tabLst/>
-            </a:pPr>
-            <a:r>
-              <a:rPr kumimoji="0" lang="en-GB" sz="1100" b="0" i="0" u="none" strike="noStrike" cap="none" spc="0" normalizeH="0" baseline="0" dirty="0" err="1">
-                <a:ln>
-                  <a:noFill/>
-                </a:ln>
-                <a:solidFill>
-                  <a:srgbClr val="000000"/>
-                </a:solidFill>
-                <a:effectLst/>
-                <a:uFillTx/>
-                <a:latin typeface="Calibri" panose="020F0502020204030204" pitchFamily="34" charset="0"/>
-                <a:ea typeface="Helvetica Neue"/>
-                <a:cs typeface="Calibri" panose="020F0502020204030204" pitchFamily="34" charset="0"/>
-                <a:sym typeface="Helvetica Neue"/>
-              </a:rPr>
+            <a:endParaRPr lang="en-GB" dirty="0"/>
+          </a:p>
+        </p:txBody>
+      </p:sp>
+      <p:sp>
+        <p:nvSpPr>
+          <p:cNvPr id="7" name="Text Placeholder 6">
+            <a:extLst>
+              <a:ext uri="{FF2B5EF4-FFF2-40B4-BE49-F238E27FC236}">
+                <a16:creationId xmlns:a16="http://schemas.microsoft.com/office/drawing/2014/main" id="{E2BA31B4-6129-4B74-C3FD-69DCF2430EFD}"/>
+              </a:ext>
+            </a:extLst>
+          </p:cNvPr>
+          <p:cNvSpPr>
+            <a:spLocks noGrp="1"/>
+          </p:cNvSpPr>
+          <p:nvPr>
+            <p:ph type="body" sz="quarter" idx="14"/>
+          </p:nvPr>
+        </p:nvSpPr>
+        <p:spPr/>
+        <p:txBody>
+          <a:bodyPr/>
+          <a:lstStyle/>
+          <a:p>
+            <a:r>
+              <a:rPr lang="en-GB" dirty="0" err="1"/>
               <a:t>Reinforcement_text</a:t>
             </a:r>
-            <a:endParaRPr kumimoji="0" lang="en-GB" sz="1100" b="0" i="0" u="none" strike="noStrike" cap="none" spc="0" normalizeH="0" baseline="0" dirty="0">
-              <a:ln>
-                <a:noFill/>
-              </a:ln>
-              <a:solidFill>
-                <a:srgbClr val="000000"/>
-              </a:solidFill>
-              <a:effectLst/>
-              <a:uFillTx/>
-              <a:latin typeface="Calibri" panose="020F0502020204030204" pitchFamily="34" charset="0"/>
-              <a:ea typeface="Helvetica Neue"/>
-              <a:cs typeface="Calibri" panose="020F0502020204030204" pitchFamily="34" charset="0"/>
-              <a:sym typeface="Helvetica Neue"/>
-            </a:endParaRPr>
+            <a:endParaRPr lang="en-GB" dirty="0"/>
           </a:p>
         </p:txBody>
       </p:sp>
     </p:spTree>
     <p:extLst>
       <p:ext uri="{BB962C8B-B14F-4D97-AF65-F5344CB8AC3E}">
-        <p14:creationId xmlns:p14="http://schemas.microsoft.com/office/powerpoint/2010/main" val="1131727307"/>
+        <p14:creationId xmlns:p14="http://schemas.microsoft.com/office/powerpoint/2010/main" val="814112304"/>
       </p:ext>
     </p:extLst>
   </p:cSld>
@@ -8578,7 +6648,7 @@
         <p:cNvPr id="1" name="">
           <a:extLst>
             <a:ext uri="{FF2B5EF4-FFF2-40B4-BE49-F238E27FC236}">
-              <a16:creationId xmlns:a16="http://schemas.microsoft.com/office/drawing/2014/main" id="{31DBFCFE-C8D0-9E35-DB7D-7E5CB86E36C1}"/>
+              <a16:creationId xmlns:a16="http://schemas.microsoft.com/office/drawing/2014/main" id="{B76962A0-6755-7DE4-9088-053FF7B91FC4}"/>
             </a:ext>
           </a:extLst>
         </p:cNvPr>
@@ -8598,7 +6668,7 @@
           <p:cNvPr id="3" name="Title 1">
             <a:extLst>
               <a:ext uri="{FF2B5EF4-FFF2-40B4-BE49-F238E27FC236}">
-                <a16:creationId xmlns:a16="http://schemas.microsoft.com/office/drawing/2014/main" id="{FF4A00D8-BDF7-6EEE-DA99-32CCF2B4393B}"/>
+                <a16:creationId xmlns:a16="http://schemas.microsoft.com/office/drawing/2014/main" id="{150392EA-CC58-1374-B17B-3466B59C2159}"/>
               </a:ext>
             </a:extLst>
           </p:cNvPr>
@@ -8694,488 +6764,153 @@
       </p:sp>
       <p:sp>
         <p:nvSpPr>
-          <p:cNvPr id="33" name="TextBox 32">
-            <a:extLst>
-              <a:ext uri="{FF2B5EF4-FFF2-40B4-BE49-F238E27FC236}">
-                <a16:creationId xmlns:a16="http://schemas.microsoft.com/office/drawing/2014/main" id="{AD2DE10C-14F3-33E2-0740-9E215A872174}"/>
-              </a:ext>
-            </a:extLst>
-          </p:cNvPr>
-          <p:cNvSpPr txBox="1"/>
-          <p:nvPr/>
-        </p:nvSpPr>
-        <p:spPr>
-          <a:xfrm>
-            <a:off x="426722" y="1417318"/>
-            <a:ext cx="2017216" cy="271869"/>
-          </a:xfrm>
-          <a:prstGeom prst="rect">
-            <a:avLst/>
-          </a:prstGeom>
-          <a:noFill/>
-          <a:ln w="12700" cap="flat">
-            <a:noFill/>
-            <a:miter lim="400000"/>
-          </a:ln>
-          <a:effectLst/>
-          <a:sp3d/>
-        </p:spPr>
-        <p:style>
-          <a:lnRef idx="0">
-            <a:scrgbClr r="0" g="0" b="0"/>
-          </a:lnRef>
-          <a:fillRef idx="0">
-            <a:scrgbClr r="0" g="0" b="0"/>
-          </a:fillRef>
-          <a:effectRef idx="0">
-            <a:scrgbClr r="0" g="0" b="0"/>
-          </a:effectRef>
-          <a:fontRef idx="none"/>
-        </p:style>
-        <p:txBody>
-          <a:bodyPr rot="0" spcFirstLastPara="1" vertOverflow="overflow" horzOverflow="overflow" vert="horz" wrap="square" lIns="50800" tIns="50800" rIns="50800" bIns="50800" numCol="1" spcCol="38100" rtlCol="0" anchor="t" anchorCtr="0">
-            <a:spAutoFit/>
-          </a:bodyPr>
-          <a:lstStyle/>
-          <a:p>
-            <a:pPr marL="0" marR="0" indent="0" algn="l" defTabSz="825500" rtl="0" fontAlgn="auto" latinLnBrk="0" hangingPunct="0">
-              <a:lnSpc>
-                <a:spcPct val="100000"/>
-              </a:lnSpc>
-              <a:spcBef>
-                <a:spcPts val="0"/>
-              </a:spcBef>
-              <a:spcAft>
-                <a:spcPts val="0"/>
-              </a:spcAft>
-              <a:buClrTx/>
-              <a:buSzTx/>
-              <a:buFontTx/>
-              <a:buNone/>
-              <a:tabLst/>
-            </a:pPr>
-            <a:r>
-              <a:rPr kumimoji="0" lang="en-GB" sz="1100" b="0" i="0" u="none" strike="noStrike" cap="none" spc="0" normalizeH="0" baseline="0" dirty="0" err="1">
-                <a:ln>
-                  <a:noFill/>
-                </a:ln>
-                <a:solidFill>
-                  <a:srgbClr val="000000"/>
-                </a:solidFill>
-                <a:effectLst/>
-                <a:uFillTx/>
-                <a:latin typeface="Calibri" panose="020F0502020204030204" pitchFamily="34" charset="0"/>
-                <a:ea typeface="Helvetica Neue"/>
-                <a:cs typeface="Calibri" panose="020F0502020204030204" pitchFamily="34" charset="0"/>
-                <a:sym typeface="Helvetica Neue"/>
-              </a:rPr>
+          <p:cNvPr id="2" name="Text Placeholder 1">
+            <a:extLst>
+              <a:ext uri="{FF2B5EF4-FFF2-40B4-BE49-F238E27FC236}">
+                <a16:creationId xmlns:a16="http://schemas.microsoft.com/office/drawing/2014/main" id="{373044F1-BBA9-3CC7-2741-A6EF3F9F375E}"/>
+              </a:ext>
+            </a:extLst>
+          </p:cNvPr>
+          <p:cNvSpPr>
+            <a:spLocks noGrp="1"/>
+          </p:cNvSpPr>
+          <p:nvPr>
+            <p:ph type="body" sz="quarter" idx="10"/>
+          </p:nvPr>
+        </p:nvSpPr>
+        <p:spPr/>
+        <p:txBody>
+          <a:bodyPr/>
+          <a:lstStyle/>
+          <a:p>
+            <a:r>
+              <a:rPr lang="en-GB" dirty="0" err="1"/>
               <a:t>Awareness_text</a:t>
             </a:r>
-            <a:endParaRPr kumimoji="0" lang="en-GB" sz="1100" b="0" i="0" u="none" strike="noStrike" cap="none" spc="0" normalizeH="0" baseline="0" dirty="0">
-              <a:ln>
-                <a:noFill/>
-              </a:ln>
-              <a:solidFill>
-                <a:srgbClr val="000000"/>
-              </a:solidFill>
-              <a:effectLst/>
-              <a:uFillTx/>
-              <a:latin typeface="Calibri" panose="020F0502020204030204" pitchFamily="34" charset="0"/>
-              <a:ea typeface="Helvetica Neue"/>
-              <a:cs typeface="Calibri" panose="020F0502020204030204" pitchFamily="34" charset="0"/>
-              <a:sym typeface="Helvetica Neue"/>
-            </a:endParaRPr>
-          </a:p>
-        </p:txBody>
-      </p:sp>
-      <p:sp>
-        <p:nvSpPr>
-          <p:cNvPr id="34" name="TextBox 33">
-            <a:extLst>
-              <a:ext uri="{FF2B5EF4-FFF2-40B4-BE49-F238E27FC236}">
-                <a16:creationId xmlns:a16="http://schemas.microsoft.com/office/drawing/2014/main" id="{76F24EEA-4BF0-44E1-0202-0B245F6AEE18}"/>
-              </a:ext>
-            </a:extLst>
-          </p:cNvPr>
-          <p:cNvSpPr txBox="1"/>
-          <p:nvPr/>
-        </p:nvSpPr>
-        <p:spPr>
-          <a:xfrm>
-            <a:off x="2757057" y="1417318"/>
-            <a:ext cx="2017216" cy="271869"/>
-          </a:xfrm>
-          <a:prstGeom prst="rect">
-            <a:avLst/>
-          </a:prstGeom>
-          <a:noFill/>
-          <a:ln w="12700" cap="flat">
-            <a:noFill/>
-            <a:miter lim="400000"/>
-          </a:ln>
-          <a:effectLst/>
-          <a:sp3d/>
-        </p:spPr>
-        <p:style>
-          <a:lnRef idx="0">
-            <a:scrgbClr r="0" g="0" b="0"/>
-          </a:lnRef>
-          <a:fillRef idx="0">
-            <a:scrgbClr r="0" g="0" b="0"/>
-          </a:fillRef>
-          <a:effectRef idx="0">
-            <a:scrgbClr r="0" g="0" b="0"/>
-          </a:effectRef>
-          <a:fontRef idx="none"/>
-        </p:style>
-        <p:txBody>
-          <a:bodyPr rot="0" spcFirstLastPara="1" vertOverflow="overflow" horzOverflow="overflow" vert="horz" wrap="square" lIns="50800" tIns="50800" rIns="50800" bIns="50800" numCol="1" spcCol="38100" rtlCol="0" anchor="t" anchorCtr="0">
-            <a:spAutoFit/>
-          </a:bodyPr>
-          <a:lstStyle/>
-          <a:p>
-            <a:pPr marL="0" marR="0" indent="0" algn="l" defTabSz="825500" rtl="0" fontAlgn="auto" latinLnBrk="0" hangingPunct="0">
-              <a:lnSpc>
-                <a:spcPct val="100000"/>
-              </a:lnSpc>
-              <a:spcBef>
-                <a:spcPts val="0"/>
-              </a:spcBef>
-              <a:spcAft>
-                <a:spcPts val="0"/>
-              </a:spcAft>
-              <a:buClrTx/>
-              <a:buSzTx/>
-              <a:buFontTx/>
-              <a:buNone/>
-              <a:tabLst/>
-            </a:pPr>
-            <a:r>
-              <a:rPr kumimoji="0" lang="en-GB" sz="1100" b="0" i="0" u="none" strike="noStrike" cap="none" spc="0" normalizeH="0" baseline="0" dirty="0" err="1">
-                <a:ln>
-                  <a:noFill/>
-                </a:ln>
-                <a:solidFill>
-                  <a:srgbClr val="000000"/>
-                </a:solidFill>
-                <a:effectLst/>
-                <a:uFillTx/>
-                <a:latin typeface="Calibri" panose="020F0502020204030204" pitchFamily="34" charset="0"/>
-                <a:ea typeface="Helvetica Neue"/>
-                <a:cs typeface="Calibri" panose="020F0502020204030204" pitchFamily="34" charset="0"/>
-                <a:sym typeface="Helvetica Neue"/>
-              </a:rPr>
+            <a:endParaRPr lang="en-GB" dirty="0"/>
+          </a:p>
+        </p:txBody>
+      </p:sp>
+      <p:sp>
+        <p:nvSpPr>
+          <p:cNvPr id="4" name="Text Placeholder 3">
+            <a:extLst>
+              <a:ext uri="{FF2B5EF4-FFF2-40B4-BE49-F238E27FC236}">
+                <a16:creationId xmlns:a16="http://schemas.microsoft.com/office/drawing/2014/main" id="{F4C62189-AAFA-6445-0AF6-F0F9986B0A71}"/>
+              </a:ext>
+            </a:extLst>
+          </p:cNvPr>
+          <p:cNvSpPr>
+            <a:spLocks noGrp="1"/>
+          </p:cNvSpPr>
+          <p:nvPr>
+            <p:ph type="body" sz="quarter" idx="11"/>
+          </p:nvPr>
+        </p:nvSpPr>
+        <p:spPr/>
+        <p:txBody>
+          <a:bodyPr/>
+          <a:lstStyle/>
+          <a:p>
+            <a:r>
+              <a:rPr lang="en-GB" dirty="0" err="1"/>
               <a:t>Desire_text</a:t>
             </a:r>
-            <a:endParaRPr kumimoji="0" lang="en-GB" sz="1100" b="0" i="0" u="none" strike="noStrike" cap="none" spc="0" normalizeH="0" baseline="0" dirty="0">
-              <a:ln>
-                <a:noFill/>
-              </a:ln>
-              <a:solidFill>
-                <a:srgbClr val="000000"/>
-              </a:solidFill>
-              <a:effectLst/>
-              <a:uFillTx/>
-              <a:latin typeface="Calibri" panose="020F0502020204030204" pitchFamily="34" charset="0"/>
-              <a:ea typeface="Helvetica Neue"/>
-              <a:cs typeface="Calibri" panose="020F0502020204030204" pitchFamily="34" charset="0"/>
-              <a:sym typeface="Helvetica Neue"/>
-            </a:endParaRPr>
-          </a:p>
-        </p:txBody>
-      </p:sp>
-      <p:sp>
-        <p:nvSpPr>
-          <p:cNvPr id="35" name="TextBox 34">
-            <a:extLst>
-              <a:ext uri="{FF2B5EF4-FFF2-40B4-BE49-F238E27FC236}">
-                <a16:creationId xmlns:a16="http://schemas.microsoft.com/office/drawing/2014/main" id="{7831256B-EE60-19BC-B0A4-722F12186828}"/>
-              </a:ext>
-            </a:extLst>
-          </p:cNvPr>
-          <p:cNvSpPr txBox="1"/>
-          <p:nvPr/>
-        </p:nvSpPr>
-        <p:spPr>
-          <a:xfrm>
-            <a:off x="5087392" y="1417318"/>
-            <a:ext cx="2017216" cy="271869"/>
-          </a:xfrm>
-          <a:prstGeom prst="rect">
-            <a:avLst/>
-          </a:prstGeom>
-          <a:noFill/>
-          <a:ln w="12700" cap="flat">
-            <a:noFill/>
-            <a:miter lim="400000"/>
-          </a:ln>
-          <a:effectLst/>
-          <a:sp3d/>
-        </p:spPr>
-        <p:style>
-          <a:lnRef idx="0">
-            <a:scrgbClr r="0" g="0" b="0"/>
-          </a:lnRef>
-          <a:fillRef idx="0">
-            <a:scrgbClr r="0" g="0" b="0"/>
-          </a:fillRef>
-          <a:effectRef idx="0">
-            <a:scrgbClr r="0" g="0" b="0"/>
-          </a:effectRef>
-          <a:fontRef idx="none"/>
-        </p:style>
-        <p:txBody>
-          <a:bodyPr rot="0" spcFirstLastPara="1" vertOverflow="overflow" horzOverflow="overflow" vert="horz" wrap="square" lIns="50800" tIns="50800" rIns="50800" bIns="50800" numCol="1" spcCol="38100" rtlCol="0" anchor="t" anchorCtr="0">
-            <a:spAutoFit/>
-          </a:bodyPr>
-          <a:lstStyle/>
-          <a:p>
-            <a:pPr marL="0" marR="0" indent="0" algn="l" defTabSz="825500" rtl="0" fontAlgn="auto" latinLnBrk="0" hangingPunct="0">
-              <a:lnSpc>
-                <a:spcPct val="100000"/>
-              </a:lnSpc>
-              <a:spcBef>
-                <a:spcPts val="0"/>
-              </a:spcBef>
-              <a:spcAft>
-                <a:spcPts val="0"/>
-              </a:spcAft>
-              <a:buClrTx/>
-              <a:buSzTx/>
-              <a:buFontTx/>
-              <a:buNone/>
-              <a:tabLst/>
-            </a:pPr>
-            <a:r>
-              <a:rPr kumimoji="0" lang="en-GB" sz="1100" b="0" i="0" u="none" strike="noStrike" cap="none" spc="0" normalizeH="0" baseline="0" dirty="0" err="1">
-                <a:ln>
-                  <a:noFill/>
-                </a:ln>
-                <a:solidFill>
-                  <a:srgbClr val="000000"/>
-                </a:solidFill>
-                <a:effectLst/>
-                <a:uFillTx/>
-                <a:latin typeface="Calibri" panose="020F0502020204030204" pitchFamily="34" charset="0"/>
-                <a:ea typeface="Helvetica Neue"/>
-                <a:cs typeface="Calibri" panose="020F0502020204030204" pitchFamily="34" charset="0"/>
-                <a:sym typeface="Helvetica Neue"/>
-              </a:rPr>
+            <a:endParaRPr lang="en-GB" dirty="0"/>
+          </a:p>
+        </p:txBody>
+      </p:sp>
+      <p:sp>
+        <p:nvSpPr>
+          <p:cNvPr id="5" name="Text Placeholder 4">
+            <a:extLst>
+              <a:ext uri="{FF2B5EF4-FFF2-40B4-BE49-F238E27FC236}">
+                <a16:creationId xmlns:a16="http://schemas.microsoft.com/office/drawing/2014/main" id="{6C7D347E-5190-CCE1-9CEF-20E50E29B29F}"/>
+              </a:ext>
+            </a:extLst>
+          </p:cNvPr>
+          <p:cNvSpPr>
+            <a:spLocks noGrp="1"/>
+          </p:cNvSpPr>
+          <p:nvPr>
+            <p:ph type="body" sz="quarter" idx="12"/>
+          </p:nvPr>
+        </p:nvSpPr>
+        <p:spPr/>
+        <p:txBody>
+          <a:bodyPr/>
+          <a:lstStyle/>
+          <a:p>
+            <a:r>
+              <a:rPr lang="en-GB" dirty="0" err="1"/>
               <a:t>Knowledge_text</a:t>
             </a:r>
-            <a:endParaRPr kumimoji="0" lang="en-GB" sz="1100" b="0" i="0" u="none" strike="noStrike" cap="none" spc="0" normalizeH="0" baseline="0" dirty="0">
-              <a:ln>
-                <a:noFill/>
-              </a:ln>
-              <a:solidFill>
-                <a:srgbClr val="000000"/>
-              </a:solidFill>
-              <a:effectLst/>
-              <a:uFillTx/>
-              <a:latin typeface="Calibri" panose="020F0502020204030204" pitchFamily="34" charset="0"/>
-              <a:ea typeface="Helvetica Neue"/>
-              <a:cs typeface="Calibri" panose="020F0502020204030204" pitchFamily="34" charset="0"/>
-              <a:sym typeface="Helvetica Neue"/>
-            </a:endParaRPr>
-          </a:p>
-        </p:txBody>
-      </p:sp>
-      <p:sp>
-        <p:nvSpPr>
-          <p:cNvPr id="36" name="TextBox 35">
-            <a:extLst>
-              <a:ext uri="{FF2B5EF4-FFF2-40B4-BE49-F238E27FC236}">
-                <a16:creationId xmlns:a16="http://schemas.microsoft.com/office/drawing/2014/main" id="{5AA19CCC-3525-C61C-C481-DB071BF950A3}"/>
-              </a:ext>
-            </a:extLst>
-          </p:cNvPr>
-          <p:cNvSpPr txBox="1"/>
-          <p:nvPr/>
-        </p:nvSpPr>
-        <p:spPr>
-          <a:xfrm>
-            <a:off x="7417727" y="1417318"/>
-            <a:ext cx="2017216" cy="271869"/>
-          </a:xfrm>
-          <a:prstGeom prst="rect">
-            <a:avLst/>
-          </a:prstGeom>
-          <a:noFill/>
-          <a:ln w="12700" cap="flat">
-            <a:noFill/>
-            <a:miter lim="400000"/>
-          </a:ln>
-          <a:effectLst/>
-          <a:sp3d/>
-        </p:spPr>
-        <p:style>
-          <a:lnRef idx="0">
-            <a:scrgbClr r="0" g="0" b="0"/>
-          </a:lnRef>
-          <a:fillRef idx="0">
-            <a:scrgbClr r="0" g="0" b="0"/>
-          </a:fillRef>
-          <a:effectRef idx="0">
-            <a:scrgbClr r="0" g="0" b="0"/>
-          </a:effectRef>
-          <a:fontRef idx="none"/>
-        </p:style>
-        <p:txBody>
-          <a:bodyPr rot="0" spcFirstLastPara="1" vertOverflow="overflow" horzOverflow="overflow" vert="horz" wrap="square" lIns="50800" tIns="50800" rIns="50800" bIns="50800" numCol="1" spcCol="38100" rtlCol="0" anchor="t" anchorCtr="0">
-            <a:spAutoFit/>
-          </a:bodyPr>
-          <a:lstStyle/>
-          <a:p>
-            <a:pPr marL="0" marR="0" indent="0" algn="l" defTabSz="825500" rtl="0" fontAlgn="auto" latinLnBrk="0" hangingPunct="0">
-              <a:lnSpc>
-                <a:spcPct val="100000"/>
-              </a:lnSpc>
-              <a:spcBef>
-                <a:spcPts val="0"/>
-              </a:spcBef>
-              <a:spcAft>
-                <a:spcPts val="0"/>
-              </a:spcAft>
-              <a:buClrTx/>
-              <a:buSzTx/>
-              <a:buFontTx/>
-              <a:buNone/>
-              <a:tabLst/>
-            </a:pPr>
-            <a:r>
-              <a:rPr kumimoji="0" lang="en-GB" sz="1100" b="0" i="0" u="none" strike="noStrike" cap="none" spc="0" normalizeH="0" baseline="0" dirty="0" err="1">
-                <a:ln>
-                  <a:noFill/>
-                </a:ln>
-                <a:solidFill>
-                  <a:srgbClr val="000000"/>
-                </a:solidFill>
-                <a:effectLst/>
-                <a:uFillTx/>
-                <a:latin typeface="Calibri" panose="020F0502020204030204" pitchFamily="34" charset="0"/>
-                <a:ea typeface="Helvetica Neue"/>
-                <a:cs typeface="Calibri" panose="020F0502020204030204" pitchFamily="34" charset="0"/>
-                <a:sym typeface="Helvetica Neue"/>
-              </a:rPr>
+            <a:endParaRPr lang="en-GB" dirty="0"/>
+          </a:p>
+        </p:txBody>
+      </p:sp>
+      <p:sp>
+        <p:nvSpPr>
+          <p:cNvPr id="6" name="Text Placeholder 5">
+            <a:extLst>
+              <a:ext uri="{FF2B5EF4-FFF2-40B4-BE49-F238E27FC236}">
+                <a16:creationId xmlns:a16="http://schemas.microsoft.com/office/drawing/2014/main" id="{2024B142-85D9-B8CC-BC52-FFF5AFA1C8DE}"/>
+              </a:ext>
+            </a:extLst>
+          </p:cNvPr>
+          <p:cNvSpPr>
+            <a:spLocks noGrp="1"/>
+          </p:cNvSpPr>
+          <p:nvPr>
+            <p:ph type="body" sz="quarter" idx="13"/>
+          </p:nvPr>
+        </p:nvSpPr>
+        <p:spPr/>
+        <p:txBody>
+          <a:bodyPr/>
+          <a:lstStyle/>
+          <a:p>
+            <a:r>
+              <a:rPr lang="en-GB" dirty="0" err="1"/>
               <a:t>Ability_text</a:t>
             </a:r>
-            <a:endParaRPr kumimoji="0" lang="en-GB" sz="1100" b="0" i="0" u="none" strike="noStrike" cap="none" spc="0" normalizeH="0" baseline="0" dirty="0">
-              <a:ln>
-                <a:noFill/>
-              </a:ln>
-              <a:solidFill>
-                <a:srgbClr val="000000"/>
-              </a:solidFill>
-              <a:effectLst/>
-              <a:uFillTx/>
-              <a:latin typeface="Calibri" panose="020F0502020204030204" pitchFamily="34" charset="0"/>
-              <a:ea typeface="Helvetica Neue"/>
-              <a:cs typeface="Calibri" panose="020F0502020204030204" pitchFamily="34" charset="0"/>
-              <a:sym typeface="Helvetica Neue"/>
-            </a:endParaRPr>
-          </a:p>
-        </p:txBody>
-      </p:sp>
-      <p:sp>
-        <p:nvSpPr>
-          <p:cNvPr id="37" name="TextBox 36">
-            <a:extLst>
-              <a:ext uri="{FF2B5EF4-FFF2-40B4-BE49-F238E27FC236}">
-                <a16:creationId xmlns:a16="http://schemas.microsoft.com/office/drawing/2014/main" id="{8CF3F4C4-5516-3E92-BD21-9FCDA773CFF8}"/>
-              </a:ext>
-            </a:extLst>
-          </p:cNvPr>
-          <p:cNvSpPr txBox="1"/>
-          <p:nvPr/>
-        </p:nvSpPr>
-        <p:spPr>
-          <a:xfrm>
-            <a:off x="9748062" y="1417318"/>
-            <a:ext cx="2017216" cy="271869"/>
-          </a:xfrm>
-          <a:prstGeom prst="rect">
-            <a:avLst/>
-          </a:prstGeom>
-          <a:noFill/>
-          <a:ln w="12700" cap="flat">
-            <a:noFill/>
-            <a:miter lim="400000"/>
-          </a:ln>
-          <a:effectLst/>
-          <a:sp3d/>
-        </p:spPr>
-        <p:style>
-          <a:lnRef idx="0">
-            <a:scrgbClr r="0" g="0" b="0"/>
-          </a:lnRef>
-          <a:fillRef idx="0">
-            <a:scrgbClr r="0" g="0" b="0"/>
-          </a:fillRef>
-          <a:effectRef idx="0">
-            <a:scrgbClr r="0" g="0" b="0"/>
-          </a:effectRef>
-          <a:fontRef idx="none"/>
-        </p:style>
-        <p:txBody>
-          <a:bodyPr rot="0" spcFirstLastPara="1" vertOverflow="overflow" horzOverflow="overflow" vert="horz" wrap="square" lIns="50800" tIns="50800" rIns="50800" bIns="50800" numCol="1" spcCol="38100" rtlCol="0" anchor="t" anchorCtr="0">
-            <a:spAutoFit/>
-          </a:bodyPr>
-          <a:lstStyle/>
-          <a:p>
-            <a:pPr marL="0" marR="0" indent="0" algn="l" defTabSz="825500" rtl="0" fontAlgn="auto" latinLnBrk="0" hangingPunct="0">
-              <a:lnSpc>
-                <a:spcPct val="100000"/>
-              </a:lnSpc>
-              <a:spcBef>
-                <a:spcPts val="0"/>
-              </a:spcBef>
-              <a:spcAft>
-                <a:spcPts val="0"/>
-              </a:spcAft>
-              <a:buClrTx/>
-              <a:buSzTx/>
-              <a:buFontTx/>
-              <a:buNone/>
-              <a:tabLst/>
-            </a:pPr>
-            <a:r>
-              <a:rPr kumimoji="0" lang="en-GB" sz="1100" b="0" i="0" u="none" strike="noStrike" cap="none" spc="0" normalizeH="0" baseline="0" dirty="0" err="1">
-                <a:ln>
-                  <a:noFill/>
-                </a:ln>
-                <a:solidFill>
-                  <a:srgbClr val="000000"/>
-                </a:solidFill>
-                <a:effectLst/>
-                <a:uFillTx/>
-                <a:latin typeface="Calibri" panose="020F0502020204030204" pitchFamily="34" charset="0"/>
-                <a:ea typeface="Helvetica Neue"/>
-                <a:cs typeface="Calibri" panose="020F0502020204030204" pitchFamily="34" charset="0"/>
-                <a:sym typeface="Helvetica Neue"/>
-              </a:rPr>
+            <a:endParaRPr lang="en-GB" dirty="0"/>
+          </a:p>
+        </p:txBody>
+      </p:sp>
+      <p:sp>
+        <p:nvSpPr>
+          <p:cNvPr id="7" name="Text Placeholder 6">
+            <a:extLst>
+              <a:ext uri="{FF2B5EF4-FFF2-40B4-BE49-F238E27FC236}">
+                <a16:creationId xmlns:a16="http://schemas.microsoft.com/office/drawing/2014/main" id="{D4228DDE-B4D5-45AC-8D95-0C0230DF9357}"/>
+              </a:ext>
+            </a:extLst>
+          </p:cNvPr>
+          <p:cNvSpPr>
+            <a:spLocks noGrp="1"/>
+          </p:cNvSpPr>
+          <p:nvPr>
+            <p:ph type="body" sz="quarter" idx="14"/>
+          </p:nvPr>
+        </p:nvSpPr>
+        <p:spPr/>
+        <p:txBody>
+          <a:bodyPr/>
+          <a:lstStyle/>
+          <a:p>
+            <a:r>
+              <a:rPr lang="en-GB" dirty="0" err="1"/>
               <a:t>Reinforcement_text</a:t>
             </a:r>
-            <a:endParaRPr kumimoji="0" lang="en-GB" sz="1100" b="0" i="0" u="none" strike="noStrike" cap="none" spc="0" normalizeH="0" baseline="0" dirty="0">
-              <a:ln>
-                <a:noFill/>
-              </a:ln>
-              <a:solidFill>
-                <a:srgbClr val="000000"/>
-              </a:solidFill>
-              <a:effectLst/>
-              <a:uFillTx/>
-              <a:latin typeface="Calibri" panose="020F0502020204030204" pitchFamily="34" charset="0"/>
-              <a:ea typeface="Helvetica Neue"/>
-              <a:cs typeface="Calibri" panose="020F0502020204030204" pitchFamily="34" charset="0"/>
-              <a:sym typeface="Helvetica Neue"/>
-            </a:endParaRPr>
+            <a:endParaRPr lang="en-GB" dirty="0"/>
           </a:p>
         </p:txBody>
       </p:sp>
     </p:spTree>
     <p:extLst>
       <p:ext uri="{BB962C8B-B14F-4D97-AF65-F5344CB8AC3E}">
-        <p14:creationId xmlns:p14="http://schemas.microsoft.com/office/powerpoint/2010/main" val="3594415621"/>
+        <p14:creationId xmlns:p14="http://schemas.microsoft.com/office/powerpoint/2010/main" val="778674166"/>
       </p:ext>
     </p:extLst>
   </p:cSld>
@@ -9194,7 +6929,7 @@
         <p:cNvPr id="1" name="">
           <a:extLst>
             <a:ext uri="{FF2B5EF4-FFF2-40B4-BE49-F238E27FC236}">
-              <a16:creationId xmlns:a16="http://schemas.microsoft.com/office/drawing/2014/main" id="{729092C6-1EB8-5AFE-17C3-C36A083F15BF}"/>
+              <a16:creationId xmlns:a16="http://schemas.microsoft.com/office/drawing/2014/main" id="{6A421EF2-66A6-42B2-A7D2-36040A72E3FF}"/>
             </a:ext>
           </a:extLst>
         </p:cNvPr>
@@ -9214,7 +6949,7 @@
           <p:cNvPr id="3" name="Title 1">
             <a:extLst>
               <a:ext uri="{FF2B5EF4-FFF2-40B4-BE49-F238E27FC236}">
-                <a16:creationId xmlns:a16="http://schemas.microsoft.com/office/drawing/2014/main" id="{4195AB65-4066-9A23-548F-E910E8070172}"/>
+                <a16:creationId xmlns:a16="http://schemas.microsoft.com/office/drawing/2014/main" id="{D2B2E0D0-D847-D9B9-3CFA-6264C30F19CD}"/>
               </a:ext>
             </a:extLst>
           </p:cNvPr>
@@ -9310,488 +7045,153 @@
       </p:sp>
       <p:sp>
         <p:nvSpPr>
-          <p:cNvPr id="33" name="TextBox 32">
-            <a:extLst>
-              <a:ext uri="{FF2B5EF4-FFF2-40B4-BE49-F238E27FC236}">
-                <a16:creationId xmlns:a16="http://schemas.microsoft.com/office/drawing/2014/main" id="{1F99BA73-9C86-6AE4-98DA-F7DFDFC6D684}"/>
-              </a:ext>
-            </a:extLst>
-          </p:cNvPr>
-          <p:cNvSpPr txBox="1"/>
-          <p:nvPr/>
-        </p:nvSpPr>
-        <p:spPr>
-          <a:xfrm>
-            <a:off x="426722" y="1417318"/>
-            <a:ext cx="2017216" cy="271869"/>
-          </a:xfrm>
-          <a:prstGeom prst="rect">
-            <a:avLst/>
-          </a:prstGeom>
-          <a:noFill/>
-          <a:ln w="12700" cap="flat">
-            <a:noFill/>
-            <a:miter lim="400000"/>
-          </a:ln>
-          <a:effectLst/>
-          <a:sp3d/>
-        </p:spPr>
-        <p:style>
-          <a:lnRef idx="0">
-            <a:scrgbClr r="0" g="0" b="0"/>
-          </a:lnRef>
-          <a:fillRef idx="0">
-            <a:scrgbClr r="0" g="0" b="0"/>
-          </a:fillRef>
-          <a:effectRef idx="0">
-            <a:scrgbClr r="0" g="0" b="0"/>
-          </a:effectRef>
-          <a:fontRef idx="none"/>
-        </p:style>
-        <p:txBody>
-          <a:bodyPr rot="0" spcFirstLastPara="1" vertOverflow="overflow" horzOverflow="overflow" vert="horz" wrap="square" lIns="50800" tIns="50800" rIns="50800" bIns="50800" numCol="1" spcCol="38100" rtlCol="0" anchor="t" anchorCtr="0">
-            <a:spAutoFit/>
-          </a:bodyPr>
-          <a:lstStyle/>
-          <a:p>
-            <a:pPr marL="0" marR="0" indent="0" algn="l" defTabSz="825500" rtl="0" fontAlgn="auto" latinLnBrk="0" hangingPunct="0">
-              <a:lnSpc>
-                <a:spcPct val="100000"/>
-              </a:lnSpc>
-              <a:spcBef>
-                <a:spcPts val="0"/>
-              </a:spcBef>
-              <a:spcAft>
-                <a:spcPts val="0"/>
-              </a:spcAft>
-              <a:buClrTx/>
-              <a:buSzTx/>
-              <a:buFontTx/>
-              <a:buNone/>
-              <a:tabLst/>
-            </a:pPr>
-            <a:r>
-              <a:rPr kumimoji="0" lang="en-GB" sz="1100" b="0" i="0" u="none" strike="noStrike" cap="none" spc="0" normalizeH="0" baseline="0" dirty="0" err="1">
-                <a:ln>
-                  <a:noFill/>
-                </a:ln>
-                <a:solidFill>
-                  <a:srgbClr val="000000"/>
-                </a:solidFill>
-                <a:effectLst/>
-                <a:uFillTx/>
-                <a:latin typeface="Calibri" panose="020F0502020204030204" pitchFamily="34" charset="0"/>
-                <a:ea typeface="Helvetica Neue"/>
-                <a:cs typeface="Calibri" panose="020F0502020204030204" pitchFamily="34" charset="0"/>
-                <a:sym typeface="Helvetica Neue"/>
-              </a:rPr>
+          <p:cNvPr id="2" name="Text Placeholder 1">
+            <a:extLst>
+              <a:ext uri="{FF2B5EF4-FFF2-40B4-BE49-F238E27FC236}">
+                <a16:creationId xmlns:a16="http://schemas.microsoft.com/office/drawing/2014/main" id="{DB5A6338-D2F1-4199-BE1E-970DF1A26CC9}"/>
+              </a:ext>
+            </a:extLst>
+          </p:cNvPr>
+          <p:cNvSpPr>
+            <a:spLocks noGrp="1"/>
+          </p:cNvSpPr>
+          <p:nvPr>
+            <p:ph type="body" sz="quarter" idx="10"/>
+          </p:nvPr>
+        </p:nvSpPr>
+        <p:spPr/>
+        <p:txBody>
+          <a:bodyPr/>
+          <a:lstStyle/>
+          <a:p>
+            <a:r>
+              <a:rPr lang="en-GB" dirty="0" err="1"/>
               <a:t>Awareness_text</a:t>
             </a:r>
-            <a:endParaRPr kumimoji="0" lang="en-GB" sz="1100" b="0" i="0" u="none" strike="noStrike" cap="none" spc="0" normalizeH="0" baseline="0" dirty="0">
-              <a:ln>
-                <a:noFill/>
-              </a:ln>
-              <a:solidFill>
-                <a:srgbClr val="000000"/>
-              </a:solidFill>
-              <a:effectLst/>
-              <a:uFillTx/>
-              <a:latin typeface="Calibri" panose="020F0502020204030204" pitchFamily="34" charset="0"/>
-              <a:ea typeface="Helvetica Neue"/>
-              <a:cs typeface="Calibri" panose="020F0502020204030204" pitchFamily="34" charset="0"/>
-              <a:sym typeface="Helvetica Neue"/>
-            </a:endParaRPr>
-          </a:p>
-        </p:txBody>
-      </p:sp>
-      <p:sp>
-        <p:nvSpPr>
-          <p:cNvPr id="34" name="TextBox 33">
-            <a:extLst>
-              <a:ext uri="{FF2B5EF4-FFF2-40B4-BE49-F238E27FC236}">
-                <a16:creationId xmlns:a16="http://schemas.microsoft.com/office/drawing/2014/main" id="{4711A68C-2B51-8D6A-898C-E08F7ABC05C7}"/>
-              </a:ext>
-            </a:extLst>
-          </p:cNvPr>
-          <p:cNvSpPr txBox="1"/>
-          <p:nvPr/>
-        </p:nvSpPr>
-        <p:spPr>
-          <a:xfrm>
-            <a:off x="2757057" y="1417318"/>
-            <a:ext cx="2017216" cy="271869"/>
-          </a:xfrm>
-          <a:prstGeom prst="rect">
-            <a:avLst/>
-          </a:prstGeom>
-          <a:noFill/>
-          <a:ln w="12700" cap="flat">
-            <a:noFill/>
-            <a:miter lim="400000"/>
-          </a:ln>
-          <a:effectLst/>
-          <a:sp3d/>
-        </p:spPr>
-        <p:style>
-          <a:lnRef idx="0">
-            <a:scrgbClr r="0" g="0" b="0"/>
-          </a:lnRef>
-          <a:fillRef idx="0">
-            <a:scrgbClr r="0" g="0" b="0"/>
-          </a:fillRef>
-          <a:effectRef idx="0">
-            <a:scrgbClr r="0" g="0" b="0"/>
-          </a:effectRef>
-          <a:fontRef idx="none"/>
-        </p:style>
-        <p:txBody>
-          <a:bodyPr rot="0" spcFirstLastPara="1" vertOverflow="overflow" horzOverflow="overflow" vert="horz" wrap="square" lIns="50800" tIns="50800" rIns="50800" bIns="50800" numCol="1" spcCol="38100" rtlCol="0" anchor="t" anchorCtr="0">
-            <a:spAutoFit/>
-          </a:bodyPr>
-          <a:lstStyle/>
-          <a:p>
-            <a:pPr marL="0" marR="0" indent="0" algn="l" defTabSz="825500" rtl="0" fontAlgn="auto" latinLnBrk="0" hangingPunct="0">
-              <a:lnSpc>
-                <a:spcPct val="100000"/>
-              </a:lnSpc>
-              <a:spcBef>
-                <a:spcPts val="0"/>
-              </a:spcBef>
-              <a:spcAft>
-                <a:spcPts val="0"/>
-              </a:spcAft>
-              <a:buClrTx/>
-              <a:buSzTx/>
-              <a:buFontTx/>
-              <a:buNone/>
-              <a:tabLst/>
-            </a:pPr>
-            <a:r>
-              <a:rPr kumimoji="0" lang="en-GB" sz="1100" b="0" i="0" u="none" strike="noStrike" cap="none" spc="0" normalizeH="0" baseline="0" dirty="0" err="1">
-                <a:ln>
-                  <a:noFill/>
-                </a:ln>
-                <a:solidFill>
-                  <a:srgbClr val="000000"/>
-                </a:solidFill>
-                <a:effectLst/>
-                <a:uFillTx/>
-                <a:latin typeface="Calibri" panose="020F0502020204030204" pitchFamily="34" charset="0"/>
-                <a:ea typeface="Helvetica Neue"/>
-                <a:cs typeface="Calibri" panose="020F0502020204030204" pitchFamily="34" charset="0"/>
-                <a:sym typeface="Helvetica Neue"/>
-              </a:rPr>
+            <a:endParaRPr lang="en-GB" dirty="0"/>
+          </a:p>
+        </p:txBody>
+      </p:sp>
+      <p:sp>
+        <p:nvSpPr>
+          <p:cNvPr id="4" name="Text Placeholder 3">
+            <a:extLst>
+              <a:ext uri="{FF2B5EF4-FFF2-40B4-BE49-F238E27FC236}">
+                <a16:creationId xmlns:a16="http://schemas.microsoft.com/office/drawing/2014/main" id="{38EA4449-BDC5-51C8-F28E-0608CC619908}"/>
+              </a:ext>
+            </a:extLst>
+          </p:cNvPr>
+          <p:cNvSpPr>
+            <a:spLocks noGrp="1"/>
+          </p:cNvSpPr>
+          <p:nvPr>
+            <p:ph type="body" sz="quarter" idx="11"/>
+          </p:nvPr>
+        </p:nvSpPr>
+        <p:spPr/>
+        <p:txBody>
+          <a:bodyPr/>
+          <a:lstStyle/>
+          <a:p>
+            <a:r>
+              <a:rPr lang="en-GB" dirty="0" err="1"/>
               <a:t>Desire_text</a:t>
             </a:r>
-            <a:endParaRPr kumimoji="0" lang="en-GB" sz="1100" b="0" i="0" u="none" strike="noStrike" cap="none" spc="0" normalizeH="0" baseline="0" dirty="0">
-              <a:ln>
-                <a:noFill/>
-              </a:ln>
-              <a:solidFill>
-                <a:srgbClr val="000000"/>
-              </a:solidFill>
-              <a:effectLst/>
-              <a:uFillTx/>
-              <a:latin typeface="Calibri" panose="020F0502020204030204" pitchFamily="34" charset="0"/>
-              <a:ea typeface="Helvetica Neue"/>
-              <a:cs typeface="Calibri" panose="020F0502020204030204" pitchFamily="34" charset="0"/>
-              <a:sym typeface="Helvetica Neue"/>
-            </a:endParaRPr>
-          </a:p>
-        </p:txBody>
-      </p:sp>
-      <p:sp>
-        <p:nvSpPr>
-          <p:cNvPr id="35" name="TextBox 34">
-            <a:extLst>
-              <a:ext uri="{FF2B5EF4-FFF2-40B4-BE49-F238E27FC236}">
-                <a16:creationId xmlns:a16="http://schemas.microsoft.com/office/drawing/2014/main" id="{69BC562B-1360-C0D6-409D-8E1971A35900}"/>
-              </a:ext>
-            </a:extLst>
-          </p:cNvPr>
-          <p:cNvSpPr txBox="1"/>
-          <p:nvPr/>
-        </p:nvSpPr>
-        <p:spPr>
-          <a:xfrm>
-            <a:off x="5087392" y="1417318"/>
-            <a:ext cx="2017216" cy="271869"/>
-          </a:xfrm>
-          <a:prstGeom prst="rect">
-            <a:avLst/>
-          </a:prstGeom>
-          <a:noFill/>
-          <a:ln w="12700" cap="flat">
-            <a:noFill/>
-            <a:miter lim="400000"/>
-          </a:ln>
-          <a:effectLst/>
-          <a:sp3d/>
-        </p:spPr>
-        <p:style>
-          <a:lnRef idx="0">
-            <a:scrgbClr r="0" g="0" b="0"/>
-          </a:lnRef>
-          <a:fillRef idx="0">
-            <a:scrgbClr r="0" g="0" b="0"/>
-          </a:fillRef>
-          <a:effectRef idx="0">
-            <a:scrgbClr r="0" g="0" b="0"/>
-          </a:effectRef>
-          <a:fontRef idx="none"/>
-        </p:style>
-        <p:txBody>
-          <a:bodyPr rot="0" spcFirstLastPara="1" vertOverflow="overflow" horzOverflow="overflow" vert="horz" wrap="square" lIns="50800" tIns="50800" rIns="50800" bIns="50800" numCol="1" spcCol="38100" rtlCol="0" anchor="t" anchorCtr="0">
-            <a:spAutoFit/>
-          </a:bodyPr>
-          <a:lstStyle/>
-          <a:p>
-            <a:pPr marL="0" marR="0" indent="0" algn="l" defTabSz="825500" rtl="0" fontAlgn="auto" latinLnBrk="0" hangingPunct="0">
-              <a:lnSpc>
-                <a:spcPct val="100000"/>
-              </a:lnSpc>
-              <a:spcBef>
-                <a:spcPts val="0"/>
-              </a:spcBef>
-              <a:spcAft>
-                <a:spcPts val="0"/>
-              </a:spcAft>
-              <a:buClrTx/>
-              <a:buSzTx/>
-              <a:buFontTx/>
-              <a:buNone/>
-              <a:tabLst/>
-            </a:pPr>
-            <a:r>
-              <a:rPr kumimoji="0" lang="en-GB" sz="1100" b="0" i="0" u="none" strike="noStrike" cap="none" spc="0" normalizeH="0" baseline="0" dirty="0" err="1">
-                <a:ln>
-                  <a:noFill/>
-                </a:ln>
-                <a:solidFill>
-                  <a:srgbClr val="000000"/>
-                </a:solidFill>
-                <a:effectLst/>
-                <a:uFillTx/>
-                <a:latin typeface="Calibri" panose="020F0502020204030204" pitchFamily="34" charset="0"/>
-                <a:ea typeface="Helvetica Neue"/>
-                <a:cs typeface="Calibri" panose="020F0502020204030204" pitchFamily="34" charset="0"/>
-                <a:sym typeface="Helvetica Neue"/>
-              </a:rPr>
+            <a:endParaRPr lang="en-GB" dirty="0"/>
+          </a:p>
+        </p:txBody>
+      </p:sp>
+      <p:sp>
+        <p:nvSpPr>
+          <p:cNvPr id="5" name="Text Placeholder 4">
+            <a:extLst>
+              <a:ext uri="{FF2B5EF4-FFF2-40B4-BE49-F238E27FC236}">
+                <a16:creationId xmlns:a16="http://schemas.microsoft.com/office/drawing/2014/main" id="{6125FE33-12BF-AFA0-A0F0-7221F41F29C7}"/>
+              </a:ext>
+            </a:extLst>
+          </p:cNvPr>
+          <p:cNvSpPr>
+            <a:spLocks noGrp="1"/>
+          </p:cNvSpPr>
+          <p:nvPr>
+            <p:ph type="body" sz="quarter" idx="12"/>
+          </p:nvPr>
+        </p:nvSpPr>
+        <p:spPr/>
+        <p:txBody>
+          <a:bodyPr/>
+          <a:lstStyle/>
+          <a:p>
+            <a:r>
+              <a:rPr lang="en-GB" dirty="0" err="1"/>
               <a:t>Knowledge_text</a:t>
             </a:r>
-            <a:endParaRPr kumimoji="0" lang="en-GB" sz="1100" b="0" i="0" u="none" strike="noStrike" cap="none" spc="0" normalizeH="0" baseline="0" dirty="0">
-              <a:ln>
-                <a:noFill/>
-              </a:ln>
-              <a:solidFill>
-                <a:srgbClr val="000000"/>
-              </a:solidFill>
-              <a:effectLst/>
-              <a:uFillTx/>
-              <a:latin typeface="Calibri" panose="020F0502020204030204" pitchFamily="34" charset="0"/>
-              <a:ea typeface="Helvetica Neue"/>
-              <a:cs typeface="Calibri" panose="020F0502020204030204" pitchFamily="34" charset="0"/>
-              <a:sym typeface="Helvetica Neue"/>
-            </a:endParaRPr>
-          </a:p>
-        </p:txBody>
-      </p:sp>
-      <p:sp>
-        <p:nvSpPr>
-          <p:cNvPr id="36" name="TextBox 35">
-            <a:extLst>
-              <a:ext uri="{FF2B5EF4-FFF2-40B4-BE49-F238E27FC236}">
-                <a16:creationId xmlns:a16="http://schemas.microsoft.com/office/drawing/2014/main" id="{820F48C9-6F11-E3F5-FA2B-1D35563AF93B}"/>
-              </a:ext>
-            </a:extLst>
-          </p:cNvPr>
-          <p:cNvSpPr txBox="1"/>
-          <p:nvPr/>
-        </p:nvSpPr>
-        <p:spPr>
-          <a:xfrm>
-            <a:off x="7417727" y="1417318"/>
-            <a:ext cx="2017216" cy="271869"/>
-          </a:xfrm>
-          <a:prstGeom prst="rect">
-            <a:avLst/>
-          </a:prstGeom>
-          <a:noFill/>
-          <a:ln w="12700" cap="flat">
-            <a:noFill/>
-            <a:miter lim="400000"/>
-          </a:ln>
-          <a:effectLst/>
-          <a:sp3d/>
-        </p:spPr>
-        <p:style>
-          <a:lnRef idx="0">
-            <a:scrgbClr r="0" g="0" b="0"/>
-          </a:lnRef>
-          <a:fillRef idx="0">
-            <a:scrgbClr r="0" g="0" b="0"/>
-          </a:fillRef>
-          <a:effectRef idx="0">
-            <a:scrgbClr r="0" g="0" b="0"/>
-          </a:effectRef>
-          <a:fontRef idx="none"/>
-        </p:style>
-        <p:txBody>
-          <a:bodyPr rot="0" spcFirstLastPara="1" vertOverflow="overflow" horzOverflow="overflow" vert="horz" wrap="square" lIns="50800" tIns="50800" rIns="50800" bIns="50800" numCol="1" spcCol="38100" rtlCol="0" anchor="t" anchorCtr="0">
-            <a:spAutoFit/>
-          </a:bodyPr>
-          <a:lstStyle/>
-          <a:p>
-            <a:pPr marL="0" marR="0" indent="0" algn="l" defTabSz="825500" rtl="0" fontAlgn="auto" latinLnBrk="0" hangingPunct="0">
-              <a:lnSpc>
-                <a:spcPct val="100000"/>
-              </a:lnSpc>
-              <a:spcBef>
-                <a:spcPts val="0"/>
-              </a:spcBef>
-              <a:spcAft>
-                <a:spcPts val="0"/>
-              </a:spcAft>
-              <a:buClrTx/>
-              <a:buSzTx/>
-              <a:buFontTx/>
-              <a:buNone/>
-              <a:tabLst/>
-            </a:pPr>
-            <a:r>
-              <a:rPr kumimoji="0" lang="en-GB" sz="1100" b="0" i="0" u="none" strike="noStrike" cap="none" spc="0" normalizeH="0" baseline="0" dirty="0" err="1">
-                <a:ln>
-                  <a:noFill/>
-                </a:ln>
-                <a:solidFill>
-                  <a:srgbClr val="000000"/>
-                </a:solidFill>
-                <a:effectLst/>
-                <a:uFillTx/>
-                <a:latin typeface="Calibri" panose="020F0502020204030204" pitchFamily="34" charset="0"/>
-                <a:ea typeface="Helvetica Neue"/>
-                <a:cs typeface="Calibri" panose="020F0502020204030204" pitchFamily="34" charset="0"/>
-                <a:sym typeface="Helvetica Neue"/>
-              </a:rPr>
+            <a:endParaRPr lang="en-GB" dirty="0"/>
+          </a:p>
+        </p:txBody>
+      </p:sp>
+      <p:sp>
+        <p:nvSpPr>
+          <p:cNvPr id="6" name="Text Placeholder 5">
+            <a:extLst>
+              <a:ext uri="{FF2B5EF4-FFF2-40B4-BE49-F238E27FC236}">
+                <a16:creationId xmlns:a16="http://schemas.microsoft.com/office/drawing/2014/main" id="{2B4F9A97-AEBE-8B8A-B064-9AAB78E18C5E}"/>
+              </a:ext>
+            </a:extLst>
+          </p:cNvPr>
+          <p:cNvSpPr>
+            <a:spLocks noGrp="1"/>
+          </p:cNvSpPr>
+          <p:nvPr>
+            <p:ph type="body" sz="quarter" idx="13"/>
+          </p:nvPr>
+        </p:nvSpPr>
+        <p:spPr/>
+        <p:txBody>
+          <a:bodyPr/>
+          <a:lstStyle/>
+          <a:p>
+            <a:r>
+              <a:rPr lang="en-GB" dirty="0" err="1"/>
               <a:t>Ability_text</a:t>
             </a:r>
-            <a:endParaRPr kumimoji="0" lang="en-GB" sz="1100" b="0" i="0" u="none" strike="noStrike" cap="none" spc="0" normalizeH="0" baseline="0" dirty="0">
-              <a:ln>
-                <a:noFill/>
-              </a:ln>
-              <a:solidFill>
-                <a:srgbClr val="000000"/>
-              </a:solidFill>
-              <a:effectLst/>
-              <a:uFillTx/>
-              <a:latin typeface="Calibri" panose="020F0502020204030204" pitchFamily="34" charset="0"/>
-              <a:ea typeface="Helvetica Neue"/>
-              <a:cs typeface="Calibri" panose="020F0502020204030204" pitchFamily="34" charset="0"/>
-              <a:sym typeface="Helvetica Neue"/>
-            </a:endParaRPr>
-          </a:p>
-        </p:txBody>
-      </p:sp>
-      <p:sp>
-        <p:nvSpPr>
-          <p:cNvPr id="37" name="TextBox 36">
-            <a:extLst>
-              <a:ext uri="{FF2B5EF4-FFF2-40B4-BE49-F238E27FC236}">
-                <a16:creationId xmlns:a16="http://schemas.microsoft.com/office/drawing/2014/main" id="{B437BC01-FA16-5F59-BEB0-2781CCB9097D}"/>
-              </a:ext>
-            </a:extLst>
-          </p:cNvPr>
-          <p:cNvSpPr txBox="1"/>
-          <p:nvPr/>
-        </p:nvSpPr>
-        <p:spPr>
-          <a:xfrm>
-            <a:off x="9748062" y="1417318"/>
-            <a:ext cx="2017216" cy="271869"/>
-          </a:xfrm>
-          <a:prstGeom prst="rect">
-            <a:avLst/>
-          </a:prstGeom>
-          <a:noFill/>
-          <a:ln w="12700" cap="flat">
-            <a:noFill/>
-            <a:miter lim="400000"/>
-          </a:ln>
-          <a:effectLst/>
-          <a:sp3d/>
-        </p:spPr>
-        <p:style>
-          <a:lnRef idx="0">
-            <a:scrgbClr r="0" g="0" b="0"/>
-          </a:lnRef>
-          <a:fillRef idx="0">
-            <a:scrgbClr r="0" g="0" b="0"/>
-          </a:fillRef>
-          <a:effectRef idx="0">
-            <a:scrgbClr r="0" g="0" b="0"/>
-          </a:effectRef>
-          <a:fontRef idx="none"/>
-        </p:style>
-        <p:txBody>
-          <a:bodyPr rot="0" spcFirstLastPara="1" vertOverflow="overflow" horzOverflow="overflow" vert="horz" wrap="square" lIns="50800" tIns="50800" rIns="50800" bIns="50800" numCol="1" spcCol="38100" rtlCol="0" anchor="t" anchorCtr="0">
-            <a:spAutoFit/>
-          </a:bodyPr>
-          <a:lstStyle/>
-          <a:p>
-            <a:pPr marL="0" marR="0" indent="0" algn="l" defTabSz="825500" rtl="0" fontAlgn="auto" latinLnBrk="0" hangingPunct="0">
-              <a:lnSpc>
-                <a:spcPct val="100000"/>
-              </a:lnSpc>
-              <a:spcBef>
-                <a:spcPts val="0"/>
-              </a:spcBef>
-              <a:spcAft>
-                <a:spcPts val="0"/>
-              </a:spcAft>
-              <a:buClrTx/>
-              <a:buSzTx/>
-              <a:buFontTx/>
-              <a:buNone/>
-              <a:tabLst/>
-            </a:pPr>
-            <a:r>
-              <a:rPr kumimoji="0" lang="en-GB" sz="1100" b="0" i="0" u="none" strike="noStrike" cap="none" spc="0" normalizeH="0" baseline="0" dirty="0" err="1">
-                <a:ln>
-                  <a:noFill/>
-                </a:ln>
-                <a:solidFill>
-                  <a:srgbClr val="000000"/>
-                </a:solidFill>
-                <a:effectLst/>
-                <a:uFillTx/>
-                <a:latin typeface="Calibri" panose="020F0502020204030204" pitchFamily="34" charset="0"/>
-                <a:ea typeface="Helvetica Neue"/>
-                <a:cs typeface="Calibri" panose="020F0502020204030204" pitchFamily="34" charset="0"/>
-                <a:sym typeface="Helvetica Neue"/>
-              </a:rPr>
+            <a:endParaRPr lang="en-GB" dirty="0"/>
+          </a:p>
+        </p:txBody>
+      </p:sp>
+      <p:sp>
+        <p:nvSpPr>
+          <p:cNvPr id="7" name="Text Placeholder 6">
+            <a:extLst>
+              <a:ext uri="{FF2B5EF4-FFF2-40B4-BE49-F238E27FC236}">
+                <a16:creationId xmlns:a16="http://schemas.microsoft.com/office/drawing/2014/main" id="{6971EC80-6E04-11C8-FDF6-FF766D205FA9}"/>
+              </a:ext>
+            </a:extLst>
+          </p:cNvPr>
+          <p:cNvSpPr>
+            <a:spLocks noGrp="1"/>
+          </p:cNvSpPr>
+          <p:nvPr>
+            <p:ph type="body" sz="quarter" idx="14"/>
+          </p:nvPr>
+        </p:nvSpPr>
+        <p:spPr/>
+        <p:txBody>
+          <a:bodyPr/>
+          <a:lstStyle/>
+          <a:p>
+            <a:r>
+              <a:rPr lang="en-GB" dirty="0" err="1"/>
               <a:t>Reinforcement_text</a:t>
             </a:r>
-            <a:endParaRPr kumimoji="0" lang="en-GB" sz="1100" b="0" i="0" u="none" strike="noStrike" cap="none" spc="0" normalizeH="0" baseline="0" dirty="0">
-              <a:ln>
-                <a:noFill/>
-              </a:ln>
-              <a:solidFill>
-                <a:srgbClr val="000000"/>
-              </a:solidFill>
-              <a:effectLst/>
-              <a:uFillTx/>
-              <a:latin typeface="Calibri" panose="020F0502020204030204" pitchFamily="34" charset="0"/>
-              <a:ea typeface="Helvetica Neue"/>
-              <a:cs typeface="Calibri" panose="020F0502020204030204" pitchFamily="34" charset="0"/>
-              <a:sym typeface="Helvetica Neue"/>
-            </a:endParaRPr>
+            <a:endParaRPr lang="en-GB" dirty="0"/>
           </a:p>
         </p:txBody>
       </p:sp>
     </p:spTree>
     <p:extLst>
       <p:ext uri="{BB962C8B-B14F-4D97-AF65-F5344CB8AC3E}">
-        <p14:creationId xmlns:p14="http://schemas.microsoft.com/office/powerpoint/2010/main" val="3594114673"/>
+        <p14:creationId xmlns:p14="http://schemas.microsoft.com/office/powerpoint/2010/main" val="2735340174"/>
       </p:ext>
     </p:extLst>
   </p:cSld>
@@ -9810,7 +7210,7 @@
         <p:cNvPr id="1" name="">
           <a:extLst>
             <a:ext uri="{FF2B5EF4-FFF2-40B4-BE49-F238E27FC236}">
-              <a16:creationId xmlns:a16="http://schemas.microsoft.com/office/drawing/2014/main" id="{4DF2DD3F-1486-60C6-6397-EC9076618297}"/>
+              <a16:creationId xmlns:a16="http://schemas.microsoft.com/office/drawing/2014/main" id="{4F17B226-CC6C-6F2D-B492-55666CCB4EDB}"/>
             </a:ext>
           </a:extLst>
         </p:cNvPr>
@@ -9830,7 +7230,7 @@
           <p:cNvPr id="3" name="Title 1">
             <a:extLst>
               <a:ext uri="{FF2B5EF4-FFF2-40B4-BE49-F238E27FC236}">
-                <a16:creationId xmlns:a16="http://schemas.microsoft.com/office/drawing/2014/main" id="{2A11F3AB-618A-B136-425A-79F0266544DA}"/>
+                <a16:creationId xmlns:a16="http://schemas.microsoft.com/office/drawing/2014/main" id="{5900C89C-0044-B02F-AD83-5FA3FAD4CD88}"/>
               </a:ext>
             </a:extLst>
           </p:cNvPr>
@@ -9926,488 +7326,153 @@
       </p:sp>
       <p:sp>
         <p:nvSpPr>
-          <p:cNvPr id="33" name="TextBox 32">
-            <a:extLst>
-              <a:ext uri="{FF2B5EF4-FFF2-40B4-BE49-F238E27FC236}">
-                <a16:creationId xmlns:a16="http://schemas.microsoft.com/office/drawing/2014/main" id="{B91387E2-EE3A-A9E8-F779-F2657757510C}"/>
-              </a:ext>
-            </a:extLst>
-          </p:cNvPr>
-          <p:cNvSpPr txBox="1"/>
-          <p:nvPr/>
-        </p:nvSpPr>
-        <p:spPr>
-          <a:xfrm>
-            <a:off x="426722" y="1417318"/>
-            <a:ext cx="2017216" cy="271869"/>
-          </a:xfrm>
-          <a:prstGeom prst="rect">
-            <a:avLst/>
-          </a:prstGeom>
-          <a:noFill/>
-          <a:ln w="12700" cap="flat">
-            <a:noFill/>
-            <a:miter lim="400000"/>
-          </a:ln>
-          <a:effectLst/>
-          <a:sp3d/>
-        </p:spPr>
-        <p:style>
-          <a:lnRef idx="0">
-            <a:scrgbClr r="0" g="0" b="0"/>
-          </a:lnRef>
-          <a:fillRef idx="0">
-            <a:scrgbClr r="0" g="0" b="0"/>
-          </a:fillRef>
-          <a:effectRef idx="0">
-            <a:scrgbClr r="0" g="0" b="0"/>
-          </a:effectRef>
-          <a:fontRef idx="none"/>
-        </p:style>
-        <p:txBody>
-          <a:bodyPr rot="0" spcFirstLastPara="1" vertOverflow="overflow" horzOverflow="overflow" vert="horz" wrap="square" lIns="50800" tIns="50800" rIns="50800" bIns="50800" numCol="1" spcCol="38100" rtlCol="0" anchor="t" anchorCtr="0">
-            <a:spAutoFit/>
-          </a:bodyPr>
-          <a:lstStyle/>
-          <a:p>
-            <a:pPr marL="0" marR="0" indent="0" algn="l" defTabSz="825500" rtl="0" fontAlgn="auto" latinLnBrk="0" hangingPunct="0">
-              <a:lnSpc>
-                <a:spcPct val="100000"/>
-              </a:lnSpc>
-              <a:spcBef>
-                <a:spcPts val="0"/>
-              </a:spcBef>
-              <a:spcAft>
-                <a:spcPts val="0"/>
-              </a:spcAft>
-              <a:buClrTx/>
-              <a:buSzTx/>
-              <a:buFontTx/>
-              <a:buNone/>
-              <a:tabLst/>
-            </a:pPr>
-            <a:r>
-              <a:rPr kumimoji="0" lang="en-GB" sz="1100" b="0" i="0" u="none" strike="noStrike" cap="none" spc="0" normalizeH="0" baseline="0" dirty="0" err="1">
-                <a:ln>
-                  <a:noFill/>
-                </a:ln>
-                <a:solidFill>
-                  <a:srgbClr val="000000"/>
-                </a:solidFill>
-                <a:effectLst/>
-                <a:uFillTx/>
-                <a:latin typeface="Calibri" panose="020F0502020204030204" pitchFamily="34" charset="0"/>
-                <a:ea typeface="Helvetica Neue"/>
-                <a:cs typeface="Calibri" panose="020F0502020204030204" pitchFamily="34" charset="0"/>
-                <a:sym typeface="Helvetica Neue"/>
-              </a:rPr>
+          <p:cNvPr id="2" name="Text Placeholder 1">
+            <a:extLst>
+              <a:ext uri="{FF2B5EF4-FFF2-40B4-BE49-F238E27FC236}">
+                <a16:creationId xmlns:a16="http://schemas.microsoft.com/office/drawing/2014/main" id="{DA0FF131-58F9-407C-3C49-D0614CFB1528}"/>
+              </a:ext>
+            </a:extLst>
+          </p:cNvPr>
+          <p:cNvSpPr>
+            <a:spLocks noGrp="1"/>
+          </p:cNvSpPr>
+          <p:nvPr>
+            <p:ph type="body" sz="quarter" idx="10"/>
+          </p:nvPr>
+        </p:nvSpPr>
+        <p:spPr/>
+        <p:txBody>
+          <a:bodyPr/>
+          <a:lstStyle/>
+          <a:p>
+            <a:r>
+              <a:rPr lang="en-GB" dirty="0" err="1"/>
               <a:t>Awareness_text</a:t>
             </a:r>
-            <a:endParaRPr kumimoji="0" lang="en-GB" sz="1100" b="0" i="0" u="none" strike="noStrike" cap="none" spc="0" normalizeH="0" baseline="0" dirty="0">
-              <a:ln>
-                <a:noFill/>
-              </a:ln>
-              <a:solidFill>
-                <a:srgbClr val="000000"/>
-              </a:solidFill>
-              <a:effectLst/>
-              <a:uFillTx/>
-              <a:latin typeface="Calibri" panose="020F0502020204030204" pitchFamily="34" charset="0"/>
-              <a:ea typeface="Helvetica Neue"/>
-              <a:cs typeface="Calibri" panose="020F0502020204030204" pitchFamily="34" charset="0"/>
-              <a:sym typeface="Helvetica Neue"/>
-            </a:endParaRPr>
-          </a:p>
-        </p:txBody>
-      </p:sp>
-      <p:sp>
-        <p:nvSpPr>
-          <p:cNvPr id="34" name="TextBox 33">
-            <a:extLst>
-              <a:ext uri="{FF2B5EF4-FFF2-40B4-BE49-F238E27FC236}">
-                <a16:creationId xmlns:a16="http://schemas.microsoft.com/office/drawing/2014/main" id="{EC6033AF-649C-7B4A-B729-9FA931B1AD32}"/>
-              </a:ext>
-            </a:extLst>
-          </p:cNvPr>
-          <p:cNvSpPr txBox="1"/>
-          <p:nvPr/>
-        </p:nvSpPr>
-        <p:spPr>
-          <a:xfrm>
-            <a:off x="2757057" y="1417318"/>
-            <a:ext cx="2017216" cy="271869"/>
-          </a:xfrm>
-          <a:prstGeom prst="rect">
-            <a:avLst/>
-          </a:prstGeom>
-          <a:noFill/>
-          <a:ln w="12700" cap="flat">
-            <a:noFill/>
-            <a:miter lim="400000"/>
-          </a:ln>
-          <a:effectLst/>
-          <a:sp3d/>
-        </p:spPr>
-        <p:style>
-          <a:lnRef idx="0">
-            <a:scrgbClr r="0" g="0" b="0"/>
-          </a:lnRef>
-          <a:fillRef idx="0">
-            <a:scrgbClr r="0" g="0" b="0"/>
-          </a:fillRef>
-          <a:effectRef idx="0">
-            <a:scrgbClr r="0" g="0" b="0"/>
-          </a:effectRef>
-          <a:fontRef idx="none"/>
-        </p:style>
-        <p:txBody>
-          <a:bodyPr rot="0" spcFirstLastPara="1" vertOverflow="overflow" horzOverflow="overflow" vert="horz" wrap="square" lIns="50800" tIns="50800" rIns="50800" bIns="50800" numCol="1" spcCol="38100" rtlCol="0" anchor="t" anchorCtr="0">
-            <a:spAutoFit/>
-          </a:bodyPr>
-          <a:lstStyle/>
-          <a:p>
-            <a:pPr marL="0" marR="0" indent="0" algn="l" defTabSz="825500" rtl="0" fontAlgn="auto" latinLnBrk="0" hangingPunct="0">
-              <a:lnSpc>
-                <a:spcPct val="100000"/>
-              </a:lnSpc>
-              <a:spcBef>
-                <a:spcPts val="0"/>
-              </a:spcBef>
-              <a:spcAft>
-                <a:spcPts val="0"/>
-              </a:spcAft>
-              <a:buClrTx/>
-              <a:buSzTx/>
-              <a:buFontTx/>
-              <a:buNone/>
-              <a:tabLst/>
-            </a:pPr>
-            <a:r>
-              <a:rPr kumimoji="0" lang="en-GB" sz="1100" b="0" i="0" u="none" strike="noStrike" cap="none" spc="0" normalizeH="0" baseline="0" dirty="0" err="1">
-                <a:ln>
-                  <a:noFill/>
-                </a:ln>
-                <a:solidFill>
-                  <a:srgbClr val="000000"/>
-                </a:solidFill>
-                <a:effectLst/>
-                <a:uFillTx/>
-                <a:latin typeface="Calibri" panose="020F0502020204030204" pitchFamily="34" charset="0"/>
-                <a:ea typeface="Helvetica Neue"/>
-                <a:cs typeface="Calibri" panose="020F0502020204030204" pitchFamily="34" charset="0"/>
-                <a:sym typeface="Helvetica Neue"/>
-              </a:rPr>
+            <a:endParaRPr lang="en-GB" dirty="0"/>
+          </a:p>
+        </p:txBody>
+      </p:sp>
+      <p:sp>
+        <p:nvSpPr>
+          <p:cNvPr id="4" name="Text Placeholder 3">
+            <a:extLst>
+              <a:ext uri="{FF2B5EF4-FFF2-40B4-BE49-F238E27FC236}">
+                <a16:creationId xmlns:a16="http://schemas.microsoft.com/office/drawing/2014/main" id="{56B632E0-77A2-19F0-6B23-C9E35FBEB420}"/>
+              </a:ext>
+            </a:extLst>
+          </p:cNvPr>
+          <p:cNvSpPr>
+            <a:spLocks noGrp="1"/>
+          </p:cNvSpPr>
+          <p:nvPr>
+            <p:ph type="body" sz="quarter" idx="11"/>
+          </p:nvPr>
+        </p:nvSpPr>
+        <p:spPr/>
+        <p:txBody>
+          <a:bodyPr/>
+          <a:lstStyle/>
+          <a:p>
+            <a:r>
+              <a:rPr lang="en-GB" dirty="0" err="1"/>
               <a:t>Desire_text</a:t>
             </a:r>
-            <a:endParaRPr kumimoji="0" lang="en-GB" sz="1100" b="0" i="0" u="none" strike="noStrike" cap="none" spc="0" normalizeH="0" baseline="0" dirty="0">
-              <a:ln>
-                <a:noFill/>
-              </a:ln>
-              <a:solidFill>
-                <a:srgbClr val="000000"/>
-              </a:solidFill>
-              <a:effectLst/>
-              <a:uFillTx/>
-              <a:latin typeface="Calibri" panose="020F0502020204030204" pitchFamily="34" charset="0"/>
-              <a:ea typeface="Helvetica Neue"/>
-              <a:cs typeface="Calibri" panose="020F0502020204030204" pitchFamily="34" charset="0"/>
-              <a:sym typeface="Helvetica Neue"/>
-            </a:endParaRPr>
-          </a:p>
-        </p:txBody>
-      </p:sp>
-      <p:sp>
-        <p:nvSpPr>
-          <p:cNvPr id="35" name="TextBox 34">
-            <a:extLst>
-              <a:ext uri="{FF2B5EF4-FFF2-40B4-BE49-F238E27FC236}">
-                <a16:creationId xmlns:a16="http://schemas.microsoft.com/office/drawing/2014/main" id="{8BB167EC-210D-8A15-6052-151C6621E74A}"/>
-              </a:ext>
-            </a:extLst>
-          </p:cNvPr>
-          <p:cNvSpPr txBox="1"/>
-          <p:nvPr/>
-        </p:nvSpPr>
-        <p:spPr>
-          <a:xfrm>
-            <a:off x="5087392" y="1417318"/>
-            <a:ext cx="2017216" cy="271869"/>
-          </a:xfrm>
-          <a:prstGeom prst="rect">
-            <a:avLst/>
-          </a:prstGeom>
-          <a:noFill/>
-          <a:ln w="12700" cap="flat">
-            <a:noFill/>
-            <a:miter lim="400000"/>
-          </a:ln>
-          <a:effectLst/>
-          <a:sp3d/>
-        </p:spPr>
-        <p:style>
-          <a:lnRef idx="0">
-            <a:scrgbClr r="0" g="0" b="0"/>
-          </a:lnRef>
-          <a:fillRef idx="0">
-            <a:scrgbClr r="0" g="0" b="0"/>
-          </a:fillRef>
-          <a:effectRef idx="0">
-            <a:scrgbClr r="0" g="0" b="0"/>
-          </a:effectRef>
-          <a:fontRef idx="none"/>
-        </p:style>
-        <p:txBody>
-          <a:bodyPr rot="0" spcFirstLastPara="1" vertOverflow="overflow" horzOverflow="overflow" vert="horz" wrap="square" lIns="50800" tIns="50800" rIns="50800" bIns="50800" numCol="1" spcCol="38100" rtlCol="0" anchor="t" anchorCtr="0">
-            <a:spAutoFit/>
-          </a:bodyPr>
-          <a:lstStyle/>
-          <a:p>
-            <a:pPr marL="0" marR="0" indent="0" algn="l" defTabSz="825500" rtl="0" fontAlgn="auto" latinLnBrk="0" hangingPunct="0">
-              <a:lnSpc>
-                <a:spcPct val="100000"/>
-              </a:lnSpc>
-              <a:spcBef>
-                <a:spcPts val="0"/>
-              </a:spcBef>
-              <a:spcAft>
-                <a:spcPts val="0"/>
-              </a:spcAft>
-              <a:buClrTx/>
-              <a:buSzTx/>
-              <a:buFontTx/>
-              <a:buNone/>
-              <a:tabLst/>
-            </a:pPr>
-            <a:r>
-              <a:rPr kumimoji="0" lang="en-GB" sz="1100" b="0" i="0" u="none" strike="noStrike" cap="none" spc="0" normalizeH="0" baseline="0" dirty="0" err="1">
-                <a:ln>
-                  <a:noFill/>
-                </a:ln>
-                <a:solidFill>
-                  <a:srgbClr val="000000"/>
-                </a:solidFill>
-                <a:effectLst/>
-                <a:uFillTx/>
-                <a:latin typeface="Calibri" panose="020F0502020204030204" pitchFamily="34" charset="0"/>
-                <a:ea typeface="Helvetica Neue"/>
-                <a:cs typeface="Calibri" panose="020F0502020204030204" pitchFamily="34" charset="0"/>
-                <a:sym typeface="Helvetica Neue"/>
-              </a:rPr>
+            <a:endParaRPr lang="en-GB" dirty="0"/>
+          </a:p>
+        </p:txBody>
+      </p:sp>
+      <p:sp>
+        <p:nvSpPr>
+          <p:cNvPr id="5" name="Text Placeholder 4">
+            <a:extLst>
+              <a:ext uri="{FF2B5EF4-FFF2-40B4-BE49-F238E27FC236}">
+                <a16:creationId xmlns:a16="http://schemas.microsoft.com/office/drawing/2014/main" id="{096B9180-BE21-44E7-5D77-E6594B529361}"/>
+              </a:ext>
+            </a:extLst>
+          </p:cNvPr>
+          <p:cNvSpPr>
+            <a:spLocks noGrp="1"/>
+          </p:cNvSpPr>
+          <p:nvPr>
+            <p:ph type="body" sz="quarter" idx="12"/>
+          </p:nvPr>
+        </p:nvSpPr>
+        <p:spPr/>
+        <p:txBody>
+          <a:bodyPr/>
+          <a:lstStyle/>
+          <a:p>
+            <a:r>
+              <a:rPr lang="en-GB" dirty="0" err="1"/>
               <a:t>Knowledge_text</a:t>
             </a:r>
-            <a:endParaRPr kumimoji="0" lang="en-GB" sz="1100" b="0" i="0" u="none" strike="noStrike" cap="none" spc="0" normalizeH="0" baseline="0" dirty="0">
-              <a:ln>
-                <a:noFill/>
-              </a:ln>
-              <a:solidFill>
-                <a:srgbClr val="000000"/>
-              </a:solidFill>
-              <a:effectLst/>
-              <a:uFillTx/>
-              <a:latin typeface="Calibri" panose="020F0502020204030204" pitchFamily="34" charset="0"/>
-              <a:ea typeface="Helvetica Neue"/>
-              <a:cs typeface="Calibri" panose="020F0502020204030204" pitchFamily="34" charset="0"/>
-              <a:sym typeface="Helvetica Neue"/>
-            </a:endParaRPr>
-          </a:p>
-        </p:txBody>
-      </p:sp>
-      <p:sp>
-        <p:nvSpPr>
-          <p:cNvPr id="36" name="TextBox 35">
-            <a:extLst>
-              <a:ext uri="{FF2B5EF4-FFF2-40B4-BE49-F238E27FC236}">
-                <a16:creationId xmlns:a16="http://schemas.microsoft.com/office/drawing/2014/main" id="{A66849B8-ADE9-D392-A6F2-B3FBF9FC3D3D}"/>
-              </a:ext>
-            </a:extLst>
-          </p:cNvPr>
-          <p:cNvSpPr txBox="1"/>
-          <p:nvPr/>
-        </p:nvSpPr>
-        <p:spPr>
-          <a:xfrm>
-            <a:off x="7417727" y="1417318"/>
-            <a:ext cx="2017216" cy="271869"/>
-          </a:xfrm>
-          <a:prstGeom prst="rect">
-            <a:avLst/>
-          </a:prstGeom>
-          <a:noFill/>
-          <a:ln w="12700" cap="flat">
-            <a:noFill/>
-            <a:miter lim="400000"/>
-          </a:ln>
-          <a:effectLst/>
-          <a:sp3d/>
-        </p:spPr>
-        <p:style>
-          <a:lnRef idx="0">
-            <a:scrgbClr r="0" g="0" b="0"/>
-          </a:lnRef>
-          <a:fillRef idx="0">
-            <a:scrgbClr r="0" g="0" b="0"/>
-          </a:fillRef>
-          <a:effectRef idx="0">
-            <a:scrgbClr r="0" g="0" b="0"/>
-          </a:effectRef>
-          <a:fontRef idx="none"/>
-        </p:style>
-        <p:txBody>
-          <a:bodyPr rot="0" spcFirstLastPara="1" vertOverflow="overflow" horzOverflow="overflow" vert="horz" wrap="square" lIns="50800" tIns="50800" rIns="50800" bIns="50800" numCol="1" spcCol="38100" rtlCol="0" anchor="t" anchorCtr="0">
-            <a:spAutoFit/>
-          </a:bodyPr>
-          <a:lstStyle/>
-          <a:p>
-            <a:pPr marL="0" marR="0" indent="0" algn="l" defTabSz="825500" rtl="0" fontAlgn="auto" latinLnBrk="0" hangingPunct="0">
-              <a:lnSpc>
-                <a:spcPct val="100000"/>
-              </a:lnSpc>
-              <a:spcBef>
-                <a:spcPts val="0"/>
-              </a:spcBef>
-              <a:spcAft>
-                <a:spcPts val="0"/>
-              </a:spcAft>
-              <a:buClrTx/>
-              <a:buSzTx/>
-              <a:buFontTx/>
-              <a:buNone/>
-              <a:tabLst/>
-            </a:pPr>
-            <a:r>
-              <a:rPr kumimoji="0" lang="en-GB" sz="1100" b="0" i="0" u="none" strike="noStrike" cap="none" spc="0" normalizeH="0" baseline="0" dirty="0" err="1">
-                <a:ln>
-                  <a:noFill/>
-                </a:ln>
-                <a:solidFill>
-                  <a:srgbClr val="000000"/>
-                </a:solidFill>
-                <a:effectLst/>
-                <a:uFillTx/>
-                <a:latin typeface="Calibri" panose="020F0502020204030204" pitchFamily="34" charset="0"/>
-                <a:ea typeface="Helvetica Neue"/>
-                <a:cs typeface="Calibri" panose="020F0502020204030204" pitchFamily="34" charset="0"/>
-                <a:sym typeface="Helvetica Neue"/>
-              </a:rPr>
+            <a:endParaRPr lang="en-GB" dirty="0"/>
+          </a:p>
+        </p:txBody>
+      </p:sp>
+      <p:sp>
+        <p:nvSpPr>
+          <p:cNvPr id="6" name="Text Placeholder 5">
+            <a:extLst>
+              <a:ext uri="{FF2B5EF4-FFF2-40B4-BE49-F238E27FC236}">
+                <a16:creationId xmlns:a16="http://schemas.microsoft.com/office/drawing/2014/main" id="{9FC3FBED-5F4B-D5FC-7E91-0288C827F3CB}"/>
+              </a:ext>
+            </a:extLst>
+          </p:cNvPr>
+          <p:cNvSpPr>
+            <a:spLocks noGrp="1"/>
+          </p:cNvSpPr>
+          <p:nvPr>
+            <p:ph type="body" sz="quarter" idx="13"/>
+          </p:nvPr>
+        </p:nvSpPr>
+        <p:spPr/>
+        <p:txBody>
+          <a:bodyPr/>
+          <a:lstStyle/>
+          <a:p>
+            <a:r>
+              <a:rPr lang="en-GB" dirty="0" err="1"/>
               <a:t>Ability_text</a:t>
             </a:r>
-            <a:endParaRPr kumimoji="0" lang="en-GB" sz="1100" b="0" i="0" u="none" strike="noStrike" cap="none" spc="0" normalizeH="0" baseline="0" dirty="0">
-              <a:ln>
-                <a:noFill/>
-              </a:ln>
-              <a:solidFill>
-                <a:srgbClr val="000000"/>
-              </a:solidFill>
-              <a:effectLst/>
-              <a:uFillTx/>
-              <a:latin typeface="Calibri" panose="020F0502020204030204" pitchFamily="34" charset="0"/>
-              <a:ea typeface="Helvetica Neue"/>
-              <a:cs typeface="Calibri" panose="020F0502020204030204" pitchFamily="34" charset="0"/>
-              <a:sym typeface="Helvetica Neue"/>
-            </a:endParaRPr>
-          </a:p>
-        </p:txBody>
-      </p:sp>
-      <p:sp>
-        <p:nvSpPr>
-          <p:cNvPr id="37" name="TextBox 36">
-            <a:extLst>
-              <a:ext uri="{FF2B5EF4-FFF2-40B4-BE49-F238E27FC236}">
-                <a16:creationId xmlns:a16="http://schemas.microsoft.com/office/drawing/2014/main" id="{4DDA676B-3C9D-B1DC-E689-26A0AFC2A5A8}"/>
-              </a:ext>
-            </a:extLst>
-          </p:cNvPr>
-          <p:cNvSpPr txBox="1"/>
-          <p:nvPr/>
-        </p:nvSpPr>
-        <p:spPr>
-          <a:xfrm>
-            <a:off x="9748062" y="1417318"/>
-            <a:ext cx="2017216" cy="271869"/>
-          </a:xfrm>
-          <a:prstGeom prst="rect">
-            <a:avLst/>
-          </a:prstGeom>
-          <a:noFill/>
-          <a:ln w="12700" cap="flat">
-            <a:noFill/>
-            <a:miter lim="400000"/>
-          </a:ln>
-          <a:effectLst/>
-          <a:sp3d/>
-        </p:spPr>
-        <p:style>
-          <a:lnRef idx="0">
-            <a:scrgbClr r="0" g="0" b="0"/>
-          </a:lnRef>
-          <a:fillRef idx="0">
-            <a:scrgbClr r="0" g="0" b="0"/>
-          </a:fillRef>
-          <a:effectRef idx="0">
-            <a:scrgbClr r="0" g="0" b="0"/>
-          </a:effectRef>
-          <a:fontRef idx="none"/>
-        </p:style>
-        <p:txBody>
-          <a:bodyPr rot="0" spcFirstLastPara="1" vertOverflow="overflow" horzOverflow="overflow" vert="horz" wrap="square" lIns="50800" tIns="50800" rIns="50800" bIns="50800" numCol="1" spcCol="38100" rtlCol="0" anchor="t" anchorCtr="0">
-            <a:spAutoFit/>
-          </a:bodyPr>
-          <a:lstStyle/>
-          <a:p>
-            <a:pPr marL="0" marR="0" indent="0" algn="l" defTabSz="825500" rtl="0" fontAlgn="auto" latinLnBrk="0" hangingPunct="0">
-              <a:lnSpc>
-                <a:spcPct val="100000"/>
-              </a:lnSpc>
-              <a:spcBef>
-                <a:spcPts val="0"/>
-              </a:spcBef>
-              <a:spcAft>
-                <a:spcPts val="0"/>
-              </a:spcAft>
-              <a:buClrTx/>
-              <a:buSzTx/>
-              <a:buFontTx/>
-              <a:buNone/>
-              <a:tabLst/>
-            </a:pPr>
-            <a:r>
-              <a:rPr kumimoji="0" lang="en-GB" sz="1100" b="0" i="0" u="none" strike="noStrike" cap="none" spc="0" normalizeH="0" baseline="0" dirty="0" err="1">
-                <a:ln>
-                  <a:noFill/>
-                </a:ln>
-                <a:solidFill>
-                  <a:srgbClr val="000000"/>
-                </a:solidFill>
-                <a:effectLst/>
-                <a:uFillTx/>
-                <a:latin typeface="Calibri" panose="020F0502020204030204" pitchFamily="34" charset="0"/>
-                <a:ea typeface="Helvetica Neue"/>
-                <a:cs typeface="Calibri" panose="020F0502020204030204" pitchFamily="34" charset="0"/>
-                <a:sym typeface="Helvetica Neue"/>
-              </a:rPr>
+            <a:endParaRPr lang="en-GB" dirty="0"/>
+          </a:p>
+        </p:txBody>
+      </p:sp>
+      <p:sp>
+        <p:nvSpPr>
+          <p:cNvPr id="7" name="Text Placeholder 6">
+            <a:extLst>
+              <a:ext uri="{FF2B5EF4-FFF2-40B4-BE49-F238E27FC236}">
+                <a16:creationId xmlns:a16="http://schemas.microsoft.com/office/drawing/2014/main" id="{9DF7F8E4-19CD-88A9-3F69-2B0D04734ECA}"/>
+              </a:ext>
+            </a:extLst>
+          </p:cNvPr>
+          <p:cNvSpPr>
+            <a:spLocks noGrp="1"/>
+          </p:cNvSpPr>
+          <p:nvPr>
+            <p:ph type="body" sz="quarter" idx="14"/>
+          </p:nvPr>
+        </p:nvSpPr>
+        <p:spPr/>
+        <p:txBody>
+          <a:bodyPr/>
+          <a:lstStyle/>
+          <a:p>
+            <a:r>
+              <a:rPr lang="en-GB" dirty="0" err="1"/>
               <a:t>Reinforcement_text</a:t>
             </a:r>
-            <a:endParaRPr kumimoji="0" lang="en-GB" sz="1100" b="0" i="0" u="none" strike="noStrike" cap="none" spc="0" normalizeH="0" baseline="0" dirty="0">
-              <a:ln>
-                <a:noFill/>
-              </a:ln>
-              <a:solidFill>
-                <a:srgbClr val="000000"/>
-              </a:solidFill>
-              <a:effectLst/>
-              <a:uFillTx/>
-              <a:latin typeface="Calibri" panose="020F0502020204030204" pitchFamily="34" charset="0"/>
-              <a:ea typeface="Helvetica Neue"/>
-              <a:cs typeface="Calibri" panose="020F0502020204030204" pitchFamily="34" charset="0"/>
-              <a:sym typeface="Helvetica Neue"/>
-            </a:endParaRPr>
+            <a:endParaRPr lang="en-GB" dirty="0"/>
           </a:p>
         </p:txBody>
       </p:sp>
     </p:spTree>
     <p:extLst>
       <p:ext uri="{BB962C8B-B14F-4D97-AF65-F5344CB8AC3E}">
-        <p14:creationId xmlns:p14="http://schemas.microsoft.com/office/powerpoint/2010/main" val="1144504815"/>
+        <p14:creationId xmlns:p14="http://schemas.microsoft.com/office/powerpoint/2010/main" val="4196554281"/>
       </p:ext>
     </p:extLst>
   </p:cSld>

--- a/OMP_ADKAR_template.pptx
+++ b/OMP_ADKAR_template.pptx
@@ -142,72 +142,150 @@
 <pc:chgInfo xmlns:a="http://schemas.openxmlformats.org/drawingml/2006/main" xmlns:r="http://schemas.openxmlformats.org/officeDocument/2006/relationships" xmlns:ac="http://schemas.microsoft.com/office/drawing/2013/main/command" xmlns:pc="http://schemas.microsoft.com/office/powerpoint/2013/main/command">
   <pc:docChgLst>
     <pc:chgData name="Arbour, Duncan" userId="f8c76c83-f09a-4702-8a60-e00215c8b89f" providerId="ADAL" clId="{9C4D2E42-79E8-FF42-958F-0CDA464F138F}"/>
-    <pc:docChg chg="addSld">
-      <pc:chgData name="Arbour, Duncan" userId="f8c76c83-f09a-4702-8a60-e00215c8b89f" providerId="ADAL" clId="{9C4D2E42-79E8-FF42-958F-0CDA464F138F}" dt="2024-11-08T07:26:58.870" v="8" actId="2890"/>
+    <pc:docChg chg="addSld delSld modSld">
+      <pc:chgData name="Arbour, Duncan" userId="f8c76c83-f09a-4702-8a60-e00215c8b89f" providerId="ADAL" clId="{9C4D2E42-79E8-FF42-958F-0CDA464F138F}" dt="2024-11-08T07:58:00.561" v="27" actId="2890"/>
       <pc:docMkLst>
         <pc:docMk/>
       </pc:docMkLst>
-      <pc:sldChg chg="add">
-        <pc:chgData name="Arbour, Duncan" userId="f8c76c83-f09a-4702-8a60-e00215c8b89f" providerId="ADAL" clId="{9C4D2E42-79E8-FF42-958F-0CDA464F138F}" dt="2024-11-08T07:26:53.692" v="0" actId="2890"/>
+      <pc:sldChg chg="modSp mod">
+        <pc:chgData name="Arbour, Duncan" userId="f8c76c83-f09a-4702-8a60-e00215c8b89f" providerId="ADAL" clId="{9C4D2E42-79E8-FF42-958F-0CDA464F138F}" dt="2024-11-08T07:57:45.326" v="9" actId="20577"/>
+        <pc:sldMkLst>
+          <pc:docMk/>
+          <pc:sldMk cId="1466786859" sldId="6151"/>
+        </pc:sldMkLst>
+        <pc:spChg chg="mod">
+          <ac:chgData name="Arbour, Duncan" userId="f8c76c83-f09a-4702-8a60-e00215c8b89f" providerId="ADAL" clId="{9C4D2E42-79E8-FF42-958F-0CDA464F138F}" dt="2024-11-08T07:57:45.326" v="9" actId="20577"/>
+          <ac:spMkLst>
+            <pc:docMk/>
+            <pc:sldMk cId="1466786859" sldId="6151"/>
+            <ac:spMk id="3" creationId="{FFE9BFFF-DD8B-5C4B-9E76-07EBE817AD31}"/>
+          </ac:spMkLst>
+        </pc:spChg>
+      </pc:sldChg>
+      <pc:sldChg chg="add del">
+        <pc:chgData name="Arbour, Duncan" userId="f8c76c83-f09a-4702-8a60-e00215c8b89f" providerId="ADAL" clId="{9C4D2E42-79E8-FF42-958F-0CDA464F138F}" dt="2024-11-08T07:57:49.988" v="10" actId="2696"/>
         <pc:sldMkLst>
           <pc:docMk/>
           <pc:sldMk cId="3939918943" sldId="6152"/>
         </pc:sldMkLst>
       </pc:sldChg>
       <pc:sldChg chg="add">
-        <pc:chgData name="Arbour, Duncan" userId="f8c76c83-f09a-4702-8a60-e00215c8b89f" providerId="ADAL" clId="{9C4D2E42-79E8-FF42-958F-0CDA464F138F}" dt="2024-11-08T07:26:54.931" v="1" actId="2890"/>
+        <pc:chgData name="Arbour, Duncan" userId="f8c76c83-f09a-4702-8a60-e00215c8b89f" providerId="ADAL" clId="{9C4D2E42-79E8-FF42-958F-0CDA464F138F}" dt="2024-11-08T07:57:55.730" v="19" actId="2890"/>
+        <pc:sldMkLst>
+          <pc:docMk/>
+          <pc:sldMk cId="4278731145" sldId="6152"/>
+        </pc:sldMkLst>
+      </pc:sldChg>
+      <pc:sldChg chg="add del">
+        <pc:chgData name="Arbour, Duncan" userId="f8c76c83-f09a-4702-8a60-e00215c8b89f" providerId="ADAL" clId="{9C4D2E42-79E8-FF42-958F-0CDA464F138F}" dt="2024-11-08T07:57:50.023" v="17" actId="2696"/>
         <pc:sldMkLst>
           <pc:docMk/>
           <pc:sldMk cId="2526023155" sldId="6153"/>
         </pc:sldMkLst>
       </pc:sldChg>
       <pc:sldChg chg="add">
-        <pc:chgData name="Arbour, Duncan" userId="f8c76c83-f09a-4702-8a60-e00215c8b89f" providerId="ADAL" clId="{9C4D2E42-79E8-FF42-958F-0CDA464F138F}" dt="2024-11-08T07:26:55.511" v="2" actId="2890"/>
+        <pc:chgData name="Arbour, Duncan" userId="f8c76c83-f09a-4702-8a60-e00215c8b89f" providerId="ADAL" clId="{9C4D2E42-79E8-FF42-958F-0CDA464F138F}" dt="2024-11-08T07:57:56.699" v="20" actId="2890"/>
+        <pc:sldMkLst>
+          <pc:docMk/>
+          <pc:sldMk cId="3789602411" sldId="6153"/>
+        </pc:sldMkLst>
+      </pc:sldChg>
+      <pc:sldChg chg="add">
+        <pc:chgData name="Arbour, Duncan" userId="f8c76c83-f09a-4702-8a60-e00215c8b89f" providerId="ADAL" clId="{9C4D2E42-79E8-FF42-958F-0CDA464F138F}" dt="2024-11-08T07:57:57.257" v="21" actId="2890"/>
+        <pc:sldMkLst>
+          <pc:docMk/>
+          <pc:sldMk cId="621016044" sldId="6154"/>
+        </pc:sldMkLst>
+      </pc:sldChg>
+      <pc:sldChg chg="add del">
+        <pc:chgData name="Arbour, Duncan" userId="f8c76c83-f09a-4702-8a60-e00215c8b89f" providerId="ADAL" clId="{9C4D2E42-79E8-FF42-958F-0CDA464F138F}" dt="2024-11-08T07:57:49.990" v="11" actId="2696"/>
         <pc:sldMkLst>
           <pc:docMk/>
           <pc:sldMk cId="1874132371" sldId="6154"/>
         </pc:sldMkLst>
       </pc:sldChg>
       <pc:sldChg chg="add">
-        <pc:chgData name="Arbour, Duncan" userId="f8c76c83-f09a-4702-8a60-e00215c8b89f" providerId="ADAL" clId="{9C4D2E42-79E8-FF42-958F-0CDA464F138F}" dt="2024-11-08T07:26:56.054" v="3" actId="2890"/>
+        <pc:chgData name="Arbour, Duncan" userId="f8c76c83-f09a-4702-8a60-e00215c8b89f" providerId="ADAL" clId="{9C4D2E42-79E8-FF42-958F-0CDA464F138F}" dt="2024-11-08T07:57:57.778" v="22" actId="2890"/>
+        <pc:sldMkLst>
+          <pc:docMk/>
+          <pc:sldMk cId="1294871541" sldId="6155"/>
+        </pc:sldMkLst>
+      </pc:sldChg>
+      <pc:sldChg chg="add del">
+        <pc:chgData name="Arbour, Duncan" userId="f8c76c83-f09a-4702-8a60-e00215c8b89f" providerId="ADAL" clId="{9C4D2E42-79E8-FF42-958F-0CDA464F138F}" dt="2024-11-08T07:57:49.992" v="12" actId="2696"/>
         <pc:sldMkLst>
           <pc:docMk/>
           <pc:sldMk cId="3342975694" sldId="6155"/>
         </pc:sldMkLst>
       </pc:sldChg>
-      <pc:sldChg chg="add">
-        <pc:chgData name="Arbour, Duncan" userId="f8c76c83-f09a-4702-8a60-e00215c8b89f" providerId="ADAL" clId="{9C4D2E42-79E8-FF42-958F-0CDA464F138F}" dt="2024-11-08T07:26:56.636" v="4" actId="2890"/>
+      <pc:sldChg chg="add del">
+        <pc:chgData name="Arbour, Duncan" userId="f8c76c83-f09a-4702-8a60-e00215c8b89f" providerId="ADAL" clId="{9C4D2E42-79E8-FF42-958F-0CDA464F138F}" dt="2024-11-08T07:57:49.999" v="16" actId="2696"/>
         <pc:sldMkLst>
           <pc:docMk/>
           <pc:sldMk cId="814112304" sldId="6156"/>
         </pc:sldMkLst>
       </pc:sldChg>
       <pc:sldChg chg="add">
-        <pc:chgData name="Arbour, Duncan" userId="f8c76c83-f09a-4702-8a60-e00215c8b89f" providerId="ADAL" clId="{9C4D2E42-79E8-FF42-958F-0CDA464F138F}" dt="2024-11-08T07:26:57.185" v="5" actId="2890"/>
+        <pc:chgData name="Arbour, Duncan" userId="f8c76c83-f09a-4702-8a60-e00215c8b89f" providerId="ADAL" clId="{9C4D2E42-79E8-FF42-958F-0CDA464F138F}" dt="2024-11-08T07:57:58.358" v="23" actId="2890"/>
+        <pc:sldMkLst>
+          <pc:docMk/>
+          <pc:sldMk cId="3557713462" sldId="6156"/>
+        </pc:sldMkLst>
+      </pc:sldChg>
+      <pc:sldChg chg="add">
+        <pc:chgData name="Arbour, Duncan" userId="f8c76c83-f09a-4702-8a60-e00215c8b89f" providerId="ADAL" clId="{9C4D2E42-79E8-FF42-958F-0CDA464F138F}" dt="2024-11-08T07:57:58.902" v="24" actId="2890"/>
+        <pc:sldMkLst>
+          <pc:docMk/>
+          <pc:sldMk cId="534033098" sldId="6157"/>
+        </pc:sldMkLst>
+      </pc:sldChg>
+      <pc:sldChg chg="add del">
+        <pc:chgData name="Arbour, Duncan" userId="f8c76c83-f09a-4702-8a60-e00215c8b89f" providerId="ADAL" clId="{9C4D2E42-79E8-FF42-958F-0CDA464F138F}" dt="2024-11-08T07:57:49.995" v="14" actId="2696"/>
         <pc:sldMkLst>
           <pc:docMk/>
           <pc:sldMk cId="778674166" sldId="6157"/>
         </pc:sldMkLst>
       </pc:sldChg>
       <pc:sldChg chg="add">
-        <pc:chgData name="Arbour, Duncan" userId="f8c76c83-f09a-4702-8a60-e00215c8b89f" providerId="ADAL" clId="{9C4D2E42-79E8-FF42-958F-0CDA464F138F}" dt="2024-11-08T07:26:57.784" v="6" actId="2890"/>
+        <pc:chgData name="Arbour, Duncan" userId="f8c76c83-f09a-4702-8a60-e00215c8b89f" providerId="ADAL" clId="{9C4D2E42-79E8-FF42-958F-0CDA464F138F}" dt="2024-11-08T07:57:59.458" v="25" actId="2890"/>
+        <pc:sldMkLst>
+          <pc:docMk/>
+          <pc:sldMk cId="31183829" sldId="6158"/>
+        </pc:sldMkLst>
+      </pc:sldChg>
+      <pc:sldChg chg="add del">
+        <pc:chgData name="Arbour, Duncan" userId="f8c76c83-f09a-4702-8a60-e00215c8b89f" providerId="ADAL" clId="{9C4D2E42-79E8-FF42-958F-0CDA464F138F}" dt="2024-11-08T07:57:49.994" v="13" actId="2696"/>
         <pc:sldMkLst>
           <pc:docMk/>
           <pc:sldMk cId="2735340174" sldId="6158"/>
         </pc:sldMkLst>
       </pc:sldChg>
       <pc:sldChg chg="add">
-        <pc:chgData name="Arbour, Duncan" userId="f8c76c83-f09a-4702-8a60-e00215c8b89f" providerId="ADAL" clId="{9C4D2E42-79E8-FF42-958F-0CDA464F138F}" dt="2024-11-08T07:26:58.333" v="7" actId="2890"/>
+        <pc:chgData name="Arbour, Duncan" userId="f8c76c83-f09a-4702-8a60-e00215c8b89f" providerId="ADAL" clId="{9C4D2E42-79E8-FF42-958F-0CDA464F138F}" dt="2024-11-08T07:57:59.982" v="26" actId="2890"/>
+        <pc:sldMkLst>
+          <pc:docMk/>
+          <pc:sldMk cId="2395668464" sldId="6159"/>
+        </pc:sldMkLst>
+      </pc:sldChg>
+      <pc:sldChg chg="add del">
+        <pc:chgData name="Arbour, Duncan" userId="f8c76c83-f09a-4702-8a60-e00215c8b89f" providerId="ADAL" clId="{9C4D2E42-79E8-FF42-958F-0CDA464F138F}" dt="2024-11-08T07:57:49.997" v="15" actId="2696"/>
         <pc:sldMkLst>
           <pc:docMk/>
           <pc:sldMk cId="4196554281" sldId="6159"/>
         </pc:sldMkLst>
       </pc:sldChg>
-      <pc:sldChg chg="add">
-        <pc:chgData name="Arbour, Duncan" userId="f8c76c83-f09a-4702-8a60-e00215c8b89f" providerId="ADAL" clId="{9C4D2E42-79E8-FF42-958F-0CDA464F138F}" dt="2024-11-08T07:26:58.870" v="8" actId="2890"/>
+      <pc:sldChg chg="add del">
+        <pc:chgData name="Arbour, Duncan" userId="f8c76c83-f09a-4702-8a60-e00215c8b89f" providerId="ADAL" clId="{9C4D2E42-79E8-FF42-958F-0CDA464F138F}" dt="2024-11-08T07:57:50.048" v="18" actId="2696"/>
         <pc:sldMkLst>
           <pc:docMk/>
           <pc:sldMk cId="1324317197" sldId="6160"/>
+        </pc:sldMkLst>
+      </pc:sldChg>
+      <pc:sldChg chg="add">
+        <pc:chgData name="Arbour, Duncan" userId="f8c76c83-f09a-4702-8a60-e00215c8b89f" providerId="ADAL" clId="{9C4D2E42-79E8-FF42-958F-0CDA464F138F}" dt="2024-11-08T07:58:00.561" v="27" actId="2890"/>
+        <pc:sldMkLst>
+          <pc:docMk/>
+          <pc:sldMk cId="3386179108" sldId="6160"/>
         </pc:sldMkLst>
       </pc:sldChg>
     </pc:docChg>
@@ -657,7 +735,7 @@
         <p:cNvPr id="1" name="">
           <a:extLst>
             <a:ext uri="{FF2B5EF4-FFF2-40B4-BE49-F238E27FC236}">
-              <a16:creationId xmlns:a16="http://schemas.microsoft.com/office/drawing/2014/main" id="{A147FB0D-8577-D6E4-AA17-A17D6564C880}"/>
+              <a16:creationId xmlns:a16="http://schemas.microsoft.com/office/drawing/2014/main" id="{F173FA9F-C719-01A4-852B-C6C899DCE593}"/>
             </a:ext>
           </a:extLst>
         </p:cNvPr>
@@ -677,7 +755,7 @@
           <p:cNvPr id="2" name="Slide Image Placeholder 1">
             <a:extLst>
               <a:ext uri="{FF2B5EF4-FFF2-40B4-BE49-F238E27FC236}">
-                <a16:creationId xmlns:a16="http://schemas.microsoft.com/office/drawing/2014/main" id="{B353B38C-6922-7D34-AD21-C57B6620DC02}"/>
+                <a16:creationId xmlns:a16="http://schemas.microsoft.com/office/drawing/2014/main" id="{F17CA91E-60F8-5F28-C1B1-D82A1C77C6AC}"/>
               </a:ext>
             </a:extLst>
           </p:cNvPr>
@@ -695,7 +773,7 @@
           <p:cNvPr id="3" name="Notes Placeholder 2">
             <a:extLst>
               <a:ext uri="{FF2B5EF4-FFF2-40B4-BE49-F238E27FC236}">
-                <a16:creationId xmlns:a16="http://schemas.microsoft.com/office/drawing/2014/main" id="{1E0196A0-2553-10F4-83F6-674FB9EE6852}"/>
+                <a16:creationId xmlns:a16="http://schemas.microsoft.com/office/drawing/2014/main" id="{E54F4F4D-BBAB-BDDA-7BEC-0B91182428C9}"/>
               </a:ext>
             </a:extLst>
           </p:cNvPr>
@@ -720,7 +798,7 @@
           <p:cNvPr id="4" name="Slide Number Placeholder 3">
             <a:extLst>
               <a:ext uri="{FF2B5EF4-FFF2-40B4-BE49-F238E27FC236}">
-                <a16:creationId xmlns:a16="http://schemas.microsoft.com/office/drawing/2014/main" id="{B190C5D3-54A7-877F-0418-A6A9CFF0A2A8}"/>
+                <a16:creationId xmlns:a16="http://schemas.microsoft.com/office/drawing/2014/main" id="{A3EDD99D-23FF-82E9-E257-2F83BD27B378}"/>
               </a:ext>
             </a:extLst>
           </p:cNvPr>
@@ -747,7 +825,7 @@
     </p:spTree>
     <p:extLst>
       <p:ext uri="{BB962C8B-B14F-4D97-AF65-F5344CB8AC3E}">
-        <p14:creationId xmlns:p14="http://schemas.microsoft.com/office/powerpoint/2010/main" val="3548114755"/>
+        <p14:creationId xmlns:p14="http://schemas.microsoft.com/office/powerpoint/2010/main" val="560934394"/>
       </p:ext>
     </p:extLst>
   </p:cSld>
@@ -765,7 +843,7 @@
         <p:cNvPr id="1" name="">
           <a:extLst>
             <a:ext uri="{FF2B5EF4-FFF2-40B4-BE49-F238E27FC236}">
-              <a16:creationId xmlns:a16="http://schemas.microsoft.com/office/drawing/2014/main" id="{7BA399FA-B976-FE73-9CB1-55C36C6A8FDC}"/>
+              <a16:creationId xmlns:a16="http://schemas.microsoft.com/office/drawing/2014/main" id="{FCD76590-7482-65EB-26B6-9AFCACD28189}"/>
             </a:ext>
           </a:extLst>
         </p:cNvPr>
@@ -785,7 +863,7 @@
           <p:cNvPr id="2" name="Slide Image Placeholder 1">
             <a:extLst>
               <a:ext uri="{FF2B5EF4-FFF2-40B4-BE49-F238E27FC236}">
-                <a16:creationId xmlns:a16="http://schemas.microsoft.com/office/drawing/2014/main" id="{B6FADA1C-F0D7-E5D7-8A3C-7D44492C6C1E}"/>
+                <a16:creationId xmlns:a16="http://schemas.microsoft.com/office/drawing/2014/main" id="{687C3E2E-9A4B-B3D2-C69F-3737B2C0CB53}"/>
               </a:ext>
             </a:extLst>
           </p:cNvPr>
@@ -803,7 +881,7 @@
           <p:cNvPr id="3" name="Notes Placeholder 2">
             <a:extLst>
               <a:ext uri="{FF2B5EF4-FFF2-40B4-BE49-F238E27FC236}">
-                <a16:creationId xmlns:a16="http://schemas.microsoft.com/office/drawing/2014/main" id="{D8FDF6D7-DA3F-7E1F-DB35-140E8901F734}"/>
+                <a16:creationId xmlns:a16="http://schemas.microsoft.com/office/drawing/2014/main" id="{18F77DE0-E4E4-81E5-ED4A-36342A3AE63C}"/>
               </a:ext>
             </a:extLst>
           </p:cNvPr>
@@ -828,7 +906,7 @@
           <p:cNvPr id="4" name="Slide Number Placeholder 3">
             <a:extLst>
               <a:ext uri="{FF2B5EF4-FFF2-40B4-BE49-F238E27FC236}">
-                <a16:creationId xmlns:a16="http://schemas.microsoft.com/office/drawing/2014/main" id="{BCCD1310-6745-B933-4036-768BD6E7173A}"/>
+                <a16:creationId xmlns:a16="http://schemas.microsoft.com/office/drawing/2014/main" id="{C4449455-D1A3-77B0-61E7-FC3B46BD9C9B}"/>
               </a:ext>
             </a:extLst>
           </p:cNvPr>
@@ -855,7 +933,7 @@
     </p:spTree>
     <p:extLst>
       <p:ext uri="{BB962C8B-B14F-4D97-AF65-F5344CB8AC3E}">
-        <p14:creationId xmlns:p14="http://schemas.microsoft.com/office/powerpoint/2010/main" val="3743610969"/>
+        <p14:creationId xmlns:p14="http://schemas.microsoft.com/office/powerpoint/2010/main" val="583692795"/>
       </p:ext>
     </p:extLst>
   </p:cSld>
@@ -873,7 +951,7 @@
         <p:cNvPr id="1" name="">
           <a:extLst>
             <a:ext uri="{FF2B5EF4-FFF2-40B4-BE49-F238E27FC236}">
-              <a16:creationId xmlns:a16="http://schemas.microsoft.com/office/drawing/2014/main" id="{416AE433-6E1E-2041-E7EE-D2AA30B1C9BC}"/>
+              <a16:creationId xmlns:a16="http://schemas.microsoft.com/office/drawing/2014/main" id="{279647A5-5D81-CA77-AEEC-B1120C362798}"/>
             </a:ext>
           </a:extLst>
         </p:cNvPr>
@@ -893,7 +971,7 @@
           <p:cNvPr id="2" name="Slide Image Placeholder 1">
             <a:extLst>
               <a:ext uri="{FF2B5EF4-FFF2-40B4-BE49-F238E27FC236}">
-                <a16:creationId xmlns:a16="http://schemas.microsoft.com/office/drawing/2014/main" id="{D37E66D8-4D6E-946C-4543-C2D4711FFACD}"/>
+                <a16:creationId xmlns:a16="http://schemas.microsoft.com/office/drawing/2014/main" id="{2CF973A1-83BD-ECFB-CEE0-C4C48E8951A4}"/>
               </a:ext>
             </a:extLst>
           </p:cNvPr>
@@ -911,7 +989,7 @@
           <p:cNvPr id="3" name="Notes Placeholder 2">
             <a:extLst>
               <a:ext uri="{FF2B5EF4-FFF2-40B4-BE49-F238E27FC236}">
-                <a16:creationId xmlns:a16="http://schemas.microsoft.com/office/drawing/2014/main" id="{7153B639-32F4-4BCB-9658-C36EB7A1AA7E}"/>
+                <a16:creationId xmlns:a16="http://schemas.microsoft.com/office/drawing/2014/main" id="{A536F556-1882-5E7D-26F5-E3BFFF21ABBD}"/>
               </a:ext>
             </a:extLst>
           </p:cNvPr>
@@ -936,7 +1014,7 @@
           <p:cNvPr id="4" name="Slide Number Placeholder 3">
             <a:extLst>
               <a:ext uri="{FF2B5EF4-FFF2-40B4-BE49-F238E27FC236}">
-                <a16:creationId xmlns:a16="http://schemas.microsoft.com/office/drawing/2014/main" id="{6F260F79-46AA-F7D8-2D5F-08ACB1D6AE4B}"/>
+                <a16:creationId xmlns:a16="http://schemas.microsoft.com/office/drawing/2014/main" id="{DF4C8522-739E-1A4A-8ED5-B7DE1DB59372}"/>
               </a:ext>
             </a:extLst>
           </p:cNvPr>
@@ -963,7 +1041,7 @@
     </p:spTree>
     <p:extLst>
       <p:ext uri="{BB962C8B-B14F-4D97-AF65-F5344CB8AC3E}">
-        <p14:creationId xmlns:p14="http://schemas.microsoft.com/office/powerpoint/2010/main" val="2111489959"/>
+        <p14:creationId xmlns:p14="http://schemas.microsoft.com/office/powerpoint/2010/main" val="452686275"/>
       </p:ext>
     </p:extLst>
   </p:cSld>
@@ -981,7 +1059,7 @@
         <p:cNvPr id="1" name="">
           <a:extLst>
             <a:ext uri="{FF2B5EF4-FFF2-40B4-BE49-F238E27FC236}">
-              <a16:creationId xmlns:a16="http://schemas.microsoft.com/office/drawing/2014/main" id="{A7403584-0019-62C7-8381-D656C5969166}"/>
+              <a16:creationId xmlns:a16="http://schemas.microsoft.com/office/drawing/2014/main" id="{9B026F78-43C6-F751-F61D-2E808351C8A8}"/>
             </a:ext>
           </a:extLst>
         </p:cNvPr>
@@ -1001,7 +1079,7 @@
           <p:cNvPr id="2" name="Slide Image Placeholder 1">
             <a:extLst>
               <a:ext uri="{FF2B5EF4-FFF2-40B4-BE49-F238E27FC236}">
-                <a16:creationId xmlns:a16="http://schemas.microsoft.com/office/drawing/2014/main" id="{F159561B-5A2F-5A5B-0D9E-9BA9F2A246BF}"/>
+                <a16:creationId xmlns:a16="http://schemas.microsoft.com/office/drawing/2014/main" id="{9162FFA6-5A3E-533C-8650-3311FC9A1930}"/>
               </a:ext>
             </a:extLst>
           </p:cNvPr>
@@ -1019,7 +1097,7 @@
           <p:cNvPr id="3" name="Notes Placeholder 2">
             <a:extLst>
               <a:ext uri="{FF2B5EF4-FFF2-40B4-BE49-F238E27FC236}">
-                <a16:creationId xmlns:a16="http://schemas.microsoft.com/office/drawing/2014/main" id="{DED91AAB-8B10-7B62-FD89-09FEA03AF7B6}"/>
+                <a16:creationId xmlns:a16="http://schemas.microsoft.com/office/drawing/2014/main" id="{BF18FBD9-7CAD-8296-7751-34DF63A6588C}"/>
               </a:ext>
             </a:extLst>
           </p:cNvPr>
@@ -1044,7 +1122,7 @@
           <p:cNvPr id="4" name="Slide Number Placeholder 3">
             <a:extLst>
               <a:ext uri="{FF2B5EF4-FFF2-40B4-BE49-F238E27FC236}">
-                <a16:creationId xmlns:a16="http://schemas.microsoft.com/office/drawing/2014/main" id="{0D439ED0-59C7-5897-8603-7F1D3EBC465F}"/>
+                <a16:creationId xmlns:a16="http://schemas.microsoft.com/office/drawing/2014/main" id="{E32E3358-A687-88EE-538B-10A27E3DFDF7}"/>
               </a:ext>
             </a:extLst>
           </p:cNvPr>
@@ -1071,7 +1149,7 @@
     </p:spTree>
     <p:extLst>
       <p:ext uri="{BB962C8B-B14F-4D97-AF65-F5344CB8AC3E}">
-        <p14:creationId xmlns:p14="http://schemas.microsoft.com/office/powerpoint/2010/main" val="1807224250"/>
+        <p14:creationId xmlns:p14="http://schemas.microsoft.com/office/powerpoint/2010/main" val="3197042439"/>
       </p:ext>
     </p:extLst>
   </p:cSld>
@@ -1089,7 +1167,7 @@
         <p:cNvPr id="1" name="">
           <a:extLst>
             <a:ext uri="{FF2B5EF4-FFF2-40B4-BE49-F238E27FC236}">
-              <a16:creationId xmlns:a16="http://schemas.microsoft.com/office/drawing/2014/main" id="{A29866DC-C6E9-AE3C-C8D3-9017B96B6F2B}"/>
+              <a16:creationId xmlns:a16="http://schemas.microsoft.com/office/drawing/2014/main" id="{5CABEA7A-F39D-BD7E-EFE3-40D4F47F3745}"/>
             </a:ext>
           </a:extLst>
         </p:cNvPr>
@@ -1109,7 +1187,7 @@
           <p:cNvPr id="2" name="Slide Image Placeholder 1">
             <a:extLst>
               <a:ext uri="{FF2B5EF4-FFF2-40B4-BE49-F238E27FC236}">
-                <a16:creationId xmlns:a16="http://schemas.microsoft.com/office/drawing/2014/main" id="{2A9E0FCA-EFD7-C6C5-808C-F7E1606B2756}"/>
+                <a16:creationId xmlns:a16="http://schemas.microsoft.com/office/drawing/2014/main" id="{B331C321-E03F-A328-2989-431DE1F0E7B2}"/>
               </a:ext>
             </a:extLst>
           </p:cNvPr>
@@ -1127,7 +1205,7 @@
           <p:cNvPr id="3" name="Notes Placeholder 2">
             <a:extLst>
               <a:ext uri="{FF2B5EF4-FFF2-40B4-BE49-F238E27FC236}">
-                <a16:creationId xmlns:a16="http://schemas.microsoft.com/office/drawing/2014/main" id="{7A63DBCB-37A0-7E21-80B6-6A4117A6F34E}"/>
+                <a16:creationId xmlns:a16="http://schemas.microsoft.com/office/drawing/2014/main" id="{C2DB846E-7518-BEF0-E362-4F160BD5968A}"/>
               </a:ext>
             </a:extLst>
           </p:cNvPr>
@@ -1152,7 +1230,7 @@
           <p:cNvPr id="4" name="Slide Number Placeholder 3">
             <a:extLst>
               <a:ext uri="{FF2B5EF4-FFF2-40B4-BE49-F238E27FC236}">
-                <a16:creationId xmlns:a16="http://schemas.microsoft.com/office/drawing/2014/main" id="{93D29F4A-D422-E34A-681D-C9DE4F581FD3}"/>
+                <a16:creationId xmlns:a16="http://schemas.microsoft.com/office/drawing/2014/main" id="{45D91EF3-95F1-7C9C-F9AB-AEC376D55708}"/>
               </a:ext>
             </a:extLst>
           </p:cNvPr>
@@ -1179,7 +1257,7 @@
     </p:spTree>
     <p:extLst>
       <p:ext uri="{BB962C8B-B14F-4D97-AF65-F5344CB8AC3E}">
-        <p14:creationId xmlns:p14="http://schemas.microsoft.com/office/powerpoint/2010/main" val="1963604108"/>
+        <p14:creationId xmlns:p14="http://schemas.microsoft.com/office/powerpoint/2010/main" val="2736367141"/>
       </p:ext>
     </p:extLst>
   </p:cSld>
@@ -1197,7 +1275,7 @@
         <p:cNvPr id="1" name="">
           <a:extLst>
             <a:ext uri="{FF2B5EF4-FFF2-40B4-BE49-F238E27FC236}">
-              <a16:creationId xmlns:a16="http://schemas.microsoft.com/office/drawing/2014/main" id="{9E9BC572-6AEF-50D3-B553-5CA668C0793F}"/>
+              <a16:creationId xmlns:a16="http://schemas.microsoft.com/office/drawing/2014/main" id="{AD646FAC-12CC-E2AF-100B-2EAACBE00248}"/>
             </a:ext>
           </a:extLst>
         </p:cNvPr>
@@ -1217,7 +1295,7 @@
           <p:cNvPr id="2" name="Slide Image Placeholder 1">
             <a:extLst>
               <a:ext uri="{FF2B5EF4-FFF2-40B4-BE49-F238E27FC236}">
-                <a16:creationId xmlns:a16="http://schemas.microsoft.com/office/drawing/2014/main" id="{9DBFCBBE-B0AE-DF83-8412-2769C7A603B0}"/>
+                <a16:creationId xmlns:a16="http://schemas.microsoft.com/office/drawing/2014/main" id="{877ACFD4-25F9-A303-EBA5-9920E79357A4}"/>
               </a:ext>
             </a:extLst>
           </p:cNvPr>
@@ -1235,7 +1313,7 @@
           <p:cNvPr id="3" name="Notes Placeholder 2">
             <a:extLst>
               <a:ext uri="{FF2B5EF4-FFF2-40B4-BE49-F238E27FC236}">
-                <a16:creationId xmlns:a16="http://schemas.microsoft.com/office/drawing/2014/main" id="{0771C3AF-8B3F-D47C-A260-2141EB164F1E}"/>
+                <a16:creationId xmlns:a16="http://schemas.microsoft.com/office/drawing/2014/main" id="{6CC15447-28DE-D8D2-190D-4BAB46F504C5}"/>
               </a:ext>
             </a:extLst>
           </p:cNvPr>
@@ -1260,7 +1338,7 @@
           <p:cNvPr id="4" name="Slide Number Placeholder 3">
             <a:extLst>
               <a:ext uri="{FF2B5EF4-FFF2-40B4-BE49-F238E27FC236}">
-                <a16:creationId xmlns:a16="http://schemas.microsoft.com/office/drawing/2014/main" id="{28BB1BD6-AD03-455F-EDE2-F800A65DA991}"/>
+                <a16:creationId xmlns:a16="http://schemas.microsoft.com/office/drawing/2014/main" id="{BFB5687D-32ED-6E96-6BC2-4CEEE7C01EC2}"/>
               </a:ext>
             </a:extLst>
           </p:cNvPr>
@@ -1287,7 +1365,7 @@
     </p:spTree>
     <p:extLst>
       <p:ext uri="{BB962C8B-B14F-4D97-AF65-F5344CB8AC3E}">
-        <p14:creationId xmlns:p14="http://schemas.microsoft.com/office/powerpoint/2010/main" val="3511771757"/>
+        <p14:creationId xmlns:p14="http://schemas.microsoft.com/office/powerpoint/2010/main" val="2095278049"/>
       </p:ext>
     </p:extLst>
   </p:cSld>
@@ -1305,7 +1383,7 @@
         <p:cNvPr id="1" name="">
           <a:extLst>
             <a:ext uri="{FF2B5EF4-FFF2-40B4-BE49-F238E27FC236}">
-              <a16:creationId xmlns:a16="http://schemas.microsoft.com/office/drawing/2014/main" id="{7FF887A7-93A4-7433-76EE-5F83FF747031}"/>
+              <a16:creationId xmlns:a16="http://schemas.microsoft.com/office/drawing/2014/main" id="{205A6FDF-7CC2-812F-2719-0611A828D6F4}"/>
             </a:ext>
           </a:extLst>
         </p:cNvPr>
@@ -1325,7 +1403,7 @@
           <p:cNvPr id="2" name="Slide Image Placeholder 1">
             <a:extLst>
               <a:ext uri="{FF2B5EF4-FFF2-40B4-BE49-F238E27FC236}">
-                <a16:creationId xmlns:a16="http://schemas.microsoft.com/office/drawing/2014/main" id="{42D1A8AD-7B52-E745-CBB4-7B8511249FE6}"/>
+                <a16:creationId xmlns:a16="http://schemas.microsoft.com/office/drawing/2014/main" id="{C7D019D6-B204-E0F7-28B8-41F93D7B3956}"/>
               </a:ext>
             </a:extLst>
           </p:cNvPr>
@@ -1343,7 +1421,7 @@
           <p:cNvPr id="3" name="Notes Placeholder 2">
             <a:extLst>
               <a:ext uri="{FF2B5EF4-FFF2-40B4-BE49-F238E27FC236}">
-                <a16:creationId xmlns:a16="http://schemas.microsoft.com/office/drawing/2014/main" id="{FF15DC8B-00FB-1CB0-F453-0447C33DD529}"/>
+                <a16:creationId xmlns:a16="http://schemas.microsoft.com/office/drawing/2014/main" id="{93C1CA0D-B134-A1B7-8E85-2DE45AA38CC7}"/>
               </a:ext>
             </a:extLst>
           </p:cNvPr>
@@ -1368,7 +1446,7 @@
           <p:cNvPr id="4" name="Slide Number Placeholder 3">
             <a:extLst>
               <a:ext uri="{FF2B5EF4-FFF2-40B4-BE49-F238E27FC236}">
-                <a16:creationId xmlns:a16="http://schemas.microsoft.com/office/drawing/2014/main" id="{97D349E8-E59F-B752-74DA-779305A7BF6E}"/>
+                <a16:creationId xmlns:a16="http://schemas.microsoft.com/office/drawing/2014/main" id="{AAEEC327-B1BB-5DDA-6306-7EA4A5180E83}"/>
               </a:ext>
             </a:extLst>
           </p:cNvPr>
@@ -1395,7 +1473,7 @@
     </p:spTree>
     <p:extLst>
       <p:ext uri="{BB962C8B-B14F-4D97-AF65-F5344CB8AC3E}">
-        <p14:creationId xmlns:p14="http://schemas.microsoft.com/office/powerpoint/2010/main" val="3709588751"/>
+        <p14:creationId xmlns:p14="http://schemas.microsoft.com/office/powerpoint/2010/main" val="1447345702"/>
       </p:ext>
     </p:extLst>
   </p:cSld>
@@ -1413,7 +1491,7 @@
         <p:cNvPr id="1" name="">
           <a:extLst>
             <a:ext uri="{FF2B5EF4-FFF2-40B4-BE49-F238E27FC236}">
-              <a16:creationId xmlns:a16="http://schemas.microsoft.com/office/drawing/2014/main" id="{978B29E5-E606-B415-05C1-10728C9F19BA}"/>
+              <a16:creationId xmlns:a16="http://schemas.microsoft.com/office/drawing/2014/main" id="{65531F65-DF13-DBD5-5495-349E2CACC087}"/>
             </a:ext>
           </a:extLst>
         </p:cNvPr>
@@ -1433,7 +1511,7 @@
           <p:cNvPr id="2" name="Slide Image Placeholder 1">
             <a:extLst>
               <a:ext uri="{FF2B5EF4-FFF2-40B4-BE49-F238E27FC236}">
-                <a16:creationId xmlns:a16="http://schemas.microsoft.com/office/drawing/2014/main" id="{92E33050-CDEC-F5D2-045B-A649F2D53A64}"/>
+                <a16:creationId xmlns:a16="http://schemas.microsoft.com/office/drawing/2014/main" id="{38F600D5-6092-9F11-3097-2EEE83C1560E}"/>
               </a:ext>
             </a:extLst>
           </p:cNvPr>
@@ -1451,7 +1529,7 @@
           <p:cNvPr id="3" name="Notes Placeholder 2">
             <a:extLst>
               <a:ext uri="{FF2B5EF4-FFF2-40B4-BE49-F238E27FC236}">
-                <a16:creationId xmlns:a16="http://schemas.microsoft.com/office/drawing/2014/main" id="{C826008E-0BF7-714F-F904-A8367F9A1385}"/>
+                <a16:creationId xmlns:a16="http://schemas.microsoft.com/office/drawing/2014/main" id="{C86668D3-1166-81D8-DC7B-23C6D83DF0F3}"/>
               </a:ext>
             </a:extLst>
           </p:cNvPr>
@@ -1476,7 +1554,7 @@
           <p:cNvPr id="4" name="Slide Number Placeholder 3">
             <a:extLst>
               <a:ext uri="{FF2B5EF4-FFF2-40B4-BE49-F238E27FC236}">
-                <a16:creationId xmlns:a16="http://schemas.microsoft.com/office/drawing/2014/main" id="{63FFE707-E354-39C7-8548-189C67863E01}"/>
+                <a16:creationId xmlns:a16="http://schemas.microsoft.com/office/drawing/2014/main" id="{BFAF418C-AC44-153B-2CFF-386E54617AC6}"/>
               </a:ext>
             </a:extLst>
           </p:cNvPr>
@@ -1503,7 +1581,7 @@
     </p:spTree>
     <p:extLst>
       <p:ext uri="{BB962C8B-B14F-4D97-AF65-F5344CB8AC3E}">
-        <p14:creationId xmlns:p14="http://schemas.microsoft.com/office/powerpoint/2010/main" val="1370082964"/>
+        <p14:creationId xmlns:p14="http://schemas.microsoft.com/office/powerpoint/2010/main" val="2027769704"/>
       </p:ext>
     </p:extLst>
   </p:cSld>
@@ -1521,7 +1599,7 @@
         <p:cNvPr id="1" name="">
           <a:extLst>
             <a:ext uri="{FF2B5EF4-FFF2-40B4-BE49-F238E27FC236}">
-              <a16:creationId xmlns:a16="http://schemas.microsoft.com/office/drawing/2014/main" id="{1D800A28-65AB-A366-39A5-F01683839B4A}"/>
+              <a16:creationId xmlns:a16="http://schemas.microsoft.com/office/drawing/2014/main" id="{8B15AA60-C85F-8CA9-F964-0141909E2558}"/>
             </a:ext>
           </a:extLst>
         </p:cNvPr>
@@ -1541,7 +1619,7 @@
           <p:cNvPr id="2" name="Slide Image Placeholder 1">
             <a:extLst>
               <a:ext uri="{FF2B5EF4-FFF2-40B4-BE49-F238E27FC236}">
-                <a16:creationId xmlns:a16="http://schemas.microsoft.com/office/drawing/2014/main" id="{7C5FDACA-3BF2-E66F-3997-637DC8966697}"/>
+                <a16:creationId xmlns:a16="http://schemas.microsoft.com/office/drawing/2014/main" id="{545855D7-D98D-F149-D1A5-DBAB5C113E7A}"/>
               </a:ext>
             </a:extLst>
           </p:cNvPr>
@@ -1559,7 +1637,7 @@
           <p:cNvPr id="3" name="Notes Placeholder 2">
             <a:extLst>
               <a:ext uri="{FF2B5EF4-FFF2-40B4-BE49-F238E27FC236}">
-                <a16:creationId xmlns:a16="http://schemas.microsoft.com/office/drawing/2014/main" id="{9616D2D3-0FB0-4BE1-7FD9-42D20E3018BD}"/>
+                <a16:creationId xmlns:a16="http://schemas.microsoft.com/office/drawing/2014/main" id="{6DDD54FC-9F31-2941-2111-4189C1BC6C64}"/>
               </a:ext>
             </a:extLst>
           </p:cNvPr>
@@ -1584,7 +1662,7 @@
           <p:cNvPr id="4" name="Slide Number Placeholder 3">
             <a:extLst>
               <a:ext uri="{FF2B5EF4-FFF2-40B4-BE49-F238E27FC236}">
-                <a16:creationId xmlns:a16="http://schemas.microsoft.com/office/drawing/2014/main" id="{D273925E-9212-9C6C-7110-415E7344478D}"/>
+                <a16:creationId xmlns:a16="http://schemas.microsoft.com/office/drawing/2014/main" id="{AD53EE53-80AB-2AD2-EB1A-E681651071EA}"/>
               </a:ext>
             </a:extLst>
           </p:cNvPr>
@@ -1611,7 +1689,7 @@
     </p:spTree>
     <p:extLst>
       <p:ext uri="{BB962C8B-B14F-4D97-AF65-F5344CB8AC3E}">
-        <p14:creationId xmlns:p14="http://schemas.microsoft.com/office/powerpoint/2010/main" val="742776225"/>
+        <p14:creationId xmlns:p14="http://schemas.microsoft.com/office/powerpoint/2010/main" val="2837990733"/>
       </p:ext>
     </p:extLst>
   </p:cSld>
@@ -4775,23 +4853,20 @@
               </a:rPr>
               <a:t>Interviewee_Name</a:t>
             </a:r>
-            <a:r>
-              <a:rPr kumimoji="0" lang="en-US" sz="2400" b="1" i="0" u="none" strike="noStrike" kern="1200" cap="none" spc="0" normalizeH="0" baseline="0" noProof="0" dirty="0">
-                <a:ln>
-                  <a:noFill/>
-                </a:ln>
-                <a:solidFill>
-                  <a:srgbClr val="004181"/>
-                </a:solidFill>
-                <a:effectLst/>
-                <a:uLnTx/>
-                <a:uFillTx/>
-                <a:latin typeface="Microsoft YaHei" panose="020B0503020204020204" pitchFamily="34" charset="-122"/>
-                <a:ea typeface="Microsoft YaHei" panose="020B0503020204020204" pitchFamily="34" charset="-122"/>
-                <a:cs typeface="+mj-cs"/>
-              </a:rPr>
-              <a:t>: ADKAR Change journey</a:t>
-            </a:r>
+            <a:endParaRPr kumimoji="0" lang="en-US" sz="2400" b="1" i="0" u="none" strike="noStrike" kern="1200" cap="none" spc="0" normalizeH="0" baseline="0" noProof="0" dirty="0">
+              <a:ln>
+                <a:noFill/>
+              </a:ln>
+              <a:solidFill>
+                <a:srgbClr val="004181"/>
+              </a:solidFill>
+              <a:effectLst/>
+              <a:uLnTx/>
+              <a:uFillTx/>
+              <a:latin typeface="Microsoft YaHei" panose="020B0503020204020204" pitchFamily="34" charset="-122"/>
+              <a:ea typeface="Microsoft YaHei" panose="020B0503020204020204" pitchFamily="34" charset="-122"/>
+              <a:cs typeface="+mj-cs"/>
+            </a:endParaRPr>
           </a:p>
         </p:txBody>
       </p:sp>
@@ -4962,7 +5037,7 @@
         <p:cNvPr id="1" name="">
           <a:extLst>
             <a:ext uri="{FF2B5EF4-FFF2-40B4-BE49-F238E27FC236}">
-              <a16:creationId xmlns:a16="http://schemas.microsoft.com/office/drawing/2014/main" id="{D0F3C25B-990C-0298-070A-C0846E737C0F}"/>
+              <a16:creationId xmlns:a16="http://schemas.microsoft.com/office/drawing/2014/main" id="{A45301E3-6F57-77C9-AD88-0F2617427C03}"/>
             </a:ext>
           </a:extLst>
         </p:cNvPr>
@@ -4982,7 +5057,7 @@
           <p:cNvPr id="3" name="Title 1">
             <a:extLst>
               <a:ext uri="{FF2B5EF4-FFF2-40B4-BE49-F238E27FC236}">
-                <a16:creationId xmlns:a16="http://schemas.microsoft.com/office/drawing/2014/main" id="{075A35C1-6AE5-B17A-5F73-B6341A189C98}"/>
+                <a16:creationId xmlns:a16="http://schemas.microsoft.com/office/drawing/2014/main" id="{ADD0400A-78D9-7817-6AB9-B322D41D71F3}"/>
               </a:ext>
             </a:extLst>
           </p:cNvPr>
@@ -5056,23 +5131,20 @@
               </a:rPr>
               <a:t>Interviewee_Name</a:t>
             </a:r>
-            <a:r>
-              <a:rPr kumimoji="0" lang="en-US" sz="2400" b="1" i="0" u="none" strike="noStrike" kern="1200" cap="none" spc="0" normalizeH="0" baseline="0" noProof="0" dirty="0">
-                <a:ln>
-                  <a:noFill/>
-                </a:ln>
-                <a:solidFill>
-                  <a:srgbClr val="004181"/>
-                </a:solidFill>
-                <a:effectLst/>
-                <a:uLnTx/>
-                <a:uFillTx/>
-                <a:latin typeface="Microsoft YaHei" panose="020B0503020204020204" pitchFamily="34" charset="-122"/>
-                <a:ea typeface="Microsoft YaHei" panose="020B0503020204020204" pitchFamily="34" charset="-122"/>
-                <a:cs typeface="+mj-cs"/>
-              </a:rPr>
-              <a:t>: ADKAR Change journey</a:t>
-            </a:r>
+            <a:endParaRPr kumimoji="0" lang="en-US" sz="2400" b="1" i="0" u="none" strike="noStrike" kern="1200" cap="none" spc="0" normalizeH="0" baseline="0" noProof="0" dirty="0">
+              <a:ln>
+                <a:noFill/>
+              </a:ln>
+              <a:solidFill>
+                <a:srgbClr val="004181"/>
+              </a:solidFill>
+              <a:effectLst/>
+              <a:uLnTx/>
+              <a:uFillTx/>
+              <a:latin typeface="Microsoft YaHei" panose="020B0503020204020204" pitchFamily="34" charset="-122"/>
+              <a:ea typeface="Microsoft YaHei" panose="020B0503020204020204" pitchFamily="34" charset="-122"/>
+              <a:cs typeface="+mj-cs"/>
+            </a:endParaRPr>
           </a:p>
         </p:txBody>
       </p:sp>
@@ -5081,7 +5153,7 @@
           <p:cNvPr id="2" name="Text Placeholder 1">
             <a:extLst>
               <a:ext uri="{FF2B5EF4-FFF2-40B4-BE49-F238E27FC236}">
-                <a16:creationId xmlns:a16="http://schemas.microsoft.com/office/drawing/2014/main" id="{ADB6096C-7846-A293-CD01-1F719562A02E}"/>
+                <a16:creationId xmlns:a16="http://schemas.microsoft.com/office/drawing/2014/main" id="{2C469B70-FBA6-A8C3-4DBF-6FFFADFD8475}"/>
               </a:ext>
             </a:extLst>
           </p:cNvPr>
@@ -5110,7 +5182,7 @@
           <p:cNvPr id="4" name="Text Placeholder 3">
             <a:extLst>
               <a:ext uri="{FF2B5EF4-FFF2-40B4-BE49-F238E27FC236}">
-                <a16:creationId xmlns:a16="http://schemas.microsoft.com/office/drawing/2014/main" id="{8D2971E5-B12D-C338-8348-E1CE24618167}"/>
+                <a16:creationId xmlns:a16="http://schemas.microsoft.com/office/drawing/2014/main" id="{7DE1A023-7A5A-3227-AC29-BABD32E70351}"/>
               </a:ext>
             </a:extLst>
           </p:cNvPr>
@@ -5139,7 +5211,7 @@
           <p:cNvPr id="5" name="Text Placeholder 4">
             <a:extLst>
               <a:ext uri="{FF2B5EF4-FFF2-40B4-BE49-F238E27FC236}">
-                <a16:creationId xmlns:a16="http://schemas.microsoft.com/office/drawing/2014/main" id="{ECFCDD7C-9330-D6B0-B5E7-13BF0020B2B4}"/>
+                <a16:creationId xmlns:a16="http://schemas.microsoft.com/office/drawing/2014/main" id="{23355A2F-846E-2310-D2AB-0755A3C648AB}"/>
               </a:ext>
             </a:extLst>
           </p:cNvPr>
@@ -5168,7 +5240,7 @@
           <p:cNvPr id="6" name="Text Placeholder 5">
             <a:extLst>
               <a:ext uri="{FF2B5EF4-FFF2-40B4-BE49-F238E27FC236}">
-                <a16:creationId xmlns:a16="http://schemas.microsoft.com/office/drawing/2014/main" id="{AF079BDE-A6EA-2C36-8AFD-AC43FBDCBB72}"/>
+                <a16:creationId xmlns:a16="http://schemas.microsoft.com/office/drawing/2014/main" id="{7C9AF72E-9249-D589-4771-BB8C612FA3F2}"/>
               </a:ext>
             </a:extLst>
           </p:cNvPr>
@@ -5197,7 +5269,7 @@
           <p:cNvPr id="7" name="Text Placeholder 6">
             <a:extLst>
               <a:ext uri="{FF2B5EF4-FFF2-40B4-BE49-F238E27FC236}">
-                <a16:creationId xmlns:a16="http://schemas.microsoft.com/office/drawing/2014/main" id="{87C2ABE1-EA42-58E0-2767-E2A9327DE701}"/>
+                <a16:creationId xmlns:a16="http://schemas.microsoft.com/office/drawing/2014/main" id="{096BF772-66A9-DA8D-D2FF-FF3E1A85D542}"/>
               </a:ext>
             </a:extLst>
           </p:cNvPr>
@@ -5224,7 +5296,7 @@
     </p:spTree>
     <p:extLst>
       <p:ext uri="{BB962C8B-B14F-4D97-AF65-F5344CB8AC3E}">
-        <p14:creationId xmlns:p14="http://schemas.microsoft.com/office/powerpoint/2010/main" val="1324317197"/>
+        <p14:creationId xmlns:p14="http://schemas.microsoft.com/office/powerpoint/2010/main" val="3386179108"/>
       </p:ext>
     </p:extLst>
   </p:cSld>
@@ -5243,7 +5315,7 @@
         <p:cNvPr id="1" name="">
           <a:extLst>
             <a:ext uri="{FF2B5EF4-FFF2-40B4-BE49-F238E27FC236}">
-              <a16:creationId xmlns:a16="http://schemas.microsoft.com/office/drawing/2014/main" id="{432FC10B-9D11-21AC-99AC-23D123373430}"/>
+              <a16:creationId xmlns:a16="http://schemas.microsoft.com/office/drawing/2014/main" id="{9F2DE418-B4E4-8ECA-D418-F25AAA4C65B0}"/>
             </a:ext>
           </a:extLst>
         </p:cNvPr>
@@ -5263,7 +5335,7 @@
           <p:cNvPr id="3" name="Title 1">
             <a:extLst>
               <a:ext uri="{FF2B5EF4-FFF2-40B4-BE49-F238E27FC236}">
-                <a16:creationId xmlns:a16="http://schemas.microsoft.com/office/drawing/2014/main" id="{A4EE779F-0277-8C97-4C74-98A6D4275A3C}"/>
+                <a16:creationId xmlns:a16="http://schemas.microsoft.com/office/drawing/2014/main" id="{6B0299F5-BBE8-4D86-2C6F-451C35EB5591}"/>
               </a:ext>
             </a:extLst>
           </p:cNvPr>
@@ -5337,23 +5409,20 @@
               </a:rPr>
               <a:t>Interviewee_Name</a:t>
             </a:r>
-            <a:r>
-              <a:rPr kumimoji="0" lang="en-US" sz="2400" b="1" i="0" u="none" strike="noStrike" kern="1200" cap="none" spc="0" normalizeH="0" baseline="0" noProof="0" dirty="0">
-                <a:ln>
-                  <a:noFill/>
-                </a:ln>
-                <a:solidFill>
-                  <a:srgbClr val="004181"/>
-                </a:solidFill>
-                <a:effectLst/>
-                <a:uLnTx/>
-                <a:uFillTx/>
-                <a:latin typeface="Microsoft YaHei" panose="020B0503020204020204" pitchFamily="34" charset="-122"/>
-                <a:ea typeface="Microsoft YaHei" panose="020B0503020204020204" pitchFamily="34" charset="-122"/>
-                <a:cs typeface="+mj-cs"/>
-              </a:rPr>
-              <a:t>: ADKAR Change journey</a:t>
-            </a:r>
+            <a:endParaRPr kumimoji="0" lang="en-US" sz="2400" b="1" i="0" u="none" strike="noStrike" kern="1200" cap="none" spc="0" normalizeH="0" baseline="0" noProof="0" dirty="0">
+              <a:ln>
+                <a:noFill/>
+              </a:ln>
+              <a:solidFill>
+                <a:srgbClr val="004181"/>
+              </a:solidFill>
+              <a:effectLst/>
+              <a:uLnTx/>
+              <a:uFillTx/>
+              <a:latin typeface="Microsoft YaHei" panose="020B0503020204020204" pitchFamily="34" charset="-122"/>
+              <a:ea typeface="Microsoft YaHei" panose="020B0503020204020204" pitchFamily="34" charset="-122"/>
+              <a:cs typeface="+mj-cs"/>
+            </a:endParaRPr>
           </a:p>
         </p:txBody>
       </p:sp>
@@ -5362,7 +5431,7 @@
           <p:cNvPr id="2" name="Text Placeholder 1">
             <a:extLst>
               <a:ext uri="{FF2B5EF4-FFF2-40B4-BE49-F238E27FC236}">
-                <a16:creationId xmlns:a16="http://schemas.microsoft.com/office/drawing/2014/main" id="{37275500-7464-7778-2195-9D926DC6A922}"/>
+                <a16:creationId xmlns:a16="http://schemas.microsoft.com/office/drawing/2014/main" id="{36EE6BB8-BFBB-7464-FCB2-9923FCE84249}"/>
               </a:ext>
             </a:extLst>
           </p:cNvPr>
@@ -5391,7 +5460,7 @@
           <p:cNvPr id="4" name="Text Placeholder 3">
             <a:extLst>
               <a:ext uri="{FF2B5EF4-FFF2-40B4-BE49-F238E27FC236}">
-                <a16:creationId xmlns:a16="http://schemas.microsoft.com/office/drawing/2014/main" id="{61FD785D-C145-93DB-8131-AE3EA4F1EF67}"/>
+                <a16:creationId xmlns:a16="http://schemas.microsoft.com/office/drawing/2014/main" id="{D3CAE966-4FC6-7279-2A33-859847894AD5}"/>
               </a:ext>
             </a:extLst>
           </p:cNvPr>
@@ -5420,7 +5489,7 @@
           <p:cNvPr id="5" name="Text Placeholder 4">
             <a:extLst>
               <a:ext uri="{FF2B5EF4-FFF2-40B4-BE49-F238E27FC236}">
-                <a16:creationId xmlns:a16="http://schemas.microsoft.com/office/drawing/2014/main" id="{81A7EE8E-4271-6C52-82F7-378406932C07}"/>
+                <a16:creationId xmlns:a16="http://schemas.microsoft.com/office/drawing/2014/main" id="{6FFB2DD2-5277-3CF7-ABC7-A179DA1079AB}"/>
               </a:ext>
             </a:extLst>
           </p:cNvPr>
@@ -5449,7 +5518,7 @@
           <p:cNvPr id="6" name="Text Placeholder 5">
             <a:extLst>
               <a:ext uri="{FF2B5EF4-FFF2-40B4-BE49-F238E27FC236}">
-                <a16:creationId xmlns:a16="http://schemas.microsoft.com/office/drawing/2014/main" id="{60F05E4F-E291-013C-83C9-9C467E848E38}"/>
+                <a16:creationId xmlns:a16="http://schemas.microsoft.com/office/drawing/2014/main" id="{7D99522D-F3DF-E888-6EC4-531976AC5A79}"/>
               </a:ext>
             </a:extLst>
           </p:cNvPr>
@@ -5478,7 +5547,7 @@
           <p:cNvPr id="7" name="Text Placeholder 6">
             <a:extLst>
               <a:ext uri="{FF2B5EF4-FFF2-40B4-BE49-F238E27FC236}">
-                <a16:creationId xmlns:a16="http://schemas.microsoft.com/office/drawing/2014/main" id="{CB73E7F5-EC5C-51A5-C62C-FE6177F40497}"/>
+                <a16:creationId xmlns:a16="http://schemas.microsoft.com/office/drawing/2014/main" id="{DEEBB862-C56E-62FC-F746-E8E002AAFACC}"/>
               </a:ext>
             </a:extLst>
           </p:cNvPr>
@@ -5505,7 +5574,7 @@
     </p:spTree>
     <p:extLst>
       <p:ext uri="{BB962C8B-B14F-4D97-AF65-F5344CB8AC3E}">
-        <p14:creationId xmlns:p14="http://schemas.microsoft.com/office/powerpoint/2010/main" val="3939918943"/>
+        <p14:creationId xmlns:p14="http://schemas.microsoft.com/office/powerpoint/2010/main" val="4278731145"/>
       </p:ext>
     </p:extLst>
   </p:cSld>
@@ -5524,7 +5593,7 @@
         <p:cNvPr id="1" name="">
           <a:extLst>
             <a:ext uri="{FF2B5EF4-FFF2-40B4-BE49-F238E27FC236}">
-              <a16:creationId xmlns:a16="http://schemas.microsoft.com/office/drawing/2014/main" id="{81F3F699-3048-B88A-6B11-9EB85CF4FD6D}"/>
+              <a16:creationId xmlns:a16="http://schemas.microsoft.com/office/drawing/2014/main" id="{EBF7EF39-B8E6-7FB6-23C1-BC9BE0A0CD79}"/>
             </a:ext>
           </a:extLst>
         </p:cNvPr>
@@ -5544,7 +5613,7 @@
           <p:cNvPr id="3" name="Title 1">
             <a:extLst>
               <a:ext uri="{FF2B5EF4-FFF2-40B4-BE49-F238E27FC236}">
-                <a16:creationId xmlns:a16="http://schemas.microsoft.com/office/drawing/2014/main" id="{87900771-7360-31D1-4604-495D1DEEFAF5}"/>
+                <a16:creationId xmlns:a16="http://schemas.microsoft.com/office/drawing/2014/main" id="{FCAA6F38-394C-2AFE-9C71-E6C2A6491496}"/>
               </a:ext>
             </a:extLst>
           </p:cNvPr>
@@ -5618,23 +5687,20 @@
               </a:rPr>
               <a:t>Interviewee_Name</a:t>
             </a:r>
-            <a:r>
-              <a:rPr kumimoji="0" lang="en-US" sz="2400" b="1" i="0" u="none" strike="noStrike" kern="1200" cap="none" spc="0" normalizeH="0" baseline="0" noProof="0" dirty="0">
-                <a:ln>
-                  <a:noFill/>
-                </a:ln>
-                <a:solidFill>
-                  <a:srgbClr val="004181"/>
-                </a:solidFill>
-                <a:effectLst/>
-                <a:uLnTx/>
-                <a:uFillTx/>
-                <a:latin typeface="Microsoft YaHei" panose="020B0503020204020204" pitchFamily="34" charset="-122"/>
-                <a:ea typeface="Microsoft YaHei" panose="020B0503020204020204" pitchFamily="34" charset="-122"/>
-                <a:cs typeface="+mj-cs"/>
-              </a:rPr>
-              <a:t>: ADKAR Change journey</a:t>
-            </a:r>
+            <a:endParaRPr kumimoji="0" lang="en-US" sz="2400" b="1" i="0" u="none" strike="noStrike" kern="1200" cap="none" spc="0" normalizeH="0" baseline="0" noProof="0" dirty="0">
+              <a:ln>
+                <a:noFill/>
+              </a:ln>
+              <a:solidFill>
+                <a:srgbClr val="004181"/>
+              </a:solidFill>
+              <a:effectLst/>
+              <a:uLnTx/>
+              <a:uFillTx/>
+              <a:latin typeface="Microsoft YaHei" panose="020B0503020204020204" pitchFamily="34" charset="-122"/>
+              <a:ea typeface="Microsoft YaHei" panose="020B0503020204020204" pitchFamily="34" charset="-122"/>
+              <a:cs typeface="+mj-cs"/>
+            </a:endParaRPr>
           </a:p>
         </p:txBody>
       </p:sp>
@@ -5643,7 +5709,7 @@
           <p:cNvPr id="2" name="Text Placeholder 1">
             <a:extLst>
               <a:ext uri="{FF2B5EF4-FFF2-40B4-BE49-F238E27FC236}">
-                <a16:creationId xmlns:a16="http://schemas.microsoft.com/office/drawing/2014/main" id="{C6EB5B79-D502-E955-E22C-38CC494AB610}"/>
+                <a16:creationId xmlns:a16="http://schemas.microsoft.com/office/drawing/2014/main" id="{98834701-92C0-7C21-7BE7-91B72CFE725B}"/>
               </a:ext>
             </a:extLst>
           </p:cNvPr>
@@ -5672,7 +5738,7 @@
           <p:cNvPr id="4" name="Text Placeholder 3">
             <a:extLst>
               <a:ext uri="{FF2B5EF4-FFF2-40B4-BE49-F238E27FC236}">
-                <a16:creationId xmlns:a16="http://schemas.microsoft.com/office/drawing/2014/main" id="{69CE2438-AF8C-006A-B724-160FE9C2FD11}"/>
+                <a16:creationId xmlns:a16="http://schemas.microsoft.com/office/drawing/2014/main" id="{F34ABDF6-0699-70D2-8642-652EB5F4EB8D}"/>
               </a:ext>
             </a:extLst>
           </p:cNvPr>
@@ -5701,7 +5767,7 @@
           <p:cNvPr id="5" name="Text Placeholder 4">
             <a:extLst>
               <a:ext uri="{FF2B5EF4-FFF2-40B4-BE49-F238E27FC236}">
-                <a16:creationId xmlns:a16="http://schemas.microsoft.com/office/drawing/2014/main" id="{0B333F6E-5FA2-C93A-CBB4-EF1A4727CC88}"/>
+                <a16:creationId xmlns:a16="http://schemas.microsoft.com/office/drawing/2014/main" id="{93143ED6-2FF9-074E-EA05-16423B993AF2}"/>
               </a:ext>
             </a:extLst>
           </p:cNvPr>
@@ -5730,7 +5796,7 @@
           <p:cNvPr id="6" name="Text Placeholder 5">
             <a:extLst>
               <a:ext uri="{FF2B5EF4-FFF2-40B4-BE49-F238E27FC236}">
-                <a16:creationId xmlns:a16="http://schemas.microsoft.com/office/drawing/2014/main" id="{76A4FE1D-A4C9-6A15-A31C-77ED6830E949}"/>
+                <a16:creationId xmlns:a16="http://schemas.microsoft.com/office/drawing/2014/main" id="{F63F4974-5B2D-D9F7-5967-25ECB5AE073D}"/>
               </a:ext>
             </a:extLst>
           </p:cNvPr>
@@ -5759,7 +5825,7 @@
           <p:cNvPr id="7" name="Text Placeholder 6">
             <a:extLst>
               <a:ext uri="{FF2B5EF4-FFF2-40B4-BE49-F238E27FC236}">
-                <a16:creationId xmlns:a16="http://schemas.microsoft.com/office/drawing/2014/main" id="{3C477096-16E2-FF9F-B616-8164BA5035D4}"/>
+                <a16:creationId xmlns:a16="http://schemas.microsoft.com/office/drawing/2014/main" id="{5233D592-F386-6420-6340-93950C86513D}"/>
               </a:ext>
             </a:extLst>
           </p:cNvPr>
@@ -5786,7 +5852,7 @@
     </p:spTree>
     <p:extLst>
       <p:ext uri="{BB962C8B-B14F-4D97-AF65-F5344CB8AC3E}">
-        <p14:creationId xmlns:p14="http://schemas.microsoft.com/office/powerpoint/2010/main" val="2526023155"/>
+        <p14:creationId xmlns:p14="http://schemas.microsoft.com/office/powerpoint/2010/main" val="3789602411"/>
       </p:ext>
     </p:extLst>
   </p:cSld>
@@ -5805,7 +5871,7 @@
         <p:cNvPr id="1" name="">
           <a:extLst>
             <a:ext uri="{FF2B5EF4-FFF2-40B4-BE49-F238E27FC236}">
-              <a16:creationId xmlns:a16="http://schemas.microsoft.com/office/drawing/2014/main" id="{07F1CB0A-1E0E-A2C8-CA11-9FB052A6D086}"/>
+              <a16:creationId xmlns:a16="http://schemas.microsoft.com/office/drawing/2014/main" id="{EE52CFC5-0AFF-B3D1-5428-533FE742D476}"/>
             </a:ext>
           </a:extLst>
         </p:cNvPr>
@@ -5825,7 +5891,7 @@
           <p:cNvPr id="3" name="Title 1">
             <a:extLst>
               <a:ext uri="{FF2B5EF4-FFF2-40B4-BE49-F238E27FC236}">
-                <a16:creationId xmlns:a16="http://schemas.microsoft.com/office/drawing/2014/main" id="{0FEF0F59-4B76-3298-1E36-4123E78F7A6B}"/>
+                <a16:creationId xmlns:a16="http://schemas.microsoft.com/office/drawing/2014/main" id="{68AC543C-A031-FA6C-C5E3-E5201357F185}"/>
               </a:ext>
             </a:extLst>
           </p:cNvPr>
@@ -5899,23 +5965,20 @@
               </a:rPr>
               <a:t>Interviewee_Name</a:t>
             </a:r>
-            <a:r>
-              <a:rPr kumimoji="0" lang="en-US" sz="2400" b="1" i="0" u="none" strike="noStrike" kern="1200" cap="none" spc="0" normalizeH="0" baseline="0" noProof="0" dirty="0">
-                <a:ln>
-                  <a:noFill/>
-                </a:ln>
-                <a:solidFill>
-                  <a:srgbClr val="004181"/>
-                </a:solidFill>
-                <a:effectLst/>
-                <a:uLnTx/>
-                <a:uFillTx/>
-                <a:latin typeface="Microsoft YaHei" panose="020B0503020204020204" pitchFamily="34" charset="-122"/>
-                <a:ea typeface="Microsoft YaHei" panose="020B0503020204020204" pitchFamily="34" charset="-122"/>
-                <a:cs typeface="+mj-cs"/>
-              </a:rPr>
-              <a:t>: ADKAR Change journey</a:t>
-            </a:r>
+            <a:endParaRPr kumimoji="0" lang="en-US" sz="2400" b="1" i="0" u="none" strike="noStrike" kern="1200" cap="none" spc="0" normalizeH="0" baseline="0" noProof="0" dirty="0">
+              <a:ln>
+                <a:noFill/>
+              </a:ln>
+              <a:solidFill>
+                <a:srgbClr val="004181"/>
+              </a:solidFill>
+              <a:effectLst/>
+              <a:uLnTx/>
+              <a:uFillTx/>
+              <a:latin typeface="Microsoft YaHei" panose="020B0503020204020204" pitchFamily="34" charset="-122"/>
+              <a:ea typeface="Microsoft YaHei" panose="020B0503020204020204" pitchFamily="34" charset="-122"/>
+              <a:cs typeface="+mj-cs"/>
+            </a:endParaRPr>
           </a:p>
         </p:txBody>
       </p:sp>
@@ -5924,7 +5987,7 @@
           <p:cNvPr id="2" name="Text Placeholder 1">
             <a:extLst>
               <a:ext uri="{FF2B5EF4-FFF2-40B4-BE49-F238E27FC236}">
-                <a16:creationId xmlns:a16="http://schemas.microsoft.com/office/drawing/2014/main" id="{E828877C-ECC6-5A01-D39B-B2F297DE8A49}"/>
+                <a16:creationId xmlns:a16="http://schemas.microsoft.com/office/drawing/2014/main" id="{9BC150B4-1E4F-0D73-9737-6999624C644F}"/>
               </a:ext>
             </a:extLst>
           </p:cNvPr>
@@ -5953,7 +6016,7 @@
           <p:cNvPr id="4" name="Text Placeholder 3">
             <a:extLst>
               <a:ext uri="{FF2B5EF4-FFF2-40B4-BE49-F238E27FC236}">
-                <a16:creationId xmlns:a16="http://schemas.microsoft.com/office/drawing/2014/main" id="{24118224-ABB7-8C76-104C-10AEE767C458}"/>
+                <a16:creationId xmlns:a16="http://schemas.microsoft.com/office/drawing/2014/main" id="{D928AB82-AFAA-361C-B1AA-42C9B5997424}"/>
               </a:ext>
             </a:extLst>
           </p:cNvPr>
@@ -5982,7 +6045,7 @@
           <p:cNvPr id="5" name="Text Placeholder 4">
             <a:extLst>
               <a:ext uri="{FF2B5EF4-FFF2-40B4-BE49-F238E27FC236}">
-                <a16:creationId xmlns:a16="http://schemas.microsoft.com/office/drawing/2014/main" id="{982582E9-CCF0-CD98-8014-A3B1FEF74436}"/>
+                <a16:creationId xmlns:a16="http://schemas.microsoft.com/office/drawing/2014/main" id="{018F0CA1-35E4-842E-0B02-48DEED8F9436}"/>
               </a:ext>
             </a:extLst>
           </p:cNvPr>
@@ -6011,7 +6074,7 @@
           <p:cNvPr id="6" name="Text Placeholder 5">
             <a:extLst>
               <a:ext uri="{FF2B5EF4-FFF2-40B4-BE49-F238E27FC236}">
-                <a16:creationId xmlns:a16="http://schemas.microsoft.com/office/drawing/2014/main" id="{B72DE870-45EE-74A6-7D03-7DC6A7D261F6}"/>
+                <a16:creationId xmlns:a16="http://schemas.microsoft.com/office/drawing/2014/main" id="{7B019C1A-4992-AAC4-CE8B-B0A328E97859}"/>
               </a:ext>
             </a:extLst>
           </p:cNvPr>
@@ -6040,7 +6103,7 @@
           <p:cNvPr id="7" name="Text Placeholder 6">
             <a:extLst>
               <a:ext uri="{FF2B5EF4-FFF2-40B4-BE49-F238E27FC236}">
-                <a16:creationId xmlns:a16="http://schemas.microsoft.com/office/drawing/2014/main" id="{220CF113-8077-9294-45BD-6FCB169B562B}"/>
+                <a16:creationId xmlns:a16="http://schemas.microsoft.com/office/drawing/2014/main" id="{3F82CC56-5BA9-6E3B-6231-FFDA3C2336DB}"/>
               </a:ext>
             </a:extLst>
           </p:cNvPr>
@@ -6067,7 +6130,7 @@
     </p:spTree>
     <p:extLst>
       <p:ext uri="{BB962C8B-B14F-4D97-AF65-F5344CB8AC3E}">
-        <p14:creationId xmlns:p14="http://schemas.microsoft.com/office/powerpoint/2010/main" val="1874132371"/>
+        <p14:creationId xmlns:p14="http://schemas.microsoft.com/office/powerpoint/2010/main" val="621016044"/>
       </p:ext>
     </p:extLst>
   </p:cSld>
@@ -6086,7 +6149,7 @@
         <p:cNvPr id="1" name="">
           <a:extLst>
             <a:ext uri="{FF2B5EF4-FFF2-40B4-BE49-F238E27FC236}">
-              <a16:creationId xmlns:a16="http://schemas.microsoft.com/office/drawing/2014/main" id="{47846CE3-71CB-7D54-136F-107CE2109CE9}"/>
+              <a16:creationId xmlns:a16="http://schemas.microsoft.com/office/drawing/2014/main" id="{1FAC7B52-5B92-F085-1BDA-77EFF794A2F1}"/>
             </a:ext>
           </a:extLst>
         </p:cNvPr>
@@ -6106,7 +6169,7 @@
           <p:cNvPr id="3" name="Title 1">
             <a:extLst>
               <a:ext uri="{FF2B5EF4-FFF2-40B4-BE49-F238E27FC236}">
-                <a16:creationId xmlns:a16="http://schemas.microsoft.com/office/drawing/2014/main" id="{DBF41F96-6C01-CF5A-B76E-21C554F93911}"/>
+                <a16:creationId xmlns:a16="http://schemas.microsoft.com/office/drawing/2014/main" id="{397BF53B-8540-1AF3-5C3A-10CE5CA26556}"/>
               </a:ext>
             </a:extLst>
           </p:cNvPr>
@@ -6180,23 +6243,20 @@
               </a:rPr>
               <a:t>Interviewee_Name</a:t>
             </a:r>
-            <a:r>
-              <a:rPr kumimoji="0" lang="en-US" sz="2400" b="1" i="0" u="none" strike="noStrike" kern="1200" cap="none" spc="0" normalizeH="0" baseline="0" noProof="0" dirty="0">
-                <a:ln>
-                  <a:noFill/>
-                </a:ln>
-                <a:solidFill>
-                  <a:srgbClr val="004181"/>
-                </a:solidFill>
-                <a:effectLst/>
-                <a:uLnTx/>
-                <a:uFillTx/>
-                <a:latin typeface="Microsoft YaHei" panose="020B0503020204020204" pitchFamily="34" charset="-122"/>
-                <a:ea typeface="Microsoft YaHei" panose="020B0503020204020204" pitchFamily="34" charset="-122"/>
-                <a:cs typeface="+mj-cs"/>
-              </a:rPr>
-              <a:t>: ADKAR Change journey</a:t>
-            </a:r>
+            <a:endParaRPr kumimoji="0" lang="en-US" sz="2400" b="1" i="0" u="none" strike="noStrike" kern="1200" cap="none" spc="0" normalizeH="0" baseline="0" noProof="0" dirty="0">
+              <a:ln>
+                <a:noFill/>
+              </a:ln>
+              <a:solidFill>
+                <a:srgbClr val="004181"/>
+              </a:solidFill>
+              <a:effectLst/>
+              <a:uLnTx/>
+              <a:uFillTx/>
+              <a:latin typeface="Microsoft YaHei" panose="020B0503020204020204" pitchFamily="34" charset="-122"/>
+              <a:ea typeface="Microsoft YaHei" panose="020B0503020204020204" pitchFamily="34" charset="-122"/>
+              <a:cs typeface="+mj-cs"/>
+            </a:endParaRPr>
           </a:p>
         </p:txBody>
       </p:sp>
@@ -6205,7 +6265,7 @@
           <p:cNvPr id="2" name="Text Placeholder 1">
             <a:extLst>
               <a:ext uri="{FF2B5EF4-FFF2-40B4-BE49-F238E27FC236}">
-                <a16:creationId xmlns:a16="http://schemas.microsoft.com/office/drawing/2014/main" id="{3AD7BF63-F633-2705-AE65-EA90B7427D11}"/>
+                <a16:creationId xmlns:a16="http://schemas.microsoft.com/office/drawing/2014/main" id="{7856D34F-1630-10E9-A2A8-C5BF3D03D7D4}"/>
               </a:ext>
             </a:extLst>
           </p:cNvPr>
@@ -6234,7 +6294,7 @@
           <p:cNvPr id="4" name="Text Placeholder 3">
             <a:extLst>
               <a:ext uri="{FF2B5EF4-FFF2-40B4-BE49-F238E27FC236}">
-                <a16:creationId xmlns:a16="http://schemas.microsoft.com/office/drawing/2014/main" id="{1AEFE16B-4968-8EAD-8F94-D59A8F634587}"/>
+                <a16:creationId xmlns:a16="http://schemas.microsoft.com/office/drawing/2014/main" id="{CCC096C9-22C5-E63D-1C67-5FA5FCAE2031}"/>
               </a:ext>
             </a:extLst>
           </p:cNvPr>
@@ -6263,7 +6323,7 @@
           <p:cNvPr id="5" name="Text Placeholder 4">
             <a:extLst>
               <a:ext uri="{FF2B5EF4-FFF2-40B4-BE49-F238E27FC236}">
-                <a16:creationId xmlns:a16="http://schemas.microsoft.com/office/drawing/2014/main" id="{8A8B3D96-A952-029D-E8DB-143A0BD629D3}"/>
+                <a16:creationId xmlns:a16="http://schemas.microsoft.com/office/drawing/2014/main" id="{884B063D-EFB7-1F0E-EC1C-522B5BE3285F}"/>
               </a:ext>
             </a:extLst>
           </p:cNvPr>
@@ -6292,7 +6352,7 @@
           <p:cNvPr id="6" name="Text Placeholder 5">
             <a:extLst>
               <a:ext uri="{FF2B5EF4-FFF2-40B4-BE49-F238E27FC236}">
-                <a16:creationId xmlns:a16="http://schemas.microsoft.com/office/drawing/2014/main" id="{E48AFE3D-D1BC-E527-168D-DD1A2BD55245}"/>
+                <a16:creationId xmlns:a16="http://schemas.microsoft.com/office/drawing/2014/main" id="{FE6B6E6D-43AB-8D84-D6A8-4D001BD08C23}"/>
               </a:ext>
             </a:extLst>
           </p:cNvPr>
@@ -6321,7 +6381,7 @@
           <p:cNvPr id="7" name="Text Placeholder 6">
             <a:extLst>
               <a:ext uri="{FF2B5EF4-FFF2-40B4-BE49-F238E27FC236}">
-                <a16:creationId xmlns:a16="http://schemas.microsoft.com/office/drawing/2014/main" id="{54708DBB-D81B-2BFD-3E15-F4A11C8485E3}"/>
+                <a16:creationId xmlns:a16="http://schemas.microsoft.com/office/drawing/2014/main" id="{A213E122-F098-D1CD-CA7F-429050F4E05D}"/>
               </a:ext>
             </a:extLst>
           </p:cNvPr>
@@ -6348,7 +6408,7 @@
     </p:spTree>
     <p:extLst>
       <p:ext uri="{BB962C8B-B14F-4D97-AF65-F5344CB8AC3E}">
-        <p14:creationId xmlns:p14="http://schemas.microsoft.com/office/powerpoint/2010/main" val="3342975694"/>
+        <p14:creationId xmlns:p14="http://schemas.microsoft.com/office/powerpoint/2010/main" val="1294871541"/>
       </p:ext>
     </p:extLst>
   </p:cSld>
@@ -6367,7 +6427,7 @@
         <p:cNvPr id="1" name="">
           <a:extLst>
             <a:ext uri="{FF2B5EF4-FFF2-40B4-BE49-F238E27FC236}">
-              <a16:creationId xmlns:a16="http://schemas.microsoft.com/office/drawing/2014/main" id="{0EEFBCA3-8337-5812-3106-D00283FA3246}"/>
+              <a16:creationId xmlns:a16="http://schemas.microsoft.com/office/drawing/2014/main" id="{3B07DEF1-2B5E-A254-52E5-3C58E6A76751}"/>
             </a:ext>
           </a:extLst>
         </p:cNvPr>
@@ -6387,7 +6447,7 @@
           <p:cNvPr id="3" name="Title 1">
             <a:extLst>
               <a:ext uri="{FF2B5EF4-FFF2-40B4-BE49-F238E27FC236}">
-                <a16:creationId xmlns:a16="http://schemas.microsoft.com/office/drawing/2014/main" id="{83E824D9-1324-2183-9D41-D60406A4FD0A}"/>
+                <a16:creationId xmlns:a16="http://schemas.microsoft.com/office/drawing/2014/main" id="{66037F14-25F6-29DF-8454-5DADB5B90711}"/>
               </a:ext>
             </a:extLst>
           </p:cNvPr>
@@ -6461,23 +6521,20 @@
               </a:rPr>
               <a:t>Interviewee_Name</a:t>
             </a:r>
-            <a:r>
-              <a:rPr kumimoji="0" lang="en-US" sz="2400" b="1" i="0" u="none" strike="noStrike" kern="1200" cap="none" spc="0" normalizeH="0" baseline="0" noProof="0" dirty="0">
-                <a:ln>
-                  <a:noFill/>
-                </a:ln>
-                <a:solidFill>
-                  <a:srgbClr val="004181"/>
-                </a:solidFill>
-                <a:effectLst/>
-                <a:uLnTx/>
-                <a:uFillTx/>
-                <a:latin typeface="Microsoft YaHei" panose="020B0503020204020204" pitchFamily="34" charset="-122"/>
-                <a:ea typeface="Microsoft YaHei" panose="020B0503020204020204" pitchFamily="34" charset="-122"/>
-                <a:cs typeface="+mj-cs"/>
-              </a:rPr>
-              <a:t>: ADKAR Change journey</a:t>
-            </a:r>
+            <a:endParaRPr kumimoji="0" lang="en-US" sz="2400" b="1" i="0" u="none" strike="noStrike" kern="1200" cap="none" spc="0" normalizeH="0" baseline="0" noProof="0" dirty="0">
+              <a:ln>
+                <a:noFill/>
+              </a:ln>
+              <a:solidFill>
+                <a:srgbClr val="004181"/>
+              </a:solidFill>
+              <a:effectLst/>
+              <a:uLnTx/>
+              <a:uFillTx/>
+              <a:latin typeface="Microsoft YaHei" panose="020B0503020204020204" pitchFamily="34" charset="-122"/>
+              <a:ea typeface="Microsoft YaHei" panose="020B0503020204020204" pitchFamily="34" charset="-122"/>
+              <a:cs typeface="+mj-cs"/>
+            </a:endParaRPr>
           </a:p>
         </p:txBody>
       </p:sp>
@@ -6486,7 +6543,7 @@
           <p:cNvPr id="2" name="Text Placeholder 1">
             <a:extLst>
               <a:ext uri="{FF2B5EF4-FFF2-40B4-BE49-F238E27FC236}">
-                <a16:creationId xmlns:a16="http://schemas.microsoft.com/office/drawing/2014/main" id="{2E941D4C-4CC0-ED8E-C29B-4F1FC588C234}"/>
+                <a16:creationId xmlns:a16="http://schemas.microsoft.com/office/drawing/2014/main" id="{E3F9241C-4CD2-92E0-43B8-90EA8FAFB5E4}"/>
               </a:ext>
             </a:extLst>
           </p:cNvPr>
@@ -6515,7 +6572,7 @@
           <p:cNvPr id="4" name="Text Placeholder 3">
             <a:extLst>
               <a:ext uri="{FF2B5EF4-FFF2-40B4-BE49-F238E27FC236}">
-                <a16:creationId xmlns:a16="http://schemas.microsoft.com/office/drawing/2014/main" id="{22B197FD-6947-FF26-2DC0-B10C9EDA5146}"/>
+                <a16:creationId xmlns:a16="http://schemas.microsoft.com/office/drawing/2014/main" id="{2C917A43-0E7E-ABF3-633A-36F3A20F43B5}"/>
               </a:ext>
             </a:extLst>
           </p:cNvPr>
@@ -6544,7 +6601,7 @@
           <p:cNvPr id="5" name="Text Placeholder 4">
             <a:extLst>
               <a:ext uri="{FF2B5EF4-FFF2-40B4-BE49-F238E27FC236}">
-                <a16:creationId xmlns:a16="http://schemas.microsoft.com/office/drawing/2014/main" id="{F80CA3BE-F253-C88D-AC3D-D289C296ECE4}"/>
+                <a16:creationId xmlns:a16="http://schemas.microsoft.com/office/drawing/2014/main" id="{5A757D02-4849-E913-8089-634F3219574D}"/>
               </a:ext>
             </a:extLst>
           </p:cNvPr>
@@ -6573,7 +6630,7 @@
           <p:cNvPr id="6" name="Text Placeholder 5">
             <a:extLst>
               <a:ext uri="{FF2B5EF4-FFF2-40B4-BE49-F238E27FC236}">
-                <a16:creationId xmlns:a16="http://schemas.microsoft.com/office/drawing/2014/main" id="{E58F2D72-75E7-54F0-8D72-6177325AFE96}"/>
+                <a16:creationId xmlns:a16="http://schemas.microsoft.com/office/drawing/2014/main" id="{2444F7C8-C030-3B2D-7A79-FAE205017986}"/>
               </a:ext>
             </a:extLst>
           </p:cNvPr>
@@ -6602,7 +6659,7 @@
           <p:cNvPr id="7" name="Text Placeholder 6">
             <a:extLst>
               <a:ext uri="{FF2B5EF4-FFF2-40B4-BE49-F238E27FC236}">
-                <a16:creationId xmlns:a16="http://schemas.microsoft.com/office/drawing/2014/main" id="{E2BA31B4-6129-4B74-C3FD-69DCF2430EFD}"/>
+                <a16:creationId xmlns:a16="http://schemas.microsoft.com/office/drawing/2014/main" id="{58329646-1CBF-FAB0-A0F5-CF8F5F415AB2}"/>
               </a:ext>
             </a:extLst>
           </p:cNvPr>
@@ -6629,7 +6686,7 @@
     </p:spTree>
     <p:extLst>
       <p:ext uri="{BB962C8B-B14F-4D97-AF65-F5344CB8AC3E}">
-        <p14:creationId xmlns:p14="http://schemas.microsoft.com/office/powerpoint/2010/main" val="814112304"/>
+        <p14:creationId xmlns:p14="http://schemas.microsoft.com/office/powerpoint/2010/main" val="3557713462"/>
       </p:ext>
     </p:extLst>
   </p:cSld>
@@ -6648,7 +6705,7 @@
         <p:cNvPr id="1" name="">
           <a:extLst>
             <a:ext uri="{FF2B5EF4-FFF2-40B4-BE49-F238E27FC236}">
-              <a16:creationId xmlns:a16="http://schemas.microsoft.com/office/drawing/2014/main" id="{B76962A0-6755-7DE4-9088-053FF7B91FC4}"/>
+              <a16:creationId xmlns:a16="http://schemas.microsoft.com/office/drawing/2014/main" id="{DE0A2192-2489-EAF7-0B05-E68076B3ED98}"/>
             </a:ext>
           </a:extLst>
         </p:cNvPr>
@@ -6668,7 +6725,7 @@
           <p:cNvPr id="3" name="Title 1">
             <a:extLst>
               <a:ext uri="{FF2B5EF4-FFF2-40B4-BE49-F238E27FC236}">
-                <a16:creationId xmlns:a16="http://schemas.microsoft.com/office/drawing/2014/main" id="{150392EA-CC58-1374-B17B-3466B59C2159}"/>
+                <a16:creationId xmlns:a16="http://schemas.microsoft.com/office/drawing/2014/main" id="{5F1E51F6-C37A-DCF7-BA44-5A8D78B24476}"/>
               </a:ext>
             </a:extLst>
           </p:cNvPr>
@@ -6742,23 +6799,20 @@
               </a:rPr>
               <a:t>Interviewee_Name</a:t>
             </a:r>
-            <a:r>
-              <a:rPr kumimoji="0" lang="en-US" sz="2400" b="1" i="0" u="none" strike="noStrike" kern="1200" cap="none" spc="0" normalizeH="0" baseline="0" noProof="0" dirty="0">
-                <a:ln>
-                  <a:noFill/>
-                </a:ln>
-                <a:solidFill>
-                  <a:srgbClr val="004181"/>
-                </a:solidFill>
-                <a:effectLst/>
-                <a:uLnTx/>
-                <a:uFillTx/>
-                <a:latin typeface="Microsoft YaHei" panose="020B0503020204020204" pitchFamily="34" charset="-122"/>
-                <a:ea typeface="Microsoft YaHei" panose="020B0503020204020204" pitchFamily="34" charset="-122"/>
-                <a:cs typeface="+mj-cs"/>
-              </a:rPr>
-              <a:t>: ADKAR Change journey</a:t>
-            </a:r>
+            <a:endParaRPr kumimoji="0" lang="en-US" sz="2400" b="1" i="0" u="none" strike="noStrike" kern="1200" cap="none" spc="0" normalizeH="0" baseline="0" noProof="0" dirty="0">
+              <a:ln>
+                <a:noFill/>
+              </a:ln>
+              <a:solidFill>
+                <a:srgbClr val="004181"/>
+              </a:solidFill>
+              <a:effectLst/>
+              <a:uLnTx/>
+              <a:uFillTx/>
+              <a:latin typeface="Microsoft YaHei" panose="020B0503020204020204" pitchFamily="34" charset="-122"/>
+              <a:ea typeface="Microsoft YaHei" panose="020B0503020204020204" pitchFamily="34" charset="-122"/>
+              <a:cs typeface="+mj-cs"/>
+            </a:endParaRPr>
           </a:p>
         </p:txBody>
       </p:sp>
@@ -6767,7 +6821,7 @@
           <p:cNvPr id="2" name="Text Placeholder 1">
             <a:extLst>
               <a:ext uri="{FF2B5EF4-FFF2-40B4-BE49-F238E27FC236}">
-                <a16:creationId xmlns:a16="http://schemas.microsoft.com/office/drawing/2014/main" id="{373044F1-BBA9-3CC7-2741-A6EF3F9F375E}"/>
+                <a16:creationId xmlns:a16="http://schemas.microsoft.com/office/drawing/2014/main" id="{6DC82028-7BF0-31B6-F877-795CA0067213}"/>
               </a:ext>
             </a:extLst>
           </p:cNvPr>
@@ -6796,7 +6850,7 @@
           <p:cNvPr id="4" name="Text Placeholder 3">
             <a:extLst>
               <a:ext uri="{FF2B5EF4-FFF2-40B4-BE49-F238E27FC236}">
-                <a16:creationId xmlns:a16="http://schemas.microsoft.com/office/drawing/2014/main" id="{F4C62189-AAFA-6445-0AF6-F0F9986B0A71}"/>
+                <a16:creationId xmlns:a16="http://schemas.microsoft.com/office/drawing/2014/main" id="{846B7764-5D1C-FCCA-D380-914F81263901}"/>
               </a:ext>
             </a:extLst>
           </p:cNvPr>
@@ -6825,7 +6879,7 @@
           <p:cNvPr id="5" name="Text Placeholder 4">
             <a:extLst>
               <a:ext uri="{FF2B5EF4-FFF2-40B4-BE49-F238E27FC236}">
-                <a16:creationId xmlns:a16="http://schemas.microsoft.com/office/drawing/2014/main" id="{6C7D347E-5190-CCE1-9CEF-20E50E29B29F}"/>
+                <a16:creationId xmlns:a16="http://schemas.microsoft.com/office/drawing/2014/main" id="{4CF177E3-35B8-6B1B-4868-AA4623FEDCB9}"/>
               </a:ext>
             </a:extLst>
           </p:cNvPr>
@@ -6854,7 +6908,7 @@
           <p:cNvPr id="6" name="Text Placeholder 5">
             <a:extLst>
               <a:ext uri="{FF2B5EF4-FFF2-40B4-BE49-F238E27FC236}">
-                <a16:creationId xmlns:a16="http://schemas.microsoft.com/office/drawing/2014/main" id="{2024B142-85D9-B8CC-BC52-FFF5AFA1C8DE}"/>
+                <a16:creationId xmlns:a16="http://schemas.microsoft.com/office/drawing/2014/main" id="{84B7AAD3-9940-47DB-FF6A-83DE623DA2AE}"/>
               </a:ext>
             </a:extLst>
           </p:cNvPr>
@@ -6883,7 +6937,7 @@
           <p:cNvPr id="7" name="Text Placeholder 6">
             <a:extLst>
               <a:ext uri="{FF2B5EF4-FFF2-40B4-BE49-F238E27FC236}">
-                <a16:creationId xmlns:a16="http://schemas.microsoft.com/office/drawing/2014/main" id="{D4228DDE-B4D5-45AC-8D95-0C0230DF9357}"/>
+                <a16:creationId xmlns:a16="http://schemas.microsoft.com/office/drawing/2014/main" id="{D48923F4-8DC3-9BE5-4DC6-347F2A86F4F3}"/>
               </a:ext>
             </a:extLst>
           </p:cNvPr>
@@ -6910,7 +6964,7 @@
     </p:spTree>
     <p:extLst>
       <p:ext uri="{BB962C8B-B14F-4D97-AF65-F5344CB8AC3E}">
-        <p14:creationId xmlns:p14="http://schemas.microsoft.com/office/powerpoint/2010/main" val="778674166"/>
+        <p14:creationId xmlns:p14="http://schemas.microsoft.com/office/powerpoint/2010/main" val="534033098"/>
       </p:ext>
     </p:extLst>
   </p:cSld>
@@ -6929,7 +6983,7 @@
         <p:cNvPr id="1" name="">
           <a:extLst>
             <a:ext uri="{FF2B5EF4-FFF2-40B4-BE49-F238E27FC236}">
-              <a16:creationId xmlns:a16="http://schemas.microsoft.com/office/drawing/2014/main" id="{6A421EF2-66A6-42B2-A7D2-36040A72E3FF}"/>
+              <a16:creationId xmlns:a16="http://schemas.microsoft.com/office/drawing/2014/main" id="{36FB69B0-3582-184D-77EA-9C0E8F6BE86A}"/>
             </a:ext>
           </a:extLst>
         </p:cNvPr>
@@ -6949,7 +7003,7 @@
           <p:cNvPr id="3" name="Title 1">
             <a:extLst>
               <a:ext uri="{FF2B5EF4-FFF2-40B4-BE49-F238E27FC236}">
-                <a16:creationId xmlns:a16="http://schemas.microsoft.com/office/drawing/2014/main" id="{D2B2E0D0-D847-D9B9-3CFA-6264C30F19CD}"/>
+                <a16:creationId xmlns:a16="http://schemas.microsoft.com/office/drawing/2014/main" id="{B571A698-7486-7304-A1DC-67F50D8B1C9E}"/>
               </a:ext>
             </a:extLst>
           </p:cNvPr>
@@ -7023,23 +7077,20 @@
               </a:rPr>
               <a:t>Interviewee_Name</a:t>
             </a:r>
-            <a:r>
-              <a:rPr kumimoji="0" lang="en-US" sz="2400" b="1" i="0" u="none" strike="noStrike" kern="1200" cap="none" spc="0" normalizeH="0" baseline="0" noProof="0" dirty="0">
-                <a:ln>
-                  <a:noFill/>
-                </a:ln>
-                <a:solidFill>
-                  <a:srgbClr val="004181"/>
-                </a:solidFill>
-                <a:effectLst/>
-                <a:uLnTx/>
-                <a:uFillTx/>
-                <a:latin typeface="Microsoft YaHei" panose="020B0503020204020204" pitchFamily="34" charset="-122"/>
-                <a:ea typeface="Microsoft YaHei" panose="020B0503020204020204" pitchFamily="34" charset="-122"/>
-                <a:cs typeface="+mj-cs"/>
-              </a:rPr>
-              <a:t>: ADKAR Change journey</a:t>
-            </a:r>
+            <a:endParaRPr kumimoji="0" lang="en-US" sz="2400" b="1" i="0" u="none" strike="noStrike" kern="1200" cap="none" spc="0" normalizeH="0" baseline="0" noProof="0" dirty="0">
+              <a:ln>
+                <a:noFill/>
+              </a:ln>
+              <a:solidFill>
+                <a:srgbClr val="004181"/>
+              </a:solidFill>
+              <a:effectLst/>
+              <a:uLnTx/>
+              <a:uFillTx/>
+              <a:latin typeface="Microsoft YaHei" panose="020B0503020204020204" pitchFamily="34" charset="-122"/>
+              <a:ea typeface="Microsoft YaHei" panose="020B0503020204020204" pitchFamily="34" charset="-122"/>
+              <a:cs typeface="+mj-cs"/>
+            </a:endParaRPr>
           </a:p>
         </p:txBody>
       </p:sp>
@@ -7048,7 +7099,7 @@
           <p:cNvPr id="2" name="Text Placeholder 1">
             <a:extLst>
               <a:ext uri="{FF2B5EF4-FFF2-40B4-BE49-F238E27FC236}">
-                <a16:creationId xmlns:a16="http://schemas.microsoft.com/office/drawing/2014/main" id="{DB5A6338-D2F1-4199-BE1E-970DF1A26CC9}"/>
+                <a16:creationId xmlns:a16="http://schemas.microsoft.com/office/drawing/2014/main" id="{2B57DFD7-81CE-F165-CD45-903E6B43C86B}"/>
               </a:ext>
             </a:extLst>
           </p:cNvPr>
@@ -7077,7 +7128,7 @@
           <p:cNvPr id="4" name="Text Placeholder 3">
             <a:extLst>
               <a:ext uri="{FF2B5EF4-FFF2-40B4-BE49-F238E27FC236}">
-                <a16:creationId xmlns:a16="http://schemas.microsoft.com/office/drawing/2014/main" id="{38EA4449-BDC5-51C8-F28E-0608CC619908}"/>
+                <a16:creationId xmlns:a16="http://schemas.microsoft.com/office/drawing/2014/main" id="{62F4F92D-EE6F-AF1F-639A-A63126493B48}"/>
               </a:ext>
             </a:extLst>
           </p:cNvPr>
@@ -7106,7 +7157,7 @@
           <p:cNvPr id="5" name="Text Placeholder 4">
             <a:extLst>
               <a:ext uri="{FF2B5EF4-FFF2-40B4-BE49-F238E27FC236}">
-                <a16:creationId xmlns:a16="http://schemas.microsoft.com/office/drawing/2014/main" id="{6125FE33-12BF-AFA0-A0F0-7221F41F29C7}"/>
+                <a16:creationId xmlns:a16="http://schemas.microsoft.com/office/drawing/2014/main" id="{5AE4DAA2-B785-9894-8FCF-C4C3E6059EA9}"/>
               </a:ext>
             </a:extLst>
           </p:cNvPr>
@@ -7135,7 +7186,7 @@
           <p:cNvPr id="6" name="Text Placeholder 5">
             <a:extLst>
               <a:ext uri="{FF2B5EF4-FFF2-40B4-BE49-F238E27FC236}">
-                <a16:creationId xmlns:a16="http://schemas.microsoft.com/office/drawing/2014/main" id="{2B4F9A97-AEBE-8B8A-B064-9AAB78E18C5E}"/>
+                <a16:creationId xmlns:a16="http://schemas.microsoft.com/office/drawing/2014/main" id="{D397EBB6-AF78-77C8-FB49-233F02EEB52E}"/>
               </a:ext>
             </a:extLst>
           </p:cNvPr>
@@ -7164,7 +7215,7 @@
           <p:cNvPr id="7" name="Text Placeholder 6">
             <a:extLst>
               <a:ext uri="{FF2B5EF4-FFF2-40B4-BE49-F238E27FC236}">
-                <a16:creationId xmlns:a16="http://schemas.microsoft.com/office/drawing/2014/main" id="{6971EC80-6E04-11C8-FDF6-FF766D205FA9}"/>
+                <a16:creationId xmlns:a16="http://schemas.microsoft.com/office/drawing/2014/main" id="{4E679D72-8E7D-553B-989D-027333FD0F84}"/>
               </a:ext>
             </a:extLst>
           </p:cNvPr>
@@ -7191,7 +7242,7 @@
     </p:spTree>
     <p:extLst>
       <p:ext uri="{BB962C8B-B14F-4D97-AF65-F5344CB8AC3E}">
-        <p14:creationId xmlns:p14="http://schemas.microsoft.com/office/powerpoint/2010/main" val="2735340174"/>
+        <p14:creationId xmlns:p14="http://schemas.microsoft.com/office/powerpoint/2010/main" val="31183829"/>
       </p:ext>
     </p:extLst>
   </p:cSld>
@@ -7210,7 +7261,7 @@
         <p:cNvPr id="1" name="">
           <a:extLst>
             <a:ext uri="{FF2B5EF4-FFF2-40B4-BE49-F238E27FC236}">
-              <a16:creationId xmlns:a16="http://schemas.microsoft.com/office/drawing/2014/main" id="{4F17B226-CC6C-6F2D-B492-55666CCB4EDB}"/>
+              <a16:creationId xmlns:a16="http://schemas.microsoft.com/office/drawing/2014/main" id="{28D4A69B-6FD2-CBF1-1ECB-96DD6389E339}"/>
             </a:ext>
           </a:extLst>
         </p:cNvPr>
@@ -7230,7 +7281,7 @@
           <p:cNvPr id="3" name="Title 1">
             <a:extLst>
               <a:ext uri="{FF2B5EF4-FFF2-40B4-BE49-F238E27FC236}">
-                <a16:creationId xmlns:a16="http://schemas.microsoft.com/office/drawing/2014/main" id="{5900C89C-0044-B02F-AD83-5FA3FAD4CD88}"/>
+                <a16:creationId xmlns:a16="http://schemas.microsoft.com/office/drawing/2014/main" id="{F56C586F-9151-71B4-E997-47AF783790F9}"/>
               </a:ext>
             </a:extLst>
           </p:cNvPr>
@@ -7304,23 +7355,20 @@
               </a:rPr>
               <a:t>Interviewee_Name</a:t>
             </a:r>
-            <a:r>
-              <a:rPr kumimoji="0" lang="en-US" sz="2400" b="1" i="0" u="none" strike="noStrike" kern="1200" cap="none" spc="0" normalizeH="0" baseline="0" noProof="0" dirty="0">
-                <a:ln>
-                  <a:noFill/>
-                </a:ln>
-                <a:solidFill>
-                  <a:srgbClr val="004181"/>
-                </a:solidFill>
-                <a:effectLst/>
-                <a:uLnTx/>
-                <a:uFillTx/>
-                <a:latin typeface="Microsoft YaHei" panose="020B0503020204020204" pitchFamily="34" charset="-122"/>
-                <a:ea typeface="Microsoft YaHei" panose="020B0503020204020204" pitchFamily="34" charset="-122"/>
-                <a:cs typeface="+mj-cs"/>
-              </a:rPr>
-              <a:t>: ADKAR Change journey</a:t>
-            </a:r>
+            <a:endParaRPr kumimoji="0" lang="en-US" sz="2400" b="1" i="0" u="none" strike="noStrike" kern="1200" cap="none" spc="0" normalizeH="0" baseline="0" noProof="0" dirty="0">
+              <a:ln>
+                <a:noFill/>
+              </a:ln>
+              <a:solidFill>
+                <a:srgbClr val="004181"/>
+              </a:solidFill>
+              <a:effectLst/>
+              <a:uLnTx/>
+              <a:uFillTx/>
+              <a:latin typeface="Microsoft YaHei" panose="020B0503020204020204" pitchFamily="34" charset="-122"/>
+              <a:ea typeface="Microsoft YaHei" panose="020B0503020204020204" pitchFamily="34" charset="-122"/>
+              <a:cs typeface="+mj-cs"/>
+            </a:endParaRPr>
           </a:p>
         </p:txBody>
       </p:sp>
@@ -7329,7 +7377,7 @@
           <p:cNvPr id="2" name="Text Placeholder 1">
             <a:extLst>
               <a:ext uri="{FF2B5EF4-FFF2-40B4-BE49-F238E27FC236}">
-                <a16:creationId xmlns:a16="http://schemas.microsoft.com/office/drawing/2014/main" id="{DA0FF131-58F9-407C-3C49-D0614CFB1528}"/>
+                <a16:creationId xmlns:a16="http://schemas.microsoft.com/office/drawing/2014/main" id="{48E237CD-E8B0-A79C-7F6F-6ABF893E9E66}"/>
               </a:ext>
             </a:extLst>
           </p:cNvPr>
@@ -7358,7 +7406,7 @@
           <p:cNvPr id="4" name="Text Placeholder 3">
             <a:extLst>
               <a:ext uri="{FF2B5EF4-FFF2-40B4-BE49-F238E27FC236}">
-                <a16:creationId xmlns:a16="http://schemas.microsoft.com/office/drawing/2014/main" id="{56B632E0-77A2-19F0-6B23-C9E35FBEB420}"/>
+                <a16:creationId xmlns:a16="http://schemas.microsoft.com/office/drawing/2014/main" id="{AEC3AEA7-CBCA-84E0-7761-FFF65B3603D8}"/>
               </a:ext>
             </a:extLst>
           </p:cNvPr>
@@ -7387,7 +7435,7 @@
           <p:cNvPr id="5" name="Text Placeholder 4">
             <a:extLst>
               <a:ext uri="{FF2B5EF4-FFF2-40B4-BE49-F238E27FC236}">
-                <a16:creationId xmlns:a16="http://schemas.microsoft.com/office/drawing/2014/main" id="{096B9180-BE21-44E7-5D77-E6594B529361}"/>
+                <a16:creationId xmlns:a16="http://schemas.microsoft.com/office/drawing/2014/main" id="{DB8B5114-82D5-52DC-1BC0-90EB7290D87E}"/>
               </a:ext>
             </a:extLst>
           </p:cNvPr>
@@ -7416,7 +7464,7 @@
           <p:cNvPr id="6" name="Text Placeholder 5">
             <a:extLst>
               <a:ext uri="{FF2B5EF4-FFF2-40B4-BE49-F238E27FC236}">
-                <a16:creationId xmlns:a16="http://schemas.microsoft.com/office/drawing/2014/main" id="{9FC3FBED-5F4B-D5FC-7E91-0288C827F3CB}"/>
+                <a16:creationId xmlns:a16="http://schemas.microsoft.com/office/drawing/2014/main" id="{C37E8A64-BD64-F514-6390-0214879253B4}"/>
               </a:ext>
             </a:extLst>
           </p:cNvPr>
@@ -7445,7 +7493,7 @@
           <p:cNvPr id="7" name="Text Placeholder 6">
             <a:extLst>
               <a:ext uri="{FF2B5EF4-FFF2-40B4-BE49-F238E27FC236}">
-                <a16:creationId xmlns:a16="http://schemas.microsoft.com/office/drawing/2014/main" id="{9DF7F8E4-19CD-88A9-3F69-2B0D04734ECA}"/>
+                <a16:creationId xmlns:a16="http://schemas.microsoft.com/office/drawing/2014/main" id="{F8EE0199-0328-F6C0-3617-52A4CFC6914A}"/>
               </a:ext>
             </a:extLst>
           </p:cNvPr>
@@ -7472,7 +7520,7 @@
     </p:spTree>
     <p:extLst>
       <p:ext uri="{BB962C8B-B14F-4D97-AF65-F5344CB8AC3E}">
-        <p14:creationId xmlns:p14="http://schemas.microsoft.com/office/powerpoint/2010/main" val="4196554281"/>
+        <p14:creationId xmlns:p14="http://schemas.microsoft.com/office/powerpoint/2010/main" val="2395668464"/>
       </p:ext>
     </p:extLst>
   </p:cSld>

--- a/OMP_ADKAR_template.pptx
+++ b/OMP_ADKAR_template.pptx
@@ -133,7 +133,7 @@
 <file path=ppt/revisionInfo.xml><?xml version="1.0" encoding="utf-8"?>
 <p1510:revInfo xmlns:a="http://schemas.openxmlformats.org/drawingml/2006/main" xmlns:r="http://schemas.openxmlformats.org/officeDocument/2006/relationships" xmlns:p1510="http://schemas.microsoft.com/office/powerpoint/2015/10/main">
   <p1510:revLst>
-    <p1510:client id="{9C4D2E42-79E8-FF42-958F-0CDA464F138F}" v="10" dt="2024-11-08T06:49:39.835"/>
+    <p1510:client id="{9C4D2E42-79E8-FF42-958F-0CDA464F138F}" v="11" dt="2024-11-08T08:10:52.364"/>
   </p1510:revLst>
 </p1510:revInfo>
 </file>
@@ -142,8 +142,8 @@
 <pc:chgInfo xmlns:a="http://schemas.openxmlformats.org/drawingml/2006/main" xmlns:r="http://schemas.openxmlformats.org/officeDocument/2006/relationships" xmlns:ac="http://schemas.microsoft.com/office/drawing/2013/main/command" xmlns:pc="http://schemas.microsoft.com/office/powerpoint/2013/main/command">
   <pc:docChgLst>
     <pc:chgData name="Arbour, Duncan" userId="f8c76c83-f09a-4702-8a60-e00215c8b89f" providerId="ADAL" clId="{9C4D2E42-79E8-FF42-958F-0CDA464F138F}"/>
-    <pc:docChg chg="addSld delSld modSld">
-      <pc:chgData name="Arbour, Duncan" userId="f8c76c83-f09a-4702-8a60-e00215c8b89f" providerId="ADAL" clId="{9C4D2E42-79E8-FF42-958F-0CDA464F138F}" dt="2024-11-08T07:58:00.561" v="27" actId="2890"/>
+    <pc:docChg chg="addSld delSld modSld modMainMaster">
+      <pc:chgData name="Arbour, Duncan" userId="f8c76c83-f09a-4702-8a60-e00215c8b89f" providerId="ADAL" clId="{9C4D2E42-79E8-FF42-958F-0CDA464F138F}" dt="2024-11-08T08:11:06.871" v="46" actId="2890"/>
       <pc:docMkLst>
         <pc:docMk/>
       </pc:docMkLst>
@@ -162,6 +162,13 @@
           </ac:spMkLst>
         </pc:spChg>
       </pc:sldChg>
+      <pc:sldChg chg="add">
+        <pc:chgData name="Arbour, Duncan" userId="f8c76c83-f09a-4702-8a60-e00215c8b89f" providerId="ADAL" clId="{9C4D2E42-79E8-FF42-958F-0CDA464F138F}" dt="2024-11-08T08:11:01.970" v="38" actId="2890"/>
+        <pc:sldMkLst>
+          <pc:docMk/>
+          <pc:sldMk cId="2627924273" sldId="6152"/>
+        </pc:sldMkLst>
+      </pc:sldChg>
       <pc:sldChg chg="add del">
         <pc:chgData name="Arbour, Duncan" userId="f8c76c83-f09a-4702-8a60-e00215c8b89f" providerId="ADAL" clId="{9C4D2E42-79E8-FF42-958F-0CDA464F138F}" dt="2024-11-08T07:57:49.988" v="10" actId="2696"/>
         <pc:sldMkLst>
@@ -169,11 +176,18 @@
           <pc:sldMk cId="3939918943" sldId="6152"/>
         </pc:sldMkLst>
       </pc:sldChg>
-      <pc:sldChg chg="add">
-        <pc:chgData name="Arbour, Duncan" userId="f8c76c83-f09a-4702-8a60-e00215c8b89f" providerId="ADAL" clId="{9C4D2E42-79E8-FF42-958F-0CDA464F138F}" dt="2024-11-08T07:57:55.730" v="19" actId="2890"/>
+      <pc:sldChg chg="add del">
+        <pc:chgData name="Arbour, Duncan" userId="f8c76c83-f09a-4702-8a60-e00215c8b89f" providerId="ADAL" clId="{9C4D2E42-79E8-FF42-958F-0CDA464F138F}" dt="2024-11-08T08:10:28.254" v="28" actId="2696"/>
         <pc:sldMkLst>
           <pc:docMk/>
           <pc:sldMk cId="4278731145" sldId="6152"/>
+        </pc:sldMkLst>
+      </pc:sldChg>
+      <pc:sldChg chg="add">
+        <pc:chgData name="Arbour, Duncan" userId="f8c76c83-f09a-4702-8a60-e00215c8b89f" providerId="ADAL" clId="{9C4D2E42-79E8-FF42-958F-0CDA464F138F}" dt="2024-11-08T08:11:03.180" v="39" actId="2890"/>
+        <pc:sldMkLst>
+          <pc:docMk/>
+          <pc:sldMk cId="37660425" sldId="6153"/>
         </pc:sldMkLst>
       </pc:sldChg>
       <pc:sldChg chg="add del">
@@ -183,15 +197,15 @@
           <pc:sldMk cId="2526023155" sldId="6153"/>
         </pc:sldMkLst>
       </pc:sldChg>
-      <pc:sldChg chg="add">
-        <pc:chgData name="Arbour, Duncan" userId="f8c76c83-f09a-4702-8a60-e00215c8b89f" providerId="ADAL" clId="{9C4D2E42-79E8-FF42-958F-0CDA464F138F}" dt="2024-11-08T07:57:56.699" v="20" actId="2890"/>
+      <pc:sldChg chg="add del">
+        <pc:chgData name="Arbour, Duncan" userId="f8c76c83-f09a-4702-8a60-e00215c8b89f" providerId="ADAL" clId="{9C4D2E42-79E8-FF42-958F-0CDA464F138F}" dt="2024-11-08T08:10:28.280" v="29" actId="2696"/>
         <pc:sldMkLst>
           <pc:docMk/>
           <pc:sldMk cId="3789602411" sldId="6153"/>
         </pc:sldMkLst>
       </pc:sldChg>
-      <pc:sldChg chg="add">
-        <pc:chgData name="Arbour, Duncan" userId="f8c76c83-f09a-4702-8a60-e00215c8b89f" providerId="ADAL" clId="{9C4D2E42-79E8-FF42-958F-0CDA464F138F}" dt="2024-11-08T07:57:57.257" v="21" actId="2890"/>
+      <pc:sldChg chg="add del">
+        <pc:chgData name="Arbour, Duncan" userId="f8c76c83-f09a-4702-8a60-e00215c8b89f" providerId="ADAL" clId="{9C4D2E42-79E8-FF42-958F-0CDA464F138F}" dt="2024-11-08T08:10:28.312" v="33" actId="2696"/>
         <pc:sldMkLst>
           <pc:docMk/>
           <pc:sldMk cId="621016044" sldId="6154"/>
@@ -205,7 +219,21 @@
         </pc:sldMkLst>
       </pc:sldChg>
       <pc:sldChg chg="add">
-        <pc:chgData name="Arbour, Duncan" userId="f8c76c83-f09a-4702-8a60-e00215c8b89f" providerId="ADAL" clId="{9C4D2E42-79E8-FF42-958F-0CDA464F138F}" dt="2024-11-08T07:57:57.778" v="22" actId="2890"/>
+        <pc:chgData name="Arbour, Duncan" userId="f8c76c83-f09a-4702-8a60-e00215c8b89f" providerId="ADAL" clId="{9C4D2E42-79E8-FF42-958F-0CDA464F138F}" dt="2024-11-08T08:11:03.905" v="40" actId="2890"/>
+        <pc:sldMkLst>
+          <pc:docMk/>
+          <pc:sldMk cId="3271437476" sldId="6154"/>
+        </pc:sldMkLst>
+      </pc:sldChg>
+      <pc:sldChg chg="add">
+        <pc:chgData name="Arbour, Duncan" userId="f8c76c83-f09a-4702-8a60-e00215c8b89f" providerId="ADAL" clId="{9C4D2E42-79E8-FF42-958F-0CDA464F138F}" dt="2024-11-08T08:11:04.548" v="41" actId="2890"/>
+        <pc:sldMkLst>
+          <pc:docMk/>
+          <pc:sldMk cId="1276978093" sldId="6155"/>
+        </pc:sldMkLst>
+      </pc:sldChg>
+      <pc:sldChg chg="add del">
+        <pc:chgData name="Arbour, Duncan" userId="f8c76c83-f09a-4702-8a60-e00215c8b89f" providerId="ADAL" clId="{9C4D2E42-79E8-FF42-958F-0CDA464F138F}" dt="2024-11-08T08:10:28.282" v="30" actId="2696"/>
         <pc:sldMkLst>
           <pc:docMk/>
           <pc:sldMk cId="1294871541" sldId="6155"/>
@@ -226,14 +254,28 @@
         </pc:sldMkLst>
       </pc:sldChg>
       <pc:sldChg chg="add">
-        <pc:chgData name="Arbour, Duncan" userId="f8c76c83-f09a-4702-8a60-e00215c8b89f" providerId="ADAL" clId="{9C4D2E42-79E8-FF42-958F-0CDA464F138F}" dt="2024-11-08T07:57:58.358" v="23" actId="2890"/>
+        <pc:chgData name="Arbour, Duncan" userId="f8c76c83-f09a-4702-8a60-e00215c8b89f" providerId="ADAL" clId="{9C4D2E42-79E8-FF42-958F-0CDA464F138F}" dt="2024-11-08T08:11:05.089" v="42" actId="2890"/>
+        <pc:sldMkLst>
+          <pc:docMk/>
+          <pc:sldMk cId="1467377282" sldId="6156"/>
+        </pc:sldMkLst>
+      </pc:sldChg>
+      <pc:sldChg chg="add del">
+        <pc:chgData name="Arbour, Duncan" userId="f8c76c83-f09a-4702-8a60-e00215c8b89f" providerId="ADAL" clId="{9C4D2E42-79E8-FF42-958F-0CDA464F138F}" dt="2024-11-08T08:10:28.338" v="34" actId="2696"/>
         <pc:sldMkLst>
           <pc:docMk/>
           <pc:sldMk cId="3557713462" sldId="6156"/>
         </pc:sldMkLst>
       </pc:sldChg>
       <pc:sldChg chg="add">
-        <pc:chgData name="Arbour, Duncan" userId="f8c76c83-f09a-4702-8a60-e00215c8b89f" providerId="ADAL" clId="{9C4D2E42-79E8-FF42-958F-0CDA464F138F}" dt="2024-11-08T07:57:58.902" v="24" actId="2890"/>
+        <pc:chgData name="Arbour, Duncan" userId="f8c76c83-f09a-4702-8a60-e00215c8b89f" providerId="ADAL" clId="{9C4D2E42-79E8-FF42-958F-0CDA464F138F}" dt="2024-11-08T08:11:05.584" v="43" actId="2890"/>
+        <pc:sldMkLst>
+          <pc:docMk/>
+          <pc:sldMk cId="133955782" sldId="6157"/>
+        </pc:sldMkLst>
+      </pc:sldChg>
+      <pc:sldChg chg="add del">
+        <pc:chgData name="Arbour, Duncan" userId="f8c76c83-f09a-4702-8a60-e00215c8b89f" providerId="ADAL" clId="{9C4D2E42-79E8-FF42-958F-0CDA464F138F}" dt="2024-11-08T08:10:28.368" v="36" actId="2696"/>
         <pc:sldMkLst>
           <pc:docMk/>
           <pc:sldMk cId="534033098" sldId="6157"/>
@@ -246,8 +288,8 @@
           <pc:sldMk cId="778674166" sldId="6157"/>
         </pc:sldMkLst>
       </pc:sldChg>
-      <pc:sldChg chg="add">
-        <pc:chgData name="Arbour, Duncan" userId="f8c76c83-f09a-4702-8a60-e00215c8b89f" providerId="ADAL" clId="{9C4D2E42-79E8-FF42-958F-0CDA464F138F}" dt="2024-11-08T07:57:59.458" v="25" actId="2890"/>
+      <pc:sldChg chg="add del">
+        <pc:chgData name="Arbour, Duncan" userId="f8c76c83-f09a-4702-8a60-e00215c8b89f" providerId="ADAL" clId="{9C4D2E42-79E8-FF42-958F-0CDA464F138F}" dt="2024-11-08T08:10:28.341" v="35" actId="2696"/>
         <pc:sldMkLst>
           <pc:docMk/>
           <pc:sldMk cId="31183829" sldId="6158"/>
@@ -261,10 +303,24 @@
         </pc:sldMkLst>
       </pc:sldChg>
       <pc:sldChg chg="add">
-        <pc:chgData name="Arbour, Duncan" userId="f8c76c83-f09a-4702-8a60-e00215c8b89f" providerId="ADAL" clId="{9C4D2E42-79E8-FF42-958F-0CDA464F138F}" dt="2024-11-08T07:57:59.982" v="26" actId="2890"/>
+        <pc:chgData name="Arbour, Duncan" userId="f8c76c83-f09a-4702-8a60-e00215c8b89f" providerId="ADAL" clId="{9C4D2E42-79E8-FF42-958F-0CDA464F138F}" dt="2024-11-08T08:11:06.084" v="44" actId="2890"/>
+        <pc:sldMkLst>
+          <pc:docMk/>
+          <pc:sldMk cId="4146335172" sldId="6158"/>
+        </pc:sldMkLst>
+      </pc:sldChg>
+      <pc:sldChg chg="add del">
+        <pc:chgData name="Arbour, Duncan" userId="f8c76c83-f09a-4702-8a60-e00215c8b89f" providerId="ADAL" clId="{9C4D2E42-79E8-FF42-958F-0CDA464F138F}" dt="2024-11-08T08:10:28.284" v="31" actId="2696"/>
         <pc:sldMkLst>
           <pc:docMk/>
           <pc:sldMk cId="2395668464" sldId="6159"/>
+        </pc:sldMkLst>
+      </pc:sldChg>
+      <pc:sldChg chg="add">
+        <pc:chgData name="Arbour, Duncan" userId="f8c76c83-f09a-4702-8a60-e00215c8b89f" providerId="ADAL" clId="{9C4D2E42-79E8-FF42-958F-0CDA464F138F}" dt="2024-11-08T08:11:06.464" v="45" actId="2890"/>
+        <pc:sldMkLst>
+          <pc:docMk/>
+          <pc:sldMk cId="3704884060" sldId="6159"/>
         </pc:sldMkLst>
       </pc:sldChg>
       <pc:sldChg chg="add del">
@@ -281,13 +337,44 @@
           <pc:sldMk cId="1324317197" sldId="6160"/>
         </pc:sldMkLst>
       </pc:sldChg>
-      <pc:sldChg chg="add">
-        <pc:chgData name="Arbour, Duncan" userId="f8c76c83-f09a-4702-8a60-e00215c8b89f" providerId="ADAL" clId="{9C4D2E42-79E8-FF42-958F-0CDA464F138F}" dt="2024-11-08T07:58:00.561" v="27" actId="2890"/>
+      <pc:sldChg chg="add del">
+        <pc:chgData name="Arbour, Duncan" userId="f8c76c83-f09a-4702-8a60-e00215c8b89f" providerId="ADAL" clId="{9C4D2E42-79E8-FF42-958F-0CDA464F138F}" dt="2024-11-08T08:10:28.286" v="32" actId="2696"/>
         <pc:sldMkLst>
           <pc:docMk/>
           <pc:sldMk cId="3386179108" sldId="6160"/>
         </pc:sldMkLst>
       </pc:sldChg>
+      <pc:sldChg chg="add">
+        <pc:chgData name="Arbour, Duncan" userId="f8c76c83-f09a-4702-8a60-e00215c8b89f" providerId="ADAL" clId="{9C4D2E42-79E8-FF42-958F-0CDA464F138F}" dt="2024-11-08T08:11:06.871" v="46" actId="2890"/>
+        <pc:sldMkLst>
+          <pc:docMk/>
+          <pc:sldMk cId="3840112127" sldId="6160"/>
+        </pc:sldMkLst>
+      </pc:sldChg>
+      <pc:sldMasterChg chg="modSldLayout">
+        <pc:chgData name="Arbour, Duncan" userId="f8c76c83-f09a-4702-8a60-e00215c8b89f" providerId="ADAL" clId="{9C4D2E42-79E8-FF42-958F-0CDA464F138F}" dt="2024-11-08T08:10:52.364" v="37" actId="167"/>
+        <pc:sldMasterMkLst>
+          <pc:docMk/>
+          <pc:sldMasterMk cId="3081718911" sldId="2147483687"/>
+        </pc:sldMasterMkLst>
+        <pc:sldLayoutChg chg="modSp">
+          <pc:chgData name="Arbour, Duncan" userId="f8c76c83-f09a-4702-8a60-e00215c8b89f" providerId="ADAL" clId="{9C4D2E42-79E8-FF42-958F-0CDA464F138F}" dt="2024-11-08T08:10:52.364" v="37" actId="167"/>
+          <pc:sldLayoutMkLst>
+            <pc:docMk/>
+            <pc:sldMasterMk cId="3081718911" sldId="2147483687"/>
+            <pc:sldLayoutMk cId="2887417588" sldId="2147483688"/>
+          </pc:sldLayoutMkLst>
+          <pc:spChg chg="mod">
+            <ac:chgData name="Arbour, Duncan" userId="f8c76c83-f09a-4702-8a60-e00215c8b89f" providerId="ADAL" clId="{9C4D2E42-79E8-FF42-958F-0CDA464F138F}" dt="2024-11-08T08:10:52.364" v="37" actId="167"/>
+            <ac:spMkLst>
+              <pc:docMk/>
+              <pc:sldMasterMk cId="3081718911" sldId="2147483687"/>
+              <pc:sldLayoutMk cId="2887417588" sldId="2147483688"/>
+              <ac:spMk id="40" creationId="{128A81AE-E80A-6B45-70CF-B0EA91ECA3B2}"/>
+            </ac:spMkLst>
+          </pc:spChg>
+        </pc:sldLayoutChg>
+      </pc:sldMasterChg>
     </pc:docChg>
   </pc:docChgLst>
 </pc:chgInfo>
@@ -735,7 +822,7 @@
         <p:cNvPr id="1" name="">
           <a:extLst>
             <a:ext uri="{FF2B5EF4-FFF2-40B4-BE49-F238E27FC236}">
-              <a16:creationId xmlns:a16="http://schemas.microsoft.com/office/drawing/2014/main" id="{F173FA9F-C719-01A4-852B-C6C899DCE593}"/>
+              <a16:creationId xmlns:a16="http://schemas.microsoft.com/office/drawing/2014/main" id="{B5EACC72-1DA4-B5DF-A965-F93D00D6CC53}"/>
             </a:ext>
           </a:extLst>
         </p:cNvPr>
@@ -755,7 +842,7 @@
           <p:cNvPr id="2" name="Slide Image Placeholder 1">
             <a:extLst>
               <a:ext uri="{FF2B5EF4-FFF2-40B4-BE49-F238E27FC236}">
-                <a16:creationId xmlns:a16="http://schemas.microsoft.com/office/drawing/2014/main" id="{F17CA91E-60F8-5F28-C1B1-D82A1C77C6AC}"/>
+                <a16:creationId xmlns:a16="http://schemas.microsoft.com/office/drawing/2014/main" id="{6C6B1508-C7DD-FB27-F42B-F5FCD6B94F2F}"/>
               </a:ext>
             </a:extLst>
           </p:cNvPr>
@@ -773,7 +860,7 @@
           <p:cNvPr id="3" name="Notes Placeholder 2">
             <a:extLst>
               <a:ext uri="{FF2B5EF4-FFF2-40B4-BE49-F238E27FC236}">
-                <a16:creationId xmlns:a16="http://schemas.microsoft.com/office/drawing/2014/main" id="{E54F4F4D-BBAB-BDDA-7BEC-0B91182428C9}"/>
+                <a16:creationId xmlns:a16="http://schemas.microsoft.com/office/drawing/2014/main" id="{6707AE3B-865C-3217-8DDA-184C3244E14A}"/>
               </a:ext>
             </a:extLst>
           </p:cNvPr>
@@ -798,7 +885,7 @@
           <p:cNvPr id="4" name="Slide Number Placeholder 3">
             <a:extLst>
               <a:ext uri="{FF2B5EF4-FFF2-40B4-BE49-F238E27FC236}">
-                <a16:creationId xmlns:a16="http://schemas.microsoft.com/office/drawing/2014/main" id="{A3EDD99D-23FF-82E9-E257-2F83BD27B378}"/>
+                <a16:creationId xmlns:a16="http://schemas.microsoft.com/office/drawing/2014/main" id="{2D7F9413-3AA6-6AF0-3D77-F9C59C54902E}"/>
               </a:ext>
             </a:extLst>
           </p:cNvPr>
@@ -825,7 +912,7 @@
     </p:spTree>
     <p:extLst>
       <p:ext uri="{BB962C8B-B14F-4D97-AF65-F5344CB8AC3E}">
-        <p14:creationId xmlns:p14="http://schemas.microsoft.com/office/powerpoint/2010/main" val="560934394"/>
+        <p14:creationId xmlns:p14="http://schemas.microsoft.com/office/powerpoint/2010/main" val="4115115086"/>
       </p:ext>
     </p:extLst>
   </p:cSld>
@@ -843,7 +930,7 @@
         <p:cNvPr id="1" name="">
           <a:extLst>
             <a:ext uri="{FF2B5EF4-FFF2-40B4-BE49-F238E27FC236}">
-              <a16:creationId xmlns:a16="http://schemas.microsoft.com/office/drawing/2014/main" id="{FCD76590-7482-65EB-26B6-9AFCACD28189}"/>
+              <a16:creationId xmlns:a16="http://schemas.microsoft.com/office/drawing/2014/main" id="{76CFABC2-C8D5-F9C7-341D-BFC24F88F678}"/>
             </a:ext>
           </a:extLst>
         </p:cNvPr>
@@ -863,7 +950,7 @@
           <p:cNvPr id="2" name="Slide Image Placeholder 1">
             <a:extLst>
               <a:ext uri="{FF2B5EF4-FFF2-40B4-BE49-F238E27FC236}">
-                <a16:creationId xmlns:a16="http://schemas.microsoft.com/office/drawing/2014/main" id="{687C3E2E-9A4B-B3D2-C69F-3737B2C0CB53}"/>
+                <a16:creationId xmlns:a16="http://schemas.microsoft.com/office/drawing/2014/main" id="{B18C477D-BF29-BCD7-0CB5-BC0BDEEE28D0}"/>
               </a:ext>
             </a:extLst>
           </p:cNvPr>
@@ -881,7 +968,7 @@
           <p:cNvPr id="3" name="Notes Placeholder 2">
             <a:extLst>
               <a:ext uri="{FF2B5EF4-FFF2-40B4-BE49-F238E27FC236}">
-                <a16:creationId xmlns:a16="http://schemas.microsoft.com/office/drawing/2014/main" id="{18F77DE0-E4E4-81E5-ED4A-36342A3AE63C}"/>
+                <a16:creationId xmlns:a16="http://schemas.microsoft.com/office/drawing/2014/main" id="{52643876-B50F-D1B8-1586-D1B0F672D299}"/>
               </a:ext>
             </a:extLst>
           </p:cNvPr>
@@ -906,7 +993,7 @@
           <p:cNvPr id="4" name="Slide Number Placeholder 3">
             <a:extLst>
               <a:ext uri="{FF2B5EF4-FFF2-40B4-BE49-F238E27FC236}">
-                <a16:creationId xmlns:a16="http://schemas.microsoft.com/office/drawing/2014/main" id="{C4449455-D1A3-77B0-61E7-FC3B46BD9C9B}"/>
+                <a16:creationId xmlns:a16="http://schemas.microsoft.com/office/drawing/2014/main" id="{B8FE1701-555E-1D06-2BD6-96F5D7B0DF81}"/>
               </a:ext>
             </a:extLst>
           </p:cNvPr>
@@ -933,7 +1020,7 @@
     </p:spTree>
     <p:extLst>
       <p:ext uri="{BB962C8B-B14F-4D97-AF65-F5344CB8AC3E}">
-        <p14:creationId xmlns:p14="http://schemas.microsoft.com/office/powerpoint/2010/main" val="583692795"/>
+        <p14:creationId xmlns:p14="http://schemas.microsoft.com/office/powerpoint/2010/main" val="3578960747"/>
       </p:ext>
     </p:extLst>
   </p:cSld>
@@ -951,7 +1038,7 @@
         <p:cNvPr id="1" name="">
           <a:extLst>
             <a:ext uri="{FF2B5EF4-FFF2-40B4-BE49-F238E27FC236}">
-              <a16:creationId xmlns:a16="http://schemas.microsoft.com/office/drawing/2014/main" id="{279647A5-5D81-CA77-AEEC-B1120C362798}"/>
+              <a16:creationId xmlns:a16="http://schemas.microsoft.com/office/drawing/2014/main" id="{569A619B-5BC4-4BDB-EF28-0818CE4AAE3F}"/>
             </a:ext>
           </a:extLst>
         </p:cNvPr>
@@ -971,7 +1058,7 @@
           <p:cNvPr id="2" name="Slide Image Placeholder 1">
             <a:extLst>
               <a:ext uri="{FF2B5EF4-FFF2-40B4-BE49-F238E27FC236}">
-                <a16:creationId xmlns:a16="http://schemas.microsoft.com/office/drawing/2014/main" id="{2CF973A1-83BD-ECFB-CEE0-C4C48E8951A4}"/>
+                <a16:creationId xmlns:a16="http://schemas.microsoft.com/office/drawing/2014/main" id="{95739A10-5140-53F8-C456-535FF071945C}"/>
               </a:ext>
             </a:extLst>
           </p:cNvPr>
@@ -989,7 +1076,7 @@
           <p:cNvPr id="3" name="Notes Placeholder 2">
             <a:extLst>
               <a:ext uri="{FF2B5EF4-FFF2-40B4-BE49-F238E27FC236}">
-                <a16:creationId xmlns:a16="http://schemas.microsoft.com/office/drawing/2014/main" id="{A536F556-1882-5E7D-26F5-E3BFFF21ABBD}"/>
+                <a16:creationId xmlns:a16="http://schemas.microsoft.com/office/drawing/2014/main" id="{A3DE99E1-F398-6328-5479-75E04475CA8B}"/>
               </a:ext>
             </a:extLst>
           </p:cNvPr>
@@ -1014,7 +1101,7 @@
           <p:cNvPr id="4" name="Slide Number Placeholder 3">
             <a:extLst>
               <a:ext uri="{FF2B5EF4-FFF2-40B4-BE49-F238E27FC236}">
-                <a16:creationId xmlns:a16="http://schemas.microsoft.com/office/drawing/2014/main" id="{DF4C8522-739E-1A4A-8ED5-B7DE1DB59372}"/>
+                <a16:creationId xmlns:a16="http://schemas.microsoft.com/office/drawing/2014/main" id="{4DEC9496-445D-F329-E281-F217B8A1162C}"/>
               </a:ext>
             </a:extLst>
           </p:cNvPr>
@@ -1041,7 +1128,7 @@
     </p:spTree>
     <p:extLst>
       <p:ext uri="{BB962C8B-B14F-4D97-AF65-F5344CB8AC3E}">
-        <p14:creationId xmlns:p14="http://schemas.microsoft.com/office/powerpoint/2010/main" val="452686275"/>
+        <p14:creationId xmlns:p14="http://schemas.microsoft.com/office/powerpoint/2010/main" val="883091157"/>
       </p:ext>
     </p:extLst>
   </p:cSld>
@@ -1059,7 +1146,7 @@
         <p:cNvPr id="1" name="">
           <a:extLst>
             <a:ext uri="{FF2B5EF4-FFF2-40B4-BE49-F238E27FC236}">
-              <a16:creationId xmlns:a16="http://schemas.microsoft.com/office/drawing/2014/main" id="{9B026F78-43C6-F751-F61D-2E808351C8A8}"/>
+              <a16:creationId xmlns:a16="http://schemas.microsoft.com/office/drawing/2014/main" id="{474ECCFF-4A17-7406-E68E-628CA93B4D7F}"/>
             </a:ext>
           </a:extLst>
         </p:cNvPr>
@@ -1079,7 +1166,7 @@
           <p:cNvPr id="2" name="Slide Image Placeholder 1">
             <a:extLst>
               <a:ext uri="{FF2B5EF4-FFF2-40B4-BE49-F238E27FC236}">
-                <a16:creationId xmlns:a16="http://schemas.microsoft.com/office/drawing/2014/main" id="{9162FFA6-5A3E-533C-8650-3311FC9A1930}"/>
+                <a16:creationId xmlns:a16="http://schemas.microsoft.com/office/drawing/2014/main" id="{09844790-3741-313C-D895-6B03741868D5}"/>
               </a:ext>
             </a:extLst>
           </p:cNvPr>
@@ -1097,7 +1184,7 @@
           <p:cNvPr id="3" name="Notes Placeholder 2">
             <a:extLst>
               <a:ext uri="{FF2B5EF4-FFF2-40B4-BE49-F238E27FC236}">
-                <a16:creationId xmlns:a16="http://schemas.microsoft.com/office/drawing/2014/main" id="{BF18FBD9-7CAD-8296-7751-34DF63A6588C}"/>
+                <a16:creationId xmlns:a16="http://schemas.microsoft.com/office/drawing/2014/main" id="{04FC48BE-4366-C06F-69EA-2C2D3DC38AA2}"/>
               </a:ext>
             </a:extLst>
           </p:cNvPr>
@@ -1122,7 +1209,7 @@
           <p:cNvPr id="4" name="Slide Number Placeholder 3">
             <a:extLst>
               <a:ext uri="{FF2B5EF4-FFF2-40B4-BE49-F238E27FC236}">
-                <a16:creationId xmlns:a16="http://schemas.microsoft.com/office/drawing/2014/main" id="{E32E3358-A687-88EE-538B-10A27E3DFDF7}"/>
+                <a16:creationId xmlns:a16="http://schemas.microsoft.com/office/drawing/2014/main" id="{BE7BD221-116B-18F7-D899-A26EF25F8AD5}"/>
               </a:ext>
             </a:extLst>
           </p:cNvPr>
@@ -1149,7 +1236,7 @@
     </p:spTree>
     <p:extLst>
       <p:ext uri="{BB962C8B-B14F-4D97-AF65-F5344CB8AC3E}">
-        <p14:creationId xmlns:p14="http://schemas.microsoft.com/office/powerpoint/2010/main" val="3197042439"/>
+        <p14:creationId xmlns:p14="http://schemas.microsoft.com/office/powerpoint/2010/main" val="3779446062"/>
       </p:ext>
     </p:extLst>
   </p:cSld>
@@ -1167,7 +1254,7 @@
         <p:cNvPr id="1" name="">
           <a:extLst>
             <a:ext uri="{FF2B5EF4-FFF2-40B4-BE49-F238E27FC236}">
-              <a16:creationId xmlns:a16="http://schemas.microsoft.com/office/drawing/2014/main" id="{5CABEA7A-F39D-BD7E-EFE3-40D4F47F3745}"/>
+              <a16:creationId xmlns:a16="http://schemas.microsoft.com/office/drawing/2014/main" id="{87CCE7CA-51B0-FA3F-307F-531D926C78FB}"/>
             </a:ext>
           </a:extLst>
         </p:cNvPr>
@@ -1187,7 +1274,7 @@
           <p:cNvPr id="2" name="Slide Image Placeholder 1">
             <a:extLst>
               <a:ext uri="{FF2B5EF4-FFF2-40B4-BE49-F238E27FC236}">
-                <a16:creationId xmlns:a16="http://schemas.microsoft.com/office/drawing/2014/main" id="{B331C321-E03F-A328-2989-431DE1F0E7B2}"/>
+                <a16:creationId xmlns:a16="http://schemas.microsoft.com/office/drawing/2014/main" id="{C460E64A-6B30-2643-7EF8-C30801D644D5}"/>
               </a:ext>
             </a:extLst>
           </p:cNvPr>
@@ -1205,7 +1292,7 @@
           <p:cNvPr id="3" name="Notes Placeholder 2">
             <a:extLst>
               <a:ext uri="{FF2B5EF4-FFF2-40B4-BE49-F238E27FC236}">
-                <a16:creationId xmlns:a16="http://schemas.microsoft.com/office/drawing/2014/main" id="{C2DB846E-7518-BEF0-E362-4F160BD5968A}"/>
+                <a16:creationId xmlns:a16="http://schemas.microsoft.com/office/drawing/2014/main" id="{63413D58-86F4-2C46-5974-43CEED48D5BF}"/>
               </a:ext>
             </a:extLst>
           </p:cNvPr>
@@ -1230,7 +1317,7 @@
           <p:cNvPr id="4" name="Slide Number Placeholder 3">
             <a:extLst>
               <a:ext uri="{FF2B5EF4-FFF2-40B4-BE49-F238E27FC236}">
-                <a16:creationId xmlns:a16="http://schemas.microsoft.com/office/drawing/2014/main" id="{45D91EF3-95F1-7C9C-F9AB-AEC376D55708}"/>
+                <a16:creationId xmlns:a16="http://schemas.microsoft.com/office/drawing/2014/main" id="{656BDF22-9514-27EE-EBDE-7A63FB95F8B5}"/>
               </a:ext>
             </a:extLst>
           </p:cNvPr>
@@ -1257,7 +1344,7 @@
     </p:spTree>
     <p:extLst>
       <p:ext uri="{BB962C8B-B14F-4D97-AF65-F5344CB8AC3E}">
-        <p14:creationId xmlns:p14="http://schemas.microsoft.com/office/powerpoint/2010/main" val="2736367141"/>
+        <p14:creationId xmlns:p14="http://schemas.microsoft.com/office/powerpoint/2010/main" val="722312268"/>
       </p:ext>
     </p:extLst>
   </p:cSld>
@@ -1275,7 +1362,7 @@
         <p:cNvPr id="1" name="">
           <a:extLst>
             <a:ext uri="{FF2B5EF4-FFF2-40B4-BE49-F238E27FC236}">
-              <a16:creationId xmlns:a16="http://schemas.microsoft.com/office/drawing/2014/main" id="{AD646FAC-12CC-E2AF-100B-2EAACBE00248}"/>
+              <a16:creationId xmlns:a16="http://schemas.microsoft.com/office/drawing/2014/main" id="{D7D09D5A-FCA2-C894-B196-73FA4A1D4EA2}"/>
             </a:ext>
           </a:extLst>
         </p:cNvPr>
@@ -1295,7 +1382,7 @@
           <p:cNvPr id="2" name="Slide Image Placeholder 1">
             <a:extLst>
               <a:ext uri="{FF2B5EF4-FFF2-40B4-BE49-F238E27FC236}">
-                <a16:creationId xmlns:a16="http://schemas.microsoft.com/office/drawing/2014/main" id="{877ACFD4-25F9-A303-EBA5-9920E79357A4}"/>
+                <a16:creationId xmlns:a16="http://schemas.microsoft.com/office/drawing/2014/main" id="{6346B36A-DCAA-4738-FF7B-4AED56EAD775}"/>
               </a:ext>
             </a:extLst>
           </p:cNvPr>
@@ -1313,7 +1400,7 @@
           <p:cNvPr id="3" name="Notes Placeholder 2">
             <a:extLst>
               <a:ext uri="{FF2B5EF4-FFF2-40B4-BE49-F238E27FC236}">
-                <a16:creationId xmlns:a16="http://schemas.microsoft.com/office/drawing/2014/main" id="{6CC15447-28DE-D8D2-190D-4BAB46F504C5}"/>
+                <a16:creationId xmlns:a16="http://schemas.microsoft.com/office/drawing/2014/main" id="{CA6A3B3E-90D7-5090-7067-FD46ACE6D44C}"/>
               </a:ext>
             </a:extLst>
           </p:cNvPr>
@@ -1338,7 +1425,7 @@
           <p:cNvPr id="4" name="Slide Number Placeholder 3">
             <a:extLst>
               <a:ext uri="{FF2B5EF4-FFF2-40B4-BE49-F238E27FC236}">
-                <a16:creationId xmlns:a16="http://schemas.microsoft.com/office/drawing/2014/main" id="{BFB5687D-32ED-6E96-6BC2-4CEEE7C01EC2}"/>
+                <a16:creationId xmlns:a16="http://schemas.microsoft.com/office/drawing/2014/main" id="{2EAFC249-2801-8C7F-C3F0-7353AB5FFE15}"/>
               </a:ext>
             </a:extLst>
           </p:cNvPr>
@@ -1365,7 +1452,7 @@
     </p:spTree>
     <p:extLst>
       <p:ext uri="{BB962C8B-B14F-4D97-AF65-F5344CB8AC3E}">
-        <p14:creationId xmlns:p14="http://schemas.microsoft.com/office/powerpoint/2010/main" val="2095278049"/>
+        <p14:creationId xmlns:p14="http://schemas.microsoft.com/office/powerpoint/2010/main" val="3954779285"/>
       </p:ext>
     </p:extLst>
   </p:cSld>
@@ -1383,7 +1470,7 @@
         <p:cNvPr id="1" name="">
           <a:extLst>
             <a:ext uri="{FF2B5EF4-FFF2-40B4-BE49-F238E27FC236}">
-              <a16:creationId xmlns:a16="http://schemas.microsoft.com/office/drawing/2014/main" id="{205A6FDF-7CC2-812F-2719-0611A828D6F4}"/>
+              <a16:creationId xmlns:a16="http://schemas.microsoft.com/office/drawing/2014/main" id="{9CD46FF8-52D6-791F-FE31-E42A6DA9EFC7}"/>
             </a:ext>
           </a:extLst>
         </p:cNvPr>
@@ -1403,7 +1490,7 @@
           <p:cNvPr id="2" name="Slide Image Placeholder 1">
             <a:extLst>
               <a:ext uri="{FF2B5EF4-FFF2-40B4-BE49-F238E27FC236}">
-                <a16:creationId xmlns:a16="http://schemas.microsoft.com/office/drawing/2014/main" id="{C7D019D6-B204-E0F7-28B8-41F93D7B3956}"/>
+                <a16:creationId xmlns:a16="http://schemas.microsoft.com/office/drawing/2014/main" id="{8E2A2303-532C-CC4D-4261-20A977EE0A0E}"/>
               </a:ext>
             </a:extLst>
           </p:cNvPr>
@@ -1421,7 +1508,7 @@
           <p:cNvPr id="3" name="Notes Placeholder 2">
             <a:extLst>
               <a:ext uri="{FF2B5EF4-FFF2-40B4-BE49-F238E27FC236}">
-                <a16:creationId xmlns:a16="http://schemas.microsoft.com/office/drawing/2014/main" id="{93C1CA0D-B134-A1B7-8E85-2DE45AA38CC7}"/>
+                <a16:creationId xmlns:a16="http://schemas.microsoft.com/office/drawing/2014/main" id="{7FEACB63-A10E-F3F8-5E7C-DD0B7C493C6C}"/>
               </a:ext>
             </a:extLst>
           </p:cNvPr>
@@ -1446,7 +1533,7 @@
           <p:cNvPr id="4" name="Slide Number Placeholder 3">
             <a:extLst>
               <a:ext uri="{FF2B5EF4-FFF2-40B4-BE49-F238E27FC236}">
-                <a16:creationId xmlns:a16="http://schemas.microsoft.com/office/drawing/2014/main" id="{AAEEC327-B1BB-5DDA-6306-7EA4A5180E83}"/>
+                <a16:creationId xmlns:a16="http://schemas.microsoft.com/office/drawing/2014/main" id="{18BEB4A2-0D77-A0DF-002E-F6B0995666F3}"/>
               </a:ext>
             </a:extLst>
           </p:cNvPr>
@@ -1473,7 +1560,7 @@
     </p:spTree>
     <p:extLst>
       <p:ext uri="{BB962C8B-B14F-4D97-AF65-F5344CB8AC3E}">
-        <p14:creationId xmlns:p14="http://schemas.microsoft.com/office/powerpoint/2010/main" val="1447345702"/>
+        <p14:creationId xmlns:p14="http://schemas.microsoft.com/office/powerpoint/2010/main" val="350846321"/>
       </p:ext>
     </p:extLst>
   </p:cSld>
@@ -1491,7 +1578,7 @@
         <p:cNvPr id="1" name="">
           <a:extLst>
             <a:ext uri="{FF2B5EF4-FFF2-40B4-BE49-F238E27FC236}">
-              <a16:creationId xmlns:a16="http://schemas.microsoft.com/office/drawing/2014/main" id="{65531F65-DF13-DBD5-5495-349E2CACC087}"/>
+              <a16:creationId xmlns:a16="http://schemas.microsoft.com/office/drawing/2014/main" id="{BD199256-DCBC-8804-D850-1636F6C1540D}"/>
             </a:ext>
           </a:extLst>
         </p:cNvPr>
@@ -1511,7 +1598,7 @@
           <p:cNvPr id="2" name="Slide Image Placeholder 1">
             <a:extLst>
               <a:ext uri="{FF2B5EF4-FFF2-40B4-BE49-F238E27FC236}">
-                <a16:creationId xmlns:a16="http://schemas.microsoft.com/office/drawing/2014/main" id="{38F600D5-6092-9F11-3097-2EEE83C1560E}"/>
+                <a16:creationId xmlns:a16="http://schemas.microsoft.com/office/drawing/2014/main" id="{6A94EB82-55E3-E119-7BEC-E3D23A97234C}"/>
               </a:ext>
             </a:extLst>
           </p:cNvPr>
@@ -1529,7 +1616,7 @@
           <p:cNvPr id="3" name="Notes Placeholder 2">
             <a:extLst>
               <a:ext uri="{FF2B5EF4-FFF2-40B4-BE49-F238E27FC236}">
-                <a16:creationId xmlns:a16="http://schemas.microsoft.com/office/drawing/2014/main" id="{C86668D3-1166-81D8-DC7B-23C6D83DF0F3}"/>
+                <a16:creationId xmlns:a16="http://schemas.microsoft.com/office/drawing/2014/main" id="{FD755145-1113-CBFE-62CD-A35FE26EC7DA}"/>
               </a:ext>
             </a:extLst>
           </p:cNvPr>
@@ -1554,7 +1641,7 @@
           <p:cNvPr id="4" name="Slide Number Placeholder 3">
             <a:extLst>
               <a:ext uri="{FF2B5EF4-FFF2-40B4-BE49-F238E27FC236}">
-                <a16:creationId xmlns:a16="http://schemas.microsoft.com/office/drawing/2014/main" id="{BFAF418C-AC44-153B-2CFF-386E54617AC6}"/>
+                <a16:creationId xmlns:a16="http://schemas.microsoft.com/office/drawing/2014/main" id="{A94CFBF1-A364-4320-7821-E8132803B200}"/>
               </a:ext>
             </a:extLst>
           </p:cNvPr>
@@ -1581,7 +1668,7 @@
     </p:spTree>
     <p:extLst>
       <p:ext uri="{BB962C8B-B14F-4D97-AF65-F5344CB8AC3E}">
-        <p14:creationId xmlns:p14="http://schemas.microsoft.com/office/powerpoint/2010/main" val="2027769704"/>
+        <p14:creationId xmlns:p14="http://schemas.microsoft.com/office/powerpoint/2010/main" val="1009453082"/>
       </p:ext>
     </p:extLst>
   </p:cSld>
@@ -1599,7 +1686,7 @@
         <p:cNvPr id="1" name="">
           <a:extLst>
             <a:ext uri="{FF2B5EF4-FFF2-40B4-BE49-F238E27FC236}">
-              <a16:creationId xmlns:a16="http://schemas.microsoft.com/office/drawing/2014/main" id="{8B15AA60-C85F-8CA9-F964-0141909E2558}"/>
+              <a16:creationId xmlns:a16="http://schemas.microsoft.com/office/drawing/2014/main" id="{288F5C09-CA43-3AE8-40B7-ABF815850C0C}"/>
             </a:ext>
           </a:extLst>
         </p:cNvPr>
@@ -1619,7 +1706,7 @@
           <p:cNvPr id="2" name="Slide Image Placeholder 1">
             <a:extLst>
               <a:ext uri="{FF2B5EF4-FFF2-40B4-BE49-F238E27FC236}">
-                <a16:creationId xmlns:a16="http://schemas.microsoft.com/office/drawing/2014/main" id="{545855D7-D98D-F149-D1A5-DBAB5C113E7A}"/>
+                <a16:creationId xmlns:a16="http://schemas.microsoft.com/office/drawing/2014/main" id="{897ADBA9-5BF1-16E1-D3D9-77CAC1E4E299}"/>
               </a:ext>
             </a:extLst>
           </p:cNvPr>
@@ -1637,7 +1724,7 @@
           <p:cNvPr id="3" name="Notes Placeholder 2">
             <a:extLst>
               <a:ext uri="{FF2B5EF4-FFF2-40B4-BE49-F238E27FC236}">
-                <a16:creationId xmlns:a16="http://schemas.microsoft.com/office/drawing/2014/main" id="{6DDD54FC-9F31-2941-2111-4189C1BC6C64}"/>
+                <a16:creationId xmlns:a16="http://schemas.microsoft.com/office/drawing/2014/main" id="{A59B70A9-33F2-CBF6-52F0-FA376F4C66CD}"/>
               </a:ext>
             </a:extLst>
           </p:cNvPr>
@@ -1662,7 +1749,7 @@
           <p:cNvPr id="4" name="Slide Number Placeholder 3">
             <a:extLst>
               <a:ext uri="{FF2B5EF4-FFF2-40B4-BE49-F238E27FC236}">
-                <a16:creationId xmlns:a16="http://schemas.microsoft.com/office/drawing/2014/main" id="{AD53EE53-80AB-2AD2-EB1A-E681651071EA}"/>
+                <a16:creationId xmlns:a16="http://schemas.microsoft.com/office/drawing/2014/main" id="{EFFAAE92-CCC9-2B27-21D5-71A044489413}"/>
               </a:ext>
             </a:extLst>
           </p:cNvPr>
@@ -1689,7 +1776,7 @@
     </p:spTree>
     <p:extLst>
       <p:ext uri="{BB962C8B-B14F-4D97-AF65-F5344CB8AC3E}">
-        <p14:creationId xmlns:p14="http://schemas.microsoft.com/office/powerpoint/2010/main" val="2837990733"/>
+        <p14:creationId xmlns:p14="http://schemas.microsoft.com/office/powerpoint/2010/main" val="1729104721"/>
       </p:ext>
     </p:extLst>
   </p:cSld>
@@ -1716,6 +1803,87 @@
           <a:chExt cx="0" cy="0"/>
         </a:xfrm>
       </p:grpSpPr>
+      <p:sp>
+        <p:nvSpPr>
+          <p:cNvPr id="40" name="Rectangle 39">
+            <a:extLst>
+              <a:ext uri="{FF2B5EF4-FFF2-40B4-BE49-F238E27FC236}">
+                <a16:creationId xmlns:a16="http://schemas.microsoft.com/office/drawing/2014/main" id="{128A81AE-E80A-6B45-70CF-B0EA91ECA3B2}"/>
+              </a:ext>
+            </a:extLst>
+          </p:cNvPr>
+          <p:cNvSpPr/>
+          <p:nvPr userDrawn="1"/>
+        </p:nvSpPr>
+        <p:spPr>
+          <a:xfrm>
+            <a:off x="10191404" y="6434051"/>
+            <a:ext cx="1729047" cy="182880"/>
+          </a:xfrm>
+          <a:prstGeom prst="rect">
+            <a:avLst/>
+          </a:prstGeom>
+          <a:solidFill>
+            <a:schemeClr val="bg1"/>
+          </a:solidFill>
+          <a:ln w="12700" cap="flat">
+            <a:noFill/>
+            <a:miter lim="400000"/>
+          </a:ln>
+          <a:effectLst/>
+          <a:sp3d/>
+        </p:spPr>
+        <p:style>
+          <a:lnRef idx="0">
+            <a:scrgbClr r="0" g="0" b="0"/>
+          </a:lnRef>
+          <a:fillRef idx="0">
+            <a:scrgbClr r="0" g="0" b="0"/>
+          </a:fillRef>
+          <a:effectRef idx="0">
+            <a:scrgbClr r="0" g="0" b="0"/>
+          </a:effectRef>
+          <a:fontRef idx="none"/>
+        </p:style>
+        <p:txBody>
+          <a:bodyPr rot="0" spcFirstLastPara="1" vertOverflow="overflow" horzOverflow="overflow" vert="horz" wrap="square" lIns="0" tIns="0" rIns="0" bIns="0" numCol="1" spcCol="38100" rtlCol="0" anchor="ctr">
+            <a:spAutoFit/>
+          </a:bodyPr>
+          <a:lstStyle/>
+          <a:p>
+            <a:pPr marL="0" marR="0" indent="0" algn="ctr" defTabSz="825500" rtl="0" fontAlgn="auto" latinLnBrk="0" hangingPunct="0">
+              <a:lnSpc>
+                <a:spcPct val="100000"/>
+              </a:lnSpc>
+              <a:spcBef>
+                <a:spcPts val="0"/>
+              </a:spcBef>
+              <a:spcAft>
+                <a:spcPts val="0"/>
+              </a:spcAft>
+              <a:buClrTx/>
+              <a:buSzTx/>
+              <a:buFontTx/>
+              <a:buNone/>
+              <a:tabLst/>
+            </a:pPr>
+            <a:endParaRPr kumimoji="0" lang="en-GB" sz="3200" b="0" i="0" u="none" strike="noStrike" cap="none" spc="0" normalizeH="0" baseline="0">
+              <a:ln>
+                <a:noFill/>
+              </a:ln>
+              <a:solidFill>
+                <a:srgbClr val="FFFFFF"/>
+              </a:solidFill>
+              <a:effectLst/>
+              <a:uFillTx/>
+              <a:latin typeface="+mn-lt"/>
+              <a:ea typeface="+mn-ea"/>
+              <a:cs typeface="+mn-cs"/>
+              <a:sym typeface="Helvetica Neue Medium"/>
+            </a:endParaRPr>
+          </a:p>
+        </p:txBody>
+      </p:sp>
       <p:sp>
         <p:nvSpPr>
           <p:cNvPr id="19" name="Rectangle 18">
@@ -2533,87 +2701,6 @@
               </a:rPr>
               <a:t>Reinforcement</a:t>
             </a:r>
-          </a:p>
-        </p:txBody>
-      </p:sp>
-      <p:sp>
-        <p:nvSpPr>
-          <p:cNvPr id="40" name="Rectangle 39">
-            <a:extLst>
-              <a:ext uri="{FF2B5EF4-FFF2-40B4-BE49-F238E27FC236}">
-                <a16:creationId xmlns:a16="http://schemas.microsoft.com/office/drawing/2014/main" id="{128A81AE-E80A-6B45-70CF-B0EA91ECA3B2}"/>
-              </a:ext>
-            </a:extLst>
-          </p:cNvPr>
-          <p:cNvSpPr/>
-          <p:nvPr userDrawn="1"/>
-        </p:nvSpPr>
-        <p:spPr>
-          <a:xfrm>
-            <a:off x="10191404" y="6434051"/>
-            <a:ext cx="1729047" cy="182880"/>
-          </a:xfrm>
-          <a:prstGeom prst="rect">
-            <a:avLst/>
-          </a:prstGeom>
-          <a:solidFill>
-            <a:schemeClr val="bg1"/>
-          </a:solidFill>
-          <a:ln w="12700" cap="flat">
-            <a:noFill/>
-            <a:miter lim="400000"/>
-          </a:ln>
-          <a:effectLst/>
-          <a:sp3d/>
-        </p:spPr>
-        <p:style>
-          <a:lnRef idx="0">
-            <a:scrgbClr r="0" g="0" b="0"/>
-          </a:lnRef>
-          <a:fillRef idx="0">
-            <a:scrgbClr r="0" g="0" b="0"/>
-          </a:fillRef>
-          <a:effectRef idx="0">
-            <a:scrgbClr r="0" g="0" b="0"/>
-          </a:effectRef>
-          <a:fontRef idx="none"/>
-        </p:style>
-        <p:txBody>
-          <a:bodyPr rot="0" spcFirstLastPara="1" vertOverflow="overflow" horzOverflow="overflow" vert="horz" wrap="square" lIns="0" tIns="0" rIns="0" bIns="0" numCol="1" spcCol="38100" rtlCol="0" anchor="ctr">
-            <a:spAutoFit/>
-          </a:bodyPr>
-          <a:lstStyle/>
-          <a:p>
-            <a:pPr marL="0" marR="0" indent="0" algn="ctr" defTabSz="825500" rtl="0" fontAlgn="auto" latinLnBrk="0" hangingPunct="0">
-              <a:lnSpc>
-                <a:spcPct val="100000"/>
-              </a:lnSpc>
-              <a:spcBef>
-                <a:spcPts val="0"/>
-              </a:spcBef>
-              <a:spcAft>
-                <a:spcPts val="0"/>
-              </a:spcAft>
-              <a:buClrTx/>
-              <a:buSzTx/>
-              <a:buFontTx/>
-              <a:buNone/>
-              <a:tabLst/>
-            </a:pPr>
-            <a:endParaRPr kumimoji="0" lang="en-GB" sz="3200" b="0" i="0" u="none" strike="noStrike" cap="none" spc="0" normalizeH="0" baseline="0">
-              <a:ln>
-                <a:noFill/>
-              </a:ln>
-              <a:solidFill>
-                <a:srgbClr val="FFFFFF"/>
-              </a:solidFill>
-              <a:effectLst/>
-              <a:uFillTx/>
-              <a:latin typeface="+mn-lt"/>
-              <a:ea typeface="+mn-ea"/>
-              <a:cs typeface="+mn-cs"/>
-              <a:sym typeface="Helvetica Neue Medium"/>
-            </a:endParaRPr>
           </a:p>
         </p:txBody>
       </p:sp>
@@ -5037,7 +5124,7 @@
         <p:cNvPr id="1" name="">
           <a:extLst>
             <a:ext uri="{FF2B5EF4-FFF2-40B4-BE49-F238E27FC236}">
-              <a16:creationId xmlns:a16="http://schemas.microsoft.com/office/drawing/2014/main" id="{A45301E3-6F57-77C9-AD88-0F2617427C03}"/>
+              <a16:creationId xmlns:a16="http://schemas.microsoft.com/office/drawing/2014/main" id="{CF4891D4-9701-28E4-D3C3-89E0B8D03D36}"/>
             </a:ext>
           </a:extLst>
         </p:cNvPr>
@@ -5057,7 +5144,7 @@
           <p:cNvPr id="3" name="Title 1">
             <a:extLst>
               <a:ext uri="{FF2B5EF4-FFF2-40B4-BE49-F238E27FC236}">
-                <a16:creationId xmlns:a16="http://schemas.microsoft.com/office/drawing/2014/main" id="{ADD0400A-78D9-7817-6AB9-B322D41D71F3}"/>
+                <a16:creationId xmlns:a16="http://schemas.microsoft.com/office/drawing/2014/main" id="{3EC21A9C-5EB6-3D6C-7C51-15030480F1F3}"/>
               </a:ext>
             </a:extLst>
           </p:cNvPr>
@@ -5153,7 +5240,7 @@
           <p:cNvPr id="2" name="Text Placeholder 1">
             <a:extLst>
               <a:ext uri="{FF2B5EF4-FFF2-40B4-BE49-F238E27FC236}">
-                <a16:creationId xmlns:a16="http://schemas.microsoft.com/office/drawing/2014/main" id="{2C469B70-FBA6-A8C3-4DBF-6FFFADFD8475}"/>
+                <a16:creationId xmlns:a16="http://schemas.microsoft.com/office/drawing/2014/main" id="{5E9981BA-D502-EB8D-C0D5-DD0FBCEE298A}"/>
               </a:ext>
             </a:extLst>
           </p:cNvPr>
@@ -5182,7 +5269,7 @@
           <p:cNvPr id="4" name="Text Placeholder 3">
             <a:extLst>
               <a:ext uri="{FF2B5EF4-FFF2-40B4-BE49-F238E27FC236}">
-                <a16:creationId xmlns:a16="http://schemas.microsoft.com/office/drawing/2014/main" id="{7DE1A023-7A5A-3227-AC29-BABD32E70351}"/>
+                <a16:creationId xmlns:a16="http://schemas.microsoft.com/office/drawing/2014/main" id="{2A89501E-6488-24FE-8F7A-421C10BD6560}"/>
               </a:ext>
             </a:extLst>
           </p:cNvPr>
@@ -5211,7 +5298,7 @@
           <p:cNvPr id="5" name="Text Placeholder 4">
             <a:extLst>
               <a:ext uri="{FF2B5EF4-FFF2-40B4-BE49-F238E27FC236}">
-                <a16:creationId xmlns:a16="http://schemas.microsoft.com/office/drawing/2014/main" id="{23355A2F-846E-2310-D2AB-0755A3C648AB}"/>
+                <a16:creationId xmlns:a16="http://schemas.microsoft.com/office/drawing/2014/main" id="{58E460AD-C94B-E0D0-E964-91C0688720E4}"/>
               </a:ext>
             </a:extLst>
           </p:cNvPr>
@@ -5240,7 +5327,7 @@
           <p:cNvPr id="6" name="Text Placeholder 5">
             <a:extLst>
               <a:ext uri="{FF2B5EF4-FFF2-40B4-BE49-F238E27FC236}">
-                <a16:creationId xmlns:a16="http://schemas.microsoft.com/office/drawing/2014/main" id="{7C9AF72E-9249-D589-4771-BB8C612FA3F2}"/>
+                <a16:creationId xmlns:a16="http://schemas.microsoft.com/office/drawing/2014/main" id="{4EE716B9-A8A0-31AD-6AA4-559C7ADF0F44}"/>
               </a:ext>
             </a:extLst>
           </p:cNvPr>
@@ -5269,7 +5356,7 @@
           <p:cNvPr id="7" name="Text Placeholder 6">
             <a:extLst>
               <a:ext uri="{FF2B5EF4-FFF2-40B4-BE49-F238E27FC236}">
-                <a16:creationId xmlns:a16="http://schemas.microsoft.com/office/drawing/2014/main" id="{096BF772-66A9-DA8D-D2FF-FF3E1A85D542}"/>
+                <a16:creationId xmlns:a16="http://schemas.microsoft.com/office/drawing/2014/main" id="{E3DA1039-9291-2C0C-AF4A-DA13E43810FF}"/>
               </a:ext>
             </a:extLst>
           </p:cNvPr>
@@ -5296,7 +5383,7 @@
     </p:spTree>
     <p:extLst>
       <p:ext uri="{BB962C8B-B14F-4D97-AF65-F5344CB8AC3E}">
-        <p14:creationId xmlns:p14="http://schemas.microsoft.com/office/powerpoint/2010/main" val="3386179108"/>
+        <p14:creationId xmlns:p14="http://schemas.microsoft.com/office/powerpoint/2010/main" val="3840112127"/>
       </p:ext>
     </p:extLst>
   </p:cSld>
@@ -5315,7 +5402,7 @@
         <p:cNvPr id="1" name="">
           <a:extLst>
             <a:ext uri="{FF2B5EF4-FFF2-40B4-BE49-F238E27FC236}">
-              <a16:creationId xmlns:a16="http://schemas.microsoft.com/office/drawing/2014/main" id="{9F2DE418-B4E4-8ECA-D418-F25AAA4C65B0}"/>
+              <a16:creationId xmlns:a16="http://schemas.microsoft.com/office/drawing/2014/main" id="{4F2D8DEA-7D5E-5EFF-B91D-F55CCA484361}"/>
             </a:ext>
           </a:extLst>
         </p:cNvPr>
@@ -5335,7 +5422,7 @@
           <p:cNvPr id="3" name="Title 1">
             <a:extLst>
               <a:ext uri="{FF2B5EF4-FFF2-40B4-BE49-F238E27FC236}">
-                <a16:creationId xmlns:a16="http://schemas.microsoft.com/office/drawing/2014/main" id="{6B0299F5-BBE8-4D86-2C6F-451C35EB5591}"/>
+                <a16:creationId xmlns:a16="http://schemas.microsoft.com/office/drawing/2014/main" id="{98FE60FB-9E12-8BC6-0936-794F99399DB2}"/>
               </a:ext>
             </a:extLst>
           </p:cNvPr>
@@ -5431,7 +5518,7 @@
           <p:cNvPr id="2" name="Text Placeholder 1">
             <a:extLst>
               <a:ext uri="{FF2B5EF4-FFF2-40B4-BE49-F238E27FC236}">
-                <a16:creationId xmlns:a16="http://schemas.microsoft.com/office/drawing/2014/main" id="{36EE6BB8-BFBB-7464-FCB2-9923FCE84249}"/>
+                <a16:creationId xmlns:a16="http://schemas.microsoft.com/office/drawing/2014/main" id="{7FABB904-A186-1F6A-1DE6-B581B4F7C07C}"/>
               </a:ext>
             </a:extLst>
           </p:cNvPr>
@@ -5460,7 +5547,7 @@
           <p:cNvPr id="4" name="Text Placeholder 3">
             <a:extLst>
               <a:ext uri="{FF2B5EF4-FFF2-40B4-BE49-F238E27FC236}">
-                <a16:creationId xmlns:a16="http://schemas.microsoft.com/office/drawing/2014/main" id="{D3CAE966-4FC6-7279-2A33-859847894AD5}"/>
+                <a16:creationId xmlns:a16="http://schemas.microsoft.com/office/drawing/2014/main" id="{2C027C71-C795-85B3-3554-4876601260B5}"/>
               </a:ext>
             </a:extLst>
           </p:cNvPr>
@@ -5489,7 +5576,7 @@
           <p:cNvPr id="5" name="Text Placeholder 4">
             <a:extLst>
               <a:ext uri="{FF2B5EF4-FFF2-40B4-BE49-F238E27FC236}">
-                <a16:creationId xmlns:a16="http://schemas.microsoft.com/office/drawing/2014/main" id="{6FFB2DD2-5277-3CF7-ABC7-A179DA1079AB}"/>
+                <a16:creationId xmlns:a16="http://schemas.microsoft.com/office/drawing/2014/main" id="{3C0C84B9-C3EC-36AA-F34F-70A03D7788C7}"/>
               </a:ext>
             </a:extLst>
           </p:cNvPr>
@@ -5518,7 +5605,7 @@
           <p:cNvPr id="6" name="Text Placeholder 5">
             <a:extLst>
               <a:ext uri="{FF2B5EF4-FFF2-40B4-BE49-F238E27FC236}">
-                <a16:creationId xmlns:a16="http://schemas.microsoft.com/office/drawing/2014/main" id="{7D99522D-F3DF-E888-6EC4-531976AC5A79}"/>
+                <a16:creationId xmlns:a16="http://schemas.microsoft.com/office/drawing/2014/main" id="{D4793898-F7B4-960F-88A3-A11040AB80A9}"/>
               </a:ext>
             </a:extLst>
           </p:cNvPr>
@@ -5547,7 +5634,7 @@
           <p:cNvPr id="7" name="Text Placeholder 6">
             <a:extLst>
               <a:ext uri="{FF2B5EF4-FFF2-40B4-BE49-F238E27FC236}">
-                <a16:creationId xmlns:a16="http://schemas.microsoft.com/office/drawing/2014/main" id="{DEEBB862-C56E-62FC-F746-E8E002AAFACC}"/>
+                <a16:creationId xmlns:a16="http://schemas.microsoft.com/office/drawing/2014/main" id="{1FA12C5F-5985-D3B5-2BED-0C552EE14D71}"/>
               </a:ext>
             </a:extLst>
           </p:cNvPr>
@@ -5574,7 +5661,7 @@
     </p:spTree>
     <p:extLst>
       <p:ext uri="{BB962C8B-B14F-4D97-AF65-F5344CB8AC3E}">
-        <p14:creationId xmlns:p14="http://schemas.microsoft.com/office/powerpoint/2010/main" val="4278731145"/>
+        <p14:creationId xmlns:p14="http://schemas.microsoft.com/office/powerpoint/2010/main" val="2627924273"/>
       </p:ext>
     </p:extLst>
   </p:cSld>
@@ -5593,7 +5680,7 @@
         <p:cNvPr id="1" name="">
           <a:extLst>
             <a:ext uri="{FF2B5EF4-FFF2-40B4-BE49-F238E27FC236}">
-              <a16:creationId xmlns:a16="http://schemas.microsoft.com/office/drawing/2014/main" id="{EBF7EF39-B8E6-7FB6-23C1-BC9BE0A0CD79}"/>
+              <a16:creationId xmlns:a16="http://schemas.microsoft.com/office/drawing/2014/main" id="{E86B27DA-6651-A62B-492E-5E4049C44320}"/>
             </a:ext>
           </a:extLst>
         </p:cNvPr>
@@ -5613,7 +5700,7 @@
           <p:cNvPr id="3" name="Title 1">
             <a:extLst>
               <a:ext uri="{FF2B5EF4-FFF2-40B4-BE49-F238E27FC236}">
-                <a16:creationId xmlns:a16="http://schemas.microsoft.com/office/drawing/2014/main" id="{FCAA6F38-394C-2AFE-9C71-E6C2A6491496}"/>
+                <a16:creationId xmlns:a16="http://schemas.microsoft.com/office/drawing/2014/main" id="{E5E0887E-362C-BBC4-097A-066E0625A950}"/>
               </a:ext>
             </a:extLst>
           </p:cNvPr>
@@ -5709,7 +5796,7 @@
           <p:cNvPr id="2" name="Text Placeholder 1">
             <a:extLst>
               <a:ext uri="{FF2B5EF4-FFF2-40B4-BE49-F238E27FC236}">
-                <a16:creationId xmlns:a16="http://schemas.microsoft.com/office/drawing/2014/main" id="{98834701-92C0-7C21-7BE7-91B72CFE725B}"/>
+                <a16:creationId xmlns:a16="http://schemas.microsoft.com/office/drawing/2014/main" id="{43C4C2AF-1053-CFFD-79AD-AE76383CF01D}"/>
               </a:ext>
             </a:extLst>
           </p:cNvPr>
@@ -5738,7 +5825,7 @@
           <p:cNvPr id="4" name="Text Placeholder 3">
             <a:extLst>
               <a:ext uri="{FF2B5EF4-FFF2-40B4-BE49-F238E27FC236}">
-                <a16:creationId xmlns:a16="http://schemas.microsoft.com/office/drawing/2014/main" id="{F34ABDF6-0699-70D2-8642-652EB5F4EB8D}"/>
+                <a16:creationId xmlns:a16="http://schemas.microsoft.com/office/drawing/2014/main" id="{86EA427C-2F5B-830C-02CD-22477D7C637E}"/>
               </a:ext>
             </a:extLst>
           </p:cNvPr>
@@ -5767,7 +5854,7 @@
           <p:cNvPr id="5" name="Text Placeholder 4">
             <a:extLst>
               <a:ext uri="{FF2B5EF4-FFF2-40B4-BE49-F238E27FC236}">
-                <a16:creationId xmlns:a16="http://schemas.microsoft.com/office/drawing/2014/main" id="{93143ED6-2FF9-074E-EA05-16423B993AF2}"/>
+                <a16:creationId xmlns:a16="http://schemas.microsoft.com/office/drawing/2014/main" id="{5A9EB5D9-4451-AFA5-D9D3-46C787758A23}"/>
               </a:ext>
             </a:extLst>
           </p:cNvPr>
@@ -5796,7 +5883,7 @@
           <p:cNvPr id="6" name="Text Placeholder 5">
             <a:extLst>
               <a:ext uri="{FF2B5EF4-FFF2-40B4-BE49-F238E27FC236}">
-                <a16:creationId xmlns:a16="http://schemas.microsoft.com/office/drawing/2014/main" id="{F63F4974-5B2D-D9F7-5967-25ECB5AE073D}"/>
+                <a16:creationId xmlns:a16="http://schemas.microsoft.com/office/drawing/2014/main" id="{6E9425A9-7145-567E-85D9-51B8A846DD0D}"/>
               </a:ext>
             </a:extLst>
           </p:cNvPr>
@@ -5825,7 +5912,7 @@
           <p:cNvPr id="7" name="Text Placeholder 6">
             <a:extLst>
               <a:ext uri="{FF2B5EF4-FFF2-40B4-BE49-F238E27FC236}">
-                <a16:creationId xmlns:a16="http://schemas.microsoft.com/office/drawing/2014/main" id="{5233D592-F386-6420-6340-93950C86513D}"/>
+                <a16:creationId xmlns:a16="http://schemas.microsoft.com/office/drawing/2014/main" id="{3C92D58E-7A11-93AD-1261-1143968367CB}"/>
               </a:ext>
             </a:extLst>
           </p:cNvPr>
@@ -5852,7 +5939,7 @@
     </p:spTree>
     <p:extLst>
       <p:ext uri="{BB962C8B-B14F-4D97-AF65-F5344CB8AC3E}">
-        <p14:creationId xmlns:p14="http://schemas.microsoft.com/office/powerpoint/2010/main" val="3789602411"/>
+        <p14:creationId xmlns:p14="http://schemas.microsoft.com/office/powerpoint/2010/main" val="37660425"/>
       </p:ext>
     </p:extLst>
   </p:cSld>
@@ -5871,7 +5958,7 @@
         <p:cNvPr id="1" name="">
           <a:extLst>
             <a:ext uri="{FF2B5EF4-FFF2-40B4-BE49-F238E27FC236}">
-              <a16:creationId xmlns:a16="http://schemas.microsoft.com/office/drawing/2014/main" id="{EE52CFC5-0AFF-B3D1-5428-533FE742D476}"/>
+              <a16:creationId xmlns:a16="http://schemas.microsoft.com/office/drawing/2014/main" id="{6ABFD5BC-5926-B2AF-8ACD-8A84E7E8BE7F}"/>
             </a:ext>
           </a:extLst>
         </p:cNvPr>
@@ -5891,7 +5978,7 @@
           <p:cNvPr id="3" name="Title 1">
             <a:extLst>
               <a:ext uri="{FF2B5EF4-FFF2-40B4-BE49-F238E27FC236}">
-                <a16:creationId xmlns:a16="http://schemas.microsoft.com/office/drawing/2014/main" id="{68AC543C-A031-FA6C-C5E3-E5201357F185}"/>
+                <a16:creationId xmlns:a16="http://schemas.microsoft.com/office/drawing/2014/main" id="{B61A8E02-2E77-B842-A3E9-0F9D62F5495B}"/>
               </a:ext>
             </a:extLst>
           </p:cNvPr>
@@ -5987,7 +6074,7 @@
           <p:cNvPr id="2" name="Text Placeholder 1">
             <a:extLst>
               <a:ext uri="{FF2B5EF4-FFF2-40B4-BE49-F238E27FC236}">
-                <a16:creationId xmlns:a16="http://schemas.microsoft.com/office/drawing/2014/main" id="{9BC150B4-1E4F-0D73-9737-6999624C644F}"/>
+                <a16:creationId xmlns:a16="http://schemas.microsoft.com/office/drawing/2014/main" id="{D9B54D0A-6C4C-3B5F-F693-CEF8B2BF341E}"/>
               </a:ext>
             </a:extLst>
           </p:cNvPr>
@@ -6016,7 +6103,7 @@
           <p:cNvPr id="4" name="Text Placeholder 3">
             <a:extLst>
               <a:ext uri="{FF2B5EF4-FFF2-40B4-BE49-F238E27FC236}">
-                <a16:creationId xmlns:a16="http://schemas.microsoft.com/office/drawing/2014/main" id="{D928AB82-AFAA-361C-B1AA-42C9B5997424}"/>
+                <a16:creationId xmlns:a16="http://schemas.microsoft.com/office/drawing/2014/main" id="{C17200CA-945C-93FC-40FD-A4BE7E50DF8E}"/>
               </a:ext>
             </a:extLst>
           </p:cNvPr>
@@ -6045,7 +6132,7 @@
           <p:cNvPr id="5" name="Text Placeholder 4">
             <a:extLst>
               <a:ext uri="{FF2B5EF4-FFF2-40B4-BE49-F238E27FC236}">
-                <a16:creationId xmlns:a16="http://schemas.microsoft.com/office/drawing/2014/main" id="{018F0CA1-35E4-842E-0B02-48DEED8F9436}"/>
+                <a16:creationId xmlns:a16="http://schemas.microsoft.com/office/drawing/2014/main" id="{CB82B35D-A0C9-27BE-AECC-8DF663DEA3E5}"/>
               </a:ext>
             </a:extLst>
           </p:cNvPr>
@@ -6074,7 +6161,7 @@
           <p:cNvPr id="6" name="Text Placeholder 5">
             <a:extLst>
               <a:ext uri="{FF2B5EF4-FFF2-40B4-BE49-F238E27FC236}">
-                <a16:creationId xmlns:a16="http://schemas.microsoft.com/office/drawing/2014/main" id="{7B019C1A-4992-AAC4-CE8B-B0A328E97859}"/>
+                <a16:creationId xmlns:a16="http://schemas.microsoft.com/office/drawing/2014/main" id="{7AB421EC-B639-4E63-AE89-ABD9A5097EB1}"/>
               </a:ext>
             </a:extLst>
           </p:cNvPr>
@@ -6103,7 +6190,7 @@
           <p:cNvPr id="7" name="Text Placeholder 6">
             <a:extLst>
               <a:ext uri="{FF2B5EF4-FFF2-40B4-BE49-F238E27FC236}">
-                <a16:creationId xmlns:a16="http://schemas.microsoft.com/office/drawing/2014/main" id="{3F82CC56-5BA9-6E3B-6231-FFDA3C2336DB}"/>
+                <a16:creationId xmlns:a16="http://schemas.microsoft.com/office/drawing/2014/main" id="{8F919B69-6C60-BD89-409C-457A932AAEC0}"/>
               </a:ext>
             </a:extLst>
           </p:cNvPr>
@@ -6130,7 +6217,7 @@
     </p:spTree>
     <p:extLst>
       <p:ext uri="{BB962C8B-B14F-4D97-AF65-F5344CB8AC3E}">
-        <p14:creationId xmlns:p14="http://schemas.microsoft.com/office/powerpoint/2010/main" val="621016044"/>
+        <p14:creationId xmlns:p14="http://schemas.microsoft.com/office/powerpoint/2010/main" val="3271437476"/>
       </p:ext>
     </p:extLst>
   </p:cSld>
@@ -6149,7 +6236,7 @@
         <p:cNvPr id="1" name="">
           <a:extLst>
             <a:ext uri="{FF2B5EF4-FFF2-40B4-BE49-F238E27FC236}">
-              <a16:creationId xmlns:a16="http://schemas.microsoft.com/office/drawing/2014/main" id="{1FAC7B52-5B92-F085-1BDA-77EFF794A2F1}"/>
+              <a16:creationId xmlns:a16="http://schemas.microsoft.com/office/drawing/2014/main" id="{77688982-56BF-197B-BF7E-D34713489350}"/>
             </a:ext>
           </a:extLst>
         </p:cNvPr>
@@ -6169,7 +6256,7 @@
           <p:cNvPr id="3" name="Title 1">
             <a:extLst>
               <a:ext uri="{FF2B5EF4-FFF2-40B4-BE49-F238E27FC236}">
-                <a16:creationId xmlns:a16="http://schemas.microsoft.com/office/drawing/2014/main" id="{397BF53B-8540-1AF3-5C3A-10CE5CA26556}"/>
+                <a16:creationId xmlns:a16="http://schemas.microsoft.com/office/drawing/2014/main" id="{C4900641-62B0-7C73-83EA-EC784BD15EE5}"/>
               </a:ext>
             </a:extLst>
           </p:cNvPr>
@@ -6265,7 +6352,7 @@
           <p:cNvPr id="2" name="Text Placeholder 1">
             <a:extLst>
               <a:ext uri="{FF2B5EF4-FFF2-40B4-BE49-F238E27FC236}">
-                <a16:creationId xmlns:a16="http://schemas.microsoft.com/office/drawing/2014/main" id="{7856D34F-1630-10E9-A2A8-C5BF3D03D7D4}"/>
+                <a16:creationId xmlns:a16="http://schemas.microsoft.com/office/drawing/2014/main" id="{5F906C18-7800-2C1C-700C-537E9C5BF719}"/>
               </a:ext>
             </a:extLst>
           </p:cNvPr>
@@ -6294,7 +6381,7 @@
           <p:cNvPr id="4" name="Text Placeholder 3">
             <a:extLst>
               <a:ext uri="{FF2B5EF4-FFF2-40B4-BE49-F238E27FC236}">
-                <a16:creationId xmlns:a16="http://schemas.microsoft.com/office/drawing/2014/main" id="{CCC096C9-22C5-E63D-1C67-5FA5FCAE2031}"/>
+                <a16:creationId xmlns:a16="http://schemas.microsoft.com/office/drawing/2014/main" id="{AE72D125-4B22-C11B-F6EC-1EF6E14D430C}"/>
               </a:ext>
             </a:extLst>
           </p:cNvPr>
@@ -6323,7 +6410,7 @@
           <p:cNvPr id="5" name="Text Placeholder 4">
             <a:extLst>
               <a:ext uri="{FF2B5EF4-FFF2-40B4-BE49-F238E27FC236}">
-                <a16:creationId xmlns:a16="http://schemas.microsoft.com/office/drawing/2014/main" id="{884B063D-EFB7-1F0E-EC1C-522B5BE3285F}"/>
+                <a16:creationId xmlns:a16="http://schemas.microsoft.com/office/drawing/2014/main" id="{D9155FCB-3B5C-8AE2-BC73-934B2E6ABEFD}"/>
               </a:ext>
             </a:extLst>
           </p:cNvPr>
@@ -6352,7 +6439,7 @@
           <p:cNvPr id="6" name="Text Placeholder 5">
             <a:extLst>
               <a:ext uri="{FF2B5EF4-FFF2-40B4-BE49-F238E27FC236}">
-                <a16:creationId xmlns:a16="http://schemas.microsoft.com/office/drawing/2014/main" id="{FE6B6E6D-43AB-8D84-D6A8-4D001BD08C23}"/>
+                <a16:creationId xmlns:a16="http://schemas.microsoft.com/office/drawing/2014/main" id="{82029085-A5BA-19BD-8D5A-56792056D16A}"/>
               </a:ext>
             </a:extLst>
           </p:cNvPr>
@@ -6381,7 +6468,7 @@
           <p:cNvPr id="7" name="Text Placeholder 6">
             <a:extLst>
               <a:ext uri="{FF2B5EF4-FFF2-40B4-BE49-F238E27FC236}">
-                <a16:creationId xmlns:a16="http://schemas.microsoft.com/office/drawing/2014/main" id="{A213E122-F098-D1CD-CA7F-429050F4E05D}"/>
+                <a16:creationId xmlns:a16="http://schemas.microsoft.com/office/drawing/2014/main" id="{BB070418-0911-ABBE-2DEE-C8EBF3AFD005}"/>
               </a:ext>
             </a:extLst>
           </p:cNvPr>
@@ -6408,7 +6495,7 @@
     </p:spTree>
     <p:extLst>
       <p:ext uri="{BB962C8B-B14F-4D97-AF65-F5344CB8AC3E}">
-        <p14:creationId xmlns:p14="http://schemas.microsoft.com/office/powerpoint/2010/main" val="1294871541"/>
+        <p14:creationId xmlns:p14="http://schemas.microsoft.com/office/powerpoint/2010/main" val="1276978093"/>
       </p:ext>
     </p:extLst>
   </p:cSld>
@@ -6427,7 +6514,7 @@
         <p:cNvPr id="1" name="">
           <a:extLst>
             <a:ext uri="{FF2B5EF4-FFF2-40B4-BE49-F238E27FC236}">
-              <a16:creationId xmlns:a16="http://schemas.microsoft.com/office/drawing/2014/main" id="{3B07DEF1-2B5E-A254-52E5-3C58E6A76751}"/>
+              <a16:creationId xmlns:a16="http://schemas.microsoft.com/office/drawing/2014/main" id="{552BE0FD-0A36-941D-1E8A-B2CC5318E512}"/>
             </a:ext>
           </a:extLst>
         </p:cNvPr>
@@ -6447,7 +6534,7 @@
           <p:cNvPr id="3" name="Title 1">
             <a:extLst>
               <a:ext uri="{FF2B5EF4-FFF2-40B4-BE49-F238E27FC236}">
-                <a16:creationId xmlns:a16="http://schemas.microsoft.com/office/drawing/2014/main" id="{66037F14-25F6-29DF-8454-5DADB5B90711}"/>
+                <a16:creationId xmlns:a16="http://schemas.microsoft.com/office/drawing/2014/main" id="{4862BD54-41A8-A666-02E8-6D81B8B4C89B}"/>
               </a:ext>
             </a:extLst>
           </p:cNvPr>
@@ -6543,7 +6630,7 @@
           <p:cNvPr id="2" name="Text Placeholder 1">
             <a:extLst>
               <a:ext uri="{FF2B5EF4-FFF2-40B4-BE49-F238E27FC236}">
-                <a16:creationId xmlns:a16="http://schemas.microsoft.com/office/drawing/2014/main" id="{E3F9241C-4CD2-92E0-43B8-90EA8FAFB5E4}"/>
+                <a16:creationId xmlns:a16="http://schemas.microsoft.com/office/drawing/2014/main" id="{D75D6AAF-F25C-3B89-A9AF-43D25C40270C}"/>
               </a:ext>
             </a:extLst>
           </p:cNvPr>
@@ -6572,7 +6659,7 @@
           <p:cNvPr id="4" name="Text Placeholder 3">
             <a:extLst>
               <a:ext uri="{FF2B5EF4-FFF2-40B4-BE49-F238E27FC236}">
-                <a16:creationId xmlns:a16="http://schemas.microsoft.com/office/drawing/2014/main" id="{2C917A43-0E7E-ABF3-633A-36F3A20F43B5}"/>
+                <a16:creationId xmlns:a16="http://schemas.microsoft.com/office/drawing/2014/main" id="{1EDC9FB5-4060-821D-D71F-61BD5A56F048}"/>
               </a:ext>
             </a:extLst>
           </p:cNvPr>
@@ -6601,7 +6688,7 @@
           <p:cNvPr id="5" name="Text Placeholder 4">
             <a:extLst>
               <a:ext uri="{FF2B5EF4-FFF2-40B4-BE49-F238E27FC236}">
-                <a16:creationId xmlns:a16="http://schemas.microsoft.com/office/drawing/2014/main" id="{5A757D02-4849-E913-8089-634F3219574D}"/>
+                <a16:creationId xmlns:a16="http://schemas.microsoft.com/office/drawing/2014/main" id="{69827250-985F-C8BD-C5C2-6D716A9B33D8}"/>
               </a:ext>
             </a:extLst>
           </p:cNvPr>
@@ -6630,7 +6717,7 @@
           <p:cNvPr id="6" name="Text Placeholder 5">
             <a:extLst>
               <a:ext uri="{FF2B5EF4-FFF2-40B4-BE49-F238E27FC236}">
-                <a16:creationId xmlns:a16="http://schemas.microsoft.com/office/drawing/2014/main" id="{2444F7C8-C030-3B2D-7A79-FAE205017986}"/>
+                <a16:creationId xmlns:a16="http://schemas.microsoft.com/office/drawing/2014/main" id="{8998CFA4-B63E-C6BD-5C45-8EA453A34F85}"/>
               </a:ext>
             </a:extLst>
           </p:cNvPr>
@@ -6659,7 +6746,7 @@
           <p:cNvPr id="7" name="Text Placeholder 6">
             <a:extLst>
               <a:ext uri="{FF2B5EF4-FFF2-40B4-BE49-F238E27FC236}">
-                <a16:creationId xmlns:a16="http://schemas.microsoft.com/office/drawing/2014/main" id="{58329646-1CBF-FAB0-A0F5-CF8F5F415AB2}"/>
+                <a16:creationId xmlns:a16="http://schemas.microsoft.com/office/drawing/2014/main" id="{35769922-C36F-37FC-160B-1F0E0234DF2E}"/>
               </a:ext>
             </a:extLst>
           </p:cNvPr>
@@ -6686,7 +6773,7 @@
     </p:spTree>
     <p:extLst>
       <p:ext uri="{BB962C8B-B14F-4D97-AF65-F5344CB8AC3E}">
-        <p14:creationId xmlns:p14="http://schemas.microsoft.com/office/powerpoint/2010/main" val="3557713462"/>
+        <p14:creationId xmlns:p14="http://schemas.microsoft.com/office/powerpoint/2010/main" val="1467377282"/>
       </p:ext>
     </p:extLst>
   </p:cSld>
@@ -6705,7 +6792,7 @@
         <p:cNvPr id="1" name="">
           <a:extLst>
             <a:ext uri="{FF2B5EF4-FFF2-40B4-BE49-F238E27FC236}">
-              <a16:creationId xmlns:a16="http://schemas.microsoft.com/office/drawing/2014/main" id="{DE0A2192-2489-EAF7-0B05-E68076B3ED98}"/>
+              <a16:creationId xmlns:a16="http://schemas.microsoft.com/office/drawing/2014/main" id="{DAEC7A15-57A4-32AF-D101-0A790BE9D5FE}"/>
             </a:ext>
           </a:extLst>
         </p:cNvPr>
@@ -6725,7 +6812,7 @@
           <p:cNvPr id="3" name="Title 1">
             <a:extLst>
               <a:ext uri="{FF2B5EF4-FFF2-40B4-BE49-F238E27FC236}">
-                <a16:creationId xmlns:a16="http://schemas.microsoft.com/office/drawing/2014/main" id="{5F1E51F6-C37A-DCF7-BA44-5A8D78B24476}"/>
+                <a16:creationId xmlns:a16="http://schemas.microsoft.com/office/drawing/2014/main" id="{78ADE9FB-D633-CC6D-CE40-5F442E87E347}"/>
               </a:ext>
             </a:extLst>
           </p:cNvPr>
@@ -6821,7 +6908,7 @@
           <p:cNvPr id="2" name="Text Placeholder 1">
             <a:extLst>
               <a:ext uri="{FF2B5EF4-FFF2-40B4-BE49-F238E27FC236}">
-                <a16:creationId xmlns:a16="http://schemas.microsoft.com/office/drawing/2014/main" id="{6DC82028-7BF0-31B6-F877-795CA0067213}"/>
+                <a16:creationId xmlns:a16="http://schemas.microsoft.com/office/drawing/2014/main" id="{A47AC064-36B4-EE8C-E857-B0EAC92AAF05}"/>
               </a:ext>
             </a:extLst>
           </p:cNvPr>
@@ -6850,7 +6937,7 @@
           <p:cNvPr id="4" name="Text Placeholder 3">
             <a:extLst>
               <a:ext uri="{FF2B5EF4-FFF2-40B4-BE49-F238E27FC236}">
-                <a16:creationId xmlns:a16="http://schemas.microsoft.com/office/drawing/2014/main" id="{846B7764-5D1C-FCCA-D380-914F81263901}"/>
+                <a16:creationId xmlns:a16="http://schemas.microsoft.com/office/drawing/2014/main" id="{88E30B06-407F-2757-D9F4-90EFAFB97C7A}"/>
               </a:ext>
             </a:extLst>
           </p:cNvPr>
@@ -6879,7 +6966,7 @@
           <p:cNvPr id="5" name="Text Placeholder 4">
             <a:extLst>
               <a:ext uri="{FF2B5EF4-FFF2-40B4-BE49-F238E27FC236}">
-                <a16:creationId xmlns:a16="http://schemas.microsoft.com/office/drawing/2014/main" id="{4CF177E3-35B8-6B1B-4868-AA4623FEDCB9}"/>
+                <a16:creationId xmlns:a16="http://schemas.microsoft.com/office/drawing/2014/main" id="{DB463BC4-CB20-C401-3F98-C590B2788FC2}"/>
               </a:ext>
             </a:extLst>
           </p:cNvPr>
@@ -6908,7 +6995,7 @@
           <p:cNvPr id="6" name="Text Placeholder 5">
             <a:extLst>
               <a:ext uri="{FF2B5EF4-FFF2-40B4-BE49-F238E27FC236}">
-                <a16:creationId xmlns:a16="http://schemas.microsoft.com/office/drawing/2014/main" id="{84B7AAD3-9940-47DB-FF6A-83DE623DA2AE}"/>
+                <a16:creationId xmlns:a16="http://schemas.microsoft.com/office/drawing/2014/main" id="{7C38DBCB-F23E-209C-A460-E6ECED4C518F}"/>
               </a:ext>
             </a:extLst>
           </p:cNvPr>
@@ -6937,7 +7024,7 @@
           <p:cNvPr id="7" name="Text Placeholder 6">
             <a:extLst>
               <a:ext uri="{FF2B5EF4-FFF2-40B4-BE49-F238E27FC236}">
-                <a16:creationId xmlns:a16="http://schemas.microsoft.com/office/drawing/2014/main" id="{D48923F4-8DC3-9BE5-4DC6-347F2A86F4F3}"/>
+                <a16:creationId xmlns:a16="http://schemas.microsoft.com/office/drawing/2014/main" id="{6684B66D-7966-DCB2-D694-7A2FDAD45233}"/>
               </a:ext>
             </a:extLst>
           </p:cNvPr>
@@ -6964,7 +7051,7 @@
     </p:spTree>
     <p:extLst>
       <p:ext uri="{BB962C8B-B14F-4D97-AF65-F5344CB8AC3E}">
-        <p14:creationId xmlns:p14="http://schemas.microsoft.com/office/powerpoint/2010/main" val="534033098"/>
+        <p14:creationId xmlns:p14="http://schemas.microsoft.com/office/powerpoint/2010/main" val="133955782"/>
       </p:ext>
     </p:extLst>
   </p:cSld>
@@ -6983,7 +7070,7 @@
         <p:cNvPr id="1" name="">
           <a:extLst>
             <a:ext uri="{FF2B5EF4-FFF2-40B4-BE49-F238E27FC236}">
-              <a16:creationId xmlns:a16="http://schemas.microsoft.com/office/drawing/2014/main" id="{36FB69B0-3582-184D-77EA-9C0E8F6BE86A}"/>
+              <a16:creationId xmlns:a16="http://schemas.microsoft.com/office/drawing/2014/main" id="{626B1A56-F791-8259-2C44-B70F6E742B8F}"/>
             </a:ext>
           </a:extLst>
         </p:cNvPr>
@@ -7003,7 +7090,7 @@
           <p:cNvPr id="3" name="Title 1">
             <a:extLst>
               <a:ext uri="{FF2B5EF4-FFF2-40B4-BE49-F238E27FC236}">
-                <a16:creationId xmlns:a16="http://schemas.microsoft.com/office/drawing/2014/main" id="{B571A698-7486-7304-A1DC-67F50D8B1C9E}"/>
+                <a16:creationId xmlns:a16="http://schemas.microsoft.com/office/drawing/2014/main" id="{6A800208-C3BE-A408-5A6B-602CB2509BE3}"/>
               </a:ext>
             </a:extLst>
           </p:cNvPr>
@@ -7099,7 +7186,7 @@
           <p:cNvPr id="2" name="Text Placeholder 1">
             <a:extLst>
               <a:ext uri="{FF2B5EF4-FFF2-40B4-BE49-F238E27FC236}">
-                <a16:creationId xmlns:a16="http://schemas.microsoft.com/office/drawing/2014/main" id="{2B57DFD7-81CE-F165-CD45-903E6B43C86B}"/>
+                <a16:creationId xmlns:a16="http://schemas.microsoft.com/office/drawing/2014/main" id="{CC93E5B9-169E-38C9-FC21-857425080DCF}"/>
               </a:ext>
             </a:extLst>
           </p:cNvPr>
@@ -7128,7 +7215,7 @@
           <p:cNvPr id="4" name="Text Placeholder 3">
             <a:extLst>
               <a:ext uri="{FF2B5EF4-FFF2-40B4-BE49-F238E27FC236}">
-                <a16:creationId xmlns:a16="http://schemas.microsoft.com/office/drawing/2014/main" id="{62F4F92D-EE6F-AF1F-639A-A63126493B48}"/>
+                <a16:creationId xmlns:a16="http://schemas.microsoft.com/office/drawing/2014/main" id="{D1A5F4DB-7C2B-B056-4888-B444947D1D27}"/>
               </a:ext>
             </a:extLst>
           </p:cNvPr>
@@ -7157,7 +7244,7 @@
           <p:cNvPr id="5" name="Text Placeholder 4">
             <a:extLst>
               <a:ext uri="{FF2B5EF4-FFF2-40B4-BE49-F238E27FC236}">
-                <a16:creationId xmlns:a16="http://schemas.microsoft.com/office/drawing/2014/main" id="{5AE4DAA2-B785-9894-8FCF-C4C3E6059EA9}"/>
+                <a16:creationId xmlns:a16="http://schemas.microsoft.com/office/drawing/2014/main" id="{CD2A65CB-C2AF-7499-5A87-AA465F1661FC}"/>
               </a:ext>
             </a:extLst>
           </p:cNvPr>
@@ -7186,7 +7273,7 @@
           <p:cNvPr id="6" name="Text Placeholder 5">
             <a:extLst>
               <a:ext uri="{FF2B5EF4-FFF2-40B4-BE49-F238E27FC236}">
-                <a16:creationId xmlns:a16="http://schemas.microsoft.com/office/drawing/2014/main" id="{D397EBB6-AF78-77C8-FB49-233F02EEB52E}"/>
+                <a16:creationId xmlns:a16="http://schemas.microsoft.com/office/drawing/2014/main" id="{D788A60A-7FA7-532C-05B5-2E4D24AEE4F3}"/>
               </a:ext>
             </a:extLst>
           </p:cNvPr>
@@ -7215,7 +7302,7 @@
           <p:cNvPr id="7" name="Text Placeholder 6">
             <a:extLst>
               <a:ext uri="{FF2B5EF4-FFF2-40B4-BE49-F238E27FC236}">
-                <a16:creationId xmlns:a16="http://schemas.microsoft.com/office/drawing/2014/main" id="{4E679D72-8E7D-553B-989D-027333FD0F84}"/>
+                <a16:creationId xmlns:a16="http://schemas.microsoft.com/office/drawing/2014/main" id="{7A3B7CD2-D497-9468-63A3-3453E0969CF1}"/>
               </a:ext>
             </a:extLst>
           </p:cNvPr>
@@ -7242,7 +7329,7 @@
     </p:spTree>
     <p:extLst>
       <p:ext uri="{BB962C8B-B14F-4D97-AF65-F5344CB8AC3E}">
-        <p14:creationId xmlns:p14="http://schemas.microsoft.com/office/powerpoint/2010/main" val="31183829"/>
+        <p14:creationId xmlns:p14="http://schemas.microsoft.com/office/powerpoint/2010/main" val="4146335172"/>
       </p:ext>
     </p:extLst>
   </p:cSld>
@@ -7261,7 +7348,7 @@
         <p:cNvPr id="1" name="">
           <a:extLst>
             <a:ext uri="{FF2B5EF4-FFF2-40B4-BE49-F238E27FC236}">
-              <a16:creationId xmlns:a16="http://schemas.microsoft.com/office/drawing/2014/main" id="{28D4A69B-6FD2-CBF1-1ECB-96DD6389E339}"/>
+              <a16:creationId xmlns:a16="http://schemas.microsoft.com/office/drawing/2014/main" id="{1C97CFFA-A8CC-57CD-7346-6B0BDFB184F1}"/>
             </a:ext>
           </a:extLst>
         </p:cNvPr>
@@ -7281,7 +7368,7 @@
           <p:cNvPr id="3" name="Title 1">
             <a:extLst>
               <a:ext uri="{FF2B5EF4-FFF2-40B4-BE49-F238E27FC236}">
-                <a16:creationId xmlns:a16="http://schemas.microsoft.com/office/drawing/2014/main" id="{F56C586F-9151-71B4-E997-47AF783790F9}"/>
+                <a16:creationId xmlns:a16="http://schemas.microsoft.com/office/drawing/2014/main" id="{2F216743-B295-68F9-911C-EC5CA3B09B8C}"/>
               </a:ext>
             </a:extLst>
           </p:cNvPr>
@@ -7377,7 +7464,7 @@
           <p:cNvPr id="2" name="Text Placeholder 1">
             <a:extLst>
               <a:ext uri="{FF2B5EF4-FFF2-40B4-BE49-F238E27FC236}">
-                <a16:creationId xmlns:a16="http://schemas.microsoft.com/office/drawing/2014/main" id="{48E237CD-E8B0-A79C-7F6F-6ABF893E9E66}"/>
+                <a16:creationId xmlns:a16="http://schemas.microsoft.com/office/drawing/2014/main" id="{1A525C65-5B09-8F1E-22A1-FB4F3D08069D}"/>
               </a:ext>
             </a:extLst>
           </p:cNvPr>
@@ -7406,7 +7493,7 @@
           <p:cNvPr id="4" name="Text Placeholder 3">
             <a:extLst>
               <a:ext uri="{FF2B5EF4-FFF2-40B4-BE49-F238E27FC236}">
-                <a16:creationId xmlns:a16="http://schemas.microsoft.com/office/drawing/2014/main" id="{AEC3AEA7-CBCA-84E0-7761-FFF65B3603D8}"/>
+                <a16:creationId xmlns:a16="http://schemas.microsoft.com/office/drawing/2014/main" id="{6B353290-5EA5-0B25-4514-5D4CA51F2EE7}"/>
               </a:ext>
             </a:extLst>
           </p:cNvPr>
@@ -7435,7 +7522,7 @@
           <p:cNvPr id="5" name="Text Placeholder 4">
             <a:extLst>
               <a:ext uri="{FF2B5EF4-FFF2-40B4-BE49-F238E27FC236}">
-                <a16:creationId xmlns:a16="http://schemas.microsoft.com/office/drawing/2014/main" id="{DB8B5114-82D5-52DC-1BC0-90EB7290D87E}"/>
+                <a16:creationId xmlns:a16="http://schemas.microsoft.com/office/drawing/2014/main" id="{2A47EF64-486C-90EC-A3C9-970744570A8D}"/>
               </a:ext>
             </a:extLst>
           </p:cNvPr>
@@ -7464,7 +7551,7 @@
           <p:cNvPr id="6" name="Text Placeholder 5">
             <a:extLst>
               <a:ext uri="{FF2B5EF4-FFF2-40B4-BE49-F238E27FC236}">
-                <a16:creationId xmlns:a16="http://schemas.microsoft.com/office/drawing/2014/main" id="{C37E8A64-BD64-F514-6390-0214879253B4}"/>
+                <a16:creationId xmlns:a16="http://schemas.microsoft.com/office/drawing/2014/main" id="{BE04F46C-AB93-C69A-C328-7D18E442D5F2}"/>
               </a:ext>
             </a:extLst>
           </p:cNvPr>
@@ -7493,7 +7580,7 @@
           <p:cNvPr id="7" name="Text Placeholder 6">
             <a:extLst>
               <a:ext uri="{FF2B5EF4-FFF2-40B4-BE49-F238E27FC236}">
-                <a16:creationId xmlns:a16="http://schemas.microsoft.com/office/drawing/2014/main" id="{F8EE0199-0328-F6C0-3617-52A4CFC6914A}"/>
+                <a16:creationId xmlns:a16="http://schemas.microsoft.com/office/drawing/2014/main" id="{AC7510BB-CFC0-55D0-AA08-DB5EE21B8B7B}"/>
               </a:ext>
             </a:extLst>
           </p:cNvPr>
@@ -7520,7 +7607,7 @@
     </p:spTree>
     <p:extLst>
       <p:ext uri="{BB962C8B-B14F-4D97-AF65-F5344CB8AC3E}">
-        <p14:creationId xmlns:p14="http://schemas.microsoft.com/office/powerpoint/2010/main" val="2395668464"/>
+        <p14:creationId xmlns:p14="http://schemas.microsoft.com/office/powerpoint/2010/main" val="3704884060"/>
       </p:ext>
     </p:extLst>
   </p:cSld>
